--- a/Java 8 & TDP.pptx
+++ b/Java 8 & TDP.pptx
@@ -5,7 +5,7 @@
     <p:sldMasterId id="2147483648" r:id="rId1"/>
   </p:sldMasterIdLst>
   <p:notesMasterIdLst>
-    <p:notesMasterId r:id="rId57"/>
+    <p:notesMasterId r:id="rId60"/>
   </p:notesMasterIdLst>
   <p:sldIdLst>
     <p:sldId id="257" r:id="rId2"/>
@@ -61,8 +61,11 @@
     <p:sldId id="334" r:id="rId52"/>
     <p:sldId id="336" r:id="rId53"/>
     <p:sldId id="337" r:id="rId54"/>
-    <p:sldId id="295" r:id="rId55"/>
-    <p:sldId id="298" r:id="rId56"/>
+    <p:sldId id="359" r:id="rId55"/>
+    <p:sldId id="360" r:id="rId56"/>
+    <p:sldId id="361" r:id="rId57"/>
+    <p:sldId id="295" r:id="rId58"/>
+    <p:sldId id="298" r:id="rId59"/>
   </p:sldIdLst>
   <p:sldSz cx="12192000" cy="6858000"/>
   <p:notesSz cx="6858000" cy="9144000"/>
@@ -274,7 +277,7 @@
           <a:p>
             <a:fld id="{A2059664-99B4-4163-A825-53E3BC2F8344}" type="datetimeFigureOut">
               <a:rPr lang="en-IE" smtClean="0"/>
-              <a:t>28/04/2017</a:t>
+              <a:t>02/05/2017</a:t>
             </a:fld>
             <a:endParaRPr lang="en-IE"/>
           </a:p>
@@ -2310,7 +2313,7 @@
           <a:p>
             <a:fld id="{EEABE519-2016-4ED1-83D5-B6E38964F80D}" type="slidenum">
               <a:rPr lang="en-IE" smtClean="0"/>
-              <a:t>54</a:t>
+              <a:t>57</a:t>
             </a:fld>
             <a:endParaRPr lang="en-IE"/>
           </a:p>
@@ -3072,7 +3075,7 @@
           <a:p>
             <a:fld id="{A0490DC6-E618-4EBD-94E7-9E755CAEB9C1}" type="datetimeFigureOut">
               <a:rPr lang="en-IE" smtClean="0"/>
-              <a:t>28/04/2017</a:t>
+              <a:t>02/05/2017</a:t>
             </a:fld>
             <a:endParaRPr lang="en-IE"/>
           </a:p>
@@ -3242,7 +3245,7 @@
           <a:p>
             <a:fld id="{A0490DC6-E618-4EBD-94E7-9E755CAEB9C1}" type="datetimeFigureOut">
               <a:rPr lang="en-IE" smtClean="0"/>
-              <a:t>28/04/2017</a:t>
+              <a:t>02/05/2017</a:t>
             </a:fld>
             <a:endParaRPr lang="en-IE"/>
           </a:p>
@@ -3422,7 +3425,7 @@
           <a:p>
             <a:fld id="{A0490DC6-E618-4EBD-94E7-9E755CAEB9C1}" type="datetimeFigureOut">
               <a:rPr lang="en-IE" smtClean="0"/>
-              <a:t>28/04/2017</a:t>
+              <a:t>02/05/2017</a:t>
             </a:fld>
             <a:endParaRPr lang="en-IE"/>
           </a:p>
@@ -3556,7 +3559,7 @@
           <a:p>
             <a:fld id="{37CB99B7-D747-43A6-A568-D9922FEFD07D}" type="datetime1">
               <a:rPr lang="en-IE" smtClean="0"/>
-              <a:t>28/04/2017</a:t>
+              <a:t>02/05/2017</a:t>
             </a:fld>
             <a:endParaRPr lang="en-IE" dirty="0"/>
           </a:p>
@@ -3855,7 +3858,7 @@
           <a:p>
             <a:fld id="{9C39236A-F0DD-467D-A9D0-F6CA7742131B}" type="datetime1">
               <a:rPr lang="en-IE" smtClean="0"/>
-              <a:t>28/04/2017</a:t>
+              <a:t>02/05/2017</a:t>
             </a:fld>
             <a:endParaRPr lang="en-IE"/>
           </a:p>
@@ -4186,7 +4189,7 @@
           <a:p>
             <a:fld id="{A0490DC6-E618-4EBD-94E7-9E755CAEB9C1}" type="datetimeFigureOut">
               <a:rPr lang="en-IE" smtClean="0"/>
-              <a:t>28/04/2017</a:t>
+              <a:t>02/05/2017</a:t>
             </a:fld>
             <a:endParaRPr lang="en-IE"/>
           </a:p>
@@ -4432,7 +4435,7 @@
           <a:p>
             <a:fld id="{A0490DC6-E618-4EBD-94E7-9E755CAEB9C1}" type="datetimeFigureOut">
               <a:rPr lang="en-IE" smtClean="0"/>
-              <a:t>28/04/2017</a:t>
+              <a:t>02/05/2017</a:t>
             </a:fld>
             <a:endParaRPr lang="en-IE"/>
           </a:p>
@@ -4664,7 +4667,7 @@
           <a:p>
             <a:fld id="{A0490DC6-E618-4EBD-94E7-9E755CAEB9C1}" type="datetimeFigureOut">
               <a:rPr lang="en-IE" smtClean="0"/>
-              <a:t>28/04/2017</a:t>
+              <a:t>02/05/2017</a:t>
             </a:fld>
             <a:endParaRPr lang="en-IE"/>
           </a:p>
@@ -5031,7 +5034,7 @@
           <a:p>
             <a:fld id="{A0490DC6-E618-4EBD-94E7-9E755CAEB9C1}" type="datetimeFigureOut">
               <a:rPr lang="en-IE" smtClean="0"/>
-              <a:t>28/04/2017</a:t>
+              <a:t>02/05/2017</a:t>
             </a:fld>
             <a:endParaRPr lang="en-IE"/>
           </a:p>
@@ -5149,7 +5152,7 @@
           <a:p>
             <a:fld id="{A0490DC6-E618-4EBD-94E7-9E755CAEB9C1}" type="datetimeFigureOut">
               <a:rPr lang="en-IE" smtClean="0"/>
-              <a:t>28/04/2017</a:t>
+              <a:t>02/05/2017</a:t>
             </a:fld>
             <a:endParaRPr lang="en-IE"/>
           </a:p>
@@ -5244,7 +5247,7 @@
           <a:p>
             <a:fld id="{A0490DC6-E618-4EBD-94E7-9E755CAEB9C1}" type="datetimeFigureOut">
               <a:rPr lang="en-IE" smtClean="0"/>
-              <a:t>28/04/2017</a:t>
+              <a:t>02/05/2017</a:t>
             </a:fld>
             <a:endParaRPr lang="en-IE"/>
           </a:p>
@@ -5521,7 +5524,7 @@
           <a:p>
             <a:fld id="{A0490DC6-E618-4EBD-94E7-9E755CAEB9C1}" type="datetimeFigureOut">
               <a:rPr lang="en-IE" smtClean="0"/>
-              <a:t>28/04/2017</a:t>
+              <a:t>02/05/2017</a:t>
             </a:fld>
             <a:endParaRPr lang="en-IE"/>
           </a:p>
@@ -5774,7 +5777,7 @@
           <a:p>
             <a:fld id="{A0490DC6-E618-4EBD-94E7-9E755CAEB9C1}" type="datetimeFigureOut">
               <a:rPr lang="en-IE" smtClean="0"/>
-              <a:t>28/04/2017</a:t>
+              <a:t>02/05/2017</a:t>
             </a:fld>
             <a:endParaRPr lang="en-IE"/>
           </a:p>
@@ -5987,7 +5990,7 @@
           <a:p>
             <a:fld id="{A0490DC6-E618-4EBD-94E7-9E755CAEB9C1}" type="datetimeFigureOut">
               <a:rPr lang="en-IE" smtClean="0"/>
-              <a:t>28/04/2017</a:t>
+              <a:t>02/05/2017</a:t>
             </a:fld>
             <a:endParaRPr lang="en-IE"/>
           </a:p>
@@ -25236,17 +25239,7 @@
                 <a:latin typeface="Courier New" panose="02070309020205020404" pitchFamily="49" charset="0"/>
                 <a:cs typeface="Courier New" panose="02070309020205020404" pitchFamily="49" charset="0"/>
               </a:rPr>
-              <a:t>“Thomas</a:t>
-            </a:r>
-            <a:r>
-              <a:rPr lang="en-US" altLang="en-US" b="1" dirty="0">
-                <a:solidFill>
-                  <a:srgbClr val="008000"/>
-                </a:solidFill>
-                <a:latin typeface="Courier New" panose="02070309020205020404" pitchFamily="49" charset="0"/>
-                <a:cs typeface="Courier New" panose="02070309020205020404" pitchFamily="49" charset="0"/>
-              </a:rPr>
-              <a:t>"</a:t>
+              <a:t>“Thomas"</a:t>
             </a:r>
             <a:r>
               <a:rPr kumimoji="0" lang="en-US" altLang="en-US" sz="1800" b="0" i="0" u="none" strike="noStrike" cap="none" normalizeH="0" baseline="0" dirty="0">
@@ -27058,7 +27051,7 @@
           <a:p>
             <a:r>
               <a:rPr lang="en-IE" dirty="0"/>
-              <a:t>Real Scenario in TDP</a:t>
+              <a:t>Practice 1 in TDP </a:t>
             </a:r>
           </a:p>
         </p:txBody>
@@ -29160,7 +29153,7 @@
       </p:sp>
       <p:sp>
         <p:nvSpPr>
-          <p:cNvPr id="5" name="Text Placeholder 1"/>
+          <p:cNvPr id="6" name="Text Placeholder 1"/>
           <p:cNvSpPr>
             <a:spLocks noGrp="1"/>
           </p:cNvSpPr>
@@ -29170,7 +29163,7 @@
         </p:nvSpPr>
         <p:spPr>
           <a:xfrm>
-            <a:off x="724940" y="784935"/>
+            <a:off x="724940" y="1044572"/>
             <a:ext cx="7998646" cy="472528"/>
           </a:xfrm>
         </p:spPr>
@@ -29180,7 +29173,7 @@
           <a:p>
             <a:r>
               <a:rPr lang="en-IE" dirty="0"/>
-              <a:t>Real Scenario in TDP</a:t>
+              <a:t>Practice 1 in TDP </a:t>
             </a:r>
           </a:p>
         </p:txBody>
@@ -29199,6 +29192,2868 @@
 </file>
 
 <file path=ppt/slides/slide54.xml><?xml version="1.0" encoding="utf-8"?>
+<p:sld xmlns:a="http://schemas.openxmlformats.org/drawingml/2006/main" xmlns:r="http://schemas.openxmlformats.org/officeDocument/2006/relationships" xmlns:p="http://schemas.openxmlformats.org/presentationml/2006/main">
+  <p:cSld>
+    <p:spTree>
+      <p:nvGrpSpPr>
+        <p:cNvPr id="1" name=""/>
+        <p:cNvGrpSpPr/>
+        <p:nvPr/>
+      </p:nvGrpSpPr>
+      <p:grpSpPr>
+        <a:xfrm>
+          <a:off x="0" y="0"/>
+          <a:ext cx="0" cy="0"/>
+          <a:chOff x="0" y="0"/>
+          <a:chExt cx="0" cy="0"/>
+        </a:xfrm>
+      </p:grpSpPr>
+      <p:sp>
+        <p:nvSpPr>
+          <p:cNvPr id="2" name="Text Placeholder 1"/>
+          <p:cNvSpPr>
+            <a:spLocks noGrp="1"/>
+          </p:cNvSpPr>
+          <p:nvPr>
+            <p:ph type="body" sz="quarter" idx="12"/>
+          </p:nvPr>
+        </p:nvSpPr>
+        <p:spPr/>
+        <p:txBody>
+          <a:bodyPr/>
+          <a:lstStyle/>
+          <a:p>
+            <a:r>
+              <a:rPr lang="en-IE" dirty="0"/>
+              <a:t>Practice 2 in TDP </a:t>
+            </a:r>
+          </a:p>
+        </p:txBody>
+      </p:sp>
+      <p:sp>
+        <p:nvSpPr>
+          <p:cNvPr id="4" name="Rectangle 1"/>
+          <p:cNvSpPr>
+            <a:spLocks noChangeArrowheads="1"/>
+          </p:cNvSpPr>
+          <p:nvPr/>
+        </p:nvSpPr>
+        <p:spPr bwMode="auto">
+          <a:xfrm>
+            <a:off x="724940" y="1789357"/>
+            <a:ext cx="10269416" cy="4278094"/>
+          </a:xfrm>
+          <a:prstGeom prst="rect">
+            <a:avLst/>
+          </a:prstGeom>
+          <a:solidFill>
+            <a:srgbClr val="FFFFFF"/>
+          </a:solidFill>
+          <a:ln>
+            <a:noFill/>
+          </a:ln>
+          <a:effectLst/>
+          <a:extLst>
+            <a:ext uri="{91240B29-F687-4F45-9708-019B960494DF}">
+              <a14:hiddenLine xmlns:a14="http://schemas.microsoft.com/office/drawing/2010/main" w="9525">
+                <a:solidFill>
+                  <a:schemeClr val="tx1"/>
+                </a:solidFill>
+                <a:miter lim="800000"/>
+                <a:headEnd/>
+                <a:tailEnd/>
+              </a14:hiddenLine>
+            </a:ext>
+            <a:ext uri="{AF507438-7753-43E0-B8FC-AC1667EBCBE1}">
+              <a14:hiddenEffects xmlns:a14="http://schemas.microsoft.com/office/drawing/2010/main">
+                <a:effectLst>
+                  <a:outerShdw dist="35921" dir="2700000" algn="ctr" rotWithShape="0">
+                    <a:schemeClr val="bg2"/>
+                  </a:outerShdw>
+                </a:effectLst>
+              </a14:hiddenEffects>
+            </a:ext>
+          </a:extLst>
+        </p:spPr>
+        <p:txBody>
+          <a:bodyPr vert="horz" wrap="square" lIns="91440" tIns="45720" rIns="91440" bIns="45720" numCol="1" anchor="ctr" anchorCtr="0" compatLnSpc="1">
+            <a:prstTxWarp prst="textNoShape">
+              <a:avLst/>
+            </a:prstTxWarp>
+            <a:spAutoFit/>
+          </a:bodyPr>
+          <a:lstStyle/>
+          <a:p>
+            <a:pPr marL="0" marR="0" lvl="0" indent="0" algn="l" defTabSz="914400" rtl="0" eaLnBrk="0" fontAlgn="base" latinLnBrk="0" hangingPunct="0">
+              <a:lnSpc>
+                <a:spcPct val="100000"/>
+              </a:lnSpc>
+              <a:spcBef>
+                <a:spcPct val="0"/>
+              </a:spcBef>
+              <a:spcAft>
+                <a:spcPct val="0"/>
+              </a:spcAft>
+              <a:buClrTx/>
+              <a:buSzTx/>
+              <a:buFontTx/>
+              <a:buNone/>
+              <a:tabLst/>
+            </a:pPr>
+            <a:r>
+              <a:rPr kumimoji="0" lang="en-US" altLang="en-US" sz="1600" b="1" i="0" u="none" strike="noStrike" cap="none" normalizeH="0" baseline="0" dirty="0">
+                <a:ln>
+                  <a:noFill/>
+                </a:ln>
+                <a:solidFill>
+                  <a:srgbClr val="000080"/>
+                </a:solidFill>
+                <a:effectLst/>
+                <a:latin typeface="Courier New" panose="02070309020205020404" pitchFamily="49" charset="0"/>
+                <a:cs typeface="Courier New" panose="02070309020205020404" pitchFamily="49" charset="0"/>
+              </a:rPr>
+              <a:t>private static </a:t>
+            </a:r>
+            <a:r>
+              <a:rPr kumimoji="0" lang="en-US" altLang="en-US" sz="1600" b="0" i="0" u="none" strike="noStrike" cap="none" normalizeH="0" baseline="0" dirty="0">
+                <a:ln>
+                  <a:noFill/>
+                </a:ln>
+                <a:solidFill>
+                  <a:srgbClr val="000000"/>
+                </a:solidFill>
+                <a:effectLst/>
+                <a:latin typeface="Courier New" panose="02070309020205020404" pitchFamily="49" charset="0"/>
+                <a:cs typeface="Courier New" panose="02070309020205020404" pitchFamily="49" charset="0"/>
+              </a:rPr>
+              <a:t>List&lt;String&gt;</a:t>
+            </a:r>
+            <a:r>
+              <a:rPr kumimoji="0" lang="en-US" altLang="en-US" sz="1600" b="0" i="0" u="none" strike="noStrike" cap="none" normalizeH="0" dirty="0">
+                <a:ln>
+                  <a:noFill/>
+                </a:ln>
+                <a:solidFill>
+                  <a:srgbClr val="000000"/>
+                </a:solidFill>
+                <a:effectLst/>
+                <a:latin typeface="Courier New" panose="02070309020205020404" pitchFamily="49" charset="0"/>
+                <a:cs typeface="Courier New" panose="02070309020205020404" pitchFamily="49" charset="0"/>
+              </a:rPr>
+              <a:t> </a:t>
+            </a:r>
+            <a:r>
+              <a:rPr kumimoji="0" lang="en-US" altLang="en-US" sz="1600" b="0" i="0" u="none" strike="noStrike" cap="none" normalizeH="0" baseline="0" dirty="0">
+                <a:ln>
+                  <a:noFill/>
+                </a:ln>
+                <a:solidFill>
+                  <a:srgbClr val="000000"/>
+                </a:solidFill>
+                <a:effectLst/>
+                <a:latin typeface="Courier New" panose="02070309020205020404" pitchFamily="49" charset="0"/>
+                <a:cs typeface="Courier New" panose="02070309020205020404" pitchFamily="49" charset="0"/>
+              </a:rPr>
+              <a:t>getAllPolicyCodeWithResComSequence1BeforeJava8(List&lt;Reservation&gt; reservations) </a:t>
+            </a:r>
+          </a:p>
+          <a:p>
+            <a:pPr marL="0" marR="0" lvl="0" indent="0" algn="l" defTabSz="914400" rtl="0" eaLnBrk="0" fontAlgn="base" latinLnBrk="0" hangingPunct="0">
+              <a:lnSpc>
+                <a:spcPct val="100000"/>
+              </a:lnSpc>
+              <a:spcBef>
+                <a:spcPct val="0"/>
+              </a:spcBef>
+              <a:spcAft>
+                <a:spcPct val="0"/>
+              </a:spcAft>
+              <a:buClrTx/>
+              <a:buSzTx/>
+              <a:buFontTx/>
+              <a:buNone/>
+              <a:tabLst/>
+            </a:pPr>
+            <a:r>
+              <a:rPr kumimoji="0" lang="en-US" altLang="en-US" sz="1600" b="0" i="0" u="none" strike="noStrike" cap="none" normalizeH="0" baseline="0" dirty="0">
+                <a:ln>
+                  <a:noFill/>
+                </a:ln>
+                <a:solidFill>
+                  <a:srgbClr val="000000"/>
+                </a:solidFill>
+                <a:effectLst/>
+                <a:latin typeface="Courier New" panose="02070309020205020404" pitchFamily="49" charset="0"/>
+                <a:cs typeface="Courier New" panose="02070309020205020404" pitchFamily="49" charset="0"/>
+              </a:rPr>
+              <a:t>{</a:t>
+            </a:r>
+            <a:br>
+              <a:rPr kumimoji="0" lang="en-US" altLang="en-US" sz="1600" b="0" i="0" u="none" strike="noStrike" cap="none" normalizeH="0" baseline="0" dirty="0">
+                <a:ln>
+                  <a:noFill/>
+                </a:ln>
+                <a:solidFill>
+                  <a:srgbClr val="000000"/>
+                </a:solidFill>
+                <a:effectLst/>
+                <a:latin typeface="Courier New" panose="02070309020205020404" pitchFamily="49" charset="0"/>
+                <a:cs typeface="Courier New" panose="02070309020205020404" pitchFamily="49" charset="0"/>
+              </a:rPr>
+            </a:br>
+            <a:br>
+              <a:rPr kumimoji="0" lang="en-US" altLang="en-US" sz="1600" b="0" i="0" u="none" strike="noStrike" cap="none" normalizeH="0" baseline="0" dirty="0">
+                <a:ln>
+                  <a:noFill/>
+                </a:ln>
+                <a:solidFill>
+                  <a:srgbClr val="000000"/>
+                </a:solidFill>
+                <a:effectLst/>
+                <a:latin typeface="Courier New" panose="02070309020205020404" pitchFamily="49" charset="0"/>
+                <a:cs typeface="Courier New" panose="02070309020205020404" pitchFamily="49" charset="0"/>
+              </a:rPr>
+            </a:br>
+            <a:r>
+              <a:rPr kumimoji="0" lang="en-US" altLang="en-US" sz="1600" b="0" i="0" u="none" strike="noStrike" cap="none" normalizeH="0" baseline="0" dirty="0">
+                <a:ln>
+                  <a:noFill/>
+                </a:ln>
+                <a:solidFill>
+                  <a:srgbClr val="000000"/>
+                </a:solidFill>
+                <a:effectLst/>
+                <a:latin typeface="Courier New" panose="02070309020205020404" pitchFamily="49" charset="0"/>
+                <a:cs typeface="Courier New" panose="02070309020205020404" pitchFamily="49" charset="0"/>
+              </a:rPr>
+              <a:t>    List&lt;String&gt; </a:t>
+            </a:r>
+            <a:r>
+              <a:rPr kumimoji="0" lang="en-US" altLang="en-US" sz="1600" b="0" i="0" u="none" strike="noStrike" cap="none" normalizeH="0" baseline="0" dirty="0" err="1">
+                <a:ln>
+                  <a:noFill/>
+                </a:ln>
+                <a:solidFill>
+                  <a:srgbClr val="000000"/>
+                </a:solidFill>
+                <a:effectLst/>
+                <a:latin typeface="Courier New" panose="02070309020205020404" pitchFamily="49" charset="0"/>
+                <a:cs typeface="Courier New" panose="02070309020205020404" pitchFamily="49" charset="0"/>
+              </a:rPr>
+              <a:t>policyCodes</a:t>
+            </a:r>
+            <a:r>
+              <a:rPr kumimoji="0" lang="en-US" altLang="en-US" sz="1600" b="0" i="0" u="none" strike="noStrike" cap="none" normalizeH="0" baseline="0" dirty="0">
+                <a:ln>
+                  <a:noFill/>
+                </a:ln>
+                <a:solidFill>
+                  <a:srgbClr val="000000"/>
+                </a:solidFill>
+                <a:effectLst/>
+                <a:latin typeface="Courier New" panose="02070309020205020404" pitchFamily="49" charset="0"/>
+                <a:cs typeface="Courier New" panose="02070309020205020404" pitchFamily="49" charset="0"/>
+              </a:rPr>
+              <a:t> = </a:t>
+            </a:r>
+            <a:r>
+              <a:rPr kumimoji="0" lang="en-US" altLang="en-US" sz="1600" b="1" i="0" u="none" strike="noStrike" cap="none" normalizeH="0" baseline="0" dirty="0">
+                <a:ln>
+                  <a:noFill/>
+                </a:ln>
+                <a:solidFill>
+                  <a:srgbClr val="000080"/>
+                </a:solidFill>
+                <a:effectLst/>
+                <a:latin typeface="Courier New" panose="02070309020205020404" pitchFamily="49" charset="0"/>
+                <a:cs typeface="Courier New" panose="02070309020205020404" pitchFamily="49" charset="0"/>
+              </a:rPr>
+              <a:t>new </a:t>
+            </a:r>
+            <a:r>
+              <a:rPr kumimoji="0" lang="en-US" altLang="en-US" sz="1600" b="0" i="0" u="none" strike="noStrike" cap="none" normalizeH="0" baseline="0" dirty="0" err="1">
+                <a:ln>
+                  <a:noFill/>
+                </a:ln>
+                <a:solidFill>
+                  <a:srgbClr val="000000"/>
+                </a:solidFill>
+                <a:effectLst/>
+                <a:latin typeface="Courier New" panose="02070309020205020404" pitchFamily="49" charset="0"/>
+                <a:cs typeface="Courier New" panose="02070309020205020404" pitchFamily="49" charset="0"/>
+              </a:rPr>
+              <a:t>ArrayList</a:t>
+            </a:r>
+            <a:r>
+              <a:rPr kumimoji="0" lang="en-US" altLang="en-US" sz="1600" b="0" i="0" u="none" strike="noStrike" cap="none" normalizeH="0" baseline="0" dirty="0">
+                <a:ln>
+                  <a:noFill/>
+                </a:ln>
+                <a:solidFill>
+                  <a:srgbClr val="000000"/>
+                </a:solidFill>
+                <a:effectLst/>
+                <a:latin typeface="Courier New" panose="02070309020205020404" pitchFamily="49" charset="0"/>
+                <a:cs typeface="Courier New" panose="02070309020205020404" pitchFamily="49" charset="0"/>
+              </a:rPr>
+              <a:t>&lt;&gt;();</a:t>
+            </a:r>
+            <a:br>
+              <a:rPr kumimoji="0" lang="en-US" altLang="en-US" sz="1600" b="0" i="0" u="none" strike="noStrike" cap="none" normalizeH="0" baseline="0" dirty="0">
+                <a:ln>
+                  <a:noFill/>
+                </a:ln>
+                <a:solidFill>
+                  <a:srgbClr val="000000"/>
+                </a:solidFill>
+                <a:effectLst/>
+                <a:latin typeface="Courier New" panose="02070309020205020404" pitchFamily="49" charset="0"/>
+                <a:cs typeface="Courier New" panose="02070309020205020404" pitchFamily="49" charset="0"/>
+              </a:rPr>
+            </a:br>
+            <a:r>
+              <a:rPr kumimoji="0" lang="en-US" altLang="en-US" sz="1600" b="0" i="0" u="none" strike="noStrike" cap="none" normalizeH="0" baseline="0" dirty="0">
+                <a:ln>
+                  <a:noFill/>
+                </a:ln>
+                <a:solidFill>
+                  <a:srgbClr val="000000"/>
+                </a:solidFill>
+                <a:effectLst/>
+                <a:latin typeface="Courier New" panose="02070309020205020404" pitchFamily="49" charset="0"/>
+                <a:cs typeface="Courier New" panose="02070309020205020404" pitchFamily="49" charset="0"/>
+              </a:rPr>
+              <a:t>    </a:t>
+            </a:r>
+            <a:r>
+              <a:rPr kumimoji="0" lang="en-US" altLang="en-US" sz="1600" b="1" i="0" u="none" strike="noStrike" cap="none" normalizeH="0" baseline="0" dirty="0">
+                <a:ln>
+                  <a:noFill/>
+                </a:ln>
+                <a:solidFill>
+                  <a:srgbClr val="000080"/>
+                </a:solidFill>
+                <a:effectLst/>
+                <a:latin typeface="Courier New" panose="02070309020205020404" pitchFamily="49" charset="0"/>
+                <a:cs typeface="Courier New" panose="02070309020205020404" pitchFamily="49" charset="0"/>
+              </a:rPr>
+              <a:t>for</a:t>
+            </a:r>
+            <a:r>
+              <a:rPr kumimoji="0" lang="en-US" altLang="en-US" sz="1600" b="0" i="0" u="none" strike="noStrike" cap="none" normalizeH="0" baseline="0" dirty="0">
+                <a:ln>
+                  <a:noFill/>
+                </a:ln>
+                <a:solidFill>
+                  <a:srgbClr val="000000"/>
+                </a:solidFill>
+                <a:effectLst/>
+                <a:latin typeface="Courier New" panose="02070309020205020404" pitchFamily="49" charset="0"/>
+                <a:cs typeface="Courier New" panose="02070309020205020404" pitchFamily="49" charset="0"/>
+              </a:rPr>
+              <a:t>(Reservation </a:t>
+            </a:r>
+            <a:r>
+              <a:rPr kumimoji="0" lang="en-US" altLang="en-US" sz="1600" b="0" i="0" u="none" strike="noStrike" cap="none" normalizeH="0" baseline="0" dirty="0" err="1">
+                <a:ln>
+                  <a:noFill/>
+                </a:ln>
+                <a:solidFill>
+                  <a:srgbClr val="000000"/>
+                </a:solidFill>
+                <a:effectLst/>
+                <a:latin typeface="Courier New" panose="02070309020205020404" pitchFamily="49" charset="0"/>
+                <a:cs typeface="Courier New" panose="02070309020205020404" pitchFamily="49" charset="0"/>
+              </a:rPr>
+              <a:t>reservation</a:t>
+            </a:r>
+            <a:r>
+              <a:rPr kumimoji="0" lang="en-US" altLang="en-US" sz="1600" b="0" i="0" u="none" strike="noStrike" cap="none" normalizeH="0" baseline="0" dirty="0">
+                <a:ln>
+                  <a:noFill/>
+                </a:ln>
+                <a:solidFill>
+                  <a:srgbClr val="000000"/>
+                </a:solidFill>
+                <a:effectLst/>
+                <a:latin typeface="Courier New" panose="02070309020205020404" pitchFamily="49" charset="0"/>
+                <a:cs typeface="Courier New" panose="02070309020205020404" pitchFamily="49" charset="0"/>
+              </a:rPr>
+              <a:t> : reservations){</a:t>
+            </a:r>
+            <a:br>
+              <a:rPr kumimoji="0" lang="en-US" altLang="en-US" sz="1600" b="0" i="0" u="none" strike="noStrike" cap="none" normalizeH="0" baseline="0" dirty="0">
+                <a:ln>
+                  <a:noFill/>
+                </a:ln>
+                <a:solidFill>
+                  <a:srgbClr val="000000"/>
+                </a:solidFill>
+                <a:effectLst/>
+                <a:latin typeface="Courier New" panose="02070309020205020404" pitchFamily="49" charset="0"/>
+                <a:cs typeface="Courier New" panose="02070309020205020404" pitchFamily="49" charset="0"/>
+              </a:rPr>
+            </a:br>
+            <a:r>
+              <a:rPr kumimoji="0" lang="en-US" altLang="en-US" sz="1600" b="0" i="0" u="none" strike="noStrike" cap="none" normalizeH="0" baseline="0" dirty="0">
+                <a:ln>
+                  <a:noFill/>
+                </a:ln>
+                <a:solidFill>
+                  <a:srgbClr val="000000"/>
+                </a:solidFill>
+                <a:effectLst/>
+                <a:latin typeface="Courier New" panose="02070309020205020404" pitchFamily="49" charset="0"/>
+                <a:cs typeface="Courier New" panose="02070309020205020404" pitchFamily="49" charset="0"/>
+              </a:rPr>
+              <a:t>        </a:t>
+            </a:r>
+            <a:r>
+              <a:rPr kumimoji="0" lang="en-US" altLang="en-US" sz="1600" b="1" i="0" u="none" strike="noStrike" cap="none" normalizeH="0" baseline="0" dirty="0">
+                <a:ln>
+                  <a:noFill/>
+                </a:ln>
+                <a:solidFill>
+                  <a:srgbClr val="000080"/>
+                </a:solidFill>
+                <a:effectLst/>
+                <a:latin typeface="Courier New" panose="02070309020205020404" pitchFamily="49" charset="0"/>
+                <a:cs typeface="Courier New" panose="02070309020205020404" pitchFamily="49" charset="0"/>
+              </a:rPr>
+              <a:t>for</a:t>
+            </a:r>
+            <a:r>
+              <a:rPr kumimoji="0" lang="en-US" altLang="en-US" sz="1600" b="0" i="0" u="none" strike="noStrike" cap="none" normalizeH="0" baseline="0" dirty="0">
+                <a:ln>
+                  <a:noFill/>
+                </a:ln>
+                <a:solidFill>
+                  <a:srgbClr val="000000"/>
+                </a:solidFill>
+                <a:effectLst/>
+                <a:latin typeface="Courier New" panose="02070309020205020404" pitchFamily="49" charset="0"/>
+                <a:cs typeface="Courier New" panose="02070309020205020404" pitchFamily="49" charset="0"/>
+              </a:rPr>
+              <a:t>(</a:t>
+            </a:r>
+            <a:r>
+              <a:rPr kumimoji="0" lang="en-US" altLang="en-US" sz="1600" b="0" i="0" u="none" strike="noStrike" cap="none" normalizeH="0" baseline="0" dirty="0" err="1">
+                <a:ln>
+                  <a:noFill/>
+                </a:ln>
+                <a:solidFill>
+                  <a:srgbClr val="000000"/>
+                </a:solidFill>
+                <a:effectLst/>
+                <a:latin typeface="Courier New" panose="02070309020205020404" pitchFamily="49" charset="0"/>
+                <a:cs typeface="Courier New" panose="02070309020205020404" pitchFamily="49" charset="0"/>
+              </a:rPr>
+              <a:t>ResComponent</a:t>
+            </a:r>
+            <a:r>
+              <a:rPr kumimoji="0" lang="en-US" altLang="en-US" sz="1600" b="0" i="0" u="none" strike="noStrike" cap="none" normalizeH="0" baseline="0" dirty="0">
+                <a:ln>
+                  <a:noFill/>
+                </a:ln>
+                <a:solidFill>
+                  <a:srgbClr val="000000"/>
+                </a:solidFill>
+                <a:effectLst/>
+                <a:latin typeface="Courier New" panose="02070309020205020404" pitchFamily="49" charset="0"/>
+                <a:cs typeface="Courier New" panose="02070309020205020404" pitchFamily="49" charset="0"/>
+              </a:rPr>
+              <a:t> </a:t>
+            </a:r>
+            <a:r>
+              <a:rPr kumimoji="0" lang="en-US" altLang="en-US" sz="1600" b="0" i="0" u="none" strike="noStrike" cap="none" normalizeH="0" baseline="0" dirty="0" err="1">
+                <a:ln>
+                  <a:noFill/>
+                </a:ln>
+                <a:solidFill>
+                  <a:srgbClr val="000000"/>
+                </a:solidFill>
+                <a:effectLst/>
+                <a:latin typeface="Courier New" panose="02070309020205020404" pitchFamily="49" charset="0"/>
+                <a:cs typeface="Courier New" panose="02070309020205020404" pitchFamily="49" charset="0"/>
+              </a:rPr>
+              <a:t>resComponent</a:t>
+            </a:r>
+            <a:r>
+              <a:rPr kumimoji="0" lang="en-US" altLang="en-US" sz="1600" b="0" i="0" u="none" strike="noStrike" cap="none" normalizeH="0" baseline="0" dirty="0">
+                <a:ln>
+                  <a:noFill/>
+                </a:ln>
+                <a:solidFill>
+                  <a:srgbClr val="000000"/>
+                </a:solidFill>
+                <a:effectLst/>
+                <a:latin typeface="Courier New" panose="02070309020205020404" pitchFamily="49" charset="0"/>
+                <a:cs typeface="Courier New" panose="02070309020205020404" pitchFamily="49" charset="0"/>
+              </a:rPr>
+              <a:t> : </a:t>
+            </a:r>
+            <a:r>
+              <a:rPr kumimoji="0" lang="en-US" altLang="en-US" sz="1600" b="0" i="0" u="none" strike="noStrike" cap="none" normalizeH="0" baseline="0" dirty="0" err="1">
+                <a:ln>
+                  <a:noFill/>
+                </a:ln>
+                <a:solidFill>
+                  <a:srgbClr val="000000"/>
+                </a:solidFill>
+                <a:effectLst/>
+                <a:latin typeface="Courier New" panose="02070309020205020404" pitchFamily="49" charset="0"/>
+                <a:cs typeface="Courier New" panose="02070309020205020404" pitchFamily="49" charset="0"/>
+              </a:rPr>
+              <a:t>reservation.getResComponents</a:t>
+            </a:r>
+            <a:r>
+              <a:rPr kumimoji="0" lang="en-US" altLang="en-US" sz="1600" b="0" i="0" u="none" strike="noStrike" cap="none" normalizeH="0" baseline="0" dirty="0">
+                <a:ln>
+                  <a:noFill/>
+                </a:ln>
+                <a:solidFill>
+                  <a:srgbClr val="000000"/>
+                </a:solidFill>
+                <a:effectLst/>
+                <a:latin typeface="Courier New" panose="02070309020205020404" pitchFamily="49" charset="0"/>
+                <a:cs typeface="Courier New" panose="02070309020205020404" pitchFamily="49" charset="0"/>
+              </a:rPr>
+              <a:t>())</a:t>
+            </a:r>
+            <a:br>
+              <a:rPr kumimoji="0" lang="en-US" altLang="en-US" sz="1600" b="0" i="0" u="none" strike="noStrike" cap="none" normalizeH="0" baseline="0" dirty="0">
+                <a:ln>
+                  <a:noFill/>
+                </a:ln>
+                <a:solidFill>
+                  <a:srgbClr val="000000"/>
+                </a:solidFill>
+                <a:effectLst/>
+                <a:latin typeface="Courier New" panose="02070309020205020404" pitchFamily="49" charset="0"/>
+                <a:cs typeface="Courier New" panose="02070309020205020404" pitchFamily="49" charset="0"/>
+              </a:rPr>
+            </a:br>
+            <a:r>
+              <a:rPr kumimoji="0" lang="en-US" altLang="en-US" sz="1600" b="0" i="0" u="none" strike="noStrike" cap="none" normalizeH="0" baseline="0" dirty="0">
+                <a:ln>
+                  <a:noFill/>
+                </a:ln>
+                <a:solidFill>
+                  <a:srgbClr val="000000"/>
+                </a:solidFill>
+                <a:effectLst/>
+                <a:latin typeface="Courier New" panose="02070309020205020404" pitchFamily="49" charset="0"/>
+                <a:cs typeface="Courier New" panose="02070309020205020404" pitchFamily="49" charset="0"/>
+              </a:rPr>
+              <a:t>            </a:t>
+            </a:r>
+            <a:r>
+              <a:rPr kumimoji="0" lang="en-US" altLang="en-US" sz="1600" b="1" i="0" u="none" strike="noStrike" cap="none" normalizeH="0" baseline="0" dirty="0">
+                <a:ln>
+                  <a:noFill/>
+                </a:ln>
+                <a:solidFill>
+                  <a:srgbClr val="000080"/>
+                </a:solidFill>
+                <a:effectLst/>
+                <a:latin typeface="Courier New" panose="02070309020205020404" pitchFamily="49" charset="0"/>
+                <a:cs typeface="Courier New" panose="02070309020205020404" pitchFamily="49" charset="0"/>
+              </a:rPr>
+              <a:t>if </a:t>
+            </a:r>
+            <a:r>
+              <a:rPr kumimoji="0" lang="en-US" altLang="en-US" sz="1600" b="0" i="0" u="none" strike="noStrike" cap="none" normalizeH="0" baseline="0" dirty="0">
+                <a:ln>
+                  <a:noFill/>
+                </a:ln>
+                <a:solidFill>
+                  <a:srgbClr val="000000"/>
+                </a:solidFill>
+                <a:effectLst/>
+                <a:latin typeface="Courier New" panose="02070309020205020404" pitchFamily="49" charset="0"/>
+                <a:cs typeface="Courier New" panose="02070309020205020404" pitchFamily="49" charset="0"/>
+              </a:rPr>
+              <a:t>(</a:t>
+            </a:r>
+            <a:r>
+              <a:rPr kumimoji="0" lang="en-US" altLang="en-US" sz="1600" b="0" i="0" u="none" strike="noStrike" cap="none" normalizeH="0" baseline="0" dirty="0" err="1">
+                <a:ln>
+                  <a:noFill/>
+                </a:ln>
+                <a:solidFill>
+                  <a:srgbClr val="000000"/>
+                </a:solidFill>
+                <a:effectLst/>
+                <a:latin typeface="Courier New" panose="02070309020205020404" pitchFamily="49" charset="0"/>
+                <a:cs typeface="Courier New" panose="02070309020205020404" pitchFamily="49" charset="0"/>
+              </a:rPr>
+              <a:t>resComponent.getSequence</a:t>
+            </a:r>
+            <a:r>
+              <a:rPr kumimoji="0" lang="en-US" altLang="en-US" sz="1600" b="0" i="0" u="none" strike="noStrike" cap="none" normalizeH="0" baseline="0" dirty="0">
+                <a:ln>
+                  <a:noFill/>
+                </a:ln>
+                <a:solidFill>
+                  <a:srgbClr val="000000"/>
+                </a:solidFill>
+                <a:effectLst/>
+                <a:latin typeface="Courier New" panose="02070309020205020404" pitchFamily="49" charset="0"/>
+                <a:cs typeface="Courier New" panose="02070309020205020404" pitchFamily="49" charset="0"/>
+              </a:rPr>
+              <a:t>() == </a:t>
+            </a:r>
+            <a:r>
+              <a:rPr kumimoji="0" lang="en-US" altLang="en-US" sz="1600" b="0" i="0" u="none" strike="noStrike" cap="none" normalizeH="0" baseline="0" dirty="0">
+                <a:ln>
+                  <a:noFill/>
+                </a:ln>
+                <a:solidFill>
+                  <a:srgbClr val="0000FF"/>
+                </a:solidFill>
+                <a:effectLst/>
+                <a:latin typeface="Courier New" panose="02070309020205020404" pitchFamily="49" charset="0"/>
+                <a:cs typeface="Courier New" panose="02070309020205020404" pitchFamily="49" charset="0"/>
+              </a:rPr>
+              <a:t>1</a:t>
+            </a:r>
+            <a:r>
+              <a:rPr kumimoji="0" lang="en-US" altLang="en-US" sz="1600" b="0" i="0" u="none" strike="noStrike" cap="none" normalizeH="0" baseline="0" dirty="0">
+                <a:ln>
+                  <a:noFill/>
+                </a:ln>
+                <a:solidFill>
+                  <a:srgbClr val="000000"/>
+                </a:solidFill>
+                <a:effectLst/>
+                <a:latin typeface="Courier New" panose="02070309020205020404" pitchFamily="49" charset="0"/>
+                <a:cs typeface="Courier New" panose="02070309020205020404" pitchFamily="49" charset="0"/>
+              </a:rPr>
+              <a:t>) {</a:t>
+            </a:r>
+            <a:br>
+              <a:rPr kumimoji="0" lang="en-US" altLang="en-US" sz="1600" b="0" i="0" u="none" strike="noStrike" cap="none" normalizeH="0" baseline="0" dirty="0">
+                <a:ln>
+                  <a:noFill/>
+                </a:ln>
+                <a:solidFill>
+                  <a:srgbClr val="000000"/>
+                </a:solidFill>
+                <a:effectLst/>
+                <a:latin typeface="Courier New" panose="02070309020205020404" pitchFamily="49" charset="0"/>
+                <a:cs typeface="Courier New" panose="02070309020205020404" pitchFamily="49" charset="0"/>
+              </a:rPr>
+            </a:br>
+            <a:r>
+              <a:rPr kumimoji="0" lang="en-US" altLang="en-US" sz="1600" b="0" i="0" u="none" strike="noStrike" cap="none" normalizeH="0" baseline="0" dirty="0">
+                <a:ln>
+                  <a:noFill/>
+                </a:ln>
+                <a:solidFill>
+                  <a:srgbClr val="000000"/>
+                </a:solidFill>
+                <a:effectLst/>
+                <a:latin typeface="Courier New" panose="02070309020205020404" pitchFamily="49" charset="0"/>
+                <a:cs typeface="Courier New" panose="02070309020205020404" pitchFamily="49" charset="0"/>
+              </a:rPr>
+              <a:t>                </a:t>
+            </a:r>
+            <a:r>
+              <a:rPr kumimoji="0" lang="en-US" altLang="en-US" sz="1600" b="1" i="0" u="none" strike="noStrike" cap="none" normalizeH="0" baseline="0" dirty="0">
+                <a:ln>
+                  <a:noFill/>
+                </a:ln>
+                <a:solidFill>
+                  <a:srgbClr val="000080"/>
+                </a:solidFill>
+                <a:effectLst/>
+                <a:latin typeface="Courier New" panose="02070309020205020404" pitchFamily="49" charset="0"/>
+                <a:cs typeface="Courier New" panose="02070309020205020404" pitchFamily="49" charset="0"/>
+              </a:rPr>
+              <a:t>for </a:t>
+            </a:r>
+            <a:r>
+              <a:rPr kumimoji="0" lang="en-US" altLang="en-US" sz="1600" b="0" i="0" u="none" strike="noStrike" cap="none" normalizeH="0" baseline="0" dirty="0">
+                <a:ln>
+                  <a:noFill/>
+                </a:ln>
+                <a:solidFill>
+                  <a:srgbClr val="000000"/>
+                </a:solidFill>
+                <a:effectLst/>
+                <a:latin typeface="Courier New" panose="02070309020205020404" pitchFamily="49" charset="0"/>
+                <a:cs typeface="Courier New" panose="02070309020205020404" pitchFamily="49" charset="0"/>
+              </a:rPr>
+              <a:t>(Policy </a:t>
+            </a:r>
+            <a:r>
+              <a:rPr kumimoji="0" lang="en-US" altLang="en-US" sz="1600" b="0" i="0" u="none" strike="noStrike" cap="none" normalizeH="0" baseline="0" dirty="0" err="1">
+                <a:ln>
+                  <a:noFill/>
+                </a:ln>
+                <a:solidFill>
+                  <a:srgbClr val="000000"/>
+                </a:solidFill>
+                <a:effectLst/>
+                <a:latin typeface="Courier New" panose="02070309020205020404" pitchFamily="49" charset="0"/>
+                <a:cs typeface="Courier New" panose="02070309020205020404" pitchFamily="49" charset="0"/>
+              </a:rPr>
+              <a:t>policy</a:t>
+            </a:r>
+            <a:r>
+              <a:rPr kumimoji="0" lang="en-US" altLang="en-US" sz="1600" b="0" i="0" u="none" strike="noStrike" cap="none" normalizeH="0" baseline="0" dirty="0">
+                <a:ln>
+                  <a:noFill/>
+                </a:ln>
+                <a:solidFill>
+                  <a:srgbClr val="000000"/>
+                </a:solidFill>
+                <a:effectLst/>
+                <a:latin typeface="Courier New" panose="02070309020205020404" pitchFamily="49" charset="0"/>
+                <a:cs typeface="Courier New" panose="02070309020205020404" pitchFamily="49" charset="0"/>
+              </a:rPr>
+              <a:t> : </a:t>
+            </a:r>
+            <a:r>
+              <a:rPr kumimoji="0" lang="en-US" altLang="en-US" sz="1600" b="0" i="0" u="none" strike="noStrike" cap="none" normalizeH="0" baseline="0" dirty="0" err="1">
+                <a:ln>
+                  <a:noFill/>
+                </a:ln>
+                <a:solidFill>
+                  <a:srgbClr val="000000"/>
+                </a:solidFill>
+                <a:effectLst/>
+                <a:latin typeface="Courier New" panose="02070309020205020404" pitchFamily="49" charset="0"/>
+                <a:cs typeface="Courier New" panose="02070309020205020404" pitchFamily="49" charset="0"/>
+              </a:rPr>
+              <a:t>resComponent.getPolicies</a:t>
+            </a:r>
+            <a:r>
+              <a:rPr kumimoji="0" lang="en-US" altLang="en-US" sz="1600" b="0" i="0" u="none" strike="noStrike" cap="none" normalizeH="0" baseline="0" dirty="0">
+                <a:ln>
+                  <a:noFill/>
+                </a:ln>
+                <a:solidFill>
+                  <a:srgbClr val="000000"/>
+                </a:solidFill>
+                <a:effectLst/>
+                <a:latin typeface="Courier New" panose="02070309020205020404" pitchFamily="49" charset="0"/>
+                <a:cs typeface="Courier New" panose="02070309020205020404" pitchFamily="49" charset="0"/>
+              </a:rPr>
+              <a:t>()) {</a:t>
+            </a:r>
+            <a:br>
+              <a:rPr kumimoji="0" lang="en-US" altLang="en-US" sz="1600" b="0" i="0" u="none" strike="noStrike" cap="none" normalizeH="0" baseline="0" dirty="0">
+                <a:ln>
+                  <a:noFill/>
+                </a:ln>
+                <a:solidFill>
+                  <a:srgbClr val="000000"/>
+                </a:solidFill>
+                <a:effectLst/>
+                <a:latin typeface="Courier New" panose="02070309020205020404" pitchFamily="49" charset="0"/>
+                <a:cs typeface="Courier New" panose="02070309020205020404" pitchFamily="49" charset="0"/>
+              </a:rPr>
+            </a:br>
+            <a:r>
+              <a:rPr kumimoji="0" lang="en-US" altLang="en-US" sz="1600" b="0" i="0" u="none" strike="noStrike" cap="none" normalizeH="0" baseline="0" dirty="0">
+                <a:ln>
+                  <a:noFill/>
+                </a:ln>
+                <a:solidFill>
+                  <a:srgbClr val="000000"/>
+                </a:solidFill>
+                <a:effectLst/>
+                <a:latin typeface="Courier New" panose="02070309020205020404" pitchFamily="49" charset="0"/>
+                <a:cs typeface="Courier New" panose="02070309020205020404" pitchFamily="49" charset="0"/>
+              </a:rPr>
+              <a:t>                        </a:t>
+            </a:r>
+            <a:r>
+              <a:rPr kumimoji="0" lang="en-US" altLang="en-US" sz="1600" b="1" i="0" u="none" strike="noStrike" cap="none" normalizeH="0" baseline="0" dirty="0">
+                <a:ln>
+                  <a:noFill/>
+                </a:ln>
+                <a:solidFill>
+                  <a:srgbClr val="000080"/>
+                </a:solidFill>
+                <a:effectLst/>
+                <a:latin typeface="Courier New" panose="02070309020205020404" pitchFamily="49" charset="0"/>
+                <a:cs typeface="Courier New" panose="02070309020205020404" pitchFamily="49" charset="0"/>
+              </a:rPr>
+              <a:t>if</a:t>
+            </a:r>
+            <a:r>
+              <a:rPr kumimoji="0" lang="en-US" altLang="en-US" sz="1600" b="0" i="0" u="none" strike="noStrike" cap="none" normalizeH="0" baseline="0" dirty="0">
+                <a:ln>
+                  <a:noFill/>
+                </a:ln>
+                <a:solidFill>
+                  <a:srgbClr val="000000"/>
+                </a:solidFill>
+                <a:effectLst/>
+                <a:latin typeface="Courier New" panose="02070309020205020404" pitchFamily="49" charset="0"/>
+                <a:cs typeface="Courier New" panose="02070309020205020404" pitchFamily="49" charset="0"/>
+              </a:rPr>
+              <a:t>(</a:t>
+            </a:r>
+            <a:r>
+              <a:rPr kumimoji="0" lang="en-US" altLang="en-US" sz="1600" b="0" i="0" u="none" strike="noStrike" cap="none" normalizeH="0" baseline="0" dirty="0" err="1">
+                <a:ln>
+                  <a:noFill/>
+                </a:ln>
+                <a:solidFill>
+                  <a:srgbClr val="000000"/>
+                </a:solidFill>
+                <a:effectLst/>
+                <a:latin typeface="Courier New" panose="02070309020205020404" pitchFamily="49" charset="0"/>
+                <a:cs typeface="Courier New" panose="02070309020205020404" pitchFamily="49" charset="0"/>
+              </a:rPr>
+              <a:t>policy.getPolicyCode</a:t>
+            </a:r>
+            <a:r>
+              <a:rPr kumimoji="0" lang="en-US" altLang="en-US" sz="1600" b="0" i="0" u="none" strike="noStrike" cap="none" normalizeH="0" baseline="0" dirty="0">
+                <a:ln>
+                  <a:noFill/>
+                </a:ln>
+                <a:solidFill>
+                  <a:srgbClr val="000000"/>
+                </a:solidFill>
+                <a:effectLst/>
+                <a:latin typeface="Courier New" panose="02070309020205020404" pitchFamily="49" charset="0"/>
+                <a:cs typeface="Courier New" panose="02070309020205020404" pitchFamily="49" charset="0"/>
+              </a:rPr>
+              <a:t>() != </a:t>
+            </a:r>
+            <a:r>
+              <a:rPr kumimoji="0" lang="en-US" altLang="en-US" sz="1600" b="1" i="0" u="none" strike="noStrike" cap="none" normalizeH="0" baseline="0" dirty="0">
+                <a:ln>
+                  <a:noFill/>
+                </a:ln>
+                <a:solidFill>
+                  <a:srgbClr val="000080"/>
+                </a:solidFill>
+                <a:effectLst/>
+                <a:latin typeface="Courier New" panose="02070309020205020404" pitchFamily="49" charset="0"/>
+                <a:cs typeface="Courier New" panose="02070309020205020404" pitchFamily="49" charset="0"/>
+              </a:rPr>
+              <a:t>null</a:t>
+            </a:r>
+            <a:r>
+              <a:rPr kumimoji="0" lang="en-US" altLang="en-US" sz="1600" b="0" i="0" u="none" strike="noStrike" cap="none" normalizeH="0" baseline="0" dirty="0">
+                <a:ln>
+                  <a:noFill/>
+                </a:ln>
+                <a:solidFill>
+                  <a:srgbClr val="000000"/>
+                </a:solidFill>
+                <a:effectLst/>
+                <a:latin typeface="Courier New" panose="02070309020205020404" pitchFamily="49" charset="0"/>
+                <a:cs typeface="Courier New" panose="02070309020205020404" pitchFamily="49" charset="0"/>
+              </a:rPr>
+              <a:t>)</a:t>
+            </a:r>
+            <a:br>
+              <a:rPr kumimoji="0" lang="en-US" altLang="en-US" sz="1600" b="0" i="0" u="none" strike="noStrike" cap="none" normalizeH="0" baseline="0" dirty="0">
+                <a:ln>
+                  <a:noFill/>
+                </a:ln>
+                <a:solidFill>
+                  <a:srgbClr val="000000"/>
+                </a:solidFill>
+                <a:effectLst/>
+                <a:latin typeface="Courier New" panose="02070309020205020404" pitchFamily="49" charset="0"/>
+                <a:cs typeface="Courier New" panose="02070309020205020404" pitchFamily="49" charset="0"/>
+              </a:rPr>
+            </a:br>
+            <a:r>
+              <a:rPr kumimoji="0" lang="en-US" altLang="en-US" sz="1600" b="0" i="0" u="none" strike="noStrike" cap="none" normalizeH="0" baseline="0" dirty="0">
+                <a:ln>
+                  <a:noFill/>
+                </a:ln>
+                <a:solidFill>
+                  <a:srgbClr val="000000"/>
+                </a:solidFill>
+                <a:effectLst/>
+                <a:latin typeface="Courier New" panose="02070309020205020404" pitchFamily="49" charset="0"/>
+                <a:cs typeface="Courier New" panose="02070309020205020404" pitchFamily="49" charset="0"/>
+              </a:rPr>
+              <a:t>                            </a:t>
+            </a:r>
+            <a:r>
+              <a:rPr kumimoji="0" lang="en-US" altLang="en-US" sz="1600" b="0" i="0" u="none" strike="noStrike" cap="none" normalizeH="0" baseline="0" dirty="0" err="1">
+                <a:ln>
+                  <a:noFill/>
+                </a:ln>
+                <a:solidFill>
+                  <a:srgbClr val="000000"/>
+                </a:solidFill>
+                <a:effectLst/>
+                <a:latin typeface="Courier New" panose="02070309020205020404" pitchFamily="49" charset="0"/>
+                <a:cs typeface="Courier New" panose="02070309020205020404" pitchFamily="49" charset="0"/>
+              </a:rPr>
+              <a:t>policyCodes.add</a:t>
+            </a:r>
+            <a:r>
+              <a:rPr kumimoji="0" lang="en-US" altLang="en-US" sz="1600" b="0" i="0" u="none" strike="noStrike" cap="none" normalizeH="0" baseline="0" dirty="0">
+                <a:ln>
+                  <a:noFill/>
+                </a:ln>
+                <a:solidFill>
+                  <a:srgbClr val="000000"/>
+                </a:solidFill>
+                <a:effectLst/>
+                <a:latin typeface="Courier New" panose="02070309020205020404" pitchFamily="49" charset="0"/>
+                <a:cs typeface="Courier New" panose="02070309020205020404" pitchFamily="49" charset="0"/>
+              </a:rPr>
+              <a:t>(</a:t>
+            </a:r>
+            <a:r>
+              <a:rPr kumimoji="0" lang="en-US" altLang="en-US" sz="1600" b="0" i="0" u="none" strike="noStrike" cap="none" normalizeH="0" baseline="0" dirty="0" err="1">
+                <a:ln>
+                  <a:noFill/>
+                </a:ln>
+                <a:solidFill>
+                  <a:srgbClr val="000000"/>
+                </a:solidFill>
+                <a:effectLst/>
+                <a:latin typeface="Courier New" panose="02070309020205020404" pitchFamily="49" charset="0"/>
+                <a:cs typeface="Courier New" panose="02070309020205020404" pitchFamily="49" charset="0"/>
+              </a:rPr>
+              <a:t>policy.getPolicyCode</a:t>
+            </a:r>
+            <a:r>
+              <a:rPr kumimoji="0" lang="en-US" altLang="en-US" sz="1600" b="0" i="0" u="none" strike="noStrike" cap="none" normalizeH="0" baseline="0" dirty="0">
+                <a:ln>
+                  <a:noFill/>
+                </a:ln>
+                <a:solidFill>
+                  <a:srgbClr val="000000"/>
+                </a:solidFill>
+                <a:effectLst/>
+                <a:latin typeface="Courier New" panose="02070309020205020404" pitchFamily="49" charset="0"/>
+                <a:cs typeface="Courier New" panose="02070309020205020404" pitchFamily="49" charset="0"/>
+              </a:rPr>
+              <a:t>());</a:t>
+            </a:r>
+            <a:br>
+              <a:rPr kumimoji="0" lang="en-US" altLang="en-US" sz="1600" b="0" i="0" u="none" strike="noStrike" cap="none" normalizeH="0" baseline="0" dirty="0">
+                <a:ln>
+                  <a:noFill/>
+                </a:ln>
+                <a:solidFill>
+                  <a:srgbClr val="000000"/>
+                </a:solidFill>
+                <a:effectLst/>
+                <a:latin typeface="Courier New" panose="02070309020205020404" pitchFamily="49" charset="0"/>
+                <a:cs typeface="Courier New" panose="02070309020205020404" pitchFamily="49" charset="0"/>
+              </a:rPr>
+            </a:br>
+            <a:r>
+              <a:rPr kumimoji="0" lang="en-US" altLang="en-US" sz="1600" b="0" i="0" u="none" strike="noStrike" cap="none" normalizeH="0" baseline="0" dirty="0">
+                <a:ln>
+                  <a:noFill/>
+                </a:ln>
+                <a:solidFill>
+                  <a:srgbClr val="000000"/>
+                </a:solidFill>
+                <a:effectLst/>
+                <a:latin typeface="Courier New" panose="02070309020205020404" pitchFamily="49" charset="0"/>
+                <a:cs typeface="Courier New" panose="02070309020205020404" pitchFamily="49" charset="0"/>
+              </a:rPr>
+              <a:t>                }</a:t>
+            </a:r>
+            <a:br>
+              <a:rPr kumimoji="0" lang="en-US" altLang="en-US" sz="1600" b="0" i="0" u="none" strike="noStrike" cap="none" normalizeH="0" baseline="0" dirty="0">
+                <a:ln>
+                  <a:noFill/>
+                </a:ln>
+                <a:solidFill>
+                  <a:srgbClr val="000000"/>
+                </a:solidFill>
+                <a:effectLst/>
+                <a:latin typeface="Courier New" panose="02070309020205020404" pitchFamily="49" charset="0"/>
+                <a:cs typeface="Courier New" panose="02070309020205020404" pitchFamily="49" charset="0"/>
+              </a:rPr>
+            </a:br>
+            <a:r>
+              <a:rPr kumimoji="0" lang="en-US" altLang="en-US" sz="1600" b="0" i="0" u="none" strike="noStrike" cap="none" normalizeH="0" baseline="0" dirty="0">
+                <a:ln>
+                  <a:noFill/>
+                </a:ln>
+                <a:solidFill>
+                  <a:srgbClr val="000000"/>
+                </a:solidFill>
+                <a:effectLst/>
+                <a:latin typeface="Courier New" panose="02070309020205020404" pitchFamily="49" charset="0"/>
+                <a:cs typeface="Courier New" panose="02070309020205020404" pitchFamily="49" charset="0"/>
+              </a:rPr>
+              <a:t>            }</a:t>
+            </a:r>
+            <a:br>
+              <a:rPr kumimoji="0" lang="en-US" altLang="en-US" sz="1600" b="0" i="0" u="none" strike="noStrike" cap="none" normalizeH="0" baseline="0" dirty="0">
+                <a:ln>
+                  <a:noFill/>
+                </a:ln>
+                <a:solidFill>
+                  <a:srgbClr val="000000"/>
+                </a:solidFill>
+                <a:effectLst/>
+                <a:latin typeface="Courier New" panose="02070309020205020404" pitchFamily="49" charset="0"/>
+                <a:cs typeface="Courier New" panose="02070309020205020404" pitchFamily="49" charset="0"/>
+              </a:rPr>
+            </a:br>
+            <a:r>
+              <a:rPr kumimoji="0" lang="en-US" altLang="en-US" sz="1600" b="0" i="0" u="none" strike="noStrike" cap="none" normalizeH="0" baseline="0" dirty="0">
+                <a:ln>
+                  <a:noFill/>
+                </a:ln>
+                <a:solidFill>
+                  <a:srgbClr val="000000"/>
+                </a:solidFill>
+                <a:effectLst/>
+                <a:latin typeface="Courier New" panose="02070309020205020404" pitchFamily="49" charset="0"/>
+                <a:cs typeface="Courier New" panose="02070309020205020404" pitchFamily="49" charset="0"/>
+              </a:rPr>
+              <a:t>    }</a:t>
+            </a:r>
+            <a:br>
+              <a:rPr kumimoji="0" lang="en-US" altLang="en-US" sz="1600" b="0" i="0" u="none" strike="noStrike" cap="none" normalizeH="0" baseline="0" dirty="0">
+                <a:ln>
+                  <a:noFill/>
+                </a:ln>
+                <a:solidFill>
+                  <a:srgbClr val="000000"/>
+                </a:solidFill>
+                <a:effectLst/>
+                <a:latin typeface="Courier New" panose="02070309020205020404" pitchFamily="49" charset="0"/>
+                <a:cs typeface="Courier New" panose="02070309020205020404" pitchFamily="49" charset="0"/>
+              </a:rPr>
+            </a:br>
+            <a:r>
+              <a:rPr kumimoji="0" lang="en-US" altLang="en-US" sz="1600" b="0" i="0" u="none" strike="noStrike" cap="none" normalizeH="0" baseline="0" dirty="0">
+                <a:ln>
+                  <a:noFill/>
+                </a:ln>
+                <a:solidFill>
+                  <a:srgbClr val="000000"/>
+                </a:solidFill>
+                <a:effectLst/>
+                <a:latin typeface="Courier New" panose="02070309020205020404" pitchFamily="49" charset="0"/>
+                <a:cs typeface="Courier New" panose="02070309020205020404" pitchFamily="49" charset="0"/>
+              </a:rPr>
+              <a:t>    </a:t>
+            </a:r>
+            <a:r>
+              <a:rPr kumimoji="0" lang="en-US" altLang="en-US" sz="1600" b="1" i="0" u="none" strike="noStrike" cap="none" normalizeH="0" baseline="0" dirty="0">
+                <a:ln>
+                  <a:noFill/>
+                </a:ln>
+                <a:solidFill>
+                  <a:srgbClr val="000080"/>
+                </a:solidFill>
+                <a:effectLst/>
+                <a:latin typeface="Courier New" panose="02070309020205020404" pitchFamily="49" charset="0"/>
+                <a:cs typeface="Courier New" panose="02070309020205020404" pitchFamily="49" charset="0"/>
+              </a:rPr>
+              <a:t>return </a:t>
+            </a:r>
+            <a:r>
+              <a:rPr kumimoji="0" lang="en-US" altLang="en-US" sz="1600" b="0" i="0" u="none" strike="noStrike" cap="none" normalizeH="0" baseline="0" dirty="0" err="1">
+                <a:ln>
+                  <a:noFill/>
+                </a:ln>
+                <a:solidFill>
+                  <a:srgbClr val="000000"/>
+                </a:solidFill>
+                <a:effectLst/>
+                <a:latin typeface="Courier New" panose="02070309020205020404" pitchFamily="49" charset="0"/>
+                <a:cs typeface="Courier New" panose="02070309020205020404" pitchFamily="49" charset="0"/>
+              </a:rPr>
+              <a:t>policyCodes</a:t>
+            </a:r>
+            <a:r>
+              <a:rPr kumimoji="0" lang="en-US" altLang="en-US" sz="1600" b="0" i="0" u="none" strike="noStrike" cap="none" normalizeH="0" baseline="0" dirty="0">
+                <a:ln>
+                  <a:noFill/>
+                </a:ln>
+                <a:solidFill>
+                  <a:srgbClr val="000000"/>
+                </a:solidFill>
+                <a:effectLst/>
+                <a:latin typeface="Courier New" panose="02070309020205020404" pitchFamily="49" charset="0"/>
+                <a:cs typeface="Courier New" panose="02070309020205020404" pitchFamily="49" charset="0"/>
+              </a:rPr>
+              <a:t>;</a:t>
+            </a:r>
+            <a:br>
+              <a:rPr kumimoji="0" lang="en-US" altLang="en-US" sz="1600" b="0" i="0" u="none" strike="noStrike" cap="none" normalizeH="0" baseline="0" dirty="0">
+                <a:ln>
+                  <a:noFill/>
+                </a:ln>
+                <a:solidFill>
+                  <a:srgbClr val="000000"/>
+                </a:solidFill>
+                <a:effectLst/>
+                <a:latin typeface="Courier New" panose="02070309020205020404" pitchFamily="49" charset="0"/>
+                <a:cs typeface="Courier New" panose="02070309020205020404" pitchFamily="49" charset="0"/>
+              </a:rPr>
+            </a:br>
+            <a:r>
+              <a:rPr kumimoji="0" lang="en-US" altLang="en-US" sz="1600" b="0" i="0" u="none" strike="noStrike" cap="none" normalizeH="0" baseline="0" dirty="0">
+                <a:ln>
+                  <a:noFill/>
+                </a:ln>
+                <a:solidFill>
+                  <a:srgbClr val="000000"/>
+                </a:solidFill>
+                <a:effectLst/>
+                <a:latin typeface="Courier New" panose="02070309020205020404" pitchFamily="49" charset="0"/>
+                <a:cs typeface="Courier New" panose="02070309020205020404" pitchFamily="49" charset="0"/>
+              </a:rPr>
+              <a:t>}</a:t>
+            </a:r>
+            <a:br>
+              <a:rPr kumimoji="0" lang="en-US" altLang="en-US" sz="1600" b="0" i="0" u="none" strike="noStrike" cap="none" normalizeH="0" baseline="0" dirty="0">
+                <a:ln>
+                  <a:noFill/>
+                </a:ln>
+                <a:solidFill>
+                  <a:srgbClr val="000000"/>
+                </a:solidFill>
+                <a:effectLst/>
+                <a:latin typeface="Courier New" panose="02070309020205020404" pitchFamily="49" charset="0"/>
+                <a:cs typeface="Courier New" panose="02070309020205020404" pitchFamily="49" charset="0"/>
+              </a:rPr>
+            </a:br>
+            <a:endParaRPr kumimoji="0" lang="en-US" altLang="en-US" sz="1600" b="0" i="0" u="none" strike="noStrike" cap="none" normalizeH="0" baseline="0" dirty="0">
+              <a:ln>
+                <a:noFill/>
+              </a:ln>
+              <a:solidFill>
+                <a:schemeClr val="tx1"/>
+              </a:solidFill>
+              <a:effectLst/>
+              <a:latin typeface="Arial" panose="020B0604020202020204" pitchFamily="34" charset="0"/>
+            </a:endParaRPr>
+          </a:p>
+        </p:txBody>
+      </p:sp>
+    </p:spTree>
+    <p:extLst>
+      <p:ext uri="{BB962C8B-B14F-4D97-AF65-F5344CB8AC3E}">
+        <p14:creationId xmlns:p14="http://schemas.microsoft.com/office/powerpoint/2010/main" val="26307189"/>
+      </p:ext>
+    </p:extLst>
+  </p:cSld>
+  <p:clrMapOvr>
+    <a:masterClrMapping/>
+  </p:clrMapOvr>
+</p:sld>
+</file>
+
+<file path=ppt/slides/slide55.xml><?xml version="1.0" encoding="utf-8"?>
+<p:sld xmlns:a="http://schemas.openxmlformats.org/drawingml/2006/main" xmlns:r="http://schemas.openxmlformats.org/officeDocument/2006/relationships" xmlns:p="http://schemas.openxmlformats.org/presentationml/2006/main">
+  <p:cSld>
+    <p:spTree>
+      <p:nvGrpSpPr>
+        <p:cNvPr id="1" name=""/>
+        <p:cNvGrpSpPr/>
+        <p:nvPr/>
+      </p:nvGrpSpPr>
+      <p:grpSpPr>
+        <a:xfrm>
+          <a:off x="0" y="0"/>
+          <a:ext cx="0" cy="0"/>
+          <a:chOff x="0" y="0"/>
+          <a:chExt cx="0" cy="0"/>
+        </a:xfrm>
+      </p:grpSpPr>
+      <p:sp>
+        <p:nvSpPr>
+          <p:cNvPr id="2" name="Text Placeholder 1"/>
+          <p:cNvSpPr>
+            <a:spLocks noGrp="1"/>
+          </p:cNvSpPr>
+          <p:nvPr>
+            <p:ph type="body" sz="quarter" idx="12"/>
+          </p:nvPr>
+        </p:nvSpPr>
+        <p:spPr>
+          <a:xfrm>
+            <a:off x="724940" y="866074"/>
+            <a:ext cx="7998646" cy="472528"/>
+          </a:xfrm>
+        </p:spPr>
+        <p:txBody>
+          <a:bodyPr/>
+          <a:lstStyle/>
+          <a:p>
+            <a:r>
+              <a:rPr lang="en-IE" dirty="0"/>
+              <a:t>Practice 2 in TDP </a:t>
+            </a:r>
+          </a:p>
+        </p:txBody>
+      </p:sp>
+      <p:sp>
+        <p:nvSpPr>
+          <p:cNvPr id="5" name="Text Placeholder 1"/>
+          <p:cNvSpPr>
+            <a:spLocks noGrp="1"/>
+          </p:cNvSpPr>
+          <p:nvPr>
+            <p:ph type="body" sz="quarter" idx="12"/>
+          </p:nvPr>
+        </p:nvSpPr>
+        <p:spPr>
+          <a:xfrm>
+            <a:off x="724940" y="1693157"/>
+            <a:ext cx="7998646" cy="472528"/>
+          </a:xfrm>
+        </p:spPr>
+        <p:txBody>
+          <a:bodyPr/>
+          <a:lstStyle/>
+          <a:p>
+            <a:r>
+              <a:rPr lang="en-IE" sz="2800" dirty="0"/>
+              <a:t>Improved by using </a:t>
+            </a:r>
+            <a:r>
+              <a:rPr lang="el-GR" sz="2800" b="1" dirty="0"/>
+              <a:t>λ</a:t>
+            </a:r>
+            <a:r>
+              <a:rPr lang="en-IE" sz="2800" dirty="0"/>
+              <a:t>, Stream and Optional</a:t>
+            </a:r>
+          </a:p>
+          <a:p>
+            <a:endParaRPr lang="en-IE" sz="2800" dirty="0"/>
+          </a:p>
+        </p:txBody>
+      </p:sp>
+      <p:sp>
+        <p:nvSpPr>
+          <p:cNvPr id="3" name="Rectangle 1"/>
+          <p:cNvSpPr>
+            <a:spLocks noChangeArrowheads="1"/>
+          </p:cNvSpPr>
+          <p:nvPr/>
+        </p:nvSpPr>
+        <p:spPr bwMode="auto">
+          <a:xfrm>
+            <a:off x="598331" y="2402268"/>
+            <a:ext cx="11021583" cy="3108543"/>
+          </a:xfrm>
+          <a:prstGeom prst="rect">
+            <a:avLst/>
+          </a:prstGeom>
+          <a:solidFill>
+            <a:srgbClr val="FFFFFF"/>
+          </a:solidFill>
+          <a:ln>
+            <a:noFill/>
+          </a:ln>
+          <a:effectLst/>
+          <a:extLst>
+            <a:ext uri="{91240B29-F687-4F45-9708-019B960494DF}">
+              <a14:hiddenLine xmlns:a14="http://schemas.microsoft.com/office/drawing/2010/main" w="9525">
+                <a:solidFill>
+                  <a:schemeClr val="tx1"/>
+                </a:solidFill>
+                <a:miter lim="800000"/>
+                <a:headEnd/>
+                <a:tailEnd/>
+              </a14:hiddenLine>
+            </a:ext>
+            <a:ext uri="{AF507438-7753-43E0-B8FC-AC1667EBCBE1}">
+              <a14:hiddenEffects xmlns:a14="http://schemas.microsoft.com/office/drawing/2010/main">
+                <a:effectLst>
+                  <a:outerShdw dist="35921" dir="2700000" algn="ctr" rotWithShape="0">
+                    <a:schemeClr val="bg2"/>
+                  </a:outerShdw>
+                </a:effectLst>
+              </a14:hiddenEffects>
+            </a:ext>
+          </a:extLst>
+        </p:spPr>
+        <p:txBody>
+          <a:bodyPr vert="horz" wrap="square" lIns="91440" tIns="45720" rIns="91440" bIns="45720" numCol="1" anchor="ctr" anchorCtr="0" compatLnSpc="1">
+            <a:prstTxWarp prst="textNoShape">
+              <a:avLst/>
+            </a:prstTxWarp>
+            <a:spAutoFit/>
+          </a:bodyPr>
+          <a:lstStyle/>
+          <a:p>
+            <a:pPr marL="0" marR="0" lvl="0" indent="0" algn="l" defTabSz="914400" rtl="0" eaLnBrk="0" fontAlgn="base" latinLnBrk="0" hangingPunct="0">
+              <a:lnSpc>
+                <a:spcPct val="100000"/>
+              </a:lnSpc>
+              <a:spcBef>
+                <a:spcPct val="0"/>
+              </a:spcBef>
+              <a:spcAft>
+                <a:spcPct val="0"/>
+              </a:spcAft>
+              <a:buClrTx/>
+              <a:buSzTx/>
+              <a:buFontTx/>
+              <a:buNone/>
+              <a:tabLst/>
+            </a:pPr>
+            <a:r>
+              <a:rPr kumimoji="0" lang="en-US" altLang="en-US" sz="1400" b="1" i="0" u="none" strike="noStrike" cap="none" normalizeH="0" baseline="0" dirty="0">
+                <a:ln>
+                  <a:noFill/>
+                </a:ln>
+                <a:solidFill>
+                  <a:srgbClr val="000080"/>
+                </a:solidFill>
+                <a:effectLst/>
+                <a:latin typeface="Courier New" panose="02070309020205020404" pitchFamily="49" charset="0"/>
+                <a:cs typeface="Courier New" panose="02070309020205020404" pitchFamily="49" charset="0"/>
+              </a:rPr>
+              <a:t>public static </a:t>
+            </a:r>
+            <a:r>
+              <a:rPr kumimoji="0" lang="en-US" altLang="en-US" sz="1400" b="0" i="0" u="none" strike="noStrike" cap="none" normalizeH="0" baseline="0" dirty="0">
+                <a:ln>
+                  <a:noFill/>
+                </a:ln>
+                <a:solidFill>
+                  <a:srgbClr val="000000"/>
+                </a:solidFill>
+                <a:effectLst/>
+                <a:latin typeface="Courier New" panose="02070309020205020404" pitchFamily="49" charset="0"/>
+                <a:cs typeface="Courier New" panose="02070309020205020404" pitchFamily="49" charset="0"/>
+              </a:rPr>
+              <a:t>List&lt;String&gt; getAllPolicyCodeWithResComSequence1InJava8(List&lt;Reservation&gt; reservations) </a:t>
+            </a:r>
+          </a:p>
+          <a:p>
+            <a:pPr marL="0" marR="0" lvl="0" indent="0" algn="l" defTabSz="914400" rtl="0" eaLnBrk="0" fontAlgn="base" latinLnBrk="0" hangingPunct="0">
+              <a:lnSpc>
+                <a:spcPct val="100000"/>
+              </a:lnSpc>
+              <a:spcBef>
+                <a:spcPct val="0"/>
+              </a:spcBef>
+              <a:spcAft>
+                <a:spcPct val="0"/>
+              </a:spcAft>
+              <a:buClrTx/>
+              <a:buSzTx/>
+              <a:buFontTx/>
+              <a:buNone/>
+              <a:tabLst/>
+            </a:pPr>
+            <a:r>
+              <a:rPr lang="en-US" altLang="en-US" sz="1400" dirty="0">
+                <a:solidFill>
+                  <a:srgbClr val="000000"/>
+                </a:solidFill>
+                <a:latin typeface="Courier New" panose="02070309020205020404" pitchFamily="49" charset="0"/>
+                <a:cs typeface="Courier New" panose="02070309020205020404" pitchFamily="49" charset="0"/>
+              </a:rPr>
+              <a:t>  </a:t>
+            </a:r>
+            <a:r>
+              <a:rPr kumimoji="0" lang="en-US" altLang="en-US" sz="1400" b="0" i="0" u="none" strike="noStrike" cap="none" normalizeH="0" baseline="0" dirty="0">
+                <a:ln>
+                  <a:noFill/>
+                </a:ln>
+                <a:solidFill>
+                  <a:srgbClr val="000000"/>
+                </a:solidFill>
+                <a:effectLst/>
+                <a:latin typeface="Courier New" panose="02070309020205020404" pitchFamily="49" charset="0"/>
+                <a:cs typeface="Courier New" panose="02070309020205020404" pitchFamily="49" charset="0"/>
+              </a:rPr>
+              <a:t>{</a:t>
+            </a:r>
+            <a:br>
+              <a:rPr kumimoji="0" lang="en-US" altLang="en-US" sz="1400" b="0" i="0" u="none" strike="noStrike" cap="none" normalizeH="0" baseline="0" dirty="0">
+                <a:ln>
+                  <a:noFill/>
+                </a:ln>
+                <a:solidFill>
+                  <a:srgbClr val="000000"/>
+                </a:solidFill>
+                <a:effectLst/>
+                <a:latin typeface="Courier New" panose="02070309020205020404" pitchFamily="49" charset="0"/>
+                <a:cs typeface="Courier New" panose="02070309020205020404" pitchFamily="49" charset="0"/>
+              </a:rPr>
+            </a:br>
+            <a:br>
+              <a:rPr kumimoji="0" lang="en-US" altLang="en-US" sz="1400" b="0" i="0" u="none" strike="noStrike" cap="none" normalizeH="0" baseline="0" dirty="0">
+                <a:ln>
+                  <a:noFill/>
+                </a:ln>
+                <a:solidFill>
+                  <a:srgbClr val="000000"/>
+                </a:solidFill>
+                <a:effectLst/>
+                <a:latin typeface="Courier New" panose="02070309020205020404" pitchFamily="49" charset="0"/>
+                <a:cs typeface="Courier New" panose="02070309020205020404" pitchFamily="49" charset="0"/>
+              </a:rPr>
+            </a:br>
+            <a:r>
+              <a:rPr kumimoji="0" lang="en-US" altLang="en-US" sz="1400" b="0" i="0" u="none" strike="noStrike" cap="none" normalizeH="0" baseline="0" dirty="0">
+                <a:ln>
+                  <a:noFill/>
+                </a:ln>
+                <a:solidFill>
+                  <a:srgbClr val="000000"/>
+                </a:solidFill>
+                <a:effectLst/>
+                <a:latin typeface="Courier New" panose="02070309020205020404" pitchFamily="49" charset="0"/>
+                <a:cs typeface="Courier New" panose="02070309020205020404" pitchFamily="49" charset="0"/>
+              </a:rPr>
+              <a:t>        </a:t>
+            </a:r>
+            <a:r>
+              <a:rPr kumimoji="0" lang="en-US" altLang="en-US" sz="1400" b="1" i="0" u="none" strike="noStrike" cap="none" normalizeH="0" baseline="0" dirty="0">
+                <a:ln>
+                  <a:noFill/>
+                </a:ln>
+                <a:solidFill>
+                  <a:srgbClr val="000080"/>
+                </a:solidFill>
+                <a:effectLst/>
+                <a:latin typeface="Courier New" panose="02070309020205020404" pitchFamily="49" charset="0"/>
+                <a:cs typeface="Courier New" panose="02070309020205020404" pitchFamily="49" charset="0"/>
+              </a:rPr>
+              <a:t>return </a:t>
+            </a:r>
+            <a:r>
+              <a:rPr kumimoji="0" lang="en-US" altLang="en-US" sz="1400" b="0" i="0" u="none" strike="noStrike" cap="none" normalizeH="0" baseline="0" dirty="0">
+                <a:ln>
+                  <a:noFill/>
+                </a:ln>
+                <a:solidFill>
+                  <a:srgbClr val="000000"/>
+                </a:solidFill>
+                <a:effectLst/>
+                <a:latin typeface="Courier New" panose="02070309020205020404" pitchFamily="49" charset="0"/>
+                <a:cs typeface="Courier New" panose="02070309020205020404" pitchFamily="49" charset="0"/>
+              </a:rPr>
+              <a:t>reservations</a:t>
+            </a:r>
+            <a:br>
+              <a:rPr kumimoji="0" lang="en-US" altLang="en-US" sz="1400" b="0" i="0" u="none" strike="noStrike" cap="none" normalizeH="0" baseline="0" dirty="0">
+                <a:ln>
+                  <a:noFill/>
+                </a:ln>
+                <a:solidFill>
+                  <a:srgbClr val="000000"/>
+                </a:solidFill>
+                <a:effectLst/>
+                <a:latin typeface="Courier New" panose="02070309020205020404" pitchFamily="49" charset="0"/>
+                <a:cs typeface="Courier New" panose="02070309020205020404" pitchFamily="49" charset="0"/>
+              </a:rPr>
+            </a:br>
+            <a:r>
+              <a:rPr kumimoji="0" lang="en-US" altLang="en-US" sz="1400" b="0" i="0" u="none" strike="noStrike" cap="none" normalizeH="0" baseline="0" dirty="0">
+                <a:ln>
+                  <a:noFill/>
+                </a:ln>
+                <a:solidFill>
+                  <a:srgbClr val="000000"/>
+                </a:solidFill>
+                <a:effectLst/>
+                <a:latin typeface="Courier New" panose="02070309020205020404" pitchFamily="49" charset="0"/>
+                <a:cs typeface="Courier New" panose="02070309020205020404" pitchFamily="49" charset="0"/>
+              </a:rPr>
+              <a:t>                    .stream()</a:t>
+            </a:r>
+            <a:br>
+              <a:rPr kumimoji="0" lang="en-US" altLang="en-US" sz="1400" b="0" i="0" u="none" strike="noStrike" cap="none" normalizeH="0" baseline="0" dirty="0">
+                <a:ln>
+                  <a:noFill/>
+                </a:ln>
+                <a:solidFill>
+                  <a:srgbClr val="000000"/>
+                </a:solidFill>
+                <a:effectLst/>
+                <a:latin typeface="Courier New" panose="02070309020205020404" pitchFamily="49" charset="0"/>
+                <a:cs typeface="Courier New" panose="02070309020205020404" pitchFamily="49" charset="0"/>
+              </a:rPr>
+            </a:br>
+            <a:r>
+              <a:rPr kumimoji="0" lang="en-US" altLang="en-US" sz="1400" b="0" i="0" u="none" strike="noStrike" cap="none" normalizeH="0" baseline="0" dirty="0">
+                <a:ln>
+                  <a:noFill/>
+                </a:ln>
+                <a:solidFill>
+                  <a:srgbClr val="000000"/>
+                </a:solidFill>
+                <a:effectLst/>
+                <a:latin typeface="Courier New" panose="02070309020205020404" pitchFamily="49" charset="0"/>
+                <a:cs typeface="Courier New" panose="02070309020205020404" pitchFamily="49" charset="0"/>
+              </a:rPr>
+              <a:t>  </a:t>
+            </a:r>
+            <a:r>
+              <a:rPr kumimoji="0" lang="en-US" altLang="en-US" sz="1400" b="0" i="1" u="none" strike="noStrike" cap="none" normalizeH="0" baseline="0" dirty="0">
+                <a:ln>
+                  <a:noFill/>
+                </a:ln>
+                <a:solidFill>
+                  <a:srgbClr val="808080"/>
+                </a:solidFill>
+                <a:effectLst/>
+                <a:latin typeface="Courier New" panose="02070309020205020404" pitchFamily="49" charset="0"/>
+                <a:cs typeface="Courier New" panose="02070309020205020404" pitchFamily="49" charset="0"/>
+              </a:rPr>
+              <a:t>//                .parallel()</a:t>
+            </a:r>
+            <a:br>
+              <a:rPr kumimoji="0" lang="en-US" altLang="en-US" sz="1400" b="0" i="1" u="none" strike="noStrike" cap="none" normalizeH="0" baseline="0" dirty="0">
+                <a:ln>
+                  <a:noFill/>
+                </a:ln>
+                <a:solidFill>
+                  <a:srgbClr val="808080"/>
+                </a:solidFill>
+                <a:effectLst/>
+                <a:latin typeface="Courier New" panose="02070309020205020404" pitchFamily="49" charset="0"/>
+                <a:cs typeface="Courier New" panose="02070309020205020404" pitchFamily="49" charset="0"/>
+              </a:rPr>
+            </a:br>
+            <a:r>
+              <a:rPr kumimoji="0" lang="en-US" altLang="en-US" sz="1400" b="0" i="1" u="none" strike="noStrike" cap="none" normalizeH="0" baseline="0" dirty="0">
+                <a:ln>
+                  <a:noFill/>
+                </a:ln>
+                <a:solidFill>
+                  <a:srgbClr val="808080"/>
+                </a:solidFill>
+                <a:effectLst/>
+                <a:latin typeface="Courier New" panose="02070309020205020404" pitchFamily="49" charset="0"/>
+                <a:cs typeface="Courier New" panose="02070309020205020404" pitchFamily="49" charset="0"/>
+              </a:rPr>
+              <a:t>                        </a:t>
+            </a:r>
+            <a:r>
+              <a:rPr kumimoji="0" lang="en-US" altLang="en-US" sz="1400" b="0" i="0" u="none" strike="noStrike" cap="none" normalizeH="0" baseline="0" dirty="0">
+                <a:ln>
+                  <a:noFill/>
+                </a:ln>
+                <a:solidFill>
+                  <a:srgbClr val="000000"/>
+                </a:solidFill>
+                <a:effectLst/>
+                <a:latin typeface="Courier New" panose="02070309020205020404" pitchFamily="49" charset="0"/>
+                <a:cs typeface="Courier New" panose="02070309020205020404" pitchFamily="49" charset="0"/>
+              </a:rPr>
+              <a:t>.map(reservation -&gt; </a:t>
+            </a:r>
+            <a:r>
+              <a:rPr kumimoji="0" lang="en-US" altLang="en-US" sz="1400" b="0" i="0" u="none" strike="noStrike" cap="none" normalizeH="0" baseline="0" dirty="0" err="1">
+                <a:ln>
+                  <a:noFill/>
+                </a:ln>
+                <a:solidFill>
+                  <a:srgbClr val="000000"/>
+                </a:solidFill>
+                <a:effectLst/>
+                <a:latin typeface="Courier New" panose="02070309020205020404" pitchFamily="49" charset="0"/>
+                <a:cs typeface="Courier New" panose="02070309020205020404" pitchFamily="49" charset="0"/>
+              </a:rPr>
+              <a:t>reservation.getResComponents</a:t>
+            </a:r>
+            <a:r>
+              <a:rPr kumimoji="0" lang="en-US" altLang="en-US" sz="1400" b="0" i="0" u="none" strike="noStrike" cap="none" normalizeH="0" baseline="0" dirty="0">
+                <a:ln>
+                  <a:noFill/>
+                </a:ln>
+                <a:solidFill>
+                  <a:srgbClr val="000000"/>
+                </a:solidFill>
+                <a:effectLst/>
+                <a:latin typeface="Courier New" panose="02070309020205020404" pitchFamily="49" charset="0"/>
+                <a:cs typeface="Courier New" panose="02070309020205020404" pitchFamily="49" charset="0"/>
+              </a:rPr>
+              <a:t>())</a:t>
+            </a:r>
+            <a:br>
+              <a:rPr kumimoji="0" lang="en-US" altLang="en-US" sz="1400" b="0" i="0" u="none" strike="noStrike" cap="none" normalizeH="0" baseline="0" dirty="0">
+                <a:ln>
+                  <a:noFill/>
+                </a:ln>
+                <a:solidFill>
+                  <a:srgbClr val="000000"/>
+                </a:solidFill>
+                <a:effectLst/>
+                <a:latin typeface="Courier New" panose="02070309020205020404" pitchFamily="49" charset="0"/>
+                <a:cs typeface="Courier New" panose="02070309020205020404" pitchFamily="49" charset="0"/>
+              </a:rPr>
+            </a:br>
+            <a:r>
+              <a:rPr kumimoji="0" lang="en-US" altLang="en-US" sz="1400" b="0" i="0" u="none" strike="noStrike" cap="none" normalizeH="0" baseline="0" dirty="0">
+                <a:ln>
+                  <a:noFill/>
+                </a:ln>
+                <a:solidFill>
+                  <a:srgbClr val="000000"/>
+                </a:solidFill>
+                <a:effectLst/>
+                <a:latin typeface="Courier New" panose="02070309020205020404" pitchFamily="49" charset="0"/>
+                <a:cs typeface="Courier New" panose="02070309020205020404" pitchFamily="49" charset="0"/>
+              </a:rPr>
+              <a:t>                        .</a:t>
+            </a:r>
+            <a:r>
+              <a:rPr kumimoji="0" lang="en-US" altLang="en-US" sz="1400" b="0" i="0" u="none" strike="noStrike" cap="none" normalizeH="0" baseline="0" dirty="0" err="1">
+                <a:ln>
+                  <a:noFill/>
+                </a:ln>
+                <a:solidFill>
+                  <a:srgbClr val="000000"/>
+                </a:solidFill>
+                <a:effectLst/>
+                <a:latin typeface="Courier New" panose="02070309020205020404" pitchFamily="49" charset="0"/>
+                <a:cs typeface="Courier New" panose="02070309020205020404" pitchFamily="49" charset="0"/>
+              </a:rPr>
+              <a:t>flatMap</a:t>
+            </a:r>
+            <a:r>
+              <a:rPr kumimoji="0" lang="en-US" altLang="en-US" sz="1400" b="0" i="0" u="none" strike="noStrike" cap="none" normalizeH="0" baseline="0" dirty="0">
+                <a:ln>
+                  <a:noFill/>
+                </a:ln>
+                <a:solidFill>
+                  <a:srgbClr val="000000"/>
+                </a:solidFill>
+                <a:effectLst/>
+                <a:latin typeface="Courier New" panose="02070309020205020404" pitchFamily="49" charset="0"/>
+                <a:cs typeface="Courier New" panose="02070309020205020404" pitchFamily="49" charset="0"/>
+              </a:rPr>
+              <a:t>(Collection::stream)</a:t>
+            </a:r>
+            <a:br>
+              <a:rPr kumimoji="0" lang="en-US" altLang="en-US" sz="1400" b="0" i="0" u="none" strike="noStrike" cap="none" normalizeH="0" baseline="0" dirty="0">
+                <a:ln>
+                  <a:noFill/>
+                </a:ln>
+                <a:solidFill>
+                  <a:srgbClr val="000000"/>
+                </a:solidFill>
+                <a:effectLst/>
+                <a:latin typeface="Courier New" panose="02070309020205020404" pitchFamily="49" charset="0"/>
+                <a:cs typeface="Courier New" panose="02070309020205020404" pitchFamily="49" charset="0"/>
+              </a:rPr>
+            </a:br>
+            <a:r>
+              <a:rPr kumimoji="0" lang="en-US" altLang="en-US" sz="1400" b="0" i="0" u="none" strike="noStrike" cap="none" normalizeH="0" baseline="0" dirty="0">
+                <a:ln>
+                  <a:noFill/>
+                </a:ln>
+                <a:solidFill>
+                  <a:srgbClr val="000000"/>
+                </a:solidFill>
+                <a:effectLst/>
+                <a:latin typeface="Courier New" panose="02070309020205020404" pitchFamily="49" charset="0"/>
+                <a:cs typeface="Courier New" panose="02070309020205020404" pitchFamily="49" charset="0"/>
+              </a:rPr>
+              <a:t>                        .filter(</a:t>
+            </a:r>
+            <a:r>
+              <a:rPr kumimoji="0" lang="en-US" altLang="en-US" sz="1400" b="0" i="0" u="none" strike="noStrike" cap="none" normalizeH="0" baseline="0" dirty="0" err="1">
+                <a:ln>
+                  <a:noFill/>
+                </a:ln>
+                <a:solidFill>
+                  <a:srgbClr val="000000"/>
+                </a:solidFill>
+                <a:effectLst/>
+                <a:latin typeface="Courier New" panose="02070309020205020404" pitchFamily="49" charset="0"/>
+                <a:cs typeface="Courier New" panose="02070309020205020404" pitchFamily="49" charset="0"/>
+              </a:rPr>
+              <a:t>resComponent</a:t>
+            </a:r>
+            <a:r>
+              <a:rPr kumimoji="0" lang="en-US" altLang="en-US" sz="1400" b="0" i="0" u="none" strike="noStrike" cap="none" normalizeH="0" baseline="0" dirty="0">
+                <a:ln>
+                  <a:noFill/>
+                </a:ln>
+                <a:solidFill>
+                  <a:srgbClr val="000000"/>
+                </a:solidFill>
+                <a:effectLst/>
+                <a:latin typeface="Courier New" panose="02070309020205020404" pitchFamily="49" charset="0"/>
+                <a:cs typeface="Courier New" panose="02070309020205020404" pitchFamily="49" charset="0"/>
+              </a:rPr>
+              <a:t> -&gt;  </a:t>
+            </a:r>
+            <a:r>
+              <a:rPr kumimoji="0" lang="en-US" altLang="en-US" sz="1400" b="0" i="0" u="none" strike="noStrike" cap="none" normalizeH="0" baseline="0" dirty="0" err="1">
+                <a:ln>
+                  <a:noFill/>
+                </a:ln>
+                <a:solidFill>
+                  <a:srgbClr val="000000"/>
+                </a:solidFill>
+                <a:effectLst/>
+                <a:latin typeface="Courier New" panose="02070309020205020404" pitchFamily="49" charset="0"/>
+                <a:cs typeface="Courier New" panose="02070309020205020404" pitchFamily="49" charset="0"/>
+              </a:rPr>
+              <a:t>resComponent.getSequence</a:t>
+            </a:r>
+            <a:r>
+              <a:rPr kumimoji="0" lang="en-US" altLang="en-US" sz="1400" b="0" i="0" u="none" strike="noStrike" cap="none" normalizeH="0" baseline="0" dirty="0">
+                <a:ln>
+                  <a:noFill/>
+                </a:ln>
+                <a:solidFill>
+                  <a:srgbClr val="000000"/>
+                </a:solidFill>
+                <a:effectLst/>
+                <a:latin typeface="Courier New" panose="02070309020205020404" pitchFamily="49" charset="0"/>
+                <a:cs typeface="Courier New" panose="02070309020205020404" pitchFamily="49" charset="0"/>
+              </a:rPr>
+              <a:t>() == </a:t>
+            </a:r>
+            <a:r>
+              <a:rPr kumimoji="0" lang="en-US" altLang="en-US" sz="1400" b="0" i="0" u="none" strike="noStrike" cap="none" normalizeH="0" baseline="0" dirty="0">
+                <a:ln>
+                  <a:noFill/>
+                </a:ln>
+                <a:solidFill>
+                  <a:srgbClr val="0000FF"/>
+                </a:solidFill>
+                <a:effectLst/>
+                <a:latin typeface="Courier New" panose="02070309020205020404" pitchFamily="49" charset="0"/>
+                <a:cs typeface="Courier New" panose="02070309020205020404" pitchFamily="49" charset="0"/>
+              </a:rPr>
+              <a:t>1</a:t>
+            </a:r>
+            <a:r>
+              <a:rPr kumimoji="0" lang="en-US" altLang="en-US" sz="1400" b="0" i="0" u="none" strike="noStrike" cap="none" normalizeH="0" baseline="0" dirty="0">
+                <a:ln>
+                  <a:noFill/>
+                </a:ln>
+                <a:solidFill>
+                  <a:srgbClr val="000000"/>
+                </a:solidFill>
+                <a:effectLst/>
+                <a:latin typeface="Courier New" panose="02070309020205020404" pitchFamily="49" charset="0"/>
+                <a:cs typeface="Courier New" panose="02070309020205020404" pitchFamily="49" charset="0"/>
+              </a:rPr>
+              <a:t>)</a:t>
+            </a:r>
+            <a:br>
+              <a:rPr kumimoji="0" lang="en-US" altLang="en-US" sz="1400" b="0" i="0" u="none" strike="noStrike" cap="none" normalizeH="0" baseline="0" dirty="0">
+                <a:ln>
+                  <a:noFill/>
+                </a:ln>
+                <a:solidFill>
+                  <a:srgbClr val="000000"/>
+                </a:solidFill>
+                <a:effectLst/>
+                <a:latin typeface="Courier New" panose="02070309020205020404" pitchFamily="49" charset="0"/>
+                <a:cs typeface="Courier New" panose="02070309020205020404" pitchFamily="49" charset="0"/>
+              </a:rPr>
+            </a:br>
+            <a:r>
+              <a:rPr kumimoji="0" lang="en-US" altLang="en-US" sz="1400" b="0" i="0" u="none" strike="noStrike" cap="none" normalizeH="0" baseline="0" dirty="0">
+                <a:ln>
+                  <a:noFill/>
+                </a:ln>
+                <a:solidFill>
+                  <a:srgbClr val="000000"/>
+                </a:solidFill>
+                <a:effectLst/>
+                <a:latin typeface="Courier New" panose="02070309020205020404" pitchFamily="49" charset="0"/>
+                <a:cs typeface="Courier New" panose="02070309020205020404" pitchFamily="49" charset="0"/>
+              </a:rPr>
+              <a:t>                        .map(</a:t>
+            </a:r>
+            <a:r>
+              <a:rPr kumimoji="0" lang="en-US" altLang="en-US" sz="1400" b="0" i="0" u="none" strike="noStrike" cap="none" normalizeH="0" baseline="0" dirty="0" err="1">
+                <a:ln>
+                  <a:noFill/>
+                </a:ln>
+                <a:solidFill>
+                  <a:srgbClr val="000000"/>
+                </a:solidFill>
+                <a:effectLst/>
+                <a:latin typeface="Courier New" panose="02070309020205020404" pitchFamily="49" charset="0"/>
+                <a:cs typeface="Courier New" panose="02070309020205020404" pitchFamily="49" charset="0"/>
+              </a:rPr>
+              <a:t>resComponent</a:t>
+            </a:r>
+            <a:r>
+              <a:rPr kumimoji="0" lang="en-US" altLang="en-US" sz="1400" b="0" i="0" u="none" strike="noStrike" cap="none" normalizeH="0" baseline="0" dirty="0">
+                <a:ln>
+                  <a:noFill/>
+                </a:ln>
+                <a:solidFill>
+                  <a:srgbClr val="000000"/>
+                </a:solidFill>
+                <a:effectLst/>
+                <a:latin typeface="Courier New" panose="02070309020205020404" pitchFamily="49" charset="0"/>
+                <a:cs typeface="Courier New" panose="02070309020205020404" pitchFamily="49" charset="0"/>
+              </a:rPr>
+              <a:t> -&gt; </a:t>
+            </a:r>
+            <a:r>
+              <a:rPr kumimoji="0" lang="en-US" altLang="en-US" sz="1400" b="0" i="0" u="none" strike="noStrike" cap="none" normalizeH="0" baseline="0" dirty="0" err="1">
+                <a:ln>
+                  <a:noFill/>
+                </a:ln>
+                <a:solidFill>
+                  <a:srgbClr val="000000"/>
+                </a:solidFill>
+                <a:effectLst/>
+                <a:latin typeface="Courier New" panose="02070309020205020404" pitchFamily="49" charset="0"/>
+                <a:cs typeface="Courier New" panose="02070309020205020404" pitchFamily="49" charset="0"/>
+              </a:rPr>
+              <a:t>resComponent.getPolicies</a:t>
+            </a:r>
+            <a:r>
+              <a:rPr kumimoji="0" lang="en-US" altLang="en-US" sz="1400" b="0" i="0" u="none" strike="noStrike" cap="none" normalizeH="0" baseline="0" dirty="0">
+                <a:ln>
+                  <a:noFill/>
+                </a:ln>
+                <a:solidFill>
+                  <a:srgbClr val="000000"/>
+                </a:solidFill>
+                <a:effectLst/>
+                <a:latin typeface="Courier New" panose="02070309020205020404" pitchFamily="49" charset="0"/>
+                <a:cs typeface="Courier New" panose="02070309020205020404" pitchFamily="49" charset="0"/>
+              </a:rPr>
+              <a:t>())</a:t>
+            </a:r>
+            <a:br>
+              <a:rPr kumimoji="0" lang="en-US" altLang="en-US" sz="1400" b="0" i="0" u="none" strike="noStrike" cap="none" normalizeH="0" baseline="0" dirty="0">
+                <a:ln>
+                  <a:noFill/>
+                </a:ln>
+                <a:solidFill>
+                  <a:srgbClr val="000000"/>
+                </a:solidFill>
+                <a:effectLst/>
+                <a:latin typeface="Courier New" panose="02070309020205020404" pitchFamily="49" charset="0"/>
+                <a:cs typeface="Courier New" panose="02070309020205020404" pitchFamily="49" charset="0"/>
+              </a:rPr>
+            </a:br>
+            <a:r>
+              <a:rPr kumimoji="0" lang="en-US" altLang="en-US" sz="1400" b="0" i="0" u="none" strike="noStrike" cap="none" normalizeH="0" baseline="0" dirty="0">
+                <a:ln>
+                  <a:noFill/>
+                </a:ln>
+                <a:solidFill>
+                  <a:srgbClr val="000000"/>
+                </a:solidFill>
+                <a:effectLst/>
+                <a:latin typeface="Courier New" panose="02070309020205020404" pitchFamily="49" charset="0"/>
+                <a:cs typeface="Courier New" panose="02070309020205020404" pitchFamily="49" charset="0"/>
+              </a:rPr>
+              <a:t>                        .</a:t>
+            </a:r>
+            <a:r>
+              <a:rPr kumimoji="0" lang="en-US" altLang="en-US" sz="1400" b="0" i="0" u="none" strike="noStrike" cap="none" normalizeH="0" baseline="0" dirty="0" err="1">
+                <a:ln>
+                  <a:noFill/>
+                </a:ln>
+                <a:solidFill>
+                  <a:srgbClr val="000000"/>
+                </a:solidFill>
+                <a:effectLst/>
+                <a:latin typeface="Courier New" panose="02070309020205020404" pitchFamily="49" charset="0"/>
+                <a:cs typeface="Courier New" panose="02070309020205020404" pitchFamily="49" charset="0"/>
+              </a:rPr>
+              <a:t>flatMap</a:t>
+            </a:r>
+            <a:r>
+              <a:rPr kumimoji="0" lang="en-US" altLang="en-US" sz="1400" b="0" i="0" u="none" strike="noStrike" cap="none" normalizeH="0" baseline="0" dirty="0">
+                <a:ln>
+                  <a:noFill/>
+                </a:ln>
+                <a:solidFill>
+                  <a:srgbClr val="000000"/>
+                </a:solidFill>
+                <a:effectLst/>
+                <a:latin typeface="Courier New" panose="02070309020205020404" pitchFamily="49" charset="0"/>
+                <a:cs typeface="Courier New" panose="02070309020205020404" pitchFamily="49" charset="0"/>
+              </a:rPr>
+              <a:t>(Collection::stream)</a:t>
+            </a:r>
+            <a:br>
+              <a:rPr kumimoji="0" lang="en-US" altLang="en-US" sz="1400" b="0" i="0" u="none" strike="noStrike" cap="none" normalizeH="0" baseline="0" dirty="0">
+                <a:ln>
+                  <a:noFill/>
+                </a:ln>
+                <a:solidFill>
+                  <a:srgbClr val="000000"/>
+                </a:solidFill>
+                <a:effectLst/>
+                <a:latin typeface="Courier New" panose="02070309020205020404" pitchFamily="49" charset="0"/>
+                <a:cs typeface="Courier New" panose="02070309020205020404" pitchFamily="49" charset="0"/>
+              </a:rPr>
+            </a:br>
+            <a:r>
+              <a:rPr kumimoji="0" lang="en-US" altLang="en-US" sz="1400" b="0" i="0" u="none" strike="noStrike" cap="none" normalizeH="0" baseline="0" dirty="0">
+                <a:ln>
+                  <a:noFill/>
+                </a:ln>
+                <a:solidFill>
+                  <a:srgbClr val="000000"/>
+                </a:solidFill>
+                <a:effectLst/>
+                <a:latin typeface="Courier New" panose="02070309020205020404" pitchFamily="49" charset="0"/>
+                <a:cs typeface="Courier New" panose="02070309020205020404" pitchFamily="49" charset="0"/>
+              </a:rPr>
+              <a:t>                        .map(Policy::</a:t>
+            </a:r>
+            <a:r>
+              <a:rPr kumimoji="0" lang="en-US" altLang="en-US" sz="1400" b="0" i="0" u="none" strike="noStrike" cap="none" normalizeH="0" baseline="0" dirty="0" err="1">
+                <a:ln>
+                  <a:noFill/>
+                </a:ln>
+                <a:solidFill>
+                  <a:srgbClr val="000000"/>
+                </a:solidFill>
+                <a:effectLst/>
+                <a:latin typeface="Courier New" panose="02070309020205020404" pitchFamily="49" charset="0"/>
+                <a:cs typeface="Courier New" panose="02070309020205020404" pitchFamily="49" charset="0"/>
+              </a:rPr>
+              <a:t>getPolicyCode</a:t>
+            </a:r>
+            <a:r>
+              <a:rPr kumimoji="0" lang="en-US" altLang="en-US" sz="1400" b="0" i="0" u="none" strike="noStrike" cap="none" normalizeH="0" baseline="0" dirty="0">
+                <a:ln>
+                  <a:noFill/>
+                </a:ln>
+                <a:solidFill>
+                  <a:srgbClr val="000000"/>
+                </a:solidFill>
+                <a:effectLst/>
+                <a:latin typeface="Courier New" panose="02070309020205020404" pitchFamily="49" charset="0"/>
+                <a:cs typeface="Courier New" panose="02070309020205020404" pitchFamily="49" charset="0"/>
+              </a:rPr>
+              <a:t>)</a:t>
+            </a:r>
+            <a:br>
+              <a:rPr kumimoji="0" lang="en-US" altLang="en-US" sz="1400" b="0" i="0" u="none" strike="noStrike" cap="none" normalizeH="0" baseline="0" dirty="0">
+                <a:ln>
+                  <a:noFill/>
+                </a:ln>
+                <a:solidFill>
+                  <a:srgbClr val="000000"/>
+                </a:solidFill>
+                <a:effectLst/>
+                <a:latin typeface="Courier New" panose="02070309020205020404" pitchFamily="49" charset="0"/>
+                <a:cs typeface="Courier New" panose="02070309020205020404" pitchFamily="49" charset="0"/>
+              </a:rPr>
+            </a:br>
+            <a:r>
+              <a:rPr kumimoji="0" lang="en-US" altLang="en-US" sz="1400" b="0" i="0" u="none" strike="noStrike" cap="none" normalizeH="0" baseline="0" dirty="0">
+                <a:ln>
+                  <a:noFill/>
+                </a:ln>
+                <a:solidFill>
+                  <a:srgbClr val="000000"/>
+                </a:solidFill>
+                <a:effectLst/>
+                <a:latin typeface="Courier New" panose="02070309020205020404" pitchFamily="49" charset="0"/>
+                <a:cs typeface="Courier New" panose="02070309020205020404" pitchFamily="49" charset="0"/>
+              </a:rPr>
+              <a:t>                        .collect(</a:t>
+            </a:r>
+            <a:r>
+              <a:rPr kumimoji="0" lang="en-US" altLang="en-US" sz="1400" b="0" i="1" u="none" strike="noStrike" cap="none" normalizeH="0" baseline="0" dirty="0" err="1">
+                <a:ln>
+                  <a:noFill/>
+                </a:ln>
+                <a:solidFill>
+                  <a:srgbClr val="000000"/>
+                </a:solidFill>
+                <a:effectLst/>
+                <a:latin typeface="Courier New" panose="02070309020205020404" pitchFamily="49" charset="0"/>
+                <a:cs typeface="Courier New" panose="02070309020205020404" pitchFamily="49" charset="0"/>
+              </a:rPr>
+              <a:t>toList</a:t>
+            </a:r>
+            <a:r>
+              <a:rPr kumimoji="0" lang="en-US" altLang="en-US" sz="1400" b="0" i="0" u="none" strike="noStrike" cap="none" normalizeH="0" baseline="0" dirty="0">
+                <a:ln>
+                  <a:noFill/>
+                </a:ln>
+                <a:solidFill>
+                  <a:srgbClr val="000000"/>
+                </a:solidFill>
+                <a:effectLst/>
+                <a:latin typeface="Courier New" panose="02070309020205020404" pitchFamily="49" charset="0"/>
+                <a:cs typeface="Courier New" panose="02070309020205020404" pitchFamily="49" charset="0"/>
+              </a:rPr>
+              <a:t>());</a:t>
+            </a:r>
+            <a:br>
+              <a:rPr kumimoji="0" lang="en-US" altLang="en-US" sz="1400" b="0" i="0" u="none" strike="noStrike" cap="none" normalizeH="0" baseline="0" dirty="0">
+                <a:ln>
+                  <a:noFill/>
+                </a:ln>
+                <a:solidFill>
+                  <a:srgbClr val="000000"/>
+                </a:solidFill>
+                <a:effectLst/>
+                <a:latin typeface="Courier New" panose="02070309020205020404" pitchFamily="49" charset="0"/>
+                <a:cs typeface="Courier New" panose="02070309020205020404" pitchFamily="49" charset="0"/>
+              </a:rPr>
+            </a:br>
+            <a:r>
+              <a:rPr kumimoji="0" lang="en-US" altLang="en-US" sz="1400" b="0" i="0" u="none" strike="noStrike" cap="none" normalizeH="0" baseline="0" dirty="0">
+                <a:ln>
+                  <a:noFill/>
+                </a:ln>
+                <a:solidFill>
+                  <a:srgbClr val="000000"/>
+                </a:solidFill>
+                <a:effectLst/>
+                <a:latin typeface="Courier New" panose="02070309020205020404" pitchFamily="49" charset="0"/>
+                <a:cs typeface="Courier New" panose="02070309020205020404" pitchFamily="49" charset="0"/>
+              </a:rPr>
+              <a:t>   }</a:t>
+            </a:r>
+            <a:endParaRPr kumimoji="0" lang="en-US" altLang="en-US" sz="1400" b="0" i="0" u="none" strike="noStrike" cap="none" normalizeH="0" baseline="0" dirty="0">
+              <a:ln>
+                <a:noFill/>
+              </a:ln>
+              <a:solidFill>
+                <a:schemeClr val="tx1"/>
+              </a:solidFill>
+              <a:effectLst/>
+              <a:latin typeface="Arial" panose="020B0604020202020204" pitchFamily="34" charset="0"/>
+            </a:endParaRPr>
+          </a:p>
+        </p:txBody>
+      </p:sp>
+    </p:spTree>
+    <p:extLst>
+      <p:ext uri="{BB962C8B-B14F-4D97-AF65-F5344CB8AC3E}">
+        <p14:creationId xmlns:p14="http://schemas.microsoft.com/office/powerpoint/2010/main" val="3092909730"/>
+      </p:ext>
+    </p:extLst>
+  </p:cSld>
+  <p:clrMapOvr>
+    <a:masterClrMapping/>
+  </p:clrMapOvr>
+</p:sld>
+</file>
+
+<file path=ppt/slides/slide56.xml><?xml version="1.0" encoding="utf-8"?>
+<p:sld xmlns:a="http://schemas.openxmlformats.org/drawingml/2006/main" xmlns:r="http://schemas.openxmlformats.org/officeDocument/2006/relationships" xmlns:p="http://schemas.openxmlformats.org/presentationml/2006/main">
+  <p:cSld>
+    <p:spTree>
+      <p:nvGrpSpPr>
+        <p:cNvPr id="1" name=""/>
+        <p:cNvGrpSpPr/>
+        <p:nvPr/>
+      </p:nvGrpSpPr>
+      <p:grpSpPr>
+        <a:xfrm>
+          <a:off x="0" y="0"/>
+          <a:ext cx="0" cy="0"/>
+          <a:chOff x="0" y="0"/>
+          <a:chExt cx="0" cy="0"/>
+        </a:xfrm>
+      </p:grpSpPr>
+      <p:sp>
+        <p:nvSpPr>
+          <p:cNvPr id="2" name="Text Placeholder 1"/>
+          <p:cNvSpPr>
+            <a:spLocks noGrp="1"/>
+          </p:cNvSpPr>
+          <p:nvPr>
+            <p:ph type="body" sz="quarter" idx="12"/>
+          </p:nvPr>
+        </p:nvSpPr>
+        <p:spPr/>
+        <p:txBody>
+          <a:bodyPr/>
+          <a:lstStyle/>
+          <a:p>
+            <a:r>
+              <a:rPr lang="en-IE" dirty="0"/>
+              <a:t>Practice </a:t>
+            </a:r>
+            <a:r>
+              <a:rPr lang="en-US" altLang="zh-CN" dirty="0"/>
+              <a:t>3</a:t>
+            </a:r>
+            <a:r>
+              <a:rPr lang="en-IE" dirty="0"/>
+              <a:t> in TDP </a:t>
+            </a:r>
+          </a:p>
+        </p:txBody>
+      </p:sp>
+      <p:sp>
+        <p:nvSpPr>
+          <p:cNvPr id="5" name="Text Placeholder 1"/>
+          <p:cNvSpPr>
+            <a:spLocks noGrp="1"/>
+          </p:cNvSpPr>
+          <p:nvPr>
+            <p:ph type="body" sz="quarter" idx="12"/>
+          </p:nvPr>
+        </p:nvSpPr>
+        <p:spPr>
+          <a:xfrm>
+            <a:off x="724939" y="1693156"/>
+            <a:ext cx="10205658" cy="895299"/>
+          </a:xfrm>
+        </p:spPr>
+        <p:txBody>
+          <a:bodyPr/>
+          <a:lstStyle/>
+          <a:p>
+            <a:r>
+              <a:rPr lang="en-IE" sz="2800" dirty="0" err="1"/>
+              <a:t>Valida</a:t>
+            </a:r>
+            <a:r>
+              <a:rPr lang="en-IE" sz="2800" dirty="0"/>
+              <a:t> the reservation in request, in case there is no policy code in </a:t>
+            </a:r>
+            <a:r>
+              <a:rPr lang="en-IE" sz="2800" dirty="0" err="1"/>
+              <a:t>rescomponent</a:t>
+            </a:r>
+            <a:r>
+              <a:rPr lang="en-IE" sz="2800" dirty="0"/>
+              <a:t>, throw an </a:t>
+            </a:r>
+            <a:r>
+              <a:rPr lang="en-IE" sz="2800" dirty="0" err="1"/>
+              <a:t>AnyException</a:t>
+            </a:r>
+            <a:endParaRPr lang="en-IE" sz="2800" dirty="0"/>
+          </a:p>
+        </p:txBody>
+      </p:sp>
+      <p:sp>
+        <p:nvSpPr>
+          <p:cNvPr id="3" name="Rectangle 1"/>
+          <p:cNvSpPr>
+            <a:spLocks noChangeArrowheads="1"/>
+          </p:cNvSpPr>
+          <p:nvPr/>
+        </p:nvSpPr>
+        <p:spPr bwMode="auto">
+          <a:xfrm>
+            <a:off x="724939" y="3048524"/>
+            <a:ext cx="10824636" cy="2800767"/>
+          </a:xfrm>
+          <a:prstGeom prst="rect">
+            <a:avLst/>
+          </a:prstGeom>
+          <a:solidFill>
+            <a:srgbClr val="FFFFFF"/>
+          </a:solidFill>
+          <a:ln>
+            <a:noFill/>
+          </a:ln>
+          <a:effectLst/>
+          <a:extLst>
+            <a:ext uri="{91240B29-F687-4F45-9708-019B960494DF}">
+              <a14:hiddenLine xmlns:a14="http://schemas.microsoft.com/office/drawing/2010/main" w="9525">
+                <a:solidFill>
+                  <a:schemeClr val="tx1"/>
+                </a:solidFill>
+                <a:miter lim="800000"/>
+                <a:headEnd/>
+                <a:tailEnd/>
+              </a14:hiddenLine>
+            </a:ext>
+            <a:ext uri="{AF507438-7753-43E0-B8FC-AC1667EBCBE1}">
+              <a14:hiddenEffects xmlns:a14="http://schemas.microsoft.com/office/drawing/2010/main">
+                <a:effectLst>
+                  <a:outerShdw dist="35921" dir="2700000" algn="ctr" rotWithShape="0">
+                    <a:schemeClr val="bg2"/>
+                  </a:outerShdw>
+                </a:effectLst>
+              </a14:hiddenEffects>
+            </a:ext>
+          </a:extLst>
+        </p:spPr>
+        <p:txBody>
+          <a:bodyPr vert="horz" wrap="square" lIns="91440" tIns="45720" rIns="91440" bIns="45720" numCol="1" anchor="ctr" anchorCtr="0" compatLnSpc="1">
+            <a:prstTxWarp prst="textNoShape">
+              <a:avLst/>
+            </a:prstTxWarp>
+            <a:spAutoFit/>
+          </a:bodyPr>
+          <a:lstStyle/>
+          <a:p>
+            <a:pPr marL="0" marR="0" lvl="0" indent="0" algn="l" defTabSz="914400" rtl="0" eaLnBrk="0" fontAlgn="base" latinLnBrk="0" hangingPunct="0">
+              <a:lnSpc>
+                <a:spcPct val="100000"/>
+              </a:lnSpc>
+              <a:spcBef>
+                <a:spcPct val="0"/>
+              </a:spcBef>
+              <a:spcAft>
+                <a:spcPct val="0"/>
+              </a:spcAft>
+              <a:buClrTx/>
+              <a:buSzTx/>
+              <a:buFontTx/>
+              <a:buNone/>
+              <a:tabLst/>
+            </a:pPr>
+            <a:r>
+              <a:rPr kumimoji="0" lang="en-US" altLang="en-US" sz="1600" b="1" i="0" u="none" strike="noStrike" cap="none" normalizeH="0" baseline="0" dirty="0">
+                <a:ln>
+                  <a:noFill/>
+                </a:ln>
+                <a:solidFill>
+                  <a:srgbClr val="000080"/>
+                </a:solidFill>
+                <a:effectLst/>
+                <a:latin typeface="Courier New" panose="02070309020205020404" pitchFamily="49" charset="0"/>
+                <a:cs typeface="Courier New" panose="02070309020205020404" pitchFamily="49" charset="0"/>
+              </a:rPr>
+              <a:t>private static </a:t>
+            </a:r>
+            <a:r>
+              <a:rPr kumimoji="0" lang="en-US" altLang="en-US" sz="1600" b="0" i="0" u="none" strike="noStrike" cap="none" normalizeH="0" baseline="0" dirty="0">
+                <a:ln>
+                  <a:noFill/>
+                </a:ln>
+                <a:solidFill>
+                  <a:srgbClr val="000000"/>
+                </a:solidFill>
+                <a:effectLst/>
+                <a:latin typeface="Courier New" panose="02070309020205020404" pitchFamily="49" charset="0"/>
+                <a:cs typeface="Courier New" panose="02070309020205020404" pitchFamily="49" charset="0"/>
+              </a:rPr>
+              <a:t>String validateAnyPolicyCodeInJava8(List&lt;Reservation&gt; reservations) {</a:t>
+            </a:r>
+            <a:br>
+              <a:rPr kumimoji="0" lang="en-US" altLang="en-US" sz="1600" b="0" i="0" u="none" strike="noStrike" cap="none" normalizeH="0" baseline="0" dirty="0">
+                <a:ln>
+                  <a:noFill/>
+                </a:ln>
+                <a:solidFill>
+                  <a:srgbClr val="000000"/>
+                </a:solidFill>
+                <a:effectLst/>
+                <a:latin typeface="Courier New" panose="02070309020205020404" pitchFamily="49" charset="0"/>
+                <a:cs typeface="Courier New" panose="02070309020205020404" pitchFamily="49" charset="0"/>
+              </a:rPr>
+            </a:br>
+            <a:r>
+              <a:rPr kumimoji="0" lang="en-US" altLang="en-US" sz="1600" b="0" i="0" u="none" strike="noStrike" cap="none" normalizeH="0" baseline="0" dirty="0">
+                <a:ln>
+                  <a:noFill/>
+                </a:ln>
+                <a:solidFill>
+                  <a:srgbClr val="000000"/>
+                </a:solidFill>
+                <a:effectLst/>
+                <a:latin typeface="Courier New" panose="02070309020205020404" pitchFamily="49" charset="0"/>
+                <a:cs typeface="Courier New" panose="02070309020205020404" pitchFamily="49" charset="0"/>
+              </a:rPr>
+              <a:t>    </a:t>
+            </a:r>
+            <a:r>
+              <a:rPr kumimoji="0" lang="en-US" altLang="en-US" sz="1600" b="1" i="0" u="none" strike="noStrike" cap="none" normalizeH="0" baseline="0" dirty="0">
+                <a:ln>
+                  <a:noFill/>
+                </a:ln>
+                <a:solidFill>
+                  <a:srgbClr val="000080"/>
+                </a:solidFill>
+                <a:effectLst/>
+                <a:latin typeface="Courier New" panose="02070309020205020404" pitchFamily="49" charset="0"/>
+                <a:cs typeface="Courier New" panose="02070309020205020404" pitchFamily="49" charset="0"/>
+              </a:rPr>
+              <a:t>return </a:t>
+            </a:r>
+            <a:r>
+              <a:rPr kumimoji="0" lang="en-US" altLang="en-US" sz="1600" b="0" i="0" u="none" strike="noStrike" cap="none" normalizeH="0" baseline="0" dirty="0" err="1">
+                <a:ln>
+                  <a:noFill/>
+                </a:ln>
+                <a:solidFill>
+                  <a:srgbClr val="000000"/>
+                </a:solidFill>
+                <a:effectLst/>
+                <a:latin typeface="Courier New" panose="02070309020205020404" pitchFamily="49" charset="0"/>
+                <a:cs typeface="Courier New" panose="02070309020205020404" pitchFamily="49" charset="0"/>
+              </a:rPr>
+              <a:t>reservations.stream</a:t>
+            </a:r>
+            <a:r>
+              <a:rPr kumimoji="0" lang="en-US" altLang="en-US" sz="1600" b="0" i="0" u="none" strike="noStrike" cap="none" normalizeH="0" baseline="0" dirty="0">
+                <a:ln>
+                  <a:noFill/>
+                </a:ln>
+                <a:solidFill>
+                  <a:srgbClr val="000000"/>
+                </a:solidFill>
+                <a:effectLst/>
+                <a:latin typeface="Courier New" panose="02070309020205020404" pitchFamily="49" charset="0"/>
+                <a:cs typeface="Courier New" panose="02070309020205020404" pitchFamily="49" charset="0"/>
+              </a:rPr>
+              <a:t>()</a:t>
+            </a:r>
+            <a:br>
+              <a:rPr kumimoji="0" lang="en-US" altLang="en-US" sz="1600" b="0" i="0" u="none" strike="noStrike" cap="none" normalizeH="0" baseline="0" dirty="0">
+                <a:ln>
+                  <a:noFill/>
+                </a:ln>
+                <a:solidFill>
+                  <a:srgbClr val="000000"/>
+                </a:solidFill>
+                <a:effectLst/>
+                <a:latin typeface="Courier New" panose="02070309020205020404" pitchFamily="49" charset="0"/>
+                <a:cs typeface="Courier New" panose="02070309020205020404" pitchFamily="49" charset="0"/>
+              </a:rPr>
+            </a:br>
+            <a:r>
+              <a:rPr kumimoji="0" lang="en-US" altLang="en-US" sz="1600" b="0" i="0" u="none" strike="noStrike" cap="none" normalizeH="0" baseline="0" dirty="0">
+                <a:ln>
+                  <a:noFill/>
+                </a:ln>
+                <a:solidFill>
+                  <a:srgbClr val="000000"/>
+                </a:solidFill>
+                <a:effectLst/>
+                <a:latin typeface="Courier New" panose="02070309020205020404" pitchFamily="49" charset="0"/>
+                <a:cs typeface="Courier New" panose="02070309020205020404" pitchFamily="49" charset="0"/>
+              </a:rPr>
+              <a:t>            .map(reservation -&gt; </a:t>
+            </a:r>
+            <a:r>
+              <a:rPr kumimoji="0" lang="en-US" altLang="en-US" sz="1600" b="0" i="0" u="none" strike="noStrike" cap="none" normalizeH="0" baseline="0" dirty="0" err="1">
+                <a:ln>
+                  <a:noFill/>
+                </a:ln>
+                <a:solidFill>
+                  <a:srgbClr val="000000"/>
+                </a:solidFill>
+                <a:effectLst/>
+                <a:latin typeface="Courier New" panose="02070309020205020404" pitchFamily="49" charset="0"/>
+                <a:cs typeface="Courier New" panose="02070309020205020404" pitchFamily="49" charset="0"/>
+              </a:rPr>
+              <a:t>reservation.getResComponents</a:t>
+            </a:r>
+            <a:r>
+              <a:rPr kumimoji="0" lang="en-US" altLang="en-US" sz="1600" b="0" i="0" u="none" strike="noStrike" cap="none" normalizeH="0" baseline="0" dirty="0">
+                <a:ln>
+                  <a:noFill/>
+                </a:ln>
+                <a:solidFill>
+                  <a:srgbClr val="000000"/>
+                </a:solidFill>
+                <a:effectLst/>
+                <a:latin typeface="Courier New" panose="02070309020205020404" pitchFamily="49" charset="0"/>
+                <a:cs typeface="Courier New" panose="02070309020205020404" pitchFamily="49" charset="0"/>
+              </a:rPr>
+              <a:t>())</a:t>
+            </a:r>
+            <a:br>
+              <a:rPr kumimoji="0" lang="en-US" altLang="en-US" sz="1600" b="0" i="0" u="none" strike="noStrike" cap="none" normalizeH="0" baseline="0" dirty="0">
+                <a:ln>
+                  <a:noFill/>
+                </a:ln>
+                <a:solidFill>
+                  <a:srgbClr val="000000"/>
+                </a:solidFill>
+                <a:effectLst/>
+                <a:latin typeface="Courier New" panose="02070309020205020404" pitchFamily="49" charset="0"/>
+                <a:cs typeface="Courier New" panose="02070309020205020404" pitchFamily="49" charset="0"/>
+              </a:rPr>
+            </a:br>
+            <a:r>
+              <a:rPr kumimoji="0" lang="en-US" altLang="en-US" sz="1600" b="0" i="0" u="none" strike="noStrike" cap="none" normalizeH="0" baseline="0" dirty="0">
+                <a:ln>
+                  <a:noFill/>
+                </a:ln>
+                <a:solidFill>
+                  <a:srgbClr val="000000"/>
+                </a:solidFill>
+                <a:effectLst/>
+                <a:latin typeface="Courier New" panose="02070309020205020404" pitchFamily="49" charset="0"/>
+                <a:cs typeface="Courier New" panose="02070309020205020404" pitchFamily="49" charset="0"/>
+              </a:rPr>
+              <a:t>            .</a:t>
+            </a:r>
+            <a:r>
+              <a:rPr kumimoji="0" lang="en-US" altLang="en-US" sz="1600" b="0" i="0" u="none" strike="noStrike" cap="none" normalizeH="0" baseline="0" dirty="0" err="1">
+                <a:ln>
+                  <a:noFill/>
+                </a:ln>
+                <a:solidFill>
+                  <a:srgbClr val="000000"/>
+                </a:solidFill>
+                <a:effectLst/>
+                <a:latin typeface="Courier New" panose="02070309020205020404" pitchFamily="49" charset="0"/>
+                <a:cs typeface="Courier New" panose="02070309020205020404" pitchFamily="49" charset="0"/>
+              </a:rPr>
+              <a:t>flatMap</a:t>
+            </a:r>
+            <a:r>
+              <a:rPr kumimoji="0" lang="en-US" altLang="en-US" sz="1600" b="0" i="0" u="none" strike="noStrike" cap="none" normalizeH="0" baseline="0" dirty="0">
+                <a:ln>
+                  <a:noFill/>
+                </a:ln>
+                <a:solidFill>
+                  <a:srgbClr val="000000"/>
+                </a:solidFill>
+                <a:effectLst/>
+                <a:latin typeface="Courier New" panose="02070309020205020404" pitchFamily="49" charset="0"/>
+                <a:cs typeface="Courier New" panose="02070309020205020404" pitchFamily="49" charset="0"/>
+              </a:rPr>
+              <a:t>(Collection::stream)</a:t>
+            </a:r>
+            <a:br>
+              <a:rPr kumimoji="0" lang="en-US" altLang="en-US" sz="1600" b="0" i="0" u="none" strike="noStrike" cap="none" normalizeH="0" baseline="0" dirty="0">
+                <a:ln>
+                  <a:noFill/>
+                </a:ln>
+                <a:solidFill>
+                  <a:srgbClr val="000000"/>
+                </a:solidFill>
+                <a:effectLst/>
+                <a:latin typeface="Courier New" panose="02070309020205020404" pitchFamily="49" charset="0"/>
+                <a:cs typeface="Courier New" panose="02070309020205020404" pitchFamily="49" charset="0"/>
+              </a:rPr>
+            </a:br>
+            <a:r>
+              <a:rPr kumimoji="0" lang="en-US" altLang="en-US" sz="1600" b="0" i="0" u="none" strike="noStrike" cap="none" normalizeH="0" baseline="0" dirty="0">
+                <a:ln>
+                  <a:noFill/>
+                </a:ln>
+                <a:solidFill>
+                  <a:srgbClr val="000000"/>
+                </a:solidFill>
+                <a:effectLst/>
+                <a:latin typeface="Courier New" panose="02070309020205020404" pitchFamily="49" charset="0"/>
+                <a:cs typeface="Courier New" panose="02070309020205020404" pitchFamily="49" charset="0"/>
+              </a:rPr>
+              <a:t>            .map(</a:t>
+            </a:r>
+            <a:r>
+              <a:rPr kumimoji="0" lang="en-US" altLang="en-US" sz="1600" b="0" i="0" u="none" strike="noStrike" cap="none" normalizeH="0" baseline="0" dirty="0" err="1">
+                <a:ln>
+                  <a:noFill/>
+                </a:ln>
+                <a:solidFill>
+                  <a:srgbClr val="000000"/>
+                </a:solidFill>
+                <a:effectLst/>
+                <a:latin typeface="Courier New" panose="02070309020205020404" pitchFamily="49" charset="0"/>
+                <a:cs typeface="Courier New" panose="02070309020205020404" pitchFamily="49" charset="0"/>
+              </a:rPr>
+              <a:t>resComponent</a:t>
+            </a:r>
+            <a:r>
+              <a:rPr kumimoji="0" lang="en-US" altLang="en-US" sz="1600" b="0" i="0" u="none" strike="noStrike" cap="none" normalizeH="0" baseline="0" dirty="0">
+                <a:ln>
+                  <a:noFill/>
+                </a:ln>
+                <a:solidFill>
+                  <a:srgbClr val="000000"/>
+                </a:solidFill>
+                <a:effectLst/>
+                <a:latin typeface="Courier New" panose="02070309020205020404" pitchFamily="49" charset="0"/>
+                <a:cs typeface="Courier New" panose="02070309020205020404" pitchFamily="49" charset="0"/>
+              </a:rPr>
+              <a:t> -&gt; </a:t>
+            </a:r>
+            <a:r>
+              <a:rPr kumimoji="0" lang="en-US" altLang="en-US" sz="1600" b="0" i="0" u="none" strike="noStrike" cap="none" normalizeH="0" baseline="0" dirty="0" err="1">
+                <a:ln>
+                  <a:noFill/>
+                </a:ln>
+                <a:solidFill>
+                  <a:srgbClr val="000000"/>
+                </a:solidFill>
+                <a:effectLst/>
+                <a:latin typeface="Courier New" panose="02070309020205020404" pitchFamily="49" charset="0"/>
+                <a:cs typeface="Courier New" panose="02070309020205020404" pitchFamily="49" charset="0"/>
+              </a:rPr>
+              <a:t>resComponent.getPolicies</a:t>
+            </a:r>
+            <a:r>
+              <a:rPr kumimoji="0" lang="en-US" altLang="en-US" sz="1600" b="0" i="0" u="none" strike="noStrike" cap="none" normalizeH="0" baseline="0" dirty="0">
+                <a:ln>
+                  <a:noFill/>
+                </a:ln>
+                <a:solidFill>
+                  <a:srgbClr val="000000"/>
+                </a:solidFill>
+                <a:effectLst/>
+                <a:latin typeface="Courier New" panose="02070309020205020404" pitchFamily="49" charset="0"/>
+                <a:cs typeface="Courier New" panose="02070309020205020404" pitchFamily="49" charset="0"/>
+              </a:rPr>
+              <a:t>())</a:t>
+            </a:r>
+            <a:br>
+              <a:rPr kumimoji="0" lang="en-US" altLang="en-US" sz="1600" b="0" i="0" u="none" strike="noStrike" cap="none" normalizeH="0" baseline="0" dirty="0">
+                <a:ln>
+                  <a:noFill/>
+                </a:ln>
+                <a:solidFill>
+                  <a:srgbClr val="000000"/>
+                </a:solidFill>
+                <a:effectLst/>
+                <a:latin typeface="Courier New" panose="02070309020205020404" pitchFamily="49" charset="0"/>
+                <a:cs typeface="Courier New" panose="02070309020205020404" pitchFamily="49" charset="0"/>
+              </a:rPr>
+            </a:br>
+            <a:r>
+              <a:rPr kumimoji="0" lang="en-US" altLang="en-US" sz="1600" b="0" i="0" u="none" strike="noStrike" cap="none" normalizeH="0" baseline="0" dirty="0">
+                <a:ln>
+                  <a:noFill/>
+                </a:ln>
+                <a:solidFill>
+                  <a:srgbClr val="000000"/>
+                </a:solidFill>
+                <a:effectLst/>
+                <a:latin typeface="Courier New" panose="02070309020205020404" pitchFamily="49" charset="0"/>
+                <a:cs typeface="Courier New" panose="02070309020205020404" pitchFamily="49" charset="0"/>
+              </a:rPr>
+              <a:t>            .</a:t>
+            </a:r>
+            <a:r>
+              <a:rPr kumimoji="0" lang="en-US" altLang="en-US" sz="1600" b="0" i="0" u="none" strike="noStrike" cap="none" normalizeH="0" baseline="0" dirty="0" err="1">
+                <a:ln>
+                  <a:noFill/>
+                </a:ln>
+                <a:solidFill>
+                  <a:srgbClr val="000000"/>
+                </a:solidFill>
+                <a:effectLst/>
+                <a:latin typeface="Courier New" panose="02070309020205020404" pitchFamily="49" charset="0"/>
+                <a:cs typeface="Courier New" panose="02070309020205020404" pitchFamily="49" charset="0"/>
+              </a:rPr>
+              <a:t>flatMap</a:t>
+            </a:r>
+            <a:r>
+              <a:rPr kumimoji="0" lang="en-US" altLang="en-US" sz="1600" b="0" i="0" u="none" strike="noStrike" cap="none" normalizeH="0" baseline="0" dirty="0">
+                <a:ln>
+                  <a:noFill/>
+                </a:ln>
+                <a:solidFill>
+                  <a:srgbClr val="000000"/>
+                </a:solidFill>
+                <a:effectLst/>
+                <a:latin typeface="Courier New" panose="02070309020205020404" pitchFamily="49" charset="0"/>
+                <a:cs typeface="Courier New" panose="02070309020205020404" pitchFamily="49" charset="0"/>
+              </a:rPr>
+              <a:t>(Collection::stream)</a:t>
+            </a:r>
+            <a:br>
+              <a:rPr kumimoji="0" lang="en-US" altLang="en-US" sz="1600" b="0" i="0" u="none" strike="noStrike" cap="none" normalizeH="0" baseline="0" dirty="0">
+                <a:ln>
+                  <a:noFill/>
+                </a:ln>
+                <a:solidFill>
+                  <a:srgbClr val="000000"/>
+                </a:solidFill>
+                <a:effectLst/>
+                <a:latin typeface="Courier New" panose="02070309020205020404" pitchFamily="49" charset="0"/>
+                <a:cs typeface="Courier New" panose="02070309020205020404" pitchFamily="49" charset="0"/>
+              </a:rPr>
+            </a:br>
+            <a:r>
+              <a:rPr kumimoji="0" lang="en-US" altLang="en-US" sz="1600" b="0" i="0" u="none" strike="noStrike" cap="none" normalizeH="0" baseline="0" dirty="0">
+                <a:ln>
+                  <a:noFill/>
+                </a:ln>
+                <a:solidFill>
+                  <a:srgbClr val="000000"/>
+                </a:solidFill>
+                <a:effectLst/>
+                <a:latin typeface="Courier New" panose="02070309020205020404" pitchFamily="49" charset="0"/>
+                <a:cs typeface="Courier New" panose="02070309020205020404" pitchFamily="49" charset="0"/>
+              </a:rPr>
+              <a:t>            .map(Policy::</a:t>
+            </a:r>
+            <a:r>
+              <a:rPr kumimoji="0" lang="en-US" altLang="en-US" sz="1600" b="0" i="0" u="none" strike="noStrike" cap="none" normalizeH="0" baseline="0" dirty="0" err="1">
+                <a:ln>
+                  <a:noFill/>
+                </a:ln>
+                <a:solidFill>
+                  <a:srgbClr val="000000"/>
+                </a:solidFill>
+                <a:effectLst/>
+                <a:latin typeface="Courier New" panose="02070309020205020404" pitchFamily="49" charset="0"/>
+                <a:cs typeface="Courier New" panose="02070309020205020404" pitchFamily="49" charset="0"/>
+              </a:rPr>
+              <a:t>getPolicyCode</a:t>
+            </a:r>
+            <a:r>
+              <a:rPr kumimoji="0" lang="en-US" altLang="en-US" sz="1600" b="0" i="0" u="none" strike="noStrike" cap="none" normalizeH="0" baseline="0" dirty="0">
+                <a:ln>
+                  <a:noFill/>
+                </a:ln>
+                <a:solidFill>
+                  <a:srgbClr val="000000"/>
+                </a:solidFill>
+                <a:effectLst/>
+                <a:latin typeface="Courier New" panose="02070309020205020404" pitchFamily="49" charset="0"/>
+                <a:cs typeface="Courier New" panose="02070309020205020404" pitchFamily="49" charset="0"/>
+              </a:rPr>
+              <a:t>)</a:t>
+            </a:r>
+            <a:br>
+              <a:rPr kumimoji="0" lang="en-US" altLang="en-US" sz="1600" b="0" i="0" u="none" strike="noStrike" cap="none" normalizeH="0" baseline="0" dirty="0">
+                <a:ln>
+                  <a:noFill/>
+                </a:ln>
+                <a:solidFill>
+                  <a:srgbClr val="000000"/>
+                </a:solidFill>
+                <a:effectLst/>
+                <a:latin typeface="Courier New" panose="02070309020205020404" pitchFamily="49" charset="0"/>
+                <a:cs typeface="Courier New" panose="02070309020205020404" pitchFamily="49" charset="0"/>
+              </a:rPr>
+            </a:br>
+            <a:r>
+              <a:rPr kumimoji="0" lang="en-US" altLang="en-US" sz="1600" b="0" i="0" u="none" strike="noStrike" cap="none" normalizeH="0" baseline="0" dirty="0">
+                <a:ln>
+                  <a:noFill/>
+                </a:ln>
+                <a:solidFill>
+                  <a:srgbClr val="000000"/>
+                </a:solidFill>
+                <a:effectLst/>
+                <a:latin typeface="Courier New" panose="02070309020205020404" pitchFamily="49" charset="0"/>
+                <a:cs typeface="Courier New" panose="02070309020205020404" pitchFamily="49" charset="0"/>
+              </a:rPr>
+              <a:t>            .</a:t>
+            </a:r>
+            <a:r>
+              <a:rPr kumimoji="0" lang="en-US" altLang="en-US" sz="1600" b="0" i="0" u="none" strike="noStrike" cap="none" normalizeH="0" baseline="0" dirty="0" err="1">
+                <a:ln>
+                  <a:noFill/>
+                </a:ln>
+                <a:solidFill>
+                  <a:srgbClr val="000000"/>
+                </a:solidFill>
+                <a:effectLst/>
+                <a:latin typeface="Courier New" panose="02070309020205020404" pitchFamily="49" charset="0"/>
+                <a:cs typeface="Courier New" panose="02070309020205020404" pitchFamily="49" charset="0"/>
+              </a:rPr>
+              <a:t>findAny</a:t>
+            </a:r>
+            <a:r>
+              <a:rPr kumimoji="0" lang="en-US" altLang="en-US" sz="1600" b="0" i="0" u="none" strike="noStrike" cap="none" normalizeH="0" baseline="0" dirty="0">
+                <a:ln>
+                  <a:noFill/>
+                </a:ln>
+                <a:solidFill>
+                  <a:srgbClr val="000000"/>
+                </a:solidFill>
+                <a:effectLst/>
+                <a:latin typeface="Courier New" panose="02070309020205020404" pitchFamily="49" charset="0"/>
+                <a:cs typeface="Courier New" panose="02070309020205020404" pitchFamily="49" charset="0"/>
+              </a:rPr>
+              <a:t>()</a:t>
+            </a:r>
+            <a:br>
+              <a:rPr kumimoji="0" lang="en-US" altLang="en-US" sz="1600" b="0" i="0" u="none" strike="noStrike" cap="none" normalizeH="0" baseline="0" dirty="0">
+                <a:ln>
+                  <a:noFill/>
+                </a:ln>
+                <a:solidFill>
+                  <a:srgbClr val="000000"/>
+                </a:solidFill>
+                <a:effectLst/>
+                <a:latin typeface="Courier New" panose="02070309020205020404" pitchFamily="49" charset="0"/>
+                <a:cs typeface="Courier New" panose="02070309020205020404" pitchFamily="49" charset="0"/>
+              </a:rPr>
+            </a:br>
+            <a:r>
+              <a:rPr kumimoji="0" lang="en-US" altLang="en-US" sz="1600" b="0" i="0" u="none" strike="noStrike" cap="none" normalizeH="0" baseline="0" dirty="0">
+                <a:ln>
+                  <a:noFill/>
+                </a:ln>
+                <a:solidFill>
+                  <a:srgbClr val="000000"/>
+                </a:solidFill>
+                <a:effectLst/>
+                <a:latin typeface="Courier New" panose="02070309020205020404" pitchFamily="49" charset="0"/>
+                <a:cs typeface="Courier New" panose="02070309020205020404" pitchFamily="49" charset="0"/>
+              </a:rPr>
+              <a:t>            .</a:t>
+            </a:r>
+            <a:r>
+              <a:rPr kumimoji="0" lang="en-US" altLang="en-US" sz="1600" b="0" i="0" u="none" strike="noStrike" cap="none" normalizeH="0" baseline="0" dirty="0" err="1">
+                <a:ln>
+                  <a:noFill/>
+                </a:ln>
+                <a:solidFill>
+                  <a:srgbClr val="000000"/>
+                </a:solidFill>
+                <a:effectLst/>
+                <a:latin typeface="Courier New" panose="02070309020205020404" pitchFamily="49" charset="0"/>
+                <a:cs typeface="Courier New" panose="02070309020205020404" pitchFamily="49" charset="0"/>
+              </a:rPr>
+              <a:t>orElseThrow</a:t>
+            </a:r>
+            <a:r>
+              <a:rPr kumimoji="0" lang="en-US" altLang="en-US" sz="1600" b="0" i="0" u="none" strike="noStrike" cap="none" normalizeH="0" baseline="0" dirty="0">
+                <a:ln>
+                  <a:noFill/>
+                </a:ln>
+                <a:solidFill>
+                  <a:srgbClr val="000000"/>
+                </a:solidFill>
+                <a:effectLst/>
+                <a:latin typeface="Courier New" panose="02070309020205020404" pitchFamily="49" charset="0"/>
+                <a:cs typeface="Courier New" panose="02070309020205020404" pitchFamily="49" charset="0"/>
+              </a:rPr>
+              <a:t>(() -&gt; </a:t>
+            </a:r>
+            <a:r>
+              <a:rPr kumimoji="0" lang="en-US" altLang="en-US" sz="1600" b="1" i="0" u="none" strike="noStrike" cap="none" normalizeH="0" baseline="0" dirty="0">
+                <a:ln>
+                  <a:noFill/>
+                </a:ln>
+                <a:solidFill>
+                  <a:srgbClr val="000080"/>
+                </a:solidFill>
+                <a:effectLst/>
+                <a:latin typeface="Courier New" panose="02070309020205020404" pitchFamily="49" charset="0"/>
+                <a:cs typeface="Courier New" panose="02070309020205020404" pitchFamily="49" charset="0"/>
+              </a:rPr>
+              <a:t>new </a:t>
+            </a:r>
+            <a:r>
+              <a:rPr kumimoji="0" lang="en-US" altLang="en-US" sz="1600" b="0" i="0" u="none" strike="noStrike" cap="none" normalizeH="0" baseline="0" dirty="0" err="1">
+                <a:ln>
+                  <a:noFill/>
+                </a:ln>
+                <a:solidFill>
+                  <a:srgbClr val="000000"/>
+                </a:solidFill>
+                <a:effectLst/>
+                <a:latin typeface="Courier New" panose="02070309020205020404" pitchFamily="49" charset="0"/>
+                <a:cs typeface="Courier New" panose="02070309020205020404" pitchFamily="49" charset="0"/>
+              </a:rPr>
+              <a:t>AnyException</a:t>
+            </a:r>
+            <a:r>
+              <a:rPr kumimoji="0" lang="en-US" altLang="en-US" sz="1600" b="0" i="0" u="none" strike="noStrike" cap="none" normalizeH="0" baseline="0" dirty="0">
+                <a:ln>
+                  <a:noFill/>
+                </a:ln>
+                <a:solidFill>
+                  <a:srgbClr val="000000"/>
+                </a:solidFill>
+                <a:effectLst/>
+                <a:latin typeface="Courier New" panose="02070309020205020404" pitchFamily="49" charset="0"/>
+                <a:cs typeface="Courier New" panose="02070309020205020404" pitchFamily="49" charset="0"/>
+              </a:rPr>
+              <a:t>(</a:t>
+            </a:r>
+            <a:r>
+              <a:rPr kumimoji="0" lang="en-US" altLang="en-US" sz="1600" b="1" i="0" u="none" strike="noStrike" cap="none" normalizeH="0" baseline="0" dirty="0">
+                <a:ln>
+                  <a:noFill/>
+                </a:ln>
+                <a:solidFill>
+                  <a:srgbClr val="008000"/>
+                </a:solidFill>
+                <a:effectLst/>
+                <a:latin typeface="Courier New" panose="02070309020205020404" pitchFamily="49" charset="0"/>
+                <a:cs typeface="Courier New" panose="02070309020205020404" pitchFamily="49" charset="0"/>
+              </a:rPr>
+              <a:t>"there is no policy code"</a:t>
+            </a:r>
+            <a:r>
+              <a:rPr kumimoji="0" lang="en-US" altLang="en-US" sz="1600" b="0" i="0" u="none" strike="noStrike" cap="none" normalizeH="0" baseline="0" dirty="0">
+                <a:ln>
+                  <a:noFill/>
+                </a:ln>
+                <a:solidFill>
+                  <a:srgbClr val="000000"/>
+                </a:solidFill>
+                <a:effectLst/>
+                <a:latin typeface="Courier New" panose="02070309020205020404" pitchFamily="49" charset="0"/>
+                <a:cs typeface="Courier New" panose="02070309020205020404" pitchFamily="49" charset="0"/>
+              </a:rPr>
+              <a:t>));</a:t>
+            </a:r>
+            <a:br>
+              <a:rPr kumimoji="0" lang="en-US" altLang="en-US" sz="1600" b="0" i="0" u="none" strike="noStrike" cap="none" normalizeH="0" baseline="0" dirty="0">
+                <a:ln>
+                  <a:noFill/>
+                </a:ln>
+                <a:solidFill>
+                  <a:srgbClr val="000000"/>
+                </a:solidFill>
+                <a:effectLst/>
+                <a:latin typeface="Courier New" panose="02070309020205020404" pitchFamily="49" charset="0"/>
+                <a:cs typeface="Courier New" panose="02070309020205020404" pitchFamily="49" charset="0"/>
+              </a:rPr>
+            </a:br>
+            <a:r>
+              <a:rPr kumimoji="0" lang="en-US" altLang="en-US" sz="1600" b="0" i="0" u="none" strike="noStrike" cap="none" normalizeH="0" baseline="0" dirty="0">
+                <a:ln>
+                  <a:noFill/>
+                </a:ln>
+                <a:solidFill>
+                  <a:srgbClr val="000000"/>
+                </a:solidFill>
+                <a:effectLst/>
+                <a:latin typeface="Courier New" panose="02070309020205020404" pitchFamily="49" charset="0"/>
+                <a:cs typeface="Courier New" panose="02070309020205020404" pitchFamily="49" charset="0"/>
+              </a:rPr>
+              <a:t>}</a:t>
+            </a:r>
+            <a:br>
+              <a:rPr kumimoji="0" lang="en-US" altLang="en-US" sz="1600" b="0" i="0" u="none" strike="noStrike" cap="none" normalizeH="0" baseline="0" dirty="0">
+                <a:ln>
+                  <a:noFill/>
+                </a:ln>
+                <a:solidFill>
+                  <a:srgbClr val="000000"/>
+                </a:solidFill>
+                <a:effectLst/>
+                <a:latin typeface="Courier New" panose="02070309020205020404" pitchFamily="49" charset="0"/>
+                <a:cs typeface="Courier New" panose="02070309020205020404" pitchFamily="49" charset="0"/>
+              </a:rPr>
+            </a:br>
+            <a:endParaRPr kumimoji="0" lang="en-US" altLang="en-US" sz="1600" b="0" i="0" u="none" strike="noStrike" cap="none" normalizeH="0" baseline="0" dirty="0">
+              <a:ln>
+                <a:noFill/>
+              </a:ln>
+              <a:solidFill>
+                <a:schemeClr val="tx1"/>
+              </a:solidFill>
+              <a:effectLst/>
+              <a:latin typeface="Arial" panose="020B0604020202020204" pitchFamily="34" charset="0"/>
+            </a:endParaRPr>
+          </a:p>
+        </p:txBody>
+      </p:sp>
+    </p:spTree>
+    <p:extLst>
+      <p:ext uri="{BB962C8B-B14F-4D97-AF65-F5344CB8AC3E}">
+        <p14:creationId xmlns:p14="http://schemas.microsoft.com/office/powerpoint/2010/main" val="976966028"/>
+      </p:ext>
+    </p:extLst>
+  </p:cSld>
+  <p:clrMapOvr>
+    <a:masterClrMapping/>
+  </p:clrMapOvr>
+</p:sld>
+</file>
+
+<file path=ppt/slides/slide57.xml><?xml version="1.0" encoding="utf-8"?>
 <p:sld xmlns:a="http://schemas.openxmlformats.org/drawingml/2006/main" xmlns:r="http://schemas.openxmlformats.org/officeDocument/2006/relationships" xmlns:p="http://schemas.openxmlformats.org/presentationml/2006/main">
   <p:cSld>
     <p:spTree>
@@ -29301,7 +32156,7 @@
 </p:sld>
 </file>
 
-<file path=ppt/slides/slide55.xml><?xml version="1.0" encoding="utf-8"?>
+<file path=ppt/slides/slide58.xml><?xml version="1.0" encoding="utf-8"?>
 <p:sld xmlns:a="http://schemas.openxmlformats.org/drawingml/2006/main" xmlns:r="http://schemas.openxmlformats.org/officeDocument/2006/relationships" xmlns:p="http://schemas.openxmlformats.org/presentationml/2006/main">
   <p:cSld>
     <p:spTree>

--- a/Java 8 & TDP.pptx
+++ b/Java 8 & TDP.pptx
@@ -34,12 +34,12 @@
     <p:sldId id="310" r:id="rId25"/>
     <p:sldId id="283" r:id="rId26"/>
     <p:sldId id="284" r:id="rId27"/>
-    <p:sldId id="286" r:id="rId28"/>
-    <p:sldId id="287" r:id="rId29"/>
-    <p:sldId id="288" r:id="rId30"/>
-    <p:sldId id="289" r:id="rId31"/>
-    <p:sldId id="290" r:id="rId32"/>
-    <p:sldId id="291" r:id="rId33"/>
+    <p:sldId id="287" r:id="rId28"/>
+    <p:sldId id="288" r:id="rId29"/>
+    <p:sldId id="289" r:id="rId30"/>
+    <p:sldId id="290" r:id="rId31"/>
+    <p:sldId id="291" r:id="rId32"/>
+    <p:sldId id="286" r:id="rId33"/>
     <p:sldId id="292" r:id="rId34"/>
     <p:sldId id="293" r:id="rId35"/>
     <p:sldId id="294" r:id="rId36"/>
@@ -852,83 +852,6 @@
       </p:grpSpPr>
       <p:sp>
         <p:nvSpPr>
-          <p:cNvPr id="266" name="Shape 266"/>
-          <p:cNvSpPr>
-            <a:spLocks noGrp="1" noRot="1" noChangeAspect="1"/>
-          </p:cNvSpPr>
-          <p:nvPr>
-            <p:ph type="sldImg"/>
-          </p:nvPr>
-        </p:nvSpPr>
-        <p:spPr>
-          <a:xfrm>
-            <a:off x="381000" y="685800"/>
-            <a:ext cx="6096000" cy="3429000"/>
-          </a:xfrm>
-          <a:prstGeom prst="rect">
-            <a:avLst/>
-          </a:prstGeom>
-        </p:spPr>
-        <p:txBody>
-          <a:bodyPr/>
-          <a:lstStyle/>
-          <a:p>
-            <a:endParaRPr/>
-          </a:p>
-        </p:txBody>
-      </p:sp>
-      <p:sp>
-        <p:nvSpPr>
-          <p:cNvPr id="267" name="Shape 267"/>
-          <p:cNvSpPr>
-            <a:spLocks noGrp="1"/>
-          </p:cNvSpPr>
-          <p:nvPr>
-            <p:ph type="body" sz="quarter" idx="1"/>
-          </p:nvPr>
-        </p:nvSpPr>
-        <p:spPr>
-          <a:prstGeom prst="rect">
-            <a:avLst/>
-          </a:prstGeom>
-        </p:spPr>
-        <p:txBody>
-          <a:bodyPr/>
-          <a:lstStyle/>
-          <a:p>
-            <a:r>
-              <a:t>If you don’t want to use the steam, why do I bother computing it for you</a:t>
-            </a:r>
-          </a:p>
-        </p:txBody>
-      </p:sp>
-    </p:spTree>
-  </p:cSld>
-  <p:clrMapOvr>
-    <a:masterClrMapping/>
-  </p:clrMapOvr>
-</p:notes>
-</file>
-
-<file path=ppt/notesSlides/notesSlide14.xml><?xml version="1.0" encoding="utf-8"?>
-<p:notes xmlns:a="http://schemas.openxmlformats.org/drawingml/2006/main" xmlns:r="http://schemas.openxmlformats.org/officeDocument/2006/relationships" xmlns:p="http://schemas.openxmlformats.org/presentationml/2006/main">
-  <p:cSld>
-    <p:spTree>
-      <p:nvGrpSpPr>
-        <p:cNvPr id="1" name=""/>
-        <p:cNvGrpSpPr/>
-        <p:nvPr/>
-      </p:nvGrpSpPr>
-      <p:grpSpPr>
-        <a:xfrm>
-          <a:off x="0" y="0"/>
-          <a:ext cx="0" cy="0"/>
-          <a:chOff x="0" y="0"/>
-          <a:chExt cx="0" cy="0"/>
-        </a:xfrm>
-      </p:grpSpPr>
-      <p:sp>
-        <p:nvSpPr>
           <p:cNvPr id="272" name="Shape 272"/>
           <p:cNvSpPr>
             <a:spLocks noGrp="1" noRot="1" noChangeAspect="1"/>
@@ -992,7 +915,7 @@
 </p:notes>
 </file>
 
-<file path=ppt/notesSlides/notesSlide15.xml><?xml version="1.0" encoding="utf-8"?>
+<file path=ppt/notesSlides/notesSlide14.xml><?xml version="1.0" encoding="utf-8"?>
 <p:notes xmlns:a="http://schemas.openxmlformats.org/drawingml/2006/main" xmlns:r="http://schemas.openxmlformats.org/officeDocument/2006/relationships" xmlns:p="http://schemas.openxmlformats.org/presentationml/2006/main">
   <p:cSld>
     <p:spTree>
@@ -1053,6 +976,83 @@
           <a:p>
             <a:r>
               <a:t>Till now I have covered the stream</a:t>
+            </a:r>
+          </a:p>
+        </p:txBody>
+      </p:sp>
+    </p:spTree>
+  </p:cSld>
+  <p:clrMapOvr>
+    <a:masterClrMapping/>
+  </p:clrMapOvr>
+</p:notes>
+</file>
+
+<file path=ppt/notesSlides/notesSlide15.xml><?xml version="1.0" encoding="utf-8"?>
+<p:notes xmlns:a="http://schemas.openxmlformats.org/drawingml/2006/main" xmlns:r="http://schemas.openxmlformats.org/officeDocument/2006/relationships" xmlns:p="http://schemas.openxmlformats.org/presentationml/2006/main">
+  <p:cSld>
+    <p:spTree>
+      <p:nvGrpSpPr>
+        <p:cNvPr id="1" name=""/>
+        <p:cNvGrpSpPr/>
+        <p:nvPr/>
+      </p:nvGrpSpPr>
+      <p:grpSpPr>
+        <a:xfrm>
+          <a:off x="0" y="0"/>
+          <a:ext cx="0" cy="0"/>
+          <a:chOff x="0" y="0"/>
+          <a:chExt cx="0" cy="0"/>
+        </a:xfrm>
+      </p:grpSpPr>
+      <p:sp>
+        <p:nvSpPr>
+          <p:cNvPr id="266" name="Shape 266"/>
+          <p:cNvSpPr>
+            <a:spLocks noGrp="1" noRot="1" noChangeAspect="1"/>
+          </p:cNvSpPr>
+          <p:nvPr>
+            <p:ph type="sldImg"/>
+          </p:nvPr>
+        </p:nvSpPr>
+        <p:spPr>
+          <a:xfrm>
+            <a:off x="381000" y="685800"/>
+            <a:ext cx="6096000" cy="3429000"/>
+          </a:xfrm>
+          <a:prstGeom prst="rect">
+            <a:avLst/>
+          </a:prstGeom>
+        </p:spPr>
+        <p:txBody>
+          <a:bodyPr/>
+          <a:lstStyle/>
+          <a:p>
+            <a:endParaRPr/>
+          </a:p>
+        </p:txBody>
+      </p:sp>
+      <p:sp>
+        <p:nvSpPr>
+          <p:cNvPr id="267" name="Shape 267"/>
+          <p:cNvSpPr>
+            <a:spLocks noGrp="1"/>
+          </p:cNvSpPr>
+          <p:nvPr>
+            <p:ph type="body" sz="quarter" idx="1"/>
+          </p:nvPr>
+        </p:nvSpPr>
+        <p:spPr>
+          <a:prstGeom prst="rect">
+            <a:avLst/>
+          </a:prstGeom>
+        </p:spPr>
+        <p:txBody>
+          <a:bodyPr/>
+          <a:lstStyle/>
+          <a:p>
+            <a:r>
+              <a:t>If you don’t want to use the steam, why do I bother computing it for you</a:t>
             </a:r>
           </a:p>
         </p:txBody>
@@ -10194,100 +10194,6 @@
       </p:grpSpPr>
       <p:sp>
         <p:nvSpPr>
-          <p:cNvPr id="264" name="Shape 264"/>
-          <p:cNvSpPr>
-            <a:spLocks noGrp="1"/>
-          </p:cNvSpPr>
-          <p:nvPr>
-            <p:ph type="body" sz="quarter" idx="1"/>
-          </p:nvPr>
-        </p:nvSpPr>
-        <p:spPr>
-          <a:xfrm>
-            <a:off x="724940" y="620548"/>
-            <a:ext cx="7998646" cy="472529"/>
-          </a:xfrm>
-          <a:prstGeom prst="rect">
-            <a:avLst/>
-          </a:prstGeom>
-        </p:spPr>
-        <p:txBody>
-          <a:bodyPr>
-            <a:noAutofit/>
-          </a:bodyPr>
-          <a:lstStyle>
-            <a:lvl1pPr defTabSz="594359">
-              <a:spcBef>
-                <a:spcPts val="600"/>
-              </a:spcBef>
-              <a:defRPr sz="2600"/>
-            </a:lvl1pPr>
-          </a:lstStyle>
-          <a:p>
-            <a:r>
-              <a:rPr sz="4000" dirty="0"/>
-              <a:t>Stream vs Collection</a:t>
-            </a:r>
-          </a:p>
-        </p:txBody>
-      </p:sp>
-      <p:pic>
-        <p:nvPicPr>
-          <p:cNvPr id="265" name="image13.jpg"/>
-          <p:cNvPicPr>
-            <a:picLocks noChangeAspect="1"/>
-          </p:cNvPicPr>
-          <p:nvPr/>
-        </p:nvPicPr>
-        <p:blipFill>
-          <a:blip r:embed="rId3">
-            <a:extLst/>
-          </a:blip>
-          <a:stretch>
-            <a:fillRect/>
-          </a:stretch>
-        </p:blipFill>
-        <p:spPr>
-          <a:xfrm>
-            <a:off x="986320" y="1721318"/>
-            <a:ext cx="7602876" cy="4128765"/>
-          </a:xfrm>
-          <a:prstGeom prst="rect">
-            <a:avLst/>
-          </a:prstGeom>
-          <a:ln w="12700">
-            <a:miter lim="400000"/>
-          </a:ln>
-        </p:spPr>
-      </p:pic>
-    </p:spTree>
-  </p:cSld>
-  <p:clrMapOvr>
-    <a:masterClrMapping/>
-  </p:clrMapOvr>
-  <p:transition spd="slow"/>
-</p:sld>
-</file>
-
-<file path=ppt/slides/slide28.xml><?xml version="1.0" encoding="utf-8"?>
-<p:sld xmlns:a="http://schemas.openxmlformats.org/drawingml/2006/main" xmlns:r="http://schemas.openxmlformats.org/officeDocument/2006/relationships" xmlns:p="http://schemas.openxmlformats.org/presentationml/2006/main">
-  <p:cSld>
-    <p:spTree>
-      <p:nvGrpSpPr>
-        <p:cNvPr id="1" name=""/>
-        <p:cNvGrpSpPr/>
-        <p:nvPr/>
-      </p:nvGrpSpPr>
-      <p:grpSpPr>
-        <a:xfrm>
-          <a:off x="0" y="0"/>
-          <a:ext cx="0" cy="0"/>
-          <a:chOff x="0" y="0"/>
-          <a:chExt cx="0" cy="0"/>
-        </a:xfrm>
-      </p:grpSpPr>
-      <p:sp>
-        <p:nvSpPr>
           <p:cNvPr id="269" name="Shape 269"/>
           <p:cNvSpPr>
             <a:spLocks noGrp="1"/>
@@ -10962,7 +10868,7 @@
 </p:sld>
 </file>
 
-<file path=ppt/slides/slide29.xml><?xml version="1.0" encoding="utf-8"?>
+<file path=ppt/slides/slide28.xml><?xml version="1.0" encoding="utf-8"?>
 <p:sld xmlns:a="http://schemas.openxmlformats.org/drawingml/2006/main" xmlns:r="http://schemas.openxmlformats.org/officeDocument/2006/relationships" xmlns:p="http://schemas.openxmlformats.org/presentationml/2006/main">
   <p:cSld>
     <p:spTree>
@@ -11038,6 +10944,100 @@
           <a:xfrm>
             <a:off x="1471154" y="2021956"/>
             <a:ext cx="4030897" cy="4030896"/>
+          </a:xfrm>
+          <a:prstGeom prst="rect">
+            <a:avLst/>
+          </a:prstGeom>
+          <a:ln w="12700">
+            <a:miter lim="400000"/>
+          </a:ln>
+        </p:spPr>
+      </p:pic>
+    </p:spTree>
+  </p:cSld>
+  <p:clrMapOvr>
+    <a:masterClrMapping/>
+  </p:clrMapOvr>
+  <p:transition spd="slow"/>
+</p:sld>
+</file>
+
+<file path=ppt/slides/slide29.xml><?xml version="1.0" encoding="utf-8"?>
+<p:sld xmlns:a="http://schemas.openxmlformats.org/drawingml/2006/main" xmlns:r="http://schemas.openxmlformats.org/officeDocument/2006/relationships" xmlns:p="http://schemas.openxmlformats.org/presentationml/2006/main">
+  <p:cSld>
+    <p:spTree>
+      <p:nvGrpSpPr>
+        <p:cNvPr id="1" name=""/>
+        <p:cNvGrpSpPr/>
+        <p:nvPr/>
+      </p:nvGrpSpPr>
+      <p:grpSpPr>
+        <a:xfrm>
+          <a:off x="0" y="0"/>
+          <a:ext cx="0" cy="0"/>
+          <a:chOff x="0" y="0"/>
+          <a:chExt cx="0" cy="0"/>
+        </a:xfrm>
+      </p:grpSpPr>
+      <p:sp>
+        <p:nvSpPr>
+          <p:cNvPr id="278" name="Shape 278"/>
+          <p:cNvSpPr>
+            <a:spLocks noGrp="1"/>
+          </p:cNvSpPr>
+          <p:nvPr>
+            <p:ph type="body" sz="quarter" idx="1"/>
+          </p:nvPr>
+        </p:nvSpPr>
+        <p:spPr>
+          <a:xfrm>
+            <a:off x="710872" y="831563"/>
+            <a:ext cx="7998646" cy="472528"/>
+          </a:xfrm>
+          <a:prstGeom prst="rect">
+            <a:avLst/>
+          </a:prstGeom>
+        </p:spPr>
+        <p:txBody>
+          <a:bodyPr>
+            <a:noAutofit/>
+          </a:bodyPr>
+          <a:lstStyle>
+            <a:lvl1pPr defTabSz="594359">
+              <a:spcBef>
+                <a:spcPts val="600"/>
+              </a:spcBef>
+              <a:defRPr sz="2600"/>
+            </a:lvl1pPr>
+          </a:lstStyle>
+          <a:p>
+            <a:r>
+              <a:rPr sz="4000" dirty="0"/>
+              <a:t>Mutation Anti Pattern</a:t>
+            </a:r>
+          </a:p>
+        </p:txBody>
+      </p:sp>
+      <p:pic>
+        <p:nvPicPr>
+          <p:cNvPr id="279" name="image15.jpeg"/>
+          <p:cNvPicPr>
+            <a:picLocks noChangeAspect="1"/>
+          </p:cNvPicPr>
+          <p:nvPr/>
+        </p:nvPicPr>
+        <p:blipFill>
+          <a:blip r:embed="rId2">
+            <a:extLst/>
+          </a:blip>
+          <a:stretch>
+            <a:fillRect/>
+          </a:stretch>
+        </p:blipFill>
+        <p:spPr>
+          <a:xfrm>
+            <a:off x="1008295" y="2048979"/>
+            <a:ext cx="5824021" cy="3287754"/>
           </a:xfrm>
           <a:prstGeom prst="rect">
             <a:avLst/>
@@ -11154,100 +11154,6 @@
 </file>
 
 <file path=ppt/slides/slide30.xml><?xml version="1.0" encoding="utf-8"?>
-<p:sld xmlns:a="http://schemas.openxmlformats.org/drawingml/2006/main" xmlns:r="http://schemas.openxmlformats.org/officeDocument/2006/relationships" xmlns:p="http://schemas.openxmlformats.org/presentationml/2006/main">
-  <p:cSld>
-    <p:spTree>
-      <p:nvGrpSpPr>
-        <p:cNvPr id="1" name=""/>
-        <p:cNvGrpSpPr/>
-        <p:nvPr/>
-      </p:nvGrpSpPr>
-      <p:grpSpPr>
-        <a:xfrm>
-          <a:off x="0" y="0"/>
-          <a:ext cx="0" cy="0"/>
-          <a:chOff x="0" y="0"/>
-          <a:chExt cx="0" cy="0"/>
-        </a:xfrm>
-      </p:grpSpPr>
-      <p:sp>
-        <p:nvSpPr>
-          <p:cNvPr id="278" name="Shape 278"/>
-          <p:cNvSpPr>
-            <a:spLocks noGrp="1"/>
-          </p:cNvSpPr>
-          <p:nvPr>
-            <p:ph type="body" sz="quarter" idx="1"/>
-          </p:nvPr>
-        </p:nvSpPr>
-        <p:spPr>
-          <a:xfrm>
-            <a:off x="710872" y="831563"/>
-            <a:ext cx="7998646" cy="472528"/>
-          </a:xfrm>
-          <a:prstGeom prst="rect">
-            <a:avLst/>
-          </a:prstGeom>
-        </p:spPr>
-        <p:txBody>
-          <a:bodyPr>
-            <a:noAutofit/>
-          </a:bodyPr>
-          <a:lstStyle>
-            <a:lvl1pPr defTabSz="594359">
-              <a:spcBef>
-                <a:spcPts val="600"/>
-              </a:spcBef>
-              <a:defRPr sz="2600"/>
-            </a:lvl1pPr>
-          </a:lstStyle>
-          <a:p>
-            <a:r>
-              <a:rPr sz="4000" dirty="0"/>
-              <a:t>Mutation Anti Pattern</a:t>
-            </a:r>
-          </a:p>
-        </p:txBody>
-      </p:sp>
-      <p:pic>
-        <p:nvPicPr>
-          <p:cNvPr id="279" name="image15.jpeg"/>
-          <p:cNvPicPr>
-            <a:picLocks noChangeAspect="1"/>
-          </p:cNvPicPr>
-          <p:nvPr/>
-        </p:nvPicPr>
-        <p:blipFill>
-          <a:blip r:embed="rId2">
-            <a:extLst/>
-          </a:blip>
-          <a:stretch>
-            <a:fillRect/>
-          </a:stretch>
-        </p:blipFill>
-        <p:spPr>
-          <a:xfrm>
-            <a:off x="1008295" y="2048979"/>
-            <a:ext cx="5824021" cy="3287754"/>
-          </a:xfrm>
-          <a:prstGeom prst="rect">
-            <a:avLst/>
-          </a:prstGeom>
-          <a:ln w="12700">
-            <a:miter lim="400000"/>
-          </a:ln>
-        </p:spPr>
-      </p:pic>
-    </p:spTree>
-  </p:cSld>
-  <p:clrMapOvr>
-    <a:masterClrMapping/>
-  </p:clrMapOvr>
-  <p:transition spd="slow"/>
-</p:sld>
-</file>
-
-<file path=ppt/slides/slide31.xml><?xml version="1.0" encoding="utf-8"?>
 <p:sld xmlns:a="http://schemas.openxmlformats.org/drawingml/2006/main" xmlns:r="http://schemas.openxmlformats.org/officeDocument/2006/relationships" xmlns:p="http://schemas.openxmlformats.org/presentationml/2006/main">
   <p:cSld>
     <p:spTree>
@@ -12256,7 +12162,7 @@
 </p:sld>
 </file>
 
-<file path=ppt/slides/slide32.xml><?xml version="1.0" encoding="utf-8"?>
+<file path=ppt/slides/slide31.xml><?xml version="1.0" encoding="utf-8"?>
 <p:sld xmlns:a="http://schemas.openxmlformats.org/drawingml/2006/main" xmlns:r="http://schemas.openxmlformats.org/officeDocument/2006/relationships" xmlns:p="http://schemas.openxmlformats.org/presentationml/2006/main">
   <p:cSld>
     <p:spTree>
@@ -12437,6 +12343,100 @@
           </a:p>
         </p:txBody>
       </p:sp>
+    </p:spTree>
+  </p:cSld>
+  <p:clrMapOvr>
+    <a:masterClrMapping/>
+  </p:clrMapOvr>
+  <p:transition spd="slow"/>
+</p:sld>
+</file>
+
+<file path=ppt/slides/slide32.xml><?xml version="1.0" encoding="utf-8"?>
+<p:sld xmlns:a="http://schemas.openxmlformats.org/drawingml/2006/main" xmlns:r="http://schemas.openxmlformats.org/officeDocument/2006/relationships" xmlns:p="http://schemas.openxmlformats.org/presentationml/2006/main">
+  <p:cSld>
+    <p:spTree>
+      <p:nvGrpSpPr>
+        <p:cNvPr id="1" name=""/>
+        <p:cNvGrpSpPr/>
+        <p:nvPr/>
+      </p:nvGrpSpPr>
+      <p:grpSpPr>
+        <a:xfrm>
+          <a:off x="0" y="0"/>
+          <a:ext cx="0" cy="0"/>
+          <a:chOff x="0" y="0"/>
+          <a:chExt cx="0" cy="0"/>
+        </a:xfrm>
+      </p:grpSpPr>
+      <p:sp>
+        <p:nvSpPr>
+          <p:cNvPr id="264" name="Shape 264"/>
+          <p:cNvSpPr>
+            <a:spLocks noGrp="1"/>
+          </p:cNvSpPr>
+          <p:nvPr>
+            <p:ph type="body" sz="quarter" idx="1"/>
+          </p:nvPr>
+        </p:nvSpPr>
+        <p:spPr>
+          <a:xfrm>
+            <a:off x="724940" y="620548"/>
+            <a:ext cx="7998646" cy="472529"/>
+          </a:xfrm>
+          <a:prstGeom prst="rect">
+            <a:avLst/>
+          </a:prstGeom>
+        </p:spPr>
+        <p:txBody>
+          <a:bodyPr>
+            <a:noAutofit/>
+          </a:bodyPr>
+          <a:lstStyle>
+            <a:lvl1pPr defTabSz="594359">
+              <a:spcBef>
+                <a:spcPts val="600"/>
+              </a:spcBef>
+              <a:defRPr sz="2600"/>
+            </a:lvl1pPr>
+          </a:lstStyle>
+          <a:p>
+            <a:r>
+              <a:rPr sz="4000" dirty="0"/>
+              <a:t>Stream vs Collection</a:t>
+            </a:r>
+          </a:p>
+        </p:txBody>
+      </p:sp>
+      <p:pic>
+        <p:nvPicPr>
+          <p:cNvPr id="265" name="image13.jpg"/>
+          <p:cNvPicPr>
+            <a:picLocks noChangeAspect="1"/>
+          </p:cNvPicPr>
+          <p:nvPr/>
+        </p:nvPicPr>
+        <p:blipFill>
+          <a:blip r:embed="rId3">
+            <a:extLst/>
+          </a:blip>
+          <a:stretch>
+            <a:fillRect/>
+          </a:stretch>
+        </p:blipFill>
+        <p:spPr>
+          <a:xfrm>
+            <a:off x="986320" y="1721318"/>
+            <a:ext cx="7602876" cy="4128765"/>
+          </a:xfrm>
+          <a:prstGeom prst="rect">
+            <a:avLst/>
+          </a:prstGeom>
+          <a:ln w="12700">
+            <a:miter lim="400000"/>
+          </a:ln>
+        </p:spPr>
+      </p:pic>
     </p:spTree>
   </p:cSld>
   <p:clrMapOvr>
@@ -16632,14 +16632,16 @@
       </p:sp>
       <p:sp>
         <p:nvSpPr>
-          <p:cNvPr id="340" name="Shape 340"/>
-          <p:cNvSpPr/>
+          <p:cNvPr id="3" name="Rectangle 2"/>
+          <p:cNvSpPr>
+            <a:spLocks noChangeArrowheads="1"/>
+          </p:cNvSpPr>
           <p:nvPr/>
         </p:nvSpPr>
-        <p:spPr>
+        <p:spPr bwMode="auto">
           <a:xfrm>
-            <a:off x="598330" y="2488419"/>
-            <a:ext cx="11021585" cy="2936241"/>
+            <a:off x="588580" y="2545551"/>
+            <a:ext cx="10867698" cy="2970044"/>
           </a:xfrm>
           <a:prstGeom prst="rect">
             <a:avLst/>
@@ -16647,254 +16649,908 @@
           <a:solidFill>
             <a:srgbClr val="FFFFFF"/>
           </a:solidFill>
-          <a:ln w="12700">
-            <a:miter lim="400000"/>
+          <a:ln>
+            <a:noFill/>
           </a:ln>
+          <a:effectLst/>
           <a:extLst>
-            <a:ext uri="{C572A759-6A51-4108-AA02-DFA0A04FC94B}">
-              <ma14:wrappingTextBoxFlag xmlns:ma14="http://schemas.microsoft.com/office/mac/drawingml/2011/main" xmlns="" val="1"/>
+            <a:ext uri="{91240B29-F687-4F45-9708-019B960494DF}">
+              <a14:hiddenLine xmlns:a14="http://schemas.microsoft.com/office/drawing/2010/main" w="9525">
+                <a:solidFill>
+                  <a:schemeClr val="tx1"/>
+                </a:solidFill>
+                <a:miter lim="800000"/>
+                <a:headEnd/>
+                <a:tailEnd/>
+              </a14:hiddenLine>
+            </a:ext>
+            <a:ext uri="{AF507438-7753-43E0-B8FC-AC1667EBCBE1}">
+              <a14:hiddenEffects xmlns:a14="http://schemas.microsoft.com/office/drawing/2010/main">
+                <a:effectLst>
+                  <a:outerShdw dist="35921" dir="2700000" algn="ctr" rotWithShape="0">
+                    <a:schemeClr val="bg2"/>
+                  </a:outerShdw>
+                </a:effectLst>
+              </a14:hiddenEffects>
             </a:ext>
           </a:extLst>
         </p:spPr>
         <p:txBody>
-          <a:bodyPr lIns="45719" rIns="45719" anchor="ctr">
+          <a:bodyPr vert="horz" wrap="square" lIns="91440" tIns="45720" rIns="91440" bIns="45720" numCol="1" anchor="ctr" anchorCtr="0" compatLnSpc="1">
+            <a:prstTxWarp prst="textNoShape">
+              <a:avLst/>
+            </a:prstTxWarp>
             <a:spAutoFit/>
           </a:bodyPr>
           <a:lstStyle/>
           <a:p>
-            <a:pPr>
-              <a:defRPr sz="1400" b="1">
+            <a:pPr marL="0" marR="0" lvl="0" indent="0" algn="l" defTabSz="914400" rtl="0" eaLnBrk="0" fontAlgn="base" latinLnBrk="0" hangingPunct="0">
+              <a:lnSpc>
+                <a:spcPct val="100000"/>
+              </a:lnSpc>
+              <a:spcBef>
+                <a:spcPct val="0"/>
+              </a:spcBef>
+              <a:spcAft>
+                <a:spcPct val="0"/>
+              </a:spcAft>
+              <a:buClrTx/>
+              <a:buSzTx/>
+              <a:buFontTx/>
+              <a:buNone/>
+              <a:tabLst/>
+            </a:pPr>
+            <a:r>
+              <a:rPr kumimoji="0" lang="en-US" altLang="en-US" sz="1300" b="0" i="0" u="none" strike="noStrike" cap="none" normalizeH="0" baseline="0" dirty="0">
+                <a:ln>
+                  <a:noFill/>
+                </a:ln>
+                <a:solidFill>
+                  <a:srgbClr val="000000"/>
+                </a:solidFill>
+                <a:effectLst/>
+                <a:latin typeface="Courier New" panose="02070309020205020404" pitchFamily="49" charset="0"/>
+                <a:cs typeface="Courier New" panose="02070309020205020404" pitchFamily="49" charset="0"/>
+              </a:rPr>
+              <a:t>    </a:t>
+            </a:r>
+            <a:r>
+              <a:rPr kumimoji="0" lang="en-US" altLang="en-US" sz="1300" b="1" i="0" u="none" strike="noStrike" cap="none" normalizeH="0" baseline="0" dirty="0">
+                <a:ln>
+                  <a:noFill/>
+                </a:ln>
                 <a:solidFill>
                   <a:srgbClr val="000080"/>
                 </a:solidFill>
-                <a:latin typeface="Courier New"/>
-                <a:ea typeface="Courier New"/>
-                <a:cs typeface="Courier New"/>
-                <a:sym typeface="Courier New"/>
-              </a:defRPr>
-            </a:pPr>
-            <a:r>
-              <a:rPr dirty="0"/>
-              <a:t>public static </a:t>
-            </a:r>
-            <a:r>
-              <a:rPr b="0" dirty="0">
-                <a:solidFill>
-                  <a:srgbClr val="000000"/>
-                </a:solidFill>
-              </a:rPr>
-              <a:t>List&lt;String&gt; getAllPolicyCodeWithResComSequence1InJava8(List&lt;Reservation&gt; reservations) </a:t>
-            </a:r>
-          </a:p>
-          <a:p>
-            <a:pPr>
-              <a:defRPr sz="1400">
-                <a:latin typeface="Courier New"/>
-                <a:ea typeface="Courier New"/>
-                <a:cs typeface="Courier New"/>
-                <a:sym typeface="Courier New"/>
-              </a:defRPr>
-            </a:pPr>
-            <a:r>
-              <a:rPr dirty="0"/>
-              <a:t>  {</a:t>
+                <a:effectLst/>
+                <a:latin typeface="Courier New" panose="02070309020205020404" pitchFamily="49" charset="0"/>
+                <a:cs typeface="Courier New" panose="02070309020205020404" pitchFamily="49" charset="0"/>
+              </a:rPr>
+              <a:t>private static </a:t>
+            </a:r>
+            <a:r>
+              <a:rPr kumimoji="0" lang="en-US" altLang="en-US" sz="1300" b="0" i="0" u="none" strike="noStrike" cap="none" normalizeH="0" baseline="0" dirty="0">
+                <a:ln>
+                  <a:noFill/>
+                </a:ln>
+                <a:solidFill>
+                  <a:srgbClr val="000000"/>
+                </a:solidFill>
+                <a:effectLst/>
+                <a:latin typeface="Courier New" panose="02070309020205020404" pitchFamily="49" charset="0"/>
+                <a:cs typeface="Courier New" panose="02070309020205020404" pitchFamily="49" charset="0"/>
+              </a:rPr>
+              <a:t>List&lt;String&gt; getAllPolicyCodeWithResComSequence1InJava8(List&lt;Reservation&gt; reservations) {</a:t>
             </a:r>
             <a:br>
-              <a:rPr dirty="0"/>
+              <a:rPr kumimoji="0" lang="en-US" altLang="en-US" sz="1300" b="0" i="0" u="none" strike="noStrike" cap="none" normalizeH="0" baseline="0" dirty="0">
+                <a:ln>
+                  <a:noFill/>
+                </a:ln>
+                <a:solidFill>
+                  <a:srgbClr val="000000"/>
+                </a:solidFill>
+                <a:effectLst/>
+                <a:latin typeface="Courier New" panose="02070309020205020404" pitchFamily="49" charset="0"/>
+                <a:cs typeface="Courier New" panose="02070309020205020404" pitchFamily="49" charset="0"/>
+              </a:rPr>
             </a:br>
             <a:br>
-              <a:rPr dirty="0"/>
+              <a:rPr kumimoji="0" lang="en-US" altLang="en-US" sz="1300" b="0" i="0" u="none" strike="noStrike" cap="none" normalizeH="0" baseline="0" dirty="0">
+                <a:ln>
+                  <a:noFill/>
+                </a:ln>
+                <a:solidFill>
+                  <a:srgbClr val="000000"/>
+                </a:solidFill>
+                <a:effectLst/>
+                <a:latin typeface="Courier New" panose="02070309020205020404" pitchFamily="49" charset="0"/>
+                <a:cs typeface="Courier New" panose="02070309020205020404" pitchFamily="49" charset="0"/>
+              </a:rPr>
             </a:br>
             <a:r>
-              <a:rPr dirty="0"/>
+              <a:rPr kumimoji="0" lang="en-US" altLang="en-US" sz="1300" b="0" i="0" u="none" strike="noStrike" cap="none" normalizeH="0" baseline="0" dirty="0">
+                <a:ln>
+                  <a:noFill/>
+                </a:ln>
+                <a:solidFill>
+                  <a:srgbClr val="000000"/>
+                </a:solidFill>
+                <a:effectLst/>
+                <a:latin typeface="Courier New" panose="02070309020205020404" pitchFamily="49" charset="0"/>
+                <a:cs typeface="Courier New" panose="02070309020205020404" pitchFamily="49" charset="0"/>
+              </a:rPr>
               <a:t>        </a:t>
             </a:r>
             <a:r>
-              <a:rPr b="1" dirty="0">
+              <a:rPr kumimoji="0" lang="en-US" altLang="en-US" sz="1300" b="1" i="0" u="none" strike="noStrike" cap="none" normalizeH="0" baseline="0" dirty="0">
+                <a:ln>
+                  <a:noFill/>
+                </a:ln>
                 <a:solidFill>
                   <a:srgbClr val="000080"/>
                 </a:solidFill>
+                <a:effectLst/>
+                <a:latin typeface="Courier New" panose="02070309020205020404" pitchFamily="49" charset="0"/>
+                <a:cs typeface="Courier New" panose="02070309020205020404" pitchFamily="49" charset="0"/>
               </a:rPr>
               <a:t>return </a:t>
             </a:r>
             <a:r>
-              <a:rPr dirty="0"/>
+              <a:rPr kumimoji="0" lang="en-US" altLang="en-US" sz="1300" b="0" i="0" u="none" strike="noStrike" cap="none" normalizeH="0" baseline="0" dirty="0">
+                <a:ln>
+                  <a:noFill/>
+                </a:ln>
+                <a:solidFill>
+                  <a:srgbClr val="000000"/>
+                </a:solidFill>
+                <a:effectLst/>
+                <a:latin typeface="Courier New" panose="02070309020205020404" pitchFamily="49" charset="0"/>
+                <a:cs typeface="Courier New" panose="02070309020205020404" pitchFamily="49" charset="0"/>
+              </a:rPr>
               <a:t>reservations</a:t>
             </a:r>
             <a:br>
-              <a:rPr dirty="0"/>
+              <a:rPr kumimoji="0" lang="en-US" altLang="en-US" sz="1300" b="0" i="0" u="none" strike="noStrike" cap="none" normalizeH="0" baseline="0" dirty="0">
+                <a:ln>
+                  <a:noFill/>
+                </a:ln>
+                <a:solidFill>
+                  <a:srgbClr val="000000"/>
+                </a:solidFill>
+                <a:effectLst/>
+                <a:latin typeface="Courier New" panose="02070309020205020404" pitchFamily="49" charset="0"/>
+                <a:cs typeface="Courier New" panose="02070309020205020404" pitchFamily="49" charset="0"/>
+              </a:rPr>
             </a:br>
             <a:r>
-              <a:rPr dirty="0"/>
+              <a:rPr kumimoji="0" lang="en-US" altLang="en-US" sz="1300" b="0" i="0" u="none" strike="noStrike" cap="none" normalizeH="0" baseline="0" dirty="0">
+                <a:ln>
+                  <a:noFill/>
+                </a:ln>
+                <a:solidFill>
+                  <a:srgbClr val="000000"/>
+                </a:solidFill>
+                <a:effectLst/>
+                <a:latin typeface="Courier New" panose="02070309020205020404" pitchFamily="49" charset="0"/>
+                <a:cs typeface="Courier New" panose="02070309020205020404" pitchFamily="49" charset="0"/>
+              </a:rPr>
               <a:t>                    .stream()</a:t>
             </a:r>
             <a:br>
-              <a:rPr dirty="0"/>
+              <a:rPr kumimoji="0" lang="en-US" altLang="en-US" sz="1300" b="0" i="0" u="none" strike="noStrike" cap="none" normalizeH="0" baseline="0" dirty="0">
+                <a:ln>
+                  <a:noFill/>
+                </a:ln>
+                <a:solidFill>
+                  <a:srgbClr val="000000"/>
+                </a:solidFill>
+                <a:effectLst/>
+                <a:latin typeface="Courier New" panose="02070309020205020404" pitchFamily="49" charset="0"/>
+                <a:cs typeface="Courier New" panose="02070309020205020404" pitchFamily="49" charset="0"/>
+              </a:rPr>
             </a:br>
             <a:r>
-              <a:rPr dirty="0"/>
-              <a:t>  </a:t>
-            </a:r>
-            <a:r>
-              <a:rPr i="1" dirty="0">
+              <a:rPr kumimoji="0" lang="en-US" altLang="en-US" sz="1300" b="0" i="0" u="none" strike="noStrike" cap="none" normalizeH="0" baseline="0" dirty="0">
+                <a:ln>
+                  <a:noFill/>
+                </a:ln>
+                <a:solidFill>
+                  <a:srgbClr val="000000"/>
+                </a:solidFill>
+                <a:effectLst/>
+                <a:latin typeface="Courier New" panose="02070309020205020404" pitchFamily="49" charset="0"/>
+                <a:cs typeface="Courier New" panose="02070309020205020404" pitchFamily="49" charset="0"/>
+              </a:rPr>
+              <a:t>		</a:t>
+            </a:r>
+            <a:r>
+              <a:rPr kumimoji="0" lang="en-US" altLang="en-US" sz="1300" b="0" i="1" u="none" strike="noStrike" cap="none" normalizeH="0" baseline="0" dirty="0">
+                <a:ln>
+                  <a:noFill/>
+                </a:ln>
                 <a:solidFill>
                   <a:srgbClr val="808080"/>
                 </a:solidFill>
-              </a:rPr>
-              <a:t>//                .parallel()</a:t>
+                <a:effectLst/>
+                <a:latin typeface="Courier New" panose="02070309020205020404" pitchFamily="49" charset="0"/>
+                <a:cs typeface="Courier New" panose="02070309020205020404" pitchFamily="49" charset="0"/>
+              </a:rPr>
+              <a:t>//</a:t>
+            </a:r>
+            <a:r>
+              <a:rPr kumimoji="0" lang="en-US" altLang="en-US" sz="1300" b="0" i="1" u="none" strike="noStrike" cap="none" normalizeH="0" dirty="0">
+                <a:ln>
+                  <a:noFill/>
+                </a:ln>
+                <a:solidFill>
+                  <a:srgbClr val="808080"/>
+                </a:solidFill>
+                <a:effectLst/>
+                <a:latin typeface="Courier New" panose="02070309020205020404" pitchFamily="49" charset="0"/>
+                <a:cs typeface="Courier New" panose="02070309020205020404" pitchFamily="49" charset="0"/>
+              </a:rPr>
+              <a:t>   </a:t>
+            </a:r>
+            <a:r>
+              <a:rPr kumimoji="0" lang="en-US" altLang="en-US" sz="1300" b="0" i="1" u="none" strike="noStrike" cap="none" normalizeH="0" baseline="0" dirty="0">
+                <a:ln>
+                  <a:noFill/>
+                </a:ln>
+                <a:solidFill>
+                  <a:srgbClr val="808080"/>
+                </a:solidFill>
+                <a:effectLst/>
+                <a:latin typeface="Courier New" panose="02070309020205020404" pitchFamily="49" charset="0"/>
+                <a:cs typeface="Courier New" panose="02070309020205020404" pitchFamily="49" charset="0"/>
+              </a:rPr>
+              <a:t>.parallel()</a:t>
             </a:r>
             <a:br>
-              <a:rPr i="1" dirty="0">
+              <a:rPr kumimoji="0" lang="en-US" altLang="en-US" sz="1300" b="0" i="1" u="none" strike="noStrike" cap="none" normalizeH="0" baseline="0" dirty="0">
+                <a:ln>
+                  <a:noFill/>
+                </a:ln>
                 <a:solidFill>
                   <a:srgbClr val="808080"/>
                 </a:solidFill>
+                <a:effectLst/>
+                <a:latin typeface="Courier New" panose="02070309020205020404" pitchFamily="49" charset="0"/>
+                <a:cs typeface="Courier New" panose="02070309020205020404" pitchFamily="49" charset="0"/>
               </a:rPr>
             </a:br>
             <a:r>
-              <a:rPr i="1" dirty="0">
+              <a:rPr kumimoji="0" lang="en-US" altLang="en-US" sz="1300" b="0" i="1" u="none" strike="noStrike" cap="none" normalizeH="0" baseline="0" dirty="0">
+                <a:ln>
+                  <a:noFill/>
+                </a:ln>
                 <a:solidFill>
                   <a:srgbClr val="808080"/>
                 </a:solidFill>
+                <a:effectLst/>
+                <a:latin typeface="Courier New" panose="02070309020205020404" pitchFamily="49" charset="0"/>
+                <a:cs typeface="Courier New" panose="02070309020205020404" pitchFamily="49" charset="0"/>
               </a:rPr>
               <a:t>                        </a:t>
             </a:r>
             <a:r>
-              <a:rPr dirty="0"/>
+              <a:rPr kumimoji="0" lang="en-US" altLang="en-US" sz="1300" b="0" i="0" u="none" strike="noStrike" cap="none" normalizeH="0" baseline="0" dirty="0">
+                <a:ln>
+                  <a:noFill/>
+                </a:ln>
+                <a:solidFill>
+                  <a:srgbClr val="000000"/>
+                </a:solidFill>
+                <a:effectLst/>
+                <a:latin typeface="Courier New" panose="02070309020205020404" pitchFamily="49" charset="0"/>
+                <a:cs typeface="Courier New" panose="02070309020205020404" pitchFamily="49" charset="0"/>
+              </a:rPr>
               <a:t>.map(reservation -&gt; </a:t>
             </a:r>
             <a:r>
-              <a:rPr dirty="0" err="1"/>
+              <a:rPr kumimoji="0" lang="en-US" altLang="en-US" sz="1300" b="0" i="0" u="none" strike="noStrike" cap="none" normalizeH="0" baseline="0" dirty="0" err="1">
+                <a:ln>
+                  <a:noFill/>
+                </a:ln>
+                <a:solidFill>
+                  <a:srgbClr val="000000"/>
+                </a:solidFill>
+                <a:effectLst/>
+                <a:latin typeface="Courier New" panose="02070309020205020404" pitchFamily="49" charset="0"/>
+                <a:cs typeface="Courier New" panose="02070309020205020404" pitchFamily="49" charset="0"/>
+              </a:rPr>
               <a:t>reservation.getResComponents</a:t>
             </a:r>
             <a:r>
-              <a:rPr dirty="0"/>
+              <a:rPr kumimoji="0" lang="en-US" altLang="en-US" sz="1300" b="0" i="0" u="none" strike="noStrike" cap="none" normalizeH="0" baseline="0" dirty="0">
+                <a:ln>
+                  <a:noFill/>
+                </a:ln>
+                <a:solidFill>
+                  <a:srgbClr val="000000"/>
+                </a:solidFill>
+                <a:effectLst/>
+                <a:latin typeface="Courier New" panose="02070309020205020404" pitchFamily="49" charset="0"/>
+                <a:cs typeface="Courier New" panose="02070309020205020404" pitchFamily="49" charset="0"/>
+              </a:rPr>
               <a:t>())</a:t>
             </a:r>
             <a:br>
-              <a:rPr dirty="0"/>
+              <a:rPr kumimoji="0" lang="en-US" altLang="en-US" sz="1300" b="0" i="0" u="none" strike="noStrike" cap="none" normalizeH="0" baseline="0" dirty="0">
+                <a:ln>
+                  <a:noFill/>
+                </a:ln>
+                <a:solidFill>
+                  <a:srgbClr val="000000"/>
+                </a:solidFill>
+                <a:effectLst/>
+                <a:latin typeface="Courier New" panose="02070309020205020404" pitchFamily="49" charset="0"/>
+                <a:cs typeface="Courier New" panose="02070309020205020404" pitchFamily="49" charset="0"/>
+              </a:rPr>
             </a:br>
             <a:r>
-              <a:rPr dirty="0"/>
+              <a:rPr kumimoji="0" lang="en-US" altLang="en-US" sz="1300" b="0" i="0" u="none" strike="noStrike" cap="none" normalizeH="0" baseline="0" dirty="0">
+                <a:ln>
+                  <a:noFill/>
+                </a:ln>
+                <a:solidFill>
+                  <a:srgbClr val="000000"/>
+                </a:solidFill>
+                <a:effectLst/>
+                <a:latin typeface="Courier New" panose="02070309020205020404" pitchFamily="49" charset="0"/>
+                <a:cs typeface="Courier New" panose="02070309020205020404" pitchFamily="49" charset="0"/>
+              </a:rPr>
               <a:t>                        .</a:t>
             </a:r>
             <a:r>
-              <a:rPr dirty="0" err="1"/>
+              <a:rPr kumimoji="0" lang="en-US" altLang="en-US" sz="1300" b="0" i="0" u="none" strike="noStrike" cap="none" normalizeH="0" baseline="0" dirty="0" err="1">
+                <a:ln>
+                  <a:noFill/>
+                </a:ln>
+                <a:solidFill>
+                  <a:srgbClr val="000000"/>
+                </a:solidFill>
+                <a:effectLst/>
+                <a:latin typeface="Courier New" panose="02070309020205020404" pitchFamily="49" charset="0"/>
+                <a:cs typeface="Courier New" panose="02070309020205020404" pitchFamily="49" charset="0"/>
+              </a:rPr>
               <a:t>flatMap</a:t>
             </a:r>
             <a:r>
-              <a:rPr dirty="0"/>
-              <a:t>(Collection::stream)</a:t>
+              <a:rPr kumimoji="0" lang="en-US" altLang="en-US" sz="1300" b="0" i="0" u="none" strike="noStrike" cap="none" normalizeH="0" baseline="0" dirty="0">
+                <a:ln>
+                  <a:noFill/>
+                </a:ln>
+                <a:solidFill>
+                  <a:srgbClr val="000000"/>
+                </a:solidFill>
+                <a:effectLst/>
+                <a:latin typeface="Courier New" panose="02070309020205020404" pitchFamily="49" charset="0"/>
+                <a:cs typeface="Courier New" panose="02070309020205020404" pitchFamily="49" charset="0"/>
+              </a:rPr>
+              <a:t>(</a:t>
+            </a:r>
+            <a:r>
+              <a:rPr kumimoji="0" lang="en-US" altLang="en-US" sz="1300" b="0" i="0" u="none" strike="noStrike" cap="none" normalizeH="0" baseline="0" dirty="0" err="1">
+                <a:ln>
+                  <a:noFill/>
+                </a:ln>
+                <a:solidFill>
+                  <a:srgbClr val="000000"/>
+                </a:solidFill>
+                <a:effectLst/>
+                <a:latin typeface="Courier New" panose="02070309020205020404" pitchFamily="49" charset="0"/>
+                <a:cs typeface="Courier New" panose="02070309020205020404" pitchFamily="49" charset="0"/>
+              </a:rPr>
+              <a:t>resComponentList</a:t>
+            </a:r>
+            <a:r>
+              <a:rPr kumimoji="0" lang="en-US" altLang="en-US" sz="1300" b="0" i="0" u="none" strike="noStrike" cap="none" normalizeH="0" baseline="0" dirty="0">
+                <a:ln>
+                  <a:noFill/>
+                </a:ln>
+                <a:solidFill>
+                  <a:srgbClr val="000000"/>
+                </a:solidFill>
+                <a:effectLst/>
+                <a:latin typeface="Courier New" panose="02070309020205020404" pitchFamily="49" charset="0"/>
+                <a:cs typeface="Courier New" panose="02070309020205020404" pitchFamily="49" charset="0"/>
+              </a:rPr>
+              <a:t> -&gt; </a:t>
+            </a:r>
+            <a:r>
+              <a:rPr kumimoji="0" lang="en-US" altLang="en-US" sz="1300" b="0" i="0" u="none" strike="noStrike" cap="none" normalizeH="0" baseline="0" dirty="0" err="1">
+                <a:ln>
+                  <a:noFill/>
+                </a:ln>
+                <a:solidFill>
+                  <a:srgbClr val="000000"/>
+                </a:solidFill>
+                <a:effectLst/>
+                <a:latin typeface="Courier New" panose="02070309020205020404" pitchFamily="49" charset="0"/>
+                <a:cs typeface="Courier New" panose="02070309020205020404" pitchFamily="49" charset="0"/>
+              </a:rPr>
+              <a:t>resComponentList.stream</a:t>
+            </a:r>
+            <a:r>
+              <a:rPr kumimoji="0" lang="en-US" altLang="en-US" sz="1300" b="0" i="0" u="none" strike="noStrike" cap="none" normalizeH="0" baseline="0" dirty="0">
+                <a:ln>
+                  <a:noFill/>
+                </a:ln>
+                <a:solidFill>
+                  <a:srgbClr val="000000"/>
+                </a:solidFill>
+                <a:effectLst/>
+                <a:latin typeface="Courier New" panose="02070309020205020404" pitchFamily="49" charset="0"/>
+                <a:cs typeface="Courier New" panose="02070309020205020404" pitchFamily="49" charset="0"/>
+              </a:rPr>
+              <a:t>())</a:t>
             </a:r>
             <a:br>
-              <a:rPr dirty="0"/>
+              <a:rPr kumimoji="0" lang="en-US" altLang="en-US" sz="1300" b="0" i="0" u="none" strike="noStrike" cap="none" normalizeH="0" baseline="0" dirty="0">
+                <a:ln>
+                  <a:noFill/>
+                </a:ln>
+                <a:solidFill>
+                  <a:srgbClr val="000000"/>
+                </a:solidFill>
+                <a:effectLst/>
+                <a:latin typeface="Courier New" panose="02070309020205020404" pitchFamily="49" charset="0"/>
+                <a:cs typeface="Courier New" panose="02070309020205020404" pitchFamily="49" charset="0"/>
+              </a:rPr>
             </a:br>
             <a:r>
-              <a:rPr dirty="0"/>
+              <a:rPr kumimoji="0" lang="en-US" altLang="en-US" sz="1300" b="0" i="0" u="none" strike="noStrike" cap="none" normalizeH="0" baseline="0" dirty="0">
+                <a:ln>
+                  <a:noFill/>
+                </a:ln>
+                <a:solidFill>
+                  <a:srgbClr val="000000"/>
+                </a:solidFill>
+                <a:effectLst/>
+                <a:latin typeface="Courier New" panose="02070309020205020404" pitchFamily="49" charset="0"/>
+                <a:cs typeface="Courier New" panose="02070309020205020404" pitchFamily="49" charset="0"/>
+              </a:rPr>
               <a:t>                        .filter(</a:t>
             </a:r>
             <a:r>
-              <a:rPr dirty="0" err="1"/>
+              <a:rPr kumimoji="0" lang="en-US" altLang="en-US" sz="1300" b="0" i="0" u="none" strike="noStrike" cap="none" normalizeH="0" baseline="0" dirty="0" err="1">
+                <a:ln>
+                  <a:noFill/>
+                </a:ln>
+                <a:solidFill>
+                  <a:srgbClr val="000000"/>
+                </a:solidFill>
+                <a:effectLst/>
+                <a:latin typeface="Courier New" panose="02070309020205020404" pitchFamily="49" charset="0"/>
+                <a:cs typeface="Courier New" panose="02070309020205020404" pitchFamily="49" charset="0"/>
+              </a:rPr>
               <a:t>resComponent</a:t>
             </a:r>
             <a:r>
-              <a:rPr dirty="0"/>
+              <a:rPr kumimoji="0" lang="en-US" altLang="en-US" sz="1300" b="0" i="0" u="none" strike="noStrike" cap="none" normalizeH="0" baseline="0" dirty="0">
+                <a:ln>
+                  <a:noFill/>
+                </a:ln>
+                <a:solidFill>
+                  <a:srgbClr val="000000"/>
+                </a:solidFill>
+                <a:effectLst/>
+                <a:latin typeface="Courier New" panose="02070309020205020404" pitchFamily="49" charset="0"/>
+                <a:cs typeface="Courier New" panose="02070309020205020404" pitchFamily="49" charset="0"/>
+              </a:rPr>
               <a:t> -&gt;  </a:t>
             </a:r>
             <a:r>
-              <a:rPr dirty="0" err="1"/>
+              <a:rPr kumimoji="0" lang="en-US" altLang="en-US" sz="1300" b="0" i="0" u="none" strike="noStrike" cap="none" normalizeH="0" baseline="0" dirty="0" err="1">
+                <a:ln>
+                  <a:noFill/>
+                </a:ln>
+                <a:solidFill>
+                  <a:srgbClr val="000000"/>
+                </a:solidFill>
+                <a:effectLst/>
+                <a:latin typeface="Courier New" panose="02070309020205020404" pitchFamily="49" charset="0"/>
+                <a:cs typeface="Courier New" panose="02070309020205020404" pitchFamily="49" charset="0"/>
+              </a:rPr>
               <a:t>resComponent.getSequence</a:t>
             </a:r>
             <a:r>
-              <a:rPr dirty="0"/>
+              <a:rPr kumimoji="0" lang="en-US" altLang="en-US" sz="1300" b="0" i="0" u="none" strike="noStrike" cap="none" normalizeH="0" baseline="0" dirty="0">
+                <a:ln>
+                  <a:noFill/>
+                </a:ln>
+                <a:solidFill>
+                  <a:srgbClr val="000000"/>
+                </a:solidFill>
+                <a:effectLst/>
+                <a:latin typeface="Courier New" panose="02070309020205020404" pitchFamily="49" charset="0"/>
+                <a:cs typeface="Courier New" panose="02070309020205020404" pitchFamily="49" charset="0"/>
+              </a:rPr>
               <a:t>() == </a:t>
             </a:r>
             <a:r>
-              <a:rPr dirty="0">
+              <a:rPr kumimoji="0" lang="en-US" altLang="en-US" sz="1300" b="0" i="0" u="none" strike="noStrike" cap="none" normalizeH="0" baseline="0" dirty="0">
+                <a:ln>
+                  <a:noFill/>
+                </a:ln>
                 <a:solidFill>
                   <a:srgbClr val="0000FF"/>
                 </a:solidFill>
+                <a:effectLst/>
+                <a:latin typeface="Courier New" panose="02070309020205020404" pitchFamily="49" charset="0"/>
+                <a:cs typeface="Courier New" panose="02070309020205020404" pitchFamily="49" charset="0"/>
               </a:rPr>
               <a:t>1</a:t>
             </a:r>
             <a:r>
-              <a:rPr dirty="0"/>
+              <a:rPr kumimoji="0" lang="en-US" altLang="en-US" sz="1300" b="0" i="0" u="none" strike="noStrike" cap="none" normalizeH="0" baseline="0" dirty="0">
+                <a:ln>
+                  <a:noFill/>
+                </a:ln>
+                <a:solidFill>
+                  <a:srgbClr val="000000"/>
+                </a:solidFill>
+                <a:effectLst/>
+                <a:latin typeface="Courier New" panose="02070309020205020404" pitchFamily="49" charset="0"/>
+                <a:cs typeface="Courier New" panose="02070309020205020404" pitchFamily="49" charset="0"/>
+              </a:rPr>
               <a:t>)</a:t>
             </a:r>
             <a:br>
-              <a:rPr dirty="0"/>
+              <a:rPr kumimoji="0" lang="en-US" altLang="en-US" sz="1300" b="0" i="0" u="none" strike="noStrike" cap="none" normalizeH="0" baseline="0" dirty="0">
+                <a:ln>
+                  <a:noFill/>
+                </a:ln>
+                <a:solidFill>
+                  <a:srgbClr val="000000"/>
+                </a:solidFill>
+                <a:effectLst/>
+                <a:latin typeface="Courier New" panose="02070309020205020404" pitchFamily="49" charset="0"/>
+                <a:cs typeface="Courier New" panose="02070309020205020404" pitchFamily="49" charset="0"/>
+              </a:rPr>
             </a:br>
             <a:r>
-              <a:rPr dirty="0"/>
+              <a:rPr kumimoji="0" lang="en-US" altLang="en-US" sz="1300" b="0" i="0" u="none" strike="noStrike" cap="none" normalizeH="0" baseline="0" dirty="0">
+                <a:ln>
+                  <a:noFill/>
+                </a:ln>
+                <a:solidFill>
+                  <a:srgbClr val="000000"/>
+                </a:solidFill>
+                <a:effectLst/>
+                <a:latin typeface="Courier New" panose="02070309020205020404" pitchFamily="49" charset="0"/>
+                <a:cs typeface="Courier New" panose="02070309020205020404" pitchFamily="49" charset="0"/>
+              </a:rPr>
               <a:t>                        .map(</a:t>
             </a:r>
             <a:r>
-              <a:rPr dirty="0" err="1"/>
+              <a:rPr kumimoji="0" lang="en-US" altLang="en-US" sz="1300" b="0" i="0" u="none" strike="noStrike" cap="none" normalizeH="0" baseline="0" dirty="0" err="1">
+                <a:ln>
+                  <a:noFill/>
+                </a:ln>
+                <a:solidFill>
+                  <a:srgbClr val="000000"/>
+                </a:solidFill>
+                <a:effectLst/>
+                <a:latin typeface="Courier New" panose="02070309020205020404" pitchFamily="49" charset="0"/>
+                <a:cs typeface="Courier New" panose="02070309020205020404" pitchFamily="49" charset="0"/>
+              </a:rPr>
               <a:t>resComponent</a:t>
             </a:r>
             <a:r>
-              <a:rPr dirty="0"/>
+              <a:rPr kumimoji="0" lang="en-US" altLang="en-US" sz="1300" b="0" i="0" u="none" strike="noStrike" cap="none" normalizeH="0" baseline="0" dirty="0">
+                <a:ln>
+                  <a:noFill/>
+                </a:ln>
+                <a:solidFill>
+                  <a:srgbClr val="000000"/>
+                </a:solidFill>
+                <a:effectLst/>
+                <a:latin typeface="Courier New" panose="02070309020205020404" pitchFamily="49" charset="0"/>
+                <a:cs typeface="Courier New" panose="02070309020205020404" pitchFamily="49" charset="0"/>
+              </a:rPr>
               <a:t> -&gt; </a:t>
             </a:r>
             <a:r>
-              <a:rPr dirty="0" err="1"/>
+              <a:rPr kumimoji="0" lang="en-US" altLang="en-US" sz="1300" b="0" i="0" u="none" strike="noStrike" cap="none" normalizeH="0" baseline="0" dirty="0" err="1">
+                <a:ln>
+                  <a:noFill/>
+                </a:ln>
+                <a:solidFill>
+                  <a:srgbClr val="000000"/>
+                </a:solidFill>
+                <a:effectLst/>
+                <a:latin typeface="Courier New" panose="02070309020205020404" pitchFamily="49" charset="0"/>
+                <a:cs typeface="Courier New" panose="02070309020205020404" pitchFamily="49" charset="0"/>
+              </a:rPr>
               <a:t>resComponent.getPolicies</a:t>
             </a:r>
             <a:r>
-              <a:rPr dirty="0"/>
+              <a:rPr kumimoji="0" lang="en-US" altLang="en-US" sz="1300" b="0" i="0" u="none" strike="noStrike" cap="none" normalizeH="0" baseline="0" dirty="0">
+                <a:ln>
+                  <a:noFill/>
+                </a:ln>
+                <a:solidFill>
+                  <a:srgbClr val="000000"/>
+                </a:solidFill>
+                <a:effectLst/>
+                <a:latin typeface="Courier New" panose="02070309020205020404" pitchFamily="49" charset="0"/>
+                <a:cs typeface="Courier New" panose="02070309020205020404" pitchFamily="49" charset="0"/>
+              </a:rPr>
               <a:t>())</a:t>
             </a:r>
             <a:br>
-              <a:rPr dirty="0"/>
+              <a:rPr kumimoji="0" lang="en-US" altLang="en-US" sz="1300" b="0" i="0" u="none" strike="noStrike" cap="none" normalizeH="0" baseline="0" dirty="0">
+                <a:ln>
+                  <a:noFill/>
+                </a:ln>
+                <a:solidFill>
+                  <a:srgbClr val="000000"/>
+                </a:solidFill>
+                <a:effectLst/>
+                <a:latin typeface="Courier New" panose="02070309020205020404" pitchFamily="49" charset="0"/>
+                <a:cs typeface="Courier New" panose="02070309020205020404" pitchFamily="49" charset="0"/>
+              </a:rPr>
             </a:br>
             <a:r>
-              <a:rPr dirty="0"/>
+              <a:rPr kumimoji="0" lang="en-US" altLang="en-US" sz="1300" b="0" i="0" u="none" strike="noStrike" cap="none" normalizeH="0" baseline="0" dirty="0">
+                <a:ln>
+                  <a:noFill/>
+                </a:ln>
+                <a:solidFill>
+                  <a:srgbClr val="000000"/>
+                </a:solidFill>
+                <a:effectLst/>
+                <a:latin typeface="Courier New" panose="02070309020205020404" pitchFamily="49" charset="0"/>
+                <a:cs typeface="Courier New" panose="02070309020205020404" pitchFamily="49" charset="0"/>
+              </a:rPr>
               <a:t>                        .</a:t>
             </a:r>
             <a:r>
-              <a:rPr dirty="0" err="1"/>
+              <a:rPr kumimoji="0" lang="en-US" altLang="en-US" sz="1300" b="0" i="0" u="none" strike="noStrike" cap="none" normalizeH="0" baseline="0" dirty="0" err="1">
+                <a:ln>
+                  <a:noFill/>
+                </a:ln>
+                <a:solidFill>
+                  <a:srgbClr val="000000"/>
+                </a:solidFill>
+                <a:effectLst/>
+                <a:latin typeface="Courier New" panose="02070309020205020404" pitchFamily="49" charset="0"/>
+                <a:cs typeface="Courier New" panose="02070309020205020404" pitchFamily="49" charset="0"/>
+              </a:rPr>
               <a:t>flatMap</a:t>
             </a:r>
             <a:r>
-              <a:rPr dirty="0"/>
-              <a:t>(Collection::stream)</a:t>
+              <a:rPr kumimoji="0" lang="en-US" altLang="en-US" sz="1300" b="0" i="0" u="none" strike="noStrike" cap="none" normalizeH="0" baseline="0" dirty="0">
+                <a:ln>
+                  <a:noFill/>
+                </a:ln>
+                <a:solidFill>
+                  <a:srgbClr val="000000"/>
+                </a:solidFill>
+                <a:effectLst/>
+                <a:latin typeface="Courier New" panose="02070309020205020404" pitchFamily="49" charset="0"/>
+                <a:cs typeface="Courier New" panose="02070309020205020404" pitchFamily="49" charset="0"/>
+              </a:rPr>
+              <a:t>(</a:t>
+            </a:r>
+            <a:r>
+              <a:rPr kumimoji="0" lang="en-US" altLang="en-US" sz="1300" b="0" i="0" u="none" strike="noStrike" cap="none" normalizeH="0" baseline="0" dirty="0" err="1">
+                <a:ln>
+                  <a:noFill/>
+                </a:ln>
+                <a:solidFill>
+                  <a:srgbClr val="000000"/>
+                </a:solidFill>
+                <a:effectLst/>
+                <a:latin typeface="Courier New" panose="02070309020205020404" pitchFamily="49" charset="0"/>
+                <a:cs typeface="Courier New" panose="02070309020205020404" pitchFamily="49" charset="0"/>
+              </a:rPr>
+              <a:t>policyList</a:t>
+            </a:r>
+            <a:r>
+              <a:rPr kumimoji="0" lang="en-US" altLang="en-US" sz="1300" b="0" i="0" u="none" strike="noStrike" cap="none" normalizeH="0" baseline="0" dirty="0">
+                <a:ln>
+                  <a:noFill/>
+                </a:ln>
+                <a:solidFill>
+                  <a:srgbClr val="000000"/>
+                </a:solidFill>
+                <a:effectLst/>
+                <a:latin typeface="Courier New" panose="02070309020205020404" pitchFamily="49" charset="0"/>
+                <a:cs typeface="Courier New" panose="02070309020205020404" pitchFamily="49" charset="0"/>
+              </a:rPr>
+              <a:t> -&gt; </a:t>
+            </a:r>
+            <a:r>
+              <a:rPr kumimoji="0" lang="en-US" altLang="en-US" sz="1300" b="0" i="0" u="none" strike="noStrike" cap="none" normalizeH="0" baseline="0" dirty="0" err="1">
+                <a:ln>
+                  <a:noFill/>
+                </a:ln>
+                <a:solidFill>
+                  <a:srgbClr val="000000"/>
+                </a:solidFill>
+                <a:effectLst/>
+                <a:latin typeface="Courier New" panose="02070309020205020404" pitchFamily="49" charset="0"/>
+                <a:cs typeface="Courier New" panose="02070309020205020404" pitchFamily="49" charset="0"/>
+              </a:rPr>
+              <a:t>policyList.stream</a:t>
+            </a:r>
+            <a:r>
+              <a:rPr kumimoji="0" lang="en-US" altLang="en-US" sz="1300" b="0" i="0" u="none" strike="noStrike" cap="none" normalizeH="0" baseline="0" dirty="0">
+                <a:ln>
+                  <a:noFill/>
+                </a:ln>
+                <a:solidFill>
+                  <a:srgbClr val="000000"/>
+                </a:solidFill>
+                <a:effectLst/>
+                <a:latin typeface="Courier New" panose="02070309020205020404" pitchFamily="49" charset="0"/>
+                <a:cs typeface="Courier New" panose="02070309020205020404" pitchFamily="49" charset="0"/>
+              </a:rPr>
+              <a:t>())</a:t>
             </a:r>
             <a:br>
-              <a:rPr dirty="0"/>
+              <a:rPr kumimoji="0" lang="en-US" altLang="en-US" sz="1300" b="0" i="0" u="none" strike="noStrike" cap="none" normalizeH="0" baseline="0" dirty="0">
+                <a:ln>
+                  <a:noFill/>
+                </a:ln>
+                <a:solidFill>
+                  <a:srgbClr val="000000"/>
+                </a:solidFill>
+                <a:effectLst/>
+                <a:latin typeface="Courier New" panose="02070309020205020404" pitchFamily="49" charset="0"/>
+                <a:cs typeface="Courier New" panose="02070309020205020404" pitchFamily="49" charset="0"/>
+              </a:rPr>
             </a:br>
             <a:r>
-              <a:rPr dirty="0"/>
-              <a:t>                        .map(Policy::</a:t>
-            </a:r>
-            <a:r>
-              <a:rPr dirty="0" err="1"/>
-              <a:t>getPolicyCode</a:t>
-            </a:r>
-            <a:r>
-              <a:rPr dirty="0"/>
-              <a:t>)</a:t>
+              <a:rPr kumimoji="0" lang="en-US" altLang="en-US" sz="1300" b="0" i="0" u="none" strike="noStrike" cap="none" normalizeH="0" baseline="0" dirty="0">
+                <a:ln>
+                  <a:noFill/>
+                </a:ln>
+                <a:solidFill>
+                  <a:srgbClr val="000000"/>
+                </a:solidFill>
+                <a:effectLst/>
+                <a:latin typeface="Courier New" panose="02070309020205020404" pitchFamily="49" charset="0"/>
+                <a:cs typeface="Courier New" panose="02070309020205020404" pitchFamily="49" charset="0"/>
+              </a:rPr>
+              <a:t>                        .map(policy -&gt; </a:t>
+            </a:r>
+            <a:r>
+              <a:rPr kumimoji="0" lang="en-US" altLang="en-US" sz="1300" b="0" i="0" u="none" strike="noStrike" cap="none" normalizeH="0" baseline="0" dirty="0" err="1">
+                <a:ln>
+                  <a:noFill/>
+                </a:ln>
+                <a:solidFill>
+                  <a:srgbClr val="000000"/>
+                </a:solidFill>
+                <a:effectLst/>
+                <a:latin typeface="Courier New" panose="02070309020205020404" pitchFamily="49" charset="0"/>
+                <a:cs typeface="Courier New" panose="02070309020205020404" pitchFamily="49" charset="0"/>
+              </a:rPr>
+              <a:t>policy.getPolicyCode</a:t>
+            </a:r>
+            <a:r>
+              <a:rPr kumimoji="0" lang="en-US" altLang="en-US" sz="1300" b="0" i="0" u="none" strike="noStrike" cap="none" normalizeH="0" baseline="0" dirty="0">
+                <a:ln>
+                  <a:noFill/>
+                </a:ln>
+                <a:solidFill>
+                  <a:srgbClr val="000000"/>
+                </a:solidFill>
+                <a:effectLst/>
+                <a:latin typeface="Courier New" panose="02070309020205020404" pitchFamily="49" charset="0"/>
+                <a:cs typeface="Courier New" panose="02070309020205020404" pitchFamily="49" charset="0"/>
+              </a:rPr>
+              <a:t>())</a:t>
             </a:r>
             <a:br>
-              <a:rPr dirty="0"/>
+              <a:rPr kumimoji="0" lang="en-US" altLang="en-US" sz="1300" b="0" i="0" u="none" strike="noStrike" cap="none" normalizeH="0" baseline="0" dirty="0">
+                <a:ln>
+                  <a:noFill/>
+                </a:ln>
+                <a:solidFill>
+                  <a:srgbClr val="000000"/>
+                </a:solidFill>
+                <a:effectLst/>
+                <a:latin typeface="Courier New" panose="02070309020205020404" pitchFamily="49" charset="0"/>
+                <a:cs typeface="Courier New" panose="02070309020205020404" pitchFamily="49" charset="0"/>
+              </a:rPr>
             </a:br>
             <a:r>
-              <a:rPr dirty="0"/>
+              <a:rPr kumimoji="0" lang="en-US" altLang="en-US" sz="1300" b="0" i="0" u="none" strike="noStrike" cap="none" normalizeH="0" baseline="0" dirty="0">
+                <a:ln>
+                  <a:noFill/>
+                </a:ln>
+                <a:solidFill>
+                  <a:srgbClr val="000000"/>
+                </a:solidFill>
+                <a:effectLst/>
+                <a:latin typeface="Courier New" panose="02070309020205020404" pitchFamily="49" charset="0"/>
+                <a:cs typeface="Courier New" panose="02070309020205020404" pitchFamily="49" charset="0"/>
+              </a:rPr>
               <a:t>                        .collect(</a:t>
             </a:r>
             <a:r>
-              <a:rPr i="1" dirty="0" err="1"/>
+              <a:rPr kumimoji="0" lang="en-US" altLang="en-US" sz="1300" b="0" i="1" u="none" strike="noStrike" cap="none" normalizeH="0" baseline="0" dirty="0" err="1">
+                <a:ln>
+                  <a:noFill/>
+                </a:ln>
+                <a:solidFill>
+                  <a:srgbClr val="000000"/>
+                </a:solidFill>
+                <a:effectLst/>
+                <a:latin typeface="Courier New" panose="02070309020205020404" pitchFamily="49" charset="0"/>
+                <a:cs typeface="Courier New" panose="02070309020205020404" pitchFamily="49" charset="0"/>
+              </a:rPr>
               <a:t>toList</a:t>
             </a:r>
             <a:r>
-              <a:rPr dirty="0"/>
+              <a:rPr kumimoji="0" lang="en-US" altLang="en-US" sz="1300" b="0" i="0" u="none" strike="noStrike" cap="none" normalizeH="0" baseline="0" dirty="0">
+                <a:ln>
+                  <a:noFill/>
+                </a:ln>
+                <a:solidFill>
+                  <a:srgbClr val="000000"/>
+                </a:solidFill>
+                <a:effectLst/>
+                <a:latin typeface="Courier New" panose="02070309020205020404" pitchFamily="49" charset="0"/>
+                <a:cs typeface="Courier New" panose="02070309020205020404" pitchFamily="49" charset="0"/>
+              </a:rPr>
               <a:t>());</a:t>
             </a:r>
             <a:br>
-              <a:rPr dirty="0"/>
+              <a:rPr kumimoji="0" lang="en-US" altLang="en-US" sz="1300" b="0" i="0" u="none" strike="noStrike" cap="none" normalizeH="0" baseline="0" dirty="0">
+                <a:ln>
+                  <a:noFill/>
+                </a:ln>
+                <a:solidFill>
+                  <a:srgbClr val="000000"/>
+                </a:solidFill>
+                <a:effectLst/>
+                <a:latin typeface="Courier New" panose="02070309020205020404" pitchFamily="49" charset="0"/>
+                <a:cs typeface="Courier New" panose="02070309020205020404" pitchFamily="49" charset="0"/>
+              </a:rPr>
             </a:br>
             <a:r>
-              <a:rPr dirty="0"/>
-              <a:t>   }</a:t>
-            </a:r>
+              <a:rPr kumimoji="0" lang="en-US" altLang="en-US" sz="1300" b="0" i="0" u="none" strike="noStrike" cap="none" normalizeH="0" baseline="0" dirty="0">
+                <a:ln>
+                  <a:noFill/>
+                </a:ln>
+                <a:solidFill>
+                  <a:srgbClr val="000000"/>
+                </a:solidFill>
+                <a:effectLst/>
+                <a:latin typeface="Courier New" panose="02070309020205020404" pitchFamily="49" charset="0"/>
+                <a:cs typeface="Courier New" panose="02070309020205020404" pitchFamily="49" charset="0"/>
+              </a:rPr>
+              <a:t>    }</a:t>
+            </a:r>
+            <a:br>
+              <a:rPr kumimoji="0" lang="en-US" altLang="en-US" sz="1300" b="0" i="0" u="none" strike="noStrike" cap="none" normalizeH="0" baseline="0" dirty="0">
+                <a:ln>
+                  <a:noFill/>
+                </a:ln>
+                <a:solidFill>
+                  <a:srgbClr val="000000"/>
+                </a:solidFill>
+                <a:effectLst/>
+                <a:latin typeface="Courier New" panose="02070309020205020404" pitchFamily="49" charset="0"/>
+                <a:cs typeface="Courier New" panose="02070309020205020404" pitchFamily="49" charset="0"/>
+              </a:rPr>
+            </a:br>
+            <a:endParaRPr kumimoji="0" lang="en-US" altLang="en-US" sz="1800" b="0" i="0" u="none" strike="noStrike" cap="none" normalizeH="0" baseline="0" dirty="0">
+              <a:ln>
+                <a:noFill/>
+              </a:ln>
+              <a:solidFill>
+                <a:schemeClr val="tx1"/>
+              </a:solidFill>
+              <a:effectLst/>
+              <a:latin typeface="Arial" panose="020B0604020202020204" pitchFamily="34" charset="0"/>
+            </a:endParaRPr>
           </a:p>
         </p:txBody>
       </p:sp>
@@ -17011,14 +17667,16 @@
       </p:sp>
       <p:sp>
         <p:nvSpPr>
-          <p:cNvPr id="344" name="Shape 344"/>
-          <p:cNvSpPr/>
+          <p:cNvPr id="2" name="Rectangle 1"/>
+          <p:cNvSpPr>
+            <a:spLocks noChangeArrowheads="1"/>
+          </p:cNvSpPr>
           <p:nvPr/>
         </p:nvSpPr>
-        <p:spPr>
+        <p:spPr bwMode="auto">
           <a:xfrm>
-            <a:off x="724938" y="3145887"/>
-            <a:ext cx="10824638" cy="2606041"/>
+            <a:off x="724939" y="3156834"/>
+            <a:ext cx="10752358" cy="2246769"/>
           </a:xfrm>
           <a:prstGeom prst="rect">
             <a:avLst/>
@@ -17026,227 +17684,785 @@
           <a:solidFill>
             <a:srgbClr val="FFFFFF"/>
           </a:solidFill>
-          <a:ln w="12700">
-            <a:miter lim="400000"/>
+          <a:ln>
+            <a:noFill/>
           </a:ln>
+          <a:effectLst/>
           <a:extLst>
-            <a:ext uri="{C572A759-6A51-4108-AA02-DFA0A04FC94B}">
-              <ma14:wrappingTextBoxFlag xmlns:ma14="http://schemas.microsoft.com/office/mac/drawingml/2011/main" xmlns="" val="1"/>
+            <a:ext uri="{91240B29-F687-4F45-9708-019B960494DF}">
+              <a14:hiddenLine xmlns:a14="http://schemas.microsoft.com/office/drawing/2010/main" w="9525">
+                <a:solidFill>
+                  <a:schemeClr val="tx1"/>
+                </a:solidFill>
+                <a:miter lim="800000"/>
+                <a:headEnd/>
+                <a:tailEnd/>
+              </a14:hiddenLine>
+            </a:ext>
+            <a:ext uri="{AF507438-7753-43E0-B8FC-AC1667EBCBE1}">
+              <a14:hiddenEffects xmlns:a14="http://schemas.microsoft.com/office/drawing/2010/main">
+                <a:effectLst>
+                  <a:outerShdw dist="35921" dir="2700000" algn="ctr" rotWithShape="0">
+                    <a:schemeClr val="bg2"/>
+                  </a:outerShdw>
+                </a:effectLst>
+              </a14:hiddenEffects>
             </a:ext>
           </a:extLst>
         </p:spPr>
         <p:txBody>
-          <a:bodyPr lIns="45719" rIns="45719" anchor="ctr">
+          <a:bodyPr vert="horz" wrap="square" lIns="91440" tIns="45720" rIns="91440" bIns="45720" numCol="1" anchor="ctr" anchorCtr="0" compatLnSpc="1">
+            <a:prstTxWarp prst="textNoShape">
+              <a:avLst/>
+            </a:prstTxWarp>
             <a:spAutoFit/>
           </a:bodyPr>
           <a:lstStyle/>
           <a:p>
-            <a:pPr>
-              <a:defRPr sz="1600" b="1">
+            <a:pPr marL="0" marR="0" lvl="0" indent="0" algn="l" defTabSz="914400" rtl="0" eaLnBrk="0" fontAlgn="base" latinLnBrk="0" hangingPunct="0">
+              <a:lnSpc>
+                <a:spcPct val="100000"/>
+              </a:lnSpc>
+              <a:spcBef>
+                <a:spcPct val="0"/>
+              </a:spcBef>
+              <a:spcAft>
+                <a:spcPct val="0"/>
+              </a:spcAft>
+              <a:buClrTx/>
+              <a:buSzTx/>
+              <a:buFontTx/>
+              <a:buNone/>
+              <a:tabLst/>
+            </a:pPr>
+            <a:r>
+              <a:rPr kumimoji="0" lang="en-US" altLang="en-US" sz="1400" b="1" i="0" u="none" strike="noStrike" cap="none" normalizeH="0" baseline="0" dirty="0">
+                <a:ln>
+                  <a:noFill/>
+                </a:ln>
                 <a:solidFill>
                   <a:srgbClr val="000080"/>
                 </a:solidFill>
-                <a:latin typeface="Courier New"/>
-                <a:ea typeface="Courier New"/>
-                <a:cs typeface="Courier New"/>
-                <a:sym typeface="Courier New"/>
-              </a:defRPr>
-            </a:pPr>
-            <a:r>
+                <a:effectLst/>
+                <a:latin typeface="Courier New" panose="02070309020205020404" pitchFamily="49" charset="0"/>
+                <a:cs typeface="Courier New" panose="02070309020205020404" pitchFamily="49" charset="0"/>
+              </a:rPr>
               <a:t>private static </a:t>
             </a:r>
             <a:r>
-              <a:rPr b="0">
-                <a:solidFill>
-                  <a:srgbClr val="000000"/>
-                </a:solidFill>
+              <a:rPr kumimoji="0" lang="en-US" altLang="en-US" sz="1400" b="0" i="0" u="none" strike="noStrike" cap="none" normalizeH="0" baseline="0" dirty="0">
+                <a:ln>
+                  <a:noFill/>
+                </a:ln>
+                <a:solidFill>
+                  <a:srgbClr val="000000"/>
+                </a:solidFill>
+                <a:effectLst/>
+                <a:latin typeface="Courier New" panose="02070309020205020404" pitchFamily="49" charset="0"/>
+                <a:cs typeface="Courier New" panose="02070309020205020404" pitchFamily="49" charset="0"/>
               </a:rPr>
               <a:t>String validateAnyPolicyCodeInJava8(List&lt;Reservation&gt; reservations) {</a:t>
             </a:r>
             <a:br>
-              <a:rPr b="0">
-                <a:solidFill>
-                  <a:srgbClr val="000000"/>
-                </a:solidFill>
+              <a:rPr kumimoji="0" lang="en-US" altLang="en-US" sz="1400" b="0" i="0" u="none" strike="noStrike" cap="none" normalizeH="0" baseline="0" dirty="0">
+                <a:ln>
+                  <a:noFill/>
+                </a:ln>
+                <a:solidFill>
+                  <a:srgbClr val="000000"/>
+                </a:solidFill>
+                <a:effectLst/>
+                <a:latin typeface="Courier New" panose="02070309020205020404" pitchFamily="49" charset="0"/>
+                <a:cs typeface="Courier New" panose="02070309020205020404" pitchFamily="49" charset="0"/>
               </a:rPr>
             </a:br>
             <a:r>
-              <a:rPr b="0">
-                <a:solidFill>
-                  <a:srgbClr val="000000"/>
-                </a:solidFill>
+              <a:rPr kumimoji="0" lang="en-US" altLang="en-US" sz="1400" b="0" i="0" u="none" strike="noStrike" cap="none" normalizeH="0" baseline="0" dirty="0">
+                <a:ln>
+                  <a:noFill/>
+                </a:ln>
+                <a:solidFill>
+                  <a:srgbClr val="000000"/>
+                </a:solidFill>
+                <a:effectLst/>
+                <a:latin typeface="Courier New" panose="02070309020205020404" pitchFamily="49" charset="0"/>
+                <a:cs typeface="Courier New" panose="02070309020205020404" pitchFamily="49" charset="0"/>
               </a:rPr>
               <a:t>    </a:t>
             </a:r>
             <a:r>
+              <a:rPr kumimoji="0" lang="en-US" altLang="en-US" sz="1400" b="1" i="0" u="none" strike="noStrike" cap="none" normalizeH="0" baseline="0" dirty="0">
+                <a:ln>
+                  <a:noFill/>
+                </a:ln>
+                <a:solidFill>
+                  <a:srgbClr val="000080"/>
+                </a:solidFill>
+                <a:effectLst/>
+                <a:latin typeface="Courier New" panose="02070309020205020404" pitchFamily="49" charset="0"/>
+                <a:cs typeface="Courier New" panose="02070309020205020404" pitchFamily="49" charset="0"/>
+              </a:rPr>
               <a:t>return </a:t>
             </a:r>
             <a:r>
-              <a:rPr b="0">
-                <a:solidFill>
-                  <a:srgbClr val="000000"/>
-                </a:solidFill>
-              </a:rPr>
-              <a:t>reservations.stream()</a:t>
+              <a:rPr kumimoji="0" lang="en-US" altLang="en-US" sz="1400" b="0" i="0" u="none" strike="noStrike" cap="none" normalizeH="0" baseline="0" dirty="0" err="1">
+                <a:ln>
+                  <a:noFill/>
+                </a:ln>
+                <a:solidFill>
+                  <a:srgbClr val="000000"/>
+                </a:solidFill>
+                <a:effectLst/>
+                <a:latin typeface="Courier New" panose="02070309020205020404" pitchFamily="49" charset="0"/>
+                <a:cs typeface="Courier New" panose="02070309020205020404" pitchFamily="49" charset="0"/>
+              </a:rPr>
+              <a:t>reservations.stream</a:t>
+            </a:r>
+            <a:r>
+              <a:rPr kumimoji="0" lang="en-US" altLang="en-US" sz="1400" b="0" i="0" u="none" strike="noStrike" cap="none" normalizeH="0" baseline="0" dirty="0">
+                <a:ln>
+                  <a:noFill/>
+                </a:ln>
+                <a:solidFill>
+                  <a:srgbClr val="000000"/>
+                </a:solidFill>
+                <a:effectLst/>
+                <a:latin typeface="Courier New" panose="02070309020205020404" pitchFamily="49" charset="0"/>
+                <a:cs typeface="Courier New" panose="02070309020205020404" pitchFamily="49" charset="0"/>
+              </a:rPr>
+              <a:t>()</a:t>
             </a:r>
             <a:br>
-              <a:rPr b="0">
-                <a:solidFill>
-                  <a:srgbClr val="000000"/>
-                </a:solidFill>
+              <a:rPr kumimoji="0" lang="en-US" altLang="en-US" sz="1400" b="0" i="0" u="none" strike="noStrike" cap="none" normalizeH="0" baseline="0" dirty="0">
+                <a:ln>
+                  <a:noFill/>
+                </a:ln>
+                <a:solidFill>
+                  <a:srgbClr val="000000"/>
+                </a:solidFill>
+                <a:effectLst/>
+                <a:latin typeface="Courier New" panose="02070309020205020404" pitchFamily="49" charset="0"/>
+                <a:cs typeface="Courier New" panose="02070309020205020404" pitchFamily="49" charset="0"/>
               </a:rPr>
             </a:br>
             <a:r>
-              <a:rPr b="0">
-                <a:solidFill>
-                  <a:srgbClr val="000000"/>
-                </a:solidFill>
-              </a:rPr>
-              <a:t>            .map(reservation -&gt; reservation.getResComponents())</a:t>
+              <a:rPr kumimoji="0" lang="en-US" altLang="en-US" sz="1400" b="0" i="0" u="none" strike="noStrike" cap="none" normalizeH="0" baseline="0" dirty="0">
+                <a:ln>
+                  <a:noFill/>
+                </a:ln>
+                <a:solidFill>
+                  <a:srgbClr val="000000"/>
+                </a:solidFill>
+                <a:effectLst/>
+                <a:latin typeface="Courier New" panose="02070309020205020404" pitchFamily="49" charset="0"/>
+                <a:cs typeface="Courier New" panose="02070309020205020404" pitchFamily="49" charset="0"/>
+              </a:rPr>
+              <a:t>            .map(reservation -&gt; </a:t>
+            </a:r>
+            <a:r>
+              <a:rPr kumimoji="0" lang="en-US" altLang="en-US" sz="1400" b="0" i="0" u="none" strike="noStrike" cap="none" normalizeH="0" baseline="0" dirty="0" err="1">
+                <a:ln>
+                  <a:noFill/>
+                </a:ln>
+                <a:solidFill>
+                  <a:srgbClr val="000000"/>
+                </a:solidFill>
+                <a:effectLst/>
+                <a:latin typeface="Courier New" panose="02070309020205020404" pitchFamily="49" charset="0"/>
+                <a:cs typeface="Courier New" panose="02070309020205020404" pitchFamily="49" charset="0"/>
+              </a:rPr>
+              <a:t>reservation.getResComponents</a:t>
+            </a:r>
+            <a:r>
+              <a:rPr kumimoji="0" lang="en-US" altLang="en-US" sz="1400" b="0" i="0" u="none" strike="noStrike" cap="none" normalizeH="0" baseline="0" dirty="0">
+                <a:ln>
+                  <a:noFill/>
+                </a:ln>
+                <a:solidFill>
+                  <a:srgbClr val="000000"/>
+                </a:solidFill>
+                <a:effectLst/>
+                <a:latin typeface="Courier New" panose="02070309020205020404" pitchFamily="49" charset="0"/>
+                <a:cs typeface="Courier New" panose="02070309020205020404" pitchFamily="49" charset="0"/>
+              </a:rPr>
+              <a:t>())</a:t>
             </a:r>
             <a:br>
-              <a:rPr b="0">
-                <a:solidFill>
-                  <a:srgbClr val="000000"/>
-                </a:solidFill>
+              <a:rPr kumimoji="0" lang="en-US" altLang="en-US" sz="1400" b="0" i="0" u="none" strike="noStrike" cap="none" normalizeH="0" baseline="0" dirty="0">
+                <a:ln>
+                  <a:noFill/>
+                </a:ln>
+                <a:solidFill>
+                  <a:srgbClr val="000000"/>
+                </a:solidFill>
+                <a:effectLst/>
+                <a:latin typeface="Courier New" panose="02070309020205020404" pitchFamily="49" charset="0"/>
+                <a:cs typeface="Courier New" panose="02070309020205020404" pitchFamily="49" charset="0"/>
               </a:rPr>
             </a:br>
             <a:r>
-              <a:rPr b="0">
-                <a:solidFill>
-                  <a:srgbClr val="000000"/>
-                </a:solidFill>
-              </a:rPr>
-              <a:t>            .flatMap(Collection::stream)</a:t>
+              <a:rPr kumimoji="0" lang="en-US" altLang="en-US" sz="1400" b="0" i="0" u="none" strike="noStrike" cap="none" normalizeH="0" baseline="0" dirty="0">
+                <a:ln>
+                  <a:noFill/>
+                </a:ln>
+                <a:solidFill>
+                  <a:srgbClr val="000000"/>
+                </a:solidFill>
+                <a:effectLst/>
+                <a:latin typeface="Courier New" panose="02070309020205020404" pitchFamily="49" charset="0"/>
+                <a:cs typeface="Courier New" panose="02070309020205020404" pitchFamily="49" charset="0"/>
+              </a:rPr>
+              <a:t>            .</a:t>
+            </a:r>
+            <a:r>
+              <a:rPr kumimoji="0" lang="en-US" altLang="en-US" sz="1400" b="0" i="0" u="none" strike="noStrike" cap="none" normalizeH="0" baseline="0" dirty="0" err="1">
+                <a:ln>
+                  <a:noFill/>
+                </a:ln>
+                <a:solidFill>
+                  <a:srgbClr val="000000"/>
+                </a:solidFill>
+                <a:effectLst/>
+                <a:latin typeface="Courier New" panose="02070309020205020404" pitchFamily="49" charset="0"/>
+                <a:cs typeface="Courier New" panose="02070309020205020404" pitchFamily="49" charset="0"/>
+              </a:rPr>
+              <a:t>flatMap</a:t>
+            </a:r>
+            <a:r>
+              <a:rPr kumimoji="0" lang="en-US" altLang="en-US" sz="1400" b="0" i="0" u="none" strike="noStrike" cap="none" normalizeH="0" baseline="0" dirty="0">
+                <a:ln>
+                  <a:noFill/>
+                </a:ln>
+                <a:solidFill>
+                  <a:srgbClr val="000000"/>
+                </a:solidFill>
+                <a:effectLst/>
+                <a:latin typeface="Courier New" panose="02070309020205020404" pitchFamily="49" charset="0"/>
+                <a:cs typeface="Courier New" panose="02070309020205020404" pitchFamily="49" charset="0"/>
+              </a:rPr>
+              <a:t>(</a:t>
+            </a:r>
+            <a:r>
+              <a:rPr kumimoji="0" lang="en-US" altLang="en-US" sz="1400" b="0" i="0" u="none" strike="noStrike" cap="none" normalizeH="0" baseline="0" dirty="0" err="1">
+                <a:ln>
+                  <a:noFill/>
+                </a:ln>
+                <a:solidFill>
+                  <a:srgbClr val="000000"/>
+                </a:solidFill>
+                <a:effectLst/>
+                <a:latin typeface="Courier New" panose="02070309020205020404" pitchFamily="49" charset="0"/>
+                <a:cs typeface="Courier New" panose="02070309020205020404" pitchFamily="49" charset="0"/>
+              </a:rPr>
+              <a:t>resComponentList</a:t>
+            </a:r>
+            <a:r>
+              <a:rPr kumimoji="0" lang="en-US" altLang="en-US" sz="1400" b="0" i="0" u="none" strike="noStrike" cap="none" normalizeH="0" baseline="0" dirty="0">
+                <a:ln>
+                  <a:noFill/>
+                </a:ln>
+                <a:solidFill>
+                  <a:srgbClr val="000000"/>
+                </a:solidFill>
+                <a:effectLst/>
+                <a:latin typeface="Courier New" panose="02070309020205020404" pitchFamily="49" charset="0"/>
+                <a:cs typeface="Courier New" panose="02070309020205020404" pitchFamily="49" charset="0"/>
+              </a:rPr>
+              <a:t> -&gt; </a:t>
+            </a:r>
+            <a:r>
+              <a:rPr kumimoji="0" lang="en-US" altLang="en-US" sz="1400" b="0" i="0" u="none" strike="noStrike" cap="none" normalizeH="0" baseline="0" dirty="0" err="1">
+                <a:ln>
+                  <a:noFill/>
+                </a:ln>
+                <a:solidFill>
+                  <a:srgbClr val="000000"/>
+                </a:solidFill>
+                <a:effectLst/>
+                <a:latin typeface="Courier New" panose="02070309020205020404" pitchFamily="49" charset="0"/>
+                <a:cs typeface="Courier New" panose="02070309020205020404" pitchFamily="49" charset="0"/>
+              </a:rPr>
+              <a:t>resComponentList.stream</a:t>
+            </a:r>
+            <a:r>
+              <a:rPr kumimoji="0" lang="en-US" altLang="en-US" sz="1400" b="0" i="0" u="none" strike="noStrike" cap="none" normalizeH="0" baseline="0" dirty="0">
+                <a:ln>
+                  <a:noFill/>
+                </a:ln>
+                <a:solidFill>
+                  <a:srgbClr val="000000"/>
+                </a:solidFill>
+                <a:effectLst/>
+                <a:latin typeface="Courier New" panose="02070309020205020404" pitchFamily="49" charset="0"/>
+                <a:cs typeface="Courier New" panose="02070309020205020404" pitchFamily="49" charset="0"/>
+              </a:rPr>
+              <a:t>())</a:t>
             </a:r>
             <a:br>
-              <a:rPr b="0">
-                <a:solidFill>
-                  <a:srgbClr val="000000"/>
-                </a:solidFill>
+              <a:rPr kumimoji="0" lang="en-US" altLang="en-US" sz="1400" b="0" i="0" u="none" strike="noStrike" cap="none" normalizeH="0" baseline="0" dirty="0">
+                <a:ln>
+                  <a:noFill/>
+                </a:ln>
+                <a:solidFill>
+                  <a:srgbClr val="000000"/>
+                </a:solidFill>
+                <a:effectLst/>
+                <a:latin typeface="Courier New" panose="02070309020205020404" pitchFamily="49" charset="0"/>
+                <a:cs typeface="Courier New" panose="02070309020205020404" pitchFamily="49" charset="0"/>
               </a:rPr>
             </a:br>
             <a:r>
-              <a:rPr b="0">
-                <a:solidFill>
-                  <a:srgbClr val="000000"/>
-                </a:solidFill>
-              </a:rPr>
-              <a:t>            .map(resComponent -&gt; resComponent.getPolicies())</a:t>
+              <a:rPr kumimoji="0" lang="en-US" altLang="en-US" sz="1400" b="0" i="0" u="none" strike="noStrike" cap="none" normalizeH="0" baseline="0" dirty="0">
+                <a:ln>
+                  <a:noFill/>
+                </a:ln>
+                <a:solidFill>
+                  <a:srgbClr val="000000"/>
+                </a:solidFill>
+                <a:effectLst/>
+                <a:latin typeface="Courier New" panose="02070309020205020404" pitchFamily="49" charset="0"/>
+                <a:cs typeface="Courier New" panose="02070309020205020404" pitchFamily="49" charset="0"/>
+              </a:rPr>
+              <a:t>            .map(</a:t>
+            </a:r>
+            <a:r>
+              <a:rPr kumimoji="0" lang="en-US" altLang="en-US" sz="1400" b="0" i="0" u="none" strike="noStrike" cap="none" normalizeH="0" baseline="0" dirty="0" err="1">
+                <a:ln>
+                  <a:noFill/>
+                </a:ln>
+                <a:solidFill>
+                  <a:srgbClr val="000000"/>
+                </a:solidFill>
+                <a:effectLst/>
+                <a:latin typeface="Courier New" panose="02070309020205020404" pitchFamily="49" charset="0"/>
+                <a:cs typeface="Courier New" panose="02070309020205020404" pitchFamily="49" charset="0"/>
+              </a:rPr>
+              <a:t>resComponent</a:t>
+            </a:r>
+            <a:r>
+              <a:rPr kumimoji="0" lang="en-US" altLang="en-US" sz="1400" b="0" i="0" u="none" strike="noStrike" cap="none" normalizeH="0" baseline="0" dirty="0">
+                <a:ln>
+                  <a:noFill/>
+                </a:ln>
+                <a:solidFill>
+                  <a:srgbClr val="000000"/>
+                </a:solidFill>
+                <a:effectLst/>
+                <a:latin typeface="Courier New" panose="02070309020205020404" pitchFamily="49" charset="0"/>
+                <a:cs typeface="Courier New" panose="02070309020205020404" pitchFamily="49" charset="0"/>
+              </a:rPr>
+              <a:t> -&gt; </a:t>
+            </a:r>
+            <a:r>
+              <a:rPr kumimoji="0" lang="en-US" altLang="en-US" sz="1400" b="0" i="0" u="none" strike="noStrike" cap="none" normalizeH="0" baseline="0" dirty="0" err="1">
+                <a:ln>
+                  <a:noFill/>
+                </a:ln>
+                <a:solidFill>
+                  <a:srgbClr val="000000"/>
+                </a:solidFill>
+                <a:effectLst/>
+                <a:latin typeface="Courier New" panose="02070309020205020404" pitchFamily="49" charset="0"/>
+                <a:cs typeface="Courier New" panose="02070309020205020404" pitchFamily="49" charset="0"/>
+              </a:rPr>
+              <a:t>resComponent.getPolicies</a:t>
+            </a:r>
+            <a:r>
+              <a:rPr kumimoji="0" lang="en-US" altLang="en-US" sz="1400" b="0" i="0" u="none" strike="noStrike" cap="none" normalizeH="0" baseline="0" dirty="0">
+                <a:ln>
+                  <a:noFill/>
+                </a:ln>
+                <a:solidFill>
+                  <a:srgbClr val="000000"/>
+                </a:solidFill>
+                <a:effectLst/>
+                <a:latin typeface="Courier New" panose="02070309020205020404" pitchFamily="49" charset="0"/>
+                <a:cs typeface="Courier New" panose="02070309020205020404" pitchFamily="49" charset="0"/>
+              </a:rPr>
+              <a:t>())</a:t>
             </a:r>
             <a:br>
-              <a:rPr b="0">
-                <a:solidFill>
-                  <a:srgbClr val="000000"/>
-                </a:solidFill>
+              <a:rPr kumimoji="0" lang="en-US" altLang="en-US" sz="1400" b="0" i="0" u="none" strike="noStrike" cap="none" normalizeH="0" baseline="0" dirty="0">
+                <a:ln>
+                  <a:noFill/>
+                </a:ln>
+                <a:solidFill>
+                  <a:srgbClr val="000000"/>
+                </a:solidFill>
+                <a:effectLst/>
+                <a:latin typeface="Courier New" panose="02070309020205020404" pitchFamily="49" charset="0"/>
+                <a:cs typeface="Courier New" panose="02070309020205020404" pitchFamily="49" charset="0"/>
               </a:rPr>
             </a:br>
             <a:r>
-              <a:rPr b="0">
-                <a:solidFill>
-                  <a:srgbClr val="000000"/>
-                </a:solidFill>
-              </a:rPr>
-              <a:t>            .flatMap(Collection::stream)</a:t>
+              <a:rPr kumimoji="0" lang="en-US" altLang="en-US" sz="1400" b="0" i="0" u="none" strike="noStrike" cap="none" normalizeH="0" baseline="0" dirty="0">
+                <a:ln>
+                  <a:noFill/>
+                </a:ln>
+                <a:solidFill>
+                  <a:srgbClr val="000000"/>
+                </a:solidFill>
+                <a:effectLst/>
+                <a:latin typeface="Courier New" panose="02070309020205020404" pitchFamily="49" charset="0"/>
+                <a:cs typeface="Courier New" panose="02070309020205020404" pitchFamily="49" charset="0"/>
+              </a:rPr>
+              <a:t>            .</a:t>
+            </a:r>
+            <a:r>
+              <a:rPr kumimoji="0" lang="en-US" altLang="en-US" sz="1400" b="0" i="0" u="none" strike="noStrike" cap="none" normalizeH="0" baseline="0" dirty="0" err="1">
+                <a:ln>
+                  <a:noFill/>
+                </a:ln>
+                <a:solidFill>
+                  <a:srgbClr val="000000"/>
+                </a:solidFill>
+                <a:effectLst/>
+                <a:latin typeface="Courier New" panose="02070309020205020404" pitchFamily="49" charset="0"/>
+                <a:cs typeface="Courier New" panose="02070309020205020404" pitchFamily="49" charset="0"/>
+              </a:rPr>
+              <a:t>flatMap</a:t>
+            </a:r>
+            <a:r>
+              <a:rPr kumimoji="0" lang="en-US" altLang="en-US" sz="1400" b="0" i="0" u="none" strike="noStrike" cap="none" normalizeH="0" baseline="0" dirty="0">
+                <a:ln>
+                  <a:noFill/>
+                </a:ln>
+                <a:solidFill>
+                  <a:srgbClr val="000000"/>
+                </a:solidFill>
+                <a:effectLst/>
+                <a:latin typeface="Courier New" panose="02070309020205020404" pitchFamily="49" charset="0"/>
+                <a:cs typeface="Courier New" panose="02070309020205020404" pitchFamily="49" charset="0"/>
+              </a:rPr>
+              <a:t>(</a:t>
+            </a:r>
+            <a:r>
+              <a:rPr kumimoji="0" lang="en-US" altLang="en-US" sz="1400" b="0" i="0" u="none" strike="noStrike" cap="none" normalizeH="0" baseline="0" dirty="0" err="1">
+                <a:ln>
+                  <a:noFill/>
+                </a:ln>
+                <a:solidFill>
+                  <a:srgbClr val="000000"/>
+                </a:solidFill>
+                <a:effectLst/>
+                <a:latin typeface="Courier New" panose="02070309020205020404" pitchFamily="49" charset="0"/>
+                <a:cs typeface="Courier New" panose="02070309020205020404" pitchFamily="49" charset="0"/>
+              </a:rPr>
+              <a:t>policyList</a:t>
+            </a:r>
+            <a:r>
+              <a:rPr kumimoji="0" lang="en-US" altLang="en-US" sz="1400" b="0" i="0" u="none" strike="noStrike" cap="none" normalizeH="0" baseline="0" dirty="0">
+                <a:ln>
+                  <a:noFill/>
+                </a:ln>
+                <a:solidFill>
+                  <a:srgbClr val="000000"/>
+                </a:solidFill>
+                <a:effectLst/>
+                <a:latin typeface="Courier New" panose="02070309020205020404" pitchFamily="49" charset="0"/>
+                <a:cs typeface="Courier New" panose="02070309020205020404" pitchFamily="49" charset="0"/>
+              </a:rPr>
+              <a:t> -&gt; </a:t>
+            </a:r>
+            <a:r>
+              <a:rPr kumimoji="0" lang="en-US" altLang="en-US" sz="1400" b="0" i="0" u="none" strike="noStrike" cap="none" normalizeH="0" baseline="0" dirty="0" err="1">
+                <a:ln>
+                  <a:noFill/>
+                </a:ln>
+                <a:solidFill>
+                  <a:srgbClr val="000000"/>
+                </a:solidFill>
+                <a:effectLst/>
+                <a:latin typeface="Courier New" panose="02070309020205020404" pitchFamily="49" charset="0"/>
+                <a:cs typeface="Courier New" panose="02070309020205020404" pitchFamily="49" charset="0"/>
+              </a:rPr>
+              <a:t>policyList.stream</a:t>
+            </a:r>
+            <a:r>
+              <a:rPr kumimoji="0" lang="en-US" altLang="en-US" sz="1400" b="0" i="0" u="none" strike="noStrike" cap="none" normalizeH="0" baseline="0" dirty="0">
+                <a:ln>
+                  <a:noFill/>
+                </a:ln>
+                <a:solidFill>
+                  <a:srgbClr val="000000"/>
+                </a:solidFill>
+                <a:effectLst/>
+                <a:latin typeface="Courier New" panose="02070309020205020404" pitchFamily="49" charset="0"/>
+                <a:cs typeface="Courier New" panose="02070309020205020404" pitchFamily="49" charset="0"/>
+              </a:rPr>
+              <a:t>())</a:t>
             </a:r>
             <a:br>
-              <a:rPr b="0">
-                <a:solidFill>
-                  <a:srgbClr val="000000"/>
-                </a:solidFill>
+              <a:rPr kumimoji="0" lang="en-US" altLang="en-US" sz="1400" b="0" i="0" u="none" strike="noStrike" cap="none" normalizeH="0" baseline="0" dirty="0">
+                <a:ln>
+                  <a:noFill/>
+                </a:ln>
+                <a:solidFill>
+                  <a:srgbClr val="000000"/>
+                </a:solidFill>
+                <a:effectLst/>
+                <a:latin typeface="Courier New" panose="02070309020205020404" pitchFamily="49" charset="0"/>
+                <a:cs typeface="Courier New" panose="02070309020205020404" pitchFamily="49" charset="0"/>
               </a:rPr>
             </a:br>
             <a:r>
-              <a:rPr b="0">
-                <a:solidFill>
-                  <a:srgbClr val="000000"/>
-                </a:solidFill>
-              </a:rPr>
-              <a:t>            .map(Policy::getPolicyCode)</a:t>
+              <a:rPr kumimoji="0" lang="en-US" altLang="en-US" sz="1400" b="0" i="0" u="none" strike="noStrike" cap="none" normalizeH="0" baseline="0" dirty="0">
+                <a:ln>
+                  <a:noFill/>
+                </a:ln>
+                <a:solidFill>
+                  <a:srgbClr val="000000"/>
+                </a:solidFill>
+                <a:effectLst/>
+                <a:latin typeface="Courier New" panose="02070309020205020404" pitchFamily="49" charset="0"/>
+                <a:cs typeface="Courier New" panose="02070309020205020404" pitchFamily="49" charset="0"/>
+              </a:rPr>
+              <a:t>            .map(Policy::</a:t>
+            </a:r>
+            <a:r>
+              <a:rPr kumimoji="0" lang="en-US" altLang="en-US" sz="1400" b="0" i="0" u="none" strike="noStrike" cap="none" normalizeH="0" baseline="0" dirty="0" err="1">
+                <a:ln>
+                  <a:noFill/>
+                </a:ln>
+                <a:solidFill>
+                  <a:srgbClr val="000000"/>
+                </a:solidFill>
+                <a:effectLst/>
+                <a:latin typeface="Courier New" panose="02070309020205020404" pitchFamily="49" charset="0"/>
+                <a:cs typeface="Courier New" panose="02070309020205020404" pitchFamily="49" charset="0"/>
+              </a:rPr>
+              <a:t>getPolicyCode</a:t>
+            </a:r>
+            <a:r>
+              <a:rPr kumimoji="0" lang="en-US" altLang="en-US" sz="1400" b="0" i="0" u="none" strike="noStrike" cap="none" normalizeH="0" baseline="0" dirty="0">
+                <a:ln>
+                  <a:noFill/>
+                </a:ln>
+                <a:solidFill>
+                  <a:srgbClr val="000000"/>
+                </a:solidFill>
+                <a:effectLst/>
+                <a:latin typeface="Courier New" panose="02070309020205020404" pitchFamily="49" charset="0"/>
+                <a:cs typeface="Courier New" panose="02070309020205020404" pitchFamily="49" charset="0"/>
+              </a:rPr>
+              <a:t>)</a:t>
             </a:r>
             <a:br>
-              <a:rPr b="0">
-                <a:solidFill>
-                  <a:srgbClr val="000000"/>
-                </a:solidFill>
+              <a:rPr kumimoji="0" lang="en-US" altLang="en-US" sz="1400" b="0" i="0" u="none" strike="noStrike" cap="none" normalizeH="0" baseline="0" dirty="0">
+                <a:ln>
+                  <a:noFill/>
+                </a:ln>
+                <a:solidFill>
+                  <a:srgbClr val="000000"/>
+                </a:solidFill>
+                <a:effectLst/>
+                <a:latin typeface="Courier New" panose="02070309020205020404" pitchFamily="49" charset="0"/>
+                <a:cs typeface="Courier New" panose="02070309020205020404" pitchFamily="49" charset="0"/>
               </a:rPr>
             </a:br>
             <a:r>
-              <a:rPr b="0">
-                <a:solidFill>
-                  <a:srgbClr val="000000"/>
-                </a:solidFill>
-              </a:rPr>
-              <a:t>            .findAny()</a:t>
+              <a:rPr kumimoji="0" lang="en-US" altLang="en-US" sz="1400" b="0" i="0" u="none" strike="noStrike" cap="none" normalizeH="0" baseline="0" dirty="0">
+                <a:ln>
+                  <a:noFill/>
+                </a:ln>
+                <a:solidFill>
+                  <a:srgbClr val="000000"/>
+                </a:solidFill>
+                <a:effectLst/>
+                <a:latin typeface="Courier New" panose="02070309020205020404" pitchFamily="49" charset="0"/>
+                <a:cs typeface="Courier New" panose="02070309020205020404" pitchFamily="49" charset="0"/>
+              </a:rPr>
+              <a:t>            .</a:t>
+            </a:r>
+            <a:r>
+              <a:rPr kumimoji="0" lang="en-US" altLang="en-US" sz="1400" b="0" i="0" u="none" strike="noStrike" cap="none" normalizeH="0" baseline="0" dirty="0" err="1">
+                <a:ln>
+                  <a:noFill/>
+                </a:ln>
+                <a:solidFill>
+                  <a:srgbClr val="000000"/>
+                </a:solidFill>
+                <a:effectLst/>
+                <a:latin typeface="Courier New" panose="02070309020205020404" pitchFamily="49" charset="0"/>
+                <a:cs typeface="Courier New" panose="02070309020205020404" pitchFamily="49" charset="0"/>
+              </a:rPr>
+              <a:t>findAny</a:t>
+            </a:r>
+            <a:r>
+              <a:rPr kumimoji="0" lang="en-US" altLang="en-US" sz="1400" b="0" i="0" u="none" strike="noStrike" cap="none" normalizeH="0" baseline="0" dirty="0">
+                <a:ln>
+                  <a:noFill/>
+                </a:ln>
+                <a:solidFill>
+                  <a:srgbClr val="000000"/>
+                </a:solidFill>
+                <a:effectLst/>
+                <a:latin typeface="Courier New" panose="02070309020205020404" pitchFamily="49" charset="0"/>
+                <a:cs typeface="Courier New" panose="02070309020205020404" pitchFamily="49" charset="0"/>
+              </a:rPr>
+              <a:t>()</a:t>
             </a:r>
             <a:br>
-              <a:rPr b="0">
-                <a:solidFill>
-                  <a:srgbClr val="000000"/>
-                </a:solidFill>
+              <a:rPr kumimoji="0" lang="en-US" altLang="en-US" sz="1400" b="0" i="0" u="none" strike="noStrike" cap="none" normalizeH="0" baseline="0" dirty="0">
+                <a:ln>
+                  <a:noFill/>
+                </a:ln>
+                <a:solidFill>
+                  <a:srgbClr val="000000"/>
+                </a:solidFill>
+                <a:effectLst/>
+                <a:latin typeface="Courier New" panose="02070309020205020404" pitchFamily="49" charset="0"/>
+                <a:cs typeface="Courier New" panose="02070309020205020404" pitchFamily="49" charset="0"/>
               </a:rPr>
             </a:br>
             <a:r>
-              <a:rPr b="0">
-                <a:solidFill>
-                  <a:srgbClr val="000000"/>
-                </a:solidFill>
-              </a:rPr>
-              <a:t>            .orElseThrow(() -&gt; </a:t>
-            </a:r>
-            <a:r>
+              <a:rPr kumimoji="0" lang="en-US" altLang="en-US" sz="1400" b="0" i="0" u="none" strike="noStrike" cap="none" normalizeH="0" baseline="0" dirty="0">
+                <a:ln>
+                  <a:noFill/>
+                </a:ln>
+                <a:solidFill>
+                  <a:srgbClr val="000000"/>
+                </a:solidFill>
+                <a:effectLst/>
+                <a:latin typeface="Courier New" panose="02070309020205020404" pitchFamily="49" charset="0"/>
+                <a:cs typeface="Courier New" panose="02070309020205020404" pitchFamily="49" charset="0"/>
+              </a:rPr>
+              <a:t>            .</a:t>
+            </a:r>
+            <a:r>
+              <a:rPr kumimoji="0" lang="en-US" altLang="en-US" sz="1400" b="0" i="0" u="none" strike="noStrike" cap="none" normalizeH="0" baseline="0" dirty="0" err="1">
+                <a:ln>
+                  <a:noFill/>
+                </a:ln>
+                <a:solidFill>
+                  <a:srgbClr val="000000"/>
+                </a:solidFill>
+                <a:effectLst/>
+                <a:latin typeface="Courier New" panose="02070309020205020404" pitchFamily="49" charset="0"/>
+                <a:cs typeface="Courier New" panose="02070309020205020404" pitchFamily="49" charset="0"/>
+              </a:rPr>
+              <a:t>orElseThrow</a:t>
+            </a:r>
+            <a:r>
+              <a:rPr kumimoji="0" lang="en-US" altLang="en-US" sz="1400" b="0" i="0" u="none" strike="noStrike" cap="none" normalizeH="0" baseline="0" dirty="0">
+                <a:ln>
+                  <a:noFill/>
+                </a:ln>
+                <a:solidFill>
+                  <a:srgbClr val="000000"/>
+                </a:solidFill>
+                <a:effectLst/>
+                <a:latin typeface="Courier New" panose="02070309020205020404" pitchFamily="49" charset="0"/>
+                <a:cs typeface="Courier New" panose="02070309020205020404" pitchFamily="49" charset="0"/>
+              </a:rPr>
+              <a:t>(() -&gt; </a:t>
+            </a:r>
+            <a:r>
+              <a:rPr kumimoji="0" lang="en-US" altLang="en-US" sz="1400" b="1" i="0" u="none" strike="noStrike" cap="none" normalizeH="0" baseline="0" dirty="0">
+                <a:ln>
+                  <a:noFill/>
+                </a:ln>
+                <a:solidFill>
+                  <a:srgbClr val="000080"/>
+                </a:solidFill>
+                <a:effectLst/>
+                <a:latin typeface="Courier New" panose="02070309020205020404" pitchFamily="49" charset="0"/>
+                <a:cs typeface="Courier New" panose="02070309020205020404" pitchFamily="49" charset="0"/>
+              </a:rPr>
               <a:t>new </a:t>
             </a:r>
             <a:r>
-              <a:rPr b="0">
-                <a:solidFill>
-                  <a:srgbClr val="000000"/>
-                </a:solidFill>
-              </a:rPr>
-              <a:t>AnyException(</a:t>
-            </a:r>
-            <a:r>
-              <a:rPr>
+              <a:rPr kumimoji="0" lang="en-US" altLang="en-US" sz="1400" b="0" i="0" u="none" strike="noStrike" cap="none" normalizeH="0" baseline="0" dirty="0" err="1">
+                <a:ln>
+                  <a:noFill/>
+                </a:ln>
+                <a:solidFill>
+                  <a:srgbClr val="000000"/>
+                </a:solidFill>
+                <a:effectLst/>
+                <a:latin typeface="Courier New" panose="02070309020205020404" pitchFamily="49" charset="0"/>
+                <a:cs typeface="Courier New" panose="02070309020205020404" pitchFamily="49" charset="0"/>
+              </a:rPr>
+              <a:t>AnyException</a:t>
+            </a:r>
+            <a:r>
+              <a:rPr kumimoji="0" lang="en-US" altLang="en-US" sz="1400" b="0" i="0" u="none" strike="noStrike" cap="none" normalizeH="0" baseline="0" dirty="0">
+                <a:ln>
+                  <a:noFill/>
+                </a:ln>
+                <a:solidFill>
+                  <a:srgbClr val="000000"/>
+                </a:solidFill>
+                <a:effectLst/>
+                <a:latin typeface="Courier New" panose="02070309020205020404" pitchFamily="49" charset="0"/>
+                <a:cs typeface="Courier New" panose="02070309020205020404" pitchFamily="49" charset="0"/>
+              </a:rPr>
+              <a:t>(</a:t>
+            </a:r>
+            <a:r>
+              <a:rPr kumimoji="0" lang="en-US" altLang="en-US" sz="1400" b="1" i="0" u="none" strike="noStrike" cap="none" normalizeH="0" baseline="0" dirty="0">
+                <a:ln>
+                  <a:noFill/>
+                </a:ln>
                 <a:solidFill>
                   <a:srgbClr val="008000"/>
                 </a:solidFill>
+                <a:effectLst/>
+                <a:latin typeface="Courier New" panose="02070309020205020404" pitchFamily="49" charset="0"/>
+                <a:cs typeface="Courier New" panose="02070309020205020404" pitchFamily="49" charset="0"/>
               </a:rPr>
               <a:t>"there is no policy code"</a:t>
             </a:r>
             <a:r>
-              <a:rPr b="0">
-                <a:solidFill>
-                  <a:srgbClr val="000000"/>
-                </a:solidFill>
+              <a:rPr kumimoji="0" lang="en-US" altLang="en-US" sz="1400" b="0" i="0" u="none" strike="noStrike" cap="none" normalizeH="0" baseline="0" dirty="0">
+                <a:ln>
+                  <a:noFill/>
+                </a:ln>
+                <a:solidFill>
+                  <a:srgbClr val="000000"/>
+                </a:solidFill>
+                <a:effectLst/>
+                <a:latin typeface="Courier New" panose="02070309020205020404" pitchFamily="49" charset="0"/>
+                <a:cs typeface="Courier New" panose="02070309020205020404" pitchFamily="49" charset="0"/>
               </a:rPr>
               <a:t>));</a:t>
             </a:r>
             <a:br>
-              <a:rPr b="0">
-                <a:solidFill>
-                  <a:srgbClr val="000000"/>
-                </a:solidFill>
+              <a:rPr kumimoji="0" lang="en-US" altLang="en-US" sz="1400" b="0" i="0" u="none" strike="noStrike" cap="none" normalizeH="0" baseline="0" dirty="0">
+                <a:ln>
+                  <a:noFill/>
+                </a:ln>
+                <a:solidFill>
+                  <a:srgbClr val="000000"/>
+                </a:solidFill>
+                <a:effectLst/>
+                <a:latin typeface="Courier New" panose="02070309020205020404" pitchFamily="49" charset="0"/>
+                <a:cs typeface="Courier New" panose="02070309020205020404" pitchFamily="49" charset="0"/>
               </a:rPr>
             </a:br>
             <a:r>
-              <a:rPr b="0">
-                <a:solidFill>
-                  <a:srgbClr val="000000"/>
-                </a:solidFill>
+              <a:rPr kumimoji="0" lang="en-US" altLang="en-US" sz="1400" b="0" i="0" u="none" strike="noStrike" cap="none" normalizeH="0" baseline="0" dirty="0">
+                <a:ln>
+                  <a:noFill/>
+                </a:ln>
+                <a:solidFill>
+                  <a:srgbClr val="000000"/>
+                </a:solidFill>
+                <a:effectLst/>
+                <a:latin typeface="Courier New" panose="02070309020205020404" pitchFamily="49" charset="0"/>
+                <a:cs typeface="Courier New" panose="02070309020205020404" pitchFamily="49" charset="0"/>
               </a:rPr>
               <a:t>}</a:t>
             </a:r>
-            <a:br>
-              <a:rPr b="0">
-                <a:solidFill>
-                  <a:srgbClr val="000000"/>
-                </a:solidFill>
-              </a:rPr>
-            </a:br>
-            <a:endParaRPr b="0">
+            <a:endParaRPr kumimoji="0" lang="en-US" altLang="en-US" sz="1400" b="0" i="0" u="none" strike="noStrike" cap="none" normalizeH="0" baseline="0" dirty="0">
+              <a:ln>
+                <a:noFill/>
+              </a:ln>
               <a:solidFill>
-                <a:srgbClr val="000000"/>
+                <a:schemeClr val="tx1"/>
               </a:solidFill>
+              <a:effectLst/>
+              <a:latin typeface="Arial" panose="020B0604020202020204" pitchFamily="34" charset="0"/>
             </a:endParaRPr>
           </a:p>
         </p:txBody>

--- a/Java 8 & TDP.pptx
+++ b/Java 8 & TDP.pptx
@@ -27,10 +27,10 @@
     <p:sldId id="275" r:id="rId18"/>
     <p:sldId id="276" r:id="rId19"/>
     <p:sldId id="277" r:id="rId20"/>
-    <p:sldId id="278" r:id="rId21"/>
-    <p:sldId id="279" r:id="rId22"/>
-    <p:sldId id="281" r:id="rId23"/>
-    <p:sldId id="282" r:id="rId24"/>
+    <p:sldId id="279" r:id="rId21"/>
+    <p:sldId id="281" r:id="rId22"/>
+    <p:sldId id="282" r:id="rId23"/>
+    <p:sldId id="278" r:id="rId24"/>
     <p:sldId id="310" r:id="rId25"/>
     <p:sldId id="283" r:id="rId26"/>
     <p:sldId id="284" r:id="rId27"/>
@@ -1093,6 +1093,10 @@
           </p:nvPr>
         </p:nvSpPr>
         <p:spPr>
+          <a:xfrm>
+            <a:off x="381000" y="685800"/>
+            <a:ext cx="6096000" cy="3429000"/>
+          </a:xfrm>
           <a:prstGeom prst="rect">
             <a:avLst/>
           </a:prstGeom>
@@ -1125,8 +1129,78 @@
           <a:lstStyle/>
           <a:p>
             <a:r>
-              <a:t>Some example where real exception needs to be thrown </a:t>
-            </a:r>
+              <a:rPr lang="en-IE" sz="1200" b="0" i="0" dirty="0">
+                <a:effectLst/>
+                <a:latin typeface="+mn-lt"/>
+                <a:ea typeface="+mn-ea"/>
+                <a:cs typeface="+mn-cs"/>
+                <a:sym typeface="Calibri"/>
+              </a:rPr>
+              <a:t>Optional is not meant to be used in these contexts</a:t>
+            </a:r>
+          </a:p>
+          <a:p>
+            <a:endParaRPr lang="en-IE" sz="1200" b="0" i="0" dirty="0">
+              <a:effectLst/>
+              <a:latin typeface="+mn-lt"/>
+              <a:ea typeface="+mn-ea"/>
+              <a:cs typeface="+mn-cs"/>
+              <a:sym typeface="Calibri"/>
+            </a:endParaRPr>
+          </a:p>
+          <a:p>
+            <a:r>
+              <a:rPr lang="en-IE" sz="1200" b="0" i="0" dirty="0">
+                <a:effectLst/>
+                <a:latin typeface="+mn-lt"/>
+                <a:ea typeface="+mn-ea"/>
+                <a:cs typeface="+mn-cs"/>
+                <a:sym typeface="Calibri"/>
+              </a:rPr>
+              <a:t>in the domain model layer (not serializable)</a:t>
+            </a:r>
+          </a:p>
+          <a:p>
+            <a:r>
+              <a:rPr lang="en-IE" sz="1200" b="0" i="0" dirty="0">
+                <a:effectLst/>
+                <a:latin typeface="+mn-lt"/>
+                <a:ea typeface="+mn-ea"/>
+                <a:cs typeface="+mn-cs"/>
+                <a:sym typeface="Calibri"/>
+              </a:rPr>
+              <a:t>in DTOs (same reason)</a:t>
+            </a:r>
+          </a:p>
+          <a:p>
+            <a:r>
+              <a:rPr lang="en-IE" sz="1200" b="0" i="0" dirty="0">
+                <a:effectLst/>
+                <a:latin typeface="+mn-lt"/>
+                <a:ea typeface="+mn-ea"/>
+                <a:cs typeface="+mn-cs"/>
+                <a:sym typeface="Calibri"/>
+              </a:rPr>
+              <a:t>in input parameters of methods</a:t>
+            </a:r>
+          </a:p>
+          <a:p>
+            <a:r>
+              <a:rPr lang="en-IE" sz="1200" b="0" i="0" dirty="0">
+                <a:effectLst/>
+                <a:latin typeface="+mn-lt"/>
+                <a:ea typeface="+mn-ea"/>
+                <a:cs typeface="+mn-cs"/>
+                <a:sym typeface="Calibri"/>
+              </a:rPr>
+              <a:t>in constructor parameters</a:t>
+            </a:r>
+          </a:p>
+          <a:p>
+            <a:br>
+              <a:rPr lang="en-IE" dirty="0"/>
+            </a:br>
+            <a:endParaRPr dirty="0"/>
           </a:p>
         </p:txBody>
       </p:sp>
@@ -8569,345 +8643,6 @@
       </p:grpSpPr>
       <p:sp>
         <p:nvSpPr>
-          <p:cNvPr id="236" name="Shape 236"/>
-          <p:cNvSpPr>
-            <a:spLocks noGrp="1"/>
-          </p:cNvSpPr>
-          <p:nvPr>
-            <p:ph type="body" sz="quarter" idx="1"/>
-          </p:nvPr>
-        </p:nvSpPr>
-        <p:spPr>
-          <a:xfrm>
-            <a:off x="724940" y="1009430"/>
-            <a:ext cx="7998646" cy="472529"/>
-          </a:xfrm>
-          <a:prstGeom prst="rect">
-            <a:avLst/>
-          </a:prstGeom>
-        </p:spPr>
-        <p:txBody>
-          <a:bodyPr>
-            <a:noAutofit/>
-          </a:bodyPr>
-          <a:lstStyle>
-            <a:lvl1pPr defTabSz="594359">
-              <a:spcBef>
-                <a:spcPts val="600"/>
-              </a:spcBef>
-              <a:defRPr sz="2600" b="1"/>
-            </a:lvl1pPr>
-          </a:lstStyle>
-          <a:p>
-            <a:r>
-              <a:rPr sz="4400" b="0" dirty="0"/>
-              <a:t>How to understand Stream</a:t>
-            </a:r>
-          </a:p>
-        </p:txBody>
-      </p:sp>
-      <p:sp>
-        <p:nvSpPr>
-          <p:cNvPr id="237" name="Shape 237"/>
-          <p:cNvSpPr>
-            <a:spLocks noGrp="1"/>
-          </p:cNvSpPr>
-          <p:nvPr>
-            <p:ph type="body" idx="13"/>
-          </p:nvPr>
-        </p:nvSpPr>
-        <p:spPr>
-          <a:xfrm>
-            <a:off x="724940" y="1987818"/>
-            <a:ext cx="8439610" cy="4279418"/>
-          </a:xfrm>
-          <a:prstGeom prst="rect">
-            <a:avLst/>
-          </a:prstGeom>
-          <a:extLst>
-            <a:ext uri="{C572A759-6A51-4108-AA02-DFA0A04FC94B}">
-              <ma14:wrappingTextBoxFlag xmlns:ma14="http://schemas.microsoft.com/office/mac/drawingml/2011/main" xmlns="" val="1"/>
-            </a:ext>
-          </a:extLst>
-        </p:spPr>
-        <p:txBody>
-          <a:bodyPr/>
-          <a:lstStyle/>
-          <a:p>
-            <a:pPr>
-              <a:defRPr sz="1800">
-                <a:solidFill>
-                  <a:srgbClr val="414042"/>
-                </a:solidFill>
-                <a:latin typeface="Arial"/>
-                <a:ea typeface="Arial"/>
-                <a:cs typeface="Arial"/>
-                <a:sym typeface="Arial"/>
-              </a:defRPr>
-            </a:pPr>
-            <a:r>
-              <a:t>Source</a:t>
-            </a:r>
-          </a:p>
-          <a:p>
-            <a:pPr marL="685800" lvl="1" indent="-228600">
-              <a:spcBef>
-                <a:spcPts val="500"/>
-              </a:spcBef>
-              <a:buFont typeface="Trebuchet MS"/>
-              <a:buChar char="⁻"/>
-              <a:defRPr sz="1800">
-                <a:solidFill>
-                  <a:srgbClr val="414042"/>
-                </a:solidFill>
-                <a:latin typeface="Arial"/>
-                <a:ea typeface="Arial"/>
-                <a:cs typeface="Arial"/>
-                <a:sym typeface="Arial"/>
-              </a:defRPr>
-            </a:pPr>
-            <a:r>
-              <a:t>Sequence of elements, arrays, collection, list, set</a:t>
-            </a:r>
-            <a:endParaRPr sz="2400"/>
-          </a:p>
-          <a:p>
-            <a:pPr>
-              <a:defRPr sz="1800">
-                <a:solidFill>
-                  <a:srgbClr val="414042"/>
-                </a:solidFill>
-                <a:latin typeface="Arial"/>
-                <a:ea typeface="Arial"/>
-                <a:cs typeface="Arial"/>
-                <a:sym typeface="Arial"/>
-              </a:defRPr>
-            </a:pPr>
-            <a:r>
-              <a:t>Flows</a:t>
-            </a:r>
-          </a:p>
-          <a:p>
-            <a:pPr marL="685800" lvl="1" indent="-228600">
-              <a:spcBef>
-                <a:spcPts val="500"/>
-              </a:spcBef>
-              <a:buFont typeface="Trebuchet MS"/>
-              <a:buChar char="⁻"/>
-              <a:defRPr sz="1800">
-                <a:solidFill>
-                  <a:srgbClr val="414042"/>
-                </a:solidFill>
-                <a:latin typeface="Arial"/>
-                <a:ea typeface="Arial"/>
-                <a:cs typeface="Arial"/>
-                <a:sym typeface="Arial"/>
-              </a:defRPr>
-            </a:pPr>
-            <a:r>
-              <a:t>Intermediate operation</a:t>
-            </a:r>
-            <a:endParaRPr sz="2400"/>
-          </a:p>
-          <a:p>
-            <a:pPr marL="685800" lvl="1" indent="-228600">
-              <a:spcBef>
-                <a:spcPts val="500"/>
-              </a:spcBef>
-              <a:buFont typeface="Trebuchet MS"/>
-              <a:buChar char="⁻"/>
-              <a:defRPr sz="1800">
-                <a:solidFill>
-                  <a:srgbClr val="414042"/>
-                </a:solidFill>
-                <a:latin typeface="Arial"/>
-                <a:ea typeface="Arial"/>
-                <a:cs typeface="Arial"/>
-                <a:sym typeface="Arial"/>
-              </a:defRPr>
-            </a:pPr>
-            <a:r>
-              <a:t>Aggregate operation</a:t>
-            </a:r>
-            <a:endParaRPr sz="2400"/>
-          </a:p>
-          <a:p>
-            <a:pPr marL="685800" lvl="1" indent="-228600">
-              <a:spcBef>
-                <a:spcPts val="500"/>
-              </a:spcBef>
-              <a:buFont typeface="Trebuchet MS"/>
-              <a:buChar char="⁻"/>
-              <a:defRPr sz="1800">
-                <a:solidFill>
-                  <a:srgbClr val="414042"/>
-                </a:solidFill>
-                <a:latin typeface="Arial"/>
-                <a:ea typeface="Arial"/>
-                <a:cs typeface="Arial"/>
-                <a:sym typeface="Arial"/>
-              </a:defRPr>
-            </a:pPr>
-            <a:r>
-              <a:t>Pipelining</a:t>
-            </a:r>
-            <a:endParaRPr sz="2400"/>
-          </a:p>
-          <a:p>
-            <a:pPr marL="685800" lvl="1" indent="-228600">
-              <a:spcBef>
-                <a:spcPts val="500"/>
-              </a:spcBef>
-              <a:buFont typeface="Trebuchet MS"/>
-              <a:buChar char="⁻"/>
-              <a:defRPr sz="1800">
-                <a:solidFill>
-                  <a:srgbClr val="414042"/>
-                </a:solidFill>
-                <a:latin typeface="Arial"/>
-                <a:ea typeface="Arial"/>
-                <a:cs typeface="Arial"/>
-                <a:sym typeface="Arial"/>
-              </a:defRPr>
-            </a:pPr>
-            <a:r>
-              <a:t>Internal iteration</a:t>
-            </a:r>
-            <a:endParaRPr sz="2400"/>
-          </a:p>
-          <a:p>
-            <a:pPr marL="685800" lvl="1" indent="-228600">
-              <a:spcBef>
-                <a:spcPts val="500"/>
-              </a:spcBef>
-              <a:buFont typeface="Trebuchet MS"/>
-              <a:buChar char="⁻"/>
-              <a:defRPr sz="1800">
-                <a:solidFill>
-                  <a:srgbClr val="414042"/>
-                </a:solidFill>
-                <a:latin typeface="Arial"/>
-                <a:ea typeface="Arial"/>
-                <a:cs typeface="Arial"/>
-                <a:sym typeface="Arial"/>
-              </a:defRPr>
-            </a:pPr>
-            <a:r>
-              <a:t>Lazy evaluation</a:t>
-            </a:r>
-            <a:endParaRPr sz="2400"/>
-          </a:p>
-          <a:p>
-            <a:pPr>
-              <a:defRPr sz="1800">
-                <a:solidFill>
-                  <a:srgbClr val="414042"/>
-                </a:solidFill>
-                <a:latin typeface="Arial"/>
-                <a:ea typeface="Arial"/>
-                <a:cs typeface="Arial"/>
-                <a:sym typeface="Arial"/>
-              </a:defRPr>
-            </a:pPr>
-            <a:r>
-              <a:t>Sink</a:t>
-            </a:r>
-          </a:p>
-          <a:p>
-            <a:pPr marL="685800" lvl="1" indent="-228600">
-              <a:spcBef>
-                <a:spcPts val="500"/>
-              </a:spcBef>
-              <a:buFont typeface="Trebuchet MS"/>
-              <a:buChar char="⁻"/>
-              <a:defRPr sz="1800">
-                <a:solidFill>
-                  <a:srgbClr val="414042"/>
-                </a:solidFill>
-                <a:latin typeface="Arial"/>
-                <a:ea typeface="Arial"/>
-                <a:cs typeface="Arial"/>
-                <a:sym typeface="Arial"/>
-              </a:defRPr>
-            </a:pPr>
-            <a:r>
-              <a:t>Final operation</a:t>
-            </a:r>
-            <a:endParaRPr sz="2400"/>
-          </a:p>
-          <a:p>
-            <a:pPr marL="685800" lvl="1" indent="-228600">
-              <a:spcBef>
-                <a:spcPts val="500"/>
-              </a:spcBef>
-              <a:buFont typeface="Trebuchet MS"/>
-              <a:buChar char="⁻"/>
-              <a:defRPr sz="1800">
-                <a:solidFill>
-                  <a:srgbClr val="414042"/>
-                </a:solidFill>
-                <a:latin typeface="Arial"/>
-                <a:ea typeface="Arial"/>
-                <a:cs typeface="Arial"/>
-                <a:sym typeface="Arial"/>
-              </a:defRPr>
-            </a:pPr>
-            <a:r>
-              <a:t>Make the computation happen</a:t>
-            </a:r>
-            <a:endParaRPr sz="2400"/>
-          </a:p>
-          <a:p>
-            <a:pPr marL="685800" lvl="1" indent="-228600">
-              <a:spcBef>
-                <a:spcPts val="500"/>
-              </a:spcBef>
-              <a:buFont typeface="Trebuchet MS"/>
-              <a:buChar char="⁻"/>
-              <a:defRPr sz="1800">
-                <a:solidFill>
-                  <a:srgbClr val="414042"/>
-                </a:solidFill>
-                <a:latin typeface="Arial"/>
-                <a:ea typeface="Arial"/>
-                <a:cs typeface="Arial"/>
-                <a:sym typeface="Arial"/>
-              </a:defRPr>
-            </a:pPr>
-            <a:r>
-              <a:t>Boss</a:t>
-            </a:r>
-          </a:p>
-        </p:txBody>
-      </p:sp>
-    </p:spTree>
-  </p:cSld>
-  <p:clrMapOvr>
-    <a:masterClrMapping/>
-  </p:clrMapOvr>
-  <p:transition spd="slow"/>
-</p:sld>
-</file>
-
-<file path=ppt/slides/slide21.xml><?xml version="1.0" encoding="utf-8"?>
-<p:sld xmlns:a="http://schemas.openxmlformats.org/drawingml/2006/main" xmlns:r="http://schemas.openxmlformats.org/officeDocument/2006/relationships" xmlns:p="http://schemas.openxmlformats.org/presentationml/2006/main">
-  <p:cSld>
-    <p:spTree>
-      <p:nvGrpSpPr>
-        <p:cNvPr id="1" name=""/>
-        <p:cNvGrpSpPr/>
-        <p:nvPr/>
-      </p:nvGrpSpPr>
-      <p:grpSpPr>
-        <a:xfrm>
-          <a:off x="0" y="0"/>
-          <a:ext cx="0" cy="0"/>
-          <a:chOff x="0" y="0"/>
-          <a:chExt cx="0" cy="0"/>
-        </a:xfrm>
-      </p:grpSpPr>
-      <p:sp>
-        <p:nvSpPr>
           <p:cNvPr id="239" name="Shape 239"/>
           <p:cNvSpPr>
             <a:spLocks noGrp="1"/>
@@ -8983,7 +8718,7 @@
 </p:sld>
 </file>
 
-<file path=ppt/slides/slide22.xml><?xml version="1.0" encoding="utf-8"?>
+<file path=ppt/slides/slide21.xml><?xml version="1.0" encoding="utf-8"?>
 <p:sld xmlns:a="http://schemas.openxmlformats.org/drawingml/2006/main" xmlns:r="http://schemas.openxmlformats.org/officeDocument/2006/relationships" xmlns:p="http://schemas.openxmlformats.org/presentationml/2006/main">
   <p:cSld>
     <p:spTree>
@@ -9171,7 +8906,7 @@
 </p:sld>
 </file>
 
-<file path=ppt/slides/slide23.xml><?xml version="1.0" encoding="utf-8"?>
+<file path=ppt/slides/slide22.xml><?xml version="1.0" encoding="utf-8"?>
 <p:sld xmlns:a="http://schemas.openxmlformats.org/drawingml/2006/main" xmlns:r="http://schemas.openxmlformats.org/officeDocument/2006/relationships" xmlns:p="http://schemas.openxmlformats.org/presentationml/2006/main">
   <p:cSld>
     <p:spTree>
@@ -9346,6 +9081,345 @@
             <a:r>
               <a:rPr b="0" dirty="0"/>
               <a:t> performs a reduction on the elements of this stream, using the provided identity value and an associative accumulation function, and returns the reduced value</a:t>
+            </a:r>
+          </a:p>
+        </p:txBody>
+      </p:sp>
+    </p:spTree>
+  </p:cSld>
+  <p:clrMapOvr>
+    <a:masterClrMapping/>
+  </p:clrMapOvr>
+  <p:transition spd="slow"/>
+</p:sld>
+</file>
+
+<file path=ppt/slides/slide23.xml><?xml version="1.0" encoding="utf-8"?>
+<p:sld xmlns:a="http://schemas.openxmlformats.org/drawingml/2006/main" xmlns:r="http://schemas.openxmlformats.org/officeDocument/2006/relationships" xmlns:p="http://schemas.openxmlformats.org/presentationml/2006/main">
+  <p:cSld>
+    <p:spTree>
+      <p:nvGrpSpPr>
+        <p:cNvPr id="1" name=""/>
+        <p:cNvGrpSpPr/>
+        <p:nvPr/>
+      </p:nvGrpSpPr>
+      <p:grpSpPr>
+        <a:xfrm>
+          <a:off x="0" y="0"/>
+          <a:ext cx="0" cy="0"/>
+          <a:chOff x="0" y="0"/>
+          <a:chExt cx="0" cy="0"/>
+        </a:xfrm>
+      </p:grpSpPr>
+      <p:sp>
+        <p:nvSpPr>
+          <p:cNvPr id="236" name="Shape 236"/>
+          <p:cNvSpPr>
+            <a:spLocks noGrp="1"/>
+          </p:cNvSpPr>
+          <p:nvPr>
+            <p:ph type="body" sz="quarter" idx="1"/>
+          </p:nvPr>
+        </p:nvSpPr>
+        <p:spPr>
+          <a:xfrm>
+            <a:off x="724940" y="1009430"/>
+            <a:ext cx="7998646" cy="472529"/>
+          </a:xfrm>
+          <a:prstGeom prst="rect">
+            <a:avLst/>
+          </a:prstGeom>
+        </p:spPr>
+        <p:txBody>
+          <a:bodyPr>
+            <a:noAutofit/>
+          </a:bodyPr>
+          <a:lstStyle>
+            <a:lvl1pPr defTabSz="594359">
+              <a:spcBef>
+                <a:spcPts val="600"/>
+              </a:spcBef>
+              <a:defRPr sz="2600" b="1"/>
+            </a:lvl1pPr>
+          </a:lstStyle>
+          <a:p>
+            <a:r>
+              <a:rPr sz="4400" b="0" dirty="0"/>
+              <a:t>How to understand Stream</a:t>
+            </a:r>
+          </a:p>
+        </p:txBody>
+      </p:sp>
+      <p:sp>
+        <p:nvSpPr>
+          <p:cNvPr id="237" name="Shape 237"/>
+          <p:cNvSpPr>
+            <a:spLocks noGrp="1"/>
+          </p:cNvSpPr>
+          <p:nvPr>
+            <p:ph type="body" idx="13"/>
+          </p:nvPr>
+        </p:nvSpPr>
+        <p:spPr>
+          <a:xfrm>
+            <a:off x="724940" y="1987818"/>
+            <a:ext cx="8439610" cy="4279418"/>
+          </a:xfrm>
+          <a:prstGeom prst="rect">
+            <a:avLst/>
+          </a:prstGeom>
+          <a:extLst>
+            <a:ext uri="{C572A759-6A51-4108-AA02-DFA0A04FC94B}">
+              <ma14:wrappingTextBoxFlag xmlns:ma14="http://schemas.microsoft.com/office/mac/drawingml/2011/main" xmlns="" val="1"/>
+            </a:ext>
+          </a:extLst>
+        </p:spPr>
+        <p:txBody>
+          <a:bodyPr/>
+          <a:lstStyle/>
+          <a:p>
+            <a:pPr>
+              <a:defRPr sz="1800">
+                <a:solidFill>
+                  <a:srgbClr val="414042"/>
+                </a:solidFill>
+                <a:latin typeface="Arial"/>
+                <a:ea typeface="Arial"/>
+                <a:cs typeface="Arial"/>
+                <a:sym typeface="Arial"/>
+              </a:defRPr>
+            </a:pPr>
+            <a:r>
+              <a:t>Source</a:t>
+            </a:r>
+          </a:p>
+          <a:p>
+            <a:pPr marL="685800" lvl="1" indent="-228600">
+              <a:spcBef>
+                <a:spcPts val="500"/>
+              </a:spcBef>
+              <a:buFont typeface="Trebuchet MS"/>
+              <a:buChar char="⁻"/>
+              <a:defRPr sz="1800">
+                <a:solidFill>
+                  <a:srgbClr val="414042"/>
+                </a:solidFill>
+                <a:latin typeface="Arial"/>
+                <a:ea typeface="Arial"/>
+                <a:cs typeface="Arial"/>
+                <a:sym typeface="Arial"/>
+              </a:defRPr>
+            </a:pPr>
+            <a:r>
+              <a:t>Sequence of elements, arrays, collection, list, set</a:t>
+            </a:r>
+            <a:endParaRPr sz="2400"/>
+          </a:p>
+          <a:p>
+            <a:pPr>
+              <a:defRPr sz="1800">
+                <a:solidFill>
+                  <a:srgbClr val="414042"/>
+                </a:solidFill>
+                <a:latin typeface="Arial"/>
+                <a:ea typeface="Arial"/>
+                <a:cs typeface="Arial"/>
+                <a:sym typeface="Arial"/>
+              </a:defRPr>
+            </a:pPr>
+            <a:r>
+              <a:t>Flows</a:t>
+            </a:r>
+          </a:p>
+          <a:p>
+            <a:pPr marL="685800" lvl="1" indent="-228600">
+              <a:spcBef>
+                <a:spcPts val="500"/>
+              </a:spcBef>
+              <a:buFont typeface="Trebuchet MS"/>
+              <a:buChar char="⁻"/>
+              <a:defRPr sz="1800">
+                <a:solidFill>
+                  <a:srgbClr val="414042"/>
+                </a:solidFill>
+                <a:latin typeface="Arial"/>
+                <a:ea typeface="Arial"/>
+                <a:cs typeface="Arial"/>
+                <a:sym typeface="Arial"/>
+              </a:defRPr>
+            </a:pPr>
+            <a:r>
+              <a:t>Intermediate operation</a:t>
+            </a:r>
+            <a:endParaRPr sz="2400"/>
+          </a:p>
+          <a:p>
+            <a:pPr marL="685800" lvl="1" indent="-228600">
+              <a:spcBef>
+                <a:spcPts val="500"/>
+              </a:spcBef>
+              <a:buFont typeface="Trebuchet MS"/>
+              <a:buChar char="⁻"/>
+              <a:defRPr sz="1800">
+                <a:solidFill>
+                  <a:srgbClr val="414042"/>
+                </a:solidFill>
+                <a:latin typeface="Arial"/>
+                <a:ea typeface="Arial"/>
+                <a:cs typeface="Arial"/>
+                <a:sym typeface="Arial"/>
+              </a:defRPr>
+            </a:pPr>
+            <a:r>
+              <a:t>Aggregate operation</a:t>
+            </a:r>
+            <a:endParaRPr sz="2400"/>
+          </a:p>
+          <a:p>
+            <a:pPr marL="685800" lvl="1" indent="-228600">
+              <a:spcBef>
+                <a:spcPts val="500"/>
+              </a:spcBef>
+              <a:buFont typeface="Trebuchet MS"/>
+              <a:buChar char="⁻"/>
+              <a:defRPr sz="1800">
+                <a:solidFill>
+                  <a:srgbClr val="414042"/>
+                </a:solidFill>
+                <a:latin typeface="Arial"/>
+                <a:ea typeface="Arial"/>
+                <a:cs typeface="Arial"/>
+                <a:sym typeface="Arial"/>
+              </a:defRPr>
+            </a:pPr>
+            <a:r>
+              <a:t>Pipelining</a:t>
+            </a:r>
+            <a:endParaRPr sz="2400"/>
+          </a:p>
+          <a:p>
+            <a:pPr marL="685800" lvl="1" indent="-228600">
+              <a:spcBef>
+                <a:spcPts val="500"/>
+              </a:spcBef>
+              <a:buFont typeface="Trebuchet MS"/>
+              <a:buChar char="⁻"/>
+              <a:defRPr sz="1800">
+                <a:solidFill>
+                  <a:srgbClr val="414042"/>
+                </a:solidFill>
+                <a:latin typeface="Arial"/>
+                <a:ea typeface="Arial"/>
+                <a:cs typeface="Arial"/>
+                <a:sym typeface="Arial"/>
+              </a:defRPr>
+            </a:pPr>
+            <a:r>
+              <a:t>Internal iteration</a:t>
+            </a:r>
+            <a:endParaRPr sz="2400"/>
+          </a:p>
+          <a:p>
+            <a:pPr marL="685800" lvl="1" indent="-228600">
+              <a:spcBef>
+                <a:spcPts val="500"/>
+              </a:spcBef>
+              <a:buFont typeface="Trebuchet MS"/>
+              <a:buChar char="⁻"/>
+              <a:defRPr sz="1800">
+                <a:solidFill>
+                  <a:srgbClr val="414042"/>
+                </a:solidFill>
+                <a:latin typeface="Arial"/>
+                <a:ea typeface="Arial"/>
+                <a:cs typeface="Arial"/>
+                <a:sym typeface="Arial"/>
+              </a:defRPr>
+            </a:pPr>
+            <a:r>
+              <a:t>Lazy evaluation</a:t>
+            </a:r>
+            <a:endParaRPr sz="2400"/>
+          </a:p>
+          <a:p>
+            <a:pPr>
+              <a:defRPr sz="1800">
+                <a:solidFill>
+                  <a:srgbClr val="414042"/>
+                </a:solidFill>
+                <a:latin typeface="Arial"/>
+                <a:ea typeface="Arial"/>
+                <a:cs typeface="Arial"/>
+                <a:sym typeface="Arial"/>
+              </a:defRPr>
+            </a:pPr>
+            <a:r>
+              <a:t>Sink</a:t>
+            </a:r>
+          </a:p>
+          <a:p>
+            <a:pPr marL="685800" lvl="1" indent="-228600">
+              <a:spcBef>
+                <a:spcPts val="500"/>
+              </a:spcBef>
+              <a:buFont typeface="Trebuchet MS"/>
+              <a:buChar char="⁻"/>
+              <a:defRPr sz="1800">
+                <a:solidFill>
+                  <a:srgbClr val="414042"/>
+                </a:solidFill>
+                <a:latin typeface="Arial"/>
+                <a:ea typeface="Arial"/>
+                <a:cs typeface="Arial"/>
+                <a:sym typeface="Arial"/>
+              </a:defRPr>
+            </a:pPr>
+            <a:r>
+              <a:t>Final operation</a:t>
+            </a:r>
+            <a:endParaRPr sz="2400"/>
+          </a:p>
+          <a:p>
+            <a:pPr marL="685800" lvl="1" indent="-228600">
+              <a:spcBef>
+                <a:spcPts val="500"/>
+              </a:spcBef>
+              <a:buFont typeface="Trebuchet MS"/>
+              <a:buChar char="⁻"/>
+              <a:defRPr sz="1800">
+                <a:solidFill>
+                  <a:srgbClr val="414042"/>
+                </a:solidFill>
+                <a:latin typeface="Arial"/>
+                <a:ea typeface="Arial"/>
+                <a:cs typeface="Arial"/>
+                <a:sym typeface="Arial"/>
+              </a:defRPr>
+            </a:pPr>
+            <a:r>
+              <a:t>Make the computation happen</a:t>
+            </a:r>
+            <a:endParaRPr sz="2400"/>
+          </a:p>
+          <a:p>
+            <a:pPr marL="685800" lvl="1" indent="-228600">
+              <a:spcBef>
+                <a:spcPts val="500"/>
+              </a:spcBef>
+              <a:buFont typeface="Trebuchet MS"/>
+              <a:buChar char="⁻"/>
+              <a:defRPr sz="1800">
+                <a:solidFill>
+                  <a:srgbClr val="414042"/>
+                </a:solidFill>
+                <a:latin typeface="Arial"/>
+                <a:ea typeface="Arial"/>
+                <a:cs typeface="Arial"/>
+                <a:sym typeface="Arial"/>
+              </a:defRPr>
+            </a:pPr>
+            <a:r>
+              <a:t>Boss</a:t>
             </a:r>
           </a:p>
         </p:txBody>
@@ -9410,23 +9484,7 @@
           <a:p>
             <a:r>
               <a:rPr lang="en-IE" sz="4000" dirty="0" err="1"/>
-              <a:t>Bla</a:t>
-            </a:r>
-            <a:r>
-              <a:rPr lang="en-IE" sz="4000" dirty="0"/>
-              <a:t> </a:t>
-            </a:r>
-            <a:r>
-              <a:rPr lang="en-IE" sz="4000" dirty="0" err="1"/>
-              <a:t>bla</a:t>
-            </a:r>
-            <a:r>
-              <a:rPr lang="en-IE" sz="4000" dirty="0"/>
-              <a:t> </a:t>
-            </a:r>
-            <a:r>
-              <a:rPr lang="en-IE" sz="4000" dirty="0" err="1"/>
-              <a:t>bla</a:t>
+              <a:t>Blablabla</a:t>
             </a:r>
             <a:r>
               <a:rPr lang="en-IE" sz="4000" dirty="0"/>
@@ -10274,17 +10332,35 @@
                 <a:sym typeface="Courier New"/>
               </a:defRPr>
             </a:pPr>
-            <a:br/>
-            <a:r>
-              <a:rPr i="0">
-                <a:solidFill>
-                  <a:srgbClr val="000000"/>
-                </a:solidFill>
-              </a:rPr>
-              <a:t>List&lt;Person&gt; sortedPersons = </a:t>
-            </a:r>
-            <a:r>
-              <a:rPr b="1" i="0">
+            <a:br>
+              <a:rPr dirty="0"/>
+            </a:br>
+            <a:r>
+              <a:rPr i="0" dirty="0">
+                <a:solidFill>
+                  <a:srgbClr val="000000"/>
+                </a:solidFill>
+              </a:rPr>
+              <a:t>List&lt;Person&gt; </a:t>
+            </a:r>
+            <a:r>
+              <a:rPr i="0" dirty="0" err="1">
+                <a:solidFill>
+                  <a:srgbClr val="000000"/>
+                </a:solidFill>
+              </a:rPr>
+              <a:t>sortedPersons</a:t>
+            </a:r>
+            <a:r>
+              <a:rPr i="0" dirty="0">
+                <a:solidFill>
+                  <a:srgbClr val="000000"/>
+                </a:solidFill>
+              </a:rPr>
+              <a:t> = </a:t>
+            </a:r>
+            <a:r>
+              <a:rPr b="1" i="0" dirty="0">
                 <a:solidFill>
                   <a:srgbClr val="000080"/>
                 </a:solidFill>
@@ -10292,37 +10368,53 @@
               <a:t>new </a:t>
             </a:r>
             <a:r>
-              <a:rPr i="0">
-                <a:solidFill>
-                  <a:srgbClr val="000000"/>
-                </a:solidFill>
-              </a:rPr>
-              <a:t>ArrayList&lt;&gt;();</a:t>
+              <a:rPr i="0" dirty="0" err="1">
+                <a:solidFill>
+                  <a:srgbClr val="000000"/>
+                </a:solidFill>
+              </a:rPr>
+              <a:t>ArrayList</a:t>
+            </a:r>
+            <a:r>
+              <a:rPr i="0" dirty="0">
+                <a:solidFill>
+                  <a:srgbClr val="000000"/>
+                </a:solidFill>
+              </a:rPr>
+              <a:t>&lt;&gt;();</a:t>
             </a:r>
             <a:br>
-              <a:rPr i="0">
+              <a:rPr i="0" dirty="0">
                 <a:solidFill>
                   <a:srgbClr val="000000"/>
                 </a:solidFill>
               </a:rPr>
             </a:br>
             <a:r>
-              <a:rPr i="0">
-                <a:solidFill>
-                  <a:srgbClr val="000000"/>
-                </a:solidFill>
-              </a:rPr>
-              <a:t>persons.stream()</a:t>
+              <a:rPr i="0" dirty="0" err="1">
+                <a:solidFill>
+                  <a:srgbClr val="000000"/>
+                </a:solidFill>
+              </a:rPr>
+              <a:t>persons.stream</a:t>
+            </a:r>
+            <a:r>
+              <a:rPr i="0" dirty="0">
+                <a:solidFill>
+                  <a:srgbClr val="000000"/>
+                </a:solidFill>
+              </a:rPr>
+              <a:t>()</a:t>
             </a:r>
             <a:br>
-              <a:rPr i="0">
+              <a:rPr i="0" dirty="0">
                 <a:solidFill>
                   <a:srgbClr val="000000"/>
                 </a:solidFill>
               </a:rPr>
             </a:br>
             <a:r>
-              <a:rPr i="0">
+              <a:rPr i="0" dirty="0">
                 <a:solidFill>
                   <a:srgbClr val="000000"/>
                 </a:solidFill>
@@ -10330,7 +10422,7 @@
               <a:t>        .sorted((p1, p2) -&gt; (p1.getAge() - p2.getAge() &gt; </a:t>
             </a:r>
             <a:r>
-              <a:rPr i="0">
+              <a:rPr i="0" dirty="0">
                 <a:solidFill>
                   <a:srgbClr val="0000FF"/>
                 </a:solidFill>
@@ -10338,7 +10430,7 @@
               <a:t>0 </a:t>
             </a:r>
             <a:r>
-              <a:rPr i="0">
+              <a:rPr i="0" dirty="0">
                 <a:solidFill>
                   <a:srgbClr val="000000"/>
                 </a:solidFill>
@@ -10346,7 +10438,7 @@
               <a:t>? </a:t>
             </a:r>
             <a:r>
-              <a:rPr i="0">
+              <a:rPr i="0" dirty="0">
                 <a:solidFill>
                   <a:srgbClr val="0000FF"/>
                 </a:solidFill>
@@ -10354,7 +10446,7 @@
               <a:t>1 </a:t>
             </a:r>
             <a:r>
-              <a:rPr i="0">
+              <a:rPr i="0" dirty="0">
                 <a:solidFill>
                   <a:srgbClr val="000000"/>
                 </a:solidFill>
@@ -10362,7 +10454,7 @@
               <a:t>: -</a:t>
             </a:r>
             <a:r>
-              <a:rPr i="0">
+              <a:rPr i="0" dirty="0">
                 <a:solidFill>
                   <a:srgbClr val="0000FF"/>
                 </a:solidFill>
@@ -10370,7 +10462,7 @@
               <a:t>1</a:t>
             </a:r>
             <a:r>
-              <a:rPr i="0">
+              <a:rPr i="0" dirty="0">
                 <a:solidFill>
                   <a:srgbClr val="000000"/>
                 </a:solidFill>
@@ -10378,22 +10470,38 @@
               <a:t>))</a:t>
             </a:r>
             <a:br>
-              <a:rPr i="0">
+              <a:rPr i="0" dirty="0">
                 <a:solidFill>
                   <a:srgbClr val="000000"/>
                 </a:solidFill>
               </a:rPr>
             </a:br>
             <a:r>
-              <a:rPr i="0">
-                <a:solidFill>
-                  <a:srgbClr val="000000"/>
-                </a:solidFill>
-              </a:rPr>
-              <a:t>        .forEach(person -&gt; </a:t>
-            </a:r>
-            <a:r>
-              <a:rPr i="0">
+              <a:rPr i="0" dirty="0">
+                <a:solidFill>
+                  <a:srgbClr val="000000"/>
+                </a:solidFill>
+              </a:rPr>
+              <a:t>        .</a:t>
+            </a:r>
+            <a:r>
+              <a:rPr i="0" dirty="0" err="1">
+                <a:solidFill>
+                  <a:srgbClr val="000000"/>
+                </a:solidFill>
+              </a:rPr>
+              <a:t>forEach</a:t>
+            </a:r>
+            <a:r>
+              <a:rPr i="0" dirty="0">
+                <a:solidFill>
+                  <a:srgbClr val="000000"/>
+                </a:solidFill>
+              </a:rPr>
+              <a:t>(person -&gt; </a:t>
+            </a:r>
+            <a:r>
+              <a:rPr i="0" dirty="0" err="1">
                 <a:solidFill>
                   <a:srgbClr val="660E7A"/>
                 </a:solidFill>
@@ -10401,21 +10509,29 @@
               <a:t>sortedPersons</a:t>
             </a:r>
             <a:r>
-              <a:rPr i="0">
-                <a:solidFill>
-                  <a:srgbClr val="000000"/>
-                </a:solidFill>
-              </a:rPr>
-              <a:t>.add(person));</a:t>
+              <a:rPr i="0" dirty="0" err="1">
+                <a:solidFill>
+                  <a:srgbClr val="000000"/>
+                </a:solidFill>
+              </a:rPr>
+              <a:t>.add</a:t>
+            </a:r>
+            <a:r>
+              <a:rPr i="0" dirty="0">
+                <a:solidFill>
+                  <a:srgbClr val="000000"/>
+                </a:solidFill>
+              </a:rPr>
+              <a:t>(person));</a:t>
             </a:r>
             <a:br>
-              <a:rPr i="0">
+              <a:rPr i="0" dirty="0">
                 <a:solidFill>
                   <a:srgbClr val="000000"/>
                 </a:solidFill>
               </a:rPr>
             </a:br>
-            <a:endParaRPr i="0">
+            <a:endParaRPr i="0" dirty="0">
               <a:solidFill>
                 <a:srgbClr val="000000"/>
               </a:solidFill>
@@ -10464,21 +10580,30 @@
               </a:defRPr>
             </a:pPr>
             <a:r>
-              <a:t>List&lt;Person&gt; persons = Arrays.</a:t>
-            </a:r>
-            <a:r>
-              <a:rPr i="1"/>
+              <a:rPr dirty="0"/>
+              <a:t>List&lt;Person&gt; persons = </a:t>
+            </a:r>
+            <a:r>
+              <a:rPr dirty="0" err="1"/>
+              <a:t>Arrays.</a:t>
+            </a:r>
+            <a:r>
+              <a:rPr i="1" dirty="0" err="1"/>
               <a:t>asList</a:t>
             </a:r>
             <a:r>
+              <a:rPr dirty="0"/>
               <a:t>(</a:t>
             </a:r>
-            <a:br/>
-            <a:r>
+            <a:br>
+              <a:rPr dirty="0"/>
+            </a:br>
+            <a:r>
+              <a:rPr dirty="0"/>
               <a:t>        </a:t>
             </a:r>
             <a:r>
-              <a:rPr b="1">
+              <a:rPr b="1" dirty="0">
                 <a:solidFill>
                   <a:srgbClr val="000080"/>
                 </a:solidFill>
@@ -10486,10 +10611,11 @@
               <a:t>new </a:t>
             </a:r>
             <a:r>
+              <a:rPr dirty="0"/>
               <a:t>Person(</a:t>
             </a:r>
             <a:r>
-              <a:rPr b="1">
+              <a:rPr b="1" dirty="0">
                 <a:solidFill>
                   <a:srgbClr val="008000"/>
                 </a:solidFill>
@@ -10497,10 +10623,11 @@
               <a:t>"perter"</a:t>
             </a:r>
             <a:r>
+              <a:rPr dirty="0"/>
               <a:t>, </a:t>
             </a:r>
             <a:r>
-              <a:rPr>
+              <a:rPr dirty="0">
                 <a:solidFill>
                   <a:srgbClr val="0000FF"/>
                 </a:solidFill>
@@ -10508,14 +10635,18 @@
               <a:t>24</a:t>
             </a:r>
             <a:r>
+              <a:rPr dirty="0"/>
               <a:t>),</a:t>
             </a:r>
-            <a:br/>
-            <a:r>
+            <a:br>
+              <a:rPr dirty="0"/>
+            </a:br>
+            <a:r>
+              <a:rPr dirty="0"/>
               <a:t>        </a:t>
             </a:r>
             <a:r>
-              <a:rPr b="1">
+              <a:rPr b="1" dirty="0">
                 <a:solidFill>
                   <a:srgbClr val="000080"/>
                 </a:solidFill>
@@ -10523,21 +10654,39 @@
               <a:t>new </a:t>
             </a:r>
             <a:r>
+              <a:rPr dirty="0"/>
               <a:t>Person(</a:t>
             </a:r>
             <a:r>
-              <a:rPr b="1">
+              <a:rPr b="1" dirty="0">
                 <a:solidFill>
                   <a:srgbClr val="008000"/>
                 </a:solidFill>
               </a:rPr>
-              <a:t>"ian"</a:t>
-            </a:r>
-            <a:r>
+              <a:t>"</a:t>
+            </a:r>
+            <a:r>
+              <a:rPr b="1" dirty="0" err="1">
+                <a:solidFill>
+                  <a:srgbClr val="008000"/>
+                </a:solidFill>
+              </a:rPr>
+              <a:t>ian</a:t>
+            </a:r>
+            <a:r>
+              <a:rPr b="1" dirty="0">
+                <a:solidFill>
+                  <a:srgbClr val="008000"/>
+                </a:solidFill>
+              </a:rPr>
+              <a:t>"</a:t>
+            </a:r>
+            <a:r>
+              <a:rPr dirty="0"/>
               <a:t>, </a:t>
             </a:r>
             <a:r>
-              <a:rPr>
+              <a:rPr dirty="0">
                 <a:solidFill>
                   <a:srgbClr val="0000FF"/>
                 </a:solidFill>
@@ -10545,14 +10694,18 @@
               <a:t>30</a:t>
             </a:r>
             <a:r>
+              <a:rPr dirty="0"/>
               <a:t>),</a:t>
             </a:r>
-            <a:br/>
-            <a:r>
+            <a:br>
+              <a:rPr dirty="0"/>
+            </a:br>
+            <a:r>
+              <a:rPr dirty="0"/>
               <a:t>        </a:t>
             </a:r>
             <a:r>
-              <a:rPr b="1">
+              <a:rPr b="1" dirty="0">
                 <a:solidFill>
                   <a:srgbClr val="000080"/>
                 </a:solidFill>
@@ -10560,21 +10713,39 @@
               <a:t>new </a:t>
             </a:r>
             <a:r>
+              <a:rPr dirty="0"/>
               <a:t>Person(</a:t>
             </a:r>
             <a:r>
-              <a:rPr b="1">
+              <a:rPr b="1" dirty="0">
                 <a:solidFill>
                   <a:srgbClr val="008000"/>
                 </a:solidFill>
               </a:rPr>
-              <a:t>"jacob"</a:t>
-            </a:r>
-            <a:r>
+              <a:t>"</a:t>
+            </a:r>
+            <a:r>
+              <a:rPr b="1" dirty="0" err="1">
+                <a:solidFill>
+                  <a:srgbClr val="008000"/>
+                </a:solidFill>
+              </a:rPr>
+              <a:t>jacob</a:t>
+            </a:r>
+            <a:r>
+              <a:rPr b="1" dirty="0">
+                <a:solidFill>
+                  <a:srgbClr val="008000"/>
+                </a:solidFill>
+              </a:rPr>
+              <a:t>"</a:t>
+            </a:r>
+            <a:r>
+              <a:rPr dirty="0"/>
               <a:t>, </a:t>
             </a:r>
             <a:r>
-              <a:rPr>
+              <a:rPr dirty="0">
                 <a:solidFill>
                   <a:srgbClr val="0000FF"/>
                 </a:solidFill>
@@ -10582,14 +10753,18 @@
               <a:t>3</a:t>
             </a:r>
             <a:r>
+              <a:rPr dirty="0"/>
               <a:t>),</a:t>
             </a:r>
-            <a:br/>
-            <a:r>
+            <a:br>
+              <a:rPr dirty="0"/>
+            </a:br>
+            <a:r>
+              <a:rPr dirty="0"/>
               <a:t>        </a:t>
             </a:r>
             <a:r>
-              <a:rPr b="1">
+              <a:rPr b="1" dirty="0">
                 <a:solidFill>
                   <a:srgbClr val="000080"/>
                 </a:solidFill>
@@ -10597,21 +10772,39 @@
               <a:t>new </a:t>
             </a:r>
             <a:r>
+              <a:rPr dirty="0"/>
               <a:t>Person(</a:t>
             </a:r>
             <a:r>
-              <a:rPr b="1">
+              <a:rPr b="1" dirty="0">
                 <a:solidFill>
                   <a:srgbClr val="008000"/>
                 </a:solidFill>
               </a:rPr>
-              <a:t>"angela"</a:t>
-            </a:r>
-            <a:r>
+              <a:t>"</a:t>
+            </a:r>
+            <a:r>
+              <a:rPr b="1" dirty="0" err="1">
+                <a:solidFill>
+                  <a:srgbClr val="008000"/>
+                </a:solidFill>
+              </a:rPr>
+              <a:t>angela</a:t>
+            </a:r>
+            <a:r>
+              <a:rPr b="1" dirty="0">
+                <a:solidFill>
+                  <a:srgbClr val="008000"/>
+                </a:solidFill>
+              </a:rPr>
+              <a:t>"</a:t>
+            </a:r>
+            <a:r>
+              <a:rPr dirty="0"/>
               <a:t>, </a:t>
             </a:r>
             <a:r>
-              <a:rPr>
+              <a:rPr dirty="0">
                 <a:solidFill>
                   <a:srgbClr val="0000FF"/>
                 </a:solidFill>
@@ -10619,14 +10812,18 @@
               <a:t>28</a:t>
             </a:r>
             <a:r>
+              <a:rPr dirty="0"/>
               <a:t>),</a:t>
             </a:r>
-            <a:br/>
-            <a:r>
+            <a:br>
+              <a:rPr dirty="0"/>
+            </a:br>
+            <a:r>
+              <a:rPr dirty="0"/>
               <a:t>        </a:t>
             </a:r>
             <a:r>
-              <a:rPr b="1">
+              <a:rPr b="1" dirty="0">
                 <a:solidFill>
                   <a:srgbClr val="000080"/>
                 </a:solidFill>
@@ -10634,10 +10831,11 @@
               <a:t>new </a:t>
             </a:r>
             <a:r>
+              <a:rPr dirty="0"/>
               <a:t>Person(</a:t>
             </a:r>
             <a:r>
-              <a:rPr b="1">
+              <a:rPr b="1" dirty="0">
                 <a:solidFill>
                   <a:srgbClr val="008000"/>
                 </a:solidFill>
@@ -10645,10 +10843,11 @@
               <a:t>"mike"</a:t>
             </a:r>
             <a:r>
+              <a:rPr dirty="0"/>
               <a:t>, </a:t>
             </a:r>
             <a:r>
-              <a:rPr>
+              <a:rPr dirty="0">
                 <a:solidFill>
                   <a:srgbClr val="0000FF"/>
                 </a:solidFill>
@@ -10656,14 +10855,18 @@
               <a:t>24</a:t>
             </a:r>
             <a:r>
+              <a:rPr dirty="0"/>
               <a:t>),</a:t>
             </a:r>
-            <a:br/>
-            <a:r>
+            <a:br>
+              <a:rPr dirty="0"/>
+            </a:br>
+            <a:r>
+              <a:rPr dirty="0"/>
               <a:t>        </a:t>
             </a:r>
             <a:r>
-              <a:rPr b="1">
+              <a:rPr b="1" dirty="0">
                 <a:solidFill>
                   <a:srgbClr val="000080"/>
                 </a:solidFill>
@@ -10671,21 +10874,39 @@
               <a:t>new </a:t>
             </a:r>
             <a:r>
+              <a:rPr dirty="0"/>
               <a:t>Person(</a:t>
             </a:r>
             <a:r>
-              <a:rPr b="1">
+              <a:rPr b="1" dirty="0">
                 <a:solidFill>
                   <a:srgbClr val="008000"/>
                 </a:solidFill>
               </a:rPr>
-              <a:t>"steve"</a:t>
-            </a:r>
-            <a:r>
+              <a:t>"</a:t>
+            </a:r>
+            <a:r>
+              <a:rPr b="1" dirty="0" err="1">
+                <a:solidFill>
+                  <a:srgbClr val="008000"/>
+                </a:solidFill>
+              </a:rPr>
+              <a:t>steve</a:t>
+            </a:r>
+            <a:r>
+              <a:rPr b="1" dirty="0">
+                <a:solidFill>
+                  <a:srgbClr val="008000"/>
+                </a:solidFill>
+              </a:rPr>
+              <a:t>"</a:t>
+            </a:r>
+            <a:r>
+              <a:rPr dirty="0"/>
               <a:t>, </a:t>
             </a:r>
             <a:r>
-              <a:rPr>
+              <a:rPr dirty="0">
                 <a:solidFill>
                   <a:srgbClr val="0000FF"/>
                 </a:solidFill>
@@ -10693,14 +10914,18 @@
               <a:t>60</a:t>
             </a:r>
             <a:r>
+              <a:rPr dirty="0"/>
               <a:t>),</a:t>
             </a:r>
-            <a:br/>
-            <a:r>
+            <a:br>
+              <a:rPr dirty="0"/>
+            </a:br>
+            <a:r>
+              <a:rPr dirty="0"/>
               <a:t>        </a:t>
             </a:r>
             <a:r>
-              <a:rPr b="1">
+              <a:rPr b="1" dirty="0">
                 <a:solidFill>
                   <a:srgbClr val="000080"/>
                 </a:solidFill>
@@ -10708,21 +10933,39 @@
               <a:t>new </a:t>
             </a:r>
             <a:r>
+              <a:rPr dirty="0"/>
               <a:t>Person(</a:t>
             </a:r>
             <a:r>
-              <a:rPr b="1">
+              <a:rPr b="1" dirty="0">
                 <a:solidFill>
                   <a:srgbClr val="008000"/>
                 </a:solidFill>
               </a:rPr>
-              <a:t>"andy"</a:t>
-            </a:r>
-            <a:r>
+              <a:t>"</a:t>
+            </a:r>
+            <a:r>
+              <a:rPr b="1" dirty="0" err="1">
+                <a:solidFill>
+                  <a:srgbClr val="008000"/>
+                </a:solidFill>
+              </a:rPr>
+              <a:t>andy</a:t>
+            </a:r>
+            <a:r>
+              <a:rPr b="1" dirty="0">
+                <a:solidFill>
+                  <a:srgbClr val="008000"/>
+                </a:solidFill>
+              </a:rPr>
+              <a:t>"</a:t>
+            </a:r>
+            <a:r>
+              <a:rPr dirty="0"/>
               <a:t>, </a:t>
             </a:r>
             <a:r>
-              <a:rPr>
+              <a:rPr dirty="0">
                 <a:solidFill>
                   <a:srgbClr val="0000FF"/>
                 </a:solidFill>
@@ -10730,14 +10973,18 @@
               <a:t>30</a:t>
             </a:r>
             <a:r>
+              <a:rPr dirty="0"/>
               <a:t>),</a:t>
             </a:r>
-            <a:br/>
-            <a:r>
+            <a:br>
+              <a:rPr dirty="0"/>
+            </a:br>
+            <a:r>
+              <a:rPr dirty="0"/>
               <a:t>        </a:t>
             </a:r>
             <a:r>
-              <a:rPr b="1">
+              <a:rPr b="1" dirty="0">
                 <a:solidFill>
                   <a:srgbClr val="000080"/>
                 </a:solidFill>
@@ -10745,10 +10992,11 @@
               <a:t>new </a:t>
             </a:r>
             <a:r>
+              <a:rPr dirty="0"/>
               <a:t>Person(</a:t>
             </a:r>
             <a:r>
-              <a:rPr b="1">
+              <a:rPr b="1" dirty="0">
                 <a:solidFill>
                   <a:srgbClr val="008000"/>
                 </a:solidFill>
@@ -10756,10 +11004,11 @@
               <a:t>"jack"</a:t>
             </a:r>
             <a:r>
+              <a:rPr dirty="0"/>
               <a:t>, </a:t>
             </a:r>
             <a:r>
-              <a:rPr>
+              <a:rPr dirty="0">
                 <a:solidFill>
                   <a:srgbClr val="0000FF"/>
                 </a:solidFill>
@@ -10767,10 +11016,13 @@
               <a:t>15</a:t>
             </a:r>
             <a:r>
+              <a:rPr dirty="0"/>
               <a:t>));</a:t>
             </a:r>
-            <a:br/>
-            <a:endParaRPr/>
+            <a:br>
+              <a:rPr dirty="0"/>
+            </a:br>
+            <a:endParaRPr dirty="0"/>
           </a:p>
         </p:txBody>
       </p:sp>
@@ -12751,7 +13003,7 @@
         </p:nvSpPr>
         <p:spPr>
           <a:xfrm>
-            <a:off x="724940" y="620548"/>
+            <a:off x="861575" y="1030452"/>
             <a:ext cx="7998646" cy="472529"/>
           </a:xfrm>
           <a:prstGeom prst="rect">
@@ -12759,7 +13011,9 @@
           </a:prstGeom>
         </p:spPr>
         <p:txBody>
-          <a:bodyPr/>
+          <a:bodyPr>
+            <a:noAutofit/>
+          </a:bodyPr>
           <a:lstStyle>
             <a:lvl1pPr defTabSz="594359">
               <a:spcBef>
@@ -12770,6 +13024,7 @@
           </a:lstStyle>
           <a:p>
             <a:r>
+              <a:rPr sz="4000" dirty="0"/>
               <a:t>Optional&lt;T&gt;</a:t>
             </a:r>
           </a:p>
@@ -12939,7 +13194,7 @@
         </p:nvSpPr>
         <p:spPr>
           <a:xfrm>
-            <a:off x="724940" y="620548"/>
+            <a:off x="724940" y="778203"/>
             <a:ext cx="7998646" cy="472529"/>
           </a:xfrm>
           <a:prstGeom prst="rect">
@@ -12947,7 +13202,9 @@
           </a:prstGeom>
         </p:spPr>
         <p:txBody>
-          <a:bodyPr/>
+          <a:bodyPr>
+            <a:noAutofit/>
+          </a:bodyPr>
           <a:lstStyle>
             <a:lvl1pPr defTabSz="594359">
               <a:spcBef>
@@ -12958,6 +13215,7 @@
           </a:lstStyle>
           <a:p>
             <a:r>
+              <a:rPr sz="4000" dirty="0"/>
               <a:t>Optional&lt;T&gt; with Value in it</a:t>
             </a:r>
           </a:p>
@@ -12971,8 +13229,8 @@
         </p:nvSpPr>
         <p:spPr>
           <a:xfrm>
-            <a:off x="724940" y="1783093"/>
-            <a:ext cx="10373984" cy="4247317"/>
+            <a:off x="1008719" y="1998388"/>
+            <a:ext cx="9575198" cy="369332"/>
           </a:xfrm>
           <a:prstGeom prst="rect">
             <a:avLst/>
@@ -13005,20 +13263,6 @@
             </a:pPr>
             <a:r>
               <a:rPr dirty="0"/>
-              <a:t>// Create an instance of Optional Object</a:t>
-            </a:r>
-          </a:p>
-          <a:p>
-            <a:pPr>
-              <a:defRPr>
-                <a:latin typeface="Courier New"/>
-                <a:ea typeface="Courier New"/>
-                <a:cs typeface="Courier New"/>
-                <a:sym typeface="Courier New"/>
-              </a:defRPr>
-            </a:pPr>
-            <a:r>
-              <a:rPr dirty="0"/>
               <a:t>Optional&lt;String&gt; </a:t>
             </a:r>
             <a:r>
@@ -13054,286 +13298,590 @@
               <a:t>);</a:t>
             </a:r>
           </a:p>
-          <a:p>
-            <a:pPr>
-              <a:defRPr>
-                <a:latin typeface="Courier New"/>
-                <a:ea typeface="Courier New"/>
-                <a:cs typeface="Courier New"/>
-                <a:sym typeface="Courier New"/>
-              </a:defRPr>
+        </p:txBody>
+      </p:sp>
+      <p:sp>
+        <p:nvSpPr>
+          <p:cNvPr id="2" name="Rectangle 1"/>
+          <p:cNvSpPr>
+            <a:spLocks noChangeArrowheads="1"/>
+          </p:cNvSpPr>
+          <p:nvPr/>
+        </p:nvSpPr>
+        <p:spPr bwMode="auto">
+          <a:xfrm>
+            <a:off x="1008719" y="2846627"/>
+            <a:ext cx="9575198" cy="369332"/>
+          </a:xfrm>
+          <a:prstGeom prst="rect">
+            <a:avLst/>
+          </a:prstGeom>
+          <a:solidFill>
+            <a:srgbClr val="FFFFFF"/>
+          </a:solidFill>
+          <a:ln>
+            <a:noFill/>
+          </a:ln>
+          <a:effectLst/>
+          <a:extLst>
+            <a:ext uri="{91240B29-F687-4F45-9708-019B960494DF}">
+              <a14:hiddenLine xmlns:a14="http://schemas.microsoft.com/office/drawing/2010/main" w="9525">
+                <a:solidFill>
+                  <a:schemeClr val="tx1"/>
+                </a:solidFill>
+                <a:miter lim="800000"/>
+                <a:headEnd/>
+                <a:tailEnd/>
+              </a14:hiddenLine>
+            </a:ext>
+            <a:ext uri="{AF507438-7753-43E0-B8FC-AC1667EBCBE1}">
+              <a14:hiddenEffects xmlns:a14="http://schemas.microsoft.com/office/drawing/2010/main">
+                <a:effectLst>
+                  <a:outerShdw dist="35921" dir="2700000" algn="ctr" rotWithShape="0">
+                    <a:schemeClr val="bg2"/>
+                  </a:outerShdw>
+                </a:effectLst>
+              </a14:hiddenEffects>
+            </a:ext>
+          </a:extLst>
+        </p:spPr>
+        <p:txBody>
+          <a:bodyPr vert="horz" wrap="square" lIns="91440" tIns="45720" rIns="91440" bIns="45720" numCol="1" anchor="ctr" anchorCtr="0" compatLnSpc="1">
+            <a:prstTxWarp prst="textNoShape">
+              <a:avLst/>
+            </a:prstTxWarp>
+            <a:spAutoFit/>
+          </a:bodyPr>
+          <a:lstStyle/>
+          <a:p>
+            <a:pPr marL="0" marR="0" lvl="0" indent="0" algn="l" defTabSz="914400" rtl="0" eaLnBrk="0" fontAlgn="base" latinLnBrk="0" hangingPunct="0">
+              <a:lnSpc>
+                <a:spcPct val="100000"/>
+              </a:lnSpc>
+              <a:spcBef>
+                <a:spcPct val="0"/>
+              </a:spcBef>
+              <a:spcAft>
+                <a:spcPct val="0"/>
+              </a:spcAft>
+              <a:buClrTx/>
+              <a:buSzTx/>
+              <a:buFontTx/>
+              <a:buNone/>
+              <a:tabLst/>
             </a:pPr>
-            <a:endParaRPr dirty="0"/>
-          </a:p>
-          <a:p>
-            <a:pPr>
-              <a:defRPr>
-                <a:latin typeface="Courier New"/>
-                <a:ea typeface="Courier New"/>
-                <a:cs typeface="Courier New"/>
-                <a:sym typeface="Courier New"/>
-              </a:defRPr>
+            <a:r>
+              <a:rPr kumimoji="0" lang="en-US" altLang="en-US" b="0" i="0" u="none" strike="noStrike" cap="none" normalizeH="0" baseline="0" dirty="0" err="1">
+                <a:ln>
+                  <a:noFill/>
+                </a:ln>
+                <a:solidFill>
+                  <a:srgbClr val="000000"/>
+                </a:solidFill>
+                <a:effectLst/>
+                <a:latin typeface="Courier New" panose="02070309020205020404" pitchFamily="49" charset="0"/>
+                <a:cs typeface="Courier New" panose="02070309020205020404" pitchFamily="49" charset="0"/>
+              </a:rPr>
+              <a:t>System.</a:t>
+            </a:r>
+            <a:r>
+              <a:rPr kumimoji="0" lang="en-US" altLang="en-US" b="1" i="1" u="none" strike="noStrike" cap="none" normalizeH="0" baseline="0" dirty="0" err="1">
+                <a:ln>
+                  <a:noFill/>
+                </a:ln>
+                <a:solidFill>
+                  <a:srgbClr val="660E7A"/>
+                </a:solidFill>
+                <a:effectLst/>
+                <a:latin typeface="Courier New" panose="02070309020205020404" pitchFamily="49" charset="0"/>
+                <a:cs typeface="Courier New" panose="02070309020205020404" pitchFamily="49" charset="0"/>
+              </a:rPr>
+              <a:t>out</a:t>
+            </a:r>
+            <a:r>
+              <a:rPr kumimoji="0" lang="en-US" altLang="en-US" b="0" i="0" u="none" strike="noStrike" cap="none" normalizeH="0" baseline="0" dirty="0" err="1">
+                <a:ln>
+                  <a:noFill/>
+                </a:ln>
+                <a:solidFill>
+                  <a:srgbClr val="000000"/>
+                </a:solidFill>
+                <a:effectLst/>
+                <a:latin typeface="Courier New" panose="02070309020205020404" pitchFamily="49" charset="0"/>
+                <a:cs typeface="Courier New" panose="02070309020205020404" pitchFamily="49" charset="0"/>
+              </a:rPr>
+              <a:t>.println</a:t>
+            </a:r>
+            <a:r>
+              <a:rPr kumimoji="0" lang="en-US" altLang="en-US" b="0" i="0" u="none" strike="noStrike" cap="none" normalizeH="0" baseline="0" dirty="0">
+                <a:ln>
+                  <a:noFill/>
+                </a:ln>
+                <a:solidFill>
+                  <a:srgbClr val="000000"/>
+                </a:solidFill>
+                <a:effectLst/>
+                <a:latin typeface="Courier New" panose="02070309020205020404" pitchFamily="49" charset="0"/>
+                <a:cs typeface="Courier New" panose="02070309020205020404" pitchFamily="49" charset="0"/>
+              </a:rPr>
+              <a:t>(</a:t>
+            </a:r>
+            <a:r>
+              <a:rPr kumimoji="0" lang="en-US" altLang="en-US" b="0" i="0" u="none" strike="noStrike" cap="none" normalizeH="0" baseline="0" dirty="0" err="1">
+                <a:ln>
+                  <a:noFill/>
+                </a:ln>
+                <a:solidFill>
+                  <a:srgbClr val="000000"/>
+                </a:solidFill>
+                <a:effectLst/>
+                <a:latin typeface="Courier New" panose="02070309020205020404" pitchFamily="49" charset="0"/>
+                <a:cs typeface="Courier New" panose="02070309020205020404" pitchFamily="49" charset="0"/>
+              </a:rPr>
+              <a:t>optionalGoal.get</a:t>
+            </a:r>
+            <a:r>
+              <a:rPr kumimoji="0" lang="en-US" altLang="en-US" b="0" i="0" u="none" strike="noStrike" cap="none" normalizeH="0" baseline="0" dirty="0">
+                <a:ln>
+                  <a:noFill/>
+                </a:ln>
+                <a:solidFill>
+                  <a:srgbClr val="000000"/>
+                </a:solidFill>
+                <a:effectLst/>
+                <a:latin typeface="Courier New" panose="02070309020205020404" pitchFamily="49" charset="0"/>
+                <a:cs typeface="Courier New" panose="02070309020205020404" pitchFamily="49" charset="0"/>
+              </a:rPr>
+              <a:t>());</a:t>
+            </a:r>
+            <a:endParaRPr kumimoji="0" lang="en-US" altLang="en-US" b="0" i="0" u="none" strike="noStrike" cap="none" normalizeH="0" baseline="0" dirty="0">
+              <a:ln>
+                <a:noFill/>
+              </a:ln>
+              <a:solidFill>
+                <a:schemeClr val="tx1"/>
+              </a:solidFill>
+              <a:effectLst/>
+              <a:latin typeface="Arial" panose="020B0604020202020204" pitchFamily="34" charset="0"/>
+            </a:endParaRPr>
+          </a:p>
+        </p:txBody>
+      </p:sp>
+      <p:sp>
+        <p:nvSpPr>
+          <p:cNvPr id="3" name="Rectangle 2"/>
+          <p:cNvSpPr>
+            <a:spLocks noChangeArrowheads="1"/>
+          </p:cNvSpPr>
+          <p:nvPr/>
+        </p:nvSpPr>
+        <p:spPr bwMode="auto">
+          <a:xfrm>
+            <a:off x="1008718" y="3694866"/>
+            <a:ext cx="9575199" cy="369332"/>
+          </a:xfrm>
+          <a:prstGeom prst="rect">
+            <a:avLst/>
+          </a:prstGeom>
+          <a:solidFill>
+            <a:srgbClr val="FFFFFF"/>
+          </a:solidFill>
+          <a:ln>
+            <a:noFill/>
+          </a:ln>
+          <a:effectLst/>
+          <a:extLst>
+            <a:ext uri="{91240B29-F687-4F45-9708-019B960494DF}">
+              <a14:hiddenLine xmlns:a14="http://schemas.microsoft.com/office/drawing/2010/main" w="9525">
+                <a:solidFill>
+                  <a:schemeClr val="tx1"/>
+                </a:solidFill>
+                <a:miter lim="800000"/>
+                <a:headEnd/>
+                <a:tailEnd/>
+              </a14:hiddenLine>
+            </a:ext>
+            <a:ext uri="{AF507438-7753-43E0-B8FC-AC1667EBCBE1}">
+              <a14:hiddenEffects xmlns:a14="http://schemas.microsoft.com/office/drawing/2010/main">
+                <a:effectLst>
+                  <a:outerShdw dist="35921" dir="2700000" algn="ctr" rotWithShape="0">
+                    <a:schemeClr val="bg2"/>
+                  </a:outerShdw>
+                </a:effectLst>
+              </a14:hiddenEffects>
+            </a:ext>
+          </a:extLst>
+        </p:spPr>
+        <p:txBody>
+          <a:bodyPr vert="horz" wrap="square" lIns="91440" tIns="45720" rIns="91440" bIns="45720" numCol="1" anchor="ctr" anchorCtr="0" compatLnSpc="1">
+            <a:prstTxWarp prst="textNoShape">
+              <a:avLst/>
+            </a:prstTxWarp>
+            <a:spAutoFit/>
+          </a:bodyPr>
+          <a:lstStyle/>
+          <a:p>
+            <a:pPr marL="0" marR="0" lvl="0" indent="0" algn="l" defTabSz="914400" rtl="0" eaLnBrk="0" fontAlgn="base" latinLnBrk="0" hangingPunct="0">
+              <a:lnSpc>
+                <a:spcPct val="100000"/>
+              </a:lnSpc>
+              <a:spcBef>
+                <a:spcPct val="0"/>
+              </a:spcBef>
+              <a:spcAft>
+                <a:spcPct val="0"/>
+              </a:spcAft>
+              <a:buClrTx/>
+              <a:buSzTx/>
+              <a:buFontTx/>
+              <a:buNone/>
+              <a:tabLst/>
             </a:pPr>
             <a:r>
-              <a:rPr dirty="0"/>
-              <a:t>// Check if there is a value in it</a:t>
-            </a:r>
-            <a:br>
-              <a:rPr dirty="0"/>
-            </a:br>
-            <a:r>
-              <a:rPr dirty="0" err="1"/>
+              <a:rPr kumimoji="0" lang="en-US" altLang="en-US" b="0" i="0" u="none" strike="noStrike" cap="none" normalizeH="0" baseline="0" dirty="0" err="1">
+                <a:ln>
+                  <a:noFill/>
+                </a:ln>
+                <a:solidFill>
+                  <a:srgbClr val="000000"/>
+                </a:solidFill>
+                <a:effectLst/>
+                <a:latin typeface="Courier New" panose="02070309020205020404" pitchFamily="49" charset="0"/>
+                <a:cs typeface="Courier New" panose="02070309020205020404" pitchFamily="49" charset="0"/>
+              </a:rPr>
               <a:t>System.</a:t>
             </a:r>
             <a:r>
-              <a:rPr b="1" i="1" dirty="0" err="1">
+              <a:rPr kumimoji="0" lang="en-US" altLang="en-US" b="1" i="1" u="none" strike="noStrike" cap="none" normalizeH="0" baseline="0" dirty="0" err="1">
+                <a:ln>
+                  <a:noFill/>
+                </a:ln>
                 <a:solidFill>
                   <a:srgbClr val="660E7A"/>
                 </a:solidFill>
+                <a:effectLst/>
+                <a:latin typeface="Courier New" panose="02070309020205020404" pitchFamily="49" charset="0"/>
+                <a:cs typeface="Courier New" panose="02070309020205020404" pitchFamily="49" charset="0"/>
               </a:rPr>
               <a:t>out</a:t>
             </a:r>
             <a:r>
-              <a:rPr dirty="0" err="1"/>
+              <a:rPr kumimoji="0" lang="en-US" altLang="en-US" b="0" i="0" u="none" strike="noStrike" cap="none" normalizeH="0" baseline="0" dirty="0" err="1">
+                <a:ln>
+                  <a:noFill/>
+                </a:ln>
+                <a:solidFill>
+                  <a:srgbClr val="000000"/>
+                </a:solidFill>
+                <a:effectLst/>
+                <a:latin typeface="Courier New" panose="02070309020205020404" pitchFamily="49" charset="0"/>
+                <a:cs typeface="Courier New" panose="02070309020205020404" pitchFamily="49" charset="0"/>
+              </a:rPr>
               <a:t>.println</a:t>
             </a:r>
             <a:r>
-              <a:rPr dirty="0"/>
+              <a:rPr kumimoji="0" lang="en-US" altLang="en-US" b="0" i="0" u="none" strike="noStrike" cap="none" normalizeH="0" baseline="0" dirty="0">
+                <a:ln>
+                  <a:noFill/>
+                </a:ln>
+                <a:solidFill>
+                  <a:srgbClr val="000000"/>
+                </a:solidFill>
+                <a:effectLst/>
+                <a:latin typeface="Courier New" panose="02070309020205020404" pitchFamily="49" charset="0"/>
+                <a:cs typeface="Courier New" panose="02070309020205020404" pitchFamily="49" charset="0"/>
+              </a:rPr>
               <a:t>(</a:t>
             </a:r>
             <a:r>
-              <a:rPr dirty="0" err="1"/>
-              <a:t>optionalGoal.isPresent</a:t>
-            </a:r>
-            <a:r>
-              <a:rPr dirty="0"/>
-              <a:t>());          </a:t>
-            </a:r>
-            <a:br>
-              <a:rPr dirty="0"/>
-            </a:br>
-            <a:endParaRPr i="1" dirty="0">
+              <a:rPr kumimoji="0" lang="en-US" altLang="en-US" b="0" i="0" u="none" strike="noStrike" cap="none" normalizeH="0" baseline="0" dirty="0" err="1">
+                <a:ln>
+                  <a:noFill/>
+                </a:ln>
+                <a:solidFill>
+                  <a:srgbClr val="000000"/>
+                </a:solidFill>
+                <a:effectLst/>
+                <a:latin typeface="Courier New" panose="02070309020205020404" pitchFamily="49" charset="0"/>
+                <a:cs typeface="Courier New" panose="02070309020205020404" pitchFamily="49" charset="0"/>
+              </a:rPr>
+              <a:t>optionalGoal.orElse</a:t>
+            </a:r>
+            <a:r>
+              <a:rPr kumimoji="0" lang="en-US" altLang="en-US" b="0" i="0" u="none" strike="noStrike" cap="none" normalizeH="0" baseline="0" dirty="0">
+                <a:ln>
+                  <a:noFill/>
+                </a:ln>
+                <a:solidFill>
+                  <a:srgbClr val="000000"/>
+                </a:solidFill>
+                <a:effectLst/>
+                <a:latin typeface="Courier New" panose="02070309020205020404" pitchFamily="49" charset="0"/>
+                <a:cs typeface="Courier New" panose="02070309020205020404" pitchFamily="49" charset="0"/>
+              </a:rPr>
+              <a:t>(</a:t>
+            </a:r>
+            <a:r>
+              <a:rPr kumimoji="0" lang="en-US" altLang="en-US" b="1" i="0" u="none" strike="noStrike" cap="none" normalizeH="0" baseline="0" dirty="0">
+                <a:ln>
+                  <a:noFill/>
+                </a:ln>
+                <a:solidFill>
+                  <a:srgbClr val="008000"/>
+                </a:solidFill>
+                <a:effectLst/>
+                <a:latin typeface="Courier New" panose="02070309020205020404" pitchFamily="49" charset="0"/>
+                <a:cs typeface="Courier New" panose="02070309020205020404" pitchFamily="49" charset="0"/>
+              </a:rPr>
+              <a:t>"fallback"</a:t>
+            </a:r>
+            <a:r>
+              <a:rPr kumimoji="0" lang="en-US" altLang="en-US" b="0" i="0" u="none" strike="noStrike" cap="none" normalizeH="0" baseline="0" dirty="0">
+                <a:ln>
+                  <a:noFill/>
+                </a:ln>
+                <a:solidFill>
+                  <a:srgbClr val="000000"/>
+                </a:solidFill>
+                <a:effectLst/>
+                <a:latin typeface="Courier New" panose="02070309020205020404" pitchFamily="49" charset="0"/>
+                <a:cs typeface="Courier New" panose="02070309020205020404" pitchFamily="49" charset="0"/>
+              </a:rPr>
+              <a:t>));</a:t>
+            </a:r>
+            <a:endParaRPr kumimoji="0" lang="en-US" altLang="en-US" b="0" i="0" u="none" strike="noStrike" cap="none" normalizeH="0" baseline="0" dirty="0">
+              <a:ln>
+                <a:noFill/>
+              </a:ln>
               <a:solidFill>
-                <a:srgbClr val="808080"/>
+                <a:schemeClr val="tx1"/>
               </a:solidFill>
+              <a:effectLst/>
+              <a:latin typeface="Arial" panose="020B0604020202020204" pitchFamily="34" charset="0"/>
             </a:endParaRPr>
           </a:p>
-          <a:p>
-            <a:pPr>
-              <a:defRPr i="1">
-                <a:solidFill>
-                  <a:srgbClr val="808080"/>
-                </a:solidFill>
-                <a:latin typeface="Courier New"/>
-                <a:ea typeface="Courier New"/>
-                <a:cs typeface="Courier New"/>
-                <a:sym typeface="Courier New"/>
-              </a:defRPr>
+        </p:txBody>
+      </p:sp>
+      <p:sp>
+        <p:nvSpPr>
+          <p:cNvPr id="4" name="Rectangle 3"/>
+          <p:cNvSpPr>
+            <a:spLocks noChangeArrowheads="1"/>
+          </p:cNvSpPr>
+          <p:nvPr/>
+        </p:nvSpPr>
+        <p:spPr bwMode="auto">
+          <a:xfrm>
+            <a:off x="1008718" y="4627188"/>
+            <a:ext cx="9575199" cy="369332"/>
+          </a:xfrm>
+          <a:prstGeom prst="rect">
+            <a:avLst/>
+          </a:prstGeom>
+          <a:solidFill>
+            <a:srgbClr val="FFFFFF"/>
+          </a:solidFill>
+          <a:ln>
+            <a:noFill/>
+          </a:ln>
+          <a:effectLst/>
+          <a:extLst>
+            <a:ext uri="{91240B29-F687-4F45-9708-019B960494DF}">
+              <a14:hiddenLine xmlns:a14="http://schemas.microsoft.com/office/drawing/2010/main" w="9525">
+                <a:solidFill>
+                  <a:schemeClr val="tx1"/>
+                </a:solidFill>
+                <a:miter lim="800000"/>
+                <a:headEnd/>
+                <a:tailEnd/>
+              </a14:hiddenLine>
+            </a:ext>
+            <a:ext uri="{AF507438-7753-43E0-B8FC-AC1667EBCBE1}">
+              <a14:hiddenEffects xmlns:a14="http://schemas.microsoft.com/office/drawing/2010/main">
+                <a:effectLst>
+                  <a:outerShdw dist="35921" dir="2700000" algn="ctr" rotWithShape="0">
+                    <a:schemeClr val="bg2"/>
+                  </a:outerShdw>
+                </a:effectLst>
+              </a14:hiddenEffects>
+            </a:ext>
+          </a:extLst>
+        </p:spPr>
+        <p:txBody>
+          <a:bodyPr vert="horz" wrap="square" lIns="91440" tIns="45720" rIns="91440" bIns="45720" numCol="1" anchor="ctr" anchorCtr="0" compatLnSpc="1">
+            <a:prstTxWarp prst="textNoShape">
+              <a:avLst/>
+            </a:prstTxWarp>
+            <a:spAutoFit/>
+          </a:bodyPr>
+          <a:lstStyle/>
+          <a:p>
+            <a:pPr marL="0" marR="0" lvl="0" indent="0" algn="l" defTabSz="914400" rtl="0" eaLnBrk="0" fontAlgn="base" latinLnBrk="0" hangingPunct="0">
+              <a:lnSpc>
+                <a:spcPct val="100000"/>
+              </a:lnSpc>
+              <a:spcBef>
+                <a:spcPct val="0"/>
+              </a:spcBef>
+              <a:spcAft>
+                <a:spcPct val="0"/>
+              </a:spcAft>
+              <a:buClrTx/>
+              <a:buSzTx/>
+              <a:buFontTx/>
+              <a:buNone/>
+              <a:tabLst/>
             </a:pPr>
             <a:r>
-              <a:rPr dirty="0"/>
-              <a:t>// Get the value</a:t>
-            </a:r>
-          </a:p>
-          <a:p>
-            <a:pPr>
-              <a:defRPr>
-                <a:latin typeface="Courier New"/>
-                <a:ea typeface="Courier New"/>
-                <a:cs typeface="Courier New"/>
-                <a:sym typeface="Courier New"/>
-              </a:defRPr>
-            </a:pPr>
-            <a:r>
-              <a:rPr dirty="0" err="1"/>
+              <a:rPr kumimoji="0" lang="en-US" altLang="en-US" b="0" i="0" u="none" strike="noStrike" cap="none" normalizeH="0" baseline="0" dirty="0" err="1">
+                <a:ln>
+                  <a:noFill/>
+                </a:ln>
+                <a:solidFill>
+                  <a:srgbClr val="000000"/>
+                </a:solidFill>
+                <a:effectLst/>
+                <a:latin typeface="Courier New" panose="02070309020205020404" pitchFamily="49" charset="0"/>
+                <a:cs typeface="Courier New" panose="02070309020205020404" pitchFamily="49" charset="0"/>
+              </a:rPr>
+              <a:t>optionalGoal.ifPresent</a:t>
+            </a:r>
+            <a:r>
+              <a:rPr kumimoji="0" lang="en-US" altLang="en-US" b="0" i="0" u="none" strike="noStrike" cap="none" normalizeH="0" baseline="0" dirty="0">
+                <a:ln>
+                  <a:noFill/>
+                </a:ln>
+                <a:solidFill>
+                  <a:srgbClr val="000000"/>
+                </a:solidFill>
+                <a:effectLst/>
+                <a:latin typeface="Courier New" panose="02070309020205020404" pitchFamily="49" charset="0"/>
+                <a:cs typeface="Courier New" panose="02070309020205020404" pitchFamily="49" charset="0"/>
+              </a:rPr>
+              <a:t>((s) -&gt; </a:t>
+            </a:r>
+            <a:r>
+              <a:rPr kumimoji="0" lang="en-US" altLang="en-US" b="0" i="0" u="none" strike="noStrike" cap="none" normalizeH="0" baseline="0" dirty="0" err="1">
+                <a:ln>
+                  <a:noFill/>
+                </a:ln>
+                <a:solidFill>
+                  <a:srgbClr val="000000"/>
+                </a:solidFill>
+                <a:effectLst/>
+                <a:latin typeface="Courier New" panose="02070309020205020404" pitchFamily="49" charset="0"/>
+                <a:cs typeface="Courier New" panose="02070309020205020404" pitchFamily="49" charset="0"/>
+              </a:rPr>
               <a:t>System.</a:t>
             </a:r>
             <a:r>
-              <a:rPr b="1" i="1" dirty="0" err="1">
+              <a:rPr kumimoji="0" lang="en-US" altLang="en-US" b="1" i="1" u="none" strike="noStrike" cap="none" normalizeH="0" baseline="0" dirty="0" err="1">
+                <a:ln>
+                  <a:noFill/>
+                </a:ln>
                 <a:solidFill>
                   <a:srgbClr val="660E7A"/>
                 </a:solidFill>
+                <a:effectLst/>
+                <a:latin typeface="Courier New" panose="02070309020205020404" pitchFamily="49" charset="0"/>
+                <a:cs typeface="Courier New" panose="02070309020205020404" pitchFamily="49" charset="0"/>
               </a:rPr>
               <a:t>out</a:t>
             </a:r>
             <a:r>
-              <a:rPr dirty="0" err="1"/>
+              <a:rPr kumimoji="0" lang="en-US" altLang="en-US" b="0" i="0" u="none" strike="noStrike" cap="none" normalizeH="0" baseline="0" dirty="0" err="1">
+                <a:ln>
+                  <a:noFill/>
+                </a:ln>
+                <a:solidFill>
+                  <a:srgbClr val="000000"/>
+                </a:solidFill>
+                <a:effectLst/>
+                <a:latin typeface="Courier New" panose="02070309020205020404" pitchFamily="49" charset="0"/>
+                <a:cs typeface="Courier New" panose="02070309020205020404" pitchFamily="49" charset="0"/>
+              </a:rPr>
               <a:t>.println</a:t>
             </a:r>
             <a:r>
-              <a:rPr dirty="0"/>
+              <a:rPr kumimoji="0" lang="en-US" altLang="en-US" b="0" i="0" u="none" strike="noStrike" cap="none" normalizeH="0" baseline="0" dirty="0">
+                <a:ln>
+                  <a:noFill/>
+                </a:ln>
+                <a:solidFill>
+                  <a:srgbClr val="000000"/>
+                </a:solidFill>
+                <a:effectLst/>
+                <a:latin typeface="Courier New" panose="02070309020205020404" pitchFamily="49" charset="0"/>
+                <a:cs typeface="Courier New" panose="02070309020205020404" pitchFamily="49" charset="0"/>
+              </a:rPr>
               <a:t>(</a:t>
             </a:r>
             <a:r>
-              <a:rPr dirty="0" err="1"/>
-              <a:t>optionalGoal.get</a:t>
-            </a:r>
-            <a:r>
-              <a:rPr dirty="0"/>
-              <a:t>());           </a:t>
-            </a:r>
-            <a:br>
-              <a:rPr dirty="0"/>
-            </a:br>
-            <a:endParaRPr i="1" dirty="0">
+              <a:rPr kumimoji="0" lang="en-US" altLang="en-US" b="0" i="0" u="none" strike="noStrike" cap="none" normalizeH="0" baseline="0" dirty="0" err="1">
+                <a:ln>
+                  <a:noFill/>
+                </a:ln>
+                <a:solidFill>
+                  <a:srgbClr val="000000"/>
+                </a:solidFill>
+                <a:effectLst/>
+                <a:latin typeface="Courier New" panose="02070309020205020404" pitchFamily="49" charset="0"/>
+                <a:cs typeface="Courier New" panose="02070309020205020404" pitchFamily="49" charset="0"/>
+              </a:rPr>
+              <a:t>s.charAt</a:t>
+            </a:r>
+            <a:r>
+              <a:rPr kumimoji="0" lang="en-US" altLang="en-US" b="0" i="0" u="none" strike="noStrike" cap="none" normalizeH="0" baseline="0" dirty="0">
+                <a:ln>
+                  <a:noFill/>
+                </a:ln>
+                <a:solidFill>
+                  <a:srgbClr val="000000"/>
+                </a:solidFill>
+                <a:effectLst/>
+                <a:latin typeface="Courier New" panose="02070309020205020404" pitchFamily="49" charset="0"/>
+                <a:cs typeface="Courier New" panose="02070309020205020404" pitchFamily="49" charset="0"/>
+              </a:rPr>
+              <a:t>(</a:t>
+            </a:r>
+            <a:r>
+              <a:rPr kumimoji="0" lang="en-US" altLang="en-US" b="0" i="0" u="none" strike="noStrike" cap="none" normalizeH="0" baseline="0" dirty="0">
+                <a:ln>
+                  <a:noFill/>
+                </a:ln>
+                <a:solidFill>
+                  <a:srgbClr val="0000FF"/>
+                </a:solidFill>
+                <a:effectLst/>
+                <a:latin typeface="Courier New" panose="02070309020205020404" pitchFamily="49" charset="0"/>
+                <a:cs typeface="Courier New" panose="02070309020205020404" pitchFamily="49" charset="0"/>
+              </a:rPr>
+              <a:t>0</a:t>
+            </a:r>
+            <a:r>
+              <a:rPr kumimoji="0" lang="en-US" altLang="en-US" b="0" i="0" u="none" strike="noStrike" cap="none" normalizeH="0" baseline="0" dirty="0">
+                <a:ln>
+                  <a:noFill/>
+                </a:ln>
+                <a:solidFill>
+                  <a:srgbClr val="000000"/>
+                </a:solidFill>
+                <a:effectLst/>
+                <a:latin typeface="Courier New" panose="02070309020205020404" pitchFamily="49" charset="0"/>
+                <a:cs typeface="Courier New" panose="02070309020205020404" pitchFamily="49" charset="0"/>
+              </a:rPr>
+              <a:t>)));</a:t>
+            </a:r>
+            <a:endParaRPr kumimoji="0" lang="en-US" altLang="en-US" b="0" i="0" u="none" strike="noStrike" cap="none" normalizeH="0" baseline="0" dirty="0">
+              <a:ln>
+                <a:noFill/>
+              </a:ln>
               <a:solidFill>
-                <a:srgbClr val="808080"/>
+                <a:schemeClr val="tx1"/>
               </a:solidFill>
+              <a:effectLst/>
+              <a:latin typeface="Arial" panose="020B0604020202020204" pitchFamily="34" charset="0"/>
             </a:endParaRPr>
-          </a:p>
-          <a:p>
-            <a:pPr>
-              <a:defRPr i="1">
-                <a:solidFill>
-                  <a:srgbClr val="808080"/>
-                </a:solidFill>
-                <a:latin typeface="Courier New"/>
-                <a:ea typeface="Courier New"/>
-                <a:cs typeface="Courier New"/>
-                <a:sym typeface="Courier New"/>
-              </a:defRPr>
-            </a:pPr>
-            <a:r>
-              <a:rPr dirty="0"/>
-              <a:t>// If it contains no value, return fallback</a:t>
-            </a:r>
-          </a:p>
-          <a:p>
-            <a:pPr>
-              <a:defRPr>
-                <a:latin typeface="Courier New"/>
-                <a:ea typeface="Courier New"/>
-                <a:cs typeface="Courier New"/>
-                <a:sym typeface="Courier New"/>
-              </a:defRPr>
-            </a:pPr>
-            <a:r>
-              <a:rPr dirty="0" err="1"/>
-              <a:t>System.</a:t>
-            </a:r>
-            <a:r>
-              <a:rPr b="1" i="1" dirty="0" err="1">
-                <a:solidFill>
-                  <a:srgbClr val="660E7A"/>
-                </a:solidFill>
-              </a:rPr>
-              <a:t>out</a:t>
-            </a:r>
-            <a:r>
-              <a:rPr dirty="0" err="1"/>
-              <a:t>.println</a:t>
-            </a:r>
-            <a:r>
-              <a:rPr dirty="0"/>
-              <a:t>(</a:t>
-            </a:r>
-            <a:r>
-              <a:rPr dirty="0" err="1"/>
-              <a:t>optionalGoal.orElse</a:t>
-            </a:r>
-            <a:r>
-              <a:rPr dirty="0"/>
-              <a:t>(</a:t>
-            </a:r>
-            <a:r>
-              <a:rPr b="1" dirty="0">
-                <a:solidFill>
-                  <a:srgbClr val="008000"/>
-                </a:solidFill>
-              </a:rPr>
-              <a:t>"fallback"</a:t>
-            </a:r>
-            <a:r>
-              <a:rPr dirty="0"/>
-              <a:t>));  </a:t>
-            </a:r>
-            <a:br>
-              <a:rPr dirty="0"/>
-            </a:br>
-            <a:endParaRPr i="1" dirty="0">
-              <a:solidFill>
-                <a:srgbClr val="808080"/>
-              </a:solidFill>
-            </a:endParaRPr>
-          </a:p>
-          <a:p>
-            <a:pPr>
-              <a:defRPr i="1">
-                <a:solidFill>
-                  <a:srgbClr val="808080"/>
-                </a:solidFill>
-                <a:latin typeface="Courier New"/>
-                <a:ea typeface="Courier New"/>
-                <a:cs typeface="Courier New"/>
-                <a:sym typeface="Courier New"/>
-              </a:defRPr>
-            </a:pPr>
-            <a:r>
-              <a:rPr dirty="0"/>
-              <a:t>// Get executed only if there is value in it</a:t>
-            </a:r>
-          </a:p>
-          <a:p>
-            <a:pPr>
-              <a:defRPr>
-                <a:latin typeface="Courier New"/>
-                <a:ea typeface="Courier New"/>
-                <a:cs typeface="Courier New"/>
-                <a:sym typeface="Courier New"/>
-              </a:defRPr>
-            </a:pPr>
-            <a:r>
-              <a:rPr dirty="0" err="1"/>
-              <a:t>optionalGoal.ifPresent</a:t>
-            </a:r>
-            <a:r>
-              <a:rPr dirty="0"/>
-              <a:t>((s) -&gt; </a:t>
-            </a:r>
-            <a:r>
-              <a:rPr dirty="0" err="1"/>
-              <a:t>System.</a:t>
-            </a:r>
-            <a:r>
-              <a:rPr b="1" i="1" dirty="0" err="1">
-                <a:solidFill>
-                  <a:srgbClr val="660E7A"/>
-                </a:solidFill>
-              </a:rPr>
-              <a:t>out</a:t>
-            </a:r>
-            <a:r>
-              <a:rPr dirty="0" err="1"/>
-              <a:t>.println</a:t>
-            </a:r>
-            <a:r>
-              <a:rPr dirty="0"/>
-              <a:t>(</a:t>
-            </a:r>
-            <a:r>
-              <a:rPr dirty="0" err="1"/>
-              <a:t>s.charAt</a:t>
-            </a:r>
-            <a:r>
-              <a:rPr dirty="0"/>
-              <a:t>(</a:t>
-            </a:r>
-            <a:r>
-              <a:rPr dirty="0">
-                <a:solidFill>
-                  <a:srgbClr val="0000FF"/>
-                </a:solidFill>
-              </a:rPr>
-              <a:t>0</a:t>
-            </a:r>
-            <a:r>
-              <a:rPr dirty="0"/>
-              <a:t>)));     </a:t>
-            </a:r>
-            <a:br>
-              <a:rPr dirty="0"/>
-            </a:br>
-            <a:endParaRPr dirty="0"/>
           </a:p>
         </p:txBody>
       </p:sp>
@@ -13348,8 +13896,8 @@
       <p:par>
         <p:cTn id="1" dur="indefinite" restart="never" fill="hold" nodeType="tmRoot">
           <p:childTnLst>
-            <p:seq concurrent="1" prevAc="none" nextAc="seek">
-              <p:cTn id="2" dur="indefinite" fill="hold" nodeType="mainSeq">
+            <p:seq concurrent="1" nextAc="seek">
+              <p:cTn id="2" dur="indefinite" nodeType="mainSeq">
                 <p:childTnLst>
                   <p:par>
                     <p:cTn id="3" fill="hold">
@@ -13364,23 +13912,20 @@
                             </p:stCondLst>
                             <p:childTnLst>
                               <p:par>
-                                <p:cTn id="5" presetID="22" presetClass="entr" presetSubtype="8" fill="hold" grpId="1" nodeType="clickEffect">
+                                <p:cTn id="5" presetID="10" presetClass="entr" presetSubtype="0" fill="hold" grpId="0" nodeType="clickEffect">
                                   <p:stCondLst>
                                     <p:cond delay="0"/>
                                   </p:stCondLst>
-                                  <p:iterate>
-                                    <p:tmAbs val="0"/>
-                                  </p:iterate>
                                   <p:childTnLst>
                                     <p:set>
                                       <p:cBhvr>
-                                        <p:cTn id="6" fill="hold"/>
+                                        <p:cTn id="6" dur="1" fill="hold">
+                                          <p:stCondLst>
+                                            <p:cond delay="0"/>
+                                          </p:stCondLst>
+                                        </p:cTn>
                                         <p:tgtEl>
-                                          <p:spTgt spid="306">
-                                            <p:txEl>
-                                              <p:pRg st="3" end="3"/>
-                                            </p:txEl>
-                                          </p:spTgt>
+                                          <p:spTgt spid="306"/>
                                         </p:tgtEl>
                                         <p:attrNameLst>
                                           <p:attrName>style.visibility</p:attrName>
@@ -13390,15 +13935,11 @@
                                         <p:strVal val="visible"/>
                                       </p:to>
                                     </p:set>
-                                    <p:animEffect transition="in" filter="wipe(left)">
+                                    <p:animEffect transition="in" filter="fade">
                                       <p:cBhvr>
                                         <p:cTn id="7" dur="500"/>
                                         <p:tgtEl>
-                                          <p:spTgt spid="306">
-                                            <p:txEl>
-                                              <p:pRg st="3" end="3"/>
-                                            </p:txEl>
-                                          </p:spTgt>
+                                          <p:spTgt spid="306"/>
                                         </p:tgtEl>
                                       </p:cBhvr>
                                     </p:animEffect>
@@ -13424,23 +13965,20 @@
                             </p:stCondLst>
                             <p:childTnLst>
                               <p:par>
-                                <p:cTn id="10" presetID="22" presetClass="entr" presetSubtype="8" fill="hold" grpId="1" nodeType="clickEffect">
+                                <p:cTn id="10" presetID="10" presetClass="entr" presetSubtype="0" fill="hold" grpId="0" nodeType="clickEffect">
                                   <p:stCondLst>
                                     <p:cond delay="0"/>
                                   </p:stCondLst>
-                                  <p:iterate>
-                                    <p:tmAbs val="0"/>
-                                  </p:iterate>
                                   <p:childTnLst>
                                     <p:set>
                                       <p:cBhvr>
-                                        <p:cTn id="11" fill="hold"/>
+                                        <p:cTn id="11" dur="1" fill="hold">
+                                          <p:stCondLst>
+                                            <p:cond delay="0"/>
+                                          </p:stCondLst>
+                                        </p:cTn>
                                         <p:tgtEl>
-                                          <p:spTgt spid="306">
-                                            <p:txEl>
-                                              <p:pRg st="4" end="4"/>
-                                            </p:txEl>
-                                          </p:spTgt>
+                                          <p:spTgt spid="2"/>
                                         </p:tgtEl>
                                         <p:attrNameLst>
                                           <p:attrName>style.visibility</p:attrName>
@@ -13450,66 +13988,11 @@
                                         <p:strVal val="visible"/>
                                       </p:to>
                                     </p:set>
-                                    <p:animEffect transition="in" filter="wipe(left)">
+                                    <p:animEffect transition="in" filter="fade">
                                       <p:cBhvr>
                                         <p:cTn id="12" dur="500"/>
                                         <p:tgtEl>
-                                          <p:spTgt spid="306">
-                                            <p:txEl>
-                                              <p:pRg st="4" end="4"/>
-                                            </p:txEl>
-                                          </p:spTgt>
-                                        </p:tgtEl>
-                                      </p:cBhvr>
-                                    </p:animEffect>
-                                  </p:childTnLst>
-                                </p:cTn>
-                              </p:par>
-                            </p:childTnLst>
-                          </p:cTn>
-                        </p:par>
-                        <p:par>
-                          <p:cTn id="13" fill="hold">
-                            <p:stCondLst>
-                              <p:cond delay="500"/>
-                            </p:stCondLst>
-                            <p:childTnLst>
-                              <p:par>
-                                <p:cTn id="14" presetID="22" presetClass="entr" presetSubtype="8" fill="hold" grpId="1" nodeType="afterEffect">
-                                  <p:stCondLst>
-                                    <p:cond delay="0"/>
-                                  </p:stCondLst>
-                                  <p:iterate>
-                                    <p:tmAbs val="0"/>
-                                  </p:iterate>
-                                  <p:childTnLst>
-                                    <p:set>
-                                      <p:cBhvr>
-                                        <p:cTn id="15" fill="hold"/>
-                                        <p:tgtEl>
-                                          <p:spTgt spid="306">
-                                            <p:txEl>
-                                              <p:pRg st="5" end="5"/>
-                                            </p:txEl>
-                                          </p:spTgt>
-                                        </p:tgtEl>
-                                        <p:attrNameLst>
-                                          <p:attrName>style.visibility</p:attrName>
-                                        </p:attrNameLst>
-                                      </p:cBhvr>
-                                      <p:to>
-                                        <p:strVal val="visible"/>
-                                      </p:to>
-                                    </p:set>
-                                    <p:animEffect transition="in" filter="wipe(left)">
-                                      <p:cBhvr>
-                                        <p:cTn id="16" dur="500"/>
-                                        <p:tgtEl>
-                                          <p:spTgt spid="306">
-                                            <p:txEl>
-                                              <p:pRg st="5" end="5"/>
-                                            </p:txEl>
-                                          </p:spTgt>
+                                          <p:spTgt spid="2"/>
                                         </p:tgtEl>
                                       </p:cBhvr>
                                     </p:animEffect>
@@ -13523,35 +14006,32 @@
                     </p:cTn>
                   </p:par>
                   <p:par>
-                    <p:cTn id="17" fill="hold">
+                    <p:cTn id="13" fill="hold">
                       <p:stCondLst>
                         <p:cond delay="indefinite"/>
                       </p:stCondLst>
                       <p:childTnLst>
                         <p:par>
-                          <p:cTn id="18" fill="hold">
+                          <p:cTn id="14" fill="hold">
                             <p:stCondLst>
                               <p:cond delay="0"/>
                             </p:stCondLst>
                             <p:childTnLst>
                               <p:par>
-                                <p:cTn id="19" presetID="22" presetClass="entr" presetSubtype="8" fill="hold" grpId="1" nodeType="clickEffect">
+                                <p:cTn id="15" presetID="10" presetClass="entr" presetSubtype="0" fill="hold" grpId="0" nodeType="clickEffect">
                                   <p:stCondLst>
                                     <p:cond delay="0"/>
                                   </p:stCondLst>
-                                  <p:iterate>
-                                    <p:tmAbs val="0"/>
-                                  </p:iterate>
                                   <p:childTnLst>
                                     <p:set>
                                       <p:cBhvr>
-                                        <p:cTn id="20" fill="hold"/>
+                                        <p:cTn id="16" dur="1" fill="hold">
+                                          <p:stCondLst>
+                                            <p:cond delay="0"/>
+                                          </p:stCondLst>
+                                        </p:cTn>
                                         <p:tgtEl>
-                                          <p:spTgt spid="306">
-                                            <p:txEl>
-                                              <p:pRg st="6" end="6"/>
-                                            </p:txEl>
-                                          </p:spTgt>
+                                          <p:spTgt spid="3"/>
                                         </p:tgtEl>
                                         <p:attrNameLst>
                                           <p:attrName>style.visibility</p:attrName>
@@ -13561,66 +14041,11 @@
                                         <p:strVal val="visible"/>
                                       </p:to>
                                     </p:set>
-                                    <p:animEffect transition="in" filter="wipe(left)">
+                                    <p:animEffect transition="in" filter="fade">
                                       <p:cBhvr>
-                                        <p:cTn id="21" dur="500"/>
+                                        <p:cTn id="17" dur="500"/>
                                         <p:tgtEl>
-                                          <p:spTgt spid="306">
-                                            <p:txEl>
-                                              <p:pRg st="6" end="6"/>
-                                            </p:txEl>
-                                          </p:spTgt>
-                                        </p:tgtEl>
-                                      </p:cBhvr>
-                                    </p:animEffect>
-                                  </p:childTnLst>
-                                </p:cTn>
-                              </p:par>
-                            </p:childTnLst>
-                          </p:cTn>
-                        </p:par>
-                        <p:par>
-                          <p:cTn id="22" fill="hold">
-                            <p:stCondLst>
-                              <p:cond delay="500"/>
-                            </p:stCondLst>
-                            <p:childTnLst>
-                              <p:par>
-                                <p:cTn id="23" presetID="22" presetClass="entr" presetSubtype="8" fill="hold" grpId="1" nodeType="afterEffect">
-                                  <p:stCondLst>
-                                    <p:cond delay="0"/>
-                                  </p:stCondLst>
-                                  <p:iterate>
-                                    <p:tmAbs val="0"/>
-                                  </p:iterate>
-                                  <p:childTnLst>
-                                    <p:set>
-                                      <p:cBhvr>
-                                        <p:cTn id="24" fill="hold"/>
-                                        <p:tgtEl>
-                                          <p:spTgt spid="306">
-                                            <p:txEl>
-                                              <p:pRg st="7" end="7"/>
-                                            </p:txEl>
-                                          </p:spTgt>
-                                        </p:tgtEl>
-                                        <p:attrNameLst>
-                                          <p:attrName>style.visibility</p:attrName>
-                                        </p:attrNameLst>
-                                      </p:cBhvr>
-                                      <p:to>
-                                        <p:strVal val="visible"/>
-                                      </p:to>
-                                    </p:set>
-                                    <p:animEffect transition="in" filter="wipe(left)">
-                                      <p:cBhvr>
-                                        <p:cTn id="25" dur="500"/>
-                                        <p:tgtEl>
-                                          <p:spTgt spid="306">
-                                            <p:txEl>
-                                              <p:pRg st="7" end="7"/>
-                                            </p:txEl>
-                                          </p:spTgt>
+                                          <p:spTgt spid="3"/>
                                         </p:tgtEl>
                                       </p:cBhvr>
                                     </p:animEffect>
@@ -13634,35 +14059,32 @@
                     </p:cTn>
                   </p:par>
                   <p:par>
-                    <p:cTn id="26" fill="hold">
+                    <p:cTn id="18" fill="hold">
                       <p:stCondLst>
                         <p:cond delay="indefinite"/>
                       </p:stCondLst>
                       <p:childTnLst>
                         <p:par>
-                          <p:cTn id="27" fill="hold">
+                          <p:cTn id="19" fill="hold">
                             <p:stCondLst>
                               <p:cond delay="0"/>
                             </p:stCondLst>
                             <p:childTnLst>
                               <p:par>
-                                <p:cTn id="28" presetID="22" presetClass="entr" presetSubtype="8" fill="hold" grpId="1" nodeType="clickEffect">
+                                <p:cTn id="20" presetID="10" presetClass="entr" presetSubtype="0" fill="hold" grpId="0" nodeType="clickEffect">
                                   <p:stCondLst>
                                     <p:cond delay="0"/>
                                   </p:stCondLst>
-                                  <p:iterate>
-                                    <p:tmAbs val="0"/>
-                                  </p:iterate>
                                   <p:childTnLst>
                                     <p:set>
                                       <p:cBhvr>
-                                        <p:cTn id="29" fill="hold"/>
+                                        <p:cTn id="21" dur="1" fill="hold">
+                                          <p:stCondLst>
+                                            <p:cond delay="0"/>
+                                          </p:stCondLst>
+                                        </p:cTn>
                                         <p:tgtEl>
-                                          <p:spTgt spid="306">
-                                            <p:txEl>
-                                              <p:pRg st="8" end="8"/>
-                                            </p:txEl>
-                                          </p:spTgt>
+                                          <p:spTgt spid="4"/>
                                         </p:tgtEl>
                                         <p:attrNameLst>
                                           <p:attrName>style.visibility</p:attrName>
@@ -13672,66 +14094,11 @@
                                         <p:strVal val="visible"/>
                                       </p:to>
                                     </p:set>
-                                    <p:animEffect transition="in" filter="wipe(left)">
+                                    <p:animEffect transition="in" filter="fade">
                                       <p:cBhvr>
-                                        <p:cTn id="30" dur="500"/>
+                                        <p:cTn id="22" dur="500"/>
                                         <p:tgtEl>
-                                          <p:spTgt spid="306">
-                                            <p:txEl>
-                                              <p:pRg st="8" end="8"/>
-                                            </p:txEl>
-                                          </p:spTgt>
-                                        </p:tgtEl>
-                                      </p:cBhvr>
-                                    </p:animEffect>
-                                  </p:childTnLst>
-                                </p:cTn>
-                              </p:par>
-                            </p:childTnLst>
-                          </p:cTn>
-                        </p:par>
-                        <p:par>
-                          <p:cTn id="31" fill="hold">
-                            <p:stCondLst>
-                              <p:cond delay="500"/>
-                            </p:stCondLst>
-                            <p:childTnLst>
-                              <p:par>
-                                <p:cTn id="32" presetID="22" presetClass="entr" presetSubtype="8" fill="hold" grpId="1" nodeType="afterEffect">
-                                  <p:stCondLst>
-                                    <p:cond delay="0"/>
-                                  </p:stCondLst>
-                                  <p:iterate>
-                                    <p:tmAbs val="0"/>
-                                  </p:iterate>
-                                  <p:childTnLst>
-                                    <p:set>
-                                      <p:cBhvr>
-                                        <p:cTn id="33" fill="hold"/>
-                                        <p:tgtEl>
-                                          <p:spTgt spid="306">
-                                            <p:txEl>
-                                              <p:pRg st="9" end="9"/>
-                                            </p:txEl>
-                                          </p:spTgt>
-                                        </p:tgtEl>
-                                        <p:attrNameLst>
-                                          <p:attrName>style.visibility</p:attrName>
-                                        </p:attrNameLst>
-                                      </p:cBhvr>
-                                      <p:to>
-                                        <p:strVal val="visible"/>
-                                      </p:to>
-                                    </p:set>
-                                    <p:animEffect transition="in" filter="wipe(left)">
-                                      <p:cBhvr>
-                                        <p:cTn id="34" dur="500"/>
-                                        <p:tgtEl>
-                                          <p:spTgt spid="306">
-                                            <p:txEl>
-                                              <p:pRg st="9" end="9"/>
-                                            </p:txEl>
-                                          </p:spTgt>
+                                          <p:spTgt spid="4"/>
                                         </p:tgtEl>
                                       </p:cBhvr>
                                     </p:animEffect>
@@ -13766,7 +14133,10 @@
       </p:par>
     </p:tnLst>
     <p:bldLst>
-      <p:bldP spid="306" grpId="1" build="p" bldLvl="5" animBg="1" advAuto="0"/>
+      <p:bldP spid="306" grpId="0" animBg="1"/>
+      <p:bldP spid="2" grpId="0" animBg="1"/>
+      <p:bldP spid="3" grpId="0" animBg="1"/>
+      <p:bldP spid="4" grpId="0" animBg="1"/>
     </p:bldLst>
   </p:timing>
 </p:sld>
@@ -13801,7 +14171,7 @@
         </p:nvSpPr>
         <p:spPr>
           <a:xfrm>
-            <a:off x="724940" y="620548"/>
+            <a:off x="724939" y="1061982"/>
             <a:ext cx="7998646" cy="472529"/>
           </a:xfrm>
           <a:prstGeom prst="rect">
@@ -13809,7 +14179,9 @@
           </a:prstGeom>
         </p:spPr>
         <p:txBody>
-          <a:bodyPr/>
+          <a:bodyPr>
+            <a:noAutofit/>
+          </a:bodyPr>
           <a:lstStyle>
             <a:lvl1pPr defTabSz="594359">
               <a:spcBef>
@@ -13820,6 +14192,7 @@
           </a:lstStyle>
           <a:p>
             <a:r>
+              <a:rPr sz="4000" dirty="0"/>
               <a:t>Optional&lt;T&gt; with Null</a:t>
             </a:r>
           </a:p>
@@ -13833,8 +14206,8 @@
         </p:nvSpPr>
         <p:spPr>
           <a:xfrm>
-            <a:off x="724939" y="2440234"/>
-            <a:ext cx="10309505" cy="3139441"/>
+            <a:off x="724940" y="2201072"/>
+            <a:ext cx="8387530" cy="369332"/>
           </a:xfrm>
           <a:prstGeom prst="rect">
             <a:avLst/>
@@ -13852,7 +14225,7 @@
           </a:extLst>
         </p:spPr>
         <p:txBody>
-          <a:bodyPr lIns="45719" rIns="45719" anchor="ctr">
+          <a:bodyPr wrap="square" lIns="45719" rIns="45719" anchor="ctr">
             <a:spAutoFit/>
           </a:bodyPr>
           <a:lstStyle/>
@@ -13866,229 +14239,870 @@
               </a:defRPr>
             </a:pPr>
             <a:r>
-              <a:t>// Create an instance with NULL </a:t>
-            </a:r>
-          </a:p>
-          <a:p>
-            <a:pPr>
-              <a:defRPr>
-                <a:latin typeface="Courier New"/>
-                <a:ea typeface="Courier New"/>
-                <a:cs typeface="Courier New"/>
-                <a:sym typeface="Courier New"/>
-              </a:defRPr>
+              <a:rPr dirty="0"/>
+              <a:t>Optional&lt;String&gt; </a:t>
+            </a:r>
+            <a:r>
+              <a:rPr dirty="0" err="1"/>
+              <a:t>optionalNull</a:t>
+            </a:r>
+            <a:r>
+              <a:rPr dirty="0"/>
+              <a:t> = </a:t>
+            </a:r>
+            <a:r>
+              <a:rPr dirty="0" err="1"/>
+              <a:t>Optional.</a:t>
+            </a:r>
+            <a:r>
+              <a:rPr i="1" dirty="0" err="1"/>
+              <a:t>ofNullable</a:t>
+            </a:r>
+            <a:r>
+              <a:rPr dirty="0"/>
+              <a:t>(</a:t>
+            </a:r>
+            <a:r>
+              <a:rPr b="1" dirty="0">
+                <a:solidFill>
+                  <a:srgbClr val="000080"/>
+                </a:solidFill>
+              </a:rPr>
+              <a:t>null</a:t>
+            </a:r>
+            <a:r>
+              <a:rPr dirty="0"/>
+              <a:t>);</a:t>
+            </a:r>
+          </a:p>
+        </p:txBody>
+      </p:sp>
+      <p:sp>
+        <p:nvSpPr>
+          <p:cNvPr id="3" name="Rectangle 2"/>
+          <p:cNvSpPr>
+            <a:spLocks noChangeArrowheads="1"/>
+          </p:cNvSpPr>
+          <p:nvPr/>
+        </p:nvSpPr>
+        <p:spPr bwMode="auto">
+          <a:xfrm>
+            <a:off x="724939" y="2959966"/>
+            <a:ext cx="8387531" cy="369332"/>
+          </a:xfrm>
+          <a:prstGeom prst="rect">
+            <a:avLst/>
+          </a:prstGeom>
+          <a:solidFill>
+            <a:srgbClr val="FFFFFF"/>
+          </a:solidFill>
+          <a:ln>
+            <a:noFill/>
+          </a:ln>
+          <a:effectLst/>
+          <a:extLst>
+            <a:ext uri="{91240B29-F687-4F45-9708-019B960494DF}">
+              <a14:hiddenLine xmlns:a14="http://schemas.microsoft.com/office/drawing/2010/main" w="9525">
+                <a:solidFill>
+                  <a:schemeClr val="tx1"/>
+                </a:solidFill>
+                <a:miter lim="800000"/>
+                <a:headEnd/>
+                <a:tailEnd/>
+              </a14:hiddenLine>
+            </a:ext>
+            <a:ext uri="{AF507438-7753-43E0-B8FC-AC1667EBCBE1}">
+              <a14:hiddenEffects xmlns:a14="http://schemas.microsoft.com/office/drawing/2010/main">
+                <a:effectLst>
+                  <a:outerShdw dist="35921" dir="2700000" algn="ctr" rotWithShape="0">
+                    <a:schemeClr val="bg2"/>
+                  </a:outerShdw>
+                </a:effectLst>
+              </a14:hiddenEffects>
+            </a:ext>
+          </a:extLst>
+        </p:spPr>
+        <p:txBody>
+          <a:bodyPr vert="horz" wrap="square" lIns="91440" tIns="45720" rIns="91440" bIns="45720" numCol="1" anchor="ctr" anchorCtr="0" compatLnSpc="1">
+            <a:prstTxWarp prst="textNoShape">
+              <a:avLst/>
+            </a:prstTxWarp>
+            <a:spAutoFit/>
+          </a:bodyPr>
+          <a:lstStyle/>
+          <a:p>
+            <a:pPr marL="0" marR="0" lvl="0" indent="0" algn="l" defTabSz="914400" rtl="0" eaLnBrk="0" fontAlgn="base" latinLnBrk="0" hangingPunct="0">
+              <a:lnSpc>
+                <a:spcPct val="100000"/>
+              </a:lnSpc>
+              <a:spcBef>
+                <a:spcPct val="0"/>
+              </a:spcBef>
+              <a:spcAft>
+                <a:spcPct val="0"/>
+              </a:spcAft>
+              <a:buClrTx/>
+              <a:buSzTx/>
+              <a:buFontTx/>
+              <a:buNone/>
+              <a:tabLst/>
             </a:pPr>
             <a:r>
-              <a:t>Optional&lt;String&gt; optionalNull = Optional.</a:t>
-            </a:r>
-            <a:r>
-              <a:rPr i="1"/>
-              <a:t>ofNullable</a:t>
-            </a:r>
-            <a:r>
+              <a:rPr kumimoji="0" lang="en-US" altLang="en-US" b="0" i="0" u="none" strike="noStrike" cap="none" normalizeH="0" baseline="0" dirty="0" err="1">
+                <a:ln>
+                  <a:noFill/>
+                </a:ln>
+                <a:solidFill>
+                  <a:srgbClr val="000000"/>
+                </a:solidFill>
+                <a:effectLst/>
+                <a:latin typeface="Courier New" panose="02070309020205020404" pitchFamily="49" charset="0"/>
+                <a:cs typeface="Courier New" panose="02070309020205020404" pitchFamily="49" charset="0"/>
+              </a:rPr>
+              <a:t>System.</a:t>
+            </a:r>
+            <a:r>
+              <a:rPr kumimoji="0" lang="en-US" altLang="en-US" b="1" i="1" u="none" strike="noStrike" cap="none" normalizeH="0" baseline="0" dirty="0" err="1">
+                <a:ln>
+                  <a:noFill/>
+                </a:ln>
+                <a:solidFill>
+                  <a:srgbClr val="660E7A"/>
+                </a:solidFill>
+                <a:effectLst/>
+                <a:latin typeface="Courier New" panose="02070309020205020404" pitchFamily="49" charset="0"/>
+                <a:cs typeface="Courier New" panose="02070309020205020404" pitchFamily="49" charset="0"/>
+              </a:rPr>
+              <a:t>out</a:t>
+            </a:r>
+            <a:r>
+              <a:rPr kumimoji="0" lang="en-US" altLang="en-US" b="0" i="0" u="none" strike="noStrike" cap="none" normalizeH="0" baseline="0" dirty="0" err="1">
+                <a:ln>
+                  <a:noFill/>
+                </a:ln>
+                <a:solidFill>
+                  <a:srgbClr val="000000"/>
+                </a:solidFill>
+                <a:effectLst/>
+                <a:latin typeface="Courier New" panose="02070309020205020404" pitchFamily="49" charset="0"/>
+                <a:cs typeface="Courier New" panose="02070309020205020404" pitchFamily="49" charset="0"/>
+              </a:rPr>
+              <a:t>.println</a:t>
+            </a:r>
+            <a:r>
+              <a:rPr kumimoji="0" lang="en-US" altLang="en-US" b="0" i="0" u="none" strike="noStrike" cap="none" normalizeH="0" baseline="0" dirty="0">
+                <a:ln>
+                  <a:noFill/>
+                </a:ln>
+                <a:solidFill>
+                  <a:srgbClr val="000000"/>
+                </a:solidFill>
+                <a:effectLst/>
+                <a:latin typeface="Courier New" panose="02070309020205020404" pitchFamily="49" charset="0"/>
+                <a:cs typeface="Courier New" panose="02070309020205020404" pitchFamily="49" charset="0"/>
+              </a:rPr>
               <a:t>(</a:t>
             </a:r>
             <a:r>
-              <a:rPr b="1">
+              <a:rPr kumimoji="0" lang="en-US" altLang="en-US" b="0" i="0" u="none" strike="noStrike" cap="none" normalizeH="0" baseline="0" dirty="0" err="1">
+                <a:ln>
+                  <a:noFill/>
+                </a:ln>
+                <a:solidFill>
+                  <a:srgbClr val="000000"/>
+                </a:solidFill>
+                <a:effectLst/>
+                <a:latin typeface="Courier New" panose="02070309020205020404" pitchFamily="49" charset="0"/>
+                <a:cs typeface="Courier New" panose="02070309020205020404" pitchFamily="49" charset="0"/>
+              </a:rPr>
+              <a:t>optionalNull.isPresent</a:t>
+            </a:r>
+            <a:r>
+              <a:rPr kumimoji="0" lang="en-US" altLang="en-US" b="0" i="0" u="none" strike="noStrike" cap="none" normalizeH="0" baseline="0" dirty="0">
+                <a:ln>
+                  <a:noFill/>
+                </a:ln>
+                <a:solidFill>
+                  <a:srgbClr val="000000"/>
+                </a:solidFill>
+                <a:effectLst/>
+                <a:latin typeface="Courier New" panose="02070309020205020404" pitchFamily="49" charset="0"/>
+                <a:cs typeface="Courier New" panose="02070309020205020404" pitchFamily="49" charset="0"/>
+              </a:rPr>
+              <a:t>());</a:t>
+            </a:r>
+            <a:endParaRPr kumimoji="0" lang="en-US" altLang="en-US" b="0" i="0" u="none" strike="noStrike" cap="none" normalizeH="0" baseline="0" dirty="0">
+              <a:ln>
+                <a:noFill/>
+              </a:ln>
+              <a:solidFill>
+                <a:schemeClr val="tx1"/>
+              </a:solidFill>
+              <a:effectLst/>
+              <a:latin typeface="Arial" panose="020B0604020202020204" pitchFamily="34" charset="0"/>
+            </a:endParaRPr>
+          </a:p>
+        </p:txBody>
+      </p:sp>
+      <p:sp>
+        <p:nvSpPr>
+          <p:cNvPr id="4" name="Rectangle 3"/>
+          <p:cNvSpPr>
+            <a:spLocks noChangeArrowheads="1"/>
+          </p:cNvSpPr>
+          <p:nvPr/>
+        </p:nvSpPr>
+        <p:spPr bwMode="auto">
+          <a:xfrm>
+            <a:off x="724939" y="3718860"/>
+            <a:ext cx="7353295" cy="369332"/>
+          </a:xfrm>
+          <a:prstGeom prst="rect">
+            <a:avLst/>
+          </a:prstGeom>
+          <a:solidFill>
+            <a:srgbClr val="FFFFFF"/>
+          </a:solidFill>
+          <a:ln>
+            <a:noFill/>
+          </a:ln>
+          <a:effectLst/>
+          <a:extLst>
+            <a:ext uri="{91240B29-F687-4F45-9708-019B960494DF}">
+              <a14:hiddenLine xmlns:a14="http://schemas.microsoft.com/office/drawing/2010/main" w="9525">
+                <a:solidFill>
+                  <a:schemeClr val="tx1"/>
+                </a:solidFill>
+                <a:miter lim="800000"/>
+                <a:headEnd/>
+                <a:tailEnd/>
+              </a14:hiddenLine>
+            </a:ext>
+            <a:ext uri="{AF507438-7753-43E0-B8FC-AC1667EBCBE1}">
+              <a14:hiddenEffects xmlns:a14="http://schemas.microsoft.com/office/drawing/2010/main">
+                <a:effectLst>
+                  <a:outerShdw dist="35921" dir="2700000" algn="ctr" rotWithShape="0">
+                    <a:schemeClr val="bg2"/>
+                  </a:outerShdw>
+                </a:effectLst>
+              </a14:hiddenEffects>
+            </a:ext>
+          </a:extLst>
+        </p:spPr>
+        <p:txBody>
+          <a:bodyPr vert="horz" wrap="none" lIns="91440" tIns="45720" rIns="91440" bIns="45720" numCol="1" anchor="ctr" anchorCtr="0" compatLnSpc="1">
+            <a:prstTxWarp prst="textNoShape">
+              <a:avLst/>
+            </a:prstTxWarp>
+            <a:spAutoFit/>
+          </a:bodyPr>
+          <a:lstStyle/>
+          <a:p>
+            <a:pPr marL="0" marR="0" lvl="0" indent="0" algn="l" defTabSz="914400" rtl="0" eaLnBrk="0" fontAlgn="base" latinLnBrk="0" hangingPunct="0">
+              <a:lnSpc>
+                <a:spcPct val="100000"/>
+              </a:lnSpc>
+              <a:spcBef>
+                <a:spcPct val="0"/>
+              </a:spcBef>
+              <a:spcAft>
+                <a:spcPct val="0"/>
+              </a:spcAft>
+              <a:buClrTx/>
+              <a:buSzTx/>
+              <a:buFontTx/>
+              <a:buNone/>
+              <a:tabLst/>
+            </a:pPr>
+            <a:r>
+              <a:rPr kumimoji="0" lang="en-US" altLang="en-US" b="0" i="0" u="none" strike="noStrike" cap="none" normalizeH="0" baseline="0" dirty="0" err="1">
+                <a:ln>
+                  <a:noFill/>
+                </a:ln>
+                <a:solidFill>
+                  <a:srgbClr val="000000"/>
+                </a:solidFill>
+                <a:effectLst/>
+                <a:latin typeface="Courier New" panose="02070309020205020404" pitchFamily="49" charset="0"/>
+                <a:cs typeface="Courier New" panose="02070309020205020404" pitchFamily="49" charset="0"/>
+              </a:rPr>
+              <a:t>System.</a:t>
+            </a:r>
+            <a:r>
+              <a:rPr kumimoji="0" lang="en-US" altLang="en-US" b="1" i="1" u="none" strike="noStrike" cap="none" normalizeH="0" baseline="0" dirty="0" err="1">
+                <a:ln>
+                  <a:noFill/>
+                </a:ln>
+                <a:solidFill>
+                  <a:srgbClr val="660E7A"/>
+                </a:solidFill>
+                <a:effectLst/>
+                <a:latin typeface="Courier New" panose="02070309020205020404" pitchFamily="49" charset="0"/>
+                <a:cs typeface="Courier New" panose="02070309020205020404" pitchFamily="49" charset="0"/>
+              </a:rPr>
+              <a:t>out</a:t>
+            </a:r>
+            <a:r>
+              <a:rPr kumimoji="0" lang="en-US" altLang="en-US" b="0" i="0" u="none" strike="noStrike" cap="none" normalizeH="0" baseline="0" dirty="0" err="1">
+                <a:ln>
+                  <a:noFill/>
+                </a:ln>
+                <a:solidFill>
+                  <a:srgbClr val="000000"/>
+                </a:solidFill>
+                <a:effectLst/>
+                <a:latin typeface="Courier New" panose="02070309020205020404" pitchFamily="49" charset="0"/>
+                <a:cs typeface="Courier New" panose="02070309020205020404" pitchFamily="49" charset="0"/>
+              </a:rPr>
+              <a:t>.println</a:t>
+            </a:r>
+            <a:r>
+              <a:rPr kumimoji="0" lang="en-US" altLang="en-US" b="0" i="0" u="none" strike="noStrike" cap="none" normalizeH="0" baseline="0" dirty="0">
+                <a:ln>
+                  <a:noFill/>
+                </a:ln>
+                <a:solidFill>
+                  <a:srgbClr val="000000"/>
+                </a:solidFill>
+                <a:effectLst/>
+                <a:latin typeface="Courier New" panose="02070309020205020404" pitchFamily="49" charset="0"/>
+                <a:cs typeface="Courier New" panose="02070309020205020404" pitchFamily="49" charset="0"/>
+              </a:rPr>
+              <a:t>(</a:t>
+            </a:r>
+            <a:r>
+              <a:rPr kumimoji="0" lang="en-US" altLang="en-US" b="0" i="0" u="none" strike="noStrike" cap="none" normalizeH="0" baseline="0" dirty="0" err="1">
+                <a:ln>
+                  <a:noFill/>
+                </a:ln>
+                <a:solidFill>
+                  <a:srgbClr val="000000"/>
+                </a:solidFill>
+                <a:effectLst/>
+                <a:latin typeface="Courier New" panose="02070309020205020404" pitchFamily="49" charset="0"/>
+                <a:cs typeface="Courier New" panose="02070309020205020404" pitchFamily="49" charset="0"/>
+              </a:rPr>
+              <a:t>optionalNull.orElse</a:t>
+            </a:r>
+            <a:r>
+              <a:rPr kumimoji="0" lang="en-US" altLang="en-US" b="0" i="0" u="none" strike="noStrike" cap="none" normalizeH="0" baseline="0" dirty="0">
+                <a:ln>
+                  <a:noFill/>
+                </a:ln>
+                <a:solidFill>
+                  <a:srgbClr val="000000"/>
+                </a:solidFill>
+                <a:effectLst/>
+                <a:latin typeface="Courier New" panose="02070309020205020404" pitchFamily="49" charset="0"/>
+                <a:cs typeface="Courier New" panose="02070309020205020404" pitchFamily="49" charset="0"/>
+              </a:rPr>
+              <a:t>(</a:t>
+            </a:r>
+            <a:r>
+              <a:rPr kumimoji="0" lang="en-US" altLang="en-US" b="1" i="0" u="none" strike="noStrike" cap="none" normalizeH="0" baseline="0" dirty="0">
+                <a:ln>
+                  <a:noFill/>
+                </a:ln>
+                <a:solidFill>
+                  <a:srgbClr val="008000"/>
+                </a:solidFill>
+                <a:effectLst/>
+                <a:latin typeface="Courier New" panose="02070309020205020404" pitchFamily="49" charset="0"/>
+                <a:cs typeface="Courier New" panose="02070309020205020404" pitchFamily="49" charset="0"/>
+              </a:rPr>
+              <a:t>"fallback"</a:t>
+            </a:r>
+            <a:r>
+              <a:rPr kumimoji="0" lang="en-US" altLang="en-US" b="0" i="0" u="none" strike="noStrike" cap="none" normalizeH="0" baseline="0" dirty="0">
+                <a:ln>
+                  <a:noFill/>
+                </a:ln>
+                <a:solidFill>
+                  <a:srgbClr val="000000"/>
+                </a:solidFill>
+                <a:effectLst/>
+                <a:latin typeface="Courier New" panose="02070309020205020404" pitchFamily="49" charset="0"/>
+                <a:cs typeface="Courier New" panose="02070309020205020404" pitchFamily="49" charset="0"/>
+              </a:rPr>
+              <a:t>));</a:t>
+            </a:r>
+            <a:endParaRPr kumimoji="0" lang="en-US" altLang="en-US" b="0" i="0" u="none" strike="noStrike" cap="none" normalizeH="0" baseline="0" dirty="0">
+              <a:ln>
+                <a:noFill/>
+              </a:ln>
+              <a:solidFill>
+                <a:schemeClr val="tx1"/>
+              </a:solidFill>
+              <a:effectLst/>
+              <a:latin typeface="Arial" panose="020B0604020202020204" pitchFamily="34" charset="0"/>
+            </a:endParaRPr>
+          </a:p>
+        </p:txBody>
+      </p:sp>
+      <p:sp>
+        <p:nvSpPr>
+          <p:cNvPr id="5" name="Rectangle 4"/>
+          <p:cNvSpPr>
+            <a:spLocks noChangeArrowheads="1"/>
+          </p:cNvSpPr>
+          <p:nvPr/>
+        </p:nvSpPr>
+        <p:spPr bwMode="auto">
+          <a:xfrm>
+            <a:off x="724939" y="4385421"/>
+            <a:ext cx="8944578" cy="369332"/>
+          </a:xfrm>
+          <a:prstGeom prst="rect">
+            <a:avLst/>
+          </a:prstGeom>
+          <a:solidFill>
+            <a:srgbClr val="FFFFFF"/>
+          </a:solidFill>
+          <a:ln>
+            <a:noFill/>
+          </a:ln>
+          <a:effectLst/>
+          <a:extLst>
+            <a:ext uri="{91240B29-F687-4F45-9708-019B960494DF}">
+              <a14:hiddenLine xmlns:a14="http://schemas.microsoft.com/office/drawing/2010/main" w="9525">
+                <a:solidFill>
+                  <a:schemeClr val="tx1"/>
+                </a:solidFill>
+                <a:miter lim="800000"/>
+                <a:headEnd/>
+                <a:tailEnd/>
+              </a14:hiddenLine>
+            </a:ext>
+            <a:ext uri="{AF507438-7753-43E0-B8FC-AC1667EBCBE1}">
+              <a14:hiddenEffects xmlns:a14="http://schemas.microsoft.com/office/drawing/2010/main">
+                <a:effectLst>
+                  <a:outerShdw dist="35921" dir="2700000" algn="ctr" rotWithShape="0">
+                    <a:schemeClr val="bg2"/>
+                  </a:outerShdw>
+                </a:effectLst>
+              </a14:hiddenEffects>
+            </a:ext>
+          </a:extLst>
+        </p:spPr>
+        <p:txBody>
+          <a:bodyPr vert="horz" wrap="square" lIns="91440" tIns="45720" rIns="91440" bIns="45720" numCol="1" anchor="ctr" anchorCtr="0" compatLnSpc="1">
+            <a:prstTxWarp prst="textNoShape">
+              <a:avLst/>
+            </a:prstTxWarp>
+            <a:spAutoFit/>
+          </a:bodyPr>
+          <a:lstStyle/>
+          <a:p>
+            <a:pPr marL="0" marR="0" lvl="0" indent="0" algn="l" defTabSz="914400" rtl="0" eaLnBrk="0" fontAlgn="base" latinLnBrk="0" hangingPunct="0">
+              <a:lnSpc>
+                <a:spcPct val="100000"/>
+              </a:lnSpc>
+              <a:spcBef>
+                <a:spcPct val="0"/>
+              </a:spcBef>
+              <a:spcAft>
+                <a:spcPct val="0"/>
+              </a:spcAft>
+              <a:buClrTx/>
+              <a:buSzTx/>
+              <a:buFontTx/>
+              <a:buNone/>
+              <a:tabLst/>
+            </a:pPr>
+            <a:r>
+              <a:rPr kumimoji="0" lang="en-US" altLang="en-US" b="0" i="0" u="none" strike="noStrike" cap="none" normalizeH="0" baseline="0" dirty="0" err="1">
+                <a:ln>
+                  <a:noFill/>
+                </a:ln>
+                <a:solidFill>
+                  <a:srgbClr val="000000"/>
+                </a:solidFill>
+                <a:effectLst/>
+                <a:latin typeface="Courier New" panose="02070309020205020404" pitchFamily="49" charset="0"/>
+                <a:cs typeface="Courier New" panose="02070309020205020404" pitchFamily="49" charset="0"/>
+              </a:rPr>
+              <a:t>optionalNull.ifPresent</a:t>
+            </a:r>
+            <a:r>
+              <a:rPr kumimoji="0" lang="en-US" altLang="en-US" b="0" i="0" u="none" strike="noStrike" cap="none" normalizeH="0" baseline="0" dirty="0">
+                <a:ln>
+                  <a:noFill/>
+                </a:ln>
+                <a:solidFill>
+                  <a:srgbClr val="000000"/>
+                </a:solidFill>
+                <a:effectLst/>
+                <a:latin typeface="Courier New" panose="02070309020205020404" pitchFamily="49" charset="0"/>
+                <a:cs typeface="Courier New" panose="02070309020205020404" pitchFamily="49" charset="0"/>
+              </a:rPr>
+              <a:t>((s) -&gt; </a:t>
+            </a:r>
+            <a:r>
+              <a:rPr kumimoji="0" lang="en-US" altLang="en-US" b="0" i="0" u="none" strike="noStrike" cap="none" normalizeH="0" baseline="0" dirty="0" err="1">
+                <a:ln>
+                  <a:noFill/>
+                </a:ln>
+                <a:solidFill>
+                  <a:srgbClr val="000000"/>
+                </a:solidFill>
+                <a:effectLst/>
+                <a:latin typeface="Courier New" panose="02070309020205020404" pitchFamily="49" charset="0"/>
+                <a:cs typeface="Courier New" panose="02070309020205020404" pitchFamily="49" charset="0"/>
+              </a:rPr>
+              <a:t>System.</a:t>
+            </a:r>
+            <a:r>
+              <a:rPr kumimoji="0" lang="en-US" altLang="en-US" b="1" i="1" u="none" strike="noStrike" cap="none" normalizeH="0" baseline="0" dirty="0" err="1">
+                <a:ln>
+                  <a:noFill/>
+                </a:ln>
+                <a:solidFill>
+                  <a:srgbClr val="660E7A"/>
+                </a:solidFill>
+                <a:effectLst/>
+                <a:latin typeface="Courier New" panose="02070309020205020404" pitchFamily="49" charset="0"/>
+                <a:cs typeface="Courier New" panose="02070309020205020404" pitchFamily="49" charset="0"/>
+              </a:rPr>
+              <a:t>out</a:t>
+            </a:r>
+            <a:r>
+              <a:rPr kumimoji="0" lang="en-US" altLang="en-US" b="0" i="0" u="none" strike="noStrike" cap="none" normalizeH="0" baseline="0" dirty="0" err="1">
+                <a:ln>
+                  <a:noFill/>
+                </a:ln>
+                <a:solidFill>
+                  <a:srgbClr val="000000"/>
+                </a:solidFill>
+                <a:effectLst/>
+                <a:latin typeface="Courier New" panose="02070309020205020404" pitchFamily="49" charset="0"/>
+                <a:cs typeface="Courier New" panose="02070309020205020404" pitchFamily="49" charset="0"/>
+              </a:rPr>
+              <a:t>.println</a:t>
+            </a:r>
+            <a:r>
+              <a:rPr kumimoji="0" lang="en-US" altLang="en-US" b="0" i="0" u="none" strike="noStrike" cap="none" normalizeH="0" baseline="0" dirty="0">
+                <a:ln>
+                  <a:noFill/>
+                </a:ln>
+                <a:solidFill>
+                  <a:srgbClr val="000000"/>
+                </a:solidFill>
+                <a:effectLst/>
+                <a:latin typeface="Courier New" panose="02070309020205020404" pitchFamily="49" charset="0"/>
+                <a:cs typeface="Courier New" panose="02070309020205020404" pitchFamily="49" charset="0"/>
+              </a:rPr>
+              <a:t>(</a:t>
+            </a:r>
+            <a:r>
+              <a:rPr kumimoji="0" lang="en-US" altLang="en-US" b="0" i="0" u="none" strike="noStrike" cap="none" normalizeH="0" baseline="0" dirty="0" err="1">
+                <a:ln>
+                  <a:noFill/>
+                </a:ln>
+                <a:solidFill>
+                  <a:srgbClr val="000000"/>
+                </a:solidFill>
+                <a:effectLst/>
+                <a:latin typeface="Courier New" panose="02070309020205020404" pitchFamily="49" charset="0"/>
+                <a:cs typeface="Courier New" panose="02070309020205020404" pitchFamily="49" charset="0"/>
+              </a:rPr>
+              <a:t>s.charAt</a:t>
+            </a:r>
+            <a:r>
+              <a:rPr kumimoji="0" lang="en-US" altLang="en-US" b="0" i="0" u="none" strike="noStrike" cap="none" normalizeH="0" baseline="0" dirty="0">
+                <a:ln>
+                  <a:noFill/>
+                </a:ln>
+                <a:solidFill>
+                  <a:srgbClr val="000000"/>
+                </a:solidFill>
+                <a:effectLst/>
+                <a:latin typeface="Courier New" panose="02070309020205020404" pitchFamily="49" charset="0"/>
+                <a:cs typeface="Courier New" panose="02070309020205020404" pitchFamily="49" charset="0"/>
+              </a:rPr>
+              <a:t>(</a:t>
+            </a:r>
+            <a:r>
+              <a:rPr kumimoji="0" lang="en-US" altLang="en-US" b="0" i="0" u="none" strike="noStrike" cap="none" normalizeH="0" baseline="0" dirty="0">
+                <a:ln>
+                  <a:noFill/>
+                </a:ln>
+                <a:solidFill>
+                  <a:srgbClr val="0000FF"/>
+                </a:solidFill>
+                <a:effectLst/>
+                <a:latin typeface="Courier New" panose="02070309020205020404" pitchFamily="49" charset="0"/>
+                <a:cs typeface="Courier New" panose="02070309020205020404" pitchFamily="49" charset="0"/>
+              </a:rPr>
+              <a:t>0</a:t>
+            </a:r>
+            <a:r>
+              <a:rPr kumimoji="0" lang="en-US" altLang="en-US" b="0" i="0" u="none" strike="noStrike" cap="none" normalizeH="0" baseline="0" dirty="0">
+                <a:ln>
+                  <a:noFill/>
+                </a:ln>
+                <a:solidFill>
+                  <a:srgbClr val="000000"/>
+                </a:solidFill>
+                <a:effectLst/>
+                <a:latin typeface="Courier New" panose="02070309020205020404" pitchFamily="49" charset="0"/>
+                <a:cs typeface="Courier New" panose="02070309020205020404" pitchFamily="49" charset="0"/>
+              </a:rPr>
+              <a:t>)));</a:t>
+            </a:r>
+            <a:endParaRPr kumimoji="0" lang="en-US" altLang="en-US" b="0" i="0" u="none" strike="noStrike" cap="none" normalizeH="0" baseline="0" dirty="0">
+              <a:ln>
+                <a:noFill/>
+              </a:ln>
+              <a:solidFill>
+                <a:schemeClr val="tx1"/>
+              </a:solidFill>
+              <a:effectLst/>
+              <a:latin typeface="Arial" panose="020B0604020202020204" pitchFamily="34" charset="0"/>
+            </a:endParaRPr>
+          </a:p>
+        </p:txBody>
+      </p:sp>
+      <p:sp>
+        <p:nvSpPr>
+          <p:cNvPr id="6" name="Rectangle 5"/>
+          <p:cNvSpPr>
+            <a:spLocks noChangeArrowheads="1"/>
+          </p:cNvSpPr>
+          <p:nvPr/>
+        </p:nvSpPr>
+        <p:spPr bwMode="auto">
+          <a:xfrm>
+            <a:off x="724939" y="5144315"/>
+            <a:ext cx="8944578" cy="923330"/>
+          </a:xfrm>
+          <a:prstGeom prst="rect">
+            <a:avLst/>
+          </a:prstGeom>
+          <a:solidFill>
+            <a:srgbClr val="FFFFFF"/>
+          </a:solidFill>
+          <a:ln>
+            <a:noFill/>
+          </a:ln>
+          <a:effectLst/>
+          <a:extLst>
+            <a:ext uri="{91240B29-F687-4F45-9708-019B960494DF}">
+              <a14:hiddenLine xmlns:a14="http://schemas.microsoft.com/office/drawing/2010/main" w="9525">
+                <a:solidFill>
+                  <a:schemeClr val="tx1"/>
+                </a:solidFill>
+                <a:miter lim="800000"/>
+                <a:headEnd/>
+                <a:tailEnd/>
+              </a14:hiddenLine>
+            </a:ext>
+            <a:ext uri="{AF507438-7753-43E0-B8FC-AC1667EBCBE1}">
+              <a14:hiddenEffects xmlns:a14="http://schemas.microsoft.com/office/drawing/2010/main">
+                <a:effectLst>
+                  <a:outerShdw dist="35921" dir="2700000" algn="ctr" rotWithShape="0">
+                    <a:schemeClr val="bg2"/>
+                  </a:outerShdw>
+                </a:effectLst>
+              </a14:hiddenEffects>
+            </a:ext>
+          </a:extLst>
+        </p:spPr>
+        <p:txBody>
+          <a:bodyPr vert="horz" wrap="square" lIns="91440" tIns="45720" rIns="91440" bIns="45720" numCol="1" anchor="ctr" anchorCtr="0" compatLnSpc="1">
+            <a:prstTxWarp prst="textNoShape">
+              <a:avLst/>
+            </a:prstTxWarp>
+            <a:spAutoFit/>
+          </a:bodyPr>
+          <a:lstStyle/>
+          <a:p>
+            <a:pPr marL="0" marR="0" lvl="0" indent="0" algn="l" defTabSz="914400" rtl="0" eaLnBrk="0" fontAlgn="base" latinLnBrk="0" hangingPunct="0">
+              <a:lnSpc>
+                <a:spcPct val="100000"/>
+              </a:lnSpc>
+              <a:spcBef>
+                <a:spcPct val="0"/>
+              </a:spcBef>
+              <a:spcAft>
+                <a:spcPct val="0"/>
+              </a:spcAft>
+              <a:buClrTx/>
+              <a:buSzTx/>
+              <a:buFontTx/>
+              <a:buNone/>
+              <a:tabLst/>
+            </a:pPr>
+            <a:r>
+              <a:rPr kumimoji="0" lang="en-US" altLang="en-US" b="0" i="0" u="none" strike="noStrike" cap="none" normalizeH="0" baseline="0" dirty="0" err="1">
+                <a:ln>
+                  <a:noFill/>
+                </a:ln>
+                <a:solidFill>
+                  <a:srgbClr val="000000"/>
+                </a:solidFill>
+                <a:effectLst/>
+                <a:latin typeface="Courier New" panose="02070309020205020404" pitchFamily="49" charset="0"/>
+                <a:cs typeface="Courier New" panose="02070309020205020404" pitchFamily="49" charset="0"/>
+              </a:rPr>
+              <a:t>optionalNull.orElseThrow</a:t>
+            </a:r>
+            <a:r>
+              <a:rPr kumimoji="0" lang="en-US" altLang="en-US" b="0" i="0" u="none" strike="noStrike" cap="none" normalizeH="0" baseline="0" dirty="0">
+                <a:ln>
+                  <a:noFill/>
+                </a:ln>
+                <a:solidFill>
+                  <a:srgbClr val="000000"/>
+                </a:solidFill>
+                <a:effectLst/>
+                <a:latin typeface="Courier New" panose="02070309020205020404" pitchFamily="49" charset="0"/>
+                <a:cs typeface="Courier New" panose="02070309020205020404" pitchFamily="49" charset="0"/>
+              </a:rPr>
+              <a:t>(</a:t>
+            </a:r>
+          </a:p>
+          <a:p>
+            <a:pPr marL="0" marR="0" lvl="0" indent="0" algn="l" defTabSz="914400" rtl="0" eaLnBrk="0" fontAlgn="base" latinLnBrk="0" hangingPunct="0">
+              <a:lnSpc>
+                <a:spcPct val="100000"/>
+              </a:lnSpc>
+              <a:spcBef>
+                <a:spcPct val="0"/>
+              </a:spcBef>
+              <a:spcAft>
+                <a:spcPct val="0"/>
+              </a:spcAft>
+              <a:buClrTx/>
+              <a:buSzTx/>
+              <a:buFontTx/>
+              <a:buNone/>
+              <a:tabLst/>
+            </a:pPr>
+            <a:r>
+              <a:rPr kumimoji="0" lang="en-US" altLang="en-US" b="0" i="0" u="none" strike="noStrike" cap="none" normalizeH="0" baseline="0" dirty="0">
+                <a:ln>
+                  <a:noFill/>
+                </a:ln>
+                <a:solidFill>
+                  <a:srgbClr val="000000"/>
+                </a:solidFill>
+                <a:effectLst/>
+                <a:latin typeface="Courier New" panose="02070309020205020404" pitchFamily="49" charset="0"/>
+                <a:cs typeface="Courier New" panose="02070309020205020404" pitchFamily="49" charset="0"/>
+              </a:rPr>
+              <a:t>() -&gt; </a:t>
+            </a:r>
+            <a:r>
+              <a:rPr kumimoji="0" lang="en-US" altLang="en-US" b="1" i="0" u="none" strike="noStrike" cap="none" normalizeH="0" baseline="0" dirty="0">
+                <a:ln>
+                  <a:noFill/>
+                </a:ln>
                 <a:solidFill>
                   <a:srgbClr val="000080"/>
                 </a:solidFill>
-              </a:rPr>
-              <a:t>null</a:t>
-            </a:r>
-            <a:r>
-              <a:t>);</a:t>
-            </a:r>
-          </a:p>
-          <a:p>
-            <a:pPr>
-              <a:defRPr>
-                <a:latin typeface="Courier New"/>
-                <a:ea typeface="Courier New"/>
-                <a:cs typeface="Courier New"/>
-                <a:sym typeface="Courier New"/>
-              </a:defRPr>
+                <a:effectLst/>
+                <a:latin typeface="Courier New" panose="02070309020205020404" pitchFamily="49" charset="0"/>
+                <a:cs typeface="Courier New" panose="02070309020205020404" pitchFamily="49" charset="0"/>
+              </a:rPr>
+              <a:t>new </a:t>
+            </a:r>
+            <a:r>
+              <a:rPr kumimoji="0" lang="en-US" altLang="en-US" b="0" i="0" u="none" strike="noStrike" cap="none" normalizeH="0" baseline="0" dirty="0" err="1">
+                <a:ln>
+                  <a:noFill/>
+                </a:ln>
+                <a:solidFill>
+                  <a:srgbClr val="000000"/>
+                </a:solidFill>
+                <a:effectLst/>
+                <a:latin typeface="Courier New" panose="02070309020205020404" pitchFamily="49" charset="0"/>
+                <a:cs typeface="Courier New" panose="02070309020205020404" pitchFamily="49" charset="0"/>
+              </a:rPr>
+              <a:t>IllegalArgumentException</a:t>
+            </a:r>
+            <a:r>
+              <a:rPr kumimoji="0" lang="en-US" altLang="en-US" b="0" i="0" u="none" strike="noStrike" cap="none" normalizeH="0" baseline="0" dirty="0">
+                <a:ln>
+                  <a:noFill/>
+                </a:ln>
+                <a:solidFill>
+                  <a:srgbClr val="000000"/>
+                </a:solidFill>
+                <a:effectLst/>
+                <a:latin typeface="Courier New" panose="02070309020205020404" pitchFamily="49" charset="0"/>
+                <a:cs typeface="Courier New" panose="02070309020205020404" pitchFamily="49" charset="0"/>
+              </a:rPr>
+              <a:t>(</a:t>
+            </a:r>
+            <a:r>
+              <a:rPr kumimoji="0" lang="en-US" altLang="en-US" b="1" i="0" u="none" strike="noStrike" cap="none" normalizeH="0" baseline="0" dirty="0">
+                <a:ln>
+                  <a:noFill/>
+                </a:ln>
+                <a:solidFill>
+                  <a:srgbClr val="008000"/>
+                </a:solidFill>
+                <a:effectLst/>
+                <a:latin typeface="Courier New" panose="02070309020205020404" pitchFamily="49" charset="0"/>
+                <a:cs typeface="Courier New" panose="02070309020205020404" pitchFamily="49" charset="0"/>
+              </a:rPr>
+              <a:t>"there is no element in it"</a:t>
+            </a:r>
+            <a:r>
+              <a:rPr kumimoji="0" lang="en-US" altLang="en-US" b="0" i="0" u="none" strike="noStrike" cap="none" normalizeH="0" baseline="0" dirty="0">
+                <a:ln>
+                  <a:noFill/>
+                </a:ln>
+                <a:solidFill>
+                  <a:srgbClr val="000000"/>
+                </a:solidFill>
+                <a:effectLst/>
+                <a:latin typeface="Courier New" panose="02070309020205020404" pitchFamily="49" charset="0"/>
+                <a:cs typeface="Courier New" panose="02070309020205020404" pitchFamily="49" charset="0"/>
+              </a:rPr>
+              <a:t>)</a:t>
+            </a:r>
+          </a:p>
+          <a:p>
+            <a:pPr marL="0" marR="0" lvl="0" indent="0" algn="l" defTabSz="914400" rtl="0" eaLnBrk="0" fontAlgn="base" latinLnBrk="0" hangingPunct="0">
+              <a:lnSpc>
+                <a:spcPct val="100000"/>
+              </a:lnSpc>
+              <a:spcBef>
+                <a:spcPct val="0"/>
+              </a:spcBef>
+              <a:spcAft>
+                <a:spcPct val="0"/>
+              </a:spcAft>
+              <a:buClrTx/>
+              <a:buSzTx/>
+              <a:buFontTx/>
+              <a:buNone/>
+              <a:tabLst/>
             </a:pPr>
-            <a:endParaRPr/>
-          </a:p>
-          <a:p>
-            <a:pPr>
-              <a:defRPr>
-                <a:latin typeface="Courier New"/>
-                <a:ea typeface="Courier New"/>
-                <a:cs typeface="Courier New"/>
-                <a:sym typeface="Courier New"/>
-              </a:defRPr>
-            </a:pPr>
-            <a:r>
-              <a:t>// Returns false since there is no value </a:t>
-            </a:r>
-            <a:br/>
-            <a:r>
-              <a:t>System.</a:t>
-            </a:r>
-            <a:r>
-              <a:rPr b="1" i="1">
-                <a:solidFill>
-                  <a:srgbClr val="660E7A"/>
-                </a:solidFill>
-              </a:rPr>
-              <a:t>out</a:t>
-            </a:r>
-            <a:r>
-              <a:t>.println(optionalNull.isPresent());    </a:t>
-            </a:r>
-          </a:p>
-          <a:p>
-            <a:pPr>
-              <a:defRPr i="1">
-                <a:solidFill>
-                  <a:srgbClr val="808080"/>
-                </a:solidFill>
-                <a:latin typeface="Courier New"/>
-                <a:ea typeface="Courier New"/>
-                <a:cs typeface="Courier New"/>
-                <a:sym typeface="Courier New"/>
-              </a:defRPr>
-            </a:pPr>
-            <a:endParaRPr/>
-          </a:p>
-          <a:p>
-            <a:pPr>
-              <a:defRPr i="1">
-                <a:solidFill>
-                  <a:srgbClr val="808080"/>
-                </a:solidFill>
-                <a:latin typeface="Courier New"/>
-                <a:ea typeface="Courier New"/>
-                <a:cs typeface="Courier New"/>
-                <a:sym typeface="Courier New"/>
-              </a:defRPr>
-            </a:pPr>
-            <a:r>
-              <a:t>// Prints fallback since there is no value </a:t>
-            </a:r>
-            <a:br/>
-            <a:r>
-              <a:rPr i="0">
-                <a:solidFill>
-                  <a:srgbClr val="000000"/>
-                </a:solidFill>
-              </a:rPr>
-              <a:t>System.</a:t>
-            </a:r>
-            <a:r>
-              <a:rPr b="1">
-                <a:solidFill>
-                  <a:srgbClr val="660E7A"/>
-                </a:solidFill>
-              </a:rPr>
-              <a:t>out</a:t>
-            </a:r>
-            <a:r>
-              <a:rPr i="0">
-                <a:solidFill>
-                  <a:srgbClr val="000000"/>
-                </a:solidFill>
-              </a:rPr>
-              <a:t>.println(optionalNull.orElse(</a:t>
-            </a:r>
-            <a:r>
-              <a:rPr b="1" i="0">
-                <a:solidFill>
-                  <a:srgbClr val="008000"/>
-                </a:solidFill>
-              </a:rPr>
-              <a:t>"fallback"</a:t>
-            </a:r>
-            <a:r>
-              <a:rPr i="0">
-                <a:solidFill>
-                  <a:srgbClr val="000000"/>
-                </a:solidFill>
-              </a:rPr>
-              <a:t>));  </a:t>
-            </a:r>
-            <a:br>
-              <a:rPr i="0">
-                <a:solidFill>
-                  <a:srgbClr val="000000"/>
-                </a:solidFill>
-              </a:rPr>
-            </a:br>
-            <a:endParaRPr i="0">
+            <a:r>
+              <a:rPr kumimoji="0" lang="en-US" altLang="en-US" b="0" i="0" u="none" strike="noStrike" cap="none" normalizeH="0" baseline="0" dirty="0">
+                <a:ln>
+                  <a:noFill/>
+                </a:ln>
+                <a:solidFill>
+                  <a:srgbClr val="000000"/>
+                </a:solidFill>
+                <a:effectLst/>
+                <a:latin typeface="Courier New" panose="02070309020205020404" pitchFamily="49" charset="0"/>
+                <a:cs typeface="Courier New" panose="02070309020205020404" pitchFamily="49" charset="0"/>
+              </a:rPr>
+              <a:t>)</a:t>
+            </a:r>
+            <a:endParaRPr kumimoji="0" lang="en-US" altLang="en-US" b="0" i="0" u="none" strike="noStrike" cap="none" normalizeH="0" baseline="0" dirty="0">
+              <a:ln>
+                <a:noFill/>
+              </a:ln>
               <a:solidFill>
-                <a:srgbClr val="000000"/>
+                <a:schemeClr val="tx1"/>
               </a:solidFill>
-            </a:endParaRPr>
-          </a:p>
-          <a:p>
-            <a:pPr>
-              <a:defRPr i="1">
-                <a:solidFill>
-                  <a:srgbClr val="808080"/>
-                </a:solidFill>
-                <a:latin typeface="Courier New"/>
-                <a:ea typeface="Courier New"/>
-                <a:cs typeface="Courier New"/>
-                <a:sym typeface="Courier New"/>
-              </a:defRPr>
-            </a:pPr>
-            <a:r>
-              <a:t>// no output, no NPE</a:t>
-            </a:r>
-            <a:br/>
-            <a:r>
-              <a:rPr i="0">
-                <a:solidFill>
-                  <a:srgbClr val="000000"/>
-                </a:solidFill>
-              </a:rPr>
-              <a:t>optionalNull.ifPresent((s) -&gt; System.</a:t>
-            </a:r>
-            <a:r>
-              <a:rPr b="1">
-                <a:solidFill>
-                  <a:srgbClr val="660E7A"/>
-                </a:solidFill>
-              </a:rPr>
-              <a:t>out</a:t>
-            </a:r>
-            <a:r>
-              <a:rPr i="0">
-                <a:solidFill>
-                  <a:srgbClr val="000000"/>
-                </a:solidFill>
-              </a:rPr>
-              <a:t>.println(s.charAt(</a:t>
-            </a:r>
-            <a:r>
-              <a:rPr i="0">
-                <a:solidFill>
-                  <a:srgbClr val="0000FF"/>
-                </a:solidFill>
-              </a:rPr>
-              <a:t>0</a:t>
-            </a:r>
-            <a:r>
-              <a:rPr i="0">
-                <a:solidFill>
-                  <a:srgbClr val="000000"/>
-                </a:solidFill>
-              </a:rPr>
-              <a:t>)));    </a:t>
-            </a:r>
-            <a:br>
-              <a:rPr i="0">
-                <a:solidFill>
-                  <a:srgbClr val="000000"/>
-                </a:solidFill>
-              </a:rPr>
-            </a:br>
-            <a:endParaRPr i="0">
-              <a:solidFill>
-                <a:srgbClr val="000000"/>
-              </a:solidFill>
+              <a:effectLst/>
+              <a:latin typeface="Arial" panose="020B0604020202020204" pitchFamily="34" charset="0"/>
             </a:endParaRPr>
           </a:p>
         </p:txBody>
@@ -14104,8 +15118,8 @@
       <p:par>
         <p:cTn id="1" dur="indefinite" restart="never" fill="hold" nodeType="tmRoot">
           <p:childTnLst>
-            <p:seq concurrent="1" prevAc="none" nextAc="seek">
-              <p:cTn id="2" dur="indefinite" fill="hold" nodeType="mainSeq">
+            <p:seq concurrent="1" nextAc="seek">
+              <p:cTn id="2" dur="indefinite" nodeType="mainSeq">
                 <p:childTnLst>
                   <p:par>
                     <p:cTn id="3" fill="hold">
@@ -14120,23 +15134,20 @@
                             </p:stCondLst>
                             <p:childTnLst>
                               <p:par>
-                                <p:cTn id="5" presetID="22" presetClass="entr" presetSubtype="8" fill="hold" grpId="1" nodeType="clickEffect">
+                                <p:cTn id="5" presetID="10" presetClass="entr" presetSubtype="0" fill="hold" grpId="0" nodeType="clickEffect">
                                   <p:stCondLst>
                                     <p:cond delay="0"/>
                                   </p:stCondLst>
-                                  <p:iterate>
-                                    <p:tmAbs val="0"/>
-                                  </p:iterate>
                                   <p:childTnLst>
                                     <p:set>
                                       <p:cBhvr>
-                                        <p:cTn id="6" fill="hold"/>
+                                        <p:cTn id="6" dur="1" fill="hold">
+                                          <p:stCondLst>
+                                            <p:cond delay="0"/>
+                                          </p:stCondLst>
+                                        </p:cTn>
                                         <p:tgtEl>
-                                          <p:spTgt spid="309">
-                                            <p:txEl>
-                                              <p:pRg st="3" end="3"/>
-                                            </p:txEl>
-                                          </p:spTgt>
+                                          <p:spTgt spid="309"/>
                                         </p:tgtEl>
                                         <p:attrNameLst>
                                           <p:attrName>style.visibility</p:attrName>
@@ -14146,66 +15157,11 @@
                                         <p:strVal val="visible"/>
                                       </p:to>
                                     </p:set>
-                                    <p:animEffect transition="in" filter="wipe(left)">
+                                    <p:animEffect transition="in" filter="fade">
                                       <p:cBhvr>
                                         <p:cTn id="7" dur="500"/>
                                         <p:tgtEl>
-                                          <p:spTgt spid="309">
-                                            <p:txEl>
-                                              <p:pRg st="3" end="3"/>
-                                            </p:txEl>
-                                          </p:spTgt>
-                                        </p:tgtEl>
-                                      </p:cBhvr>
-                                    </p:animEffect>
-                                  </p:childTnLst>
-                                </p:cTn>
-                              </p:par>
-                            </p:childTnLst>
-                          </p:cTn>
-                        </p:par>
-                        <p:par>
-                          <p:cTn id="8" fill="hold">
-                            <p:stCondLst>
-                              <p:cond delay="500"/>
-                            </p:stCondLst>
-                            <p:childTnLst>
-                              <p:par>
-                                <p:cTn id="9" presetID="22" presetClass="entr" presetSubtype="8" fill="hold" grpId="1" nodeType="afterEffect">
-                                  <p:stCondLst>
-                                    <p:cond delay="0"/>
-                                  </p:stCondLst>
-                                  <p:iterate>
-                                    <p:tmAbs val="0"/>
-                                  </p:iterate>
-                                  <p:childTnLst>
-                                    <p:set>
-                                      <p:cBhvr>
-                                        <p:cTn id="10" fill="hold"/>
-                                        <p:tgtEl>
-                                          <p:spTgt spid="309">
-                                            <p:txEl>
-                                              <p:pRg st="4" end="4"/>
-                                            </p:txEl>
-                                          </p:spTgt>
-                                        </p:tgtEl>
-                                        <p:attrNameLst>
-                                          <p:attrName>style.visibility</p:attrName>
-                                        </p:attrNameLst>
-                                      </p:cBhvr>
-                                      <p:to>
-                                        <p:strVal val="visible"/>
-                                      </p:to>
-                                    </p:set>
-                                    <p:animEffect transition="in" filter="wipe(left)">
-                                      <p:cBhvr>
-                                        <p:cTn id="11" dur="500"/>
-                                        <p:tgtEl>
-                                          <p:spTgt spid="309">
-                                            <p:txEl>
-                                              <p:pRg st="4" end="4"/>
-                                            </p:txEl>
-                                          </p:spTgt>
+                                          <p:spTgt spid="309"/>
                                         </p:tgtEl>
                                       </p:cBhvr>
                                     </p:animEffect>
@@ -14219,35 +15175,32 @@
                     </p:cTn>
                   </p:par>
                   <p:par>
-                    <p:cTn id="12" fill="hold">
+                    <p:cTn id="8" fill="hold">
                       <p:stCondLst>
                         <p:cond delay="indefinite"/>
                       </p:stCondLst>
                       <p:childTnLst>
                         <p:par>
-                          <p:cTn id="13" fill="hold">
+                          <p:cTn id="9" fill="hold">
                             <p:stCondLst>
                               <p:cond delay="0"/>
                             </p:stCondLst>
                             <p:childTnLst>
                               <p:par>
-                                <p:cTn id="14" presetID="22" presetClass="entr" presetSubtype="8" fill="hold" grpId="1" nodeType="clickEffect">
+                                <p:cTn id="10" presetID="10" presetClass="entr" presetSubtype="0" fill="hold" grpId="0" nodeType="clickEffect">
                                   <p:stCondLst>
                                     <p:cond delay="0"/>
                                   </p:stCondLst>
-                                  <p:iterate>
-                                    <p:tmAbs val="0"/>
-                                  </p:iterate>
                                   <p:childTnLst>
                                     <p:set>
                                       <p:cBhvr>
-                                        <p:cTn id="15" fill="hold"/>
+                                        <p:cTn id="11" dur="1" fill="hold">
+                                          <p:stCondLst>
+                                            <p:cond delay="0"/>
+                                          </p:stCondLst>
+                                        </p:cTn>
                                         <p:tgtEl>
-                                          <p:spTgt spid="309">
-                                            <p:txEl>
-                                              <p:pRg st="5" end="5"/>
-                                            </p:txEl>
-                                          </p:spTgt>
+                                          <p:spTgt spid="3"/>
                                         </p:tgtEl>
                                         <p:attrNameLst>
                                           <p:attrName>style.visibility</p:attrName>
@@ -14257,15 +15210,11 @@
                                         <p:strVal val="visible"/>
                                       </p:to>
                                     </p:set>
-                                    <p:animEffect transition="in" filter="wipe(left)">
+                                    <p:animEffect transition="in" filter="fade">
                                       <p:cBhvr>
-                                        <p:cTn id="16" dur="500"/>
+                                        <p:cTn id="12" dur="500"/>
                                         <p:tgtEl>
-                                          <p:spTgt spid="309">
-                                            <p:txEl>
-                                              <p:pRg st="5" end="5"/>
-                                            </p:txEl>
-                                          </p:spTgt>
+                                          <p:spTgt spid="3"/>
                                         </p:tgtEl>
                                       </p:cBhvr>
                                     </p:animEffect>
@@ -14279,35 +15228,32 @@
                     </p:cTn>
                   </p:par>
                   <p:par>
-                    <p:cTn id="17" fill="hold">
+                    <p:cTn id="13" fill="hold">
                       <p:stCondLst>
                         <p:cond delay="indefinite"/>
                       </p:stCondLst>
                       <p:childTnLst>
                         <p:par>
-                          <p:cTn id="18" fill="hold">
+                          <p:cTn id="14" fill="hold">
                             <p:stCondLst>
                               <p:cond delay="0"/>
                             </p:stCondLst>
                             <p:childTnLst>
                               <p:par>
-                                <p:cTn id="19" presetID="22" presetClass="entr" presetSubtype="8" fill="hold" grpId="1" nodeType="clickEffect">
+                                <p:cTn id="15" presetID="10" presetClass="entr" presetSubtype="0" fill="hold" grpId="0" nodeType="clickEffect">
                                   <p:stCondLst>
                                     <p:cond delay="0"/>
                                   </p:stCondLst>
-                                  <p:iterate>
-                                    <p:tmAbs val="0"/>
-                                  </p:iterate>
                                   <p:childTnLst>
                                     <p:set>
                                       <p:cBhvr>
-                                        <p:cTn id="20" fill="hold"/>
+                                        <p:cTn id="16" dur="1" fill="hold">
+                                          <p:stCondLst>
+                                            <p:cond delay="0"/>
+                                          </p:stCondLst>
+                                        </p:cTn>
                                         <p:tgtEl>
-                                          <p:spTgt spid="309">
-                                            <p:txEl>
-                                              <p:pRg st="6" end="6"/>
-                                            </p:txEl>
-                                          </p:spTgt>
+                                          <p:spTgt spid="4"/>
                                         </p:tgtEl>
                                         <p:attrNameLst>
                                           <p:attrName>style.visibility</p:attrName>
@@ -14317,15 +15263,117 @@
                                         <p:strVal val="visible"/>
                                       </p:to>
                                     </p:set>
-                                    <p:animEffect transition="in" filter="wipe(left)">
+                                    <p:animEffect transition="in" filter="fade">
                                       <p:cBhvr>
-                                        <p:cTn id="21" dur="500"/>
+                                        <p:cTn id="17" dur="500"/>
                                         <p:tgtEl>
-                                          <p:spTgt spid="309">
-                                            <p:txEl>
-                                              <p:pRg st="6" end="6"/>
-                                            </p:txEl>
-                                          </p:spTgt>
+                                          <p:spTgt spid="4"/>
+                                        </p:tgtEl>
+                                      </p:cBhvr>
+                                    </p:animEffect>
+                                  </p:childTnLst>
+                                </p:cTn>
+                              </p:par>
+                            </p:childTnLst>
+                          </p:cTn>
+                        </p:par>
+                      </p:childTnLst>
+                    </p:cTn>
+                  </p:par>
+                  <p:par>
+                    <p:cTn id="18" fill="hold">
+                      <p:stCondLst>
+                        <p:cond delay="indefinite"/>
+                      </p:stCondLst>
+                      <p:childTnLst>
+                        <p:par>
+                          <p:cTn id="19" fill="hold">
+                            <p:stCondLst>
+                              <p:cond delay="0"/>
+                            </p:stCondLst>
+                            <p:childTnLst>
+                              <p:par>
+                                <p:cTn id="20" presetID="10" presetClass="entr" presetSubtype="0" fill="hold" grpId="0" nodeType="clickEffect">
+                                  <p:stCondLst>
+                                    <p:cond delay="0"/>
+                                  </p:stCondLst>
+                                  <p:childTnLst>
+                                    <p:set>
+                                      <p:cBhvr>
+                                        <p:cTn id="21" dur="1" fill="hold">
+                                          <p:stCondLst>
+                                            <p:cond delay="0"/>
+                                          </p:stCondLst>
+                                        </p:cTn>
+                                        <p:tgtEl>
+                                          <p:spTgt spid="5"/>
+                                        </p:tgtEl>
+                                        <p:attrNameLst>
+                                          <p:attrName>style.visibility</p:attrName>
+                                        </p:attrNameLst>
+                                      </p:cBhvr>
+                                      <p:to>
+                                        <p:strVal val="visible"/>
+                                      </p:to>
+                                    </p:set>
+                                    <p:animEffect transition="in" filter="fade">
+                                      <p:cBhvr>
+                                        <p:cTn id="22" dur="500"/>
+                                        <p:tgtEl>
+                                          <p:spTgt spid="5"/>
+                                        </p:tgtEl>
+                                      </p:cBhvr>
+                                    </p:animEffect>
+                                  </p:childTnLst>
+                                </p:cTn>
+                              </p:par>
+                            </p:childTnLst>
+                          </p:cTn>
+                        </p:par>
+                      </p:childTnLst>
+                    </p:cTn>
+                  </p:par>
+                  <p:par>
+                    <p:cTn id="23" fill="hold">
+                      <p:stCondLst>
+                        <p:cond delay="indefinite"/>
+                      </p:stCondLst>
+                      <p:childTnLst>
+                        <p:par>
+                          <p:cTn id="24" fill="hold">
+                            <p:stCondLst>
+                              <p:cond delay="0"/>
+                            </p:stCondLst>
+                            <p:childTnLst>
+                              <p:par>
+                                <p:cTn id="25" presetID="10" presetClass="entr" presetSubtype="0" fill="hold" grpId="0" nodeType="clickEffect">
+                                  <p:stCondLst>
+                                    <p:cond delay="0"/>
+                                  </p:stCondLst>
+                                  <p:childTnLst>
+                                    <p:set>
+                                      <p:cBhvr>
+                                        <p:cTn id="26" dur="1" fill="hold">
+                                          <p:stCondLst>
+                                            <p:cond delay="0"/>
+                                          </p:stCondLst>
+                                        </p:cTn>
+                                        <p:tgtEl>
+                                          <p:spTgt spid="6"/>
+                                        </p:tgtEl>
+                                        <p:attrNameLst>
+                                          <p:attrName>style.visibility</p:attrName>
+                                        </p:attrNameLst>
+                                      </p:cBhvr>
+                                      <p:to>
+                                        <p:strVal val="visible"/>
+                                      </p:to>
+                                    </p:set>
+                                    <p:animEffect transition="in" filter="fade">
+                                      <p:cBhvr>
+                                        <p:cTn id="27" dur="500"/>
+                                        <p:tgtEl>
+                                          <p:spTgt spid="6"/>
                                         </p:tgtEl>
                                       </p:cBhvr>
                                     </p:animEffect>
@@ -14360,7 +15408,11 @@
       </p:par>
     </p:tnLst>
     <p:bldLst>
-      <p:bldP spid="309" grpId="1" build="p" bldLvl="5" animBg="1" advAuto="0"/>
+      <p:bldP spid="309" grpId="0" animBg="1"/>
+      <p:bldP spid="3" grpId="0" animBg="1"/>
+      <p:bldP spid="4" grpId="0" animBg="1"/>
+      <p:bldP spid="5" grpId="0" animBg="1"/>
+      <p:bldP spid="6" grpId="0" animBg="1"/>
     </p:bldLst>
   </p:timing>
 </p:sld>
@@ -14395,7 +15447,7 @@
         </p:nvSpPr>
         <p:spPr>
           <a:xfrm>
-            <a:off x="724940" y="620548"/>
+            <a:off x="724940" y="799223"/>
             <a:ext cx="7998646" cy="472529"/>
           </a:xfrm>
           <a:prstGeom prst="rect">
@@ -14403,7 +15455,9 @@
           </a:prstGeom>
         </p:spPr>
         <p:txBody>
-          <a:bodyPr/>
+          <a:bodyPr>
+            <a:noAutofit/>
+          </a:bodyPr>
           <a:lstStyle>
             <a:lvl1pPr defTabSz="594359">
               <a:spcBef>
@@ -14414,7 +15468,8 @@
           </a:lstStyle>
           <a:p>
             <a:r>
-              <a:t>Optional&lt;T&gt; Benefits</a:t>
+              <a:rPr sz="4000" dirty="0"/>
+              <a:t>Optional&lt;T&gt;</a:t>
             </a:r>
           </a:p>
         </p:txBody>
@@ -14427,8 +15482,8 @@
         </p:nvSpPr>
         <p:spPr>
           <a:xfrm>
-            <a:off x="829608" y="1822370"/>
-            <a:ext cx="7893978" cy="3958591"/>
+            <a:off x="976753" y="2194313"/>
+            <a:ext cx="9722778" cy="1323439"/>
           </a:xfrm>
           <a:prstGeom prst="rect">
             <a:avLst/>
@@ -14443,15 +15498,12 @@
           </a:extLst>
         </p:spPr>
         <p:txBody>
-          <a:bodyPr lIns="45719" rIns="45719">
+          <a:bodyPr wrap="square" lIns="45719" rIns="45719">
             <a:spAutoFit/>
           </a:bodyPr>
           <a:lstStyle/>
           <a:p>
             <a:pPr marL="285750" indent="-285750">
-              <a:lnSpc>
-                <a:spcPct val="150000"/>
-              </a:lnSpc>
               <a:buSzPct val="100000"/>
               <a:buFont typeface="Arial"/>
               <a:buChar char="•"/>
@@ -14462,14 +15514,12 @@
               </a:defRPr>
             </a:pPr>
             <a:r>
+              <a:rPr sz="2000" dirty="0"/>
               <a:t>Null checks are not required.</a:t>
             </a:r>
           </a:p>
           <a:p>
             <a:pPr marL="285750" indent="-285750">
-              <a:lnSpc>
-                <a:spcPct val="150000"/>
-              </a:lnSpc>
               <a:buSzPct val="100000"/>
               <a:buFont typeface="Arial"/>
               <a:buChar char="•"/>
@@ -14480,14 +15530,16 @@
               </a:defRPr>
             </a:pPr>
             <a:r>
-              <a:t>No more NPE at run-time.</a:t>
+              <a:rPr lang="en-IE" sz="2000" dirty="0"/>
+              <a:t>Much less likely to have </a:t>
+            </a:r>
+            <a:r>
+              <a:rPr sz="2000" dirty="0"/>
+              <a:t>NPE at run-time.</a:t>
             </a:r>
           </a:p>
           <a:p>
             <a:pPr marL="285750" indent="-285750">
-              <a:lnSpc>
-                <a:spcPct val="150000"/>
-              </a:lnSpc>
               <a:buSzPct val="100000"/>
               <a:buFont typeface="Arial"/>
               <a:buChar char="•"/>
@@ -14498,14 +15550,12 @@
               </a:defRPr>
             </a:pPr>
             <a:r>
-              <a:t>We can develop clean and neat APIs.</a:t>
+              <a:rPr sz="2000" dirty="0"/>
+              <a:t>Better readability.</a:t>
             </a:r>
           </a:p>
           <a:p>
             <a:pPr marL="285750" indent="-285750">
-              <a:lnSpc>
-                <a:spcPct val="150000"/>
-              </a:lnSpc>
               <a:buSzPct val="100000"/>
               <a:buFont typeface="Arial"/>
               <a:buChar char="•"/>
@@ -14516,53 +15566,133 @@
               </a:defRPr>
             </a:pPr>
             <a:r>
-              <a:t>No more Boiler plate code.</a:t>
-            </a:r>
-          </a:p>
-          <a:p>
-            <a:pPr marL="285750" indent="-285750">
-              <a:lnSpc>
-                <a:spcPct val="150000"/>
-              </a:lnSpc>
-              <a:buSzPct val="100000"/>
-              <a:buFont typeface="Arial"/>
+              <a:rPr sz="2000" dirty="0"/>
+              <a:t>Better maintainability. </a:t>
+            </a:r>
+          </a:p>
+        </p:txBody>
+      </p:sp>
+      <p:sp>
+        <p:nvSpPr>
+          <p:cNvPr id="2" name="Rectangle 1"/>
+          <p:cNvSpPr/>
+          <p:nvPr/>
+        </p:nvSpPr>
+        <p:spPr>
+          <a:xfrm>
+            <a:off x="892670" y="1563416"/>
+            <a:ext cx="1548822" cy="584775"/>
+          </a:xfrm>
+          <a:prstGeom prst="rect">
+            <a:avLst/>
+          </a:prstGeom>
+        </p:spPr>
+        <p:txBody>
+          <a:bodyPr wrap="none">
+            <a:spAutoFit/>
+          </a:bodyPr>
+          <a:lstStyle/>
+          <a:p>
+            <a:r>
+              <a:rPr lang="en-IE" sz="3200" dirty="0"/>
+              <a:t>Benefits</a:t>
+            </a:r>
+          </a:p>
+        </p:txBody>
+      </p:sp>
+      <p:sp>
+        <p:nvSpPr>
+          <p:cNvPr id="5" name="Rectangle 4"/>
+          <p:cNvSpPr/>
+          <p:nvPr/>
+        </p:nvSpPr>
+        <p:spPr>
+          <a:xfrm>
+            <a:off x="892670" y="3855538"/>
+            <a:ext cx="1167307" cy="584775"/>
+          </a:xfrm>
+          <a:prstGeom prst="rect">
+            <a:avLst/>
+          </a:prstGeom>
+        </p:spPr>
+        <p:txBody>
+          <a:bodyPr wrap="none">
+            <a:spAutoFit/>
+          </a:bodyPr>
+          <a:lstStyle/>
+          <a:p>
+            <a:r>
+              <a:rPr lang="en-IE" sz="3200" dirty="0"/>
+              <a:t>But …</a:t>
+            </a:r>
+          </a:p>
+        </p:txBody>
+      </p:sp>
+      <p:sp>
+        <p:nvSpPr>
+          <p:cNvPr id="3" name="Rectangle 2"/>
+          <p:cNvSpPr/>
+          <p:nvPr/>
+        </p:nvSpPr>
+        <p:spPr>
+          <a:xfrm>
+            <a:off x="976753" y="4518274"/>
+            <a:ext cx="7841426" cy="1631216"/>
+          </a:xfrm>
+          <a:prstGeom prst="rect">
+            <a:avLst/>
+          </a:prstGeom>
+        </p:spPr>
+        <p:txBody>
+          <a:bodyPr wrap="square">
+            <a:spAutoFit/>
+          </a:bodyPr>
+          <a:lstStyle/>
+          <a:p>
+            <a:r>
+              <a:rPr lang="en-IE" sz="2000" dirty="0"/>
+              <a:t>Optional is not meant to be used in these contexts</a:t>
+            </a:r>
+          </a:p>
+          <a:p>
+            <a:pPr marL="342900" indent="-342900">
+              <a:buFont typeface="Arial" panose="020B0604020202020204" pitchFamily="34" charset="0"/>
               <a:buChar char="•"/>
-              <a:defRPr sz="2400">
-                <a:solidFill>
-                  <a:srgbClr val="333333"/>
-                </a:solidFill>
-              </a:defRPr>
             </a:pPr>
             <a:r>
-              <a:t>Better readability.</a:t>
-            </a:r>
-          </a:p>
-          <a:p>
-            <a:pPr marL="285750" indent="-285750">
-              <a:lnSpc>
-                <a:spcPct val="150000"/>
-              </a:lnSpc>
-              <a:buSzPct val="100000"/>
-              <a:buFont typeface="Arial"/>
+              <a:rPr lang="en-IE" sz="2000" dirty="0"/>
+              <a:t>the domain model layer (not serializable)</a:t>
+            </a:r>
+          </a:p>
+          <a:p>
+            <a:pPr marL="342900" indent="-342900">
+              <a:buFont typeface="Arial" panose="020B0604020202020204" pitchFamily="34" charset="0"/>
               <a:buChar char="•"/>
-              <a:defRPr sz="2400">
-                <a:solidFill>
-                  <a:srgbClr val="333333"/>
-                </a:solidFill>
-              </a:defRPr>
             </a:pPr>
             <a:r>
-              <a:t>Better maintainability. </a:t>
-            </a:r>
-          </a:p>
-          <a:p>
-            <a:pPr>
-              <a:lnSpc>
-                <a:spcPct val="150000"/>
-              </a:lnSpc>
+              <a:rPr lang="en-IE" sz="2000" dirty="0"/>
+              <a:t>DTOs (same reason)</a:t>
+            </a:r>
+          </a:p>
+          <a:p>
+            <a:pPr marL="342900" indent="-342900">
+              <a:buFont typeface="Arial" panose="020B0604020202020204" pitchFamily="34" charset="0"/>
+              <a:buChar char="•"/>
             </a:pPr>
-            <a:br/>
-            <a:endParaRPr/>
+            <a:r>
+              <a:rPr lang="en-IE" sz="2000" dirty="0"/>
+              <a:t>input parameters of methods</a:t>
+            </a:r>
+          </a:p>
+          <a:p>
+            <a:pPr marL="342900" indent="-342900">
+              <a:buFont typeface="Arial" panose="020B0604020202020204" pitchFamily="34" charset="0"/>
+              <a:buChar char="•"/>
+            </a:pPr>
+            <a:r>
+              <a:rPr lang="en-IE" sz="2000" dirty="0"/>
+              <a:t>constructor parameters</a:t>
+            </a:r>
           </a:p>
         </p:txBody>
       </p:sp>
@@ -15159,7 +16289,7 @@
         </p:nvSpPr>
         <p:spPr>
           <a:xfrm>
-            <a:off x="724940" y="620548"/>
+            <a:off x="724939" y="925348"/>
             <a:ext cx="7998646" cy="472529"/>
           </a:xfrm>
           <a:prstGeom prst="rect">
@@ -15167,7 +16297,9 @@
           </a:prstGeom>
         </p:spPr>
         <p:txBody>
-          <a:bodyPr/>
+          <a:bodyPr>
+            <a:noAutofit/>
+          </a:bodyPr>
           <a:lstStyle>
             <a:lvl1pPr defTabSz="594359">
               <a:spcBef>
@@ -15178,6 +16310,7 @@
           </a:lstStyle>
           <a:p>
             <a:r>
+              <a:rPr sz="4000" dirty="0"/>
               <a:t>Practice 1 in TDP </a:t>
             </a:r>
           </a:p>
@@ -16098,7 +17231,7 @@
         </p:nvSpPr>
         <p:spPr>
           <a:xfrm>
-            <a:off x="724940" y="620548"/>
+            <a:off x="724939" y="799224"/>
             <a:ext cx="7998646" cy="472529"/>
           </a:xfrm>
           <a:prstGeom prst="rect">
@@ -16106,7 +17239,9 @@
           </a:prstGeom>
         </p:spPr>
         <p:txBody>
-          <a:bodyPr/>
+          <a:bodyPr>
+            <a:noAutofit/>
+          </a:bodyPr>
           <a:lstStyle>
             <a:lvl1pPr defTabSz="594359">
               <a:spcBef>
@@ -16117,6 +17252,7 @@
           </a:lstStyle>
           <a:p>
             <a:r>
+              <a:rPr sz="4000" dirty="0"/>
               <a:t>Practice 2 in TDP </a:t>
             </a:r>
           </a:p>
@@ -16551,7 +17687,7 @@
         </p:nvSpPr>
         <p:spPr>
           <a:xfrm>
-            <a:off x="724940" y="866073"/>
+            <a:off x="724940" y="807086"/>
             <a:ext cx="7998646" cy="472529"/>
           </a:xfrm>
           <a:prstGeom prst="rect">
@@ -16559,7 +17695,9 @@
           </a:prstGeom>
         </p:spPr>
         <p:txBody>
-          <a:bodyPr/>
+          <a:bodyPr>
+            <a:noAutofit/>
+          </a:bodyPr>
           <a:lstStyle>
             <a:lvl1pPr defTabSz="594359">
               <a:spcBef>
@@ -16570,6 +17708,7 @@
           </a:lstStyle>
           <a:p>
             <a:r>
+              <a:rPr sz="4000" dirty="0"/>
               <a:t>Practice 2 in TDP </a:t>
             </a:r>
           </a:p>
@@ -17592,7 +18731,7 @@
         </p:nvSpPr>
         <p:spPr>
           <a:xfrm>
-            <a:off x="724940" y="620548"/>
+            <a:off x="724939" y="920587"/>
             <a:ext cx="7998646" cy="472529"/>
           </a:xfrm>
           <a:prstGeom prst="rect">
@@ -17600,7 +18739,9 @@
           </a:prstGeom>
         </p:spPr>
         <p:txBody>
-          <a:bodyPr/>
+          <a:bodyPr>
+            <a:noAutofit/>
+          </a:bodyPr>
           <a:lstStyle>
             <a:lvl1pPr defTabSz="594359">
               <a:spcBef>
@@ -17611,6 +18752,7 @@
           </a:lstStyle>
           <a:p>
             <a:r>
+              <a:rPr sz="4000" dirty="0"/>
               <a:t>Practice 3 in TDP </a:t>
             </a:r>
           </a:p>
@@ -18767,17 +19909,19 @@
               </a:defRPr>
             </a:pPr>
             <a:r>
+              <a:rPr dirty="0" err="1"/>
               <a:t>Collections.</a:t>
             </a:r>
             <a:r>
-              <a:rPr i="1"/>
+              <a:rPr i="1" dirty="0" err="1"/>
               <a:t>sort</a:t>
             </a:r>
             <a:r>
+              <a:rPr dirty="0"/>
               <a:t>(names, </a:t>
             </a:r>
             <a:r>
-              <a:rPr b="1">
+              <a:rPr b="1" dirty="0">
                 <a:solidFill>
                   <a:srgbClr val="000080"/>
                 </a:solidFill>
@@ -18785,14 +19929,18 @@
               <a:t>new </a:t>
             </a:r>
             <a:r>
+              <a:rPr dirty="0"/>
               <a:t>Comparator&lt;String&gt;() {</a:t>
             </a:r>
-            <a:br/>
-            <a:r>
+            <a:br>
+              <a:rPr dirty="0"/>
+            </a:br>
+            <a:r>
+              <a:rPr dirty="0"/>
               <a:t>    </a:t>
             </a:r>
             <a:r>
-              <a:rPr>
+              <a:rPr dirty="0">
                 <a:solidFill>
                   <a:srgbClr val="808000"/>
                 </a:solidFill>
@@ -18800,14 +19948,14 @@
               <a:t>@Override</a:t>
             </a:r>
             <a:br>
-              <a:rPr>
+              <a:rPr dirty="0">
                 <a:solidFill>
                   <a:srgbClr val="808000"/>
                 </a:solidFill>
               </a:rPr>
             </a:br>
             <a:r>
-              <a:rPr>
+              <a:rPr dirty="0">
                 <a:solidFill>
                   <a:srgbClr val="808000"/>
                 </a:solidFill>
@@ -18815,22 +19963,42 @@
               <a:t>    </a:t>
             </a:r>
             <a:r>
-              <a:rPr b="1">
+              <a:rPr b="1" dirty="0">
                 <a:solidFill>
                   <a:srgbClr val="000080"/>
                 </a:solidFill>
               </a:rPr>
-              <a:t>public int </a:t>
-            </a:r>
-            <a:r>
+              <a:t>public </a:t>
+            </a:r>
+            <a:r>
+              <a:rPr b="1" dirty="0" err="1">
+                <a:solidFill>
+                  <a:srgbClr val="000080"/>
+                </a:solidFill>
+              </a:rPr>
+              <a:t>int</a:t>
+            </a:r>
+            <a:r>
+              <a:rPr b="1" dirty="0">
+                <a:solidFill>
+                  <a:srgbClr val="000080"/>
+                </a:solidFill>
+              </a:rPr>
+              <a:t> </a:t>
+            </a:r>
+            <a:r>
+              <a:rPr dirty="0"/>
               <a:t>compare(String a, String b) {</a:t>
             </a:r>
-            <a:br/>
-            <a:r>
+            <a:br>
+              <a:rPr dirty="0"/>
+            </a:br>
+            <a:r>
+              <a:rPr dirty="0"/>
               <a:t>        </a:t>
             </a:r>
             <a:r>
-              <a:rPr b="1">
+              <a:rPr b="1" dirty="0">
                 <a:solidFill>
                   <a:srgbClr val="000080"/>
                 </a:solidFill>
@@ -18838,18 +20006,31 @@
               <a:t>return </a:t>
             </a:r>
             <a:r>
-              <a:t>b.compareTo(a);</a:t>
-            </a:r>
-            <a:br/>
-            <a:r>
+              <a:rPr dirty="0" err="1"/>
+              <a:t>b.compareTo</a:t>
+            </a:r>
+            <a:r>
+              <a:rPr dirty="0"/>
+              <a:t>(a);</a:t>
+            </a:r>
+            <a:br>
+              <a:rPr dirty="0"/>
+            </a:br>
+            <a:r>
+              <a:rPr dirty="0"/>
               <a:t>    }</a:t>
             </a:r>
-            <a:br/>
-            <a:r>
+            <a:br>
+              <a:rPr dirty="0"/>
+            </a:br>
+            <a:r>
+              <a:rPr dirty="0"/>
               <a:t>});</a:t>
             </a:r>
-            <a:br/>
-            <a:endParaRPr/>
+            <a:br>
+              <a:rPr dirty="0"/>
+            </a:br>
+            <a:endParaRPr dirty="0"/>
           </a:p>
         </p:txBody>
       </p:sp>
@@ -18894,29 +20075,55 @@
               </a:defRPr>
             </a:pPr>
             <a:r>
+              <a:rPr dirty="0" err="1"/>
               <a:t>Collections.</a:t>
             </a:r>
             <a:r>
-              <a:rPr i="1"/>
+              <a:rPr i="1" dirty="0" err="1"/>
               <a:t>sort</a:t>
             </a:r>
             <a:r>
-              <a:t>(names, (String a, String b) -&gt; b.compareTo(a));</a:t>
-            </a:r>
-            <a:br/>
-            <a:br/>
-            <a:r>
+              <a:rPr dirty="0"/>
+              <a:t>(names, (String a, String b) -&gt; </a:t>
+            </a:r>
+            <a:r>
+              <a:rPr dirty="0" err="1"/>
+              <a:t>b.compareTo</a:t>
+            </a:r>
+            <a:r>
+              <a:rPr dirty="0"/>
+              <a:t>(a));</a:t>
+            </a:r>
+            <a:br>
+              <a:rPr dirty="0"/>
+            </a:br>
+            <a:br>
+              <a:rPr dirty="0"/>
+            </a:br>
+            <a:r>
+              <a:rPr dirty="0" err="1"/>
               <a:t>Collections.</a:t>
             </a:r>
             <a:r>
-              <a:rPr i="1"/>
+              <a:rPr i="1" dirty="0" err="1"/>
               <a:t>sort</a:t>
             </a:r>
             <a:r>
-              <a:t>(names, (a, b) -&gt; b.compareTo(a));</a:t>
-            </a:r>
-            <a:br/>
-            <a:endParaRPr/>
+              <a:rPr dirty="0"/>
+              <a:t>(names, (a, b) -&gt; </a:t>
+            </a:r>
+            <a:r>
+              <a:rPr dirty="0" err="1"/>
+              <a:t>b.compareTo</a:t>
+            </a:r>
+            <a:r>
+              <a:rPr dirty="0"/>
+              <a:t>(a));</a:t>
+            </a:r>
+            <a:br>
+              <a:rPr dirty="0"/>
+            </a:br>
+            <a:endParaRPr dirty="0"/>
           </a:p>
         </p:txBody>
       </p:sp>

--- a/Java 8 & TDP.pptx
+++ b/Java 8 & TDP.pptx
@@ -5,7 +5,7 @@
     <p:sldMasterId id="2147483648" r:id="rId1"/>
   </p:sldMasterIdLst>
   <p:notesMasterIdLst>
-    <p:notesMasterId r:id="rId48"/>
+    <p:notesMasterId r:id="rId47"/>
   </p:notesMasterIdLst>
   <p:sldIdLst>
     <p:sldId id="256" r:id="rId2"/>
@@ -16,44 +16,43 @@
     <p:sldId id="262" r:id="rId7"/>
     <p:sldId id="263" r:id="rId8"/>
     <p:sldId id="266" r:id="rId9"/>
-    <p:sldId id="267" r:id="rId10"/>
-    <p:sldId id="268" r:id="rId11"/>
-    <p:sldId id="269" r:id="rId12"/>
-    <p:sldId id="270" r:id="rId13"/>
-    <p:sldId id="271" r:id="rId14"/>
-    <p:sldId id="272" r:id="rId15"/>
-    <p:sldId id="273" r:id="rId16"/>
-    <p:sldId id="274" r:id="rId17"/>
-    <p:sldId id="275" r:id="rId18"/>
-    <p:sldId id="276" r:id="rId19"/>
-    <p:sldId id="277" r:id="rId20"/>
-    <p:sldId id="279" r:id="rId21"/>
-    <p:sldId id="281" r:id="rId22"/>
-    <p:sldId id="282" r:id="rId23"/>
-    <p:sldId id="278" r:id="rId24"/>
-    <p:sldId id="310" r:id="rId25"/>
-    <p:sldId id="283" r:id="rId26"/>
-    <p:sldId id="284" r:id="rId27"/>
-    <p:sldId id="287" r:id="rId28"/>
-    <p:sldId id="288" r:id="rId29"/>
-    <p:sldId id="289" r:id="rId30"/>
-    <p:sldId id="290" r:id="rId31"/>
-    <p:sldId id="291" r:id="rId32"/>
-    <p:sldId id="286" r:id="rId33"/>
-    <p:sldId id="292" r:id="rId34"/>
-    <p:sldId id="293" r:id="rId35"/>
-    <p:sldId id="294" r:id="rId36"/>
-    <p:sldId id="295" r:id="rId37"/>
-    <p:sldId id="296" r:id="rId38"/>
-    <p:sldId id="297" r:id="rId39"/>
-    <p:sldId id="301" r:id="rId40"/>
-    <p:sldId id="302" r:id="rId41"/>
-    <p:sldId id="303" r:id="rId42"/>
-    <p:sldId id="304" r:id="rId43"/>
-    <p:sldId id="305" r:id="rId44"/>
-    <p:sldId id="306" r:id="rId45"/>
-    <p:sldId id="307" r:id="rId46"/>
-    <p:sldId id="308" r:id="rId47"/>
+    <p:sldId id="269" r:id="rId10"/>
+    <p:sldId id="270" r:id="rId11"/>
+    <p:sldId id="271" r:id="rId12"/>
+    <p:sldId id="272" r:id="rId13"/>
+    <p:sldId id="273" r:id="rId14"/>
+    <p:sldId id="274" r:id="rId15"/>
+    <p:sldId id="275" r:id="rId16"/>
+    <p:sldId id="276" r:id="rId17"/>
+    <p:sldId id="277" r:id="rId18"/>
+    <p:sldId id="279" r:id="rId19"/>
+    <p:sldId id="281" r:id="rId20"/>
+    <p:sldId id="282" r:id="rId21"/>
+    <p:sldId id="278" r:id="rId22"/>
+    <p:sldId id="310" r:id="rId23"/>
+    <p:sldId id="283" r:id="rId24"/>
+    <p:sldId id="284" r:id="rId25"/>
+    <p:sldId id="287" r:id="rId26"/>
+    <p:sldId id="288" r:id="rId27"/>
+    <p:sldId id="290" r:id="rId28"/>
+    <p:sldId id="291" r:id="rId29"/>
+    <p:sldId id="286" r:id="rId30"/>
+    <p:sldId id="292" r:id="rId31"/>
+    <p:sldId id="293" r:id="rId32"/>
+    <p:sldId id="294" r:id="rId33"/>
+    <p:sldId id="295" r:id="rId34"/>
+    <p:sldId id="296" r:id="rId35"/>
+    <p:sldId id="297" r:id="rId36"/>
+    <p:sldId id="301" r:id="rId37"/>
+    <p:sldId id="311" r:id="rId38"/>
+    <p:sldId id="302" r:id="rId39"/>
+    <p:sldId id="303" r:id="rId40"/>
+    <p:sldId id="304" r:id="rId41"/>
+    <p:sldId id="305" r:id="rId42"/>
+    <p:sldId id="306" r:id="rId43"/>
+    <p:sldId id="312" r:id="rId44"/>
+    <p:sldId id="307" r:id="rId45"/>
+    <p:sldId id="308" r:id="rId46"/>
   </p:sldIdLst>
   <p:sldSz cx="12192000" cy="6858000"/>
   <p:notesSz cx="6858000" cy="9144000"/>
@@ -819,7 +818,11 @@
             </a:r>
             <a:r>
               <a:rPr lang="en-IE" baseline="0" dirty="0"/>
-              <a:t> the parallel stream what it is doing under the hood</a:t>
+              <a:t> the parallel stream what it is doing under the hood, unveil the mystery of </a:t>
+            </a:r>
+            <a:r>
+              <a:rPr lang="en-IE" baseline="0" dirty="0" err="1"/>
+              <a:t>parallelstream</a:t>
             </a:r>
             <a:endParaRPr dirty="0"/>
           </a:p>
@@ -1205,6 +1208,80 @@
         </p:txBody>
       </p:sp>
     </p:spTree>
+  </p:cSld>
+  <p:clrMapOvr>
+    <a:masterClrMapping/>
+  </p:clrMapOvr>
+</p:notes>
+</file>
+
+<file path=ppt/notesSlides/notesSlide17.xml><?xml version="1.0" encoding="utf-8"?>
+<p:notes xmlns:a="http://schemas.openxmlformats.org/drawingml/2006/main" xmlns:r="http://schemas.openxmlformats.org/officeDocument/2006/relationships" xmlns:p="http://schemas.openxmlformats.org/presentationml/2006/main">
+  <p:cSld>
+    <p:spTree>
+      <p:nvGrpSpPr>
+        <p:cNvPr id="1" name=""/>
+        <p:cNvGrpSpPr/>
+        <p:nvPr/>
+      </p:nvGrpSpPr>
+      <p:grpSpPr>
+        <a:xfrm>
+          <a:off x="0" y="0"/>
+          <a:ext cx="0" cy="0"/>
+          <a:chOff x="0" y="0"/>
+          <a:chExt cx="0" cy="0"/>
+        </a:xfrm>
+      </p:grpSpPr>
+      <p:sp>
+        <p:nvSpPr>
+          <p:cNvPr id="2" name="Slide Image Placeholder 1"/>
+          <p:cNvSpPr>
+            <a:spLocks noGrp="1" noRot="1" noChangeAspect="1"/>
+          </p:cNvSpPr>
+          <p:nvPr>
+            <p:ph type="sldImg"/>
+          </p:nvPr>
+        </p:nvSpPr>
+        <p:spPr>
+          <a:xfrm>
+            <a:off x="381000" y="685800"/>
+            <a:ext cx="6096000" cy="3429000"/>
+          </a:xfrm>
+        </p:spPr>
+      </p:sp>
+      <p:sp>
+        <p:nvSpPr>
+          <p:cNvPr id="3" name="Notes Placeholder 2"/>
+          <p:cNvSpPr>
+            <a:spLocks noGrp="1"/>
+          </p:cNvSpPr>
+          <p:nvPr>
+            <p:ph type="body" idx="1"/>
+          </p:nvPr>
+        </p:nvSpPr>
+        <p:spPr/>
+        <p:txBody>
+          <a:bodyPr/>
+          <a:lstStyle/>
+          <a:p>
+            <a:r>
+              <a:rPr lang="en-IE" dirty="0"/>
+              <a:t>Full attention, otherwise</a:t>
+            </a:r>
+            <a:r>
+              <a:rPr lang="en-IE" baseline="0" dirty="0"/>
+              <a:t> lose me quickly</a:t>
+            </a:r>
+            <a:endParaRPr lang="en-IE" dirty="0"/>
+          </a:p>
+        </p:txBody>
+      </p:sp>
+    </p:spTree>
+    <p:extLst>
+      <p:ext uri="{BB962C8B-B14F-4D97-AF65-F5344CB8AC3E}">
+        <p14:creationId xmlns:p14="http://schemas.microsoft.com/office/powerpoint/2010/main" val="2119386815"/>
+      </p:ext>
+    </p:extLst>
   </p:cSld>
   <p:clrMapOvr>
     <a:masterClrMapping/>
@@ -4269,7 +4346,7 @@
           </a:ln>
           <a:extLst>
             <a:ext uri="{C572A759-6A51-4108-AA02-DFA0A04FC94B}">
-              <ma14:wrappingTextBoxFlag xmlns:ma14="http://schemas.microsoft.com/office/mac/drawingml/2011/main" xmlns="" val="1"/>
+              <ma14:wrappingTextBoxFlag xmlns="" xmlns:ma14="http://schemas.microsoft.com/office/mac/drawingml/2011/main" val="1"/>
             </a:ext>
           </a:extLst>
         </p:spPr>
@@ -4308,7 +4385,7 @@
           </a:ln>
           <a:extLst>
             <a:ext uri="{C572A759-6A51-4108-AA02-DFA0A04FC94B}">
-              <ma14:wrappingTextBoxFlag xmlns:ma14="http://schemas.microsoft.com/office/mac/drawingml/2011/main" xmlns="" val="1"/>
+              <ma14:wrappingTextBoxFlag xmlns="" xmlns:ma14="http://schemas.microsoft.com/office/mac/drawingml/2011/main" val="1"/>
             </a:ext>
           </a:extLst>
         </p:spPr>
@@ -5283,7 +5360,7 @@
           </a:prstGeom>
           <a:extLst>
             <a:ext uri="{C572A759-6A51-4108-AA02-DFA0A04FC94B}">
-              <ma14:wrappingTextBoxFlag xmlns:ma14="http://schemas.microsoft.com/office/mac/drawingml/2011/main" xmlns="" val="1"/>
+              <ma14:wrappingTextBoxFlag xmlns="" xmlns:ma14="http://schemas.microsoft.com/office/mac/drawingml/2011/main" val="1"/>
             </a:ext>
           </a:extLst>
         </p:spPr>
@@ -5303,6 +5380,11 @@
           </a:lstStyle>
           <a:p>
             <a:r>
+              <a:rPr lang="en-IE" dirty="0"/>
+              <a:t>19 </a:t>
+            </a:r>
+            <a:r>
+              <a:rPr dirty="0"/>
               <a:t>May, 2017</a:t>
             </a:r>
           </a:p>
@@ -5318,596 +5400,6 @@
 </file>
 
 <file path=ppt/slides/slide10.xml><?xml version="1.0" encoding="utf-8"?>
-<p:sld xmlns:a="http://schemas.openxmlformats.org/drawingml/2006/main" xmlns:r="http://schemas.openxmlformats.org/officeDocument/2006/relationships" xmlns:p="http://schemas.openxmlformats.org/presentationml/2006/main">
-  <p:cSld>
-    <p:spTree>
-      <p:nvGrpSpPr>
-        <p:cNvPr id="1" name=""/>
-        <p:cNvGrpSpPr/>
-        <p:nvPr/>
-      </p:nvGrpSpPr>
-      <p:grpSpPr>
-        <a:xfrm>
-          <a:off x="0" y="0"/>
-          <a:ext cx="0" cy="0"/>
-          <a:chOff x="0" y="0"/>
-          <a:chExt cx="0" cy="0"/>
-        </a:xfrm>
-      </p:grpSpPr>
-      <p:sp>
-        <p:nvSpPr>
-          <p:cNvPr id="194" name="Shape 194"/>
-          <p:cNvSpPr>
-            <a:spLocks noGrp="1"/>
-          </p:cNvSpPr>
-          <p:nvPr>
-            <p:ph type="body" sz="quarter" idx="1"/>
-          </p:nvPr>
-        </p:nvSpPr>
-        <p:spPr>
-          <a:xfrm>
-            <a:off x="724940" y="620548"/>
-            <a:ext cx="7998646" cy="472529"/>
-          </a:xfrm>
-          <a:prstGeom prst="rect">
-            <a:avLst/>
-          </a:prstGeom>
-        </p:spPr>
-        <p:txBody>
-          <a:bodyPr>
-            <a:noAutofit/>
-          </a:bodyPr>
-          <a:lstStyle>
-            <a:lvl1pPr defTabSz="594359">
-              <a:spcBef>
-                <a:spcPts val="600"/>
-              </a:spcBef>
-              <a:defRPr sz="2600"/>
-            </a:lvl1pPr>
-          </a:lstStyle>
-          <a:p>
-            <a:r>
-              <a:rPr sz="4400" dirty="0"/>
-              <a:t>Multiple Defaults</a:t>
-            </a:r>
-          </a:p>
-        </p:txBody>
-      </p:sp>
-      <p:sp>
-        <p:nvSpPr>
-          <p:cNvPr id="195" name="Shape 195"/>
-          <p:cNvSpPr/>
-          <p:nvPr/>
-        </p:nvSpPr>
-        <p:spPr>
-          <a:xfrm>
-            <a:off x="724939" y="1989418"/>
-            <a:ext cx="8439610" cy="1615441"/>
-          </a:xfrm>
-          <a:prstGeom prst="rect">
-            <a:avLst/>
-          </a:prstGeom>
-          <a:solidFill>
-            <a:srgbClr val="FFFFFF"/>
-          </a:solidFill>
-          <a:ln w="12700">
-            <a:miter lim="400000"/>
-          </a:ln>
-          <a:extLst>
-            <a:ext uri="{C572A759-6A51-4108-AA02-DFA0A04FC94B}">
-              <ma14:wrappingTextBoxFlag xmlns:ma14="http://schemas.microsoft.com/office/mac/drawingml/2011/main" xmlns="" val="1"/>
-            </a:ext>
-          </a:extLst>
-        </p:spPr>
-        <p:txBody>
-          <a:bodyPr lIns="45719" rIns="45719" anchor="ctr">
-            <a:spAutoFit/>
-          </a:bodyPr>
-          <a:lstStyle/>
-          <a:p>
-            <a:pPr>
-              <a:defRPr b="1">
-                <a:solidFill>
-                  <a:srgbClr val="000080"/>
-                </a:solidFill>
-                <a:latin typeface="Courier New"/>
-                <a:ea typeface="Courier New"/>
-                <a:cs typeface="Courier New"/>
-                <a:sym typeface="Courier New"/>
-              </a:defRPr>
-            </a:pPr>
-            <a:r>
-              <a:t>class </a:t>
-            </a:r>
-            <a:r>
-              <a:rPr b="0">
-                <a:solidFill>
-                  <a:srgbClr val="000000"/>
-                </a:solidFill>
-              </a:rPr>
-              <a:t>Car </a:t>
-            </a:r>
-            <a:r>
-              <a:t>implements </a:t>
-            </a:r>
-            <a:r>
-              <a:rPr b="0">
-                <a:solidFill>
-                  <a:srgbClr val="000000"/>
-                </a:solidFill>
-              </a:rPr>
-              <a:t>Vehicle, FourWheeler {</a:t>
-            </a:r>
-            <a:br>
-              <a:rPr b="0">
-                <a:solidFill>
-                  <a:srgbClr val="000000"/>
-                </a:solidFill>
-              </a:rPr>
-            </a:br>
-            <a:r>
-              <a:rPr b="0">
-                <a:solidFill>
-                  <a:srgbClr val="000000"/>
-                </a:solidFill>
-              </a:rPr>
-              <a:t>    </a:t>
-            </a:r>
-            <a:r>
-              <a:t>public void </a:t>
-            </a:r>
-            <a:r>
-              <a:rPr b="0">
-                <a:solidFill>
-                  <a:srgbClr val="000000"/>
-                </a:solidFill>
-              </a:rPr>
-              <a:t>print(){</a:t>
-            </a:r>
-            <a:br>
-              <a:rPr b="0">
-                <a:solidFill>
-                  <a:srgbClr val="000000"/>
-                </a:solidFill>
-              </a:rPr>
-            </a:br>
-            <a:r>
-              <a:rPr b="0">
-                <a:solidFill>
-                  <a:srgbClr val="000000"/>
-                </a:solidFill>
-              </a:rPr>
-              <a:t>        Vehicle.</a:t>
-            </a:r>
-            <a:r>
-              <a:t>super</a:t>
-            </a:r>
-            <a:r>
-              <a:rPr b="0">
-                <a:solidFill>
-                  <a:srgbClr val="000000"/>
-                </a:solidFill>
-              </a:rPr>
-              <a:t>.print();</a:t>
-            </a:r>
-            <a:br>
-              <a:rPr b="0">
-                <a:solidFill>
-                  <a:srgbClr val="000000"/>
-                </a:solidFill>
-              </a:rPr>
-            </a:br>
-            <a:r>
-              <a:rPr b="0">
-                <a:solidFill>
-                  <a:srgbClr val="000000"/>
-                </a:solidFill>
-              </a:rPr>
-              <a:t>    }</a:t>
-            </a:r>
-            <a:br>
-              <a:rPr b="0">
-                <a:solidFill>
-                  <a:srgbClr val="000000"/>
-                </a:solidFill>
-              </a:rPr>
-            </a:br>
-            <a:r>
-              <a:rPr b="0">
-                <a:solidFill>
-                  <a:srgbClr val="000000"/>
-                </a:solidFill>
-              </a:rPr>
-              <a:t>}</a:t>
-            </a:r>
-            <a:br>
-              <a:rPr b="0">
-                <a:solidFill>
-                  <a:srgbClr val="000000"/>
-                </a:solidFill>
-              </a:rPr>
-            </a:br>
-            <a:endParaRPr b="0">
-              <a:solidFill>
-                <a:srgbClr val="000000"/>
-              </a:solidFill>
-            </a:endParaRPr>
-          </a:p>
-        </p:txBody>
-      </p:sp>
-      <p:sp>
-        <p:nvSpPr>
-          <p:cNvPr id="196" name="Shape 196"/>
-          <p:cNvSpPr/>
-          <p:nvPr/>
-        </p:nvSpPr>
-        <p:spPr>
-          <a:xfrm>
-            <a:off x="724939" y="4201359"/>
-            <a:ext cx="8439609" cy="1691641"/>
-          </a:xfrm>
-          <a:prstGeom prst="rect">
-            <a:avLst/>
-          </a:prstGeom>
-          <a:solidFill>
-            <a:srgbClr val="FFFFFF"/>
-          </a:solidFill>
-          <a:ln w="12700">
-            <a:miter lim="400000"/>
-          </a:ln>
-          <a:extLst>
-            <a:ext uri="{C572A759-6A51-4108-AA02-DFA0A04FC94B}">
-              <ma14:wrappingTextBoxFlag xmlns:ma14="http://schemas.microsoft.com/office/mac/drawingml/2011/main" xmlns="" val="1"/>
-            </a:ext>
-          </a:extLst>
-        </p:spPr>
-        <p:txBody>
-          <a:bodyPr lIns="45719" rIns="45719" anchor="ctr">
-            <a:spAutoFit/>
-          </a:bodyPr>
-          <a:lstStyle/>
-          <a:p>
-            <a:pPr>
-              <a:defRPr sz="1600" b="1">
-                <a:solidFill>
-                  <a:srgbClr val="000080"/>
-                </a:solidFill>
-                <a:latin typeface="Courier New"/>
-                <a:ea typeface="Courier New"/>
-                <a:cs typeface="Courier New"/>
-                <a:sym typeface="Courier New"/>
-              </a:defRPr>
-            </a:pPr>
-            <a:r>
-              <a:t>class </a:t>
-            </a:r>
-            <a:r>
-              <a:rPr b="0">
-                <a:solidFill>
-                  <a:srgbClr val="000000"/>
-                </a:solidFill>
-              </a:rPr>
-              <a:t>Car </a:t>
-            </a:r>
-            <a:r>
-              <a:t>implements </a:t>
-            </a:r>
-            <a:r>
-              <a:rPr b="0">
-                <a:solidFill>
-                  <a:srgbClr val="000000"/>
-                </a:solidFill>
-              </a:rPr>
-              <a:t>Vehicle, FourWheeler {</a:t>
-            </a:r>
-            <a:br>
-              <a:rPr b="0">
-                <a:solidFill>
-                  <a:srgbClr val="000000"/>
-                </a:solidFill>
-              </a:rPr>
-            </a:br>
-            <a:r>
-              <a:rPr b="0">
-                <a:solidFill>
-                  <a:srgbClr val="000000"/>
-                </a:solidFill>
-              </a:rPr>
-              <a:t>    </a:t>
-            </a:r>
-            <a:r>
-              <a:t>public void </a:t>
-            </a:r>
-            <a:r>
-              <a:rPr b="0">
-                <a:solidFill>
-                  <a:srgbClr val="000000"/>
-                </a:solidFill>
-              </a:rPr>
-              <a:t>print(){</a:t>
-            </a:r>
-            <a:br>
-              <a:rPr b="0">
-                <a:solidFill>
-                  <a:srgbClr val="000000"/>
-                </a:solidFill>
-              </a:rPr>
-            </a:br>
-            <a:r>
-              <a:rPr b="0">
-                <a:solidFill>
-                  <a:srgbClr val="000000"/>
-                </a:solidFill>
-              </a:rPr>
-              <a:t>        System.</a:t>
-            </a:r>
-            <a:r>
-              <a:rPr i="1">
-                <a:solidFill>
-                  <a:srgbClr val="660E7A"/>
-                </a:solidFill>
-              </a:rPr>
-              <a:t>out</a:t>
-            </a:r>
-            <a:r>
-              <a:rPr b="0">
-                <a:solidFill>
-                  <a:srgbClr val="000000"/>
-                </a:solidFill>
-              </a:rPr>
-              <a:t>.println(</a:t>
-            </a:r>
-            <a:r>
-              <a:rPr>
-                <a:solidFill>
-                  <a:srgbClr val="008000"/>
-                </a:solidFill>
-              </a:rPr>
-              <a:t>"I am a vehicle and four wheeler!"</a:t>
-            </a:r>
-            <a:r>
-              <a:rPr b="0">
-                <a:solidFill>
-                  <a:srgbClr val="000000"/>
-                </a:solidFill>
-              </a:rPr>
-              <a:t>);</a:t>
-            </a:r>
-            <a:br>
-              <a:rPr b="0">
-                <a:solidFill>
-                  <a:srgbClr val="000000"/>
-                </a:solidFill>
-              </a:rPr>
-            </a:br>
-            <a:r>
-              <a:rPr b="0">
-                <a:solidFill>
-                  <a:srgbClr val="000000"/>
-                </a:solidFill>
-              </a:rPr>
-              <a:t>    }</a:t>
-            </a:r>
-            <a:br>
-              <a:rPr b="0">
-                <a:solidFill>
-                  <a:srgbClr val="000000"/>
-                </a:solidFill>
-              </a:rPr>
-            </a:br>
-            <a:r>
-              <a:rPr b="0">
-                <a:solidFill>
-                  <a:srgbClr val="000000"/>
-                </a:solidFill>
-              </a:rPr>
-              <a:t>}</a:t>
-            </a:r>
-            <a:br>
-              <a:rPr b="0">
-                <a:solidFill>
-                  <a:srgbClr val="000000"/>
-                </a:solidFill>
-              </a:rPr>
-            </a:br>
-            <a:br>
-              <a:rPr b="0">
-                <a:solidFill>
-                  <a:srgbClr val="000000"/>
-                </a:solidFill>
-              </a:rPr>
-            </a:br>
-            <a:endParaRPr b="0">
-              <a:solidFill>
-                <a:srgbClr val="000000"/>
-              </a:solidFill>
-            </a:endParaRPr>
-          </a:p>
-        </p:txBody>
-      </p:sp>
-    </p:spTree>
-  </p:cSld>
-  <p:clrMapOvr>
-    <a:masterClrMapping/>
-  </p:clrMapOvr>
-  <p:transition spd="slow"/>
-</p:sld>
-</file>
-
-<file path=ppt/slides/slide11.xml><?xml version="1.0" encoding="utf-8"?>
-<p:sld xmlns:a="http://schemas.openxmlformats.org/drawingml/2006/main" xmlns:r="http://schemas.openxmlformats.org/officeDocument/2006/relationships" xmlns:p="http://schemas.openxmlformats.org/presentationml/2006/main">
-  <p:cSld>
-    <p:spTree>
-      <p:nvGrpSpPr>
-        <p:cNvPr id="1" name=""/>
-        <p:cNvGrpSpPr/>
-        <p:nvPr/>
-      </p:nvGrpSpPr>
-      <p:grpSpPr>
-        <a:xfrm>
-          <a:off x="0" y="0"/>
-          <a:ext cx="0" cy="0"/>
-          <a:chOff x="0" y="0"/>
-          <a:chExt cx="0" cy="0"/>
-        </a:xfrm>
-      </p:grpSpPr>
-      <p:sp>
-        <p:nvSpPr>
-          <p:cNvPr id="198" name="Shape 198"/>
-          <p:cNvSpPr>
-            <a:spLocks noGrp="1"/>
-          </p:cNvSpPr>
-          <p:nvPr>
-            <p:ph type="body" sz="quarter" idx="1"/>
-          </p:nvPr>
-        </p:nvSpPr>
-        <p:spPr>
-          <a:xfrm>
-            <a:off x="724938" y="862286"/>
-            <a:ext cx="7998646" cy="472529"/>
-          </a:xfrm>
-          <a:prstGeom prst="rect">
-            <a:avLst/>
-          </a:prstGeom>
-        </p:spPr>
-        <p:txBody>
-          <a:bodyPr>
-            <a:noAutofit/>
-          </a:bodyPr>
-          <a:lstStyle>
-            <a:lvl1pPr defTabSz="594359">
-              <a:spcBef>
-                <a:spcPts val="600"/>
-              </a:spcBef>
-              <a:defRPr sz="2600"/>
-            </a:lvl1pPr>
-          </a:lstStyle>
-          <a:p>
-            <a:r>
-              <a:rPr sz="4400" dirty="0"/>
-              <a:t>Final or Effectively Final</a:t>
-            </a:r>
-          </a:p>
-        </p:txBody>
-      </p:sp>
-      <p:sp>
-        <p:nvSpPr>
-          <p:cNvPr id="199" name="Shape 199"/>
-          <p:cNvSpPr/>
-          <p:nvPr/>
-        </p:nvSpPr>
-        <p:spPr>
-          <a:xfrm>
-            <a:off x="724938" y="1733763"/>
-            <a:ext cx="10453345" cy="3799841"/>
-          </a:xfrm>
-          <a:prstGeom prst="rect">
-            <a:avLst/>
-          </a:prstGeom>
-          <a:ln w="12700">
-            <a:miter lim="400000"/>
-          </a:ln>
-          <a:extLst>
-            <a:ext uri="{C572A759-6A51-4108-AA02-DFA0A04FC94B}">
-              <ma14:wrappingTextBoxFlag xmlns:ma14="http://schemas.microsoft.com/office/mac/drawingml/2011/main" xmlns="" val="1"/>
-            </a:ext>
-          </a:extLst>
-        </p:spPr>
-        <p:txBody>
-          <a:bodyPr lIns="45719" rIns="45719">
-            <a:spAutoFit/>
-          </a:bodyPr>
-          <a:lstStyle/>
-          <a:p>
-            <a:pPr marL="228600" indent="-228600">
-              <a:lnSpc>
-                <a:spcPct val="150000"/>
-              </a:lnSpc>
-              <a:spcBef>
-                <a:spcPts val="1000"/>
-              </a:spcBef>
-              <a:buSzPct val="100000"/>
-              <a:buFont typeface="Arial"/>
-              <a:buChar char="•"/>
-              <a:defRPr sz="2800"/>
-            </a:pPr>
-            <a:r>
-              <a:rPr dirty="0"/>
-              <a:t>For both lambda bodies and inner classes, local variables in the enclosing context can only be referenced if they are final or </a:t>
-            </a:r>
-            <a:r>
-              <a:rPr i="1" dirty="0"/>
-              <a:t>effectively final</a:t>
-            </a:r>
-            <a:r>
-              <a:rPr dirty="0"/>
-              <a:t>. </a:t>
-            </a:r>
-          </a:p>
-          <a:p>
-            <a:pPr marL="228600" indent="-228600">
-              <a:lnSpc>
-                <a:spcPct val="150000"/>
-              </a:lnSpc>
-              <a:spcBef>
-                <a:spcPts val="1000"/>
-              </a:spcBef>
-              <a:buSzPct val="100000"/>
-              <a:buFont typeface="Arial"/>
-              <a:buChar char="•"/>
-              <a:defRPr sz="2800"/>
-            </a:pPr>
-            <a:r>
-              <a:rPr dirty="0"/>
-              <a:t>A variable is </a:t>
-            </a:r>
-            <a:r>
-              <a:rPr i="1" dirty="0"/>
-              <a:t>effectively final</a:t>
-            </a:r>
-            <a:r>
-              <a:rPr dirty="0"/>
-              <a:t> if it is never assigned to after its initialization.</a:t>
-            </a:r>
-          </a:p>
-          <a:p>
-            <a:pPr marL="228600" indent="-228600">
-              <a:lnSpc>
-                <a:spcPct val="150000"/>
-              </a:lnSpc>
-              <a:spcBef>
-                <a:spcPts val="1000"/>
-              </a:spcBef>
-              <a:buSzPct val="100000"/>
-              <a:buFont typeface="Arial"/>
-              <a:buChar char="•"/>
-              <a:defRPr sz="2800"/>
-            </a:pPr>
-            <a:r>
-              <a:rPr dirty="0"/>
-              <a:t>No longer need to litter code with </a:t>
-            </a:r>
-            <a:r>
-              <a:rPr b="1" dirty="0"/>
-              <a:t>final</a:t>
-            </a:r>
-            <a:r>
-              <a:rPr dirty="0"/>
-              <a:t> keyword</a:t>
-            </a:r>
-          </a:p>
-        </p:txBody>
-      </p:sp>
-    </p:spTree>
-  </p:cSld>
-  <p:clrMapOvr>
-    <a:masterClrMapping/>
-  </p:clrMapOvr>
-  <p:transition spd="slow"/>
-</p:sld>
-</file>
-
-<file path=ppt/slides/slide12.xml><?xml version="1.0" encoding="utf-8"?>
 <p:sld xmlns:a="http://schemas.openxmlformats.org/drawingml/2006/main" xmlns:r="http://schemas.openxmlformats.org/officeDocument/2006/relationships" xmlns:p="http://schemas.openxmlformats.org/presentationml/2006/main">
   <p:cSld>
     <p:spTree>
@@ -5985,7 +5477,7 @@
           </a:ln>
           <a:extLst>
             <a:ext uri="{C572A759-6A51-4108-AA02-DFA0A04FC94B}">
-              <ma14:wrappingTextBoxFlag xmlns:ma14="http://schemas.microsoft.com/office/mac/drawingml/2011/main" xmlns="" val="1"/>
+              <ma14:wrappingTextBoxFlag xmlns="" xmlns:ma14="http://schemas.microsoft.com/office/mac/drawingml/2011/main" val="1"/>
             </a:ext>
           </a:extLst>
         </p:spPr>
@@ -6179,7 +5671,7 @@
           </a:ln>
           <a:extLst>
             <a:ext uri="{C572A759-6A51-4108-AA02-DFA0A04FC94B}">
-              <ma14:wrappingTextBoxFlag xmlns:ma14="http://schemas.microsoft.com/office/mac/drawingml/2011/main" xmlns="" val="1"/>
+              <ma14:wrappingTextBoxFlag xmlns="" xmlns:ma14="http://schemas.microsoft.com/office/mac/drawingml/2011/main" val="1"/>
             </a:ext>
           </a:extLst>
         </p:spPr>
@@ -6401,7 +5893,7 @@
           </a:ln>
           <a:extLst>
             <a:ext uri="{C572A759-6A51-4108-AA02-DFA0A04FC94B}">
-              <ma14:wrappingTextBoxFlag xmlns:ma14="http://schemas.microsoft.com/office/mac/drawingml/2011/main" xmlns="" val="1"/>
+              <ma14:wrappingTextBoxFlag xmlns="" xmlns:ma14="http://schemas.microsoft.com/office/mac/drawingml/2011/main" val="1"/>
             </a:ext>
           </a:extLst>
         </p:spPr>
@@ -6461,7 +5953,7 @@
           </a:ln>
           <a:extLst>
             <a:ext uri="{C572A759-6A51-4108-AA02-DFA0A04FC94B}">
-              <ma14:wrappingTextBoxFlag xmlns:ma14="http://schemas.microsoft.com/office/mac/drawingml/2011/main" xmlns="" val="1"/>
+              <ma14:wrappingTextBoxFlag xmlns="" xmlns:ma14="http://schemas.microsoft.com/office/mac/drawingml/2011/main" val="1"/>
             </a:ext>
           </a:extLst>
         </p:spPr>
@@ -6527,7 +6019,7 @@
           </a:ln>
           <a:extLst>
             <a:ext uri="{C572A759-6A51-4108-AA02-DFA0A04FC94B}">
-              <ma14:wrappingTextBoxFlag xmlns:ma14="http://schemas.microsoft.com/office/mac/drawingml/2011/main" xmlns="" val="1"/>
+              <ma14:wrappingTextBoxFlag xmlns="" xmlns:ma14="http://schemas.microsoft.com/office/mac/drawingml/2011/main" val="1"/>
             </a:ext>
           </a:extLst>
         </p:spPr>
@@ -6582,7 +6074,7 @@
 </p:sld>
 </file>
 
-<file path=ppt/slides/slide13.xml><?xml version="1.0" encoding="utf-8"?>
+<file path=ppt/slides/slide11.xml><?xml version="1.0" encoding="utf-8"?>
 <p:sld xmlns:a="http://schemas.openxmlformats.org/drawingml/2006/main" xmlns:r="http://schemas.openxmlformats.org/officeDocument/2006/relationships" xmlns:p="http://schemas.openxmlformats.org/presentationml/2006/main">
   <p:cSld>
     <p:spTree>
@@ -6676,7 +6168,7 @@
 </p:sld>
 </file>
 
-<file path=ppt/slides/slide14.xml><?xml version="1.0" encoding="utf-8"?>
+<file path=ppt/slides/slide12.xml><?xml version="1.0" encoding="utf-8"?>
 <p:sld xmlns:a="http://schemas.openxmlformats.org/drawingml/2006/main" xmlns:r="http://schemas.openxmlformats.org/officeDocument/2006/relationships" xmlns:p="http://schemas.openxmlformats.org/presentationml/2006/main">
   <p:cSld>
     <p:spTree>
@@ -6753,7 +6245,7 @@
           </a:prstGeom>
           <a:extLst>
             <a:ext uri="{C572A759-6A51-4108-AA02-DFA0A04FC94B}">
-              <ma14:wrappingTextBoxFlag xmlns:ma14="http://schemas.microsoft.com/office/mac/drawingml/2011/main" xmlns="" val="1"/>
+              <ma14:wrappingTextBoxFlag xmlns="" xmlns:ma14="http://schemas.microsoft.com/office/mac/drawingml/2011/main" val="1"/>
             </a:ext>
           </a:extLst>
         </p:spPr>
@@ -6839,7 +6331,7 @@
 </p:sld>
 </file>
 
-<file path=ppt/slides/slide15.xml><?xml version="1.0" encoding="utf-8"?>
+<file path=ppt/slides/slide13.xml><?xml version="1.0" encoding="utf-8"?>
 <p:sld xmlns:a="http://schemas.openxmlformats.org/drawingml/2006/main" xmlns:r="http://schemas.openxmlformats.org/officeDocument/2006/relationships" xmlns:p="http://schemas.openxmlformats.org/presentationml/2006/main">
   <p:cSld>
     <p:spTree>
@@ -6917,7 +6409,7 @@
           </a:ln>
           <a:extLst>
             <a:ext uri="{C572A759-6A51-4108-AA02-DFA0A04FC94B}">
-              <ma14:wrappingTextBoxFlag xmlns:ma14="http://schemas.microsoft.com/office/mac/drawingml/2011/main" xmlns="" val="1"/>
+              <ma14:wrappingTextBoxFlag xmlns="" xmlns:ma14="http://schemas.microsoft.com/office/mac/drawingml/2011/main" val="1"/>
             </a:ext>
           </a:extLst>
         </p:spPr>
@@ -7365,7 +6857,7 @@
 </p:sld>
 </file>
 
-<file path=ppt/slides/slide16.xml><?xml version="1.0" encoding="utf-8"?>
+<file path=ppt/slides/slide14.xml><?xml version="1.0" encoding="utf-8"?>
 <p:sld xmlns:a="http://schemas.openxmlformats.org/drawingml/2006/main" xmlns:r="http://schemas.openxmlformats.org/officeDocument/2006/relationships" xmlns:p="http://schemas.openxmlformats.org/presentationml/2006/main">
   <p:cSld>
     <p:spTree>
@@ -7459,7 +6951,7 @@
 </p:sld>
 </file>
 
-<file path=ppt/slides/slide17.xml><?xml version="1.0" encoding="utf-8"?>
+<file path=ppt/slides/slide15.xml><?xml version="1.0" encoding="utf-8"?>
 <p:sld xmlns:a="http://schemas.openxmlformats.org/drawingml/2006/main" xmlns:r="http://schemas.openxmlformats.org/officeDocument/2006/relationships" xmlns:p="http://schemas.openxmlformats.org/presentationml/2006/main">
   <p:cSld>
     <p:spTree>
@@ -7537,7 +7029,7 @@
           </a:ln>
           <a:extLst>
             <a:ext uri="{C572A759-6A51-4108-AA02-DFA0A04FC94B}">
-              <ma14:wrappingTextBoxFlag xmlns:ma14="http://schemas.microsoft.com/office/mac/drawingml/2011/main" xmlns="" val="1"/>
+              <ma14:wrappingTextBoxFlag xmlns="" xmlns:ma14="http://schemas.microsoft.com/office/mac/drawingml/2011/main" val="1"/>
             </a:ext>
           </a:extLst>
         </p:spPr>
@@ -7714,7 +7206,7 @@
 </p:sld>
 </file>
 
-<file path=ppt/slides/slide18.xml><?xml version="1.0" encoding="utf-8"?>
+<file path=ppt/slides/slide16.xml><?xml version="1.0" encoding="utf-8"?>
 <p:sld xmlns:a="http://schemas.openxmlformats.org/drawingml/2006/main" xmlns:r="http://schemas.openxmlformats.org/officeDocument/2006/relationships" xmlns:p="http://schemas.openxmlformats.org/presentationml/2006/main">
   <p:cSld>
     <p:spTree>
@@ -8351,7 +7843,7 @@
 </p:sld>
 </file>
 
-<file path=ppt/slides/slide19.xml><?xml version="1.0" encoding="utf-8"?>
+<file path=ppt/slides/slide17.xml><?xml version="1.0" encoding="utf-8"?>
 <p:sld xmlns:a="http://schemas.openxmlformats.org/drawingml/2006/main" xmlns:r="http://schemas.openxmlformats.org/officeDocument/2006/relationships" xmlns:p="http://schemas.openxmlformats.org/presentationml/2006/main">
   <p:cSld>
     <p:spTree>
@@ -8437,6 +7929,288 @@
           </a:ln>
         </p:spPr>
       </p:pic>
+    </p:spTree>
+  </p:cSld>
+  <p:clrMapOvr>
+    <a:masterClrMapping/>
+  </p:clrMapOvr>
+  <p:transition spd="slow"/>
+</p:sld>
+</file>
+
+<file path=ppt/slides/slide18.xml><?xml version="1.0" encoding="utf-8"?>
+<p:sld xmlns:a="http://schemas.openxmlformats.org/drawingml/2006/main" xmlns:r="http://schemas.openxmlformats.org/officeDocument/2006/relationships" xmlns:p="http://schemas.openxmlformats.org/presentationml/2006/main">
+  <p:cSld>
+    <p:spTree>
+      <p:nvGrpSpPr>
+        <p:cNvPr id="1" name=""/>
+        <p:cNvGrpSpPr/>
+        <p:nvPr/>
+      </p:nvGrpSpPr>
+      <p:grpSpPr>
+        <a:xfrm>
+          <a:off x="0" y="0"/>
+          <a:ext cx="0" cy="0"/>
+          <a:chOff x="0" y="0"/>
+          <a:chExt cx="0" cy="0"/>
+        </a:xfrm>
+      </p:grpSpPr>
+      <p:sp>
+        <p:nvSpPr>
+          <p:cNvPr id="239" name="Shape 239"/>
+          <p:cNvSpPr>
+            <a:spLocks noGrp="1"/>
+          </p:cNvSpPr>
+          <p:nvPr>
+            <p:ph type="body" sz="quarter" idx="1"/>
+          </p:nvPr>
+        </p:nvSpPr>
+        <p:spPr>
+          <a:xfrm>
+            <a:off x="810665" y="801523"/>
+            <a:ext cx="7998646" cy="472529"/>
+          </a:xfrm>
+          <a:prstGeom prst="rect">
+            <a:avLst/>
+          </a:prstGeom>
+        </p:spPr>
+        <p:txBody>
+          <a:bodyPr>
+            <a:noAutofit/>
+          </a:bodyPr>
+          <a:lstStyle>
+            <a:lvl1pPr defTabSz="594359">
+              <a:spcBef>
+                <a:spcPts val="600"/>
+              </a:spcBef>
+              <a:defRPr sz="2600" b="1"/>
+            </a:lvl1pPr>
+          </a:lstStyle>
+          <a:p>
+            <a:r>
+              <a:rPr sz="4400" b="0" dirty="0"/>
+              <a:t>Assembly Line</a:t>
+            </a:r>
+          </a:p>
+        </p:txBody>
+      </p:sp>
+      <p:pic>
+        <p:nvPicPr>
+          <p:cNvPr id="240" name="image10.gif"/>
+          <p:cNvPicPr>
+            <a:picLocks/>
+          </p:cNvPicPr>
+          <p:nvPr/>
+        </p:nvPicPr>
+        <p:blipFill>
+          <a:blip r:embed="rId3">
+            <a:extLst/>
+          </a:blip>
+          <a:stretch>
+            <a:fillRect/>
+          </a:stretch>
+        </p:blipFill>
+        <p:spPr>
+          <a:xfrm>
+            <a:off x="1565584" y="2159549"/>
+            <a:ext cx="6105526" cy="3448051"/>
+          </a:xfrm>
+          <a:prstGeom prst="rect">
+            <a:avLst/>
+          </a:prstGeom>
+          <a:ln w="12700">
+            <a:miter lim="400000"/>
+          </a:ln>
+        </p:spPr>
+      </p:pic>
+    </p:spTree>
+  </p:cSld>
+  <p:clrMapOvr>
+    <a:masterClrMapping/>
+  </p:clrMapOvr>
+  <p:transition spd="slow"/>
+</p:sld>
+</file>
+
+<file path=ppt/slides/slide19.xml><?xml version="1.0" encoding="utf-8"?>
+<p:sld xmlns:a="http://schemas.openxmlformats.org/drawingml/2006/main" xmlns:r="http://schemas.openxmlformats.org/officeDocument/2006/relationships" xmlns:p="http://schemas.openxmlformats.org/presentationml/2006/main">
+  <p:cSld>
+    <p:spTree>
+      <p:nvGrpSpPr>
+        <p:cNvPr id="1" name=""/>
+        <p:cNvGrpSpPr/>
+        <p:nvPr/>
+      </p:nvGrpSpPr>
+      <p:grpSpPr>
+        <a:xfrm>
+          <a:off x="0" y="0"/>
+          <a:ext cx="0" cy="0"/>
+          <a:chOff x="0" y="0"/>
+          <a:chExt cx="0" cy="0"/>
+        </a:xfrm>
+      </p:grpSpPr>
+      <p:sp>
+        <p:nvSpPr>
+          <p:cNvPr id="247" name="Shape 247"/>
+          <p:cNvSpPr>
+            <a:spLocks noGrp="1"/>
+          </p:cNvSpPr>
+          <p:nvPr>
+            <p:ph type="body" sz="quarter" idx="1"/>
+          </p:nvPr>
+        </p:nvSpPr>
+        <p:spPr>
+          <a:xfrm>
+            <a:off x="640857" y="914838"/>
+            <a:ext cx="7998646" cy="472529"/>
+          </a:xfrm>
+          <a:prstGeom prst="rect">
+            <a:avLst/>
+          </a:prstGeom>
+        </p:spPr>
+        <p:txBody>
+          <a:bodyPr>
+            <a:noAutofit/>
+          </a:bodyPr>
+          <a:lstStyle>
+            <a:lvl1pPr defTabSz="594359">
+              <a:spcBef>
+                <a:spcPts val="600"/>
+              </a:spcBef>
+              <a:defRPr sz="2600"/>
+            </a:lvl1pPr>
+          </a:lstStyle>
+          <a:p>
+            <a:r>
+              <a:rPr sz="4400" dirty="0"/>
+              <a:t>Intermediate Operations</a:t>
+            </a:r>
+          </a:p>
+        </p:txBody>
+      </p:sp>
+      <p:sp>
+        <p:nvSpPr>
+          <p:cNvPr id="248" name="Shape 248"/>
+          <p:cNvSpPr/>
+          <p:nvPr/>
+        </p:nvSpPr>
+        <p:spPr>
+          <a:xfrm>
+            <a:off x="724938" y="1972639"/>
+            <a:ext cx="9025237" cy="3931921"/>
+          </a:xfrm>
+          <a:prstGeom prst="rect">
+            <a:avLst/>
+          </a:prstGeom>
+          <a:ln w="12700">
+            <a:miter lim="400000"/>
+          </a:ln>
+          <a:extLst>
+            <a:ext uri="{C572A759-6A51-4108-AA02-DFA0A04FC94B}">
+              <ma14:wrappingTextBoxFlag xmlns="" xmlns:ma14="http://schemas.microsoft.com/office/mac/drawingml/2011/main" val="1"/>
+            </a:ext>
+          </a:extLst>
+        </p:spPr>
+        <p:txBody>
+          <a:bodyPr lIns="45719" rIns="45719">
+            <a:spAutoFit/>
+          </a:bodyPr>
+          <a:lstStyle/>
+          <a:p>
+            <a:pPr marL="228600" indent="-228600">
+              <a:lnSpc>
+                <a:spcPct val="90000"/>
+              </a:lnSpc>
+              <a:spcBef>
+                <a:spcPts val="1000"/>
+              </a:spcBef>
+              <a:buSzPct val="100000"/>
+              <a:buFont typeface="Arial"/>
+              <a:buChar char="•"/>
+              <a:defRPr sz="2800" b="1"/>
+            </a:pPr>
+            <a:r>
+              <a:t>filter</a:t>
+            </a:r>
+            <a:r>
+              <a:rPr b="0"/>
+              <a:t> excludes all elements that don’t match a Predicate.</a:t>
+            </a:r>
+          </a:p>
+          <a:p>
+            <a:pPr marL="228600" indent="-228600">
+              <a:lnSpc>
+                <a:spcPct val="90000"/>
+              </a:lnSpc>
+              <a:spcBef>
+                <a:spcPts val="1000"/>
+              </a:spcBef>
+              <a:buSzPct val="100000"/>
+              <a:buFont typeface="Arial"/>
+              <a:buChar char="•"/>
+              <a:defRPr sz="2800"/>
+            </a:pPr>
+            <a:endParaRPr b="0"/>
+          </a:p>
+          <a:p>
+            <a:pPr marL="228600" indent="-228600">
+              <a:lnSpc>
+                <a:spcPct val="90000"/>
+              </a:lnSpc>
+              <a:spcBef>
+                <a:spcPts val="1000"/>
+              </a:spcBef>
+              <a:buSzPct val="100000"/>
+              <a:buFont typeface="Arial"/>
+              <a:buChar char="•"/>
+              <a:defRPr sz="2800" b="1"/>
+            </a:pPr>
+            <a:r>
+              <a:t>map</a:t>
+            </a:r>
+            <a:r>
+              <a:rPr b="0"/>
+              <a:t> performs a one-to-one transformation of elements using a Function.</a:t>
+            </a:r>
+          </a:p>
+          <a:p>
+            <a:pPr marL="228600" indent="-228600">
+              <a:lnSpc>
+                <a:spcPct val="90000"/>
+              </a:lnSpc>
+              <a:spcBef>
+                <a:spcPts val="1000"/>
+              </a:spcBef>
+              <a:buSzPct val="100000"/>
+              <a:buFont typeface="Arial"/>
+              <a:buChar char="•"/>
+              <a:defRPr sz="2800"/>
+            </a:pPr>
+            <a:endParaRPr b="0"/>
+          </a:p>
+          <a:p>
+            <a:pPr marL="228600" indent="-228600">
+              <a:lnSpc>
+                <a:spcPct val="90000"/>
+              </a:lnSpc>
+              <a:spcBef>
+                <a:spcPts val="1000"/>
+              </a:spcBef>
+              <a:buSzPct val="100000"/>
+              <a:buFont typeface="Arial"/>
+              <a:buChar char="•"/>
+              <a:defRPr sz="2800" b="1"/>
+            </a:pPr>
+            <a:r>
+              <a:t>sorted</a:t>
+            </a:r>
+            <a:r>
+              <a:rPr b="0"/>
+              <a:t> sort all the elements according to a the Comparable implementation of the element type or according to a Comparator</a:t>
+            </a:r>
+          </a:p>
+        </p:txBody>
+      </p:sp>
     </p:spTree>
   </p:cSld>
   <p:clrMapOvr>
@@ -8522,7 +8296,7 @@
           </a:prstGeom>
           <a:extLst>
             <a:ext uri="{C572A759-6A51-4108-AA02-DFA0A04FC94B}">
-              <ma14:wrappingTextBoxFlag xmlns:ma14="http://schemas.microsoft.com/office/mac/drawingml/2011/main" xmlns="" val="1"/>
+              <ma14:wrappingTextBoxFlag xmlns="" xmlns:ma14="http://schemas.microsoft.com/office/mac/drawingml/2011/main" val="1"/>
             </a:ext>
           </a:extLst>
         </p:spPr>
@@ -8612,6 +8386,28 @@
               <a:rPr dirty="0"/>
               <a:t>Adoption in TDP 4</a:t>
             </a:r>
+            <a:endParaRPr lang="en-IE" dirty="0"/>
+          </a:p>
+          <a:p>
+            <a:pPr>
+              <a:lnSpc>
+                <a:spcPct val="150000"/>
+              </a:lnSpc>
+              <a:defRPr>
+                <a:solidFill>
+                  <a:srgbClr val="414042"/>
+                </a:solidFill>
+                <a:latin typeface="Arial"/>
+                <a:ea typeface="Arial"/>
+                <a:cs typeface="Arial"/>
+                <a:sym typeface="Arial"/>
+              </a:defRPr>
+            </a:pPr>
+            <a:r>
+              <a:rPr lang="en-IE" dirty="0"/>
+              <a:t>Q&amp;A</a:t>
+            </a:r>
+            <a:endParaRPr dirty="0"/>
           </a:p>
         </p:txBody>
       </p:sp>
@@ -8625,288 +8421,6 @@
 </file>
 
 <file path=ppt/slides/slide20.xml><?xml version="1.0" encoding="utf-8"?>
-<p:sld xmlns:a="http://schemas.openxmlformats.org/drawingml/2006/main" xmlns:r="http://schemas.openxmlformats.org/officeDocument/2006/relationships" xmlns:p="http://schemas.openxmlformats.org/presentationml/2006/main">
-  <p:cSld>
-    <p:spTree>
-      <p:nvGrpSpPr>
-        <p:cNvPr id="1" name=""/>
-        <p:cNvGrpSpPr/>
-        <p:nvPr/>
-      </p:nvGrpSpPr>
-      <p:grpSpPr>
-        <a:xfrm>
-          <a:off x="0" y="0"/>
-          <a:ext cx="0" cy="0"/>
-          <a:chOff x="0" y="0"/>
-          <a:chExt cx="0" cy="0"/>
-        </a:xfrm>
-      </p:grpSpPr>
-      <p:sp>
-        <p:nvSpPr>
-          <p:cNvPr id="239" name="Shape 239"/>
-          <p:cNvSpPr>
-            <a:spLocks noGrp="1"/>
-          </p:cNvSpPr>
-          <p:nvPr>
-            <p:ph type="body" sz="quarter" idx="1"/>
-          </p:nvPr>
-        </p:nvSpPr>
-        <p:spPr>
-          <a:xfrm>
-            <a:off x="810665" y="801523"/>
-            <a:ext cx="7998646" cy="472529"/>
-          </a:xfrm>
-          <a:prstGeom prst="rect">
-            <a:avLst/>
-          </a:prstGeom>
-        </p:spPr>
-        <p:txBody>
-          <a:bodyPr>
-            <a:noAutofit/>
-          </a:bodyPr>
-          <a:lstStyle>
-            <a:lvl1pPr defTabSz="594359">
-              <a:spcBef>
-                <a:spcPts val="600"/>
-              </a:spcBef>
-              <a:defRPr sz="2600" b="1"/>
-            </a:lvl1pPr>
-          </a:lstStyle>
-          <a:p>
-            <a:r>
-              <a:rPr sz="4400" b="0" dirty="0"/>
-              <a:t>Assembly Line</a:t>
-            </a:r>
-          </a:p>
-        </p:txBody>
-      </p:sp>
-      <p:pic>
-        <p:nvPicPr>
-          <p:cNvPr id="240" name="image10.gif"/>
-          <p:cNvPicPr>
-            <a:picLocks/>
-          </p:cNvPicPr>
-          <p:nvPr/>
-        </p:nvPicPr>
-        <p:blipFill>
-          <a:blip r:embed="rId3">
-            <a:extLst/>
-          </a:blip>
-          <a:stretch>
-            <a:fillRect/>
-          </a:stretch>
-        </p:blipFill>
-        <p:spPr>
-          <a:xfrm>
-            <a:off x="1565584" y="2159549"/>
-            <a:ext cx="6105526" cy="3448051"/>
-          </a:xfrm>
-          <a:prstGeom prst="rect">
-            <a:avLst/>
-          </a:prstGeom>
-          <a:ln w="12700">
-            <a:miter lim="400000"/>
-          </a:ln>
-        </p:spPr>
-      </p:pic>
-    </p:spTree>
-  </p:cSld>
-  <p:clrMapOvr>
-    <a:masterClrMapping/>
-  </p:clrMapOvr>
-  <p:transition spd="slow"/>
-</p:sld>
-</file>
-
-<file path=ppt/slides/slide21.xml><?xml version="1.0" encoding="utf-8"?>
-<p:sld xmlns:a="http://schemas.openxmlformats.org/drawingml/2006/main" xmlns:r="http://schemas.openxmlformats.org/officeDocument/2006/relationships" xmlns:p="http://schemas.openxmlformats.org/presentationml/2006/main">
-  <p:cSld>
-    <p:spTree>
-      <p:nvGrpSpPr>
-        <p:cNvPr id="1" name=""/>
-        <p:cNvGrpSpPr/>
-        <p:nvPr/>
-      </p:nvGrpSpPr>
-      <p:grpSpPr>
-        <a:xfrm>
-          <a:off x="0" y="0"/>
-          <a:ext cx="0" cy="0"/>
-          <a:chOff x="0" y="0"/>
-          <a:chExt cx="0" cy="0"/>
-        </a:xfrm>
-      </p:grpSpPr>
-      <p:sp>
-        <p:nvSpPr>
-          <p:cNvPr id="247" name="Shape 247"/>
-          <p:cNvSpPr>
-            <a:spLocks noGrp="1"/>
-          </p:cNvSpPr>
-          <p:nvPr>
-            <p:ph type="body" sz="quarter" idx="1"/>
-          </p:nvPr>
-        </p:nvSpPr>
-        <p:spPr>
-          <a:xfrm>
-            <a:off x="640857" y="914838"/>
-            <a:ext cx="7998646" cy="472529"/>
-          </a:xfrm>
-          <a:prstGeom prst="rect">
-            <a:avLst/>
-          </a:prstGeom>
-        </p:spPr>
-        <p:txBody>
-          <a:bodyPr>
-            <a:noAutofit/>
-          </a:bodyPr>
-          <a:lstStyle>
-            <a:lvl1pPr defTabSz="594359">
-              <a:spcBef>
-                <a:spcPts val="600"/>
-              </a:spcBef>
-              <a:defRPr sz="2600"/>
-            </a:lvl1pPr>
-          </a:lstStyle>
-          <a:p>
-            <a:r>
-              <a:rPr sz="4400" dirty="0"/>
-              <a:t>Intermediate Operations</a:t>
-            </a:r>
-          </a:p>
-        </p:txBody>
-      </p:sp>
-      <p:sp>
-        <p:nvSpPr>
-          <p:cNvPr id="248" name="Shape 248"/>
-          <p:cNvSpPr/>
-          <p:nvPr/>
-        </p:nvSpPr>
-        <p:spPr>
-          <a:xfrm>
-            <a:off x="724938" y="1972639"/>
-            <a:ext cx="9025237" cy="3931921"/>
-          </a:xfrm>
-          <a:prstGeom prst="rect">
-            <a:avLst/>
-          </a:prstGeom>
-          <a:ln w="12700">
-            <a:miter lim="400000"/>
-          </a:ln>
-          <a:extLst>
-            <a:ext uri="{C572A759-6A51-4108-AA02-DFA0A04FC94B}">
-              <ma14:wrappingTextBoxFlag xmlns:ma14="http://schemas.microsoft.com/office/mac/drawingml/2011/main" xmlns="" val="1"/>
-            </a:ext>
-          </a:extLst>
-        </p:spPr>
-        <p:txBody>
-          <a:bodyPr lIns="45719" rIns="45719">
-            <a:spAutoFit/>
-          </a:bodyPr>
-          <a:lstStyle/>
-          <a:p>
-            <a:pPr marL="228600" indent="-228600">
-              <a:lnSpc>
-                <a:spcPct val="90000"/>
-              </a:lnSpc>
-              <a:spcBef>
-                <a:spcPts val="1000"/>
-              </a:spcBef>
-              <a:buSzPct val="100000"/>
-              <a:buFont typeface="Arial"/>
-              <a:buChar char="•"/>
-              <a:defRPr sz="2800" b="1"/>
-            </a:pPr>
-            <a:r>
-              <a:t>filter</a:t>
-            </a:r>
-            <a:r>
-              <a:rPr b="0"/>
-              <a:t> excludes all elements that don’t match a Predicate.</a:t>
-            </a:r>
-          </a:p>
-          <a:p>
-            <a:pPr marL="228600" indent="-228600">
-              <a:lnSpc>
-                <a:spcPct val="90000"/>
-              </a:lnSpc>
-              <a:spcBef>
-                <a:spcPts val="1000"/>
-              </a:spcBef>
-              <a:buSzPct val="100000"/>
-              <a:buFont typeface="Arial"/>
-              <a:buChar char="•"/>
-              <a:defRPr sz="2800"/>
-            </a:pPr>
-            <a:endParaRPr b="0"/>
-          </a:p>
-          <a:p>
-            <a:pPr marL="228600" indent="-228600">
-              <a:lnSpc>
-                <a:spcPct val="90000"/>
-              </a:lnSpc>
-              <a:spcBef>
-                <a:spcPts val="1000"/>
-              </a:spcBef>
-              <a:buSzPct val="100000"/>
-              <a:buFont typeface="Arial"/>
-              <a:buChar char="•"/>
-              <a:defRPr sz="2800" b="1"/>
-            </a:pPr>
-            <a:r>
-              <a:t>map</a:t>
-            </a:r>
-            <a:r>
-              <a:rPr b="0"/>
-              <a:t> performs a one-to-one transformation of elements using a Function.</a:t>
-            </a:r>
-          </a:p>
-          <a:p>
-            <a:pPr marL="228600" indent="-228600">
-              <a:lnSpc>
-                <a:spcPct val="90000"/>
-              </a:lnSpc>
-              <a:spcBef>
-                <a:spcPts val="1000"/>
-              </a:spcBef>
-              <a:buSzPct val="100000"/>
-              <a:buFont typeface="Arial"/>
-              <a:buChar char="•"/>
-              <a:defRPr sz="2800"/>
-            </a:pPr>
-            <a:endParaRPr b="0"/>
-          </a:p>
-          <a:p>
-            <a:pPr marL="228600" indent="-228600">
-              <a:lnSpc>
-                <a:spcPct val="90000"/>
-              </a:lnSpc>
-              <a:spcBef>
-                <a:spcPts val="1000"/>
-              </a:spcBef>
-              <a:buSzPct val="100000"/>
-              <a:buFont typeface="Arial"/>
-              <a:buChar char="•"/>
-              <a:defRPr sz="2800" b="1"/>
-            </a:pPr>
-            <a:r>
-              <a:t>sorted</a:t>
-            </a:r>
-            <a:r>
-              <a:rPr b="0"/>
-              <a:t> sort all the elements according to a the Comparable implementation of the element type or according to a Comparator</a:t>
-            </a:r>
-          </a:p>
-        </p:txBody>
-      </p:sp>
-    </p:spTree>
-  </p:cSld>
-  <p:clrMapOvr>
-    <a:masterClrMapping/>
-  </p:clrMapOvr>
-  <p:transition spd="slow"/>
-</p:sld>
-</file>
-
-<file path=ppt/slides/slide22.xml><?xml version="1.0" encoding="utf-8"?>
 <p:sld xmlns:a="http://schemas.openxmlformats.org/drawingml/2006/main" xmlns:r="http://schemas.openxmlformats.org/officeDocument/2006/relationships" xmlns:p="http://schemas.openxmlformats.org/presentationml/2006/main">
   <p:cSld>
     <p:spTree>
@@ -8981,7 +8495,7 @@
           </a:ln>
           <a:extLst>
             <a:ext uri="{C572A759-6A51-4108-AA02-DFA0A04FC94B}">
-              <ma14:wrappingTextBoxFlag xmlns:ma14="http://schemas.microsoft.com/office/mac/drawingml/2011/main" xmlns="" val="1"/>
+              <ma14:wrappingTextBoxFlag xmlns="" xmlns:ma14="http://schemas.microsoft.com/office/mac/drawingml/2011/main" val="1"/>
             </a:ext>
           </a:extLst>
         </p:spPr>
@@ -9094,7 +8608,7 @@
 </p:sld>
 </file>
 
-<file path=ppt/slides/slide23.xml><?xml version="1.0" encoding="utf-8"?>
+<file path=ppt/slides/slide21.xml><?xml version="1.0" encoding="utf-8"?>
 <p:sld xmlns:a="http://schemas.openxmlformats.org/drawingml/2006/main" xmlns:r="http://schemas.openxmlformats.org/officeDocument/2006/relationships" xmlns:p="http://schemas.openxmlformats.org/presentationml/2006/main">
   <p:cSld>
     <p:spTree>
@@ -9144,9 +8658,22 @@
           </a:lstStyle>
           <a:p>
             <a:r>
-              <a:rPr sz="4400" b="0" dirty="0"/>
-              <a:t>How to understand Stream</a:t>
-            </a:r>
+              <a:rPr lang="en-IE" sz="4400" b="0" dirty="0"/>
+              <a:t>S</a:t>
+            </a:r>
+            <a:r>
+              <a:rPr sz="4400" b="0" dirty="0" err="1"/>
+              <a:t>tream</a:t>
+            </a:r>
+            <a:r>
+              <a:rPr lang="en-IE" sz="4400" b="0" dirty="0"/>
+              <a:t> concept from </a:t>
+            </a:r>
+            <a:r>
+              <a:rPr lang="en-IE" sz="4400" b="0" dirty="0" err="1"/>
+              <a:t>Akka</a:t>
+            </a:r>
+            <a:endParaRPr sz="4400" b="0" dirty="0"/>
           </a:p>
         </p:txBody>
       </p:sp>
@@ -9170,7 +8697,7 @@
           </a:prstGeom>
           <a:extLst>
             <a:ext uri="{C572A759-6A51-4108-AA02-DFA0A04FC94B}">
-              <ma14:wrappingTextBoxFlag xmlns:ma14="http://schemas.microsoft.com/office/mac/drawingml/2011/main" xmlns="" val="1"/>
+              <ma14:wrappingTextBoxFlag xmlns="" xmlns:ma14="http://schemas.microsoft.com/office/mac/drawingml/2011/main" val="1"/>
             </a:ext>
           </a:extLst>
         </p:spPr>
@@ -9433,7 +8960,7 @@
 </p:sld>
 </file>
 
-<file path=ppt/slides/slide24.xml><?xml version="1.0" encoding="utf-8"?>
+<file path=ppt/slides/slide22.xml><?xml version="1.0" encoding="utf-8"?>
 <p:sld xmlns:a="http://schemas.openxmlformats.org/drawingml/2006/main" xmlns:r="http://schemas.openxmlformats.org/officeDocument/2006/relationships" xmlns:p="http://schemas.openxmlformats.org/presentationml/2006/main">
   <p:cSld>
     <p:spTree>
@@ -9538,7 +9065,7 @@
 </p:sld>
 </file>
 
-<file path=ppt/slides/slide25.xml><?xml version="1.0" encoding="utf-8"?>
+<file path=ppt/slides/slide23.xml><?xml version="1.0" encoding="utf-8"?>
 <p:sld xmlns:a="http://schemas.openxmlformats.org/drawingml/2006/main" xmlns:r="http://schemas.openxmlformats.org/officeDocument/2006/relationships" xmlns:p="http://schemas.openxmlformats.org/presentationml/2006/main">
   <p:cSld>
     <p:spTree>
@@ -9602,8 +9129,8 @@
         </p:nvSpPr>
         <p:spPr>
           <a:xfrm>
-            <a:off x="724940" y="1755387"/>
-            <a:ext cx="9405379" cy="4003041"/>
+            <a:off x="724940" y="2007636"/>
+            <a:ext cx="9405379" cy="3416320"/>
           </a:xfrm>
           <a:prstGeom prst="rect">
             <a:avLst/>
@@ -9613,7 +9140,7 @@
           </a:ln>
           <a:extLst>
             <a:ext uri="{C572A759-6A51-4108-AA02-DFA0A04FC94B}">
-              <ma14:wrappingTextBoxFlag xmlns:ma14="http://schemas.microsoft.com/office/mac/drawingml/2011/main" xmlns="" val="1"/>
+              <ma14:wrappingTextBoxFlag xmlns="" xmlns:ma14="http://schemas.microsoft.com/office/mac/drawingml/2011/main" val="1"/>
             </a:ext>
           </a:extLst>
         </p:spPr>
@@ -9629,7 +9156,12 @@
               <a:defRPr sz="2400"/>
             </a:pPr>
             <a:r>
-              <a:t>Pure Thread Management before Java 5</a:t>
+              <a:rPr lang="en-IE" dirty="0"/>
+              <a:t>Before </a:t>
+            </a:r>
+            <a:r>
+              <a:rPr dirty="0"/>
+              <a:t>Java 5</a:t>
             </a:r>
           </a:p>
           <a:p>
@@ -9640,8 +9172,34 @@
               <a:defRPr sz="2400"/>
             </a:pPr>
             <a:r>
+              <a:rPr dirty="0"/>
               <a:t>Thread</a:t>
             </a:r>
+            <a:r>
+              <a:rPr lang="en-IE" dirty="0"/>
+              <a:t>, </a:t>
+            </a:r>
+            <a:r>
+              <a:rPr dirty="0"/>
+              <a:t>Runnable</a:t>
+            </a:r>
+            <a:r>
+              <a:rPr lang="en-IE" dirty="0"/>
+              <a:t>, </a:t>
+            </a:r>
+            <a:r>
+              <a:rPr dirty="0"/>
+              <a:t>Synchronized</a:t>
+            </a:r>
+            <a:r>
+              <a:rPr lang="en-IE" dirty="0"/>
+              <a:t>, </a:t>
+            </a:r>
+            <a:r>
+              <a:rPr dirty="0"/>
+              <a:t>volatile</a:t>
+            </a:r>
+            <a:endParaRPr lang="en-IE" dirty="0"/>
           </a:p>
           <a:p>
             <a:pPr marL="914400" lvl="1" indent="-457200">
@@ -9650,8 +9208,21 @@
               <a:buChar char="•"/>
               <a:defRPr sz="2400"/>
             </a:pPr>
-            <a:r>
-              <a:t>Runnable</a:t>
+            <a:endParaRPr dirty="0"/>
+          </a:p>
+          <a:p>
+            <a:pPr marL="457200" indent="-457200">
+              <a:buSzPct val="100000"/>
+              <a:buAutoNum type="arabicPeriod"/>
+              <a:defRPr sz="2400"/>
+            </a:pPr>
+            <a:r>
+              <a:rPr lang="en-IE" dirty="0"/>
+              <a:t>From </a:t>
+            </a:r>
+            <a:r>
+              <a:rPr dirty="0"/>
+              <a:t>Java 5</a:t>
             </a:r>
           </a:p>
           <a:p>
@@ -9662,8 +9233,34 @@
               <a:defRPr sz="2400"/>
             </a:pPr>
             <a:r>
-              <a:t>Synchronized</a:t>
-            </a:r>
+              <a:rPr dirty="0"/>
+              <a:t>Executor</a:t>
+            </a:r>
+            <a:r>
+              <a:rPr lang="en-IE" dirty="0"/>
+              <a:t>, </a:t>
+            </a:r>
+            <a:r>
+              <a:rPr dirty="0" err="1"/>
+              <a:t>ExecutorService</a:t>
+            </a:r>
+            <a:r>
+              <a:rPr lang="en-IE" dirty="0"/>
+              <a:t>, </a:t>
+            </a:r>
+            <a:r>
+              <a:rPr dirty="0"/>
+              <a:t>Future</a:t>
+            </a:r>
+            <a:r>
+              <a:rPr lang="en-IE" dirty="0"/>
+              <a:t>, </a:t>
+            </a:r>
+            <a:r>
+              <a:rPr dirty="0" err="1"/>
+              <a:t>ReentrantLock</a:t>
+            </a:r>
+            <a:endParaRPr lang="en-IE" dirty="0"/>
           </a:p>
           <a:p>
             <a:pPr marL="914400" lvl="1" indent="-457200">
@@ -9672,9 +9269,7 @@
               <a:buChar char="•"/>
               <a:defRPr sz="2400"/>
             </a:pPr>
-            <a:r>
-              <a:t>volatile</a:t>
-            </a:r>
+            <a:endParaRPr dirty="0"/>
           </a:p>
           <a:p>
             <a:pPr marL="457200" indent="-457200">
@@ -9683,52 +9278,10 @@
               <a:defRPr sz="2400"/>
             </a:pPr>
             <a:r>
-              <a:t>Taking advantage of java.util.currency package from Java 5</a:t>
-            </a:r>
-          </a:p>
-          <a:p>
-            <a:pPr marL="914400" lvl="1" indent="-457200">
-              <a:buSzPct val="100000"/>
-              <a:buFont typeface="Arial"/>
-              <a:buChar char="•"/>
-              <a:defRPr sz="2400"/>
-            </a:pPr>
-            <a:r>
-              <a:t>Executor</a:t>
-            </a:r>
-          </a:p>
-          <a:p>
-            <a:pPr marL="914400" lvl="1" indent="-457200">
-              <a:buSzPct val="100000"/>
-              <a:buFont typeface="Arial"/>
-              <a:buChar char="•"/>
-              <a:defRPr sz="2400"/>
-            </a:pPr>
-            <a:r>
-              <a:t>ExecutorService</a:t>
-            </a:r>
-          </a:p>
-          <a:p>
-            <a:pPr marL="914400" lvl="1" indent="-457200">
-              <a:buSzPct val="100000"/>
-              <a:buFont typeface="Arial"/>
-              <a:buChar char="•"/>
-              <a:defRPr sz="2400"/>
-            </a:pPr>
-            <a:r>
-              <a:t>Future</a:t>
-            </a:r>
-          </a:p>
-          <a:p>
-            <a:pPr marL="914400" lvl="1" indent="-457200">
-              <a:buSzPct val="100000"/>
-              <a:buFont typeface="Arial"/>
-              <a:buChar char="•"/>
-              <a:defRPr sz="2400"/>
-            </a:pPr>
-            <a:r>
-              <a:t>ReentrantLock</a:t>
-            </a:r>
+              <a:rPr dirty="0"/>
+              <a:t>Fork/Join framework from Java 7</a:t>
+            </a:r>
+            <a:endParaRPr lang="en-IE" dirty="0"/>
           </a:p>
           <a:p>
             <a:pPr marL="457200" indent="-457200">
@@ -9736,9 +9289,31 @@
               <a:buAutoNum type="arabicPeriod"/>
               <a:defRPr sz="2400"/>
             </a:pPr>
-            <a:r>
-              <a:t>Fork/Join framework from Java 7</a:t>
-            </a:r>
+            <a:endParaRPr lang="en-IE" dirty="0"/>
+          </a:p>
+          <a:p>
+            <a:pPr marL="457200" indent="-457200">
+              <a:buSzPct val="100000"/>
+              <a:buAutoNum type="arabicPeriod"/>
+              <a:defRPr sz="2400"/>
+            </a:pPr>
+            <a:r>
+              <a:rPr lang="en-IE" dirty="0"/>
+              <a:t>Out-of-box feature we can use? </a:t>
+            </a:r>
+            <a:r>
+              <a:rPr lang="en-IE" dirty="0">
+                <a:sym typeface="Wingdings" panose="05000000000000000000" pitchFamily="2" charset="2"/>
+              </a:rPr>
+              <a:t> </a:t>
+            </a:r>
+            <a:r>
+              <a:rPr lang="en-IE" dirty="0" err="1">
+                <a:sym typeface="Wingdings" panose="05000000000000000000" pitchFamily="2" charset="2"/>
+              </a:rPr>
+              <a:t>ParallelStream</a:t>
+            </a:r>
+            <a:endParaRPr dirty="0"/>
           </a:p>
         </p:txBody>
       </p:sp>
@@ -9751,7 +9326,7 @@
 </p:sld>
 </file>
 
-<file path=ppt/slides/slide26.xml><?xml version="1.0" encoding="utf-8"?>
+<file path=ppt/slides/slide24.xml><?xml version="1.0" encoding="utf-8"?>
 <p:sld xmlns:a="http://schemas.openxmlformats.org/drawingml/2006/main" xmlns:r="http://schemas.openxmlformats.org/officeDocument/2006/relationships" xmlns:p="http://schemas.openxmlformats.org/presentationml/2006/main">
   <p:cSld>
     <p:spTree>
@@ -9809,14 +9384,16 @@
       </p:sp>
       <p:sp>
         <p:nvSpPr>
-          <p:cNvPr id="257" name="Shape 257"/>
-          <p:cNvSpPr/>
+          <p:cNvPr id="3" name="Rectangle 2"/>
+          <p:cNvSpPr>
+            <a:spLocks noChangeArrowheads="1"/>
+          </p:cNvSpPr>
           <p:nvPr/>
         </p:nvSpPr>
-        <p:spPr>
+        <p:spPr bwMode="auto">
           <a:xfrm>
-            <a:off x="873303" y="1936799"/>
-            <a:ext cx="9037952" cy="3693319"/>
+            <a:off x="882595" y="2140372"/>
+            <a:ext cx="9375501" cy="338554"/>
           </a:xfrm>
           <a:prstGeom prst="rect">
             <a:avLst/>
@@ -9824,403 +9401,1015 @@
           <a:solidFill>
             <a:srgbClr val="FFFFFF"/>
           </a:solidFill>
-          <a:ln w="12700">
-            <a:miter lim="400000"/>
+          <a:ln>
+            <a:noFill/>
           </a:ln>
+          <a:effectLst/>
           <a:extLst>
-            <a:ext uri="{C572A759-6A51-4108-AA02-DFA0A04FC94B}">
-              <ma14:wrappingTextBoxFlag xmlns:ma14="http://schemas.microsoft.com/office/mac/drawingml/2011/main" xmlns="" val="1"/>
+            <a:ext uri="{91240B29-F687-4F45-9708-019B960494DF}">
+              <a14:hiddenLine xmlns:a14="http://schemas.microsoft.com/office/drawing/2010/main" w="9525">
+                <a:solidFill>
+                  <a:schemeClr val="tx1"/>
+                </a:solidFill>
+                <a:miter lim="800000"/>
+                <a:headEnd/>
+                <a:tailEnd/>
+              </a14:hiddenLine>
+            </a:ext>
+            <a:ext uri="{AF507438-7753-43E0-B8FC-AC1667EBCBE1}">
+              <a14:hiddenEffects xmlns:a14="http://schemas.microsoft.com/office/drawing/2010/main">
+                <a:effectLst>
+                  <a:outerShdw dist="35921" dir="2700000" algn="ctr" rotWithShape="0">
+                    <a:schemeClr val="bg2"/>
+                  </a:outerShdw>
+                </a:effectLst>
+              </a14:hiddenEffects>
             </a:ext>
           </a:extLst>
         </p:spPr>
         <p:txBody>
-          <a:bodyPr wrap="square" lIns="45719" rIns="45719" anchor="ctr">
+          <a:bodyPr vert="horz" wrap="square" lIns="91440" tIns="45720" rIns="91440" bIns="45720" numCol="1" anchor="ctr" anchorCtr="0" compatLnSpc="1">
+            <a:prstTxWarp prst="textNoShape">
+              <a:avLst/>
+            </a:prstTxWarp>
             <a:spAutoFit/>
           </a:bodyPr>
           <a:lstStyle/>
           <a:p>
-            <a:pPr>
-              <a:defRPr>
-                <a:latin typeface="Courier New"/>
-                <a:ea typeface="Courier New"/>
-                <a:cs typeface="Courier New"/>
-                <a:sym typeface="Courier New"/>
-              </a:defRPr>
+            <a:pPr marL="0" marR="0" lvl="0" indent="0" algn="l" defTabSz="914400" rtl="0" eaLnBrk="0" fontAlgn="base" latinLnBrk="0" hangingPunct="0">
+              <a:lnSpc>
+                <a:spcPct val="100000"/>
+              </a:lnSpc>
+              <a:spcBef>
+                <a:spcPct val="0"/>
+              </a:spcBef>
+              <a:spcAft>
+                <a:spcPct val="0"/>
+              </a:spcAft>
+              <a:buClrTx/>
+              <a:buSzTx/>
+              <a:buFontTx/>
+              <a:buNone/>
+              <a:tabLst/>
             </a:pPr>
             <a:r>
-              <a:rPr dirty="0"/>
+              <a:rPr kumimoji="0" lang="en-US" altLang="en-US" sz="1600" b="0" i="0" u="none" strike="noStrike" cap="none" normalizeH="0" baseline="0" dirty="0">
+                <a:ln>
+                  <a:noFill/>
+                </a:ln>
+                <a:solidFill>
+                  <a:srgbClr val="000000"/>
+                </a:solidFill>
+                <a:effectLst/>
+                <a:latin typeface="Courier New" panose="02070309020205020404" pitchFamily="49" charset="0"/>
+                <a:cs typeface="Courier New" panose="02070309020205020404" pitchFamily="49" charset="0"/>
+              </a:rPr>
               <a:t>List&lt;Integer&gt; numbers = </a:t>
             </a:r>
             <a:r>
-              <a:rPr dirty="0" err="1"/>
+              <a:rPr kumimoji="0" lang="en-US" altLang="en-US" sz="1600" b="0" i="0" u="none" strike="noStrike" cap="none" normalizeH="0" baseline="0" dirty="0" err="1">
+                <a:ln>
+                  <a:noFill/>
+                </a:ln>
+                <a:solidFill>
+                  <a:srgbClr val="000000"/>
+                </a:solidFill>
+                <a:effectLst/>
+                <a:latin typeface="Courier New" panose="02070309020205020404" pitchFamily="49" charset="0"/>
+                <a:cs typeface="Courier New" panose="02070309020205020404" pitchFamily="49" charset="0"/>
+              </a:rPr>
               <a:t>Arrays.</a:t>
             </a:r>
             <a:r>
-              <a:rPr i="1" dirty="0" err="1"/>
+              <a:rPr kumimoji="0" lang="en-US" altLang="en-US" sz="1600" b="0" i="1" u="none" strike="noStrike" cap="none" normalizeH="0" baseline="0" dirty="0" err="1">
+                <a:ln>
+                  <a:noFill/>
+                </a:ln>
+                <a:solidFill>
+                  <a:srgbClr val="000000"/>
+                </a:solidFill>
+                <a:effectLst/>
+                <a:latin typeface="Courier New" panose="02070309020205020404" pitchFamily="49" charset="0"/>
+                <a:cs typeface="Courier New" panose="02070309020205020404" pitchFamily="49" charset="0"/>
+              </a:rPr>
               <a:t>asList</a:t>
             </a:r>
             <a:r>
-              <a:rPr dirty="0"/>
+              <a:rPr kumimoji="0" lang="en-US" altLang="en-US" sz="1600" b="0" i="0" u="none" strike="noStrike" cap="none" normalizeH="0" baseline="0" dirty="0">
+                <a:ln>
+                  <a:noFill/>
+                </a:ln>
+                <a:solidFill>
+                  <a:srgbClr val="000000"/>
+                </a:solidFill>
+                <a:effectLst/>
+                <a:latin typeface="Courier New" panose="02070309020205020404" pitchFamily="49" charset="0"/>
+                <a:cs typeface="Courier New" panose="02070309020205020404" pitchFamily="49" charset="0"/>
+              </a:rPr>
               <a:t>(</a:t>
             </a:r>
             <a:r>
-              <a:rPr dirty="0">
+              <a:rPr kumimoji="0" lang="en-US" altLang="en-US" sz="1600" b="0" i="0" u="none" strike="noStrike" cap="none" normalizeH="0" baseline="0" dirty="0">
+                <a:ln>
+                  <a:noFill/>
+                </a:ln>
                 <a:solidFill>
                   <a:srgbClr val="0000FF"/>
                 </a:solidFill>
+                <a:effectLst/>
+                <a:latin typeface="Courier New" panose="02070309020205020404" pitchFamily="49" charset="0"/>
+                <a:cs typeface="Courier New" panose="02070309020205020404" pitchFamily="49" charset="0"/>
               </a:rPr>
               <a:t>0</a:t>
             </a:r>
             <a:r>
-              <a:rPr dirty="0"/>
+              <a:rPr kumimoji="0" lang="en-US" altLang="en-US" sz="1600" b="0" i="0" u="none" strike="noStrike" cap="none" normalizeH="0" baseline="0" dirty="0">
+                <a:ln>
+                  <a:noFill/>
+                </a:ln>
+                <a:solidFill>
+                  <a:srgbClr val="000000"/>
+                </a:solidFill>
+                <a:effectLst/>
+                <a:latin typeface="Courier New" panose="02070309020205020404" pitchFamily="49" charset="0"/>
+                <a:cs typeface="Courier New" panose="02070309020205020404" pitchFamily="49" charset="0"/>
+              </a:rPr>
               <a:t>,</a:t>
             </a:r>
             <a:r>
-              <a:rPr dirty="0">
+              <a:rPr kumimoji="0" lang="en-US" altLang="en-US" sz="1600" b="0" i="0" u="none" strike="noStrike" cap="none" normalizeH="0" baseline="0" dirty="0">
+                <a:ln>
+                  <a:noFill/>
+                </a:ln>
                 <a:solidFill>
                   <a:srgbClr val="0000FF"/>
                 </a:solidFill>
+                <a:effectLst/>
+                <a:latin typeface="Courier New" panose="02070309020205020404" pitchFamily="49" charset="0"/>
+                <a:cs typeface="Courier New" panose="02070309020205020404" pitchFamily="49" charset="0"/>
               </a:rPr>
               <a:t>4</a:t>
             </a:r>
             <a:r>
-              <a:rPr dirty="0"/>
+              <a:rPr kumimoji="0" lang="en-US" altLang="en-US" sz="1600" b="0" i="0" u="none" strike="noStrike" cap="none" normalizeH="0" baseline="0" dirty="0">
+                <a:ln>
+                  <a:noFill/>
+                </a:ln>
+                <a:solidFill>
+                  <a:srgbClr val="000000"/>
+                </a:solidFill>
+                <a:effectLst/>
+                <a:latin typeface="Courier New" panose="02070309020205020404" pitchFamily="49" charset="0"/>
+                <a:cs typeface="Courier New" panose="02070309020205020404" pitchFamily="49" charset="0"/>
+              </a:rPr>
               <a:t>,</a:t>
             </a:r>
             <a:r>
-              <a:rPr dirty="0">
+              <a:rPr kumimoji="0" lang="en-US" altLang="en-US" sz="1600" b="0" i="0" u="none" strike="noStrike" cap="none" normalizeH="0" baseline="0" dirty="0">
+                <a:ln>
+                  <a:noFill/>
+                </a:ln>
                 <a:solidFill>
                   <a:srgbClr val="0000FF"/>
                 </a:solidFill>
+                <a:effectLst/>
+                <a:latin typeface="Courier New" panose="02070309020205020404" pitchFamily="49" charset="0"/>
+                <a:cs typeface="Courier New" panose="02070309020205020404" pitchFamily="49" charset="0"/>
               </a:rPr>
               <a:t>5</a:t>
             </a:r>
             <a:r>
-              <a:rPr dirty="0"/>
+              <a:rPr kumimoji="0" lang="en-US" altLang="en-US" sz="1600" b="0" i="0" u="none" strike="noStrike" cap="none" normalizeH="0" baseline="0" dirty="0">
+                <a:ln>
+                  <a:noFill/>
+                </a:ln>
+                <a:solidFill>
+                  <a:srgbClr val="000000"/>
+                </a:solidFill>
+                <a:effectLst/>
+                <a:latin typeface="Courier New" panose="02070309020205020404" pitchFamily="49" charset="0"/>
+                <a:cs typeface="Courier New" panose="02070309020205020404" pitchFamily="49" charset="0"/>
+              </a:rPr>
               <a:t>,</a:t>
             </a:r>
             <a:r>
-              <a:rPr dirty="0">
+              <a:rPr kumimoji="0" lang="en-US" altLang="en-US" sz="1600" b="0" i="0" u="none" strike="noStrike" cap="none" normalizeH="0" baseline="0" dirty="0">
+                <a:ln>
+                  <a:noFill/>
+                </a:ln>
                 <a:solidFill>
                   <a:srgbClr val="0000FF"/>
                 </a:solidFill>
+                <a:effectLst/>
+                <a:latin typeface="Courier New" panose="02070309020205020404" pitchFamily="49" charset="0"/>
+                <a:cs typeface="Courier New" panose="02070309020205020404" pitchFamily="49" charset="0"/>
               </a:rPr>
               <a:t>6</a:t>
             </a:r>
             <a:r>
-              <a:rPr dirty="0"/>
+              <a:rPr kumimoji="0" lang="en-US" altLang="en-US" sz="1600" b="0" i="0" u="none" strike="noStrike" cap="none" normalizeH="0" baseline="0" dirty="0">
+                <a:ln>
+                  <a:noFill/>
+                </a:ln>
+                <a:solidFill>
+                  <a:srgbClr val="000000"/>
+                </a:solidFill>
+                <a:effectLst/>
+                <a:latin typeface="Courier New" panose="02070309020205020404" pitchFamily="49" charset="0"/>
+                <a:cs typeface="Courier New" panose="02070309020205020404" pitchFamily="49" charset="0"/>
+              </a:rPr>
               <a:t>,</a:t>
             </a:r>
             <a:r>
-              <a:rPr dirty="0">
+              <a:rPr kumimoji="0" lang="en-US" altLang="en-US" sz="1600" b="0" i="0" u="none" strike="noStrike" cap="none" normalizeH="0" baseline="0" dirty="0">
+                <a:ln>
+                  <a:noFill/>
+                </a:ln>
                 <a:solidFill>
                   <a:srgbClr val="0000FF"/>
                 </a:solidFill>
+                <a:effectLst/>
+                <a:latin typeface="Courier New" panose="02070309020205020404" pitchFamily="49" charset="0"/>
+                <a:cs typeface="Courier New" panose="02070309020205020404" pitchFamily="49" charset="0"/>
               </a:rPr>
               <a:t>2</a:t>
             </a:r>
             <a:r>
-              <a:rPr dirty="0"/>
+              <a:rPr kumimoji="0" lang="en-US" altLang="en-US" sz="1600" b="0" i="0" u="none" strike="noStrike" cap="none" normalizeH="0" baseline="0" dirty="0">
+                <a:ln>
+                  <a:noFill/>
+                </a:ln>
+                <a:solidFill>
+                  <a:srgbClr val="000000"/>
+                </a:solidFill>
+                <a:effectLst/>
+                <a:latin typeface="Courier New" panose="02070309020205020404" pitchFamily="49" charset="0"/>
+                <a:cs typeface="Courier New" panose="02070309020205020404" pitchFamily="49" charset="0"/>
+              </a:rPr>
               <a:t>,</a:t>
             </a:r>
             <a:r>
-              <a:rPr dirty="0">
+              <a:rPr kumimoji="0" lang="en-US" altLang="en-US" sz="1600" b="0" i="0" u="none" strike="noStrike" cap="none" normalizeH="0" baseline="0" dirty="0">
+                <a:ln>
+                  <a:noFill/>
+                </a:ln>
                 <a:solidFill>
                   <a:srgbClr val="0000FF"/>
                 </a:solidFill>
+                <a:effectLst/>
+                <a:latin typeface="Courier New" panose="02070309020205020404" pitchFamily="49" charset="0"/>
+                <a:cs typeface="Courier New" panose="02070309020205020404" pitchFamily="49" charset="0"/>
               </a:rPr>
               <a:t>3</a:t>
             </a:r>
             <a:r>
-              <a:rPr dirty="0"/>
+              <a:rPr kumimoji="0" lang="en-US" altLang="en-US" sz="1600" b="0" i="0" u="none" strike="noStrike" cap="none" normalizeH="0" baseline="0" dirty="0">
+                <a:ln>
+                  <a:noFill/>
+                </a:ln>
+                <a:solidFill>
+                  <a:srgbClr val="000000"/>
+                </a:solidFill>
+                <a:effectLst/>
+                <a:latin typeface="Courier New" panose="02070309020205020404" pitchFamily="49" charset="0"/>
+                <a:cs typeface="Courier New" panose="02070309020205020404" pitchFamily="49" charset="0"/>
+              </a:rPr>
               <a:t>,</a:t>
             </a:r>
             <a:r>
-              <a:rPr dirty="0">
+              <a:rPr kumimoji="0" lang="en-US" altLang="en-US" sz="1600" b="0" i="0" u="none" strike="noStrike" cap="none" normalizeH="0" baseline="0" dirty="0">
+                <a:ln>
+                  <a:noFill/>
+                </a:ln>
                 <a:solidFill>
                   <a:srgbClr val="0000FF"/>
                 </a:solidFill>
+                <a:effectLst/>
+                <a:latin typeface="Courier New" panose="02070309020205020404" pitchFamily="49" charset="0"/>
+                <a:cs typeface="Courier New" panose="02070309020205020404" pitchFamily="49" charset="0"/>
               </a:rPr>
               <a:t>1</a:t>
             </a:r>
             <a:r>
-              <a:rPr dirty="0"/>
+              <a:rPr kumimoji="0" lang="en-US" altLang="en-US" sz="1600" b="0" i="0" u="none" strike="noStrike" cap="none" normalizeH="0" baseline="0" dirty="0">
+                <a:ln>
+                  <a:noFill/>
+                </a:ln>
+                <a:solidFill>
+                  <a:srgbClr val="000000"/>
+                </a:solidFill>
+                <a:effectLst/>
+                <a:latin typeface="Courier New" panose="02070309020205020404" pitchFamily="49" charset="0"/>
+                <a:cs typeface="Courier New" panose="02070309020205020404" pitchFamily="49" charset="0"/>
+              </a:rPr>
               <a:t>,</a:t>
             </a:r>
             <a:r>
-              <a:rPr dirty="0">
+              <a:rPr kumimoji="0" lang="en-US" altLang="en-US" sz="1600" b="0" i="0" u="none" strike="noStrike" cap="none" normalizeH="0" baseline="0" dirty="0">
+                <a:ln>
+                  <a:noFill/>
+                </a:ln>
                 <a:solidFill>
                   <a:srgbClr val="0000FF"/>
                 </a:solidFill>
+                <a:effectLst/>
+                <a:latin typeface="Courier New" panose="02070309020205020404" pitchFamily="49" charset="0"/>
+                <a:cs typeface="Courier New" panose="02070309020205020404" pitchFamily="49" charset="0"/>
               </a:rPr>
               <a:t>8</a:t>
             </a:r>
             <a:r>
-              <a:rPr dirty="0"/>
+              <a:rPr kumimoji="0" lang="en-US" altLang="en-US" sz="1600" b="0" i="0" u="none" strike="noStrike" cap="none" normalizeH="0" baseline="0" dirty="0">
+                <a:ln>
+                  <a:noFill/>
+                </a:ln>
+                <a:solidFill>
+                  <a:srgbClr val="000000"/>
+                </a:solidFill>
+                <a:effectLst/>
+                <a:latin typeface="Courier New" panose="02070309020205020404" pitchFamily="49" charset="0"/>
+                <a:cs typeface="Courier New" panose="02070309020205020404" pitchFamily="49" charset="0"/>
+              </a:rPr>
               <a:t>,</a:t>
             </a:r>
             <a:r>
-              <a:rPr dirty="0">
+              <a:rPr kumimoji="0" lang="en-US" altLang="en-US" sz="1600" b="0" i="0" u="none" strike="noStrike" cap="none" normalizeH="0" baseline="0" dirty="0">
+                <a:ln>
+                  <a:noFill/>
+                </a:ln>
                 <a:solidFill>
                   <a:srgbClr val="0000FF"/>
                 </a:solidFill>
+                <a:effectLst/>
+                <a:latin typeface="Courier New" panose="02070309020205020404" pitchFamily="49" charset="0"/>
+                <a:cs typeface="Courier New" panose="02070309020205020404" pitchFamily="49" charset="0"/>
               </a:rPr>
               <a:t>7</a:t>
             </a:r>
             <a:r>
-              <a:rPr dirty="0"/>
+              <a:rPr kumimoji="0" lang="en-US" altLang="en-US" sz="1600" b="0" i="0" u="none" strike="noStrike" cap="none" normalizeH="0" baseline="0" dirty="0">
+                <a:ln>
+                  <a:noFill/>
+                </a:ln>
+                <a:solidFill>
+                  <a:srgbClr val="000000"/>
+                </a:solidFill>
+                <a:effectLst/>
+                <a:latin typeface="Courier New" panose="02070309020205020404" pitchFamily="49" charset="0"/>
+                <a:cs typeface="Courier New" panose="02070309020205020404" pitchFamily="49" charset="0"/>
+              </a:rPr>
               <a:t>,</a:t>
             </a:r>
             <a:r>
-              <a:rPr dirty="0">
+              <a:rPr kumimoji="0" lang="en-US" altLang="en-US" sz="1600" b="0" i="0" u="none" strike="noStrike" cap="none" normalizeH="0" baseline="0" dirty="0">
+                <a:ln>
+                  <a:noFill/>
+                </a:ln>
                 <a:solidFill>
                   <a:srgbClr val="0000FF"/>
                 </a:solidFill>
+                <a:effectLst/>
+                <a:latin typeface="Courier New" panose="02070309020205020404" pitchFamily="49" charset="0"/>
+                <a:cs typeface="Courier New" panose="02070309020205020404" pitchFamily="49" charset="0"/>
               </a:rPr>
               <a:t>9</a:t>
             </a:r>
             <a:r>
-              <a:rPr dirty="0"/>
+              <a:rPr kumimoji="0" lang="en-US" altLang="en-US" sz="1600" b="0" i="0" u="none" strike="noStrike" cap="none" normalizeH="0" baseline="0" dirty="0">
+                <a:ln>
+                  <a:noFill/>
+                </a:ln>
+                <a:solidFill>
+                  <a:srgbClr val="000000"/>
+                </a:solidFill>
+                <a:effectLst/>
+                <a:latin typeface="Courier New" panose="02070309020205020404" pitchFamily="49" charset="0"/>
+                <a:cs typeface="Courier New" panose="02070309020205020404" pitchFamily="49" charset="0"/>
+              </a:rPr>
               <a:t>,</a:t>
             </a:r>
             <a:r>
-              <a:rPr dirty="0">
+              <a:rPr kumimoji="0" lang="en-US" altLang="en-US" sz="1600" b="0" i="0" u="none" strike="noStrike" cap="none" normalizeH="0" baseline="0" dirty="0">
+                <a:ln>
+                  <a:noFill/>
+                </a:ln>
                 <a:solidFill>
                   <a:srgbClr val="0000FF"/>
                 </a:solidFill>
+                <a:effectLst/>
+                <a:latin typeface="Courier New" panose="02070309020205020404" pitchFamily="49" charset="0"/>
+                <a:cs typeface="Courier New" panose="02070309020205020404" pitchFamily="49" charset="0"/>
               </a:rPr>
               <a:t>56</a:t>
             </a:r>
             <a:r>
-              <a:rPr dirty="0"/>
+              <a:rPr kumimoji="0" lang="en-US" altLang="en-US" sz="1600" b="0" i="0" u="none" strike="noStrike" cap="none" normalizeH="0" baseline="0" dirty="0">
+                <a:ln>
+                  <a:noFill/>
+                </a:ln>
+                <a:solidFill>
+                  <a:srgbClr val="000000"/>
+                </a:solidFill>
+                <a:effectLst/>
+                <a:latin typeface="Courier New" panose="02070309020205020404" pitchFamily="49" charset="0"/>
+                <a:cs typeface="Courier New" panose="02070309020205020404" pitchFamily="49" charset="0"/>
+              </a:rPr>
               <a:t>,</a:t>
             </a:r>
             <a:r>
-              <a:rPr dirty="0">
+              <a:rPr kumimoji="0" lang="en-US" altLang="en-US" sz="1600" b="0" i="0" u="none" strike="noStrike" cap="none" normalizeH="0" baseline="0" dirty="0">
+                <a:ln>
+                  <a:noFill/>
+                </a:ln>
                 <a:solidFill>
                   <a:srgbClr val="0000FF"/>
                 </a:solidFill>
+                <a:effectLst/>
+                <a:latin typeface="Courier New" panose="02070309020205020404" pitchFamily="49" charset="0"/>
+                <a:cs typeface="Courier New" panose="02070309020205020404" pitchFamily="49" charset="0"/>
               </a:rPr>
               <a:t>17</a:t>
             </a:r>
             <a:r>
-              <a:rPr dirty="0"/>
+              <a:rPr kumimoji="0" lang="en-US" altLang="en-US" sz="1600" b="0" i="0" u="none" strike="noStrike" cap="none" normalizeH="0" baseline="0" dirty="0">
+                <a:ln>
+                  <a:noFill/>
+                </a:ln>
+                <a:solidFill>
+                  <a:srgbClr val="000000"/>
+                </a:solidFill>
+                <a:effectLst/>
+                <a:latin typeface="Courier New" panose="02070309020205020404" pitchFamily="49" charset="0"/>
+                <a:cs typeface="Courier New" panose="02070309020205020404" pitchFamily="49" charset="0"/>
+              </a:rPr>
               <a:t>,</a:t>
             </a:r>
             <a:r>
-              <a:rPr dirty="0">
+              <a:rPr kumimoji="0" lang="en-US" altLang="en-US" sz="1600" b="0" i="0" u="none" strike="noStrike" cap="none" normalizeH="0" baseline="0" dirty="0">
+                <a:ln>
+                  <a:noFill/>
+                </a:ln>
                 <a:solidFill>
                   <a:srgbClr val="0000FF"/>
                 </a:solidFill>
+                <a:effectLst/>
+                <a:latin typeface="Courier New" panose="02070309020205020404" pitchFamily="49" charset="0"/>
+                <a:cs typeface="Courier New" panose="02070309020205020404" pitchFamily="49" charset="0"/>
               </a:rPr>
               <a:t>29</a:t>
             </a:r>
             <a:r>
-              <a:rPr dirty="0"/>
+              <a:rPr kumimoji="0" lang="en-US" altLang="en-US" sz="1600" b="0" i="0" u="none" strike="noStrike" cap="none" normalizeH="0" baseline="0" dirty="0">
+                <a:ln>
+                  <a:noFill/>
+                </a:ln>
+                <a:solidFill>
+                  <a:srgbClr val="000000"/>
+                </a:solidFill>
+                <a:effectLst/>
+                <a:latin typeface="Courier New" panose="02070309020205020404" pitchFamily="49" charset="0"/>
+                <a:cs typeface="Courier New" panose="02070309020205020404" pitchFamily="49" charset="0"/>
+              </a:rPr>
               <a:t>);</a:t>
             </a:r>
+            <a:endParaRPr kumimoji="0" lang="en-US" altLang="en-US" sz="1600" b="0" i="0" u="none" strike="noStrike" cap="none" normalizeH="0" baseline="0" dirty="0">
+              <a:ln>
+                <a:noFill/>
+              </a:ln>
+              <a:solidFill>
+                <a:schemeClr val="tx1"/>
+              </a:solidFill>
+              <a:effectLst/>
+              <a:latin typeface="Arial" panose="020B0604020202020204" pitchFamily="34" charset="0"/>
+            </a:endParaRPr>
+          </a:p>
+        </p:txBody>
+      </p:sp>
+      <p:sp>
+        <p:nvSpPr>
+          <p:cNvPr id="4" name="Rectangle 3"/>
+          <p:cNvSpPr>
+            <a:spLocks noChangeArrowheads="1"/>
+          </p:cNvSpPr>
+          <p:nvPr/>
+        </p:nvSpPr>
+        <p:spPr bwMode="auto">
+          <a:xfrm>
+            <a:off x="882595" y="3233834"/>
+            <a:ext cx="9375501" cy="584775"/>
+          </a:xfrm>
+          <a:prstGeom prst="rect">
+            <a:avLst/>
+          </a:prstGeom>
+          <a:solidFill>
+            <a:srgbClr val="FFFFFF"/>
+          </a:solidFill>
+          <a:ln>
+            <a:noFill/>
+          </a:ln>
+          <a:effectLst/>
+          <a:extLst>
+            <a:ext uri="{91240B29-F687-4F45-9708-019B960494DF}">
+              <a14:hiddenLine xmlns:a14="http://schemas.microsoft.com/office/drawing/2010/main" w="9525">
+                <a:solidFill>
+                  <a:schemeClr val="tx1"/>
+                </a:solidFill>
+                <a:miter lim="800000"/>
+                <a:headEnd/>
+                <a:tailEnd/>
+              </a14:hiddenLine>
+            </a:ext>
+            <a:ext uri="{AF507438-7753-43E0-B8FC-AC1667EBCBE1}">
+              <a14:hiddenEffects xmlns:a14="http://schemas.microsoft.com/office/drawing/2010/main">
+                <a:effectLst>
+                  <a:outerShdw dist="35921" dir="2700000" algn="ctr" rotWithShape="0">
+                    <a:schemeClr val="bg2"/>
+                  </a:outerShdw>
+                </a:effectLst>
+              </a14:hiddenEffects>
+            </a:ext>
+          </a:extLst>
+        </p:spPr>
+        <p:txBody>
+          <a:bodyPr vert="horz" wrap="square" lIns="91440" tIns="45720" rIns="91440" bIns="45720" numCol="1" anchor="ctr" anchorCtr="0" compatLnSpc="1">
+            <a:prstTxWarp prst="textNoShape">
+              <a:avLst/>
+            </a:prstTxWarp>
+            <a:spAutoFit/>
+          </a:bodyPr>
+          <a:lstStyle/>
+          <a:p>
+            <a:pPr marL="0" marR="0" lvl="0" indent="0" algn="l" defTabSz="914400" rtl="0" eaLnBrk="0" fontAlgn="base" latinLnBrk="0" hangingPunct="0">
+              <a:lnSpc>
+                <a:spcPct val="100000"/>
+              </a:lnSpc>
+              <a:spcBef>
+                <a:spcPct val="0"/>
+              </a:spcBef>
+              <a:spcAft>
+                <a:spcPct val="0"/>
+              </a:spcAft>
+              <a:buClrTx/>
+              <a:buSzTx/>
+              <a:buFontTx/>
+              <a:buNone/>
+              <a:tabLst/>
+            </a:pPr>
+            <a:r>
+              <a:rPr kumimoji="0" lang="en-US" altLang="en-US" sz="1600" b="0" i="1" u="none" strike="noStrike" cap="none" normalizeH="0" baseline="0" dirty="0">
+                <a:ln>
+                  <a:noFill/>
+                </a:ln>
+                <a:solidFill>
+                  <a:srgbClr val="808080"/>
+                </a:solidFill>
+                <a:effectLst/>
+                <a:latin typeface="Courier New" panose="02070309020205020404" pitchFamily="49" charset="0"/>
+                <a:cs typeface="Courier New" panose="02070309020205020404" pitchFamily="49" charset="0"/>
+              </a:rPr>
+              <a:t>// </a:t>
+            </a:r>
+            <a:r>
+              <a:rPr kumimoji="0" lang="en-US" altLang="en-US" sz="1600" b="0" i="1" u="none" strike="noStrike" cap="none" normalizeH="0" baseline="0" dirty="0" err="1">
+                <a:ln>
+                  <a:noFill/>
+                </a:ln>
+                <a:solidFill>
+                  <a:srgbClr val="808080"/>
+                </a:solidFill>
+                <a:effectLst/>
+                <a:latin typeface="Courier New" panose="02070309020205020404" pitchFamily="49" charset="0"/>
+                <a:cs typeface="Courier New" panose="02070309020205020404" pitchFamily="49" charset="0"/>
+              </a:rPr>
+              <a:t>sequetial</a:t>
+            </a:r>
+            <a:r>
+              <a:rPr kumimoji="0" lang="en-US" altLang="en-US" sz="1600" b="0" i="1" u="none" strike="noStrike" cap="none" normalizeH="0" baseline="0" dirty="0">
+                <a:ln>
+                  <a:noFill/>
+                </a:ln>
+                <a:solidFill>
+                  <a:srgbClr val="808080"/>
+                </a:solidFill>
+                <a:effectLst/>
+                <a:latin typeface="Courier New" panose="02070309020205020404" pitchFamily="49" charset="0"/>
+                <a:cs typeface="Courier New" panose="02070309020205020404" pitchFamily="49" charset="0"/>
+              </a:rPr>
+              <a:t> sorting</a:t>
+            </a:r>
             <a:br>
-              <a:rPr dirty="0"/>
+              <a:rPr kumimoji="0" lang="en-US" altLang="en-US" sz="1600" b="0" i="1" u="none" strike="noStrike" cap="none" normalizeH="0" baseline="0" dirty="0">
+                <a:ln>
+                  <a:noFill/>
+                </a:ln>
+                <a:solidFill>
+                  <a:srgbClr val="808080"/>
+                </a:solidFill>
+                <a:effectLst/>
+                <a:latin typeface="Courier New" panose="02070309020205020404" pitchFamily="49" charset="0"/>
+                <a:cs typeface="Courier New" panose="02070309020205020404" pitchFamily="49" charset="0"/>
+              </a:rPr>
             </a:br>
+            <a:r>
+              <a:rPr kumimoji="0" lang="en-US" altLang="en-US" sz="1600" b="0" i="0" u="none" strike="noStrike" cap="none" normalizeH="0" baseline="0" dirty="0" err="1">
+                <a:ln>
+                  <a:noFill/>
+                </a:ln>
+                <a:solidFill>
+                  <a:srgbClr val="000000"/>
+                </a:solidFill>
+                <a:effectLst/>
+                <a:latin typeface="Courier New" panose="02070309020205020404" pitchFamily="49" charset="0"/>
+                <a:cs typeface="Courier New" panose="02070309020205020404" pitchFamily="49" charset="0"/>
+              </a:rPr>
+              <a:t>numbers.</a:t>
+            </a:r>
+            <a:r>
+              <a:rPr kumimoji="0" lang="en-US" altLang="en-US" sz="1600" b="1" i="0" u="none" strike="noStrike" cap="none" normalizeH="0" baseline="0" dirty="0" err="1">
+                <a:ln>
+                  <a:noFill/>
+                </a:ln>
+                <a:solidFill>
+                  <a:srgbClr val="000000"/>
+                </a:solidFill>
+                <a:effectLst/>
+                <a:latin typeface="Courier New" panose="02070309020205020404" pitchFamily="49" charset="0"/>
+                <a:cs typeface="Courier New" panose="02070309020205020404" pitchFamily="49" charset="0"/>
+              </a:rPr>
+              <a:t>stream</a:t>
+            </a:r>
+            <a:r>
+              <a:rPr kumimoji="0" lang="en-US" altLang="en-US" sz="1600" b="0" i="0" u="none" strike="noStrike" cap="none" normalizeH="0" baseline="0" dirty="0">
+                <a:ln>
+                  <a:noFill/>
+                </a:ln>
+                <a:solidFill>
+                  <a:srgbClr val="000000"/>
+                </a:solidFill>
+                <a:effectLst/>
+                <a:latin typeface="Courier New" panose="02070309020205020404" pitchFamily="49" charset="0"/>
+                <a:cs typeface="Courier New" panose="02070309020205020404" pitchFamily="49" charset="0"/>
+              </a:rPr>
+              <a:t>().sorted().</a:t>
+            </a:r>
+            <a:r>
+              <a:rPr kumimoji="0" lang="en-US" altLang="en-US" sz="1600" b="0" i="0" u="none" strike="noStrike" cap="none" normalizeH="0" baseline="0" dirty="0" err="1">
+                <a:ln>
+                  <a:noFill/>
+                </a:ln>
+                <a:solidFill>
+                  <a:srgbClr val="000000"/>
+                </a:solidFill>
+                <a:effectLst/>
+                <a:latin typeface="Courier New" panose="02070309020205020404" pitchFamily="49" charset="0"/>
+                <a:cs typeface="Courier New" panose="02070309020205020404" pitchFamily="49" charset="0"/>
+              </a:rPr>
+              <a:t>forEach</a:t>
+            </a:r>
+            <a:r>
+              <a:rPr kumimoji="0" lang="en-US" altLang="en-US" sz="1600" b="0" i="0" u="none" strike="noStrike" cap="none" normalizeH="0" baseline="0" dirty="0">
+                <a:ln>
+                  <a:noFill/>
+                </a:ln>
+                <a:solidFill>
+                  <a:srgbClr val="000000"/>
+                </a:solidFill>
+                <a:effectLst/>
+                <a:latin typeface="Courier New" panose="02070309020205020404" pitchFamily="49" charset="0"/>
+                <a:cs typeface="Courier New" panose="02070309020205020404" pitchFamily="49" charset="0"/>
+              </a:rPr>
+              <a:t>(</a:t>
+            </a:r>
+            <a:r>
+              <a:rPr kumimoji="0" lang="en-US" altLang="en-US" sz="1600" b="0" i="0" u="none" strike="noStrike" cap="none" normalizeH="0" baseline="0" dirty="0" err="1">
+                <a:ln>
+                  <a:noFill/>
+                </a:ln>
+                <a:solidFill>
+                  <a:srgbClr val="000000"/>
+                </a:solidFill>
+                <a:effectLst/>
+                <a:latin typeface="Courier New" panose="02070309020205020404" pitchFamily="49" charset="0"/>
+                <a:cs typeface="Courier New" panose="02070309020205020404" pitchFamily="49" charset="0"/>
+              </a:rPr>
+              <a:t>System.</a:t>
+            </a:r>
+            <a:r>
+              <a:rPr kumimoji="0" lang="en-US" altLang="en-US" sz="1600" b="1" i="1" u="none" strike="noStrike" cap="none" normalizeH="0" baseline="0" dirty="0" err="1">
+                <a:ln>
+                  <a:noFill/>
+                </a:ln>
+                <a:solidFill>
+                  <a:srgbClr val="660E7A"/>
+                </a:solidFill>
+                <a:effectLst/>
+                <a:latin typeface="Courier New" panose="02070309020205020404" pitchFamily="49" charset="0"/>
+                <a:cs typeface="Courier New" panose="02070309020205020404" pitchFamily="49" charset="0"/>
+              </a:rPr>
+              <a:t>out</a:t>
+            </a:r>
+            <a:r>
+              <a:rPr kumimoji="0" lang="en-US" altLang="en-US" sz="1600" b="0" i="0" u="none" strike="noStrike" cap="none" normalizeH="0" baseline="0" dirty="0">
+                <a:ln>
+                  <a:noFill/>
+                </a:ln>
+                <a:solidFill>
+                  <a:srgbClr val="000000"/>
+                </a:solidFill>
+                <a:effectLst/>
+                <a:latin typeface="Courier New" panose="02070309020205020404" pitchFamily="49" charset="0"/>
+                <a:cs typeface="Courier New" panose="02070309020205020404" pitchFamily="49" charset="0"/>
+              </a:rPr>
+              <a:t>::</a:t>
+            </a:r>
+            <a:r>
+              <a:rPr kumimoji="0" lang="en-US" altLang="en-US" sz="1600" b="0" i="0" u="none" strike="noStrike" cap="none" normalizeH="0" baseline="0" dirty="0" err="1">
+                <a:ln>
+                  <a:noFill/>
+                </a:ln>
+                <a:solidFill>
+                  <a:srgbClr val="000000"/>
+                </a:solidFill>
+                <a:effectLst/>
+                <a:latin typeface="Courier New" panose="02070309020205020404" pitchFamily="49" charset="0"/>
+                <a:cs typeface="Courier New" panose="02070309020205020404" pitchFamily="49" charset="0"/>
+              </a:rPr>
+              <a:t>println</a:t>
+            </a:r>
+            <a:r>
+              <a:rPr kumimoji="0" lang="en-US" altLang="en-US" sz="1600" b="0" i="0" u="none" strike="noStrike" cap="none" normalizeH="0" baseline="0" dirty="0">
+                <a:ln>
+                  <a:noFill/>
+                </a:ln>
+                <a:solidFill>
+                  <a:srgbClr val="000000"/>
+                </a:solidFill>
+                <a:effectLst/>
+                <a:latin typeface="Courier New" panose="02070309020205020404" pitchFamily="49" charset="0"/>
+                <a:cs typeface="Courier New" panose="02070309020205020404" pitchFamily="49" charset="0"/>
+              </a:rPr>
+              <a:t>);</a:t>
+            </a:r>
+            <a:endParaRPr kumimoji="0" lang="en-US" altLang="en-US" sz="1600" b="0" i="0" u="none" strike="noStrike" cap="none" normalizeH="0" baseline="0" dirty="0">
+              <a:ln>
+                <a:noFill/>
+              </a:ln>
+              <a:solidFill>
+                <a:schemeClr val="tx1"/>
+              </a:solidFill>
+              <a:effectLst/>
+              <a:latin typeface="Arial" panose="020B0604020202020204" pitchFamily="34" charset="0"/>
+            </a:endParaRPr>
+          </a:p>
+        </p:txBody>
+      </p:sp>
+      <p:sp>
+        <p:nvSpPr>
+          <p:cNvPr id="5" name="Rectangle 4"/>
+          <p:cNvSpPr>
+            <a:spLocks noChangeArrowheads="1"/>
+          </p:cNvSpPr>
+          <p:nvPr/>
+        </p:nvSpPr>
+        <p:spPr bwMode="auto">
+          <a:xfrm>
+            <a:off x="882595" y="4573517"/>
+            <a:ext cx="9375501" cy="584775"/>
+          </a:xfrm>
+          <a:prstGeom prst="rect">
+            <a:avLst/>
+          </a:prstGeom>
+          <a:solidFill>
+            <a:srgbClr val="FFFFFF"/>
+          </a:solidFill>
+          <a:ln>
+            <a:noFill/>
+          </a:ln>
+          <a:effectLst/>
+          <a:extLst>
+            <a:ext uri="{91240B29-F687-4F45-9708-019B960494DF}">
+              <a14:hiddenLine xmlns:a14="http://schemas.microsoft.com/office/drawing/2010/main" w="9525">
+                <a:solidFill>
+                  <a:schemeClr val="tx1"/>
+                </a:solidFill>
+                <a:miter lim="800000"/>
+                <a:headEnd/>
+                <a:tailEnd/>
+              </a14:hiddenLine>
+            </a:ext>
+            <a:ext uri="{AF507438-7753-43E0-B8FC-AC1667EBCBE1}">
+              <a14:hiddenEffects xmlns:a14="http://schemas.microsoft.com/office/drawing/2010/main">
+                <a:effectLst>
+                  <a:outerShdw dist="35921" dir="2700000" algn="ctr" rotWithShape="0">
+                    <a:schemeClr val="bg2"/>
+                  </a:outerShdw>
+                </a:effectLst>
+              </a14:hiddenEffects>
+            </a:ext>
+          </a:extLst>
+        </p:spPr>
+        <p:txBody>
+          <a:bodyPr vert="horz" wrap="square" lIns="91440" tIns="45720" rIns="91440" bIns="45720" numCol="1" anchor="ctr" anchorCtr="0" compatLnSpc="1">
+            <a:prstTxWarp prst="textNoShape">
+              <a:avLst/>
+            </a:prstTxWarp>
+            <a:spAutoFit/>
+          </a:bodyPr>
+          <a:lstStyle/>
+          <a:p>
+            <a:pPr marL="0" marR="0" lvl="0" indent="0" algn="l" defTabSz="914400" rtl="0" eaLnBrk="0" fontAlgn="base" latinLnBrk="0" hangingPunct="0">
+              <a:lnSpc>
+                <a:spcPct val="100000"/>
+              </a:lnSpc>
+              <a:spcBef>
+                <a:spcPct val="0"/>
+              </a:spcBef>
+              <a:spcAft>
+                <a:spcPct val="0"/>
+              </a:spcAft>
+              <a:buClrTx/>
+              <a:buSzTx/>
+              <a:buFontTx/>
+              <a:buNone/>
+              <a:tabLst/>
+            </a:pPr>
+            <a:r>
+              <a:rPr kumimoji="0" lang="en-US" altLang="en-US" sz="1600" b="0" i="1" u="none" strike="noStrike" cap="none" normalizeH="0" baseline="0" dirty="0">
+                <a:ln>
+                  <a:noFill/>
+                </a:ln>
+                <a:solidFill>
+                  <a:srgbClr val="808080"/>
+                </a:solidFill>
+                <a:effectLst/>
+                <a:latin typeface="Courier New" panose="02070309020205020404" pitchFamily="49" charset="0"/>
+                <a:cs typeface="Courier New" panose="02070309020205020404" pitchFamily="49" charset="0"/>
+              </a:rPr>
+              <a:t>// parallel sorting</a:t>
+            </a:r>
             <a:br>
-              <a:rPr dirty="0"/>
+              <a:rPr kumimoji="0" lang="en-US" altLang="en-US" sz="1600" b="0" i="1" u="none" strike="noStrike" cap="none" normalizeH="0" baseline="0" dirty="0">
+                <a:ln>
+                  <a:noFill/>
+                </a:ln>
+                <a:solidFill>
+                  <a:srgbClr val="808080"/>
+                </a:solidFill>
+                <a:effectLst/>
+                <a:latin typeface="Courier New" panose="02070309020205020404" pitchFamily="49" charset="0"/>
+                <a:cs typeface="Courier New" panose="02070309020205020404" pitchFamily="49" charset="0"/>
+              </a:rPr>
             </a:br>
             <a:r>
-              <a:rPr i="1" dirty="0">
-                <a:solidFill>
-                  <a:srgbClr val="808080"/>
-                </a:solidFill>
-              </a:rPr>
-              <a:t>// </a:t>
-            </a:r>
-            <a:r>
-              <a:rPr lang="en-IE" i="1" dirty="0" err="1">
-                <a:solidFill>
-                  <a:srgbClr val="808080"/>
-                </a:solidFill>
-              </a:rPr>
-              <a:t>sequetial</a:t>
-            </a:r>
-            <a:r>
-              <a:rPr i="1" dirty="0">
-                <a:solidFill>
-                  <a:srgbClr val="808080"/>
-                </a:solidFill>
-              </a:rPr>
-              <a:t> sorting</a:t>
-            </a:r>
-            <a:br>
-              <a:rPr i="1" dirty="0">
-                <a:solidFill>
-                  <a:srgbClr val="808080"/>
-                </a:solidFill>
-              </a:rPr>
-            </a:br>
-            <a:r>
-              <a:rPr dirty="0" err="1"/>
-              <a:t>numbers.stream</a:t>
-            </a:r>
-            <a:r>
-              <a:rPr dirty="0"/>
-              <a:t>()</a:t>
-            </a:r>
-            <a:br>
-              <a:rPr dirty="0"/>
-            </a:br>
-            <a:r>
-              <a:rPr dirty="0"/>
-              <a:t>        .sorted()</a:t>
-            </a:r>
-            <a:br>
-              <a:rPr dirty="0"/>
-            </a:br>
-            <a:r>
-              <a:rPr dirty="0"/>
-              <a:t>        .</a:t>
-            </a:r>
-            <a:r>
-              <a:rPr dirty="0" err="1"/>
+              <a:rPr kumimoji="0" lang="en-US" altLang="en-US" sz="1600" b="0" i="0" u="none" strike="noStrike" cap="none" normalizeH="0" baseline="0" dirty="0" err="1">
+                <a:ln>
+                  <a:noFill/>
+                </a:ln>
+                <a:solidFill>
+                  <a:srgbClr val="000000"/>
+                </a:solidFill>
+                <a:effectLst/>
+                <a:latin typeface="Courier New" panose="02070309020205020404" pitchFamily="49" charset="0"/>
+                <a:cs typeface="Courier New" panose="02070309020205020404" pitchFamily="49" charset="0"/>
+              </a:rPr>
+              <a:t>numbers.</a:t>
+            </a:r>
+            <a:r>
+              <a:rPr kumimoji="0" lang="en-US" altLang="en-US" sz="1600" b="1" i="0" u="none" strike="noStrike" cap="none" normalizeH="0" baseline="0" dirty="0" err="1">
+                <a:ln>
+                  <a:noFill/>
+                </a:ln>
+                <a:solidFill>
+                  <a:srgbClr val="000000"/>
+                </a:solidFill>
+                <a:effectLst/>
+                <a:latin typeface="Courier New" panose="02070309020205020404" pitchFamily="49" charset="0"/>
+                <a:cs typeface="Courier New" panose="02070309020205020404" pitchFamily="49" charset="0"/>
+              </a:rPr>
+              <a:t>parallelStream</a:t>
+            </a:r>
+            <a:r>
+              <a:rPr kumimoji="0" lang="en-US" altLang="en-US" sz="1600" b="0" i="0" u="none" strike="noStrike" cap="none" normalizeH="0" baseline="0" dirty="0">
+                <a:ln>
+                  <a:noFill/>
+                </a:ln>
+                <a:solidFill>
+                  <a:srgbClr val="000000"/>
+                </a:solidFill>
+                <a:effectLst/>
+                <a:latin typeface="Courier New" panose="02070309020205020404" pitchFamily="49" charset="0"/>
+                <a:cs typeface="Courier New" panose="02070309020205020404" pitchFamily="49" charset="0"/>
+              </a:rPr>
+              <a:t>().sorted().</a:t>
+            </a:r>
+            <a:r>
+              <a:rPr kumimoji="0" lang="en-US" altLang="en-US" sz="1600" b="0" i="0" u="none" strike="noStrike" cap="none" normalizeH="0" baseline="0" dirty="0" err="1">
+                <a:ln>
+                  <a:noFill/>
+                </a:ln>
+                <a:solidFill>
+                  <a:srgbClr val="000000"/>
+                </a:solidFill>
+                <a:effectLst/>
+                <a:latin typeface="Courier New" panose="02070309020205020404" pitchFamily="49" charset="0"/>
+                <a:cs typeface="Courier New" panose="02070309020205020404" pitchFamily="49" charset="0"/>
+              </a:rPr>
               <a:t>forEach</a:t>
             </a:r>
             <a:r>
-              <a:rPr dirty="0"/>
+              <a:rPr kumimoji="0" lang="en-US" altLang="en-US" sz="1600" b="0" i="0" u="none" strike="noStrike" cap="none" normalizeH="0" baseline="0" dirty="0">
+                <a:ln>
+                  <a:noFill/>
+                </a:ln>
+                <a:solidFill>
+                  <a:srgbClr val="000000"/>
+                </a:solidFill>
+                <a:effectLst/>
+                <a:latin typeface="Courier New" panose="02070309020205020404" pitchFamily="49" charset="0"/>
+                <a:cs typeface="Courier New" panose="02070309020205020404" pitchFamily="49" charset="0"/>
+              </a:rPr>
               <a:t>(</a:t>
             </a:r>
             <a:r>
-              <a:rPr dirty="0" err="1"/>
+              <a:rPr kumimoji="0" lang="en-US" altLang="en-US" sz="1600" b="0" i="0" u="none" strike="noStrike" cap="none" normalizeH="0" baseline="0" dirty="0" err="1">
+                <a:ln>
+                  <a:noFill/>
+                </a:ln>
+                <a:solidFill>
+                  <a:srgbClr val="000000"/>
+                </a:solidFill>
+                <a:effectLst/>
+                <a:latin typeface="Courier New" panose="02070309020205020404" pitchFamily="49" charset="0"/>
+                <a:cs typeface="Courier New" panose="02070309020205020404" pitchFamily="49" charset="0"/>
+              </a:rPr>
               <a:t>System.</a:t>
             </a:r>
             <a:r>
-              <a:rPr b="1" i="1" dirty="0" err="1">
+              <a:rPr kumimoji="0" lang="en-US" altLang="en-US" sz="1600" b="1" i="1" u="none" strike="noStrike" cap="none" normalizeH="0" baseline="0" dirty="0" err="1">
+                <a:ln>
+                  <a:noFill/>
+                </a:ln>
                 <a:solidFill>
                   <a:srgbClr val="660E7A"/>
                 </a:solidFill>
+                <a:effectLst/>
+                <a:latin typeface="Courier New" panose="02070309020205020404" pitchFamily="49" charset="0"/>
+                <a:cs typeface="Courier New" panose="02070309020205020404" pitchFamily="49" charset="0"/>
               </a:rPr>
               <a:t>out</a:t>
             </a:r>
             <a:r>
-              <a:rPr dirty="0"/>
+              <a:rPr kumimoji="0" lang="en-US" altLang="en-US" sz="1600" b="0" i="0" u="none" strike="noStrike" cap="none" normalizeH="0" baseline="0" dirty="0">
+                <a:ln>
+                  <a:noFill/>
+                </a:ln>
+                <a:solidFill>
+                  <a:srgbClr val="000000"/>
+                </a:solidFill>
+                <a:effectLst/>
+                <a:latin typeface="Courier New" panose="02070309020205020404" pitchFamily="49" charset="0"/>
+                <a:cs typeface="Courier New" panose="02070309020205020404" pitchFamily="49" charset="0"/>
+              </a:rPr>
               <a:t>::</a:t>
             </a:r>
             <a:r>
-              <a:rPr dirty="0" err="1"/>
+              <a:rPr kumimoji="0" lang="en-US" altLang="en-US" sz="1600" b="0" i="0" u="none" strike="noStrike" cap="none" normalizeH="0" baseline="0" dirty="0" err="1">
+                <a:ln>
+                  <a:noFill/>
+                </a:ln>
+                <a:solidFill>
+                  <a:srgbClr val="000000"/>
+                </a:solidFill>
+                <a:effectLst/>
+                <a:latin typeface="Courier New" panose="02070309020205020404" pitchFamily="49" charset="0"/>
+                <a:cs typeface="Courier New" panose="02070309020205020404" pitchFamily="49" charset="0"/>
+              </a:rPr>
               <a:t>println</a:t>
             </a:r>
             <a:r>
-              <a:rPr dirty="0"/>
+              <a:rPr kumimoji="0" lang="en-US" altLang="en-US" sz="1600" b="0" i="0" u="none" strike="noStrike" cap="none" normalizeH="0" baseline="0" dirty="0">
+                <a:ln>
+                  <a:noFill/>
+                </a:ln>
+                <a:solidFill>
+                  <a:srgbClr val="000000"/>
+                </a:solidFill>
+                <a:effectLst/>
+                <a:latin typeface="Courier New" panose="02070309020205020404" pitchFamily="49" charset="0"/>
+                <a:cs typeface="Courier New" panose="02070309020205020404" pitchFamily="49" charset="0"/>
+              </a:rPr>
               <a:t>);</a:t>
             </a:r>
-            <a:br>
-              <a:rPr dirty="0"/>
-            </a:br>
-            <a:br>
-              <a:rPr dirty="0"/>
-            </a:br>
-            <a:r>
-              <a:rPr i="1" dirty="0">
-                <a:solidFill>
-                  <a:srgbClr val="808080"/>
-                </a:solidFill>
-              </a:rPr>
-              <a:t>// </a:t>
-            </a:r>
-            <a:r>
-              <a:rPr lang="en-IE" i="1" dirty="0">
-                <a:solidFill>
-                  <a:srgbClr val="808080"/>
-                </a:solidFill>
-              </a:rPr>
-              <a:t>parallel</a:t>
-            </a:r>
-            <a:r>
-              <a:rPr i="1" dirty="0">
-                <a:solidFill>
-                  <a:srgbClr val="808080"/>
-                </a:solidFill>
-              </a:rPr>
-              <a:t> </a:t>
-            </a:r>
-            <a:r>
-              <a:rPr i="1" dirty="0" err="1">
-                <a:solidFill>
-                  <a:srgbClr val="808080"/>
-                </a:solidFill>
-              </a:rPr>
-              <a:t>sortin</a:t>
-            </a:r>
-            <a:r>
-              <a:rPr lang="en-IE" i="1" dirty="0">
-                <a:solidFill>
-                  <a:srgbClr val="808080"/>
-                </a:solidFill>
-              </a:rPr>
-              <a:t>g</a:t>
-            </a:r>
-            <a:br>
-              <a:rPr i="1" dirty="0">
-                <a:solidFill>
-                  <a:srgbClr val="808080"/>
-                </a:solidFill>
-              </a:rPr>
-            </a:br>
-            <a:r>
-              <a:rPr dirty="0" err="1"/>
-              <a:t>numbers.parallelStream</a:t>
-            </a:r>
-            <a:r>
-              <a:rPr dirty="0"/>
-              <a:t>()</a:t>
-            </a:r>
-            <a:br>
-              <a:rPr dirty="0"/>
-            </a:br>
-            <a:r>
-              <a:rPr dirty="0"/>
-              <a:t>        .sorted()</a:t>
-            </a:r>
-            <a:br>
-              <a:rPr dirty="0"/>
-            </a:br>
-            <a:r>
-              <a:rPr dirty="0"/>
-              <a:t>        .</a:t>
-            </a:r>
-            <a:r>
-              <a:rPr dirty="0" err="1"/>
-              <a:t>forEach</a:t>
-            </a:r>
-            <a:r>
-              <a:rPr dirty="0"/>
-              <a:t>(</a:t>
-            </a:r>
-            <a:r>
-              <a:rPr dirty="0" err="1"/>
-              <a:t>System.</a:t>
-            </a:r>
-            <a:r>
-              <a:rPr b="1" i="1" dirty="0" err="1">
-                <a:solidFill>
-                  <a:srgbClr val="660E7A"/>
-                </a:solidFill>
-              </a:rPr>
-              <a:t>out</a:t>
-            </a:r>
-            <a:r>
-              <a:rPr dirty="0"/>
-              <a:t>::</a:t>
-            </a:r>
-            <a:r>
-              <a:rPr dirty="0" err="1"/>
-              <a:t>println</a:t>
-            </a:r>
-            <a:r>
-              <a:rPr dirty="0"/>
-              <a:t>);</a:t>
-            </a:r>
-            <a:br>
-              <a:rPr dirty="0"/>
-            </a:br>
-            <a:endParaRPr dirty="0"/>
+            <a:endParaRPr kumimoji="0" lang="en-US" altLang="en-US" sz="1600" b="0" i="0" u="none" strike="noStrike" cap="none" normalizeH="0" baseline="0" dirty="0">
+              <a:ln>
+                <a:noFill/>
+              </a:ln>
+              <a:solidFill>
+                <a:schemeClr val="tx1"/>
+              </a:solidFill>
+              <a:effectLst/>
+              <a:latin typeface="Arial" panose="020B0604020202020204" pitchFamily="34" charset="0"/>
+            </a:endParaRPr>
           </a:p>
         </p:txBody>
       </p:sp>
@@ -10230,10 +10419,204 @@
     <a:masterClrMapping/>
   </p:clrMapOvr>
   <p:transition spd="slow"/>
+  <p:timing>
+    <p:tnLst>
+      <p:par>
+        <p:cTn id="1" dur="indefinite" restart="never" nodeType="tmRoot">
+          <p:childTnLst>
+            <p:seq concurrent="1" nextAc="seek">
+              <p:cTn id="2" dur="indefinite" nodeType="mainSeq">
+                <p:childTnLst>
+                  <p:par>
+                    <p:cTn id="3" fill="hold">
+                      <p:stCondLst>
+                        <p:cond delay="indefinite"/>
+                      </p:stCondLst>
+                      <p:childTnLst>
+                        <p:par>
+                          <p:cTn id="4" fill="hold">
+                            <p:stCondLst>
+                              <p:cond delay="0"/>
+                            </p:stCondLst>
+                            <p:childTnLst>
+                              <p:par>
+                                <p:cTn id="5" presetID="10" presetClass="entr" presetSubtype="0" fill="hold" grpId="0" nodeType="clickEffect">
+                                  <p:stCondLst>
+                                    <p:cond delay="0"/>
+                                  </p:stCondLst>
+                                  <p:childTnLst>
+                                    <p:set>
+                                      <p:cBhvr>
+                                        <p:cTn id="6" dur="1" fill="hold">
+                                          <p:stCondLst>
+                                            <p:cond delay="0"/>
+                                          </p:stCondLst>
+                                        </p:cTn>
+                                        <p:tgtEl>
+                                          <p:spTgt spid="3"/>
+                                        </p:tgtEl>
+                                        <p:attrNameLst>
+                                          <p:attrName>style.visibility</p:attrName>
+                                        </p:attrNameLst>
+                                      </p:cBhvr>
+                                      <p:to>
+                                        <p:strVal val="visible"/>
+                                      </p:to>
+                                    </p:set>
+                                    <p:animEffect transition="in" filter="fade">
+                                      <p:cBhvr>
+                                        <p:cTn id="7" dur="500"/>
+                                        <p:tgtEl>
+                                          <p:spTgt spid="3"/>
+                                        </p:tgtEl>
+                                      </p:cBhvr>
+                                    </p:animEffect>
+                                  </p:childTnLst>
+                                </p:cTn>
+                              </p:par>
+                            </p:childTnLst>
+                          </p:cTn>
+                        </p:par>
+                      </p:childTnLst>
+                    </p:cTn>
+                  </p:par>
+                  <p:par>
+                    <p:cTn id="8" fill="hold">
+                      <p:stCondLst>
+                        <p:cond delay="indefinite"/>
+                      </p:stCondLst>
+                      <p:childTnLst>
+                        <p:par>
+                          <p:cTn id="9" fill="hold">
+                            <p:stCondLst>
+                              <p:cond delay="0"/>
+                            </p:stCondLst>
+                            <p:childTnLst>
+                              <p:par>
+                                <p:cTn id="10" presetID="10" presetClass="entr" presetSubtype="0" fill="hold" grpId="0" nodeType="clickEffect">
+                                  <p:stCondLst>
+                                    <p:cond delay="0"/>
+                                  </p:stCondLst>
+                                  <p:childTnLst>
+                                    <p:set>
+                                      <p:cBhvr>
+                                        <p:cTn id="11" dur="1" fill="hold">
+                                          <p:stCondLst>
+                                            <p:cond delay="0"/>
+                                          </p:stCondLst>
+                                        </p:cTn>
+                                        <p:tgtEl>
+                                          <p:spTgt spid="4"/>
+                                        </p:tgtEl>
+                                        <p:attrNameLst>
+                                          <p:attrName>style.visibility</p:attrName>
+                                        </p:attrNameLst>
+                                      </p:cBhvr>
+                                      <p:to>
+                                        <p:strVal val="visible"/>
+                                      </p:to>
+                                    </p:set>
+                                    <p:animEffect transition="in" filter="fade">
+                                      <p:cBhvr>
+                                        <p:cTn id="12" dur="500"/>
+                                        <p:tgtEl>
+                                          <p:spTgt spid="4"/>
+                                        </p:tgtEl>
+                                      </p:cBhvr>
+                                    </p:animEffect>
+                                  </p:childTnLst>
+                                </p:cTn>
+                              </p:par>
+                            </p:childTnLst>
+                          </p:cTn>
+                        </p:par>
+                      </p:childTnLst>
+                    </p:cTn>
+                  </p:par>
+                  <p:par>
+                    <p:cTn id="13" fill="hold">
+                      <p:stCondLst>
+                        <p:cond delay="indefinite"/>
+                      </p:stCondLst>
+                      <p:childTnLst>
+                        <p:par>
+                          <p:cTn id="14" fill="hold">
+                            <p:stCondLst>
+                              <p:cond delay="0"/>
+                            </p:stCondLst>
+                            <p:childTnLst>
+                              <p:par>
+                                <p:cTn id="15" presetID="10" presetClass="entr" presetSubtype="0" fill="hold" grpId="0" nodeType="clickEffect">
+                                  <p:stCondLst>
+                                    <p:cond delay="0"/>
+                                  </p:stCondLst>
+                                  <p:childTnLst>
+                                    <p:set>
+                                      <p:cBhvr>
+                                        <p:cTn id="16" dur="1" fill="hold">
+                                          <p:stCondLst>
+                                            <p:cond delay="0"/>
+                                          </p:stCondLst>
+                                        </p:cTn>
+                                        <p:tgtEl>
+                                          <p:spTgt spid="5"/>
+                                        </p:tgtEl>
+                                        <p:attrNameLst>
+                                          <p:attrName>style.visibility</p:attrName>
+                                        </p:attrNameLst>
+                                      </p:cBhvr>
+                                      <p:to>
+                                        <p:strVal val="visible"/>
+                                      </p:to>
+                                    </p:set>
+                                    <p:animEffect transition="in" filter="fade">
+                                      <p:cBhvr>
+                                        <p:cTn id="17" dur="500"/>
+                                        <p:tgtEl>
+                                          <p:spTgt spid="5"/>
+                                        </p:tgtEl>
+                                      </p:cBhvr>
+                                    </p:animEffect>
+                                  </p:childTnLst>
+                                </p:cTn>
+                              </p:par>
+                            </p:childTnLst>
+                          </p:cTn>
+                        </p:par>
+                      </p:childTnLst>
+                    </p:cTn>
+                  </p:par>
+                </p:childTnLst>
+              </p:cTn>
+              <p:prevCondLst>
+                <p:cond evt="onPrev" delay="0">
+                  <p:tgtEl>
+                    <p:sldTgt/>
+                  </p:tgtEl>
+                </p:cond>
+              </p:prevCondLst>
+              <p:nextCondLst>
+                <p:cond evt="onNext" delay="0">
+                  <p:tgtEl>
+                    <p:sldTgt/>
+                  </p:tgtEl>
+                </p:cond>
+              </p:nextCondLst>
+            </p:seq>
+          </p:childTnLst>
+        </p:cTn>
+      </p:par>
+    </p:tnLst>
+    <p:bldLst>
+      <p:bldP spid="3" grpId="0" animBg="1"/>
+      <p:bldP spid="4" grpId="0" animBg="1"/>
+      <p:bldP spid="5" grpId="0" animBg="1"/>
+    </p:bldLst>
+  </p:timing>
 </p:sld>
 </file>
 
-<file path=ppt/slides/slide27.xml><?xml version="1.0" encoding="utf-8"?>
+<file path=ppt/slides/slide25.xml><?xml version="1.0" encoding="utf-8"?>
 <p:sld xmlns:a="http://schemas.openxmlformats.org/drawingml/2006/main" xmlns:r="http://schemas.openxmlformats.org/officeDocument/2006/relationships" xmlns:p="http://schemas.openxmlformats.org/presentationml/2006/main">
   <p:cSld>
     <p:spTree>
@@ -10311,7 +10694,7 @@
           </a:ln>
           <a:extLst>
             <a:ext uri="{C572A759-6A51-4108-AA02-DFA0A04FC94B}">
-              <ma14:wrappingTextBoxFlag xmlns:ma14="http://schemas.microsoft.com/office/mac/drawingml/2011/main" xmlns="" val="1"/>
+              <ma14:wrappingTextBoxFlag xmlns="" xmlns:ma14="http://schemas.microsoft.com/office/mac/drawingml/2011/main" val="1"/>
             </a:ext>
           </a:extLst>
         </p:spPr>
@@ -10561,7 +10944,7 @@
           </a:ln>
           <a:extLst>
             <a:ext uri="{C572A759-6A51-4108-AA02-DFA0A04FC94B}">
-              <ma14:wrappingTextBoxFlag xmlns:ma14="http://schemas.microsoft.com/office/mac/drawingml/2011/main" xmlns="" val="1"/>
+              <ma14:wrappingTextBoxFlag xmlns="" xmlns:ma14="http://schemas.microsoft.com/office/mac/drawingml/2011/main" val="1"/>
             </a:ext>
           </a:extLst>
         </p:spPr>
@@ -11120,7 +11503,7 @@
 </p:sld>
 </file>
 
-<file path=ppt/slides/slide28.xml><?xml version="1.0" encoding="utf-8"?>
+<file path=ppt/slides/slide26.xml><?xml version="1.0" encoding="utf-8"?>
 <p:sld xmlns:a="http://schemas.openxmlformats.org/drawingml/2006/main" xmlns:r="http://schemas.openxmlformats.org/officeDocument/2006/relationships" xmlns:p="http://schemas.openxmlformats.org/presentationml/2006/main">
   <p:cSld>
     <p:spTree>
@@ -11214,198 +11597,7 @@
 </p:sld>
 </file>
 
-<file path=ppt/slides/slide29.xml><?xml version="1.0" encoding="utf-8"?>
-<p:sld xmlns:a="http://schemas.openxmlformats.org/drawingml/2006/main" xmlns:r="http://schemas.openxmlformats.org/officeDocument/2006/relationships" xmlns:p="http://schemas.openxmlformats.org/presentationml/2006/main">
-  <p:cSld>
-    <p:spTree>
-      <p:nvGrpSpPr>
-        <p:cNvPr id="1" name=""/>
-        <p:cNvGrpSpPr/>
-        <p:nvPr/>
-      </p:nvGrpSpPr>
-      <p:grpSpPr>
-        <a:xfrm>
-          <a:off x="0" y="0"/>
-          <a:ext cx="0" cy="0"/>
-          <a:chOff x="0" y="0"/>
-          <a:chExt cx="0" cy="0"/>
-        </a:xfrm>
-      </p:grpSpPr>
-      <p:sp>
-        <p:nvSpPr>
-          <p:cNvPr id="278" name="Shape 278"/>
-          <p:cNvSpPr>
-            <a:spLocks noGrp="1"/>
-          </p:cNvSpPr>
-          <p:nvPr>
-            <p:ph type="body" sz="quarter" idx="1"/>
-          </p:nvPr>
-        </p:nvSpPr>
-        <p:spPr>
-          <a:xfrm>
-            <a:off x="710872" y="831563"/>
-            <a:ext cx="7998646" cy="472528"/>
-          </a:xfrm>
-          <a:prstGeom prst="rect">
-            <a:avLst/>
-          </a:prstGeom>
-        </p:spPr>
-        <p:txBody>
-          <a:bodyPr>
-            <a:noAutofit/>
-          </a:bodyPr>
-          <a:lstStyle>
-            <a:lvl1pPr defTabSz="594359">
-              <a:spcBef>
-                <a:spcPts val="600"/>
-              </a:spcBef>
-              <a:defRPr sz="2600"/>
-            </a:lvl1pPr>
-          </a:lstStyle>
-          <a:p>
-            <a:r>
-              <a:rPr sz="4000" dirty="0"/>
-              <a:t>Mutation Anti Pattern</a:t>
-            </a:r>
-          </a:p>
-        </p:txBody>
-      </p:sp>
-      <p:pic>
-        <p:nvPicPr>
-          <p:cNvPr id="279" name="image15.jpeg"/>
-          <p:cNvPicPr>
-            <a:picLocks noChangeAspect="1"/>
-          </p:cNvPicPr>
-          <p:nvPr/>
-        </p:nvPicPr>
-        <p:blipFill>
-          <a:blip r:embed="rId2">
-            <a:extLst/>
-          </a:blip>
-          <a:stretch>
-            <a:fillRect/>
-          </a:stretch>
-        </p:blipFill>
-        <p:spPr>
-          <a:xfrm>
-            <a:off x="1008295" y="2048979"/>
-            <a:ext cx="5824021" cy="3287754"/>
-          </a:xfrm>
-          <a:prstGeom prst="rect">
-            <a:avLst/>
-          </a:prstGeom>
-          <a:ln w="12700">
-            <a:miter lim="400000"/>
-          </a:ln>
-        </p:spPr>
-      </p:pic>
-    </p:spTree>
-  </p:cSld>
-  <p:clrMapOvr>
-    <a:masterClrMapping/>
-  </p:clrMapOvr>
-  <p:transition spd="slow"/>
-</p:sld>
-</file>
-
-<file path=ppt/slides/slide3.xml><?xml version="1.0" encoding="utf-8"?>
-<p:sld xmlns:a="http://schemas.openxmlformats.org/drawingml/2006/main" xmlns:r="http://schemas.openxmlformats.org/officeDocument/2006/relationships" xmlns:p="http://schemas.openxmlformats.org/presentationml/2006/main">
-  <p:cSld>
-    <p:spTree>
-      <p:nvGrpSpPr>
-        <p:cNvPr id="1" name=""/>
-        <p:cNvGrpSpPr/>
-        <p:nvPr/>
-      </p:nvGrpSpPr>
-      <p:grpSpPr>
-        <a:xfrm>
-          <a:off x="0" y="0"/>
-          <a:ext cx="0" cy="0"/>
-          <a:chOff x="0" y="0"/>
-          <a:chExt cx="0" cy="0"/>
-        </a:xfrm>
-      </p:grpSpPr>
-      <p:sp>
-        <p:nvSpPr>
-          <p:cNvPr id="154" name="Shape 154"/>
-          <p:cNvSpPr>
-            <a:spLocks noGrp="1"/>
-          </p:cNvSpPr>
-          <p:nvPr>
-            <p:ph type="body" sz="quarter" idx="1"/>
-          </p:nvPr>
-        </p:nvSpPr>
-        <p:spPr>
-          <a:xfrm>
-            <a:off x="810665" y="801523"/>
-            <a:ext cx="7998646" cy="472529"/>
-          </a:xfrm>
-          <a:prstGeom prst="rect">
-            <a:avLst/>
-          </a:prstGeom>
-        </p:spPr>
-        <p:txBody>
-          <a:bodyPr>
-            <a:noAutofit/>
-          </a:bodyPr>
-          <a:lstStyle/>
-          <a:p>
-            <a:pPr defTabSz="594359">
-              <a:spcBef>
-                <a:spcPts val="600"/>
-              </a:spcBef>
-              <a:defRPr sz="2600" b="1"/>
-            </a:pPr>
-            <a:r>
-              <a:rPr sz="4400" dirty="0"/>
-              <a:t>λ</a:t>
-            </a:r>
-            <a:r>
-              <a:rPr sz="4400" b="0" dirty="0"/>
-              <a:t> Expression</a:t>
-            </a:r>
-          </a:p>
-        </p:txBody>
-      </p:sp>
-      <p:pic>
-        <p:nvPicPr>
-          <p:cNvPr id="155" name="image4.png"/>
-          <p:cNvPicPr>
-            <a:picLocks noChangeAspect="1"/>
-          </p:cNvPicPr>
-          <p:nvPr/>
-        </p:nvPicPr>
-        <p:blipFill>
-          <a:blip r:embed="rId3">
-            <a:extLst/>
-          </a:blip>
-          <a:stretch>
-            <a:fillRect/>
-          </a:stretch>
-        </p:blipFill>
-        <p:spPr>
-          <a:xfrm>
-            <a:off x="1055213" y="2388945"/>
-            <a:ext cx="7291345" cy="2342356"/>
-          </a:xfrm>
-          <a:prstGeom prst="rect">
-            <a:avLst/>
-          </a:prstGeom>
-          <a:ln w="12700">
-            <a:miter lim="400000"/>
-          </a:ln>
-        </p:spPr>
-      </p:pic>
-    </p:spTree>
-  </p:cSld>
-  <p:clrMapOvr>
-    <a:masterClrMapping/>
-  </p:clrMapOvr>
-  <p:transition spd="slow"/>
-</p:sld>
-</file>
-
-<file path=ppt/slides/slide30.xml><?xml version="1.0" encoding="utf-8"?>
+<file path=ppt/slides/slide27.xml><?xml version="1.0" encoding="utf-8"?>
 <p:sld xmlns:a="http://schemas.openxmlformats.org/drawingml/2006/main" xmlns:r="http://schemas.openxmlformats.org/officeDocument/2006/relationships" xmlns:p="http://schemas.openxmlformats.org/presentationml/2006/main">
   <p:cSld>
     <p:spTree>
@@ -11480,7 +11672,7 @@
           </a:ln>
           <a:extLst>
             <a:ext uri="{C572A759-6A51-4108-AA02-DFA0A04FC94B}">
-              <ma14:wrappingTextBoxFlag xmlns:ma14="http://schemas.microsoft.com/office/mac/drawingml/2011/main" xmlns="" val="1"/>
+              <ma14:wrappingTextBoxFlag xmlns="" xmlns:ma14="http://schemas.microsoft.com/office/mac/drawingml/2011/main" val="1"/>
             </a:ext>
           </a:extLst>
         </p:spPr>
@@ -11831,7 +12023,7 @@
           </a:ln>
           <a:extLst>
             <a:ext uri="{C572A759-6A51-4108-AA02-DFA0A04FC94B}">
-              <ma14:wrappingTextBoxFlag xmlns:ma14="http://schemas.microsoft.com/office/mac/drawingml/2011/main" xmlns="" val="1"/>
+              <ma14:wrappingTextBoxFlag xmlns="" xmlns:ma14="http://schemas.microsoft.com/office/mac/drawingml/2011/main" val="1"/>
             </a:ext>
           </a:extLst>
         </p:spPr>
@@ -11853,26 +12045,61 @@
               </a:defRPr>
             </a:pPr>
             <a:r>
+              <a:rPr dirty="0"/>
               <a:t>//immutable sort, good practice</a:t>
             </a:r>
-            <a:br/>
-            <a:r>
-              <a:rPr i="0">
-                <a:solidFill>
-                  <a:srgbClr val="000000"/>
-                </a:solidFill>
-              </a:rPr>
-              <a:t>List&lt;Person&gt; sortedPersons = persons.stream()</a:t>
-            </a:r>
             <a:br>
-              <a:rPr i="0">
-                <a:solidFill>
-                  <a:srgbClr val="000000"/>
-                </a:solidFill>
-              </a:rPr>
+              <a:rPr dirty="0"/>
             </a:br>
             <a:r>
-              <a:rPr i="0">
+              <a:rPr i="0" dirty="0">
+                <a:solidFill>
+                  <a:srgbClr val="000000"/>
+                </a:solidFill>
+              </a:rPr>
+              <a:t>List&lt;Person&gt; </a:t>
+            </a:r>
+            <a:r>
+              <a:rPr i="0" dirty="0" err="1">
+                <a:solidFill>
+                  <a:srgbClr val="000000"/>
+                </a:solidFill>
+              </a:rPr>
+              <a:t>sortedPersons</a:t>
+            </a:r>
+            <a:r>
+              <a:rPr i="0" dirty="0">
+                <a:solidFill>
+                  <a:srgbClr val="000000"/>
+                </a:solidFill>
+              </a:rPr>
+              <a:t> = </a:t>
+            </a:r>
+            <a:r>
+              <a:rPr i="0" dirty="0" err="1">
+                <a:solidFill>
+                  <a:srgbClr val="000000"/>
+                </a:solidFill>
+              </a:rPr>
+              <a:t>persons.stream</a:t>
+            </a:r>
+            <a:r>
+              <a:rPr i="0" dirty="0">
+                <a:solidFill>
+                  <a:srgbClr val="000000"/>
+                </a:solidFill>
+              </a:rPr>
+              <a:t>()</a:t>
+            </a:r>
+            <a:br>
+              <a:rPr i="0" dirty="0">
+                <a:solidFill>
+                  <a:srgbClr val="000000"/>
+                </a:solidFill>
+              </a:rPr>
+            </a:br>
+            <a:r>
+              <a:rPr i="0" dirty="0">
                 <a:solidFill>
                   <a:srgbClr val="000000"/>
                 </a:solidFill>
@@ -11880,7 +12107,7 @@
               <a:t>        .sorted((p1, p2) -&gt; (p1.getAge() - p2.getAge() &gt; </a:t>
             </a:r>
             <a:r>
-              <a:rPr i="0">
+              <a:rPr i="0" dirty="0">
                 <a:solidFill>
                   <a:srgbClr val="0000FF"/>
                 </a:solidFill>
@@ -11888,7 +12115,7 @@
               <a:t>0 </a:t>
             </a:r>
             <a:r>
-              <a:rPr i="0">
+              <a:rPr i="0" dirty="0">
                 <a:solidFill>
                   <a:srgbClr val="000000"/>
                 </a:solidFill>
@@ -11896,7 +12123,7 @@
               <a:t>? </a:t>
             </a:r>
             <a:r>
-              <a:rPr i="0">
+              <a:rPr i="0" dirty="0">
                 <a:solidFill>
                   <a:srgbClr val="0000FF"/>
                 </a:solidFill>
@@ -11904,7 +12131,7 @@
               <a:t>1 </a:t>
             </a:r>
             <a:r>
-              <a:rPr i="0">
+              <a:rPr i="0" dirty="0">
                 <a:solidFill>
                   <a:srgbClr val="000000"/>
                 </a:solidFill>
@@ -11912,7 +12139,7 @@
               <a:t>: -</a:t>
             </a:r>
             <a:r>
-              <a:rPr i="0">
+              <a:rPr i="0" dirty="0">
                 <a:solidFill>
                   <a:srgbClr val="0000FF"/>
                 </a:solidFill>
@@ -11920,7 +12147,7 @@
               <a:t>1</a:t>
             </a:r>
             <a:r>
-              <a:rPr i="0">
+              <a:rPr i="0" dirty="0">
                 <a:solidFill>
                   <a:srgbClr val="000000"/>
                 </a:solidFill>
@@ -11928,22 +12155,30 @@
               <a:t>))</a:t>
             </a:r>
             <a:br>
-              <a:rPr i="0">
+              <a:rPr i="0" dirty="0">
                 <a:solidFill>
                   <a:srgbClr val="000000"/>
                 </a:solidFill>
               </a:rPr>
             </a:br>
             <a:r>
-              <a:rPr i="0">
-                <a:solidFill>
-                  <a:srgbClr val="000000"/>
-                </a:solidFill>
-              </a:rPr>
-              <a:t>        .collect(Collectors.</a:t>
-            </a:r>
-            <a:r>
-              <a:rPr>
+              <a:rPr i="0" dirty="0">
+                <a:solidFill>
+                  <a:srgbClr val="000000"/>
+                </a:solidFill>
+              </a:rPr>
+              <a:t>        .collect(</a:t>
+            </a:r>
+            <a:r>
+              <a:rPr i="0" dirty="0" err="1">
+                <a:solidFill>
+                  <a:srgbClr val="000000"/>
+                </a:solidFill>
+              </a:rPr>
+              <a:t>Collectors.</a:t>
+            </a:r>
+            <a:r>
+              <a:rPr dirty="0" err="1">
                 <a:solidFill>
                   <a:srgbClr val="000000"/>
                 </a:solidFill>
@@ -11951,7 +12186,7 @@
               <a:t>toList</a:t>
             </a:r>
             <a:r>
-              <a:rPr i="0">
+              <a:rPr i="0" dirty="0">
                 <a:solidFill>
                   <a:srgbClr val="000000"/>
                 </a:solidFill>
@@ -11959,13 +12194,13 @@
               <a:t>());</a:t>
             </a:r>
             <a:br>
-              <a:rPr i="0">
+              <a:rPr i="0" dirty="0">
                 <a:solidFill>
                   <a:srgbClr val="000000"/>
                 </a:solidFill>
               </a:rPr>
             </a:br>
-            <a:endParaRPr i="0">
+            <a:endParaRPr i="0" dirty="0">
               <a:solidFill>
                 <a:srgbClr val="000000"/>
               </a:solidFill>
@@ -12024,7 +12259,7 @@
           </a:ln>
           <a:extLst>
             <a:ext uri="{C572A759-6A51-4108-AA02-DFA0A04FC94B}">
-              <ma14:wrappingTextBoxFlag xmlns:ma14="http://schemas.microsoft.com/office/mac/drawingml/2011/main" xmlns="" val="1"/>
+              <ma14:wrappingTextBoxFlag xmlns="" xmlns:ma14="http://schemas.microsoft.com/office/mac/drawingml/2011/main" val="1"/>
             </a:ext>
           </a:extLst>
         </p:spPr>
@@ -12046,26 +12281,61 @@
               </a:defRPr>
             </a:pPr>
             <a:r>
+              <a:rPr dirty="0"/>
               <a:t>//immutable sort, good practice</a:t>
             </a:r>
-            <a:br/>
-            <a:r>
-              <a:rPr i="0">
-                <a:solidFill>
-                  <a:srgbClr val="000000"/>
-                </a:solidFill>
-              </a:rPr>
-              <a:t>Person[] sortedPersons = persons.stream()</a:t>
-            </a:r>
             <a:br>
-              <a:rPr i="0">
-                <a:solidFill>
-                  <a:srgbClr val="000000"/>
-                </a:solidFill>
-              </a:rPr>
+              <a:rPr dirty="0"/>
             </a:br>
             <a:r>
-              <a:rPr i="0">
+              <a:rPr i="0" dirty="0">
+                <a:solidFill>
+                  <a:srgbClr val="000000"/>
+                </a:solidFill>
+              </a:rPr>
+              <a:t>Person[] </a:t>
+            </a:r>
+            <a:r>
+              <a:rPr i="0" dirty="0" err="1">
+                <a:solidFill>
+                  <a:srgbClr val="000000"/>
+                </a:solidFill>
+              </a:rPr>
+              <a:t>sortedPersons</a:t>
+            </a:r>
+            <a:r>
+              <a:rPr i="0" dirty="0">
+                <a:solidFill>
+                  <a:srgbClr val="000000"/>
+                </a:solidFill>
+              </a:rPr>
+              <a:t> = </a:t>
+            </a:r>
+            <a:r>
+              <a:rPr i="0" dirty="0" err="1">
+                <a:solidFill>
+                  <a:srgbClr val="000000"/>
+                </a:solidFill>
+              </a:rPr>
+              <a:t>persons.stream</a:t>
+            </a:r>
+            <a:r>
+              <a:rPr i="0" dirty="0">
+                <a:solidFill>
+                  <a:srgbClr val="000000"/>
+                </a:solidFill>
+              </a:rPr>
+              <a:t>()</a:t>
+            </a:r>
+            <a:br>
+              <a:rPr i="0" dirty="0">
+                <a:solidFill>
+                  <a:srgbClr val="000000"/>
+                </a:solidFill>
+              </a:rPr>
+            </a:br>
+            <a:r>
+              <a:rPr i="0" dirty="0">
                 <a:solidFill>
                   <a:srgbClr val="000000"/>
                 </a:solidFill>
@@ -12073,7 +12343,7 @@
               <a:t>        .sorted((p1, p2) -&gt; (p1.getAge() - p2.getAge() &gt; </a:t>
             </a:r>
             <a:r>
-              <a:rPr i="0">
+              <a:rPr i="0" dirty="0">
                 <a:solidFill>
                   <a:srgbClr val="0000FF"/>
                 </a:solidFill>
@@ -12081,7 +12351,7 @@
               <a:t>0 </a:t>
             </a:r>
             <a:r>
-              <a:rPr i="0">
+              <a:rPr i="0" dirty="0">
                 <a:solidFill>
                   <a:srgbClr val="000000"/>
                 </a:solidFill>
@@ -12089,7 +12359,7 @@
               <a:t>? </a:t>
             </a:r>
             <a:r>
-              <a:rPr i="0">
+              <a:rPr i="0" dirty="0">
                 <a:solidFill>
                   <a:srgbClr val="0000FF"/>
                 </a:solidFill>
@@ -12097,7 +12367,7 @@
               <a:t>1 </a:t>
             </a:r>
             <a:r>
-              <a:rPr i="0">
+              <a:rPr i="0" dirty="0">
                 <a:solidFill>
                   <a:srgbClr val="000000"/>
                 </a:solidFill>
@@ -12105,7 +12375,7 @@
               <a:t>: -</a:t>
             </a:r>
             <a:r>
-              <a:rPr i="0">
+              <a:rPr i="0" dirty="0">
                 <a:solidFill>
                   <a:srgbClr val="0000FF"/>
                 </a:solidFill>
@@ -12113,7 +12383,7 @@
               <a:t>1</a:t>
             </a:r>
             <a:r>
-              <a:rPr i="0">
+              <a:rPr i="0" dirty="0">
                 <a:solidFill>
                   <a:srgbClr val="000000"/>
                 </a:solidFill>
@@ -12121,28 +12391,44 @@
               <a:t>))</a:t>
             </a:r>
             <a:br>
-              <a:rPr i="0">
+              <a:rPr i="0" dirty="0">
                 <a:solidFill>
                   <a:srgbClr val="000000"/>
                 </a:solidFill>
               </a:rPr>
             </a:br>
             <a:r>
-              <a:rPr i="0">
-                <a:solidFill>
-                  <a:srgbClr val="000000"/>
-                </a:solidFill>
-              </a:rPr>
-              <a:t>        .toArray(Person[]::new));</a:t>
+              <a:rPr i="0" dirty="0">
+                <a:solidFill>
+                  <a:srgbClr val="000000"/>
+                </a:solidFill>
+              </a:rPr>
+              <a:t>        .</a:t>
+            </a:r>
+            <a:r>
+              <a:rPr i="0" dirty="0" err="1">
+                <a:solidFill>
+                  <a:srgbClr val="000000"/>
+                </a:solidFill>
+              </a:rPr>
+              <a:t>toArray</a:t>
+            </a:r>
+            <a:r>
+              <a:rPr i="0" dirty="0">
+                <a:solidFill>
+                  <a:srgbClr val="000000"/>
+                </a:solidFill>
+              </a:rPr>
+              <a:t>(Person[]::new));</a:t>
             </a:r>
             <a:br>
-              <a:rPr i="0">
+              <a:rPr i="0" dirty="0">
                 <a:solidFill>
                   <a:srgbClr val="000000"/>
                 </a:solidFill>
               </a:rPr>
             </a:br>
-            <a:endParaRPr i="0">
+            <a:endParaRPr i="0" dirty="0">
               <a:solidFill>
                 <a:srgbClr val="000000"/>
               </a:solidFill>
@@ -12414,7 +12700,7 @@
 </p:sld>
 </file>
 
-<file path=ppt/slides/slide31.xml><?xml version="1.0" encoding="utf-8"?>
+<file path=ppt/slides/slide28.xml><?xml version="1.0" encoding="utf-8"?>
 <p:sld xmlns:a="http://schemas.openxmlformats.org/drawingml/2006/main" xmlns:r="http://schemas.openxmlformats.org/officeDocument/2006/relationships" xmlns:p="http://schemas.openxmlformats.org/presentationml/2006/main">
   <p:cSld>
     <p:spTree>
@@ -12490,7 +12776,7 @@
           </a:prstGeom>
           <a:extLst>
             <a:ext uri="{C572A759-6A51-4108-AA02-DFA0A04FC94B}">
-              <ma14:wrappingTextBoxFlag xmlns:ma14="http://schemas.microsoft.com/office/mac/drawingml/2011/main" xmlns="" val="1"/>
+              <ma14:wrappingTextBoxFlag xmlns="" xmlns:ma14="http://schemas.microsoft.com/office/mac/drawingml/2011/main" val="1"/>
             </a:ext>
           </a:extLst>
         </p:spPr>
@@ -12604,7 +12890,7 @@
 </p:sld>
 </file>
 
-<file path=ppt/slides/slide32.xml><?xml version="1.0" encoding="utf-8"?>
+<file path=ppt/slides/slide29.xml><?xml version="1.0" encoding="utf-8"?>
 <p:sld xmlns:a="http://schemas.openxmlformats.org/drawingml/2006/main" xmlns:r="http://schemas.openxmlformats.org/officeDocument/2006/relationships" xmlns:p="http://schemas.openxmlformats.org/presentationml/2006/main">
   <p:cSld>
     <p:spTree>
@@ -12698,7 +12984,104 @@
 </p:sld>
 </file>
 
-<file path=ppt/slides/slide33.xml><?xml version="1.0" encoding="utf-8"?>
+<file path=ppt/slides/slide3.xml><?xml version="1.0" encoding="utf-8"?>
+<p:sld xmlns:a="http://schemas.openxmlformats.org/drawingml/2006/main" xmlns:r="http://schemas.openxmlformats.org/officeDocument/2006/relationships" xmlns:p="http://schemas.openxmlformats.org/presentationml/2006/main">
+  <p:cSld>
+    <p:spTree>
+      <p:nvGrpSpPr>
+        <p:cNvPr id="1" name=""/>
+        <p:cNvGrpSpPr/>
+        <p:nvPr/>
+      </p:nvGrpSpPr>
+      <p:grpSpPr>
+        <a:xfrm>
+          <a:off x="0" y="0"/>
+          <a:ext cx="0" cy="0"/>
+          <a:chOff x="0" y="0"/>
+          <a:chExt cx="0" cy="0"/>
+        </a:xfrm>
+      </p:grpSpPr>
+      <p:sp>
+        <p:nvSpPr>
+          <p:cNvPr id="154" name="Shape 154"/>
+          <p:cNvSpPr>
+            <a:spLocks noGrp="1"/>
+          </p:cNvSpPr>
+          <p:nvPr>
+            <p:ph type="body" sz="quarter" idx="1"/>
+          </p:nvPr>
+        </p:nvSpPr>
+        <p:spPr>
+          <a:xfrm>
+            <a:off x="810665" y="801523"/>
+            <a:ext cx="7998646" cy="472529"/>
+          </a:xfrm>
+          <a:prstGeom prst="rect">
+            <a:avLst/>
+          </a:prstGeom>
+        </p:spPr>
+        <p:txBody>
+          <a:bodyPr>
+            <a:noAutofit/>
+          </a:bodyPr>
+          <a:lstStyle/>
+          <a:p>
+            <a:pPr defTabSz="594359">
+              <a:spcBef>
+                <a:spcPts val="600"/>
+              </a:spcBef>
+              <a:defRPr sz="2600" b="1"/>
+            </a:pPr>
+            <a:r>
+              <a:rPr sz="4400" dirty="0"/>
+              <a:t>λ</a:t>
+            </a:r>
+            <a:r>
+              <a:rPr sz="4400" b="0" dirty="0"/>
+              <a:t> Expression</a:t>
+            </a:r>
+          </a:p>
+        </p:txBody>
+      </p:sp>
+      <p:pic>
+        <p:nvPicPr>
+          <p:cNvPr id="155" name="image4.png"/>
+          <p:cNvPicPr>
+            <a:picLocks noChangeAspect="1"/>
+          </p:cNvPicPr>
+          <p:nvPr/>
+        </p:nvPicPr>
+        <p:blipFill>
+          <a:blip r:embed="rId3">
+            <a:extLst/>
+          </a:blip>
+          <a:stretch>
+            <a:fillRect/>
+          </a:stretch>
+        </p:blipFill>
+        <p:spPr>
+          <a:xfrm>
+            <a:off x="1055213" y="2388945"/>
+            <a:ext cx="7291345" cy="2342356"/>
+          </a:xfrm>
+          <a:prstGeom prst="rect">
+            <a:avLst/>
+          </a:prstGeom>
+          <a:ln w="12700">
+            <a:miter lim="400000"/>
+          </a:ln>
+        </p:spPr>
+      </p:pic>
+    </p:spTree>
+  </p:cSld>
+  <p:clrMapOvr>
+    <a:masterClrMapping/>
+  </p:clrMapOvr>
+  <p:transition spd="slow"/>
+</p:sld>
+</file>
+
+<file path=ppt/slides/slide30.xml><?xml version="1.0" encoding="utf-8"?>
 <p:sld xmlns:a="http://schemas.openxmlformats.org/drawingml/2006/main" xmlns:r="http://schemas.openxmlformats.org/officeDocument/2006/relationships" xmlns:p="http://schemas.openxmlformats.org/presentationml/2006/main">
   <p:cSld>
     <p:spTree>
@@ -12792,7 +13175,7 @@
 </p:sld>
 </file>
 
-<file path=ppt/slides/slide34.xml><?xml version="1.0" encoding="utf-8"?>
+<file path=ppt/slides/slide31.xml><?xml version="1.0" encoding="utf-8"?>
 <p:sld xmlns:a="http://schemas.openxmlformats.org/drawingml/2006/main" xmlns:r="http://schemas.openxmlformats.org/officeDocument/2006/relationships" xmlns:p="http://schemas.openxmlformats.org/presentationml/2006/main">
   <p:cSld>
     <p:spTree>
@@ -12883,7 +13266,7 @@
 </p:sld>
 </file>
 
-<file path=ppt/slides/slide35.xml><?xml version="1.0" encoding="utf-8"?>
+<file path=ppt/slides/slide32.xml><?xml version="1.0" encoding="utf-8"?>
 <p:sld xmlns:a="http://schemas.openxmlformats.org/drawingml/2006/main" xmlns:r="http://schemas.openxmlformats.org/officeDocument/2006/relationships" xmlns:p="http://schemas.openxmlformats.org/presentationml/2006/main">
   <p:cSld>
     <p:spTree>
@@ -12974,7 +13357,7 @@
 </p:sld>
 </file>
 
-<file path=ppt/slides/slide36.xml><?xml version="1.0" encoding="utf-8"?>
+<file path=ppt/slides/slide33.xml><?xml version="1.0" encoding="utf-8"?>
 <p:sld xmlns:a="http://schemas.openxmlformats.org/drawingml/2006/main" xmlns:r="http://schemas.openxmlformats.org/officeDocument/2006/relationships" xmlns:p="http://schemas.openxmlformats.org/presentationml/2006/main">
   <p:cSld>
     <p:spTree>
@@ -13049,7 +13432,7 @@
           </a:ln>
           <a:extLst>
             <a:ext uri="{C572A759-6A51-4108-AA02-DFA0A04FC94B}">
-              <ma14:wrappingTextBoxFlag xmlns:ma14="http://schemas.microsoft.com/office/mac/drawingml/2011/main" xmlns="" val="1"/>
+              <ma14:wrappingTextBoxFlag xmlns="" xmlns:ma14="http://schemas.microsoft.com/office/mac/drawingml/2011/main" val="1"/>
             </a:ext>
           </a:extLst>
         </p:spPr>
@@ -13165,7 +13548,7 @@
 </p:sld>
 </file>
 
-<file path=ppt/slides/slide37.xml><?xml version="1.0" encoding="utf-8"?>
+<file path=ppt/slides/slide34.xml><?xml version="1.0" encoding="utf-8"?>
 <p:sld xmlns:a="http://schemas.openxmlformats.org/drawingml/2006/main" xmlns:r="http://schemas.openxmlformats.org/officeDocument/2006/relationships" xmlns:p="http://schemas.openxmlformats.org/presentationml/2006/main">
   <p:cSld>
     <p:spTree>
@@ -13243,7 +13626,7 @@
           </a:ln>
           <a:extLst>
             <a:ext uri="{C572A759-6A51-4108-AA02-DFA0A04FC94B}">
-              <ma14:wrappingTextBoxFlag xmlns:ma14="http://schemas.microsoft.com/office/mac/drawingml/2011/main" xmlns="" val="1"/>
+              <ma14:wrappingTextBoxFlag xmlns="" xmlns:ma14="http://schemas.microsoft.com/office/mac/drawingml/2011/main" val="1"/>
             </a:ext>
           </a:extLst>
         </p:spPr>
@@ -14142,7 +14525,7 @@
 </p:sld>
 </file>
 
-<file path=ppt/slides/slide38.xml><?xml version="1.0" encoding="utf-8"?>
+<file path=ppt/slides/slide35.xml><?xml version="1.0" encoding="utf-8"?>
 <p:sld xmlns:a="http://schemas.openxmlformats.org/drawingml/2006/main" xmlns:r="http://schemas.openxmlformats.org/officeDocument/2006/relationships" xmlns:p="http://schemas.openxmlformats.org/presentationml/2006/main">
   <p:cSld>
     <p:spTree>
@@ -14220,7 +14603,7 @@
           </a:ln>
           <a:extLst>
             <a:ext uri="{C572A759-6A51-4108-AA02-DFA0A04FC94B}">
-              <ma14:wrappingTextBoxFlag xmlns:ma14="http://schemas.microsoft.com/office/mac/drawingml/2011/main" xmlns="" val="1"/>
+              <ma14:wrappingTextBoxFlag xmlns="" xmlns:ma14="http://schemas.microsoft.com/office/mac/drawingml/2011/main" val="1"/>
             </a:ext>
           </a:extLst>
         </p:spPr>
@@ -15418,7 +15801,7 @@
 </p:sld>
 </file>
 
-<file path=ppt/slides/slide39.xml><?xml version="1.0" encoding="utf-8"?>
+<file path=ppt/slides/slide36.xml><?xml version="1.0" encoding="utf-8"?>
 <p:sld xmlns:a="http://schemas.openxmlformats.org/drawingml/2006/main" xmlns:r="http://schemas.openxmlformats.org/officeDocument/2006/relationships" xmlns:p="http://schemas.openxmlformats.org/presentationml/2006/main">
   <p:cSld>
     <p:spTree>
@@ -15493,7 +15876,7 @@
           </a:ln>
           <a:extLst>
             <a:ext uri="{C572A759-6A51-4108-AA02-DFA0A04FC94B}">
-              <ma14:wrappingTextBoxFlag xmlns:ma14="http://schemas.microsoft.com/office/mac/drawingml/2011/main" xmlns="" val="1"/>
+              <ma14:wrappingTextBoxFlag xmlns="" xmlns:ma14="http://schemas.microsoft.com/office/mac/drawingml/2011/main" val="1"/>
             </a:ext>
           </a:extLst>
         </p:spPr>
@@ -15692,6 +16075,1064 @@
             <a:r>
               <a:rPr lang="en-IE" sz="2000" dirty="0"/>
               <a:t>constructor parameters</a:t>
+            </a:r>
+          </a:p>
+        </p:txBody>
+      </p:sp>
+    </p:spTree>
+  </p:cSld>
+  <p:clrMapOvr>
+    <a:masterClrMapping/>
+  </p:clrMapOvr>
+  <p:transition spd="slow"/>
+</p:sld>
+</file>
+
+<file path=ppt/slides/slide37.xml><?xml version="1.0" encoding="utf-8"?>
+<p:sld xmlns:a="http://schemas.openxmlformats.org/drawingml/2006/main" xmlns:r="http://schemas.openxmlformats.org/officeDocument/2006/relationships" xmlns:p="http://schemas.openxmlformats.org/presentationml/2006/main">
+  <p:cSld>
+    <p:spTree>
+      <p:nvGrpSpPr>
+        <p:cNvPr id="1" name=""/>
+        <p:cNvGrpSpPr/>
+        <p:nvPr/>
+      </p:nvGrpSpPr>
+      <p:grpSpPr>
+        <a:xfrm>
+          <a:off x="0" y="0"/>
+          <a:ext cx="0" cy="0"/>
+          <a:chOff x="0" y="0"/>
+          <a:chExt cx="0" cy="0"/>
+        </a:xfrm>
+      </p:grpSpPr>
+      <p:sp>
+        <p:nvSpPr>
+          <p:cNvPr id="2" name="Text Placeholder 1"/>
+          <p:cNvSpPr>
+            <a:spLocks noGrp="1"/>
+          </p:cNvSpPr>
+          <p:nvPr>
+            <p:ph type="body" sz="quarter" idx="1"/>
+          </p:nvPr>
+        </p:nvSpPr>
+        <p:spPr>
+          <a:xfrm>
+            <a:off x="724940" y="862286"/>
+            <a:ext cx="7998646" cy="472529"/>
+          </a:xfrm>
+        </p:spPr>
+        <p:txBody>
+          <a:bodyPr>
+            <a:noAutofit/>
+          </a:bodyPr>
+          <a:lstStyle/>
+          <a:p>
+            <a:r>
+              <a:rPr lang="en-IE" dirty="0"/>
+              <a:t>Adoption in TDP 4</a:t>
+            </a:r>
+          </a:p>
+        </p:txBody>
+      </p:sp>
+      <p:sp>
+        <p:nvSpPr>
+          <p:cNvPr id="3" name="Text Placeholder 2"/>
+          <p:cNvSpPr>
+            <a:spLocks noGrp="1"/>
+          </p:cNvSpPr>
+          <p:nvPr>
+            <p:ph type="body" idx="13"/>
+          </p:nvPr>
+        </p:nvSpPr>
+        <p:spPr>
+          <a:xfrm>
+            <a:off x="830317" y="2133600"/>
+            <a:ext cx="10499393" cy="3021104"/>
+          </a:xfrm>
+        </p:spPr>
+        <p:txBody>
+          <a:bodyPr/>
+          <a:lstStyle/>
+          <a:p>
+            <a:r>
+              <a:rPr lang="en-IE" dirty="0"/>
+              <a:t>Three realistic scenarios</a:t>
+            </a:r>
+          </a:p>
+          <a:p>
+            <a:r>
+              <a:rPr lang="en-IE" dirty="0"/>
+              <a:t>Apply Lambda, Stream and Optional</a:t>
+            </a:r>
+          </a:p>
+          <a:p>
+            <a:r>
+              <a:rPr lang="en-IE" dirty="0"/>
+              <a:t>Initially not easy</a:t>
+            </a:r>
+          </a:p>
+          <a:p>
+            <a:r>
+              <a:rPr lang="en-IE" dirty="0"/>
+              <a:t>Complex Domain Model</a:t>
+            </a:r>
+          </a:p>
+          <a:p>
+            <a:pPr marL="0" indent="0">
+              <a:buNone/>
+            </a:pPr>
+            <a:endParaRPr lang="en-IE" dirty="0"/>
+          </a:p>
+        </p:txBody>
+      </p:sp>
+    </p:spTree>
+    <p:extLst>
+      <p:ext uri="{BB962C8B-B14F-4D97-AF65-F5344CB8AC3E}">
+        <p14:creationId xmlns:p14="http://schemas.microsoft.com/office/powerpoint/2010/main" val="1360869701"/>
+      </p:ext>
+    </p:extLst>
+  </p:cSld>
+  <p:clrMapOvr>
+    <a:masterClrMapping/>
+  </p:clrMapOvr>
+  <p:transition spd="med"/>
+</p:sld>
+</file>
+
+<file path=ppt/slides/slide38.xml><?xml version="1.0" encoding="utf-8"?>
+<p:sld xmlns:a="http://schemas.openxmlformats.org/drawingml/2006/main" xmlns:r="http://schemas.openxmlformats.org/officeDocument/2006/relationships" xmlns:p="http://schemas.openxmlformats.org/presentationml/2006/main">
+  <p:cSld>
+    <p:spTree>
+      <p:nvGrpSpPr>
+        <p:cNvPr id="1" name=""/>
+        <p:cNvGrpSpPr/>
+        <p:nvPr/>
+      </p:nvGrpSpPr>
+      <p:grpSpPr>
+        <a:xfrm>
+          <a:off x="0" y="0"/>
+          <a:ext cx="0" cy="0"/>
+          <a:chOff x="0" y="0"/>
+          <a:chExt cx="0" cy="0"/>
+        </a:xfrm>
+      </p:grpSpPr>
+      <p:sp>
+        <p:nvSpPr>
+          <p:cNvPr id="328" name="Shape 328"/>
+          <p:cNvSpPr>
+            <a:spLocks noGrp="1"/>
+          </p:cNvSpPr>
+          <p:nvPr>
+            <p:ph type="body" sz="quarter" idx="1"/>
+          </p:nvPr>
+        </p:nvSpPr>
+        <p:spPr>
+          <a:xfrm>
+            <a:off x="724939" y="925348"/>
+            <a:ext cx="7998646" cy="472529"/>
+          </a:xfrm>
+          <a:prstGeom prst="rect">
+            <a:avLst/>
+          </a:prstGeom>
+        </p:spPr>
+        <p:txBody>
+          <a:bodyPr>
+            <a:noAutofit/>
+          </a:bodyPr>
+          <a:lstStyle>
+            <a:lvl1pPr defTabSz="594359">
+              <a:spcBef>
+                <a:spcPts val="600"/>
+              </a:spcBef>
+              <a:defRPr sz="2600"/>
+            </a:lvl1pPr>
+          </a:lstStyle>
+          <a:p>
+            <a:r>
+              <a:rPr lang="en-IE" sz="4000" dirty="0"/>
+              <a:t>Scenario</a:t>
+            </a:r>
+            <a:r>
+              <a:rPr sz="4000" dirty="0"/>
+              <a:t> 1</a:t>
+            </a:r>
+          </a:p>
+        </p:txBody>
+      </p:sp>
+      <p:sp>
+        <p:nvSpPr>
+          <p:cNvPr id="329" name="Shape 329"/>
+          <p:cNvSpPr/>
+          <p:nvPr/>
+        </p:nvSpPr>
+        <p:spPr>
+          <a:xfrm>
+            <a:off x="724939" y="1994342"/>
+            <a:ext cx="10479642" cy="4091941"/>
+          </a:xfrm>
+          <a:prstGeom prst="rect">
+            <a:avLst/>
+          </a:prstGeom>
+          <a:solidFill>
+            <a:srgbClr val="FFFFFF"/>
+          </a:solidFill>
+          <a:ln w="12700">
+            <a:miter lim="400000"/>
+          </a:ln>
+          <a:extLst>
+            <a:ext uri="{C572A759-6A51-4108-AA02-DFA0A04FC94B}">
+              <ma14:wrappingTextBoxFlag xmlns="" xmlns:ma14="http://schemas.microsoft.com/office/mac/drawingml/2011/main" val="1"/>
+            </a:ext>
+          </a:extLst>
+        </p:spPr>
+        <p:txBody>
+          <a:bodyPr lIns="45719" rIns="45719" anchor="ctr">
+            <a:spAutoFit/>
+          </a:bodyPr>
+          <a:lstStyle/>
+          <a:p>
+            <a:pPr>
+              <a:defRPr sz="1300" i="1">
+                <a:solidFill>
+                  <a:srgbClr val="808080"/>
+                </a:solidFill>
+                <a:latin typeface="Courier New"/>
+                <a:ea typeface="Courier New"/>
+                <a:cs typeface="Courier New"/>
+                <a:sym typeface="Courier New"/>
+              </a:defRPr>
+            </a:pPr>
+            <a:br/>
+            <a:r>
+              <a:rPr b="1" i="0">
+                <a:solidFill>
+                  <a:srgbClr val="000080"/>
+                </a:solidFill>
+              </a:rPr>
+              <a:t>public static </a:t>
+            </a:r>
+            <a:r>
+              <a:rPr i="0">
+                <a:solidFill>
+                  <a:srgbClr val="000000"/>
+                </a:solidFill>
+              </a:rPr>
+              <a:t>ResComponent getPrimaryResComponent(ResComponentGroup resCompGroup, Reservation res)</a:t>
+            </a:r>
+            <a:br>
+              <a:rPr i="0">
+                <a:solidFill>
+                  <a:srgbClr val="000000"/>
+                </a:solidFill>
+              </a:rPr>
+            </a:br>
+            <a:r>
+              <a:rPr i="0">
+                <a:solidFill>
+                  <a:srgbClr val="000000"/>
+                </a:solidFill>
+              </a:rPr>
+              <a:t>{</a:t>
+            </a:r>
+            <a:br>
+              <a:rPr i="0">
+                <a:solidFill>
+                  <a:srgbClr val="000000"/>
+                </a:solidFill>
+              </a:rPr>
+            </a:br>
+            <a:r>
+              <a:rPr i="0">
+                <a:solidFill>
+                  <a:srgbClr val="000000"/>
+                </a:solidFill>
+              </a:rPr>
+              <a:t>   </a:t>
+            </a:r>
+            <a:r>
+              <a:rPr b="1" i="0">
+                <a:solidFill>
+                  <a:srgbClr val="000080"/>
+                </a:solidFill>
+              </a:rPr>
+              <a:t>if </a:t>
+            </a:r>
+            <a:r>
+              <a:rPr i="0">
+                <a:solidFill>
+                  <a:srgbClr val="000000"/>
+                </a:solidFill>
+              </a:rPr>
+              <a:t>(resCompGroup.getGroupMemberCount() &gt; </a:t>
+            </a:r>
+            <a:r>
+              <a:rPr i="0">
+                <a:solidFill>
+                  <a:srgbClr val="0000FF"/>
+                </a:solidFill>
+              </a:rPr>
+              <a:t>0</a:t>
+            </a:r>
+            <a:r>
+              <a:rPr i="0">
+                <a:solidFill>
+                  <a:srgbClr val="000000"/>
+                </a:solidFill>
+              </a:rPr>
+              <a:t>)</a:t>
+            </a:r>
+            <a:br>
+              <a:rPr i="0">
+                <a:solidFill>
+                  <a:srgbClr val="000000"/>
+                </a:solidFill>
+              </a:rPr>
+            </a:br>
+            <a:r>
+              <a:rPr i="0">
+                <a:solidFill>
+                  <a:srgbClr val="000000"/>
+                </a:solidFill>
+              </a:rPr>
+              <a:t>   {</a:t>
+            </a:r>
+            <a:br>
+              <a:rPr i="0">
+                <a:solidFill>
+                  <a:srgbClr val="000000"/>
+                </a:solidFill>
+              </a:rPr>
+            </a:br>
+            <a:r>
+              <a:rPr i="0">
+                <a:solidFill>
+                  <a:srgbClr val="000000"/>
+                </a:solidFill>
+              </a:rPr>
+              <a:t>      </a:t>
+            </a:r>
+            <a:r>
+              <a:rPr b="1" i="0">
+                <a:solidFill>
+                  <a:srgbClr val="000080"/>
+                </a:solidFill>
+              </a:rPr>
+              <a:t>for </a:t>
+            </a:r>
+            <a:r>
+              <a:rPr i="0">
+                <a:solidFill>
+                  <a:srgbClr val="000000"/>
+                </a:solidFill>
+              </a:rPr>
+              <a:t>(GroupMember groupMember : resCompGroup.getGroupMember())</a:t>
+            </a:r>
+            <a:br>
+              <a:rPr i="0">
+                <a:solidFill>
+                  <a:srgbClr val="000000"/>
+                </a:solidFill>
+              </a:rPr>
+            </a:br>
+            <a:r>
+              <a:rPr i="0">
+                <a:solidFill>
+                  <a:srgbClr val="000000"/>
+                </a:solidFill>
+              </a:rPr>
+              <a:t>      {</a:t>
+            </a:r>
+            <a:br>
+              <a:rPr i="0">
+                <a:solidFill>
+                  <a:srgbClr val="000000"/>
+                </a:solidFill>
+              </a:rPr>
+            </a:br>
+            <a:r>
+              <a:rPr i="0">
+                <a:solidFill>
+                  <a:srgbClr val="000000"/>
+                </a:solidFill>
+              </a:rPr>
+              <a:t>         </a:t>
+            </a:r>
+            <a:r>
+              <a:rPr b="1" i="0">
+                <a:solidFill>
+                  <a:srgbClr val="000080"/>
+                </a:solidFill>
+              </a:rPr>
+              <a:t>if </a:t>
+            </a:r>
+            <a:r>
+              <a:rPr i="0">
+                <a:solidFill>
+                  <a:srgbClr val="000000"/>
+                </a:solidFill>
+              </a:rPr>
+              <a:t>(groupMember.hasPrimaryComponent() &amp;&amp; groupMember.hasResComponentSequence())</a:t>
+            </a:r>
+            <a:br>
+              <a:rPr i="0">
+                <a:solidFill>
+                  <a:srgbClr val="000000"/>
+                </a:solidFill>
+              </a:rPr>
+            </a:br>
+            <a:r>
+              <a:rPr i="0">
+                <a:solidFill>
+                  <a:srgbClr val="000000"/>
+                </a:solidFill>
+              </a:rPr>
+              <a:t>         {</a:t>
+            </a:r>
+            <a:br>
+              <a:rPr i="0">
+                <a:solidFill>
+                  <a:srgbClr val="000000"/>
+                </a:solidFill>
+              </a:rPr>
+            </a:br>
+            <a:r>
+              <a:rPr i="0">
+                <a:solidFill>
+                  <a:srgbClr val="000000"/>
+                </a:solidFill>
+              </a:rPr>
+              <a:t>            ResComponent resComp = ResComponentUtil.</a:t>
+            </a:r>
+            <a:r>
+              <a:rPr>
+                <a:solidFill>
+                  <a:srgbClr val="000000"/>
+                </a:solidFill>
+              </a:rPr>
+              <a:t>getResComponent</a:t>
+            </a:r>
+            <a:r>
+              <a:rPr i="0">
+                <a:solidFill>
+                  <a:srgbClr val="000000"/>
+                </a:solidFill>
+              </a:rPr>
+              <a:t>(res, 	   </a:t>
+            </a:r>
+          </a:p>
+          <a:p>
+            <a:pPr>
+              <a:defRPr sz="1300">
+                <a:latin typeface="Courier New"/>
+                <a:ea typeface="Courier New"/>
+                <a:cs typeface="Courier New"/>
+                <a:sym typeface="Courier New"/>
+              </a:defRPr>
+            </a:pPr>
+            <a:r>
+              <a:t>                                                            groupMember.getResComponentSequence());</a:t>
+            </a:r>
+            <a:br/>
+            <a:r>
+              <a:t>            </a:t>
+            </a:r>
+            <a:r>
+              <a:rPr b="1">
+                <a:solidFill>
+                  <a:srgbClr val="000080"/>
+                </a:solidFill>
+              </a:rPr>
+              <a:t>if </a:t>
+            </a:r>
+            <a:r>
+              <a:t>(resComp != </a:t>
+            </a:r>
+            <a:r>
+              <a:rPr b="1">
+                <a:solidFill>
+                  <a:srgbClr val="000080"/>
+                </a:solidFill>
+              </a:rPr>
+              <a:t>null</a:t>
+            </a:r>
+            <a:r>
+              <a:t>)</a:t>
+            </a:r>
+            <a:br/>
+            <a:r>
+              <a:t>            {</a:t>
+            </a:r>
+            <a:br/>
+            <a:r>
+              <a:t>               </a:t>
+            </a:r>
+            <a:r>
+              <a:rPr b="1">
+                <a:solidFill>
+                  <a:srgbClr val="000080"/>
+                </a:solidFill>
+              </a:rPr>
+              <a:t>return </a:t>
+            </a:r>
+            <a:r>
+              <a:t>resComp;</a:t>
+            </a:r>
+            <a:br/>
+            <a:r>
+              <a:t>            }</a:t>
+            </a:r>
+            <a:br/>
+            <a:r>
+              <a:t>         }</a:t>
+            </a:r>
+            <a:br/>
+            <a:r>
+              <a:t>      }</a:t>
+            </a:r>
+            <a:br/>
+            <a:r>
+              <a:t>   }</a:t>
+            </a:r>
+            <a:br/>
+            <a:r>
+              <a:t>    </a:t>
+            </a:r>
+            <a:r>
+              <a:rPr b="1">
+                <a:solidFill>
+                  <a:srgbClr val="000080"/>
+                </a:solidFill>
+              </a:rPr>
+              <a:t>return null</a:t>
+            </a:r>
+            <a:r>
+              <a:t>;</a:t>
+            </a:r>
+            <a:br/>
+            <a:r>
+              <a:t>}</a:t>
+            </a:r>
+            <a:br/>
+            <a:endParaRPr/>
+          </a:p>
+        </p:txBody>
+      </p:sp>
+    </p:spTree>
+  </p:cSld>
+  <p:clrMapOvr>
+    <a:masterClrMapping/>
+  </p:clrMapOvr>
+  <p:transition spd="slow"/>
+</p:sld>
+</file>
+
+<file path=ppt/slides/slide39.xml><?xml version="1.0" encoding="utf-8"?>
+<p:sld xmlns:a="http://schemas.openxmlformats.org/drawingml/2006/main" xmlns:r="http://schemas.openxmlformats.org/officeDocument/2006/relationships" xmlns:p="http://schemas.openxmlformats.org/presentationml/2006/main">
+  <p:cSld>
+    <p:spTree>
+      <p:nvGrpSpPr>
+        <p:cNvPr id="1" name=""/>
+        <p:cNvGrpSpPr/>
+        <p:nvPr/>
+      </p:nvGrpSpPr>
+      <p:grpSpPr>
+        <a:xfrm>
+          <a:off x="0" y="0"/>
+          <a:ext cx="0" cy="0"/>
+          <a:chOff x="0" y="0"/>
+          <a:chExt cx="0" cy="0"/>
+        </a:xfrm>
+      </p:grpSpPr>
+      <p:sp>
+        <p:nvSpPr>
+          <p:cNvPr id="331" name="Shape 331"/>
+          <p:cNvSpPr>
+            <a:spLocks noGrp="1"/>
+          </p:cNvSpPr>
+          <p:nvPr>
+            <p:ph type="body" sz="quarter" idx="1"/>
+          </p:nvPr>
+        </p:nvSpPr>
+        <p:spPr>
+          <a:xfrm>
+            <a:off x="724940" y="2130849"/>
+            <a:ext cx="7998646" cy="472528"/>
+          </a:xfrm>
+          <a:prstGeom prst="rect">
+            <a:avLst/>
+          </a:prstGeom>
+        </p:spPr>
+        <p:txBody>
+          <a:bodyPr/>
+          <a:lstStyle/>
+          <a:p>
+            <a:pPr defTabSz="850391">
+              <a:spcBef>
+                <a:spcPts val="900"/>
+              </a:spcBef>
+              <a:defRPr sz="2604"/>
+            </a:pPr>
+            <a:r>
+              <a:t>Improved by using </a:t>
+            </a:r>
+            <a:r>
+              <a:rPr b="1"/>
+              <a:t>λ</a:t>
+            </a:r>
+            <a:r>
+              <a:t>, Stream and Optional</a:t>
+            </a:r>
+          </a:p>
+        </p:txBody>
+      </p:sp>
+      <p:sp>
+        <p:nvSpPr>
+          <p:cNvPr id="332" name="Shape 332"/>
+          <p:cNvSpPr/>
+          <p:nvPr/>
+        </p:nvSpPr>
+        <p:spPr>
+          <a:xfrm>
+            <a:off x="724939" y="3018548"/>
+            <a:ext cx="10798141" cy="1920241"/>
+          </a:xfrm>
+          <a:prstGeom prst="rect">
+            <a:avLst/>
+          </a:prstGeom>
+          <a:solidFill>
+            <a:srgbClr val="FFFFFF"/>
+          </a:solidFill>
+          <a:ln w="12700">
+            <a:miter lim="400000"/>
+          </a:ln>
+          <a:extLst>
+            <a:ext uri="{C572A759-6A51-4108-AA02-DFA0A04FC94B}">
+              <ma14:wrappingTextBoxFlag xmlns="" xmlns:ma14="http://schemas.microsoft.com/office/mac/drawingml/2011/main" val="1"/>
+            </a:ext>
+          </a:extLst>
+        </p:spPr>
+        <p:txBody>
+          <a:bodyPr lIns="45719" rIns="45719" anchor="ctr">
+            <a:spAutoFit/>
+          </a:bodyPr>
+          <a:lstStyle/>
+          <a:p>
+            <a:pPr>
+              <a:defRPr sz="1400" b="1">
+                <a:solidFill>
+                  <a:srgbClr val="000080"/>
+                </a:solidFill>
+                <a:latin typeface="Courier New"/>
+                <a:ea typeface="Courier New"/>
+                <a:cs typeface="Courier New"/>
+                <a:sym typeface="Courier New"/>
+              </a:defRPr>
+            </a:pPr>
+            <a:r>
+              <a:rPr dirty="0"/>
+              <a:t>public static </a:t>
+            </a:r>
+            <a:r>
+              <a:rPr b="0" dirty="0" err="1">
+                <a:solidFill>
+                  <a:srgbClr val="000000"/>
+                </a:solidFill>
+              </a:rPr>
+              <a:t>ResComponent</a:t>
+            </a:r>
+            <a:r>
+              <a:rPr b="0" dirty="0">
+                <a:solidFill>
+                  <a:srgbClr val="000000"/>
+                </a:solidFill>
+              </a:rPr>
+              <a:t> </a:t>
+            </a:r>
+            <a:r>
+              <a:rPr b="0" dirty="0" err="1">
+                <a:solidFill>
+                  <a:srgbClr val="000000"/>
+                </a:solidFill>
+              </a:rPr>
+              <a:t>getPrimaryResComponent</a:t>
+            </a:r>
+            <a:r>
+              <a:rPr b="0" dirty="0">
+                <a:solidFill>
+                  <a:srgbClr val="000000"/>
+                </a:solidFill>
+              </a:rPr>
+              <a:t>(</a:t>
+            </a:r>
+            <a:r>
+              <a:rPr b="0" dirty="0" err="1">
+                <a:solidFill>
+                  <a:srgbClr val="000000"/>
+                </a:solidFill>
+              </a:rPr>
+              <a:t>ResComponentGroup</a:t>
+            </a:r>
+            <a:r>
+              <a:rPr b="0" dirty="0">
+                <a:solidFill>
+                  <a:srgbClr val="000000"/>
+                </a:solidFill>
+              </a:rPr>
+              <a:t> </a:t>
+            </a:r>
+            <a:r>
+              <a:rPr b="0" dirty="0" err="1">
+                <a:solidFill>
+                  <a:srgbClr val="000000"/>
+                </a:solidFill>
+              </a:rPr>
+              <a:t>resCompGroup</a:t>
+            </a:r>
+            <a:r>
+              <a:rPr b="0" dirty="0">
+                <a:solidFill>
+                  <a:srgbClr val="000000"/>
+                </a:solidFill>
+              </a:rPr>
+              <a:t>, Reservation res)</a:t>
+            </a:r>
+            <a:br>
+              <a:rPr b="0" dirty="0">
+                <a:solidFill>
+                  <a:srgbClr val="000000"/>
+                </a:solidFill>
+              </a:rPr>
+            </a:br>
+            <a:r>
+              <a:rPr b="0" dirty="0">
+                <a:solidFill>
+                  <a:srgbClr val="000000"/>
+                </a:solidFill>
+              </a:rPr>
+              <a:t>{</a:t>
+            </a:r>
+            <a:br>
+              <a:rPr b="0" dirty="0">
+                <a:solidFill>
+                  <a:srgbClr val="000000"/>
+                </a:solidFill>
+              </a:rPr>
+            </a:br>
+            <a:r>
+              <a:rPr b="0" dirty="0">
+                <a:solidFill>
+                  <a:srgbClr val="000000"/>
+                </a:solidFill>
+              </a:rPr>
+              <a:t>    </a:t>
+            </a:r>
+            <a:r>
+              <a:rPr dirty="0"/>
+              <a:t>return </a:t>
+            </a:r>
+            <a:r>
+              <a:rPr b="0" dirty="0" err="1">
+                <a:solidFill>
+                  <a:srgbClr val="000000"/>
+                </a:solidFill>
+              </a:rPr>
+              <a:t>Arrays.</a:t>
+            </a:r>
+            <a:r>
+              <a:rPr b="0" i="1" dirty="0" err="1">
+                <a:solidFill>
+                  <a:srgbClr val="000000"/>
+                </a:solidFill>
+              </a:rPr>
+              <a:t>stream</a:t>
+            </a:r>
+            <a:r>
+              <a:rPr b="0" dirty="0">
+                <a:solidFill>
+                  <a:srgbClr val="000000"/>
+                </a:solidFill>
+              </a:rPr>
+              <a:t>(</a:t>
+            </a:r>
+            <a:r>
+              <a:rPr b="0" dirty="0" err="1">
+                <a:solidFill>
+                  <a:srgbClr val="000000"/>
+                </a:solidFill>
+              </a:rPr>
+              <a:t>resCompGroup.getGroupMember</a:t>
+            </a:r>
+            <a:r>
+              <a:rPr b="0" dirty="0">
+                <a:solidFill>
+                  <a:srgbClr val="000000"/>
+                </a:solidFill>
+              </a:rPr>
+              <a:t>())</a:t>
+            </a:r>
+            <a:br>
+              <a:rPr b="0" dirty="0">
+                <a:solidFill>
+                  <a:srgbClr val="000000"/>
+                </a:solidFill>
+              </a:rPr>
+            </a:br>
+            <a:r>
+              <a:rPr b="0" dirty="0">
+                <a:solidFill>
+                  <a:srgbClr val="000000"/>
+                </a:solidFill>
+              </a:rPr>
+              <a:t>            .filter(gm -&gt;  </a:t>
+            </a:r>
+            <a:r>
+              <a:rPr b="0" dirty="0" err="1">
+                <a:solidFill>
+                  <a:srgbClr val="000000"/>
+                </a:solidFill>
+              </a:rPr>
+              <a:t>gm.hasPrimaryComponent</a:t>
+            </a:r>
+            <a:r>
+              <a:rPr b="0" dirty="0">
+                <a:solidFill>
+                  <a:srgbClr val="000000"/>
+                </a:solidFill>
+              </a:rPr>
+              <a:t>() &amp;&amp; </a:t>
+            </a:r>
+            <a:r>
+              <a:rPr b="0" dirty="0" err="1">
+                <a:solidFill>
+                  <a:srgbClr val="000000"/>
+                </a:solidFill>
+              </a:rPr>
+              <a:t>gm.hasResComponentSequence</a:t>
+            </a:r>
+            <a:r>
+              <a:rPr b="0" dirty="0">
+                <a:solidFill>
+                  <a:srgbClr val="000000"/>
+                </a:solidFill>
+              </a:rPr>
+              <a:t>())</a:t>
+            </a:r>
+            <a:br>
+              <a:rPr b="0" dirty="0">
+                <a:solidFill>
+                  <a:srgbClr val="000000"/>
+                </a:solidFill>
+              </a:rPr>
+            </a:br>
+            <a:r>
+              <a:rPr b="0" dirty="0">
+                <a:solidFill>
+                  <a:srgbClr val="000000"/>
+                </a:solidFill>
+              </a:rPr>
+              <a:t>            .map(gm -&gt; </a:t>
+            </a:r>
+            <a:r>
+              <a:rPr b="0" dirty="0" err="1">
+                <a:solidFill>
+                  <a:srgbClr val="000000"/>
+                </a:solidFill>
+              </a:rPr>
+              <a:t>ResComponentUtil.</a:t>
+            </a:r>
+            <a:r>
+              <a:rPr b="0" i="1" dirty="0" err="1">
+                <a:solidFill>
+                  <a:srgbClr val="000000"/>
+                </a:solidFill>
+              </a:rPr>
+              <a:t>getResComponent</a:t>
+            </a:r>
+            <a:r>
+              <a:rPr b="0" dirty="0">
+                <a:solidFill>
+                  <a:srgbClr val="000000"/>
+                </a:solidFill>
+              </a:rPr>
+              <a:t>(</a:t>
+            </a:r>
+            <a:r>
+              <a:rPr b="0" dirty="0">
+                <a:solidFill>
+                  <a:srgbClr val="660E7A"/>
+                </a:solidFill>
+              </a:rPr>
+              <a:t>res</a:t>
+            </a:r>
+            <a:r>
+              <a:rPr b="0" dirty="0">
+                <a:solidFill>
+                  <a:srgbClr val="000000"/>
+                </a:solidFill>
+              </a:rPr>
+              <a:t>, </a:t>
+            </a:r>
+            <a:r>
+              <a:rPr b="0" dirty="0" err="1">
+                <a:solidFill>
+                  <a:srgbClr val="000000"/>
+                </a:solidFill>
+              </a:rPr>
+              <a:t>gm.getResComponentSequence</a:t>
+            </a:r>
+            <a:r>
+              <a:rPr b="0" dirty="0">
+                <a:solidFill>
+                  <a:srgbClr val="000000"/>
+                </a:solidFill>
+              </a:rPr>
+              <a:t>()))</a:t>
+            </a:r>
+            <a:br>
+              <a:rPr b="0" dirty="0">
+                <a:solidFill>
+                  <a:srgbClr val="000000"/>
+                </a:solidFill>
+              </a:rPr>
+            </a:br>
+            <a:r>
+              <a:rPr b="0" dirty="0">
+                <a:solidFill>
+                  <a:srgbClr val="000000"/>
+                </a:solidFill>
+              </a:rPr>
+              <a:t>            .</a:t>
+            </a:r>
+            <a:r>
+              <a:rPr b="0" dirty="0" err="1">
+                <a:solidFill>
+                  <a:srgbClr val="000000"/>
+                </a:solidFill>
+              </a:rPr>
+              <a:t>findFirst</a:t>
+            </a:r>
+            <a:r>
+              <a:rPr b="0" dirty="0">
+                <a:solidFill>
+                  <a:srgbClr val="000000"/>
+                </a:solidFill>
+              </a:rPr>
+              <a:t>()</a:t>
+            </a:r>
+            <a:br>
+              <a:rPr b="0" dirty="0">
+                <a:solidFill>
+                  <a:srgbClr val="000000"/>
+                </a:solidFill>
+              </a:rPr>
+            </a:br>
+            <a:r>
+              <a:rPr b="0" dirty="0">
+                <a:solidFill>
+                  <a:srgbClr val="000000"/>
+                </a:solidFill>
+              </a:rPr>
+              <a:t>            .</a:t>
+            </a:r>
+            <a:r>
+              <a:rPr b="0" dirty="0" err="1">
+                <a:solidFill>
+                  <a:srgbClr val="000000"/>
+                </a:solidFill>
+              </a:rPr>
+              <a:t>orElse</a:t>
+            </a:r>
+            <a:r>
+              <a:rPr b="0" dirty="0">
+                <a:solidFill>
+                  <a:srgbClr val="000000"/>
+                </a:solidFill>
+              </a:rPr>
+              <a:t>(</a:t>
+            </a:r>
+            <a:r>
+              <a:rPr dirty="0"/>
+              <a:t>null</a:t>
+            </a:r>
+            <a:r>
+              <a:rPr b="0" dirty="0">
+                <a:solidFill>
+                  <a:srgbClr val="000000"/>
+                </a:solidFill>
+              </a:rPr>
+              <a:t>);</a:t>
+            </a:r>
+            <a:br>
+              <a:rPr b="0" dirty="0">
+                <a:solidFill>
+                  <a:srgbClr val="000000"/>
+                </a:solidFill>
+              </a:rPr>
+            </a:br>
+            <a:br>
+              <a:rPr b="0" dirty="0">
+                <a:solidFill>
+                  <a:srgbClr val="000000"/>
+                </a:solidFill>
+              </a:rPr>
+            </a:br>
+            <a:r>
+              <a:rPr b="0" dirty="0">
+                <a:solidFill>
+                  <a:srgbClr val="000000"/>
+                </a:solidFill>
+              </a:rPr>
+              <a:t>}</a:t>
+            </a:r>
+          </a:p>
+        </p:txBody>
+      </p:sp>
+      <p:sp>
+        <p:nvSpPr>
+          <p:cNvPr id="333" name="Shape 333"/>
+          <p:cNvSpPr/>
+          <p:nvPr/>
+        </p:nvSpPr>
+        <p:spPr>
+          <a:xfrm>
+            <a:off x="724940" y="1044571"/>
+            <a:ext cx="7998646" cy="688341"/>
+          </a:xfrm>
+          <a:prstGeom prst="rect">
+            <a:avLst/>
+          </a:prstGeom>
+          <a:ln w="12700">
+            <a:miter lim="400000"/>
+          </a:ln>
+          <a:extLst>
+            <a:ext uri="{C572A759-6A51-4108-AA02-DFA0A04FC94B}">
+              <ma14:wrappingTextBoxFlag xmlns="" xmlns:ma14="http://schemas.microsoft.com/office/mac/drawingml/2011/main" val="1"/>
+            </a:ext>
+          </a:extLst>
+        </p:spPr>
+        <p:txBody>
+          <a:bodyPr lIns="45719" rIns="45719">
+            <a:normAutofit/>
+          </a:bodyPr>
+          <a:lstStyle>
+            <a:lvl1pPr>
+              <a:lnSpc>
+                <a:spcPct val="90000"/>
+              </a:lnSpc>
+              <a:spcBef>
+                <a:spcPts val="1000"/>
+              </a:spcBef>
+              <a:defRPr sz="4000">
+                <a:solidFill>
+                  <a:srgbClr val="414042"/>
+                </a:solidFill>
+              </a:defRPr>
+            </a:lvl1pPr>
+          </a:lstStyle>
+          <a:p>
+            <a:r>
+              <a:rPr lang="en-IE" dirty="0"/>
+              <a:t>Scenario 1 Adoption</a:t>
             </a:r>
           </a:p>
         </p:txBody>
@@ -15786,7 +17227,7 @@
           </a:ln>
           <a:extLst>
             <a:ext uri="{C572A759-6A51-4108-AA02-DFA0A04FC94B}">
-              <ma14:wrappingTextBoxFlag xmlns:ma14="http://schemas.microsoft.com/office/mac/drawingml/2011/main" xmlns="" val="1"/>
+              <ma14:wrappingTextBoxFlag xmlns="" xmlns:ma14="http://schemas.microsoft.com/office/mac/drawingml/2011/main" val="1"/>
             </a:ext>
           </a:extLst>
         </p:spPr>
@@ -15893,7 +17334,7 @@
           </a:ln>
           <a:extLst>
             <a:ext uri="{C572A759-6A51-4108-AA02-DFA0A04FC94B}">
-              <ma14:wrappingTextBoxFlag xmlns:ma14="http://schemas.microsoft.com/office/mac/drawingml/2011/main" xmlns="" val="1"/>
+              <ma14:wrappingTextBoxFlag xmlns="" xmlns:ma14="http://schemas.microsoft.com/office/mac/drawingml/2011/main" val="1"/>
             </a:ext>
           </a:extLst>
         </p:spPr>
@@ -16021,7 +17462,7 @@
           </a:ln>
           <a:extLst>
             <a:ext uri="{C572A759-6A51-4108-AA02-DFA0A04FC94B}">
-              <ma14:wrappingTextBoxFlag xmlns:ma14="http://schemas.microsoft.com/office/mac/drawingml/2011/main" xmlns="" val="1"/>
+              <ma14:wrappingTextBoxFlag xmlns="" xmlns:ma14="http://schemas.microsoft.com/office/mac/drawingml/2011/main" val="1"/>
             </a:ext>
           </a:extLst>
         </p:spPr>
@@ -16279,948 +17720,6 @@
       </p:grpSpPr>
       <p:sp>
         <p:nvSpPr>
-          <p:cNvPr id="328" name="Shape 328"/>
-          <p:cNvSpPr>
-            <a:spLocks noGrp="1"/>
-          </p:cNvSpPr>
-          <p:nvPr>
-            <p:ph type="body" sz="quarter" idx="1"/>
-          </p:nvPr>
-        </p:nvSpPr>
-        <p:spPr>
-          <a:xfrm>
-            <a:off x="724939" y="925348"/>
-            <a:ext cx="7998646" cy="472529"/>
-          </a:xfrm>
-          <a:prstGeom prst="rect">
-            <a:avLst/>
-          </a:prstGeom>
-        </p:spPr>
-        <p:txBody>
-          <a:bodyPr>
-            <a:noAutofit/>
-          </a:bodyPr>
-          <a:lstStyle>
-            <a:lvl1pPr defTabSz="594359">
-              <a:spcBef>
-                <a:spcPts val="600"/>
-              </a:spcBef>
-              <a:defRPr sz="2600"/>
-            </a:lvl1pPr>
-          </a:lstStyle>
-          <a:p>
-            <a:r>
-              <a:rPr sz="4000" dirty="0"/>
-              <a:t>Practice 1 in TDP </a:t>
-            </a:r>
-          </a:p>
-        </p:txBody>
-      </p:sp>
-      <p:sp>
-        <p:nvSpPr>
-          <p:cNvPr id="329" name="Shape 329"/>
-          <p:cNvSpPr/>
-          <p:nvPr/>
-        </p:nvSpPr>
-        <p:spPr>
-          <a:xfrm>
-            <a:off x="724939" y="1994342"/>
-            <a:ext cx="10479642" cy="4091941"/>
-          </a:xfrm>
-          <a:prstGeom prst="rect">
-            <a:avLst/>
-          </a:prstGeom>
-          <a:solidFill>
-            <a:srgbClr val="FFFFFF"/>
-          </a:solidFill>
-          <a:ln w="12700">
-            <a:miter lim="400000"/>
-          </a:ln>
-          <a:extLst>
-            <a:ext uri="{C572A759-6A51-4108-AA02-DFA0A04FC94B}">
-              <ma14:wrappingTextBoxFlag xmlns:ma14="http://schemas.microsoft.com/office/mac/drawingml/2011/main" xmlns="" val="1"/>
-            </a:ext>
-          </a:extLst>
-        </p:spPr>
-        <p:txBody>
-          <a:bodyPr lIns="45719" rIns="45719" anchor="ctr">
-            <a:spAutoFit/>
-          </a:bodyPr>
-          <a:lstStyle/>
-          <a:p>
-            <a:pPr>
-              <a:defRPr sz="1300" i="1">
-                <a:solidFill>
-                  <a:srgbClr val="808080"/>
-                </a:solidFill>
-                <a:latin typeface="Courier New"/>
-                <a:ea typeface="Courier New"/>
-                <a:cs typeface="Courier New"/>
-                <a:sym typeface="Courier New"/>
-              </a:defRPr>
-            </a:pPr>
-            <a:br/>
-            <a:r>
-              <a:rPr b="1" i="0">
-                <a:solidFill>
-                  <a:srgbClr val="000080"/>
-                </a:solidFill>
-              </a:rPr>
-              <a:t>public static </a:t>
-            </a:r>
-            <a:r>
-              <a:rPr i="0">
-                <a:solidFill>
-                  <a:srgbClr val="000000"/>
-                </a:solidFill>
-              </a:rPr>
-              <a:t>ResComponent getPrimaryResComponent(ResComponentGroup resCompGroup, Reservation res)</a:t>
-            </a:r>
-            <a:br>
-              <a:rPr i="0">
-                <a:solidFill>
-                  <a:srgbClr val="000000"/>
-                </a:solidFill>
-              </a:rPr>
-            </a:br>
-            <a:r>
-              <a:rPr i="0">
-                <a:solidFill>
-                  <a:srgbClr val="000000"/>
-                </a:solidFill>
-              </a:rPr>
-              <a:t>{</a:t>
-            </a:r>
-            <a:br>
-              <a:rPr i="0">
-                <a:solidFill>
-                  <a:srgbClr val="000000"/>
-                </a:solidFill>
-              </a:rPr>
-            </a:br>
-            <a:r>
-              <a:rPr i="0">
-                <a:solidFill>
-                  <a:srgbClr val="000000"/>
-                </a:solidFill>
-              </a:rPr>
-              <a:t>   </a:t>
-            </a:r>
-            <a:r>
-              <a:rPr b="1" i="0">
-                <a:solidFill>
-                  <a:srgbClr val="000080"/>
-                </a:solidFill>
-              </a:rPr>
-              <a:t>if </a:t>
-            </a:r>
-            <a:r>
-              <a:rPr i="0">
-                <a:solidFill>
-                  <a:srgbClr val="000000"/>
-                </a:solidFill>
-              </a:rPr>
-              <a:t>(resCompGroup.getGroupMemberCount() &gt; </a:t>
-            </a:r>
-            <a:r>
-              <a:rPr i="0">
-                <a:solidFill>
-                  <a:srgbClr val="0000FF"/>
-                </a:solidFill>
-              </a:rPr>
-              <a:t>0</a:t>
-            </a:r>
-            <a:r>
-              <a:rPr i="0">
-                <a:solidFill>
-                  <a:srgbClr val="000000"/>
-                </a:solidFill>
-              </a:rPr>
-              <a:t>)</a:t>
-            </a:r>
-            <a:br>
-              <a:rPr i="0">
-                <a:solidFill>
-                  <a:srgbClr val="000000"/>
-                </a:solidFill>
-              </a:rPr>
-            </a:br>
-            <a:r>
-              <a:rPr i="0">
-                <a:solidFill>
-                  <a:srgbClr val="000000"/>
-                </a:solidFill>
-              </a:rPr>
-              <a:t>   {</a:t>
-            </a:r>
-            <a:br>
-              <a:rPr i="0">
-                <a:solidFill>
-                  <a:srgbClr val="000000"/>
-                </a:solidFill>
-              </a:rPr>
-            </a:br>
-            <a:r>
-              <a:rPr i="0">
-                <a:solidFill>
-                  <a:srgbClr val="000000"/>
-                </a:solidFill>
-              </a:rPr>
-              <a:t>      </a:t>
-            </a:r>
-            <a:r>
-              <a:rPr b="1" i="0">
-                <a:solidFill>
-                  <a:srgbClr val="000080"/>
-                </a:solidFill>
-              </a:rPr>
-              <a:t>for </a:t>
-            </a:r>
-            <a:r>
-              <a:rPr i="0">
-                <a:solidFill>
-                  <a:srgbClr val="000000"/>
-                </a:solidFill>
-              </a:rPr>
-              <a:t>(GroupMember groupMember : resCompGroup.getGroupMember())</a:t>
-            </a:r>
-            <a:br>
-              <a:rPr i="0">
-                <a:solidFill>
-                  <a:srgbClr val="000000"/>
-                </a:solidFill>
-              </a:rPr>
-            </a:br>
-            <a:r>
-              <a:rPr i="0">
-                <a:solidFill>
-                  <a:srgbClr val="000000"/>
-                </a:solidFill>
-              </a:rPr>
-              <a:t>      {</a:t>
-            </a:r>
-            <a:br>
-              <a:rPr i="0">
-                <a:solidFill>
-                  <a:srgbClr val="000000"/>
-                </a:solidFill>
-              </a:rPr>
-            </a:br>
-            <a:r>
-              <a:rPr i="0">
-                <a:solidFill>
-                  <a:srgbClr val="000000"/>
-                </a:solidFill>
-              </a:rPr>
-              <a:t>         </a:t>
-            </a:r>
-            <a:r>
-              <a:rPr b="1" i="0">
-                <a:solidFill>
-                  <a:srgbClr val="000080"/>
-                </a:solidFill>
-              </a:rPr>
-              <a:t>if </a:t>
-            </a:r>
-            <a:r>
-              <a:rPr i="0">
-                <a:solidFill>
-                  <a:srgbClr val="000000"/>
-                </a:solidFill>
-              </a:rPr>
-              <a:t>(groupMember.hasPrimaryComponent() &amp;&amp; groupMember.hasResComponentSequence())</a:t>
-            </a:r>
-            <a:br>
-              <a:rPr i="0">
-                <a:solidFill>
-                  <a:srgbClr val="000000"/>
-                </a:solidFill>
-              </a:rPr>
-            </a:br>
-            <a:r>
-              <a:rPr i="0">
-                <a:solidFill>
-                  <a:srgbClr val="000000"/>
-                </a:solidFill>
-              </a:rPr>
-              <a:t>         {</a:t>
-            </a:r>
-            <a:br>
-              <a:rPr i="0">
-                <a:solidFill>
-                  <a:srgbClr val="000000"/>
-                </a:solidFill>
-              </a:rPr>
-            </a:br>
-            <a:r>
-              <a:rPr i="0">
-                <a:solidFill>
-                  <a:srgbClr val="000000"/>
-                </a:solidFill>
-              </a:rPr>
-              <a:t>            ResComponent resComp = ResComponentUtil.</a:t>
-            </a:r>
-            <a:r>
-              <a:rPr>
-                <a:solidFill>
-                  <a:srgbClr val="000000"/>
-                </a:solidFill>
-              </a:rPr>
-              <a:t>getResComponent</a:t>
-            </a:r>
-            <a:r>
-              <a:rPr i="0">
-                <a:solidFill>
-                  <a:srgbClr val="000000"/>
-                </a:solidFill>
-              </a:rPr>
-              <a:t>(res, 	   </a:t>
-            </a:r>
-          </a:p>
-          <a:p>
-            <a:pPr>
-              <a:defRPr sz="1300">
-                <a:latin typeface="Courier New"/>
-                <a:ea typeface="Courier New"/>
-                <a:cs typeface="Courier New"/>
-                <a:sym typeface="Courier New"/>
-              </a:defRPr>
-            </a:pPr>
-            <a:r>
-              <a:t>                                                            groupMember.getResComponentSequence());</a:t>
-            </a:r>
-            <a:br/>
-            <a:r>
-              <a:t>            </a:t>
-            </a:r>
-            <a:r>
-              <a:rPr b="1">
-                <a:solidFill>
-                  <a:srgbClr val="000080"/>
-                </a:solidFill>
-              </a:rPr>
-              <a:t>if </a:t>
-            </a:r>
-            <a:r>
-              <a:t>(resComp != </a:t>
-            </a:r>
-            <a:r>
-              <a:rPr b="1">
-                <a:solidFill>
-                  <a:srgbClr val="000080"/>
-                </a:solidFill>
-              </a:rPr>
-              <a:t>null</a:t>
-            </a:r>
-            <a:r>
-              <a:t>)</a:t>
-            </a:r>
-            <a:br/>
-            <a:r>
-              <a:t>            {</a:t>
-            </a:r>
-            <a:br/>
-            <a:r>
-              <a:t>               </a:t>
-            </a:r>
-            <a:r>
-              <a:rPr b="1">
-                <a:solidFill>
-                  <a:srgbClr val="000080"/>
-                </a:solidFill>
-              </a:rPr>
-              <a:t>return </a:t>
-            </a:r>
-            <a:r>
-              <a:t>resComp;</a:t>
-            </a:r>
-            <a:br/>
-            <a:r>
-              <a:t>            }</a:t>
-            </a:r>
-            <a:br/>
-            <a:r>
-              <a:t>         }</a:t>
-            </a:r>
-            <a:br/>
-            <a:r>
-              <a:t>      }</a:t>
-            </a:r>
-            <a:br/>
-            <a:r>
-              <a:t>   }</a:t>
-            </a:r>
-            <a:br/>
-            <a:r>
-              <a:t>    </a:t>
-            </a:r>
-            <a:r>
-              <a:rPr b="1">
-                <a:solidFill>
-                  <a:srgbClr val="000080"/>
-                </a:solidFill>
-              </a:rPr>
-              <a:t>return null</a:t>
-            </a:r>
-            <a:r>
-              <a:t>;</a:t>
-            </a:r>
-            <a:br/>
-            <a:r>
-              <a:t>}</a:t>
-            </a:r>
-            <a:br/>
-            <a:endParaRPr/>
-          </a:p>
-        </p:txBody>
-      </p:sp>
-    </p:spTree>
-  </p:cSld>
-  <p:clrMapOvr>
-    <a:masterClrMapping/>
-  </p:clrMapOvr>
-  <p:transition spd="slow"/>
-</p:sld>
-</file>
-
-<file path=ppt/slides/slide41.xml><?xml version="1.0" encoding="utf-8"?>
-<p:sld xmlns:a="http://schemas.openxmlformats.org/drawingml/2006/main" xmlns:r="http://schemas.openxmlformats.org/officeDocument/2006/relationships" xmlns:p="http://schemas.openxmlformats.org/presentationml/2006/main">
-  <p:cSld>
-    <p:spTree>
-      <p:nvGrpSpPr>
-        <p:cNvPr id="1" name=""/>
-        <p:cNvGrpSpPr/>
-        <p:nvPr/>
-      </p:nvGrpSpPr>
-      <p:grpSpPr>
-        <a:xfrm>
-          <a:off x="0" y="0"/>
-          <a:ext cx="0" cy="0"/>
-          <a:chOff x="0" y="0"/>
-          <a:chExt cx="0" cy="0"/>
-        </a:xfrm>
-      </p:grpSpPr>
-      <p:sp>
-        <p:nvSpPr>
-          <p:cNvPr id="331" name="Shape 331"/>
-          <p:cNvSpPr>
-            <a:spLocks noGrp="1"/>
-          </p:cNvSpPr>
-          <p:nvPr>
-            <p:ph type="body" sz="quarter" idx="1"/>
-          </p:nvPr>
-        </p:nvSpPr>
-        <p:spPr>
-          <a:xfrm>
-            <a:off x="724940" y="2130849"/>
-            <a:ext cx="7998646" cy="472528"/>
-          </a:xfrm>
-          <a:prstGeom prst="rect">
-            <a:avLst/>
-          </a:prstGeom>
-        </p:spPr>
-        <p:txBody>
-          <a:bodyPr/>
-          <a:lstStyle/>
-          <a:p>
-            <a:pPr defTabSz="850391">
-              <a:spcBef>
-                <a:spcPts val="900"/>
-              </a:spcBef>
-              <a:defRPr sz="2604"/>
-            </a:pPr>
-            <a:r>
-              <a:t>Improved by using </a:t>
-            </a:r>
-            <a:r>
-              <a:rPr b="1"/>
-              <a:t>λ</a:t>
-            </a:r>
-            <a:r>
-              <a:t>, Stream and Optional</a:t>
-            </a:r>
-          </a:p>
-        </p:txBody>
-      </p:sp>
-      <p:sp>
-        <p:nvSpPr>
-          <p:cNvPr id="332" name="Shape 332"/>
-          <p:cNvSpPr/>
-          <p:nvPr/>
-        </p:nvSpPr>
-        <p:spPr>
-          <a:xfrm>
-            <a:off x="724939" y="3018548"/>
-            <a:ext cx="10798141" cy="1920241"/>
-          </a:xfrm>
-          <a:prstGeom prst="rect">
-            <a:avLst/>
-          </a:prstGeom>
-          <a:solidFill>
-            <a:srgbClr val="FFFFFF"/>
-          </a:solidFill>
-          <a:ln w="12700">
-            <a:miter lim="400000"/>
-          </a:ln>
-          <a:extLst>
-            <a:ext uri="{C572A759-6A51-4108-AA02-DFA0A04FC94B}">
-              <ma14:wrappingTextBoxFlag xmlns:ma14="http://schemas.microsoft.com/office/mac/drawingml/2011/main" xmlns="" val="1"/>
-            </a:ext>
-          </a:extLst>
-        </p:spPr>
-        <p:txBody>
-          <a:bodyPr lIns="45719" rIns="45719" anchor="ctr">
-            <a:spAutoFit/>
-          </a:bodyPr>
-          <a:lstStyle/>
-          <a:p>
-            <a:pPr>
-              <a:defRPr sz="1400" b="1">
-                <a:solidFill>
-                  <a:srgbClr val="000080"/>
-                </a:solidFill>
-                <a:latin typeface="Courier New"/>
-                <a:ea typeface="Courier New"/>
-                <a:cs typeface="Courier New"/>
-                <a:sym typeface="Courier New"/>
-              </a:defRPr>
-            </a:pPr>
-            <a:r>
-              <a:rPr dirty="0"/>
-              <a:t>public static </a:t>
-            </a:r>
-            <a:r>
-              <a:rPr b="0" dirty="0" err="1">
-                <a:solidFill>
-                  <a:srgbClr val="000000"/>
-                </a:solidFill>
-              </a:rPr>
-              <a:t>ResComponent</a:t>
-            </a:r>
-            <a:r>
-              <a:rPr b="0" dirty="0">
-                <a:solidFill>
-                  <a:srgbClr val="000000"/>
-                </a:solidFill>
-              </a:rPr>
-              <a:t> </a:t>
-            </a:r>
-            <a:r>
-              <a:rPr b="0" dirty="0" err="1">
-                <a:solidFill>
-                  <a:srgbClr val="000000"/>
-                </a:solidFill>
-              </a:rPr>
-              <a:t>getPrimaryResComponent</a:t>
-            </a:r>
-            <a:r>
-              <a:rPr b="0" dirty="0">
-                <a:solidFill>
-                  <a:srgbClr val="000000"/>
-                </a:solidFill>
-              </a:rPr>
-              <a:t>(</a:t>
-            </a:r>
-            <a:r>
-              <a:rPr b="0" dirty="0" err="1">
-                <a:solidFill>
-                  <a:srgbClr val="000000"/>
-                </a:solidFill>
-              </a:rPr>
-              <a:t>ResComponentGroup</a:t>
-            </a:r>
-            <a:r>
-              <a:rPr b="0" dirty="0">
-                <a:solidFill>
-                  <a:srgbClr val="000000"/>
-                </a:solidFill>
-              </a:rPr>
-              <a:t> </a:t>
-            </a:r>
-            <a:r>
-              <a:rPr b="0" dirty="0" err="1">
-                <a:solidFill>
-                  <a:srgbClr val="000000"/>
-                </a:solidFill>
-              </a:rPr>
-              <a:t>resCompGroup</a:t>
-            </a:r>
-            <a:r>
-              <a:rPr b="0" dirty="0">
-                <a:solidFill>
-                  <a:srgbClr val="000000"/>
-                </a:solidFill>
-              </a:rPr>
-              <a:t>, Reservation res)</a:t>
-            </a:r>
-            <a:br>
-              <a:rPr b="0" dirty="0">
-                <a:solidFill>
-                  <a:srgbClr val="000000"/>
-                </a:solidFill>
-              </a:rPr>
-            </a:br>
-            <a:r>
-              <a:rPr b="0" dirty="0">
-                <a:solidFill>
-                  <a:srgbClr val="000000"/>
-                </a:solidFill>
-              </a:rPr>
-              <a:t>{</a:t>
-            </a:r>
-            <a:br>
-              <a:rPr b="0" dirty="0">
-                <a:solidFill>
-                  <a:srgbClr val="000000"/>
-                </a:solidFill>
-              </a:rPr>
-            </a:br>
-            <a:r>
-              <a:rPr b="0" dirty="0">
-                <a:solidFill>
-                  <a:srgbClr val="000000"/>
-                </a:solidFill>
-              </a:rPr>
-              <a:t>    </a:t>
-            </a:r>
-            <a:r>
-              <a:rPr dirty="0"/>
-              <a:t>return </a:t>
-            </a:r>
-            <a:r>
-              <a:rPr b="0" dirty="0" err="1">
-                <a:solidFill>
-                  <a:srgbClr val="000000"/>
-                </a:solidFill>
-              </a:rPr>
-              <a:t>Arrays.</a:t>
-            </a:r>
-            <a:r>
-              <a:rPr b="0" i="1" dirty="0" err="1">
-                <a:solidFill>
-                  <a:srgbClr val="000000"/>
-                </a:solidFill>
-              </a:rPr>
-              <a:t>stream</a:t>
-            </a:r>
-            <a:r>
-              <a:rPr b="0" dirty="0">
-                <a:solidFill>
-                  <a:srgbClr val="000000"/>
-                </a:solidFill>
-              </a:rPr>
-              <a:t>(</a:t>
-            </a:r>
-            <a:r>
-              <a:rPr b="0" dirty="0" err="1">
-                <a:solidFill>
-                  <a:srgbClr val="000000"/>
-                </a:solidFill>
-              </a:rPr>
-              <a:t>resCompGroup.getGroupMember</a:t>
-            </a:r>
-            <a:r>
-              <a:rPr b="0" dirty="0">
-                <a:solidFill>
-                  <a:srgbClr val="000000"/>
-                </a:solidFill>
-              </a:rPr>
-              <a:t>())</a:t>
-            </a:r>
-            <a:br>
-              <a:rPr b="0" dirty="0">
-                <a:solidFill>
-                  <a:srgbClr val="000000"/>
-                </a:solidFill>
-              </a:rPr>
-            </a:br>
-            <a:r>
-              <a:rPr b="0" dirty="0">
-                <a:solidFill>
-                  <a:srgbClr val="000000"/>
-                </a:solidFill>
-              </a:rPr>
-              <a:t>            .filter(gm -&gt;  </a:t>
-            </a:r>
-            <a:r>
-              <a:rPr b="0" dirty="0" err="1">
-                <a:solidFill>
-                  <a:srgbClr val="000000"/>
-                </a:solidFill>
-              </a:rPr>
-              <a:t>gm.hasPrimaryComponent</a:t>
-            </a:r>
-            <a:r>
-              <a:rPr b="0" dirty="0">
-                <a:solidFill>
-                  <a:srgbClr val="000000"/>
-                </a:solidFill>
-              </a:rPr>
-              <a:t>() &amp;&amp; </a:t>
-            </a:r>
-            <a:r>
-              <a:rPr b="0" dirty="0" err="1">
-                <a:solidFill>
-                  <a:srgbClr val="000000"/>
-                </a:solidFill>
-              </a:rPr>
-              <a:t>gm.hasResComponentSequence</a:t>
-            </a:r>
-            <a:r>
-              <a:rPr b="0" dirty="0">
-                <a:solidFill>
-                  <a:srgbClr val="000000"/>
-                </a:solidFill>
-              </a:rPr>
-              <a:t>())</a:t>
-            </a:r>
-            <a:br>
-              <a:rPr b="0" dirty="0">
-                <a:solidFill>
-                  <a:srgbClr val="000000"/>
-                </a:solidFill>
-              </a:rPr>
-            </a:br>
-            <a:r>
-              <a:rPr b="0" dirty="0">
-                <a:solidFill>
-                  <a:srgbClr val="000000"/>
-                </a:solidFill>
-              </a:rPr>
-              <a:t>            .map(gm -&gt; </a:t>
-            </a:r>
-            <a:r>
-              <a:rPr b="0" dirty="0" err="1">
-                <a:solidFill>
-                  <a:srgbClr val="000000"/>
-                </a:solidFill>
-              </a:rPr>
-              <a:t>ResComponentUtil.</a:t>
-            </a:r>
-            <a:r>
-              <a:rPr b="0" i="1" dirty="0" err="1">
-                <a:solidFill>
-                  <a:srgbClr val="000000"/>
-                </a:solidFill>
-              </a:rPr>
-              <a:t>getResComponent</a:t>
-            </a:r>
-            <a:r>
-              <a:rPr b="0" dirty="0">
-                <a:solidFill>
-                  <a:srgbClr val="000000"/>
-                </a:solidFill>
-              </a:rPr>
-              <a:t>(</a:t>
-            </a:r>
-            <a:r>
-              <a:rPr b="0" dirty="0">
-                <a:solidFill>
-                  <a:srgbClr val="660E7A"/>
-                </a:solidFill>
-              </a:rPr>
-              <a:t>res</a:t>
-            </a:r>
-            <a:r>
-              <a:rPr b="0" dirty="0">
-                <a:solidFill>
-                  <a:srgbClr val="000000"/>
-                </a:solidFill>
-              </a:rPr>
-              <a:t>, </a:t>
-            </a:r>
-            <a:r>
-              <a:rPr b="0" dirty="0" err="1">
-                <a:solidFill>
-                  <a:srgbClr val="000000"/>
-                </a:solidFill>
-              </a:rPr>
-              <a:t>gm.getResComponentSequence</a:t>
-            </a:r>
-            <a:r>
-              <a:rPr b="0" dirty="0">
-                <a:solidFill>
-                  <a:srgbClr val="000000"/>
-                </a:solidFill>
-              </a:rPr>
-              <a:t>()))</a:t>
-            </a:r>
-            <a:br>
-              <a:rPr b="0" dirty="0">
-                <a:solidFill>
-                  <a:srgbClr val="000000"/>
-                </a:solidFill>
-              </a:rPr>
-            </a:br>
-            <a:r>
-              <a:rPr b="0" dirty="0">
-                <a:solidFill>
-                  <a:srgbClr val="000000"/>
-                </a:solidFill>
-              </a:rPr>
-              <a:t>            .</a:t>
-            </a:r>
-            <a:r>
-              <a:rPr b="0" dirty="0" err="1">
-                <a:solidFill>
-                  <a:srgbClr val="000000"/>
-                </a:solidFill>
-              </a:rPr>
-              <a:t>findFirst</a:t>
-            </a:r>
-            <a:r>
-              <a:rPr b="0" dirty="0">
-                <a:solidFill>
-                  <a:srgbClr val="000000"/>
-                </a:solidFill>
-              </a:rPr>
-              <a:t>()</a:t>
-            </a:r>
-            <a:br>
-              <a:rPr b="0" dirty="0">
-                <a:solidFill>
-                  <a:srgbClr val="000000"/>
-                </a:solidFill>
-              </a:rPr>
-            </a:br>
-            <a:r>
-              <a:rPr b="0" dirty="0">
-                <a:solidFill>
-                  <a:srgbClr val="000000"/>
-                </a:solidFill>
-              </a:rPr>
-              <a:t>            .</a:t>
-            </a:r>
-            <a:r>
-              <a:rPr b="0" dirty="0" err="1">
-                <a:solidFill>
-                  <a:srgbClr val="000000"/>
-                </a:solidFill>
-              </a:rPr>
-              <a:t>orElse</a:t>
-            </a:r>
-            <a:r>
-              <a:rPr b="0" dirty="0">
-                <a:solidFill>
-                  <a:srgbClr val="000000"/>
-                </a:solidFill>
-              </a:rPr>
-              <a:t>(</a:t>
-            </a:r>
-            <a:r>
-              <a:rPr dirty="0"/>
-              <a:t>null</a:t>
-            </a:r>
-            <a:r>
-              <a:rPr b="0" dirty="0">
-                <a:solidFill>
-                  <a:srgbClr val="000000"/>
-                </a:solidFill>
-              </a:rPr>
-              <a:t>);</a:t>
-            </a:r>
-            <a:br>
-              <a:rPr b="0" dirty="0">
-                <a:solidFill>
-                  <a:srgbClr val="000000"/>
-                </a:solidFill>
-              </a:rPr>
-            </a:br>
-            <a:br>
-              <a:rPr b="0" dirty="0">
-                <a:solidFill>
-                  <a:srgbClr val="000000"/>
-                </a:solidFill>
-              </a:rPr>
-            </a:br>
-            <a:r>
-              <a:rPr b="0" dirty="0">
-                <a:solidFill>
-                  <a:srgbClr val="000000"/>
-                </a:solidFill>
-              </a:rPr>
-              <a:t>}</a:t>
-            </a:r>
-          </a:p>
-        </p:txBody>
-      </p:sp>
-      <p:sp>
-        <p:nvSpPr>
-          <p:cNvPr id="333" name="Shape 333"/>
-          <p:cNvSpPr/>
-          <p:nvPr/>
-        </p:nvSpPr>
-        <p:spPr>
-          <a:xfrm>
-            <a:off x="724940" y="1044571"/>
-            <a:ext cx="7998646" cy="688341"/>
-          </a:xfrm>
-          <a:prstGeom prst="rect">
-            <a:avLst/>
-          </a:prstGeom>
-          <a:ln w="12700">
-            <a:miter lim="400000"/>
-          </a:ln>
-          <a:extLst>
-            <a:ext uri="{C572A759-6A51-4108-AA02-DFA0A04FC94B}">
-              <ma14:wrappingTextBoxFlag xmlns:ma14="http://schemas.microsoft.com/office/mac/drawingml/2011/main" xmlns="" val="1"/>
-            </a:ext>
-          </a:extLst>
-        </p:spPr>
-        <p:txBody>
-          <a:bodyPr lIns="45719" rIns="45719">
-            <a:normAutofit/>
-          </a:bodyPr>
-          <a:lstStyle>
-            <a:lvl1pPr>
-              <a:lnSpc>
-                <a:spcPct val="90000"/>
-              </a:lnSpc>
-              <a:spcBef>
-                <a:spcPts val="1000"/>
-              </a:spcBef>
-              <a:defRPr sz="4000">
-                <a:solidFill>
-                  <a:srgbClr val="414042"/>
-                </a:solidFill>
-              </a:defRPr>
-            </a:lvl1pPr>
-          </a:lstStyle>
-          <a:p>
-            <a:r>
-              <a:t>Practice 1 in TDP </a:t>
-            </a:r>
-          </a:p>
-        </p:txBody>
-      </p:sp>
-    </p:spTree>
-  </p:cSld>
-  <p:clrMapOvr>
-    <a:masterClrMapping/>
-  </p:clrMapOvr>
-  <p:transition spd="slow"/>
-</p:sld>
-</file>
-
-<file path=ppt/slides/slide42.xml><?xml version="1.0" encoding="utf-8"?>
-<p:sld xmlns:a="http://schemas.openxmlformats.org/drawingml/2006/main" xmlns:r="http://schemas.openxmlformats.org/officeDocument/2006/relationships" xmlns:p="http://schemas.openxmlformats.org/presentationml/2006/main">
-  <p:cSld>
-    <p:spTree>
-      <p:nvGrpSpPr>
-        <p:cNvPr id="1" name=""/>
-        <p:cNvGrpSpPr/>
-        <p:nvPr/>
-      </p:nvGrpSpPr>
-      <p:grpSpPr>
-        <a:xfrm>
-          <a:off x="0" y="0"/>
-          <a:ext cx="0" cy="0"/>
-          <a:chOff x="0" y="0"/>
-          <a:chExt cx="0" cy="0"/>
-        </a:xfrm>
-      </p:grpSpPr>
-      <p:sp>
-        <p:nvSpPr>
           <p:cNvPr id="335" name="Shape 335"/>
           <p:cNvSpPr>
             <a:spLocks noGrp="1"/>
@@ -17252,8 +17751,12 @@
           </a:lstStyle>
           <a:p>
             <a:r>
+              <a:rPr lang="en-IE" sz="4000" dirty="0"/>
+              <a:t>Scenario</a:t>
+            </a:r>
+            <a:r>
               <a:rPr sz="4000" dirty="0"/>
-              <a:t>Practice 2 in TDP </a:t>
+              <a:t> 2</a:t>
             </a:r>
           </a:p>
         </p:txBody>
@@ -17280,7 +17783,7 @@
           </a:ln>
           <a:extLst>
             <a:ext uri="{C572A759-6A51-4108-AA02-DFA0A04FC94B}">
-              <ma14:wrappingTextBoxFlag xmlns:ma14="http://schemas.microsoft.com/office/mac/drawingml/2011/main" xmlns="" val="1"/>
+              <ma14:wrappingTextBoxFlag xmlns="" xmlns:ma14="http://schemas.microsoft.com/office/mac/drawingml/2011/main" val="1"/>
             </a:ext>
           </a:extLst>
         </p:spPr>
@@ -17658,7 +18161,7 @@
 </p:sld>
 </file>
 
-<file path=ppt/slides/slide43.xml><?xml version="1.0" encoding="utf-8"?>
+<file path=ppt/slides/slide41.xml><?xml version="1.0" encoding="utf-8"?>
 <p:sld xmlns:a="http://schemas.openxmlformats.org/drawingml/2006/main" xmlns:r="http://schemas.openxmlformats.org/officeDocument/2006/relationships" xmlns:p="http://schemas.openxmlformats.org/presentationml/2006/main">
   <p:cSld>
     <p:spTree>
@@ -17708,9 +18211,18 @@
           </a:lstStyle>
           <a:p>
             <a:r>
+              <a:rPr lang="en-IE" sz="4000" dirty="0"/>
+              <a:t>Scenario</a:t>
+            </a:r>
+            <a:r>
               <a:rPr sz="4000" dirty="0"/>
-              <a:t>Practice 2 in TDP </a:t>
-            </a:r>
+              <a:t> 2 </a:t>
+            </a:r>
+            <a:r>
+              <a:rPr lang="en-IE" sz="4000" dirty="0"/>
+              <a:t>Adoption</a:t>
+            </a:r>
+            <a:endParaRPr sz="4000" dirty="0"/>
           </a:p>
         </p:txBody>
       </p:sp>
@@ -17733,7 +18245,7 @@
           </a:ln>
           <a:extLst>
             <a:ext uri="{C572A759-6A51-4108-AA02-DFA0A04FC94B}">
-              <ma14:wrappingTextBoxFlag xmlns:ma14="http://schemas.microsoft.com/office/mac/drawingml/2011/main" xmlns="" val="1"/>
+              <ma14:wrappingTextBoxFlag xmlns="" xmlns:ma14="http://schemas.microsoft.com/office/mac/drawingml/2011/main" val="1"/>
             </a:ext>
           </a:extLst>
         </p:spPr>
@@ -18702,7 +19214,7 @@
 </p:sld>
 </file>
 
-<file path=ppt/slides/slide44.xml><?xml version="1.0" encoding="utf-8"?>
+<file path=ppt/slides/slide42.xml><?xml version="1.0" encoding="utf-8"?>
 <p:sld xmlns:a="http://schemas.openxmlformats.org/drawingml/2006/main" xmlns:r="http://schemas.openxmlformats.org/officeDocument/2006/relationships" xmlns:p="http://schemas.openxmlformats.org/presentationml/2006/main">
   <p:cSld>
     <p:spTree>
@@ -18752,8 +19264,12 @@
           </a:lstStyle>
           <a:p>
             <a:r>
+              <a:rPr lang="en-IE" sz="4000" dirty="0"/>
+              <a:t>Scenario</a:t>
+            </a:r>
+            <a:r>
               <a:rPr sz="4000" dirty="0"/>
-              <a:t>Practice 3 in TDP </a:t>
+              <a:t> 3</a:t>
             </a:r>
           </a:p>
         </p:txBody>
@@ -18777,7 +19293,7 @@
           </a:ln>
           <a:extLst>
             <a:ext uri="{C572A759-6A51-4108-AA02-DFA0A04FC94B}">
-              <ma14:wrappingTextBoxFlag xmlns:ma14="http://schemas.microsoft.com/office/mac/drawingml/2011/main" xmlns="" val="1"/>
+              <ma14:wrappingTextBoxFlag xmlns="" xmlns:ma14="http://schemas.microsoft.com/office/mac/drawingml/2011/main" val="1"/>
             </a:ext>
           </a:extLst>
         </p:spPr>
@@ -19618,7 +20134,68 @@
 </p:sld>
 </file>
 
-<file path=ppt/slides/slide45.xml><?xml version="1.0" encoding="utf-8"?>
+<file path=ppt/slides/slide43.xml><?xml version="1.0" encoding="utf-8"?>
+<p:sld xmlns:a="http://schemas.openxmlformats.org/drawingml/2006/main" xmlns:r="http://schemas.openxmlformats.org/officeDocument/2006/relationships" xmlns:p="http://schemas.openxmlformats.org/presentationml/2006/main">
+  <p:cSld>
+    <p:spTree>
+      <p:nvGrpSpPr>
+        <p:cNvPr id="1" name=""/>
+        <p:cNvGrpSpPr/>
+        <p:nvPr/>
+      </p:nvGrpSpPr>
+      <p:grpSpPr>
+        <a:xfrm>
+          <a:off x="0" y="0"/>
+          <a:ext cx="0" cy="0"/>
+          <a:chOff x="0" y="0"/>
+          <a:chExt cx="0" cy="0"/>
+        </a:xfrm>
+      </p:grpSpPr>
+      <p:pic>
+        <p:nvPicPr>
+          <p:cNvPr id="7" name="Picture 6"/>
+          <p:cNvPicPr>
+            <a:picLocks noChangeAspect="1"/>
+          </p:cNvPicPr>
+          <p:nvPr/>
+        </p:nvPicPr>
+        <p:blipFill>
+          <a:blip r:embed="rId2" cstate="print">
+            <a:extLst>
+              <a:ext uri="{28A0092B-C50C-407E-A947-70E740481C1C}">
+                <a14:useLocalDpi xmlns:a14="http://schemas.microsoft.com/office/drawing/2010/main" val="0"/>
+              </a:ext>
+            </a:extLst>
+          </a:blip>
+          <a:stretch>
+            <a:fillRect/>
+          </a:stretch>
+        </p:blipFill>
+        <p:spPr>
+          <a:xfrm>
+            <a:off x="1377887" y="1755229"/>
+            <a:ext cx="7219575" cy="4061698"/>
+          </a:xfrm>
+          <a:prstGeom prst="rect">
+            <a:avLst/>
+          </a:prstGeom>
+        </p:spPr>
+      </p:pic>
+    </p:spTree>
+    <p:extLst>
+      <p:ext uri="{BB962C8B-B14F-4D97-AF65-F5344CB8AC3E}">
+        <p14:creationId xmlns:p14="http://schemas.microsoft.com/office/powerpoint/2010/main" val="3543630983"/>
+      </p:ext>
+    </p:extLst>
+  </p:cSld>
+  <p:clrMapOvr>
+    <a:masterClrMapping/>
+  </p:clrMapOvr>
+  <p:transition spd="med"/>
+</p:sld>
+</file>
+
+<file path=ppt/slides/slide44.xml><?xml version="1.0" encoding="utf-8"?>
 <p:sld xmlns:a="http://schemas.openxmlformats.org/drawingml/2006/main" xmlns:r="http://schemas.openxmlformats.org/officeDocument/2006/relationships" xmlns:p="http://schemas.openxmlformats.org/presentationml/2006/main">
   <p:cSld>
     <p:spTree>
@@ -19654,7 +20231,7 @@
           </a:ln>
           <a:extLst>
             <a:ext uri="{C572A759-6A51-4108-AA02-DFA0A04FC94B}">
-              <ma14:wrappingTextBoxFlag xmlns:ma14="http://schemas.microsoft.com/office/mac/drawingml/2011/main" xmlns="" val="1"/>
+              <ma14:wrappingTextBoxFlag xmlns="" xmlns:ma14="http://schemas.microsoft.com/office/mac/drawingml/2011/main" val="1"/>
             </a:ext>
           </a:extLst>
         </p:spPr>
@@ -19754,7 +20331,7 @@
 </p:sld>
 </file>
 
-<file path=ppt/slides/slide46.xml><?xml version="1.0" encoding="utf-8"?>
+<file path=ppt/slides/slide45.xml><?xml version="1.0" encoding="utf-8"?>
 <p:sld xmlns:a="http://schemas.openxmlformats.org/drawingml/2006/main" xmlns:r="http://schemas.openxmlformats.org/officeDocument/2006/relationships" xmlns:p="http://schemas.openxmlformats.org/presentationml/2006/main">
   <p:cSld>
     <p:spTree>
@@ -19890,7 +20467,7 @@
           </a:ln>
           <a:extLst>
             <a:ext uri="{C572A759-6A51-4108-AA02-DFA0A04FC94B}">
-              <ma14:wrappingTextBoxFlag xmlns:ma14="http://schemas.microsoft.com/office/mac/drawingml/2011/main" xmlns="" val="1"/>
+              <ma14:wrappingTextBoxFlag xmlns="" xmlns:ma14="http://schemas.microsoft.com/office/mac/drawingml/2011/main" val="1"/>
             </a:ext>
           </a:extLst>
         </p:spPr>
@@ -20056,7 +20633,7 @@
           </a:ln>
           <a:extLst>
             <a:ext uri="{C572A759-6A51-4108-AA02-DFA0A04FC94B}">
-              <ma14:wrappingTextBoxFlag xmlns:ma14="http://schemas.microsoft.com/office/mac/drawingml/2011/main" xmlns="" val="1"/>
+              <ma14:wrappingTextBoxFlag xmlns="" xmlns:ma14="http://schemas.microsoft.com/office/mac/drawingml/2011/main" val="1"/>
             </a:ext>
           </a:extLst>
         </p:spPr>
@@ -20382,7 +20959,7 @@
           </a:prstGeom>
           <a:extLst>
             <a:ext uri="{C572A759-6A51-4108-AA02-DFA0A04FC94B}">
-              <ma14:wrappingTextBoxFlag xmlns:ma14="http://schemas.microsoft.com/office/mac/drawingml/2011/main" xmlns="" val="1"/>
+              <ma14:wrappingTextBoxFlag xmlns="" xmlns:ma14="http://schemas.microsoft.com/office/mac/drawingml/2011/main" val="1"/>
             </a:ext>
           </a:extLst>
         </p:spPr>
@@ -20552,7 +21129,7 @@
           </a:prstGeom>
           <a:extLst>
             <a:ext uri="{C572A759-6A51-4108-AA02-DFA0A04FC94B}">
-              <ma14:wrappingTextBoxFlag xmlns:ma14="http://schemas.microsoft.com/office/mac/drawingml/2011/main" xmlns="" val="1"/>
+              <ma14:wrappingTextBoxFlag xmlns="" xmlns:ma14="http://schemas.microsoft.com/office/mac/drawingml/2011/main" val="1"/>
             </a:ext>
           </a:extLst>
         </p:spPr>
@@ -20696,19 +21273,21 @@
         <p:spPr>
           <a:xfrm>
             <a:off x="724939" y="1987818"/>
-            <a:ext cx="9641687" cy="3282500"/>
+            <a:ext cx="10594702" cy="3282500"/>
           </a:xfrm>
           <a:prstGeom prst="rect">
             <a:avLst/>
           </a:prstGeom>
           <a:extLst>
             <a:ext uri="{C572A759-6A51-4108-AA02-DFA0A04FC94B}">
-              <ma14:wrappingTextBoxFlag xmlns:ma14="http://schemas.microsoft.com/office/mac/drawingml/2011/main" xmlns="" val="1"/>
+              <ma14:wrappingTextBoxFlag xmlns="" xmlns:ma14="http://schemas.microsoft.com/office/mac/drawingml/2011/main" val="1"/>
             </a:ext>
           </a:extLst>
         </p:spPr>
         <p:txBody>
-          <a:bodyPr/>
+          <a:bodyPr>
+            <a:noAutofit/>
+          </a:bodyPr>
           <a:lstStyle/>
           <a:p>
             <a:pPr>
@@ -20723,9 +21302,18 @@
               </a:defRPr>
             </a:pPr>
             <a:r>
-              <a:rPr dirty="0"/>
-              <a:t>added for backward compatible</a:t>
-            </a:r>
+              <a:rPr sz="2400" dirty="0"/>
+              <a:t>backward </a:t>
+            </a:r>
+            <a:r>
+              <a:rPr sz="2400" dirty="0" err="1"/>
+              <a:t>compatibl</a:t>
+            </a:r>
+            <a:r>
+              <a:rPr lang="en-IE" sz="2400" dirty="0" err="1"/>
+              <a:t>ity</a:t>
+            </a:r>
+            <a:endParaRPr sz="2400" dirty="0"/>
           </a:p>
           <a:p>
             <a:pPr>
@@ -20740,9 +21328,18 @@
               </a:defRPr>
             </a:pPr>
             <a:r>
-              <a:rPr dirty="0"/>
-              <a:t>old interfaces can be used to leverage the lambda expression capability</a:t>
-            </a:r>
+              <a:rPr lang="en-IE" sz="2400" dirty="0"/>
+              <a:t>o</a:t>
+            </a:r>
+            <a:r>
+              <a:rPr sz="2400" dirty="0" err="1"/>
+              <a:t>ld</a:t>
+            </a:r>
+            <a:r>
+              <a:rPr sz="2400" dirty="0"/>
+              <a:t> interfaces can be used to leverage the lambda expression capability</a:t>
+            </a:r>
+            <a:endParaRPr lang="en-IE" sz="2400" dirty="0"/>
           </a:p>
           <a:p>
             <a:pPr>
@@ -20757,17 +21354,22 @@
               </a:defRPr>
             </a:pPr>
             <a:r>
-              <a:rPr dirty="0"/>
+              <a:rPr sz="2400" dirty="0"/>
               <a:t>‘</a:t>
             </a:r>
             <a:r>
-              <a:rPr dirty="0" err="1"/>
+              <a:rPr sz="2400" dirty="0" err="1"/>
               <a:t>Iterable</a:t>
             </a:r>
             <a:r>
-              <a:rPr dirty="0"/>
+              <a:rPr sz="2400" dirty="0"/>
               <a:t>’ </a:t>
             </a:r>
+            <a:r>
+              <a:rPr lang="en-IE" sz="2400" dirty="0"/>
+              <a:t>interface</a:t>
+            </a:r>
+            <a:endParaRPr sz="2400" dirty="0"/>
           </a:p>
           <a:p>
             <a:pPr marL="685800" lvl="1" indent="-228600">
@@ -20787,10 +21389,10 @@
               </a:defRPr>
             </a:pPr>
             <a:r>
-              <a:rPr dirty="0" err="1"/>
+              <a:rPr sz="2400" dirty="0" err="1"/>
               <a:t>forEach</a:t>
             </a:r>
-            <a:endParaRPr dirty="0"/>
+            <a:endParaRPr sz="2400" dirty="0"/>
           </a:p>
           <a:p>
             <a:pPr>
@@ -20805,9 +21407,14 @@
               </a:defRPr>
             </a:pPr>
             <a:r>
-              <a:rPr dirty="0"/>
+              <a:rPr sz="2400" dirty="0"/>
               <a:t>‘Collection’</a:t>
             </a:r>
+            <a:r>
+              <a:rPr lang="en-IE" sz="2400" dirty="0"/>
+              <a:t> interface</a:t>
+            </a:r>
+            <a:endParaRPr sz="2400" dirty="0"/>
           </a:p>
           <a:p>
             <a:pPr marL="685800" lvl="1" indent="-228600">
@@ -20827,10 +21434,9 @@
               </a:defRPr>
             </a:pPr>
             <a:r>
-              <a:rPr dirty="0"/>
+              <a:rPr sz="2400" dirty="0"/>
               <a:t>stream</a:t>
             </a:r>
-            <a:endParaRPr sz="2400" dirty="0"/>
           </a:p>
           <a:p>
             <a:pPr marL="685800" lvl="1" indent="-228600">
@@ -20850,10 +21456,10 @@
               </a:defRPr>
             </a:pPr>
             <a:r>
-              <a:rPr dirty="0" err="1"/>
+              <a:rPr sz="2400" dirty="0" err="1"/>
               <a:t>parallelStream</a:t>
             </a:r>
-            <a:endParaRPr dirty="0"/>
+            <a:endParaRPr sz="2400" dirty="0"/>
           </a:p>
         </p:txBody>
       </p:sp>
@@ -20885,7 +21491,7 @@
       </p:grpSpPr>
       <p:sp>
         <p:nvSpPr>
-          <p:cNvPr id="191" name="Shape 191"/>
+          <p:cNvPr id="198" name="Shape 198"/>
           <p:cNvSpPr>
             <a:spLocks noGrp="1"/>
           </p:cNvSpPr>
@@ -20895,7 +21501,7 @@
         </p:nvSpPr>
         <p:spPr>
           <a:xfrm>
-            <a:off x="724940" y="988410"/>
+            <a:off x="724938" y="862286"/>
             <a:ext cx="7998646" cy="472529"/>
           </a:xfrm>
           <a:prstGeom prst="rect">
@@ -20917,295 +21523,115 @@
           <a:p>
             <a:r>
               <a:rPr sz="4400" dirty="0"/>
-              <a:t>Multiple Defaults</a:t>
+              <a:t>Final or Effectively Final</a:t>
             </a:r>
           </a:p>
         </p:txBody>
       </p:sp>
       <p:sp>
         <p:nvSpPr>
-          <p:cNvPr id="192" name="Shape 192"/>
+          <p:cNvPr id="199" name="Shape 199"/>
           <p:cNvSpPr/>
           <p:nvPr/>
         </p:nvSpPr>
         <p:spPr>
           <a:xfrm>
-            <a:off x="848230" y="2166078"/>
-            <a:ext cx="7998646" cy="2885441"/>
+            <a:off x="724938" y="1733763"/>
+            <a:ext cx="10453345" cy="3799841"/>
           </a:xfrm>
           <a:prstGeom prst="rect">
             <a:avLst/>
           </a:prstGeom>
-          <a:solidFill>
-            <a:srgbClr val="FFFFFF"/>
-          </a:solidFill>
           <a:ln w="12700">
             <a:miter lim="400000"/>
           </a:ln>
           <a:extLst>
             <a:ext uri="{C572A759-6A51-4108-AA02-DFA0A04FC94B}">
-              <ma14:wrappingTextBoxFlag xmlns:ma14="http://schemas.microsoft.com/office/mac/drawingml/2011/main" xmlns="" val="1"/>
+              <ma14:wrappingTextBoxFlag xmlns="" xmlns:ma14="http://schemas.microsoft.com/office/mac/drawingml/2011/main" val="1"/>
             </a:ext>
           </a:extLst>
         </p:spPr>
         <p:txBody>
-          <a:bodyPr lIns="45719" rIns="45719" anchor="ctr">
+          <a:bodyPr lIns="45719" rIns="45719">
             <a:spAutoFit/>
           </a:bodyPr>
           <a:lstStyle/>
           <a:p>
-            <a:pPr>
-              <a:defRPr b="1">
-                <a:solidFill>
-                  <a:srgbClr val="000080"/>
-                </a:solidFill>
-                <a:latin typeface="Courier New"/>
-                <a:ea typeface="Courier New"/>
-                <a:cs typeface="Courier New"/>
-                <a:sym typeface="Courier New"/>
-              </a:defRPr>
+            <a:pPr marL="228600" indent="-228600">
+              <a:lnSpc>
+                <a:spcPct val="150000"/>
+              </a:lnSpc>
+              <a:spcBef>
+                <a:spcPts val="1000"/>
+              </a:spcBef>
+              <a:buSzPct val="100000"/>
+              <a:buFont typeface="Arial"/>
+              <a:buChar char="•"/>
+              <a:defRPr sz="2800"/>
             </a:pPr>
             <a:r>
-              <a:t>interface </a:t>
-            </a:r>
-            <a:r>
-              <a:rPr b="0">
-                <a:solidFill>
-                  <a:srgbClr val="000000"/>
-                </a:solidFill>
-              </a:rPr>
-              <a:t>Vehicle {</a:t>
-            </a:r>
-            <a:br>
-              <a:rPr b="0">
-                <a:solidFill>
-                  <a:srgbClr val="000000"/>
-                </a:solidFill>
-              </a:rPr>
-            </a:br>
-            <a:r>
-              <a:rPr b="0">
-                <a:solidFill>
-                  <a:srgbClr val="000000"/>
-                </a:solidFill>
-              </a:rPr>
-              <a:t>    </a:t>
-            </a:r>
-            <a:r>
-              <a:t>default void </a:t>
-            </a:r>
-            <a:r>
-              <a:rPr b="0">
-                <a:solidFill>
-                  <a:srgbClr val="000000"/>
-                </a:solidFill>
-              </a:rPr>
-              <a:t>print(){</a:t>
-            </a:r>
-            <a:br>
-              <a:rPr b="0">
-                <a:solidFill>
-                  <a:srgbClr val="000000"/>
-                </a:solidFill>
-              </a:rPr>
-            </a:br>
-            <a:r>
-              <a:rPr b="0">
-                <a:solidFill>
-                  <a:srgbClr val="000000"/>
-                </a:solidFill>
-              </a:rPr>
-              <a:t>        System.</a:t>
-            </a:r>
-            <a:r>
-              <a:rPr i="1">
-                <a:solidFill>
-                  <a:srgbClr val="660E7A"/>
-                </a:solidFill>
-              </a:rPr>
-              <a:t>out</a:t>
-            </a:r>
-            <a:r>
-              <a:rPr b="0">
-                <a:solidFill>
-                  <a:srgbClr val="000000"/>
-                </a:solidFill>
-              </a:rPr>
-              <a:t>.println(</a:t>
-            </a:r>
-            <a:r>
-              <a:rPr>
-                <a:solidFill>
-                  <a:srgbClr val="008000"/>
-                </a:solidFill>
-              </a:rPr>
-              <a:t>"I am a vehicle!"</a:t>
-            </a:r>
-            <a:r>
-              <a:rPr b="0">
-                <a:solidFill>
-                  <a:srgbClr val="000000"/>
-                </a:solidFill>
-              </a:rPr>
-              <a:t>);</a:t>
-            </a:r>
-            <a:br>
-              <a:rPr b="0">
-                <a:solidFill>
-                  <a:srgbClr val="000000"/>
-                </a:solidFill>
-              </a:rPr>
-            </a:br>
-            <a:r>
-              <a:rPr b="0">
-                <a:solidFill>
-                  <a:srgbClr val="000000"/>
-                </a:solidFill>
-              </a:rPr>
-              <a:t>    }</a:t>
-            </a:r>
-            <a:br>
-              <a:rPr b="0">
-                <a:solidFill>
-                  <a:srgbClr val="000000"/>
-                </a:solidFill>
-              </a:rPr>
-            </a:br>
-            <a:r>
-              <a:rPr b="0">
-                <a:solidFill>
-                  <a:srgbClr val="000000"/>
-                </a:solidFill>
-              </a:rPr>
-              <a:t>}</a:t>
-            </a:r>
-            <a:br>
-              <a:rPr b="0">
-                <a:solidFill>
-                  <a:srgbClr val="000000"/>
-                </a:solidFill>
-              </a:rPr>
-            </a:br>
-            <a:br>
-              <a:rPr b="0">
-                <a:solidFill>
-                  <a:srgbClr val="000000"/>
-                </a:solidFill>
-              </a:rPr>
-            </a:br>
-            <a:r>
-              <a:t>interface </a:t>
-            </a:r>
-            <a:r>
-              <a:rPr b="0">
-                <a:solidFill>
-                  <a:srgbClr val="000000"/>
-                </a:solidFill>
-              </a:rPr>
-              <a:t>FourWheeler {</a:t>
-            </a:r>
-            <a:br>
-              <a:rPr b="0">
-                <a:solidFill>
-                  <a:srgbClr val="000000"/>
-                </a:solidFill>
-              </a:rPr>
-            </a:br>
-            <a:r>
-              <a:rPr b="0">
-                <a:solidFill>
-                  <a:srgbClr val="000000"/>
-                </a:solidFill>
-              </a:rPr>
-              <a:t>    </a:t>
-            </a:r>
-            <a:r>
-              <a:t>default void </a:t>
-            </a:r>
-            <a:r>
-              <a:rPr b="0">
-                <a:solidFill>
-                  <a:srgbClr val="000000"/>
-                </a:solidFill>
-              </a:rPr>
-              <a:t>print(){</a:t>
-            </a:r>
-            <a:br>
-              <a:rPr b="0">
-                <a:solidFill>
-                  <a:srgbClr val="000000"/>
-                </a:solidFill>
-              </a:rPr>
-            </a:br>
-            <a:r>
-              <a:rPr b="0">
-                <a:solidFill>
-                  <a:srgbClr val="000000"/>
-                </a:solidFill>
-              </a:rPr>
-              <a:t>        System.</a:t>
-            </a:r>
-            <a:r>
-              <a:rPr i="1">
-                <a:solidFill>
-                  <a:srgbClr val="660E7A"/>
-                </a:solidFill>
-              </a:rPr>
-              <a:t>out</a:t>
-            </a:r>
-            <a:r>
-              <a:rPr b="0">
-                <a:solidFill>
-                  <a:srgbClr val="000000"/>
-                </a:solidFill>
-              </a:rPr>
-              <a:t>.println(</a:t>
-            </a:r>
-            <a:r>
-              <a:rPr>
-                <a:solidFill>
-                  <a:srgbClr val="008000"/>
-                </a:solidFill>
-              </a:rPr>
-              <a:t>"I am a four wheeler!"</a:t>
-            </a:r>
-            <a:r>
-              <a:rPr b="0">
-                <a:solidFill>
-                  <a:srgbClr val="000000"/>
-                </a:solidFill>
-              </a:rPr>
-              <a:t>);</a:t>
-            </a:r>
-            <a:br>
-              <a:rPr b="0">
-                <a:solidFill>
-                  <a:srgbClr val="000000"/>
-                </a:solidFill>
-              </a:rPr>
-            </a:br>
-            <a:r>
-              <a:rPr b="0">
-                <a:solidFill>
-                  <a:srgbClr val="000000"/>
-                </a:solidFill>
-              </a:rPr>
-              <a:t>    }</a:t>
-            </a:r>
-            <a:br>
-              <a:rPr b="0">
-                <a:solidFill>
-                  <a:srgbClr val="000000"/>
-                </a:solidFill>
-              </a:rPr>
-            </a:br>
-            <a:r>
-              <a:rPr b="0">
-                <a:solidFill>
-                  <a:srgbClr val="000000"/>
-                </a:solidFill>
-              </a:rPr>
-              <a:t>}</a:t>
+              <a:rPr dirty="0"/>
+              <a:t>For both lambda bodies and inner classes, local variables in the enclosing context can only be referenced if they are final or </a:t>
+            </a:r>
+            <a:r>
+              <a:rPr i="1" dirty="0"/>
+              <a:t>effectively final</a:t>
+            </a:r>
+            <a:r>
+              <a:rPr dirty="0"/>
+              <a:t>. </a:t>
+            </a:r>
+          </a:p>
+          <a:p>
+            <a:pPr marL="228600" indent="-228600">
+              <a:lnSpc>
+                <a:spcPct val="150000"/>
+              </a:lnSpc>
+              <a:spcBef>
+                <a:spcPts val="1000"/>
+              </a:spcBef>
+              <a:buSzPct val="100000"/>
+              <a:buFont typeface="Arial"/>
+              <a:buChar char="•"/>
+              <a:defRPr sz="2800"/>
+            </a:pPr>
+            <a:r>
+              <a:rPr dirty="0"/>
+              <a:t>A variable is </a:t>
+            </a:r>
+            <a:r>
+              <a:rPr i="1" dirty="0"/>
+              <a:t>effectively final</a:t>
+            </a:r>
+            <a:r>
+              <a:rPr dirty="0"/>
+              <a:t> if it is never assigned to after its initialization.</a:t>
+            </a:r>
+          </a:p>
+          <a:p>
+            <a:pPr marL="228600" indent="-228600">
+              <a:lnSpc>
+                <a:spcPct val="150000"/>
+              </a:lnSpc>
+              <a:spcBef>
+                <a:spcPts val="1000"/>
+              </a:spcBef>
+              <a:buSzPct val="100000"/>
+              <a:buFont typeface="Arial"/>
+              <a:buChar char="•"/>
+              <a:defRPr sz="2800"/>
+            </a:pPr>
+            <a:r>
+              <a:rPr dirty="0"/>
+              <a:t>No longer need to litter code with </a:t>
+            </a:r>
+            <a:r>
+              <a:rPr b="1" dirty="0"/>
+              <a:t>final</a:t>
+            </a:r>
+            <a:r>
+              <a:rPr dirty="0"/>
+              <a:t> keyword</a:t>
             </a:r>
           </a:p>
         </p:txBody>

--- a/Java 8 & TDP.pptx
+++ b/Java 8 & TDP.pptx
@@ -5,7 +5,7 @@
     <p:sldMasterId id="2147483648" r:id="rId1"/>
   </p:sldMasterIdLst>
   <p:notesMasterIdLst>
-    <p:notesMasterId r:id="rId47"/>
+    <p:notesMasterId r:id="rId48"/>
   </p:notesMasterIdLst>
   <p:sldIdLst>
     <p:sldId id="256" r:id="rId2"/>
@@ -49,10 +49,11 @@
     <p:sldId id="303" r:id="rId40"/>
     <p:sldId id="304" r:id="rId41"/>
     <p:sldId id="305" r:id="rId42"/>
-    <p:sldId id="306" r:id="rId43"/>
-    <p:sldId id="312" r:id="rId44"/>
-    <p:sldId id="307" r:id="rId45"/>
-    <p:sldId id="308" r:id="rId46"/>
+    <p:sldId id="313" r:id="rId43"/>
+    <p:sldId id="306" r:id="rId44"/>
+    <p:sldId id="312" r:id="rId45"/>
+    <p:sldId id="307" r:id="rId46"/>
+    <p:sldId id="308" r:id="rId47"/>
   </p:sldIdLst>
   <p:sldSz cx="12192000" cy="6858000"/>
   <p:notesSz cx="6858000" cy="9144000"/>
@@ -582,6 +583,7 @@
           <a:lstStyle/>
           <a:p>
             <a:r>
+              <a:rPr dirty="0"/>
               <a:t>A lot of companies of big size of code base might think it's too hard or too risky to upgrade to java 8. But as you fall further behind, it just becomes even harder and riskier, and eventually you end up stuck with no upgrade path. This accumulation of technical debt slows down the entire development organization so keeping our stack current is a top priority here </a:t>
             </a:r>
           </a:p>
@@ -8449,7 +8451,7 @@
         </p:nvSpPr>
         <p:spPr>
           <a:xfrm>
-            <a:off x="724938" y="883307"/>
+            <a:off x="788000" y="1040963"/>
             <a:ext cx="7998646" cy="472529"/>
           </a:xfrm>
           <a:prstGeom prst="rect">
@@ -8484,8 +8486,8 @@
         </p:nvSpPr>
         <p:spPr>
           <a:xfrm>
-            <a:off x="724938" y="1972639"/>
-            <a:ext cx="9025237" cy="4297680"/>
+            <a:off x="956166" y="2561218"/>
+            <a:ext cx="9025237" cy="1900007"/>
           </a:xfrm>
           <a:prstGeom prst="rect">
             <a:avLst/>
@@ -8558,43 +8560,6 @@
             <a:r>
               <a:rPr b="0" dirty="0"/>
               <a:t> performs a mutable reduction operation on the elements of this stream using a Collector</a:t>
-            </a:r>
-          </a:p>
-          <a:p>
-            <a:pPr marL="228600" indent="-228600" algn="just">
-              <a:lnSpc>
-                <a:spcPct val="90000"/>
-              </a:lnSpc>
-              <a:spcBef>
-                <a:spcPts val="1000"/>
-              </a:spcBef>
-              <a:buSzPct val="100000"/>
-              <a:buFont typeface="Arial"/>
-              <a:buChar char="•"/>
-              <a:defRPr sz="2800"/>
-            </a:pPr>
-            <a:endParaRPr b="0" dirty="0"/>
-          </a:p>
-          <a:p>
-            <a:pPr marL="228600" indent="-228600" algn="just">
-              <a:lnSpc>
-                <a:spcPct val="90000"/>
-              </a:lnSpc>
-              <a:spcBef>
-                <a:spcPts val="1000"/>
-              </a:spcBef>
-              <a:buSzPct val="100000"/>
-              <a:buFont typeface="Arial"/>
-              <a:buChar char="•"/>
-              <a:defRPr sz="2800" b="1"/>
-            </a:pPr>
-            <a:r>
-              <a:rPr dirty="0"/>
-              <a:t>reduce</a:t>
-            </a:r>
-            <a:r>
-              <a:rPr b="0" dirty="0"/>
-              <a:t> performs a reduction on the elements of this stream, using the provided identity value and an associative accumulation function, and returns the reduced value</a:t>
             </a:r>
           </a:p>
         </p:txBody>
@@ -8717,6 +8682,7 @@
               </a:defRPr>
             </a:pPr>
             <a:r>
+              <a:rPr dirty="0"/>
               <a:t>Source</a:t>
             </a:r>
           </a:p>
@@ -8738,9 +8704,10 @@
               </a:defRPr>
             </a:pPr>
             <a:r>
+              <a:rPr dirty="0"/>
               <a:t>Sequence of elements, arrays, collection, list, set</a:t>
             </a:r>
-            <a:endParaRPr sz="2400"/>
+            <a:endParaRPr sz="2400" dirty="0"/>
           </a:p>
           <a:p>
             <a:pPr>
@@ -8755,6 +8722,7 @@
               </a:defRPr>
             </a:pPr>
             <a:r>
+              <a:rPr dirty="0"/>
               <a:t>Flows</a:t>
             </a:r>
           </a:p>
@@ -8776,9 +8744,10 @@
               </a:defRPr>
             </a:pPr>
             <a:r>
+              <a:rPr dirty="0"/>
               <a:t>Intermediate operation</a:t>
             </a:r>
-            <a:endParaRPr sz="2400"/>
+            <a:endParaRPr sz="2400" dirty="0"/>
           </a:p>
           <a:p>
             <a:pPr marL="685800" lvl="1" indent="-228600">
@@ -8798,9 +8767,10 @@
               </a:defRPr>
             </a:pPr>
             <a:r>
+              <a:rPr dirty="0"/>
               <a:t>Aggregate operation</a:t>
             </a:r>
-            <a:endParaRPr sz="2400"/>
+            <a:endParaRPr sz="2400" dirty="0"/>
           </a:p>
           <a:p>
             <a:pPr marL="685800" lvl="1" indent="-228600">
@@ -8820,9 +8790,10 @@
               </a:defRPr>
             </a:pPr>
             <a:r>
+              <a:rPr dirty="0"/>
               <a:t>Pipelining</a:t>
             </a:r>
-            <a:endParaRPr sz="2400"/>
+            <a:endParaRPr sz="2400" dirty="0"/>
           </a:p>
           <a:p>
             <a:pPr marL="685800" lvl="1" indent="-228600">
@@ -8842,9 +8813,10 @@
               </a:defRPr>
             </a:pPr>
             <a:r>
+              <a:rPr dirty="0"/>
               <a:t>Internal iteration</a:t>
             </a:r>
-            <a:endParaRPr sz="2400"/>
+            <a:endParaRPr sz="2400" dirty="0"/>
           </a:p>
           <a:p>
             <a:pPr marL="685800" lvl="1" indent="-228600">
@@ -8864,9 +8836,10 @@
               </a:defRPr>
             </a:pPr>
             <a:r>
+              <a:rPr dirty="0"/>
               <a:t>Lazy evaluation</a:t>
             </a:r>
-            <a:endParaRPr sz="2400"/>
+            <a:endParaRPr sz="2400" dirty="0"/>
           </a:p>
           <a:p>
             <a:pPr>
@@ -8881,6 +8854,7 @@
               </a:defRPr>
             </a:pPr>
             <a:r>
+              <a:rPr dirty="0"/>
               <a:t>Sink</a:t>
             </a:r>
           </a:p>
@@ -8902,9 +8876,10 @@
               </a:defRPr>
             </a:pPr>
             <a:r>
+              <a:rPr dirty="0"/>
               <a:t>Final operation</a:t>
             </a:r>
-            <a:endParaRPr sz="2400"/>
+            <a:endParaRPr sz="2400" dirty="0"/>
           </a:p>
           <a:p>
             <a:pPr marL="685800" lvl="1" indent="-228600">
@@ -8924,9 +8899,10 @@
               </a:defRPr>
             </a:pPr>
             <a:r>
+              <a:rPr dirty="0"/>
               <a:t>Make the computation happen</a:t>
             </a:r>
-            <a:endParaRPr sz="2400"/>
+            <a:endParaRPr sz="2400" dirty="0"/>
           </a:p>
           <a:p>
             <a:pPr marL="685800" lvl="1" indent="-228600">
@@ -8946,6 +8922,7 @@
               </a:defRPr>
             </a:pPr>
             <a:r>
+              <a:rPr dirty="0"/>
               <a:t>Boss</a:t>
             </a:r>
           </a:p>
@@ -17769,8 +17746,8 @@
         </p:nvSpPr>
         <p:spPr>
           <a:xfrm>
-            <a:off x="724939" y="1789357"/>
-            <a:ext cx="10710315" cy="4278094"/>
+            <a:off x="724939" y="2158689"/>
+            <a:ext cx="10710315" cy="3539430"/>
           </a:xfrm>
           <a:prstGeom prst="rect">
             <a:avLst/>
@@ -17805,11 +17782,11 @@
               </a:defRPr>
             </a:pPr>
             <a:r>
-              <a:rPr dirty="0"/>
+              <a:rPr sz="1400" dirty="0"/>
               <a:t>private static </a:t>
             </a:r>
             <a:r>
-              <a:rPr b="0" dirty="0">
+              <a:rPr sz="1400" b="0" dirty="0">
                 <a:solidFill>
                   <a:srgbClr val="000000"/>
                 </a:solidFill>
@@ -17817,7 +17794,7 @@
               <a:t>List&lt;String&gt; </a:t>
             </a:r>
             <a:r>
-              <a:rPr b="0" dirty="0" err="1">
+              <a:rPr sz="1400" b="0" dirty="0" err="1">
                 <a:solidFill>
                   <a:srgbClr val="000000"/>
                 </a:solidFill>
@@ -17825,7 +17802,7 @@
               <a:t>getAllPolicyCodeWithResCom</a:t>
             </a:r>
             <a:r>
-              <a:rPr lang="en-IE" b="0" dirty="0">
+              <a:rPr lang="en-IE" sz="1400" b="0" dirty="0">
                 <a:solidFill>
                   <a:srgbClr val="000000"/>
                 </a:solidFill>
@@ -17833,12 +17810,12 @@
               <a:t>p</a:t>
             </a:r>
             <a:r>
-              <a:rPr b="0" dirty="0">
-                <a:solidFill>
-                  <a:srgbClr val="000000"/>
-                </a:solidFill>
-              </a:rPr>
-              <a:t>Sequence1BeforeJava8(List&lt;Reservation&gt; reservations) </a:t>
+              <a:rPr sz="1400" b="0" dirty="0">
+                <a:solidFill>
+                  <a:srgbClr val="000000"/>
+                </a:solidFill>
+              </a:rPr>
+              <a:t>Sequence1(List&lt;Reservation&gt; reservations) </a:t>
             </a:r>
           </a:p>
           <a:p>
@@ -17851,29 +17828,29 @@
               </a:defRPr>
             </a:pPr>
             <a:r>
-              <a:rPr dirty="0"/>
+              <a:rPr sz="1400" dirty="0"/>
               <a:t>{</a:t>
             </a:r>
             <a:br>
-              <a:rPr dirty="0"/>
+              <a:rPr sz="1400" dirty="0"/>
             </a:br>
             <a:br>
-              <a:rPr dirty="0"/>
+              <a:rPr sz="1400" dirty="0"/>
             </a:br>
             <a:r>
-              <a:rPr dirty="0"/>
+              <a:rPr sz="1400" dirty="0"/>
               <a:t>    List&lt;String&gt; </a:t>
             </a:r>
             <a:r>
-              <a:rPr dirty="0" err="1"/>
+              <a:rPr sz="1400" dirty="0" err="1"/>
               <a:t>policyCodes</a:t>
             </a:r>
             <a:r>
-              <a:rPr dirty="0"/>
+              <a:rPr sz="1400" dirty="0"/>
               <a:t> = </a:t>
             </a:r>
             <a:r>
-              <a:rPr b="1" dirty="0">
+              <a:rPr sz="1400" b="1" dirty="0">
                 <a:solidFill>
                   <a:srgbClr val="000080"/>
                 </a:solidFill>
@@ -17881,22 +17858,22 @@
               <a:t>new </a:t>
             </a:r>
             <a:r>
-              <a:rPr dirty="0" err="1"/>
+              <a:rPr sz="1400" dirty="0" err="1"/>
               <a:t>ArrayList</a:t>
             </a:r>
             <a:r>
-              <a:rPr dirty="0"/>
+              <a:rPr sz="1400" dirty="0"/>
               <a:t>&lt;&gt;();</a:t>
             </a:r>
             <a:br>
-              <a:rPr dirty="0"/>
+              <a:rPr sz="1400" dirty="0"/>
             </a:br>
             <a:r>
-              <a:rPr dirty="0"/>
+              <a:rPr sz="1400" dirty="0"/>
               <a:t>    </a:t>
             </a:r>
             <a:r>
-              <a:rPr b="1" dirty="0">
+              <a:rPr sz="1400" b="1" dirty="0">
                 <a:solidFill>
                   <a:srgbClr val="000080"/>
                 </a:solidFill>
@@ -17904,26 +17881,26 @@
               <a:t>for</a:t>
             </a:r>
             <a:r>
-              <a:rPr dirty="0"/>
+              <a:rPr sz="1400" dirty="0"/>
               <a:t>(Reservation </a:t>
             </a:r>
             <a:r>
-              <a:rPr dirty="0" err="1"/>
+              <a:rPr sz="1400" dirty="0" err="1"/>
               <a:t>reservation</a:t>
             </a:r>
             <a:r>
-              <a:rPr dirty="0"/>
+              <a:rPr sz="1400" dirty="0"/>
               <a:t> : reservations){</a:t>
             </a:r>
             <a:br>
-              <a:rPr dirty="0"/>
+              <a:rPr sz="1400" dirty="0"/>
             </a:br>
             <a:r>
-              <a:rPr dirty="0"/>
+              <a:rPr sz="1400" dirty="0"/>
               <a:t>        </a:t>
             </a:r>
             <a:r>
-              <a:rPr b="1" dirty="0">
+              <a:rPr sz="1400" b="1" dirty="0">
                 <a:solidFill>
                   <a:srgbClr val="000080"/>
                 </a:solidFill>
@@ -17931,42 +17908,42 @@
               <a:t>for</a:t>
             </a:r>
             <a:r>
-              <a:rPr dirty="0"/>
+              <a:rPr sz="1400" dirty="0"/>
               <a:t>(</a:t>
             </a:r>
             <a:r>
-              <a:rPr dirty="0" err="1"/>
+              <a:rPr sz="1400" dirty="0" err="1"/>
               <a:t>ResComponent</a:t>
             </a:r>
             <a:r>
-              <a:rPr dirty="0"/>
+              <a:rPr sz="1400" dirty="0"/>
               <a:t> </a:t>
             </a:r>
             <a:r>
-              <a:rPr dirty="0" err="1"/>
+              <a:rPr sz="1400" dirty="0" err="1"/>
               <a:t>resComponent</a:t>
             </a:r>
             <a:r>
-              <a:rPr dirty="0"/>
+              <a:rPr sz="1400" dirty="0"/>
               <a:t> : </a:t>
             </a:r>
             <a:r>
-              <a:rPr dirty="0" err="1"/>
+              <a:rPr sz="1400" dirty="0" err="1"/>
               <a:t>reservation.getResComponents</a:t>
             </a:r>
             <a:r>
-              <a:rPr dirty="0"/>
+              <a:rPr sz="1400" dirty="0"/>
               <a:t>())</a:t>
             </a:r>
             <a:br>
-              <a:rPr dirty="0"/>
+              <a:rPr sz="1400" dirty="0"/>
             </a:br>
             <a:r>
-              <a:rPr dirty="0"/>
+              <a:rPr sz="1400" dirty="0"/>
               <a:t>            </a:t>
             </a:r>
             <a:r>
-              <a:rPr b="1" dirty="0">
+              <a:rPr sz="1400" b="1" dirty="0">
                 <a:solidFill>
                   <a:srgbClr val="000080"/>
                 </a:solidFill>
@@ -17974,19 +17951,19 @@
               <a:t>if </a:t>
             </a:r>
             <a:r>
-              <a:rPr dirty="0"/>
+              <a:rPr sz="1400" dirty="0"/>
               <a:t>(</a:t>
             </a:r>
             <a:r>
-              <a:rPr dirty="0" err="1"/>
+              <a:rPr sz="1400" dirty="0" err="1"/>
               <a:t>resComponent.getSequence</a:t>
             </a:r>
             <a:r>
-              <a:rPr dirty="0"/>
+              <a:rPr sz="1400" dirty="0"/>
               <a:t>() == </a:t>
             </a:r>
             <a:r>
-              <a:rPr dirty="0">
+              <a:rPr sz="1400" dirty="0">
                 <a:solidFill>
                   <a:srgbClr val="0000FF"/>
                 </a:solidFill>
@@ -17994,18 +17971,18 @@
               <a:t>1</a:t>
             </a:r>
             <a:r>
-              <a:rPr dirty="0"/>
+              <a:rPr sz="1400" dirty="0"/>
               <a:t>) {</a:t>
             </a:r>
             <a:br>
-              <a:rPr dirty="0"/>
+              <a:rPr sz="1400" dirty="0"/>
             </a:br>
             <a:r>
-              <a:rPr dirty="0"/>
+              <a:rPr sz="1400" dirty="0"/>
               <a:t>                </a:t>
             </a:r>
             <a:r>
-              <a:rPr b="1" dirty="0">
+              <a:rPr sz="1400" b="1" dirty="0">
                 <a:solidFill>
                   <a:srgbClr val="000080"/>
                 </a:solidFill>
@@ -18013,34 +17990,34 @@
               <a:t>for </a:t>
             </a:r>
             <a:r>
-              <a:rPr dirty="0"/>
+              <a:rPr sz="1400" dirty="0"/>
               <a:t>(Policy </a:t>
             </a:r>
             <a:r>
-              <a:rPr dirty="0" err="1"/>
+              <a:rPr sz="1400" dirty="0" err="1"/>
               <a:t>policy</a:t>
             </a:r>
             <a:r>
-              <a:rPr dirty="0"/>
+              <a:rPr sz="1400" dirty="0"/>
               <a:t> : </a:t>
             </a:r>
             <a:r>
-              <a:rPr dirty="0" err="1"/>
+              <a:rPr sz="1400" dirty="0" err="1"/>
               <a:t>resComponent.getPolicies</a:t>
             </a:r>
             <a:r>
-              <a:rPr dirty="0"/>
+              <a:rPr sz="1400" dirty="0"/>
               <a:t>()) {</a:t>
             </a:r>
             <a:br>
-              <a:rPr dirty="0"/>
+              <a:rPr sz="1400" dirty="0"/>
             </a:br>
             <a:r>
-              <a:rPr dirty="0"/>
+              <a:rPr sz="1400" dirty="0"/>
               <a:t>                        </a:t>
             </a:r>
             <a:r>
-              <a:rPr b="1" dirty="0">
+              <a:rPr sz="1400" b="1" dirty="0">
                 <a:solidFill>
                   <a:srgbClr val="000080"/>
                 </a:solidFill>
@@ -18048,19 +18025,19 @@
               <a:t>if</a:t>
             </a:r>
             <a:r>
-              <a:rPr dirty="0"/>
+              <a:rPr sz="1400" dirty="0"/>
               <a:t>(</a:t>
             </a:r>
             <a:r>
-              <a:rPr dirty="0" err="1"/>
+              <a:rPr sz="1400" dirty="0" err="1"/>
               <a:t>policy.getPolicyCode</a:t>
             </a:r>
             <a:r>
-              <a:rPr dirty="0"/>
+              <a:rPr sz="1400" dirty="0"/>
               <a:t>() != </a:t>
             </a:r>
             <a:r>
-              <a:rPr b="1" dirty="0">
+              <a:rPr sz="1400" b="1" dirty="0">
                 <a:solidFill>
                   <a:srgbClr val="000080"/>
                 </a:solidFill>
@@ -18068,62 +18045,62 @@
               <a:t>null</a:t>
             </a:r>
             <a:r>
-              <a:rPr dirty="0"/>
+              <a:rPr sz="1400" dirty="0"/>
               <a:t>)</a:t>
             </a:r>
             <a:br>
-              <a:rPr dirty="0"/>
+              <a:rPr sz="1400" dirty="0"/>
             </a:br>
             <a:r>
-              <a:rPr dirty="0"/>
+              <a:rPr sz="1400" dirty="0"/>
               <a:t>                            </a:t>
             </a:r>
             <a:r>
-              <a:rPr dirty="0" err="1"/>
+              <a:rPr sz="1400" dirty="0" err="1"/>
               <a:t>policyCodes.add</a:t>
             </a:r>
             <a:r>
-              <a:rPr dirty="0"/>
+              <a:rPr sz="1400" dirty="0"/>
               <a:t>(</a:t>
             </a:r>
             <a:r>
-              <a:rPr dirty="0" err="1"/>
+              <a:rPr sz="1400" dirty="0" err="1"/>
               <a:t>policy.getPolicyCode</a:t>
             </a:r>
             <a:r>
-              <a:rPr dirty="0"/>
+              <a:rPr sz="1400" dirty="0"/>
               <a:t>());</a:t>
             </a:r>
             <a:br>
-              <a:rPr dirty="0"/>
+              <a:rPr sz="1400" dirty="0"/>
             </a:br>
             <a:r>
-              <a:rPr dirty="0"/>
+              <a:rPr sz="1400" dirty="0"/>
               <a:t>                }</a:t>
             </a:r>
             <a:br>
-              <a:rPr dirty="0"/>
+              <a:rPr sz="1400" dirty="0"/>
             </a:br>
             <a:r>
-              <a:rPr dirty="0"/>
+              <a:rPr sz="1400" dirty="0"/>
               <a:t>            }</a:t>
             </a:r>
             <a:br>
-              <a:rPr dirty="0"/>
+              <a:rPr sz="1400" dirty="0"/>
             </a:br>
             <a:r>
-              <a:rPr dirty="0"/>
+              <a:rPr sz="1400" dirty="0"/>
               <a:t>    }</a:t>
             </a:r>
             <a:br>
-              <a:rPr dirty="0"/>
+              <a:rPr sz="1400" dirty="0"/>
             </a:br>
             <a:r>
-              <a:rPr dirty="0"/>
+              <a:rPr sz="1400" dirty="0"/>
               <a:t>    </a:t>
             </a:r>
             <a:r>
-              <a:rPr b="1" dirty="0">
+              <a:rPr sz="1400" b="1" dirty="0">
                 <a:solidFill>
                   <a:srgbClr val="000080"/>
                 </a:solidFill>
@@ -18131,24 +18108,24 @@
               <a:t>return </a:t>
             </a:r>
             <a:r>
-              <a:rPr dirty="0" err="1"/>
+              <a:rPr sz="1400" dirty="0" err="1"/>
               <a:t>policyCodes</a:t>
             </a:r>
             <a:r>
-              <a:rPr dirty="0"/>
+              <a:rPr sz="1400" dirty="0"/>
               <a:t>;</a:t>
             </a:r>
             <a:br>
-              <a:rPr dirty="0"/>
+              <a:rPr sz="1400" dirty="0"/>
             </a:br>
             <a:r>
-              <a:rPr dirty="0"/>
+              <a:rPr sz="1400" dirty="0"/>
               <a:t>}</a:t>
             </a:r>
             <a:br>
-              <a:rPr dirty="0"/>
+              <a:rPr sz="1400" dirty="0"/>
             </a:br>
-            <a:endParaRPr dirty="0"/>
+            <a:endParaRPr sz="1400" dirty="0"/>
           </a:p>
         </p:txBody>
       </p:sp>
@@ -18269,14 +18246,16 @@
               </a:defRPr>
             </a:pPr>
             <a:r>
+              <a:rPr dirty="0"/>
               <a:t>Improved by using </a:t>
             </a:r>
             <a:r>
-              <a:rPr b="1"/>
+              <a:rPr b="1" dirty="0"/>
               <a:t>λ</a:t>
             </a:r>
             <a:r>
-              <a:t>, Stream and Optional</a:t>
+              <a:rPr dirty="0"/>
+              <a:t>, Stream</a:t>
             </a:r>
           </a:p>
         </p:txBody>
@@ -18291,8 +18270,8 @@
         </p:nvSpPr>
         <p:spPr bwMode="auto">
           <a:xfrm>
-            <a:off x="588580" y="2545551"/>
-            <a:ext cx="10867698" cy="2970044"/>
+            <a:off x="588580" y="2445523"/>
+            <a:ext cx="10867698" cy="3170099"/>
           </a:xfrm>
           <a:prstGeom prst="rect">
             <a:avLst/>
@@ -18352,21 +18331,21 @@
               <a:tabLst/>
             </a:pPr>
             <a:r>
-              <a:rPr kumimoji="0" lang="en-US" altLang="en-US" sz="1300" b="0" i="0" u="none" strike="noStrike" cap="none" normalizeH="0" baseline="0" dirty="0">
-                <a:ln>
-                  <a:noFill/>
-                </a:ln>
-                <a:solidFill>
-                  <a:srgbClr val="000000"/>
-                </a:solidFill>
-                <a:effectLst/>
-                <a:latin typeface="Courier New" panose="02070309020205020404" pitchFamily="49" charset="0"/>
-                <a:cs typeface="Courier New" panose="02070309020205020404" pitchFamily="49" charset="0"/>
-              </a:rPr>
-              <a:t>    </a:t>
-            </a:r>
-            <a:r>
-              <a:rPr kumimoji="0" lang="en-US" altLang="en-US" sz="1300" b="1" i="0" u="none" strike="noStrike" cap="none" normalizeH="0" baseline="0" dirty="0">
+              <a:rPr kumimoji="0" lang="en-US" altLang="en-US" sz="1400" b="0" i="0" u="none" strike="noStrike" cap="none" normalizeH="0" baseline="0" dirty="0">
+                <a:ln>
+                  <a:noFill/>
+                </a:ln>
+                <a:solidFill>
+                  <a:srgbClr val="000000"/>
+                </a:solidFill>
+                <a:effectLst/>
+                <a:latin typeface="Courier New" panose="02070309020205020404" pitchFamily="49" charset="0"/>
+                <a:cs typeface="Courier New" panose="02070309020205020404" pitchFamily="49" charset="0"/>
+              </a:rPr>
+              <a:t> </a:t>
+            </a:r>
+            <a:r>
+              <a:rPr kumimoji="0" lang="en-US" altLang="en-US" sz="1400" b="1" i="0" u="none" strike="noStrike" cap="none" normalizeH="0" baseline="0" dirty="0">
                 <a:ln>
                   <a:noFill/>
                 </a:ln>
@@ -18380,21 +18359,21 @@
               <a:t>private static </a:t>
             </a:r>
             <a:r>
-              <a:rPr kumimoji="0" lang="en-US" altLang="en-US" sz="1300" b="0" i="0" u="none" strike="noStrike" cap="none" normalizeH="0" baseline="0" dirty="0">
-                <a:ln>
-                  <a:noFill/>
-                </a:ln>
-                <a:solidFill>
-                  <a:srgbClr val="000000"/>
-                </a:solidFill>
-                <a:effectLst/>
-                <a:latin typeface="Courier New" panose="02070309020205020404" pitchFamily="49" charset="0"/>
-                <a:cs typeface="Courier New" panose="02070309020205020404" pitchFamily="49" charset="0"/>
-              </a:rPr>
-              <a:t>List&lt;String&gt; getAllPolicyCodeWithResComSequence1InJava8(List&lt;Reservation&gt; reservations) {</a:t>
+              <a:rPr kumimoji="0" lang="en-US" altLang="en-US" sz="1400" b="0" i="0" u="none" strike="noStrike" cap="none" normalizeH="0" baseline="0" dirty="0">
+                <a:ln>
+                  <a:noFill/>
+                </a:ln>
+                <a:solidFill>
+                  <a:srgbClr val="000000"/>
+                </a:solidFill>
+                <a:effectLst/>
+                <a:latin typeface="Courier New" panose="02070309020205020404" pitchFamily="49" charset="0"/>
+                <a:cs typeface="Courier New" panose="02070309020205020404" pitchFamily="49" charset="0"/>
+              </a:rPr>
+              <a:t>List&lt;String&gt; getAllPolicyCodeWithResComSequence1(List&lt;Reservation&gt; reservations) {</a:t>
             </a:r>
             <a:br>
-              <a:rPr kumimoji="0" lang="en-US" altLang="en-US" sz="1300" b="0" i="0" u="none" strike="noStrike" cap="none" normalizeH="0" baseline="0" dirty="0">
+              <a:rPr kumimoji="0" lang="en-US" altLang="en-US" sz="1400" b="0" i="0" u="none" strike="noStrike" cap="none" normalizeH="0" baseline="0" dirty="0">
                 <a:ln>
                   <a:noFill/>
                 </a:ln>
@@ -18407,7 +18386,7 @@
               </a:rPr>
             </a:br>
             <a:br>
-              <a:rPr kumimoji="0" lang="en-US" altLang="en-US" sz="1300" b="0" i="0" u="none" strike="noStrike" cap="none" normalizeH="0" baseline="0" dirty="0">
+              <a:rPr kumimoji="0" lang="en-US" altLang="en-US" sz="1400" b="0" i="0" u="none" strike="noStrike" cap="none" normalizeH="0" baseline="0" dirty="0">
                 <a:ln>
                   <a:noFill/>
                 </a:ln>
@@ -18420,7 +18399,7 @@
               </a:rPr>
             </a:br>
             <a:r>
-              <a:rPr kumimoji="0" lang="en-US" altLang="en-US" sz="1300" b="0" i="0" u="none" strike="noStrike" cap="none" normalizeH="0" baseline="0" dirty="0">
+              <a:rPr kumimoji="0" lang="en-US" altLang="en-US" sz="1400" b="0" i="0" u="none" strike="noStrike" cap="none" normalizeH="0" baseline="0" dirty="0">
                 <a:ln>
                   <a:noFill/>
                 </a:ln>
@@ -18434,7 +18413,7 @@
               <a:t>        </a:t>
             </a:r>
             <a:r>
-              <a:rPr kumimoji="0" lang="en-US" altLang="en-US" sz="1300" b="1" i="0" u="none" strike="noStrike" cap="none" normalizeH="0" baseline="0" dirty="0">
+              <a:rPr kumimoji="0" lang="en-US" altLang="en-US" sz="1400" b="1" i="0" u="none" strike="noStrike" cap="none" normalizeH="0" baseline="0" dirty="0">
                 <a:ln>
                   <a:noFill/>
                 </a:ln>
@@ -18448,7 +18427,7 @@
               <a:t>return </a:t>
             </a:r>
             <a:r>
-              <a:rPr kumimoji="0" lang="en-US" altLang="en-US" sz="1300" b="0" i="0" u="none" strike="noStrike" cap="none" normalizeH="0" baseline="0" dirty="0">
+              <a:rPr kumimoji="0" lang="en-US" altLang="en-US" sz="1400" b="0" i="0" u="none" strike="noStrike" cap="none" normalizeH="0" baseline="0" dirty="0">
                 <a:ln>
                   <a:noFill/>
                 </a:ln>
@@ -18462,7 +18441,7 @@
               <a:t>reservations</a:t>
             </a:r>
             <a:br>
-              <a:rPr kumimoji="0" lang="en-US" altLang="en-US" sz="1300" b="0" i="0" u="none" strike="noStrike" cap="none" normalizeH="0" baseline="0" dirty="0">
+              <a:rPr kumimoji="0" lang="en-US" altLang="en-US" sz="1400" b="0" i="0" u="none" strike="noStrike" cap="none" normalizeH="0" baseline="0" dirty="0">
                 <a:ln>
                   <a:noFill/>
                 </a:ln>
@@ -18475,21 +18454,21 @@
               </a:rPr>
             </a:br>
             <a:r>
-              <a:rPr kumimoji="0" lang="en-US" altLang="en-US" sz="1300" b="0" i="0" u="none" strike="noStrike" cap="none" normalizeH="0" baseline="0" dirty="0">
-                <a:ln>
-                  <a:noFill/>
-                </a:ln>
-                <a:solidFill>
-                  <a:srgbClr val="000000"/>
-                </a:solidFill>
-                <a:effectLst/>
-                <a:latin typeface="Courier New" panose="02070309020205020404" pitchFamily="49" charset="0"/>
-                <a:cs typeface="Courier New" panose="02070309020205020404" pitchFamily="49" charset="0"/>
-              </a:rPr>
-              <a:t>                    .stream()</a:t>
+              <a:rPr kumimoji="0" lang="en-US" altLang="en-US" sz="1400" b="0" i="0" u="none" strike="noStrike" cap="none" normalizeH="0" baseline="0" dirty="0">
+                <a:ln>
+                  <a:noFill/>
+                </a:ln>
+                <a:solidFill>
+                  <a:srgbClr val="000000"/>
+                </a:solidFill>
+                <a:effectLst/>
+                <a:latin typeface="Courier New" panose="02070309020205020404" pitchFamily="49" charset="0"/>
+                <a:cs typeface="Courier New" panose="02070309020205020404" pitchFamily="49" charset="0"/>
+              </a:rPr>
+              <a:t>                      .stream()</a:t>
             </a:r>
             <a:br>
-              <a:rPr kumimoji="0" lang="en-US" altLang="en-US" sz="1300" b="0" i="0" u="none" strike="noStrike" cap="none" normalizeH="0" baseline="0" dirty="0">
+              <a:rPr kumimoji="0" lang="en-US" altLang="en-US" sz="1400" b="0" i="0" u="none" strike="noStrike" cap="none" normalizeH="0" baseline="0" dirty="0">
                 <a:ln>
                   <a:noFill/>
                 </a:ln>
@@ -18502,21 +18481,21 @@
               </a:rPr>
             </a:br>
             <a:r>
-              <a:rPr kumimoji="0" lang="en-US" altLang="en-US" sz="1300" b="0" i="0" u="none" strike="noStrike" cap="none" normalizeH="0" baseline="0" dirty="0">
-                <a:ln>
-                  <a:noFill/>
-                </a:ln>
-                <a:solidFill>
-                  <a:srgbClr val="000000"/>
-                </a:solidFill>
-                <a:effectLst/>
-                <a:latin typeface="Courier New" panose="02070309020205020404" pitchFamily="49" charset="0"/>
-                <a:cs typeface="Courier New" panose="02070309020205020404" pitchFamily="49" charset="0"/>
-              </a:rPr>
-              <a:t>		</a:t>
-            </a:r>
-            <a:r>
-              <a:rPr kumimoji="0" lang="en-US" altLang="en-US" sz="1300" b="0" i="1" u="none" strike="noStrike" cap="none" normalizeH="0" baseline="0" dirty="0">
+              <a:rPr kumimoji="0" lang="en-US" altLang="en-US" sz="1400" b="0" i="0" u="none" strike="noStrike" cap="none" normalizeH="0" baseline="0" dirty="0">
+                <a:ln>
+                  <a:noFill/>
+                </a:ln>
+                <a:solidFill>
+                  <a:srgbClr val="000000"/>
+                </a:solidFill>
+                <a:effectLst/>
+                <a:latin typeface="Courier New" panose="02070309020205020404" pitchFamily="49" charset="0"/>
+                <a:cs typeface="Courier New" panose="02070309020205020404" pitchFamily="49" charset="0"/>
+              </a:rPr>
+              <a:t>		  </a:t>
+            </a:r>
+            <a:r>
+              <a:rPr kumimoji="0" lang="en-US" altLang="en-US" sz="1400" b="0" i="1" u="none" strike="noStrike" cap="none" normalizeH="0" baseline="0" dirty="0">
                 <a:ln>
                   <a:noFill/>
                 </a:ln>
@@ -18530,7 +18509,7 @@
               <a:t>//</a:t>
             </a:r>
             <a:r>
-              <a:rPr kumimoji="0" lang="en-US" altLang="en-US" sz="1300" b="0" i="1" u="none" strike="noStrike" cap="none" normalizeH="0" dirty="0">
+              <a:rPr kumimoji="0" lang="en-US" altLang="en-US" sz="1400" b="0" i="1" u="none" strike="noStrike" cap="none" normalizeH="0" dirty="0">
                 <a:ln>
                   <a:noFill/>
                 </a:ln>
@@ -18544,7 +18523,7 @@
               <a:t>   </a:t>
             </a:r>
             <a:r>
-              <a:rPr kumimoji="0" lang="en-US" altLang="en-US" sz="1300" b="0" i="1" u="none" strike="noStrike" cap="none" normalizeH="0" baseline="0" dirty="0">
+              <a:rPr kumimoji="0" lang="en-US" altLang="en-US" sz="1400" b="0" i="1" u="none" strike="noStrike" cap="none" normalizeH="0" baseline="0" dirty="0">
                 <a:ln>
                   <a:noFill/>
                 </a:ln>
@@ -18558,7 +18537,7 @@
               <a:t>.parallel()</a:t>
             </a:r>
             <a:br>
-              <a:rPr kumimoji="0" lang="en-US" altLang="en-US" sz="1300" b="0" i="1" u="none" strike="noStrike" cap="none" normalizeH="0" baseline="0" dirty="0">
+              <a:rPr kumimoji="0" lang="en-US" altLang="en-US" sz="1400" b="0" i="1" u="none" strike="noStrike" cap="none" normalizeH="0" baseline="0" dirty="0">
                 <a:ln>
                   <a:noFill/>
                 </a:ln>
@@ -18571,7 +18550,7 @@
               </a:rPr>
             </a:br>
             <a:r>
-              <a:rPr kumimoji="0" lang="en-US" altLang="en-US" sz="1300" b="0" i="1" u="none" strike="noStrike" cap="none" normalizeH="0" baseline="0" dirty="0">
+              <a:rPr kumimoji="0" lang="en-US" altLang="en-US" sz="1400" b="0" i="1" u="none" strike="noStrike" cap="none" normalizeH="0" baseline="0" dirty="0">
                 <a:ln>
                   <a:noFill/>
                 </a:ln>
@@ -18585,7 +18564,7 @@
               <a:t>                        </a:t>
             </a:r>
             <a:r>
-              <a:rPr kumimoji="0" lang="en-US" altLang="en-US" sz="1300" b="0" i="0" u="none" strike="noStrike" cap="none" normalizeH="0" baseline="0" dirty="0">
+              <a:rPr kumimoji="0" lang="en-US" altLang="en-US" sz="1400" b="0" i="0" u="none" strike="noStrike" cap="none" normalizeH="0" baseline="0" dirty="0">
                 <a:ln>
                   <a:noFill/>
                 </a:ln>
@@ -18599,7 +18578,7 @@
               <a:t>.map(reservation -&gt; </a:t>
             </a:r>
             <a:r>
-              <a:rPr kumimoji="0" lang="en-US" altLang="en-US" sz="1300" b="0" i="0" u="none" strike="noStrike" cap="none" normalizeH="0" baseline="0" dirty="0" err="1">
+              <a:rPr kumimoji="0" lang="en-US" altLang="en-US" sz="1400" b="0" i="0" u="none" strike="noStrike" cap="none" normalizeH="0" baseline="0" dirty="0" err="1">
                 <a:ln>
                   <a:noFill/>
                 </a:ln>
@@ -18613,7 +18592,7 @@
               <a:t>reservation.getResComponents</a:t>
             </a:r>
             <a:r>
-              <a:rPr kumimoji="0" lang="en-US" altLang="en-US" sz="1300" b="0" i="0" u="none" strike="noStrike" cap="none" normalizeH="0" baseline="0" dirty="0">
+              <a:rPr kumimoji="0" lang="en-US" altLang="en-US" sz="1400" b="0" i="0" u="none" strike="noStrike" cap="none" normalizeH="0" baseline="0" dirty="0">
                 <a:ln>
                   <a:noFill/>
                 </a:ln>
@@ -18627,7 +18606,7 @@
               <a:t>())</a:t>
             </a:r>
             <a:br>
-              <a:rPr kumimoji="0" lang="en-US" altLang="en-US" sz="1300" b="0" i="0" u="none" strike="noStrike" cap="none" normalizeH="0" baseline="0" dirty="0">
+              <a:rPr kumimoji="0" lang="en-US" altLang="en-US" sz="1400" b="0" i="0" u="none" strike="noStrike" cap="none" normalizeH="0" baseline="0" dirty="0">
                 <a:ln>
                   <a:noFill/>
                 </a:ln>
@@ -18640,7 +18619,7 @@
               </a:rPr>
             </a:br>
             <a:r>
-              <a:rPr kumimoji="0" lang="en-US" altLang="en-US" sz="1300" b="0" i="0" u="none" strike="noStrike" cap="none" normalizeH="0" baseline="0" dirty="0">
+              <a:rPr kumimoji="0" lang="en-US" altLang="en-US" sz="1400" b="0" i="0" u="none" strike="noStrike" cap="none" normalizeH="0" baseline="0" dirty="0">
                 <a:ln>
                   <a:noFill/>
                 </a:ln>
@@ -18654,7 +18633,7 @@
               <a:t>                        .</a:t>
             </a:r>
             <a:r>
-              <a:rPr kumimoji="0" lang="en-US" altLang="en-US" sz="1300" b="0" i="0" u="none" strike="noStrike" cap="none" normalizeH="0" baseline="0" dirty="0" err="1">
+              <a:rPr kumimoji="0" lang="en-US" altLang="en-US" sz="1400" b="0" i="0" u="none" strike="noStrike" cap="none" normalizeH="0" baseline="0" dirty="0" err="1">
                 <a:ln>
                   <a:noFill/>
                 </a:ln>
@@ -18668,7 +18647,7 @@
               <a:t>flatMap</a:t>
             </a:r>
             <a:r>
-              <a:rPr kumimoji="0" lang="en-US" altLang="en-US" sz="1300" b="0" i="0" u="none" strike="noStrike" cap="none" normalizeH="0" baseline="0" dirty="0">
+              <a:rPr kumimoji="0" lang="en-US" altLang="en-US" sz="1400" b="0" i="0" u="none" strike="noStrike" cap="none" normalizeH="0" baseline="0" dirty="0">
                 <a:ln>
                   <a:noFill/>
                 </a:ln>
@@ -18682,7 +18661,7 @@
               <a:t>(</a:t>
             </a:r>
             <a:r>
-              <a:rPr kumimoji="0" lang="en-US" altLang="en-US" sz="1300" b="0" i="0" u="none" strike="noStrike" cap="none" normalizeH="0" baseline="0" dirty="0" err="1">
+              <a:rPr kumimoji="0" lang="en-US" altLang="en-US" sz="1400" b="0" i="0" u="none" strike="noStrike" cap="none" normalizeH="0" baseline="0" dirty="0" err="1">
                 <a:ln>
                   <a:noFill/>
                 </a:ln>
@@ -18696,7 +18675,7 @@
               <a:t>resComponentList</a:t>
             </a:r>
             <a:r>
-              <a:rPr kumimoji="0" lang="en-US" altLang="en-US" sz="1300" b="0" i="0" u="none" strike="noStrike" cap="none" normalizeH="0" baseline="0" dirty="0">
+              <a:rPr kumimoji="0" lang="en-US" altLang="en-US" sz="1400" b="0" i="0" u="none" strike="noStrike" cap="none" normalizeH="0" baseline="0" dirty="0">
                 <a:ln>
                   <a:noFill/>
                 </a:ln>
@@ -18710,7 +18689,7 @@
               <a:t> -&gt; </a:t>
             </a:r>
             <a:r>
-              <a:rPr kumimoji="0" lang="en-US" altLang="en-US" sz="1300" b="0" i="0" u="none" strike="noStrike" cap="none" normalizeH="0" baseline="0" dirty="0" err="1">
+              <a:rPr kumimoji="0" lang="en-US" altLang="en-US" sz="1400" b="0" i="0" u="none" strike="noStrike" cap="none" normalizeH="0" baseline="0" dirty="0" err="1">
                 <a:ln>
                   <a:noFill/>
                 </a:ln>
@@ -18724,7 +18703,7 @@
               <a:t>resComponentList.stream</a:t>
             </a:r>
             <a:r>
-              <a:rPr kumimoji="0" lang="en-US" altLang="en-US" sz="1300" b="0" i="0" u="none" strike="noStrike" cap="none" normalizeH="0" baseline="0" dirty="0">
+              <a:rPr kumimoji="0" lang="en-US" altLang="en-US" sz="1400" b="0" i="0" u="none" strike="noStrike" cap="none" normalizeH="0" baseline="0" dirty="0">
                 <a:ln>
                   <a:noFill/>
                 </a:ln>
@@ -18738,7 +18717,7 @@
               <a:t>())</a:t>
             </a:r>
             <a:br>
-              <a:rPr kumimoji="0" lang="en-US" altLang="en-US" sz="1300" b="0" i="0" u="none" strike="noStrike" cap="none" normalizeH="0" baseline="0" dirty="0">
+              <a:rPr kumimoji="0" lang="en-US" altLang="en-US" sz="1400" b="0" i="0" u="none" strike="noStrike" cap="none" normalizeH="0" baseline="0" dirty="0">
                 <a:ln>
                   <a:noFill/>
                 </a:ln>
@@ -18751,7 +18730,7 @@
               </a:rPr>
             </a:br>
             <a:r>
-              <a:rPr kumimoji="0" lang="en-US" altLang="en-US" sz="1300" b="0" i="0" u="none" strike="noStrike" cap="none" normalizeH="0" baseline="0" dirty="0">
+              <a:rPr kumimoji="0" lang="en-US" altLang="en-US" sz="1400" b="0" i="0" u="none" strike="noStrike" cap="none" normalizeH="0" baseline="0" dirty="0">
                 <a:ln>
                   <a:noFill/>
                 </a:ln>
@@ -18765,7 +18744,7 @@
               <a:t>                        .filter(</a:t>
             </a:r>
             <a:r>
-              <a:rPr kumimoji="0" lang="en-US" altLang="en-US" sz="1300" b="0" i="0" u="none" strike="noStrike" cap="none" normalizeH="0" baseline="0" dirty="0" err="1">
+              <a:rPr kumimoji="0" lang="en-US" altLang="en-US" sz="1400" b="0" i="0" u="none" strike="noStrike" cap="none" normalizeH="0" baseline="0" dirty="0" err="1">
                 <a:ln>
                   <a:noFill/>
                 </a:ln>
@@ -18779,7 +18758,7 @@
               <a:t>resComponent</a:t>
             </a:r>
             <a:r>
-              <a:rPr kumimoji="0" lang="en-US" altLang="en-US" sz="1300" b="0" i="0" u="none" strike="noStrike" cap="none" normalizeH="0" baseline="0" dirty="0">
+              <a:rPr kumimoji="0" lang="en-US" altLang="en-US" sz="1400" b="0" i="0" u="none" strike="noStrike" cap="none" normalizeH="0" baseline="0" dirty="0">
                 <a:ln>
                   <a:noFill/>
                 </a:ln>
@@ -18793,7 +18772,7 @@
               <a:t> -&gt;  </a:t>
             </a:r>
             <a:r>
-              <a:rPr kumimoji="0" lang="en-US" altLang="en-US" sz="1300" b="0" i="0" u="none" strike="noStrike" cap="none" normalizeH="0" baseline="0" dirty="0" err="1">
+              <a:rPr kumimoji="0" lang="en-US" altLang="en-US" sz="1400" b="0" i="0" u="none" strike="noStrike" cap="none" normalizeH="0" baseline="0" dirty="0" err="1">
                 <a:ln>
                   <a:noFill/>
                 </a:ln>
@@ -18807,7 +18786,7 @@
               <a:t>resComponent.getSequence</a:t>
             </a:r>
             <a:r>
-              <a:rPr kumimoji="0" lang="en-US" altLang="en-US" sz="1300" b="0" i="0" u="none" strike="noStrike" cap="none" normalizeH="0" baseline="0" dirty="0">
+              <a:rPr kumimoji="0" lang="en-US" altLang="en-US" sz="1400" b="0" i="0" u="none" strike="noStrike" cap="none" normalizeH="0" baseline="0" dirty="0">
                 <a:ln>
                   <a:noFill/>
                 </a:ln>
@@ -18821,7 +18800,7 @@
               <a:t>() == </a:t>
             </a:r>
             <a:r>
-              <a:rPr kumimoji="0" lang="en-US" altLang="en-US" sz="1300" b="0" i="0" u="none" strike="noStrike" cap="none" normalizeH="0" baseline="0" dirty="0">
+              <a:rPr kumimoji="0" lang="en-US" altLang="en-US" sz="1400" b="0" i="0" u="none" strike="noStrike" cap="none" normalizeH="0" baseline="0" dirty="0">
                 <a:ln>
                   <a:noFill/>
                 </a:ln>
@@ -18835,7 +18814,7 @@
               <a:t>1</a:t>
             </a:r>
             <a:r>
-              <a:rPr kumimoji="0" lang="en-US" altLang="en-US" sz="1300" b="0" i="0" u="none" strike="noStrike" cap="none" normalizeH="0" baseline="0" dirty="0">
+              <a:rPr kumimoji="0" lang="en-US" altLang="en-US" sz="1400" b="0" i="0" u="none" strike="noStrike" cap="none" normalizeH="0" baseline="0" dirty="0">
                 <a:ln>
                   <a:noFill/>
                 </a:ln>
@@ -18849,7 +18828,7 @@
               <a:t>)</a:t>
             </a:r>
             <a:br>
-              <a:rPr kumimoji="0" lang="en-US" altLang="en-US" sz="1300" b="0" i="0" u="none" strike="noStrike" cap="none" normalizeH="0" baseline="0" dirty="0">
+              <a:rPr kumimoji="0" lang="en-US" altLang="en-US" sz="1400" b="0" i="0" u="none" strike="noStrike" cap="none" normalizeH="0" baseline="0" dirty="0">
                 <a:ln>
                   <a:noFill/>
                 </a:ln>
@@ -18862,7 +18841,7 @@
               </a:rPr>
             </a:br>
             <a:r>
-              <a:rPr kumimoji="0" lang="en-US" altLang="en-US" sz="1300" b="0" i="0" u="none" strike="noStrike" cap="none" normalizeH="0" baseline="0" dirty="0">
+              <a:rPr kumimoji="0" lang="en-US" altLang="en-US" sz="1400" b="0" i="0" u="none" strike="noStrike" cap="none" normalizeH="0" baseline="0" dirty="0">
                 <a:ln>
                   <a:noFill/>
                 </a:ln>
@@ -18876,7 +18855,7 @@
               <a:t>                        .map(</a:t>
             </a:r>
             <a:r>
-              <a:rPr kumimoji="0" lang="en-US" altLang="en-US" sz="1300" b="0" i="0" u="none" strike="noStrike" cap="none" normalizeH="0" baseline="0" dirty="0" err="1">
+              <a:rPr kumimoji="0" lang="en-US" altLang="en-US" sz="1400" b="0" i="0" u="none" strike="noStrike" cap="none" normalizeH="0" baseline="0" dirty="0" err="1">
                 <a:ln>
                   <a:noFill/>
                 </a:ln>
@@ -18890,7 +18869,7 @@
               <a:t>resComponent</a:t>
             </a:r>
             <a:r>
-              <a:rPr kumimoji="0" lang="en-US" altLang="en-US" sz="1300" b="0" i="0" u="none" strike="noStrike" cap="none" normalizeH="0" baseline="0" dirty="0">
+              <a:rPr kumimoji="0" lang="en-US" altLang="en-US" sz="1400" b="0" i="0" u="none" strike="noStrike" cap="none" normalizeH="0" baseline="0" dirty="0">
                 <a:ln>
                   <a:noFill/>
                 </a:ln>
@@ -18904,7 +18883,7 @@
               <a:t> -&gt; </a:t>
             </a:r>
             <a:r>
-              <a:rPr kumimoji="0" lang="en-US" altLang="en-US" sz="1300" b="0" i="0" u="none" strike="noStrike" cap="none" normalizeH="0" baseline="0" dirty="0" err="1">
+              <a:rPr kumimoji="0" lang="en-US" altLang="en-US" sz="1400" b="0" i="0" u="none" strike="noStrike" cap="none" normalizeH="0" baseline="0" dirty="0" err="1">
                 <a:ln>
                   <a:noFill/>
                 </a:ln>
@@ -18918,7 +18897,7 @@
               <a:t>resComponent.getPolicies</a:t>
             </a:r>
             <a:r>
-              <a:rPr kumimoji="0" lang="en-US" altLang="en-US" sz="1300" b="0" i="0" u="none" strike="noStrike" cap="none" normalizeH="0" baseline="0" dirty="0">
+              <a:rPr kumimoji="0" lang="en-US" altLang="en-US" sz="1400" b="0" i="0" u="none" strike="noStrike" cap="none" normalizeH="0" baseline="0" dirty="0">
                 <a:ln>
                   <a:noFill/>
                 </a:ln>
@@ -18932,7 +18911,7 @@
               <a:t>())</a:t>
             </a:r>
             <a:br>
-              <a:rPr kumimoji="0" lang="en-US" altLang="en-US" sz="1300" b="0" i="0" u="none" strike="noStrike" cap="none" normalizeH="0" baseline="0" dirty="0">
+              <a:rPr kumimoji="0" lang="en-US" altLang="en-US" sz="1400" b="0" i="0" u="none" strike="noStrike" cap="none" normalizeH="0" baseline="0" dirty="0">
                 <a:ln>
                   <a:noFill/>
                 </a:ln>
@@ -18945,7 +18924,7 @@
               </a:rPr>
             </a:br>
             <a:r>
-              <a:rPr kumimoji="0" lang="en-US" altLang="en-US" sz="1300" b="0" i="0" u="none" strike="noStrike" cap="none" normalizeH="0" baseline="0" dirty="0">
+              <a:rPr kumimoji="0" lang="en-US" altLang="en-US" sz="1400" b="0" i="0" u="none" strike="noStrike" cap="none" normalizeH="0" baseline="0" dirty="0">
                 <a:ln>
                   <a:noFill/>
                 </a:ln>
@@ -18959,7 +18938,7 @@
               <a:t>                        .</a:t>
             </a:r>
             <a:r>
-              <a:rPr kumimoji="0" lang="en-US" altLang="en-US" sz="1300" b="0" i="0" u="none" strike="noStrike" cap="none" normalizeH="0" baseline="0" dirty="0" err="1">
+              <a:rPr kumimoji="0" lang="en-US" altLang="en-US" sz="1400" b="0" i="0" u="none" strike="noStrike" cap="none" normalizeH="0" baseline="0" dirty="0" err="1">
                 <a:ln>
                   <a:noFill/>
                 </a:ln>
@@ -18973,7 +18952,7 @@
               <a:t>flatMap</a:t>
             </a:r>
             <a:r>
-              <a:rPr kumimoji="0" lang="en-US" altLang="en-US" sz="1300" b="0" i="0" u="none" strike="noStrike" cap="none" normalizeH="0" baseline="0" dirty="0">
+              <a:rPr kumimoji="0" lang="en-US" altLang="en-US" sz="1400" b="0" i="0" u="none" strike="noStrike" cap="none" normalizeH="0" baseline="0" dirty="0">
                 <a:ln>
                   <a:noFill/>
                 </a:ln>
@@ -18987,7 +18966,7 @@
               <a:t>(</a:t>
             </a:r>
             <a:r>
-              <a:rPr kumimoji="0" lang="en-US" altLang="en-US" sz="1300" b="0" i="0" u="none" strike="noStrike" cap="none" normalizeH="0" baseline="0" dirty="0" err="1">
+              <a:rPr kumimoji="0" lang="en-US" altLang="en-US" sz="1400" b="0" i="0" u="none" strike="noStrike" cap="none" normalizeH="0" baseline="0" dirty="0" err="1">
                 <a:ln>
                   <a:noFill/>
                 </a:ln>
@@ -19001,7 +18980,7 @@
               <a:t>policyList</a:t>
             </a:r>
             <a:r>
-              <a:rPr kumimoji="0" lang="en-US" altLang="en-US" sz="1300" b="0" i="0" u="none" strike="noStrike" cap="none" normalizeH="0" baseline="0" dirty="0">
+              <a:rPr kumimoji="0" lang="en-US" altLang="en-US" sz="1400" b="0" i="0" u="none" strike="noStrike" cap="none" normalizeH="0" baseline="0" dirty="0">
                 <a:ln>
                   <a:noFill/>
                 </a:ln>
@@ -19015,7 +18994,7 @@
               <a:t> -&gt; </a:t>
             </a:r>
             <a:r>
-              <a:rPr kumimoji="0" lang="en-US" altLang="en-US" sz="1300" b="0" i="0" u="none" strike="noStrike" cap="none" normalizeH="0" baseline="0" dirty="0" err="1">
+              <a:rPr kumimoji="0" lang="en-US" altLang="en-US" sz="1400" b="0" i="0" u="none" strike="noStrike" cap="none" normalizeH="0" baseline="0" dirty="0" err="1">
                 <a:ln>
                   <a:noFill/>
                 </a:ln>
@@ -19029,7 +19008,7 @@
               <a:t>policyList.stream</a:t>
             </a:r>
             <a:r>
-              <a:rPr kumimoji="0" lang="en-US" altLang="en-US" sz="1300" b="0" i="0" u="none" strike="noStrike" cap="none" normalizeH="0" baseline="0" dirty="0">
+              <a:rPr kumimoji="0" lang="en-US" altLang="en-US" sz="1400" b="0" i="0" u="none" strike="noStrike" cap="none" normalizeH="0" baseline="0" dirty="0">
                 <a:ln>
                   <a:noFill/>
                 </a:ln>
@@ -19043,7 +19022,7 @@
               <a:t>())</a:t>
             </a:r>
             <a:br>
-              <a:rPr kumimoji="0" lang="en-US" altLang="en-US" sz="1300" b="0" i="0" u="none" strike="noStrike" cap="none" normalizeH="0" baseline="0" dirty="0">
+              <a:rPr kumimoji="0" lang="en-US" altLang="en-US" sz="1400" b="0" i="0" u="none" strike="noStrike" cap="none" normalizeH="0" baseline="0" dirty="0">
                 <a:ln>
                   <a:noFill/>
                 </a:ln>
@@ -19056,7 +19035,7 @@
               </a:rPr>
             </a:br>
             <a:r>
-              <a:rPr kumimoji="0" lang="en-US" altLang="en-US" sz="1300" b="0" i="0" u="none" strike="noStrike" cap="none" normalizeH="0" baseline="0" dirty="0">
+              <a:rPr kumimoji="0" lang="en-US" altLang="en-US" sz="1400" b="0" i="0" u="none" strike="noStrike" cap="none" normalizeH="0" baseline="0" dirty="0">
                 <a:ln>
                   <a:noFill/>
                 </a:ln>
@@ -19070,7 +19049,7 @@
               <a:t>                        .map(policy -&gt; </a:t>
             </a:r>
             <a:r>
-              <a:rPr kumimoji="0" lang="en-US" altLang="en-US" sz="1300" b="0" i="0" u="none" strike="noStrike" cap="none" normalizeH="0" baseline="0" dirty="0" err="1">
+              <a:rPr kumimoji="0" lang="en-US" altLang="en-US" sz="1400" b="0" i="0" u="none" strike="noStrike" cap="none" normalizeH="0" baseline="0" dirty="0" err="1">
                 <a:ln>
                   <a:noFill/>
                 </a:ln>
@@ -19084,7 +19063,7 @@
               <a:t>policy.getPolicyCode</a:t>
             </a:r>
             <a:r>
-              <a:rPr kumimoji="0" lang="en-US" altLang="en-US" sz="1300" b="0" i="0" u="none" strike="noStrike" cap="none" normalizeH="0" baseline="0" dirty="0">
+              <a:rPr kumimoji="0" lang="en-US" altLang="en-US" sz="1400" b="0" i="0" u="none" strike="noStrike" cap="none" normalizeH="0" baseline="0" dirty="0">
                 <a:ln>
                   <a:noFill/>
                 </a:ln>
@@ -19098,7 +19077,7 @@
               <a:t>())</a:t>
             </a:r>
             <a:br>
-              <a:rPr kumimoji="0" lang="en-US" altLang="en-US" sz="1300" b="0" i="0" u="none" strike="noStrike" cap="none" normalizeH="0" baseline="0" dirty="0">
+              <a:rPr kumimoji="0" lang="en-US" altLang="en-US" sz="1400" b="0" i="0" u="none" strike="noStrike" cap="none" normalizeH="0" baseline="0" dirty="0">
                 <a:ln>
                   <a:noFill/>
                 </a:ln>
@@ -19111,7 +19090,7 @@
               </a:rPr>
             </a:br>
             <a:r>
-              <a:rPr kumimoji="0" lang="en-US" altLang="en-US" sz="1300" b="0" i="0" u="none" strike="noStrike" cap="none" normalizeH="0" baseline="0" dirty="0">
+              <a:rPr kumimoji="0" lang="en-US" altLang="en-US" sz="1400" b="0" i="0" u="none" strike="noStrike" cap="none" normalizeH="0" baseline="0" dirty="0">
                 <a:ln>
                   <a:noFill/>
                 </a:ln>
@@ -19125,7 +19104,7 @@
               <a:t>                        .collect(</a:t>
             </a:r>
             <a:r>
-              <a:rPr kumimoji="0" lang="en-US" altLang="en-US" sz="1300" b="0" i="1" u="none" strike="noStrike" cap="none" normalizeH="0" baseline="0" dirty="0" err="1">
+              <a:rPr kumimoji="0" lang="en-US" altLang="en-US" sz="1400" b="0" i="1" u="none" strike="noStrike" cap="none" normalizeH="0" baseline="0" dirty="0" err="1">
                 <a:ln>
                   <a:noFill/>
                 </a:ln>
@@ -19139,7 +19118,7 @@
               <a:t>toList</a:t>
             </a:r>
             <a:r>
-              <a:rPr kumimoji="0" lang="en-US" altLang="en-US" sz="1300" b="0" i="0" u="none" strike="noStrike" cap="none" normalizeH="0" baseline="0" dirty="0">
+              <a:rPr kumimoji="0" lang="en-US" altLang="en-US" sz="1400" b="0" i="0" u="none" strike="noStrike" cap="none" normalizeH="0" baseline="0" dirty="0">
                 <a:ln>
                   <a:noFill/>
                 </a:ln>
@@ -19153,7 +19132,7 @@
               <a:t>());</a:t>
             </a:r>
             <a:br>
-              <a:rPr kumimoji="0" lang="en-US" altLang="en-US" sz="1300" b="0" i="0" u="none" strike="noStrike" cap="none" normalizeH="0" baseline="0" dirty="0">
+              <a:rPr kumimoji="0" lang="en-US" altLang="en-US" sz="1400" b="0" i="0" u="none" strike="noStrike" cap="none" normalizeH="0" baseline="0" dirty="0">
                 <a:ln>
                   <a:noFill/>
                 </a:ln>
@@ -19166,7 +19145,7 @@
               </a:rPr>
             </a:br>
             <a:r>
-              <a:rPr kumimoji="0" lang="en-US" altLang="en-US" sz="1300" b="0" i="0" u="none" strike="noStrike" cap="none" normalizeH="0" baseline="0" dirty="0">
+              <a:rPr kumimoji="0" lang="en-US" altLang="en-US" sz="1400" b="0" i="0" u="none" strike="noStrike" cap="none" normalizeH="0" baseline="0" dirty="0">
                 <a:ln>
                   <a:noFill/>
                 </a:ln>
@@ -19215,6 +19194,1194 @@
 </file>
 
 <file path=ppt/slides/slide42.xml><?xml version="1.0" encoding="utf-8"?>
+<p:sld xmlns:a="http://schemas.openxmlformats.org/drawingml/2006/main" xmlns:r="http://schemas.openxmlformats.org/officeDocument/2006/relationships" xmlns:p="http://schemas.openxmlformats.org/presentationml/2006/main">
+  <p:cSld>
+    <p:spTree>
+      <p:nvGrpSpPr>
+        <p:cNvPr id="1" name=""/>
+        <p:cNvGrpSpPr/>
+        <p:nvPr/>
+      </p:nvGrpSpPr>
+      <p:grpSpPr>
+        <a:xfrm>
+          <a:off x="0" y="0"/>
+          <a:ext cx="0" cy="0"/>
+          <a:chOff x="0" y="0"/>
+          <a:chExt cx="0" cy="0"/>
+        </a:xfrm>
+      </p:grpSpPr>
+      <p:sp>
+        <p:nvSpPr>
+          <p:cNvPr id="2" name="Text Placeholder 1"/>
+          <p:cNvSpPr>
+            <a:spLocks noGrp="1"/>
+          </p:cNvSpPr>
+          <p:nvPr>
+            <p:ph type="body" sz="quarter" idx="1"/>
+          </p:nvPr>
+        </p:nvSpPr>
+        <p:spPr/>
+        <p:txBody>
+          <a:bodyPr>
+            <a:noAutofit/>
+          </a:bodyPr>
+          <a:lstStyle/>
+          <a:p>
+            <a:r>
+              <a:rPr lang="en-IE" dirty="0"/>
+              <a:t>Scenario 3</a:t>
+            </a:r>
+            <a:endParaRPr lang="en-IE" dirty="0"/>
+          </a:p>
+        </p:txBody>
+      </p:sp>
+      <p:sp>
+        <p:nvSpPr>
+          <p:cNvPr id="4" name="Shape 343"/>
+          <p:cNvSpPr>
+            <a:spLocks noGrp="1"/>
+          </p:cNvSpPr>
+          <p:nvPr>
+            <p:ph type="body" idx="13"/>
+          </p:nvPr>
+        </p:nvSpPr>
+        <p:spPr>
+          <a:xfrm>
+            <a:off x="724941" y="1987818"/>
+            <a:ext cx="9648770" cy="955079"/>
+          </a:xfrm>
+          <a:prstGeom prst="rect">
+            <a:avLst/>
+          </a:prstGeom>
+          <a:ln w="12700">
+            <a:miter lim="400000"/>
+          </a:ln>
+          <a:extLst>
+            <a:ext uri="{C572A759-6A51-4108-AA02-DFA0A04FC94B}">
+              <ma14:wrappingTextBoxFlag xmlns="" xmlns:ma14="http://schemas.microsoft.com/office/mac/drawingml/2011/main" val="1"/>
+            </a:ext>
+          </a:extLst>
+        </p:spPr>
+        <p:txBody>
+          <a:bodyPr lIns="45719" rIns="45719">
+            <a:normAutofit/>
+          </a:bodyPr>
+          <a:lstStyle>
+            <a:lvl1pPr>
+              <a:lnSpc>
+                <a:spcPct val="90000"/>
+              </a:lnSpc>
+              <a:spcBef>
+                <a:spcPts val="1000"/>
+              </a:spcBef>
+              <a:defRPr sz="2800">
+                <a:solidFill>
+                  <a:srgbClr val="414042"/>
+                </a:solidFill>
+              </a:defRPr>
+            </a:lvl1pPr>
+          </a:lstStyle>
+          <a:p>
+            <a:r>
+              <a:rPr dirty="0"/>
+              <a:t>Validate the reservation in request, in case there is no policy code in </a:t>
+            </a:r>
+            <a:r>
+              <a:rPr dirty="0" err="1"/>
+              <a:t>rescomponent</a:t>
+            </a:r>
+            <a:r>
+              <a:rPr dirty="0"/>
+              <a:t>, throw an </a:t>
+            </a:r>
+            <a:r>
+              <a:rPr dirty="0" err="1"/>
+              <a:t>AnyException</a:t>
+            </a:r>
+            <a:endParaRPr dirty="0"/>
+          </a:p>
+        </p:txBody>
+      </p:sp>
+      <p:sp>
+        <p:nvSpPr>
+          <p:cNvPr id="6" name="Rectangle 2"/>
+          <p:cNvSpPr>
+            <a:spLocks noChangeArrowheads="1"/>
+          </p:cNvSpPr>
+          <p:nvPr/>
+        </p:nvSpPr>
+        <p:spPr bwMode="auto">
+          <a:xfrm>
+            <a:off x="956169" y="3028231"/>
+            <a:ext cx="9217846" cy="2893100"/>
+          </a:xfrm>
+          <a:prstGeom prst="rect">
+            <a:avLst/>
+          </a:prstGeom>
+          <a:solidFill>
+            <a:srgbClr val="FFFFFF"/>
+          </a:solidFill>
+          <a:ln>
+            <a:noFill/>
+          </a:ln>
+          <a:effectLst/>
+          <a:extLst>
+            <a:ext uri="{91240B29-F687-4F45-9708-019B960494DF}">
+              <a14:hiddenLine xmlns:a14="http://schemas.microsoft.com/office/drawing/2010/main" w="9525">
+                <a:solidFill>
+                  <a:schemeClr val="tx1"/>
+                </a:solidFill>
+                <a:miter lim="800000"/>
+                <a:headEnd/>
+                <a:tailEnd/>
+              </a14:hiddenLine>
+            </a:ext>
+            <a:ext uri="{AF507438-7753-43E0-B8FC-AC1667EBCBE1}">
+              <a14:hiddenEffects xmlns:a14="http://schemas.microsoft.com/office/drawing/2010/main">
+                <a:effectLst>
+                  <a:outerShdw dist="35921" dir="2700000" algn="ctr" rotWithShape="0">
+                    <a:schemeClr val="bg2"/>
+                  </a:outerShdw>
+                </a:effectLst>
+              </a14:hiddenEffects>
+            </a:ext>
+          </a:extLst>
+        </p:spPr>
+        <p:txBody>
+          <a:bodyPr vert="horz" wrap="square" lIns="91440" tIns="45720" rIns="91440" bIns="45720" numCol="1" anchor="ctr" anchorCtr="0" compatLnSpc="1">
+            <a:prstTxWarp prst="textNoShape">
+              <a:avLst/>
+            </a:prstTxWarp>
+            <a:spAutoFit/>
+          </a:bodyPr>
+          <a:lstStyle/>
+          <a:p>
+            <a:pPr marL="0" marR="0" lvl="0" indent="0" algn="l" defTabSz="914400" rtl="0" eaLnBrk="0" fontAlgn="base" latinLnBrk="0" hangingPunct="0">
+              <a:lnSpc>
+                <a:spcPct val="100000"/>
+              </a:lnSpc>
+              <a:spcBef>
+                <a:spcPct val="0"/>
+              </a:spcBef>
+              <a:spcAft>
+                <a:spcPct val="0"/>
+              </a:spcAft>
+              <a:buClrTx/>
+              <a:buSzTx/>
+              <a:buFontTx/>
+              <a:buNone/>
+              <a:tabLst/>
+            </a:pPr>
+            <a:r>
+              <a:rPr kumimoji="0" lang="en-US" altLang="en-US" sz="1400" b="1" i="0" u="none" strike="noStrike" cap="none" normalizeH="0" baseline="0" dirty="0">
+                <a:ln>
+                  <a:noFill/>
+                </a:ln>
+                <a:solidFill>
+                  <a:srgbClr val="000080"/>
+                </a:solidFill>
+                <a:effectLst/>
+                <a:latin typeface="Courier New" panose="02070309020205020404" pitchFamily="49" charset="0"/>
+                <a:cs typeface="Courier New" panose="02070309020205020404" pitchFamily="49" charset="0"/>
+              </a:rPr>
+              <a:t>private static void </a:t>
+            </a:r>
+            <a:r>
+              <a:rPr kumimoji="0" lang="en-US" altLang="en-US" sz="1400" b="0" i="0" u="none" strike="noStrike" cap="none" normalizeH="0" baseline="0" dirty="0" err="1">
+                <a:ln>
+                  <a:noFill/>
+                </a:ln>
+                <a:solidFill>
+                  <a:srgbClr val="000000"/>
+                </a:solidFill>
+                <a:effectLst/>
+                <a:latin typeface="Courier New" panose="02070309020205020404" pitchFamily="49" charset="0"/>
+                <a:cs typeface="Courier New" panose="02070309020205020404" pitchFamily="49" charset="0"/>
+              </a:rPr>
+              <a:t>validatePolicyCodeExistence</a:t>
+            </a:r>
+            <a:r>
+              <a:rPr kumimoji="0" lang="en-US" altLang="en-US" sz="1400" b="0" i="0" u="none" strike="noStrike" cap="none" normalizeH="0" baseline="0" dirty="0">
+                <a:ln>
+                  <a:noFill/>
+                </a:ln>
+                <a:solidFill>
+                  <a:srgbClr val="000000"/>
+                </a:solidFill>
+                <a:effectLst/>
+                <a:latin typeface="Courier New" panose="02070309020205020404" pitchFamily="49" charset="0"/>
+                <a:cs typeface="Courier New" panose="02070309020205020404" pitchFamily="49" charset="0"/>
+              </a:rPr>
+              <a:t>(List&lt;Reservation&gt; reservations) {</a:t>
+            </a:r>
+            <a:br>
+              <a:rPr kumimoji="0" lang="en-US" altLang="en-US" sz="1400" b="0" i="0" u="none" strike="noStrike" cap="none" normalizeH="0" baseline="0" dirty="0">
+                <a:ln>
+                  <a:noFill/>
+                </a:ln>
+                <a:solidFill>
+                  <a:srgbClr val="000000"/>
+                </a:solidFill>
+                <a:effectLst/>
+                <a:latin typeface="Courier New" panose="02070309020205020404" pitchFamily="49" charset="0"/>
+                <a:cs typeface="Courier New" panose="02070309020205020404" pitchFamily="49" charset="0"/>
+              </a:rPr>
+            </a:br>
+            <a:r>
+              <a:rPr kumimoji="0" lang="en-US" altLang="en-US" sz="1400" b="0" i="0" u="none" strike="noStrike" cap="none" normalizeH="0" baseline="0" dirty="0">
+                <a:ln>
+                  <a:noFill/>
+                </a:ln>
+                <a:solidFill>
+                  <a:srgbClr val="000000"/>
+                </a:solidFill>
+                <a:effectLst/>
+                <a:latin typeface="Courier New" panose="02070309020205020404" pitchFamily="49" charset="0"/>
+                <a:cs typeface="Courier New" panose="02070309020205020404" pitchFamily="49" charset="0"/>
+              </a:rPr>
+              <a:t>    List&lt;String&gt; </a:t>
+            </a:r>
+            <a:r>
+              <a:rPr kumimoji="0" lang="en-US" altLang="en-US" sz="1400" b="0" i="0" u="none" strike="noStrike" cap="none" normalizeH="0" baseline="0" dirty="0" err="1">
+                <a:ln>
+                  <a:noFill/>
+                </a:ln>
+                <a:solidFill>
+                  <a:srgbClr val="000000"/>
+                </a:solidFill>
+                <a:effectLst/>
+                <a:latin typeface="Courier New" panose="02070309020205020404" pitchFamily="49" charset="0"/>
+                <a:cs typeface="Courier New" panose="02070309020205020404" pitchFamily="49" charset="0"/>
+              </a:rPr>
+              <a:t>policyCodes</a:t>
+            </a:r>
+            <a:r>
+              <a:rPr kumimoji="0" lang="en-US" altLang="en-US" sz="1400" b="0" i="0" u="none" strike="noStrike" cap="none" normalizeH="0" baseline="0" dirty="0">
+                <a:ln>
+                  <a:noFill/>
+                </a:ln>
+                <a:solidFill>
+                  <a:srgbClr val="000000"/>
+                </a:solidFill>
+                <a:effectLst/>
+                <a:latin typeface="Courier New" panose="02070309020205020404" pitchFamily="49" charset="0"/>
+                <a:cs typeface="Courier New" panose="02070309020205020404" pitchFamily="49" charset="0"/>
+              </a:rPr>
+              <a:t> = </a:t>
+            </a:r>
+            <a:r>
+              <a:rPr kumimoji="0" lang="en-US" altLang="en-US" sz="1400" b="1" i="0" u="none" strike="noStrike" cap="none" normalizeH="0" baseline="0" dirty="0">
+                <a:ln>
+                  <a:noFill/>
+                </a:ln>
+                <a:solidFill>
+                  <a:srgbClr val="000080"/>
+                </a:solidFill>
+                <a:effectLst/>
+                <a:latin typeface="Courier New" panose="02070309020205020404" pitchFamily="49" charset="0"/>
+                <a:cs typeface="Courier New" panose="02070309020205020404" pitchFamily="49" charset="0"/>
+              </a:rPr>
+              <a:t>new </a:t>
+            </a:r>
+            <a:r>
+              <a:rPr kumimoji="0" lang="en-US" altLang="en-US" sz="1400" b="0" i="0" u="none" strike="noStrike" cap="none" normalizeH="0" baseline="0" dirty="0" err="1">
+                <a:ln>
+                  <a:noFill/>
+                </a:ln>
+                <a:solidFill>
+                  <a:srgbClr val="000000"/>
+                </a:solidFill>
+                <a:effectLst/>
+                <a:latin typeface="Courier New" panose="02070309020205020404" pitchFamily="49" charset="0"/>
+                <a:cs typeface="Courier New" panose="02070309020205020404" pitchFamily="49" charset="0"/>
+              </a:rPr>
+              <a:t>ArrayList</a:t>
+            </a:r>
+            <a:r>
+              <a:rPr kumimoji="0" lang="en-US" altLang="en-US" sz="1400" b="0" i="0" u="none" strike="noStrike" cap="none" normalizeH="0" baseline="0" dirty="0">
+                <a:ln>
+                  <a:noFill/>
+                </a:ln>
+                <a:solidFill>
+                  <a:srgbClr val="000000"/>
+                </a:solidFill>
+                <a:effectLst/>
+                <a:latin typeface="Courier New" panose="02070309020205020404" pitchFamily="49" charset="0"/>
+                <a:cs typeface="Courier New" panose="02070309020205020404" pitchFamily="49" charset="0"/>
+              </a:rPr>
+              <a:t>&lt;&gt;();</a:t>
+            </a:r>
+            <a:br>
+              <a:rPr kumimoji="0" lang="en-US" altLang="en-US" sz="1400" b="0" i="0" u="none" strike="noStrike" cap="none" normalizeH="0" baseline="0" dirty="0">
+                <a:ln>
+                  <a:noFill/>
+                </a:ln>
+                <a:solidFill>
+                  <a:srgbClr val="000000"/>
+                </a:solidFill>
+                <a:effectLst/>
+                <a:latin typeface="Courier New" panose="02070309020205020404" pitchFamily="49" charset="0"/>
+                <a:cs typeface="Courier New" panose="02070309020205020404" pitchFamily="49" charset="0"/>
+              </a:rPr>
+            </a:br>
+            <a:r>
+              <a:rPr kumimoji="0" lang="en-US" altLang="en-US" sz="1400" b="0" i="0" u="none" strike="noStrike" cap="none" normalizeH="0" baseline="0" dirty="0">
+                <a:ln>
+                  <a:noFill/>
+                </a:ln>
+                <a:solidFill>
+                  <a:srgbClr val="000000"/>
+                </a:solidFill>
+                <a:effectLst/>
+                <a:latin typeface="Courier New" panose="02070309020205020404" pitchFamily="49" charset="0"/>
+                <a:cs typeface="Courier New" panose="02070309020205020404" pitchFamily="49" charset="0"/>
+              </a:rPr>
+              <a:t>    </a:t>
+            </a:r>
+            <a:r>
+              <a:rPr kumimoji="0" lang="en-US" altLang="en-US" sz="1400" b="1" i="0" u="none" strike="noStrike" cap="none" normalizeH="0" baseline="0" dirty="0">
+                <a:ln>
+                  <a:noFill/>
+                </a:ln>
+                <a:solidFill>
+                  <a:srgbClr val="000080"/>
+                </a:solidFill>
+                <a:effectLst/>
+                <a:latin typeface="Courier New" panose="02070309020205020404" pitchFamily="49" charset="0"/>
+                <a:cs typeface="Courier New" panose="02070309020205020404" pitchFamily="49" charset="0"/>
+              </a:rPr>
+              <a:t>for</a:t>
+            </a:r>
+            <a:r>
+              <a:rPr kumimoji="0" lang="en-US" altLang="en-US" sz="1400" b="0" i="0" u="none" strike="noStrike" cap="none" normalizeH="0" baseline="0" dirty="0">
+                <a:ln>
+                  <a:noFill/>
+                </a:ln>
+                <a:solidFill>
+                  <a:srgbClr val="000000"/>
+                </a:solidFill>
+                <a:effectLst/>
+                <a:latin typeface="Courier New" panose="02070309020205020404" pitchFamily="49" charset="0"/>
+                <a:cs typeface="Courier New" panose="02070309020205020404" pitchFamily="49" charset="0"/>
+              </a:rPr>
+              <a:t>(Reservation </a:t>
+            </a:r>
+            <a:r>
+              <a:rPr kumimoji="0" lang="en-US" altLang="en-US" sz="1400" b="0" i="0" u="none" strike="noStrike" cap="none" normalizeH="0" baseline="0" dirty="0" err="1">
+                <a:ln>
+                  <a:noFill/>
+                </a:ln>
+                <a:solidFill>
+                  <a:srgbClr val="000000"/>
+                </a:solidFill>
+                <a:effectLst/>
+                <a:latin typeface="Courier New" panose="02070309020205020404" pitchFamily="49" charset="0"/>
+                <a:cs typeface="Courier New" panose="02070309020205020404" pitchFamily="49" charset="0"/>
+              </a:rPr>
+              <a:t>reservation</a:t>
+            </a:r>
+            <a:r>
+              <a:rPr kumimoji="0" lang="en-US" altLang="en-US" sz="1400" b="0" i="0" u="none" strike="noStrike" cap="none" normalizeH="0" baseline="0" dirty="0">
+                <a:ln>
+                  <a:noFill/>
+                </a:ln>
+                <a:solidFill>
+                  <a:srgbClr val="000000"/>
+                </a:solidFill>
+                <a:effectLst/>
+                <a:latin typeface="Courier New" panose="02070309020205020404" pitchFamily="49" charset="0"/>
+                <a:cs typeface="Courier New" panose="02070309020205020404" pitchFamily="49" charset="0"/>
+              </a:rPr>
+              <a:t> : reservations){</a:t>
+            </a:r>
+            <a:br>
+              <a:rPr kumimoji="0" lang="en-US" altLang="en-US" sz="1400" b="0" i="0" u="none" strike="noStrike" cap="none" normalizeH="0" baseline="0" dirty="0">
+                <a:ln>
+                  <a:noFill/>
+                </a:ln>
+                <a:solidFill>
+                  <a:srgbClr val="000000"/>
+                </a:solidFill>
+                <a:effectLst/>
+                <a:latin typeface="Courier New" panose="02070309020205020404" pitchFamily="49" charset="0"/>
+                <a:cs typeface="Courier New" panose="02070309020205020404" pitchFamily="49" charset="0"/>
+              </a:rPr>
+            </a:br>
+            <a:r>
+              <a:rPr kumimoji="0" lang="en-US" altLang="en-US" sz="1400" b="0" i="0" u="none" strike="noStrike" cap="none" normalizeH="0" baseline="0" dirty="0">
+                <a:ln>
+                  <a:noFill/>
+                </a:ln>
+                <a:solidFill>
+                  <a:srgbClr val="000000"/>
+                </a:solidFill>
+                <a:effectLst/>
+                <a:latin typeface="Courier New" panose="02070309020205020404" pitchFamily="49" charset="0"/>
+                <a:cs typeface="Courier New" panose="02070309020205020404" pitchFamily="49" charset="0"/>
+              </a:rPr>
+              <a:t>        </a:t>
+            </a:r>
+            <a:r>
+              <a:rPr kumimoji="0" lang="en-US" altLang="en-US" sz="1400" b="1" i="0" u="none" strike="noStrike" cap="none" normalizeH="0" baseline="0" dirty="0">
+                <a:ln>
+                  <a:noFill/>
+                </a:ln>
+                <a:solidFill>
+                  <a:srgbClr val="000080"/>
+                </a:solidFill>
+                <a:effectLst/>
+                <a:latin typeface="Courier New" panose="02070309020205020404" pitchFamily="49" charset="0"/>
+                <a:cs typeface="Courier New" panose="02070309020205020404" pitchFamily="49" charset="0"/>
+              </a:rPr>
+              <a:t>for</a:t>
+            </a:r>
+            <a:r>
+              <a:rPr kumimoji="0" lang="en-US" altLang="en-US" sz="1400" b="0" i="0" u="none" strike="noStrike" cap="none" normalizeH="0" baseline="0" dirty="0">
+                <a:ln>
+                  <a:noFill/>
+                </a:ln>
+                <a:solidFill>
+                  <a:srgbClr val="000000"/>
+                </a:solidFill>
+                <a:effectLst/>
+                <a:latin typeface="Courier New" panose="02070309020205020404" pitchFamily="49" charset="0"/>
+                <a:cs typeface="Courier New" panose="02070309020205020404" pitchFamily="49" charset="0"/>
+              </a:rPr>
+              <a:t>(</a:t>
+            </a:r>
+            <a:r>
+              <a:rPr kumimoji="0" lang="en-US" altLang="en-US" sz="1400" b="0" i="0" u="none" strike="noStrike" cap="none" normalizeH="0" baseline="0" dirty="0" err="1">
+                <a:ln>
+                  <a:noFill/>
+                </a:ln>
+                <a:solidFill>
+                  <a:srgbClr val="000000"/>
+                </a:solidFill>
+                <a:effectLst/>
+                <a:latin typeface="Courier New" panose="02070309020205020404" pitchFamily="49" charset="0"/>
+                <a:cs typeface="Courier New" panose="02070309020205020404" pitchFamily="49" charset="0"/>
+              </a:rPr>
+              <a:t>ResComponent</a:t>
+            </a:r>
+            <a:r>
+              <a:rPr kumimoji="0" lang="en-US" altLang="en-US" sz="1400" b="0" i="0" u="none" strike="noStrike" cap="none" normalizeH="0" baseline="0" dirty="0">
+                <a:ln>
+                  <a:noFill/>
+                </a:ln>
+                <a:solidFill>
+                  <a:srgbClr val="000000"/>
+                </a:solidFill>
+                <a:effectLst/>
+                <a:latin typeface="Courier New" panose="02070309020205020404" pitchFamily="49" charset="0"/>
+                <a:cs typeface="Courier New" panose="02070309020205020404" pitchFamily="49" charset="0"/>
+              </a:rPr>
+              <a:t> </a:t>
+            </a:r>
+            <a:r>
+              <a:rPr kumimoji="0" lang="en-US" altLang="en-US" sz="1400" b="0" i="0" u="none" strike="noStrike" cap="none" normalizeH="0" baseline="0" dirty="0" err="1">
+                <a:ln>
+                  <a:noFill/>
+                </a:ln>
+                <a:solidFill>
+                  <a:srgbClr val="000000"/>
+                </a:solidFill>
+                <a:effectLst/>
+                <a:latin typeface="Courier New" panose="02070309020205020404" pitchFamily="49" charset="0"/>
+                <a:cs typeface="Courier New" panose="02070309020205020404" pitchFamily="49" charset="0"/>
+              </a:rPr>
+              <a:t>resComponent</a:t>
+            </a:r>
+            <a:r>
+              <a:rPr kumimoji="0" lang="en-US" altLang="en-US" sz="1400" b="0" i="0" u="none" strike="noStrike" cap="none" normalizeH="0" baseline="0" dirty="0">
+                <a:ln>
+                  <a:noFill/>
+                </a:ln>
+                <a:solidFill>
+                  <a:srgbClr val="000000"/>
+                </a:solidFill>
+                <a:effectLst/>
+                <a:latin typeface="Courier New" panose="02070309020205020404" pitchFamily="49" charset="0"/>
+                <a:cs typeface="Courier New" panose="02070309020205020404" pitchFamily="49" charset="0"/>
+              </a:rPr>
+              <a:t> : </a:t>
+            </a:r>
+            <a:r>
+              <a:rPr kumimoji="0" lang="en-US" altLang="en-US" sz="1400" b="0" i="0" u="none" strike="noStrike" cap="none" normalizeH="0" baseline="0" dirty="0" err="1">
+                <a:ln>
+                  <a:noFill/>
+                </a:ln>
+                <a:solidFill>
+                  <a:srgbClr val="000000"/>
+                </a:solidFill>
+                <a:effectLst/>
+                <a:latin typeface="Courier New" panose="02070309020205020404" pitchFamily="49" charset="0"/>
+                <a:cs typeface="Courier New" panose="02070309020205020404" pitchFamily="49" charset="0"/>
+              </a:rPr>
+              <a:t>reservation.getResComponents</a:t>
+            </a:r>
+            <a:r>
+              <a:rPr kumimoji="0" lang="en-US" altLang="en-US" sz="1400" b="0" i="0" u="none" strike="noStrike" cap="none" normalizeH="0" baseline="0" dirty="0">
+                <a:ln>
+                  <a:noFill/>
+                </a:ln>
+                <a:solidFill>
+                  <a:srgbClr val="000000"/>
+                </a:solidFill>
+                <a:effectLst/>
+                <a:latin typeface="Courier New" panose="02070309020205020404" pitchFamily="49" charset="0"/>
+                <a:cs typeface="Courier New" panose="02070309020205020404" pitchFamily="49" charset="0"/>
+              </a:rPr>
+              <a:t>())</a:t>
+            </a:r>
+            <a:br>
+              <a:rPr kumimoji="0" lang="en-US" altLang="en-US" sz="1400" b="0" i="0" u="none" strike="noStrike" cap="none" normalizeH="0" baseline="0" dirty="0">
+                <a:ln>
+                  <a:noFill/>
+                </a:ln>
+                <a:solidFill>
+                  <a:srgbClr val="000000"/>
+                </a:solidFill>
+                <a:effectLst/>
+                <a:latin typeface="Courier New" panose="02070309020205020404" pitchFamily="49" charset="0"/>
+                <a:cs typeface="Courier New" panose="02070309020205020404" pitchFamily="49" charset="0"/>
+              </a:rPr>
+            </a:br>
+            <a:r>
+              <a:rPr kumimoji="0" lang="en-US" altLang="en-US" sz="1400" b="0" i="0" u="none" strike="noStrike" cap="none" normalizeH="0" baseline="0" dirty="0">
+                <a:ln>
+                  <a:noFill/>
+                </a:ln>
+                <a:solidFill>
+                  <a:srgbClr val="000000"/>
+                </a:solidFill>
+                <a:effectLst/>
+                <a:latin typeface="Courier New" panose="02070309020205020404" pitchFamily="49" charset="0"/>
+                <a:cs typeface="Courier New" panose="02070309020205020404" pitchFamily="49" charset="0"/>
+              </a:rPr>
+              <a:t>            </a:t>
+            </a:r>
+            <a:r>
+              <a:rPr kumimoji="0" lang="en-US" altLang="en-US" sz="1400" b="1" i="0" u="none" strike="noStrike" cap="none" normalizeH="0" baseline="0" dirty="0">
+                <a:ln>
+                  <a:noFill/>
+                </a:ln>
+                <a:solidFill>
+                  <a:srgbClr val="000080"/>
+                </a:solidFill>
+                <a:effectLst/>
+                <a:latin typeface="Courier New" panose="02070309020205020404" pitchFamily="49" charset="0"/>
+                <a:cs typeface="Courier New" panose="02070309020205020404" pitchFamily="49" charset="0"/>
+              </a:rPr>
+              <a:t>for </a:t>
+            </a:r>
+            <a:r>
+              <a:rPr kumimoji="0" lang="en-US" altLang="en-US" sz="1400" b="0" i="0" u="none" strike="noStrike" cap="none" normalizeH="0" baseline="0" dirty="0">
+                <a:ln>
+                  <a:noFill/>
+                </a:ln>
+                <a:solidFill>
+                  <a:srgbClr val="000000"/>
+                </a:solidFill>
+                <a:effectLst/>
+                <a:latin typeface="Courier New" panose="02070309020205020404" pitchFamily="49" charset="0"/>
+                <a:cs typeface="Courier New" panose="02070309020205020404" pitchFamily="49" charset="0"/>
+              </a:rPr>
+              <a:t>(Policy </a:t>
+            </a:r>
+            <a:r>
+              <a:rPr kumimoji="0" lang="en-US" altLang="en-US" sz="1400" b="0" i="0" u="none" strike="noStrike" cap="none" normalizeH="0" baseline="0" dirty="0" err="1">
+                <a:ln>
+                  <a:noFill/>
+                </a:ln>
+                <a:solidFill>
+                  <a:srgbClr val="000000"/>
+                </a:solidFill>
+                <a:effectLst/>
+                <a:latin typeface="Courier New" panose="02070309020205020404" pitchFamily="49" charset="0"/>
+                <a:cs typeface="Courier New" panose="02070309020205020404" pitchFamily="49" charset="0"/>
+              </a:rPr>
+              <a:t>policy</a:t>
+            </a:r>
+            <a:r>
+              <a:rPr kumimoji="0" lang="en-US" altLang="en-US" sz="1400" b="0" i="0" u="none" strike="noStrike" cap="none" normalizeH="0" baseline="0" dirty="0">
+                <a:ln>
+                  <a:noFill/>
+                </a:ln>
+                <a:solidFill>
+                  <a:srgbClr val="000000"/>
+                </a:solidFill>
+                <a:effectLst/>
+                <a:latin typeface="Courier New" panose="02070309020205020404" pitchFamily="49" charset="0"/>
+                <a:cs typeface="Courier New" panose="02070309020205020404" pitchFamily="49" charset="0"/>
+              </a:rPr>
+              <a:t> : </a:t>
+            </a:r>
+            <a:r>
+              <a:rPr kumimoji="0" lang="en-US" altLang="en-US" sz="1400" b="0" i="0" u="none" strike="noStrike" cap="none" normalizeH="0" baseline="0" dirty="0" err="1">
+                <a:ln>
+                  <a:noFill/>
+                </a:ln>
+                <a:solidFill>
+                  <a:srgbClr val="000000"/>
+                </a:solidFill>
+                <a:effectLst/>
+                <a:latin typeface="Courier New" panose="02070309020205020404" pitchFamily="49" charset="0"/>
+                <a:cs typeface="Courier New" panose="02070309020205020404" pitchFamily="49" charset="0"/>
+              </a:rPr>
+              <a:t>resComponent.getPolicies</a:t>
+            </a:r>
+            <a:r>
+              <a:rPr kumimoji="0" lang="en-US" altLang="en-US" sz="1400" b="0" i="0" u="none" strike="noStrike" cap="none" normalizeH="0" baseline="0" dirty="0">
+                <a:ln>
+                  <a:noFill/>
+                </a:ln>
+                <a:solidFill>
+                  <a:srgbClr val="000000"/>
+                </a:solidFill>
+                <a:effectLst/>
+                <a:latin typeface="Courier New" panose="02070309020205020404" pitchFamily="49" charset="0"/>
+                <a:cs typeface="Courier New" panose="02070309020205020404" pitchFamily="49" charset="0"/>
+              </a:rPr>
+              <a:t>()) {</a:t>
+            </a:r>
+            <a:br>
+              <a:rPr kumimoji="0" lang="en-US" altLang="en-US" sz="1400" b="0" i="0" u="none" strike="noStrike" cap="none" normalizeH="0" baseline="0" dirty="0">
+                <a:ln>
+                  <a:noFill/>
+                </a:ln>
+                <a:solidFill>
+                  <a:srgbClr val="000000"/>
+                </a:solidFill>
+                <a:effectLst/>
+                <a:latin typeface="Courier New" panose="02070309020205020404" pitchFamily="49" charset="0"/>
+                <a:cs typeface="Courier New" panose="02070309020205020404" pitchFamily="49" charset="0"/>
+              </a:rPr>
+            </a:br>
+            <a:r>
+              <a:rPr kumimoji="0" lang="en-US" altLang="en-US" sz="1400" b="0" i="0" u="none" strike="noStrike" cap="none" normalizeH="0" baseline="0" dirty="0">
+                <a:ln>
+                  <a:noFill/>
+                </a:ln>
+                <a:solidFill>
+                  <a:srgbClr val="000000"/>
+                </a:solidFill>
+                <a:effectLst/>
+                <a:latin typeface="Courier New" panose="02070309020205020404" pitchFamily="49" charset="0"/>
+                <a:cs typeface="Courier New" panose="02070309020205020404" pitchFamily="49" charset="0"/>
+              </a:rPr>
+              <a:t>                </a:t>
+            </a:r>
+            <a:r>
+              <a:rPr kumimoji="0" lang="en-US" altLang="en-US" sz="1400" b="1" i="0" u="none" strike="noStrike" cap="none" normalizeH="0" baseline="0" dirty="0">
+                <a:ln>
+                  <a:noFill/>
+                </a:ln>
+                <a:solidFill>
+                  <a:srgbClr val="000080"/>
+                </a:solidFill>
+                <a:effectLst/>
+                <a:latin typeface="Courier New" panose="02070309020205020404" pitchFamily="49" charset="0"/>
+                <a:cs typeface="Courier New" panose="02070309020205020404" pitchFamily="49" charset="0"/>
+              </a:rPr>
+              <a:t>if</a:t>
+            </a:r>
+            <a:r>
+              <a:rPr kumimoji="0" lang="en-US" altLang="en-US" sz="1400" b="0" i="0" u="none" strike="noStrike" cap="none" normalizeH="0" baseline="0" dirty="0">
+                <a:ln>
+                  <a:noFill/>
+                </a:ln>
+                <a:solidFill>
+                  <a:srgbClr val="000000"/>
+                </a:solidFill>
+                <a:effectLst/>
+                <a:latin typeface="Courier New" panose="02070309020205020404" pitchFamily="49" charset="0"/>
+                <a:cs typeface="Courier New" panose="02070309020205020404" pitchFamily="49" charset="0"/>
+              </a:rPr>
+              <a:t>(</a:t>
+            </a:r>
+            <a:r>
+              <a:rPr kumimoji="0" lang="en-US" altLang="en-US" sz="1400" b="0" i="0" u="none" strike="noStrike" cap="none" normalizeH="0" baseline="0" dirty="0" err="1">
+                <a:ln>
+                  <a:noFill/>
+                </a:ln>
+                <a:solidFill>
+                  <a:srgbClr val="000000"/>
+                </a:solidFill>
+                <a:effectLst/>
+                <a:latin typeface="Courier New" panose="02070309020205020404" pitchFamily="49" charset="0"/>
+                <a:cs typeface="Courier New" panose="02070309020205020404" pitchFamily="49" charset="0"/>
+              </a:rPr>
+              <a:t>policy.getPolicyCode</a:t>
+            </a:r>
+            <a:r>
+              <a:rPr kumimoji="0" lang="en-US" altLang="en-US" sz="1400" b="0" i="0" u="none" strike="noStrike" cap="none" normalizeH="0" baseline="0" dirty="0">
+                <a:ln>
+                  <a:noFill/>
+                </a:ln>
+                <a:solidFill>
+                  <a:srgbClr val="000000"/>
+                </a:solidFill>
+                <a:effectLst/>
+                <a:latin typeface="Courier New" panose="02070309020205020404" pitchFamily="49" charset="0"/>
+                <a:cs typeface="Courier New" panose="02070309020205020404" pitchFamily="49" charset="0"/>
+              </a:rPr>
+              <a:t>() != </a:t>
+            </a:r>
+            <a:r>
+              <a:rPr kumimoji="0" lang="en-US" altLang="en-US" sz="1400" b="1" i="0" u="none" strike="noStrike" cap="none" normalizeH="0" baseline="0" dirty="0">
+                <a:ln>
+                  <a:noFill/>
+                </a:ln>
+                <a:solidFill>
+                  <a:srgbClr val="000080"/>
+                </a:solidFill>
+                <a:effectLst/>
+                <a:latin typeface="Courier New" panose="02070309020205020404" pitchFamily="49" charset="0"/>
+                <a:cs typeface="Courier New" panose="02070309020205020404" pitchFamily="49" charset="0"/>
+              </a:rPr>
+              <a:t>null</a:t>
+            </a:r>
+            <a:r>
+              <a:rPr kumimoji="0" lang="en-US" altLang="en-US" sz="1400" b="0" i="0" u="none" strike="noStrike" cap="none" normalizeH="0" baseline="0" dirty="0">
+                <a:ln>
+                  <a:noFill/>
+                </a:ln>
+                <a:solidFill>
+                  <a:srgbClr val="000000"/>
+                </a:solidFill>
+                <a:effectLst/>
+                <a:latin typeface="Courier New" panose="02070309020205020404" pitchFamily="49" charset="0"/>
+                <a:cs typeface="Courier New" panose="02070309020205020404" pitchFamily="49" charset="0"/>
+              </a:rPr>
+              <a:t>)</a:t>
+            </a:r>
+            <a:br>
+              <a:rPr kumimoji="0" lang="en-US" altLang="en-US" sz="1400" b="0" i="0" u="none" strike="noStrike" cap="none" normalizeH="0" baseline="0" dirty="0">
+                <a:ln>
+                  <a:noFill/>
+                </a:ln>
+                <a:solidFill>
+                  <a:srgbClr val="000000"/>
+                </a:solidFill>
+                <a:effectLst/>
+                <a:latin typeface="Courier New" panose="02070309020205020404" pitchFamily="49" charset="0"/>
+                <a:cs typeface="Courier New" panose="02070309020205020404" pitchFamily="49" charset="0"/>
+              </a:rPr>
+            </a:br>
+            <a:r>
+              <a:rPr kumimoji="0" lang="en-US" altLang="en-US" sz="1400" b="0" i="0" u="none" strike="noStrike" cap="none" normalizeH="0" baseline="0" dirty="0">
+                <a:ln>
+                  <a:noFill/>
+                </a:ln>
+                <a:solidFill>
+                  <a:srgbClr val="000000"/>
+                </a:solidFill>
+                <a:effectLst/>
+                <a:latin typeface="Courier New" panose="02070309020205020404" pitchFamily="49" charset="0"/>
+                <a:cs typeface="Courier New" panose="02070309020205020404" pitchFamily="49" charset="0"/>
+              </a:rPr>
+              <a:t>                    </a:t>
+            </a:r>
+            <a:r>
+              <a:rPr kumimoji="0" lang="en-US" altLang="en-US" sz="1400" b="0" i="0" u="none" strike="noStrike" cap="none" normalizeH="0" baseline="0" dirty="0" err="1">
+                <a:ln>
+                  <a:noFill/>
+                </a:ln>
+                <a:solidFill>
+                  <a:srgbClr val="000000"/>
+                </a:solidFill>
+                <a:effectLst/>
+                <a:latin typeface="Courier New" panose="02070309020205020404" pitchFamily="49" charset="0"/>
+                <a:cs typeface="Courier New" panose="02070309020205020404" pitchFamily="49" charset="0"/>
+              </a:rPr>
+              <a:t>policyCodes.add</a:t>
+            </a:r>
+            <a:r>
+              <a:rPr kumimoji="0" lang="en-US" altLang="en-US" sz="1400" b="0" i="0" u="none" strike="noStrike" cap="none" normalizeH="0" baseline="0" dirty="0">
+                <a:ln>
+                  <a:noFill/>
+                </a:ln>
+                <a:solidFill>
+                  <a:srgbClr val="000000"/>
+                </a:solidFill>
+                <a:effectLst/>
+                <a:latin typeface="Courier New" panose="02070309020205020404" pitchFamily="49" charset="0"/>
+                <a:cs typeface="Courier New" panose="02070309020205020404" pitchFamily="49" charset="0"/>
+              </a:rPr>
+              <a:t>(</a:t>
+            </a:r>
+            <a:r>
+              <a:rPr kumimoji="0" lang="en-US" altLang="en-US" sz="1400" b="0" i="0" u="none" strike="noStrike" cap="none" normalizeH="0" baseline="0" dirty="0" err="1">
+                <a:ln>
+                  <a:noFill/>
+                </a:ln>
+                <a:solidFill>
+                  <a:srgbClr val="000000"/>
+                </a:solidFill>
+                <a:effectLst/>
+                <a:latin typeface="Courier New" panose="02070309020205020404" pitchFamily="49" charset="0"/>
+                <a:cs typeface="Courier New" panose="02070309020205020404" pitchFamily="49" charset="0"/>
+              </a:rPr>
+              <a:t>policy.getPolicyCode</a:t>
+            </a:r>
+            <a:r>
+              <a:rPr kumimoji="0" lang="en-US" altLang="en-US" sz="1400" b="0" i="0" u="none" strike="noStrike" cap="none" normalizeH="0" baseline="0" dirty="0">
+                <a:ln>
+                  <a:noFill/>
+                </a:ln>
+                <a:solidFill>
+                  <a:srgbClr val="000000"/>
+                </a:solidFill>
+                <a:effectLst/>
+                <a:latin typeface="Courier New" panose="02070309020205020404" pitchFamily="49" charset="0"/>
+                <a:cs typeface="Courier New" panose="02070309020205020404" pitchFamily="49" charset="0"/>
+              </a:rPr>
+              <a:t>());</a:t>
+            </a:r>
+            <a:br>
+              <a:rPr kumimoji="0" lang="en-US" altLang="en-US" sz="1400" b="0" i="0" u="none" strike="noStrike" cap="none" normalizeH="0" baseline="0" dirty="0">
+                <a:ln>
+                  <a:noFill/>
+                </a:ln>
+                <a:solidFill>
+                  <a:srgbClr val="000000"/>
+                </a:solidFill>
+                <a:effectLst/>
+                <a:latin typeface="Courier New" panose="02070309020205020404" pitchFamily="49" charset="0"/>
+                <a:cs typeface="Courier New" panose="02070309020205020404" pitchFamily="49" charset="0"/>
+              </a:rPr>
+            </a:br>
+            <a:r>
+              <a:rPr kumimoji="0" lang="en-US" altLang="en-US" sz="1400" b="0" i="0" u="none" strike="noStrike" cap="none" normalizeH="0" baseline="0" dirty="0">
+                <a:ln>
+                  <a:noFill/>
+                </a:ln>
+                <a:solidFill>
+                  <a:srgbClr val="000000"/>
+                </a:solidFill>
+                <a:effectLst/>
+                <a:latin typeface="Courier New" panose="02070309020205020404" pitchFamily="49" charset="0"/>
+                <a:cs typeface="Courier New" panose="02070309020205020404" pitchFamily="49" charset="0"/>
+              </a:rPr>
+              <a:t>            }</a:t>
+            </a:r>
+            <a:br>
+              <a:rPr kumimoji="0" lang="en-US" altLang="en-US" sz="1400" b="0" i="0" u="none" strike="noStrike" cap="none" normalizeH="0" baseline="0" dirty="0">
+                <a:ln>
+                  <a:noFill/>
+                </a:ln>
+                <a:solidFill>
+                  <a:srgbClr val="000000"/>
+                </a:solidFill>
+                <a:effectLst/>
+                <a:latin typeface="Courier New" panose="02070309020205020404" pitchFamily="49" charset="0"/>
+                <a:cs typeface="Courier New" panose="02070309020205020404" pitchFamily="49" charset="0"/>
+              </a:rPr>
+            </a:br>
+            <a:r>
+              <a:rPr kumimoji="0" lang="en-US" altLang="en-US" sz="1400" b="0" i="0" u="none" strike="noStrike" cap="none" normalizeH="0" baseline="0" dirty="0">
+                <a:ln>
+                  <a:noFill/>
+                </a:ln>
+                <a:solidFill>
+                  <a:srgbClr val="000000"/>
+                </a:solidFill>
+                <a:effectLst/>
+                <a:latin typeface="Courier New" panose="02070309020205020404" pitchFamily="49" charset="0"/>
+                <a:cs typeface="Courier New" panose="02070309020205020404" pitchFamily="49" charset="0"/>
+              </a:rPr>
+              <a:t>    }</a:t>
+            </a:r>
+            <a:br>
+              <a:rPr kumimoji="0" lang="en-US" altLang="en-US" sz="1400" b="0" i="0" u="none" strike="noStrike" cap="none" normalizeH="0" baseline="0" dirty="0">
+                <a:ln>
+                  <a:noFill/>
+                </a:ln>
+                <a:solidFill>
+                  <a:srgbClr val="000000"/>
+                </a:solidFill>
+                <a:effectLst/>
+                <a:latin typeface="Courier New" panose="02070309020205020404" pitchFamily="49" charset="0"/>
+                <a:cs typeface="Courier New" panose="02070309020205020404" pitchFamily="49" charset="0"/>
+              </a:rPr>
+            </a:br>
+            <a:r>
+              <a:rPr kumimoji="0" lang="en-US" altLang="en-US" sz="1400" b="0" i="0" u="none" strike="noStrike" cap="none" normalizeH="0" baseline="0" dirty="0">
+                <a:ln>
+                  <a:noFill/>
+                </a:ln>
+                <a:solidFill>
+                  <a:srgbClr val="000000"/>
+                </a:solidFill>
+                <a:effectLst/>
+                <a:latin typeface="Courier New" panose="02070309020205020404" pitchFamily="49" charset="0"/>
+                <a:cs typeface="Courier New" panose="02070309020205020404" pitchFamily="49" charset="0"/>
+              </a:rPr>
+              <a:t>    </a:t>
+            </a:r>
+            <a:r>
+              <a:rPr kumimoji="0" lang="en-US" altLang="en-US" sz="1400" b="1" i="0" u="none" strike="noStrike" cap="none" normalizeH="0" baseline="0" dirty="0">
+                <a:ln>
+                  <a:noFill/>
+                </a:ln>
+                <a:solidFill>
+                  <a:srgbClr val="000080"/>
+                </a:solidFill>
+                <a:effectLst/>
+                <a:latin typeface="Courier New" panose="02070309020205020404" pitchFamily="49" charset="0"/>
+                <a:cs typeface="Courier New" panose="02070309020205020404" pitchFamily="49" charset="0"/>
+              </a:rPr>
+              <a:t>if </a:t>
+            </a:r>
+            <a:r>
+              <a:rPr kumimoji="0" lang="en-US" altLang="en-US" sz="1400" b="0" i="0" u="none" strike="noStrike" cap="none" normalizeH="0" baseline="0" dirty="0">
+                <a:ln>
+                  <a:noFill/>
+                </a:ln>
+                <a:solidFill>
+                  <a:srgbClr val="000000"/>
+                </a:solidFill>
+                <a:effectLst/>
+                <a:latin typeface="Courier New" panose="02070309020205020404" pitchFamily="49" charset="0"/>
+                <a:cs typeface="Courier New" panose="02070309020205020404" pitchFamily="49" charset="0"/>
+              </a:rPr>
+              <a:t>(</a:t>
+            </a:r>
+            <a:r>
+              <a:rPr kumimoji="0" lang="en-US" altLang="en-US" sz="1400" b="0" i="0" u="none" strike="noStrike" cap="none" normalizeH="0" baseline="0" dirty="0" err="1">
+                <a:ln>
+                  <a:noFill/>
+                </a:ln>
+                <a:solidFill>
+                  <a:srgbClr val="000000"/>
+                </a:solidFill>
+                <a:effectLst/>
+                <a:latin typeface="Courier New" panose="02070309020205020404" pitchFamily="49" charset="0"/>
+                <a:cs typeface="Courier New" panose="02070309020205020404" pitchFamily="49" charset="0"/>
+              </a:rPr>
+              <a:t>policyCodes.size</a:t>
+            </a:r>
+            <a:r>
+              <a:rPr kumimoji="0" lang="en-US" altLang="en-US" sz="1400" b="0" i="0" u="none" strike="noStrike" cap="none" normalizeH="0" baseline="0" dirty="0">
+                <a:ln>
+                  <a:noFill/>
+                </a:ln>
+                <a:solidFill>
+                  <a:srgbClr val="000000"/>
+                </a:solidFill>
+                <a:effectLst/>
+                <a:latin typeface="Courier New" panose="02070309020205020404" pitchFamily="49" charset="0"/>
+                <a:cs typeface="Courier New" panose="02070309020205020404" pitchFamily="49" charset="0"/>
+              </a:rPr>
+              <a:t>() == </a:t>
+            </a:r>
+            <a:r>
+              <a:rPr kumimoji="0" lang="en-US" altLang="en-US" sz="1400" b="0" i="0" u="none" strike="noStrike" cap="none" normalizeH="0" baseline="0" dirty="0">
+                <a:ln>
+                  <a:noFill/>
+                </a:ln>
+                <a:solidFill>
+                  <a:srgbClr val="0000FF"/>
+                </a:solidFill>
+                <a:effectLst/>
+                <a:latin typeface="Courier New" panose="02070309020205020404" pitchFamily="49" charset="0"/>
+                <a:cs typeface="Courier New" panose="02070309020205020404" pitchFamily="49" charset="0"/>
+              </a:rPr>
+              <a:t>0</a:t>
+            </a:r>
+            <a:r>
+              <a:rPr kumimoji="0" lang="en-US" altLang="en-US" sz="1400" b="0" i="0" u="none" strike="noStrike" cap="none" normalizeH="0" baseline="0" dirty="0">
+                <a:ln>
+                  <a:noFill/>
+                </a:ln>
+                <a:solidFill>
+                  <a:srgbClr val="000000"/>
+                </a:solidFill>
+                <a:effectLst/>
+                <a:latin typeface="Courier New" panose="02070309020205020404" pitchFamily="49" charset="0"/>
+                <a:cs typeface="Courier New" panose="02070309020205020404" pitchFamily="49" charset="0"/>
+              </a:rPr>
+              <a:t>) {</a:t>
+            </a:r>
+            <a:br>
+              <a:rPr kumimoji="0" lang="en-US" altLang="en-US" sz="1400" b="0" i="0" u="none" strike="noStrike" cap="none" normalizeH="0" baseline="0" dirty="0">
+                <a:ln>
+                  <a:noFill/>
+                </a:ln>
+                <a:solidFill>
+                  <a:srgbClr val="000000"/>
+                </a:solidFill>
+                <a:effectLst/>
+                <a:latin typeface="Courier New" panose="02070309020205020404" pitchFamily="49" charset="0"/>
+                <a:cs typeface="Courier New" panose="02070309020205020404" pitchFamily="49" charset="0"/>
+              </a:rPr>
+            </a:br>
+            <a:r>
+              <a:rPr kumimoji="0" lang="en-US" altLang="en-US" sz="1400" b="0" i="0" u="none" strike="noStrike" cap="none" normalizeH="0" baseline="0" dirty="0">
+                <a:ln>
+                  <a:noFill/>
+                </a:ln>
+                <a:solidFill>
+                  <a:srgbClr val="000000"/>
+                </a:solidFill>
+                <a:effectLst/>
+                <a:latin typeface="Courier New" panose="02070309020205020404" pitchFamily="49" charset="0"/>
+                <a:cs typeface="Courier New" panose="02070309020205020404" pitchFamily="49" charset="0"/>
+              </a:rPr>
+              <a:t>        </a:t>
+            </a:r>
+            <a:r>
+              <a:rPr kumimoji="0" lang="en-US" altLang="en-US" sz="1400" b="1" i="0" u="none" strike="noStrike" cap="none" normalizeH="0" baseline="0" dirty="0">
+                <a:ln>
+                  <a:noFill/>
+                </a:ln>
+                <a:solidFill>
+                  <a:srgbClr val="000080"/>
+                </a:solidFill>
+                <a:effectLst/>
+                <a:latin typeface="Courier New" panose="02070309020205020404" pitchFamily="49" charset="0"/>
+                <a:cs typeface="Courier New" panose="02070309020205020404" pitchFamily="49" charset="0"/>
+              </a:rPr>
+              <a:t>throw new </a:t>
+            </a:r>
+            <a:r>
+              <a:rPr kumimoji="0" lang="en-US" altLang="en-US" sz="1400" b="0" i="0" u="none" strike="noStrike" cap="none" normalizeH="0" baseline="0" dirty="0" err="1">
+                <a:ln>
+                  <a:noFill/>
+                </a:ln>
+                <a:solidFill>
+                  <a:srgbClr val="000000"/>
+                </a:solidFill>
+                <a:effectLst/>
+                <a:latin typeface="Courier New" panose="02070309020205020404" pitchFamily="49" charset="0"/>
+                <a:cs typeface="Courier New" panose="02070309020205020404" pitchFamily="49" charset="0"/>
+              </a:rPr>
+              <a:t>AnyException</a:t>
+            </a:r>
+            <a:r>
+              <a:rPr kumimoji="0" lang="en-US" altLang="en-US" sz="1400" b="0" i="0" u="none" strike="noStrike" cap="none" normalizeH="0" baseline="0" dirty="0">
+                <a:ln>
+                  <a:noFill/>
+                </a:ln>
+                <a:solidFill>
+                  <a:srgbClr val="000000"/>
+                </a:solidFill>
+                <a:effectLst/>
+                <a:latin typeface="Courier New" panose="02070309020205020404" pitchFamily="49" charset="0"/>
+                <a:cs typeface="Courier New" panose="02070309020205020404" pitchFamily="49" charset="0"/>
+              </a:rPr>
+              <a:t>(</a:t>
+            </a:r>
+            <a:r>
+              <a:rPr kumimoji="0" lang="en-US" altLang="en-US" sz="1400" b="1" i="0" u="none" strike="noStrike" cap="none" normalizeH="0" baseline="0" dirty="0">
+                <a:ln>
+                  <a:noFill/>
+                </a:ln>
+                <a:solidFill>
+                  <a:srgbClr val="008000"/>
+                </a:solidFill>
+                <a:effectLst/>
+                <a:latin typeface="Courier New" panose="02070309020205020404" pitchFamily="49" charset="0"/>
+                <a:cs typeface="Courier New" panose="02070309020205020404" pitchFamily="49" charset="0"/>
+              </a:rPr>
+              <a:t>"there is no policy code, invalid request"</a:t>
+            </a:r>
+            <a:r>
+              <a:rPr kumimoji="0" lang="en-US" altLang="en-US" sz="1400" b="0" i="0" u="none" strike="noStrike" cap="none" normalizeH="0" baseline="0" dirty="0">
+                <a:ln>
+                  <a:noFill/>
+                </a:ln>
+                <a:solidFill>
+                  <a:srgbClr val="000000"/>
+                </a:solidFill>
+                <a:effectLst/>
+                <a:latin typeface="Courier New" panose="02070309020205020404" pitchFamily="49" charset="0"/>
+                <a:cs typeface="Courier New" panose="02070309020205020404" pitchFamily="49" charset="0"/>
+              </a:rPr>
+              <a:t>);</a:t>
+            </a:r>
+            <a:br>
+              <a:rPr kumimoji="0" lang="en-US" altLang="en-US" sz="1400" b="0" i="0" u="none" strike="noStrike" cap="none" normalizeH="0" baseline="0" dirty="0">
+                <a:ln>
+                  <a:noFill/>
+                </a:ln>
+                <a:solidFill>
+                  <a:srgbClr val="000000"/>
+                </a:solidFill>
+                <a:effectLst/>
+                <a:latin typeface="Courier New" panose="02070309020205020404" pitchFamily="49" charset="0"/>
+                <a:cs typeface="Courier New" panose="02070309020205020404" pitchFamily="49" charset="0"/>
+              </a:rPr>
+            </a:br>
+            <a:r>
+              <a:rPr kumimoji="0" lang="en-US" altLang="en-US" sz="1400" b="0" i="0" u="none" strike="noStrike" cap="none" normalizeH="0" baseline="0" dirty="0">
+                <a:ln>
+                  <a:noFill/>
+                </a:ln>
+                <a:solidFill>
+                  <a:srgbClr val="000000"/>
+                </a:solidFill>
+                <a:effectLst/>
+                <a:latin typeface="Courier New" panose="02070309020205020404" pitchFamily="49" charset="0"/>
+                <a:cs typeface="Courier New" panose="02070309020205020404" pitchFamily="49" charset="0"/>
+              </a:rPr>
+              <a:t>    }</a:t>
+            </a:r>
+            <a:br>
+              <a:rPr kumimoji="0" lang="en-US" altLang="en-US" sz="1400" b="0" i="0" u="none" strike="noStrike" cap="none" normalizeH="0" baseline="0" dirty="0">
+                <a:ln>
+                  <a:noFill/>
+                </a:ln>
+                <a:solidFill>
+                  <a:srgbClr val="000000"/>
+                </a:solidFill>
+                <a:effectLst/>
+                <a:latin typeface="Courier New" panose="02070309020205020404" pitchFamily="49" charset="0"/>
+                <a:cs typeface="Courier New" panose="02070309020205020404" pitchFamily="49" charset="0"/>
+              </a:rPr>
+            </a:br>
+            <a:r>
+              <a:rPr kumimoji="0" lang="en-US" altLang="en-US" sz="1400" b="0" i="0" u="none" strike="noStrike" cap="none" normalizeH="0" baseline="0" dirty="0">
+                <a:ln>
+                  <a:noFill/>
+                </a:ln>
+                <a:solidFill>
+                  <a:srgbClr val="000000"/>
+                </a:solidFill>
+                <a:effectLst/>
+                <a:latin typeface="Courier New" panose="02070309020205020404" pitchFamily="49" charset="0"/>
+                <a:cs typeface="Courier New" panose="02070309020205020404" pitchFamily="49" charset="0"/>
+              </a:rPr>
+              <a:t>}</a:t>
+            </a:r>
+            <a:endParaRPr kumimoji="0" lang="en-US" altLang="en-US" sz="1400" b="0" i="0" u="none" strike="noStrike" cap="none" normalizeH="0" baseline="0" dirty="0">
+              <a:ln>
+                <a:noFill/>
+              </a:ln>
+              <a:solidFill>
+                <a:schemeClr val="tx1"/>
+              </a:solidFill>
+              <a:effectLst/>
+              <a:latin typeface="Arial" panose="020B0604020202020204" pitchFamily="34" charset="0"/>
+            </a:endParaRPr>
+          </a:p>
+        </p:txBody>
+      </p:sp>
+    </p:spTree>
+    <p:extLst>
+      <p:ext uri="{BB962C8B-B14F-4D97-AF65-F5344CB8AC3E}">
+        <p14:creationId xmlns:p14="http://schemas.microsoft.com/office/powerpoint/2010/main" val="2990845362"/>
+      </p:ext>
+    </p:extLst>
+  </p:cSld>
+  <p:clrMapOvr>
+    <a:masterClrMapping/>
+  </p:clrMapOvr>
+  <p:transition spd="med"/>
+</p:sld>
+</file>
+
+<file path=ppt/slides/slide43.xml><?xml version="1.0" encoding="utf-8"?>
 <p:sld xmlns:a="http://schemas.openxmlformats.org/drawingml/2006/main" xmlns:r="http://schemas.openxmlformats.org/officeDocument/2006/relationships" xmlns:p="http://schemas.openxmlformats.org/presentationml/2006/main">
   <p:cSld>
     <p:spTree>
@@ -19271,61 +20438,21 @@
               <a:rPr sz="4000" dirty="0"/>
               <a:t> 3</a:t>
             </a:r>
+            <a:r>
+              <a:rPr lang="en-IE" sz="4000" dirty="0"/>
+              <a:t> </a:t>
+            </a:r>
+            <a:r>
+              <a:rPr lang="en-IE" sz="4000" dirty="0"/>
+              <a:t>Adoption</a:t>
+            </a:r>
+            <a:endParaRPr sz="4000" dirty="0"/>
           </a:p>
         </p:txBody>
       </p:sp>
       <p:sp>
         <p:nvSpPr>
-          <p:cNvPr id="343" name="Shape 343"/>
-          <p:cNvSpPr/>
-          <p:nvPr/>
-        </p:nvSpPr>
-        <p:spPr>
-          <a:xfrm>
-            <a:off x="724939" y="1693155"/>
-            <a:ext cx="10205658" cy="863601"/>
-          </a:xfrm>
-          <a:prstGeom prst="rect">
-            <a:avLst/>
-          </a:prstGeom>
-          <a:ln w="12700">
-            <a:miter lim="400000"/>
-          </a:ln>
-          <a:extLst>
-            <a:ext uri="{C572A759-6A51-4108-AA02-DFA0A04FC94B}">
-              <ma14:wrappingTextBoxFlag xmlns="" xmlns:ma14="http://schemas.microsoft.com/office/mac/drawingml/2011/main" val="1"/>
-            </a:ext>
-          </a:extLst>
-        </p:spPr>
-        <p:txBody>
-          <a:bodyPr lIns="45719" rIns="45719">
-            <a:normAutofit/>
-          </a:bodyPr>
-          <a:lstStyle>
-            <a:lvl1pPr>
-              <a:lnSpc>
-                <a:spcPct val="90000"/>
-              </a:lnSpc>
-              <a:spcBef>
-                <a:spcPts val="1000"/>
-              </a:spcBef>
-              <a:defRPr sz="2800">
-                <a:solidFill>
-                  <a:srgbClr val="414042"/>
-                </a:solidFill>
-              </a:defRPr>
-            </a:lvl1pPr>
-          </a:lstStyle>
-          <a:p>
-            <a:r>
-              <a:t>Validate the reservation in request, in case there is no policy code in rescomponent, throw an AnyException</a:t>
-            </a:r>
-          </a:p>
-        </p:txBody>
-      </p:sp>
-      <p:sp>
-        <p:nvSpPr>
-          <p:cNvPr id="2" name="Rectangle 1"/>
+          <p:cNvPr id="3" name="Rectangle 1"/>
           <p:cNvSpPr>
             <a:spLocks noChangeArrowheads="1"/>
           </p:cNvSpPr>
@@ -19333,8 +20460,8 @@
         </p:nvSpPr>
         <p:spPr bwMode="auto">
           <a:xfrm>
-            <a:off x="724939" y="3156834"/>
-            <a:ext cx="10752358" cy="2246769"/>
+            <a:off x="724939" y="2676117"/>
+            <a:ext cx="10836440" cy="2462213"/>
           </a:xfrm>
           <a:prstGeom prst="rect">
             <a:avLst/>
@@ -19419,7 +20546,35 @@
                 <a:latin typeface="Courier New" panose="02070309020205020404" pitchFamily="49" charset="0"/>
                 <a:cs typeface="Courier New" panose="02070309020205020404" pitchFamily="49" charset="0"/>
               </a:rPr>
-              <a:t>String validateAnyPolicyCodeInJava8(List&lt;Reservation&gt; reservations) {</a:t>
+              <a:t>void </a:t>
+            </a:r>
+            <a:r>
+              <a:rPr kumimoji="0" lang="en-US" altLang="en-US" sz="1400" b="0" i="0" u="none" strike="noStrike" cap="none" normalizeH="0" baseline="0" dirty="0" err="1">
+                <a:ln>
+                  <a:noFill/>
+                </a:ln>
+                <a:solidFill>
+                  <a:srgbClr val="000000"/>
+                </a:solidFill>
+                <a:effectLst/>
+                <a:latin typeface="Courier New" panose="02070309020205020404" pitchFamily="49" charset="0"/>
+                <a:cs typeface="Courier New" panose="02070309020205020404" pitchFamily="49" charset="0"/>
+              </a:rPr>
+              <a:t>validatePolicyCodeExistence</a:t>
+            </a:r>
+            <a:r>
+              <a:rPr kumimoji="0" lang="en-US" altLang="en-US" sz="1400" b="0" i="0" u="none" strike="noStrike" cap="none" normalizeH="0" baseline="0" dirty="0">
+                <a:ln>
+                  <a:noFill/>
+                </a:ln>
+                <a:solidFill>
+                  <a:srgbClr val="000000"/>
+                </a:solidFill>
+                <a:effectLst/>
+                <a:latin typeface="Courier New" panose="02070309020205020404" pitchFamily="49" charset="0"/>
+                <a:cs typeface="Courier New" panose="02070309020205020404" pitchFamily="49" charset="0"/>
+              </a:rPr>
+              <a:t>(List&lt;Reservation&gt; reservations) {</a:t>
             </a:r>
             <a:br>
               <a:rPr kumimoji="0" lang="en-US" altLang="en-US" sz="1400" b="0" i="0" u="none" strike="noStrike" cap="none" normalizeH="0" baseline="0" dirty="0">
@@ -19435,6 +20590,20 @@
               </a:rPr>
             </a:br>
             <a:r>
+              <a:rPr kumimoji="0" lang="en-US" altLang="en-US" sz="1400" b="0" i="0" u="none" strike="noStrike" cap="none" normalizeH="0" dirty="0">
+                <a:ln>
+                  <a:noFill/>
+                </a:ln>
+                <a:solidFill>
+                  <a:srgbClr val="000000"/>
+                </a:solidFill>
+                <a:effectLst/>
+                <a:latin typeface="Courier New" panose="02070309020205020404" pitchFamily="49" charset="0"/>
+                <a:cs typeface="Courier New" panose="02070309020205020404" pitchFamily="49" charset="0"/>
+              </a:rPr>
+              <a:t>          </a:t>
+            </a:r>
+            <a:r>
               <a:rPr kumimoji="0" lang="en-US" altLang="en-US" sz="1400" b="0" i="0" u="none" strike="noStrike" cap="none" normalizeH="0" baseline="0" dirty="0">
                 <a:ln>
                   <a:noFill/>
@@ -19446,35 +20615,24 @@
                 <a:latin typeface="Courier New" panose="02070309020205020404" pitchFamily="49" charset="0"/>
                 <a:cs typeface="Courier New" panose="02070309020205020404" pitchFamily="49" charset="0"/>
               </a:rPr>
-              <a:t>    </a:t>
-            </a:r>
-            <a:r>
-              <a:rPr kumimoji="0" lang="en-US" altLang="en-US" sz="1400" b="1" i="0" u="none" strike="noStrike" cap="none" normalizeH="0" baseline="0" dirty="0">
-                <a:ln>
-                  <a:noFill/>
-                </a:ln>
-                <a:solidFill>
-                  <a:srgbClr val="000080"/>
-                </a:solidFill>
-                <a:effectLst/>
-                <a:latin typeface="Courier New" panose="02070309020205020404" pitchFamily="49" charset="0"/>
-                <a:cs typeface="Courier New" panose="02070309020205020404" pitchFamily="49" charset="0"/>
-              </a:rPr>
-              <a:t>return </a:t>
-            </a:r>
-            <a:r>
-              <a:rPr kumimoji="0" lang="en-US" altLang="en-US" sz="1400" b="0" i="0" u="none" strike="noStrike" cap="none" normalizeH="0" baseline="0" dirty="0" err="1">
-                <a:ln>
-                  <a:noFill/>
-                </a:ln>
-                <a:solidFill>
-                  <a:srgbClr val="000000"/>
-                </a:solidFill>
-                <a:effectLst/>
-                <a:latin typeface="Courier New" panose="02070309020205020404" pitchFamily="49" charset="0"/>
-                <a:cs typeface="Courier New" panose="02070309020205020404" pitchFamily="49" charset="0"/>
-              </a:rPr>
-              <a:t>reservations.stream</a:t>
+              <a:t>reservations</a:t>
+            </a:r>
+          </a:p>
+          <a:p>
+            <a:pPr lvl="0" eaLnBrk="0" fontAlgn="base">
+              <a:spcBef>
+                <a:spcPct val="0"/>
+              </a:spcBef>
+              <a:spcAft>
+                <a:spcPct val="0"/>
+              </a:spcAft>
+            </a:pPr>
+            <a:r>
+              <a:rPr lang="en-US" altLang="en-US" sz="1400" dirty="0">
+                <a:latin typeface="Courier New" panose="02070309020205020404" pitchFamily="49" charset="0"/>
+                <a:cs typeface="Courier New" panose="02070309020205020404" pitchFamily="49" charset="0"/>
+              </a:rPr>
+              <a:t>	    </a:t>
             </a:r>
             <a:r>
               <a:rPr kumimoji="0" lang="en-US" altLang="en-US" sz="1400" b="0" i="0" u="none" strike="noStrike" cap="none" normalizeH="0" baseline="0" dirty="0">
@@ -19488,7 +20646,7 @@
                 <a:latin typeface="Courier New" panose="02070309020205020404" pitchFamily="49" charset="0"/>
                 <a:cs typeface="Courier New" panose="02070309020205020404" pitchFamily="49" charset="0"/>
               </a:rPr>
-              <a:t>()</a:t>
+              <a:t>.stream()</a:t>
             </a:r>
             <a:br>
               <a:rPr kumimoji="0" lang="en-US" altLang="en-US" sz="1400" b="0" i="0" u="none" strike="noStrike" cap="none" normalizeH="0" baseline="0" dirty="0">
@@ -19515,7 +20673,35 @@
                 <a:latin typeface="Courier New" panose="02070309020205020404" pitchFamily="49" charset="0"/>
                 <a:cs typeface="Courier New" panose="02070309020205020404" pitchFamily="49" charset="0"/>
               </a:rPr>
-              <a:t>            .map(reservation -&gt; </a:t>
+              <a:t>           </a:t>
+            </a:r>
+            <a:r>
+              <a:rPr kumimoji="0" lang="en-US" altLang="en-US" sz="1400" b="0" i="0" u="none" strike="noStrike" cap="none" normalizeH="0" dirty="0">
+                <a:ln>
+                  <a:noFill/>
+                </a:ln>
+                <a:solidFill>
+                  <a:srgbClr val="000000"/>
+                </a:solidFill>
+                <a:effectLst/>
+                <a:latin typeface="Courier New" panose="02070309020205020404" pitchFamily="49" charset="0"/>
+                <a:cs typeface="Courier New" panose="02070309020205020404" pitchFamily="49" charset="0"/>
+              </a:rPr>
+              <a:t>  </a:t>
+            </a:r>
+            <a:r>
+              <a:rPr kumimoji="0" lang="en-US" altLang="en-US" sz="1400" b="0" i="0" u="none" strike="noStrike" cap="none" normalizeH="0" baseline="0" dirty="0">
+                <a:ln>
+                  <a:noFill/>
+                </a:ln>
+                <a:solidFill>
+                  <a:srgbClr val="000000"/>
+                </a:solidFill>
+                <a:effectLst/>
+                <a:latin typeface="Courier New" panose="02070309020205020404" pitchFamily="49" charset="0"/>
+                <a:cs typeface="Courier New" panose="02070309020205020404" pitchFamily="49" charset="0"/>
+              </a:rPr>
+              <a:t>.map(reservation -&gt; </a:t>
             </a:r>
             <a:r>
               <a:rPr kumimoji="0" lang="en-US" altLang="en-US" sz="1400" b="0" i="0" u="none" strike="noStrike" cap="none" normalizeH="0" baseline="0" dirty="0" err="1">
@@ -19570,7 +20756,42 @@
                 <a:latin typeface="Courier New" panose="02070309020205020404" pitchFamily="49" charset="0"/>
                 <a:cs typeface="Courier New" panose="02070309020205020404" pitchFamily="49" charset="0"/>
               </a:rPr>
-              <a:t>            .</a:t>
+              <a:t>       </a:t>
+            </a:r>
+            <a:r>
+              <a:rPr kumimoji="0" lang="en-US" altLang="en-US" sz="1400" b="0" i="0" u="none" strike="noStrike" cap="none" normalizeH="0" dirty="0">
+                <a:ln>
+                  <a:noFill/>
+                </a:ln>
+                <a:solidFill>
+                  <a:srgbClr val="000000"/>
+                </a:solidFill>
+                <a:effectLst/>
+                <a:latin typeface="Courier New" panose="02070309020205020404" pitchFamily="49" charset="0"/>
+                <a:cs typeface="Courier New" panose="02070309020205020404" pitchFamily="49" charset="0"/>
+              </a:rPr>
+              <a:t>  </a:t>
+            </a:r>
+            <a:r>
+              <a:rPr lang="en-US" altLang="en-US" sz="1400" dirty="0">
+                <a:latin typeface="Courier New" panose="02070309020205020404" pitchFamily="49" charset="0"/>
+                <a:cs typeface="Courier New" panose="02070309020205020404" pitchFamily="49" charset="0"/>
+              </a:rPr>
+              <a:t>    </a:t>
+            </a:r>
+            <a:r>
+              <a:rPr kumimoji="0" lang="en-US" altLang="en-US" sz="1400" b="0" i="0" u="none" strike="noStrike" cap="none" normalizeH="0" baseline="0" dirty="0">
+                <a:ln>
+                  <a:noFill/>
+                </a:ln>
+                <a:solidFill>
+                  <a:srgbClr val="000000"/>
+                </a:solidFill>
+                <a:effectLst/>
+                <a:latin typeface="Courier New" panose="02070309020205020404" pitchFamily="49" charset="0"/>
+                <a:cs typeface="Courier New" panose="02070309020205020404" pitchFamily="49" charset="0"/>
+              </a:rPr>
+              <a:t>.</a:t>
             </a:r>
             <a:r>
               <a:rPr kumimoji="0" lang="en-US" altLang="en-US" sz="1400" b="0" i="0" u="none" strike="noStrike" cap="none" normalizeH="0" baseline="0" dirty="0" err="1">
@@ -19681,7 +20902,35 @@
                 <a:latin typeface="Courier New" panose="02070309020205020404" pitchFamily="49" charset="0"/>
                 <a:cs typeface="Courier New" panose="02070309020205020404" pitchFamily="49" charset="0"/>
               </a:rPr>
-              <a:t>            .map(</a:t>
+              <a:t>            </a:t>
+            </a:r>
+            <a:r>
+              <a:rPr kumimoji="0" lang="en-US" altLang="en-US" sz="1400" b="0" i="0" u="none" strike="noStrike" cap="none" normalizeH="0" dirty="0">
+                <a:ln>
+                  <a:noFill/>
+                </a:ln>
+                <a:solidFill>
+                  <a:srgbClr val="000000"/>
+                </a:solidFill>
+                <a:effectLst/>
+                <a:latin typeface="Courier New" panose="02070309020205020404" pitchFamily="49" charset="0"/>
+                <a:cs typeface="Courier New" panose="02070309020205020404" pitchFamily="49" charset="0"/>
+              </a:rPr>
+              <a:t> </a:t>
+            </a:r>
+            <a:r>
+              <a:rPr kumimoji="0" lang="en-US" altLang="en-US" sz="1400" b="0" i="0" u="none" strike="noStrike" cap="none" normalizeH="0" baseline="0" dirty="0">
+                <a:ln>
+                  <a:noFill/>
+                </a:ln>
+                <a:solidFill>
+                  <a:srgbClr val="000000"/>
+                </a:solidFill>
+                <a:effectLst/>
+                <a:latin typeface="Courier New" panose="02070309020205020404" pitchFamily="49" charset="0"/>
+                <a:cs typeface="Courier New" panose="02070309020205020404" pitchFamily="49" charset="0"/>
+              </a:rPr>
+              <a:t>.map(</a:t>
             </a:r>
             <a:r>
               <a:rPr kumimoji="0" lang="en-US" altLang="en-US" sz="1400" b="0" i="0" u="none" strike="noStrike" cap="none" normalizeH="0" baseline="0" dirty="0" err="1">
@@ -19764,7 +21013,35 @@
                 <a:latin typeface="Courier New" panose="02070309020205020404" pitchFamily="49" charset="0"/>
                 <a:cs typeface="Courier New" panose="02070309020205020404" pitchFamily="49" charset="0"/>
               </a:rPr>
-              <a:t>            .</a:t>
+              <a:t>            </a:t>
+            </a:r>
+            <a:r>
+              <a:rPr kumimoji="0" lang="en-US" altLang="en-US" sz="1400" b="0" i="0" u="none" strike="noStrike" cap="none" normalizeH="0" dirty="0">
+                <a:ln>
+                  <a:noFill/>
+                </a:ln>
+                <a:solidFill>
+                  <a:srgbClr val="000000"/>
+                </a:solidFill>
+                <a:effectLst/>
+                <a:latin typeface="Courier New" panose="02070309020205020404" pitchFamily="49" charset="0"/>
+                <a:cs typeface="Courier New" panose="02070309020205020404" pitchFamily="49" charset="0"/>
+              </a:rPr>
+              <a:t> </a:t>
+            </a:r>
+            <a:r>
+              <a:rPr kumimoji="0" lang="en-US" altLang="en-US" sz="1400" b="0" i="0" u="none" strike="noStrike" cap="none" normalizeH="0" baseline="0" dirty="0">
+                <a:ln>
+                  <a:noFill/>
+                </a:ln>
+                <a:solidFill>
+                  <a:srgbClr val="000000"/>
+                </a:solidFill>
+                <a:effectLst/>
+                <a:latin typeface="Courier New" panose="02070309020205020404" pitchFamily="49" charset="0"/>
+                <a:cs typeface="Courier New" panose="02070309020205020404" pitchFamily="49" charset="0"/>
+              </a:rPr>
+              <a:t>.</a:t>
             </a:r>
             <a:r>
               <a:rPr kumimoji="0" lang="en-US" altLang="en-US" sz="1400" b="0" i="0" u="none" strike="noStrike" cap="none" normalizeH="0" baseline="0" dirty="0" err="1">
@@ -19875,7 +21152,35 @@
                 <a:latin typeface="Courier New" panose="02070309020205020404" pitchFamily="49" charset="0"/>
                 <a:cs typeface="Courier New" panose="02070309020205020404" pitchFamily="49" charset="0"/>
               </a:rPr>
-              <a:t>            .map(Policy::</a:t>
+              <a:t>            </a:t>
+            </a:r>
+            <a:r>
+              <a:rPr kumimoji="0" lang="en-US" altLang="en-US" sz="1400" b="0" i="0" u="none" strike="noStrike" cap="none" normalizeH="0" dirty="0">
+                <a:ln>
+                  <a:noFill/>
+                </a:ln>
+                <a:solidFill>
+                  <a:srgbClr val="000000"/>
+                </a:solidFill>
+                <a:effectLst/>
+                <a:latin typeface="Courier New" panose="02070309020205020404" pitchFamily="49" charset="0"/>
+                <a:cs typeface="Courier New" panose="02070309020205020404" pitchFamily="49" charset="0"/>
+              </a:rPr>
+              <a:t> </a:t>
+            </a:r>
+            <a:r>
+              <a:rPr kumimoji="0" lang="en-US" altLang="en-US" sz="1400" b="0" i="0" u="none" strike="noStrike" cap="none" normalizeH="0" baseline="0" dirty="0">
+                <a:ln>
+                  <a:noFill/>
+                </a:ln>
+                <a:solidFill>
+                  <a:srgbClr val="000000"/>
+                </a:solidFill>
+                <a:effectLst/>
+                <a:latin typeface="Courier New" panose="02070309020205020404" pitchFamily="49" charset="0"/>
+                <a:cs typeface="Courier New" panose="02070309020205020404" pitchFamily="49" charset="0"/>
+              </a:rPr>
+              <a:t>.map(Policy::</a:t>
             </a:r>
             <a:r>
               <a:rPr kumimoji="0" lang="en-US" altLang="en-US" sz="1400" b="0" i="0" u="none" strike="noStrike" cap="none" normalizeH="0" baseline="0" dirty="0" err="1">
@@ -19930,7 +21235,35 @@
                 <a:latin typeface="Courier New" panose="02070309020205020404" pitchFamily="49" charset="0"/>
                 <a:cs typeface="Courier New" panose="02070309020205020404" pitchFamily="49" charset="0"/>
               </a:rPr>
-              <a:t>            .</a:t>
+              <a:t>            </a:t>
+            </a:r>
+            <a:r>
+              <a:rPr kumimoji="0" lang="en-US" altLang="en-US" sz="1400" b="0" i="0" u="none" strike="noStrike" cap="none" normalizeH="0" dirty="0">
+                <a:ln>
+                  <a:noFill/>
+                </a:ln>
+                <a:solidFill>
+                  <a:srgbClr val="000000"/>
+                </a:solidFill>
+                <a:effectLst/>
+                <a:latin typeface="Courier New" panose="02070309020205020404" pitchFamily="49" charset="0"/>
+                <a:cs typeface="Courier New" panose="02070309020205020404" pitchFamily="49" charset="0"/>
+              </a:rPr>
+              <a:t> </a:t>
+            </a:r>
+            <a:r>
+              <a:rPr kumimoji="0" lang="en-US" altLang="en-US" sz="1400" b="0" i="0" u="none" strike="noStrike" cap="none" normalizeH="0" baseline="0" dirty="0">
+                <a:ln>
+                  <a:noFill/>
+                </a:ln>
+                <a:solidFill>
+                  <a:srgbClr val="000000"/>
+                </a:solidFill>
+                <a:effectLst/>
+                <a:latin typeface="Courier New" panose="02070309020205020404" pitchFamily="49" charset="0"/>
+                <a:cs typeface="Courier New" panose="02070309020205020404" pitchFamily="49" charset="0"/>
+              </a:rPr>
+              <a:t>.</a:t>
             </a:r>
             <a:r>
               <a:rPr kumimoji="0" lang="en-US" altLang="en-US" sz="1400" b="0" i="0" u="none" strike="noStrike" cap="none" normalizeH="0" baseline="0" dirty="0" err="1">
@@ -19985,7 +21318,7 @@
                 <a:latin typeface="Courier New" panose="02070309020205020404" pitchFamily="49" charset="0"/>
                 <a:cs typeface="Courier New" panose="02070309020205020404" pitchFamily="49" charset="0"/>
               </a:rPr>
-              <a:t>            .</a:t>
+              <a:t>             .</a:t>
             </a:r>
             <a:r>
               <a:rPr kumimoji="0" lang="en-US" altLang="en-US" sz="1400" b="0" i="0" u="none" strike="noStrike" cap="none" normalizeH="0" baseline="0" dirty="0" err="1">
@@ -20069,7 +21402,31 @@
                 <a:latin typeface="Courier New" panose="02070309020205020404" pitchFamily="49" charset="0"/>
                 <a:cs typeface="Courier New" panose="02070309020205020404" pitchFamily="49" charset="0"/>
               </a:rPr>
-              <a:t>"there is no policy code"</a:t>
+              <a:t>"</a:t>
+            </a:r>
+            <a:r>
+              <a:rPr lang="en-US" altLang="en-US" sz="1400" b="1" dirty="0">
+                <a:solidFill>
+                  <a:srgbClr val="008000"/>
+                </a:solidFill>
+                <a:latin typeface="Courier New" panose="02070309020205020404" pitchFamily="49" charset="0"/>
+                <a:cs typeface="Courier New" panose="02070309020205020404" pitchFamily="49" charset="0"/>
+              </a:rPr>
+              <a:t> there is no policy code, invalid request </a:t>
+            </a:r>
+            <a:r>
+              <a:rPr kumimoji="0" lang="en-US" altLang="en-US" sz="1400" b="1" i="0" u="none" strike="noStrike" cap="none" normalizeH="0" baseline="0" dirty="0">
+                <a:ln>
+                  <a:noFill/>
+                </a:ln>
+                <a:solidFill>
+                  <a:srgbClr val="008000"/>
+                </a:solidFill>
+                <a:effectLst/>
+                <a:latin typeface="Courier New" panose="02070309020205020404" pitchFamily="49" charset="0"/>
+                <a:cs typeface="Courier New" panose="02070309020205020404" pitchFamily="49" charset="0"/>
+              </a:rPr>
+              <a:t>"</a:t>
             </a:r>
             <a:r>
               <a:rPr kumimoji="0" lang="en-US" altLang="en-US" sz="1400" b="0" i="0" u="none" strike="noStrike" cap="none" normalizeH="0" baseline="0" dirty="0">
@@ -20122,6 +21479,63 @@
               <a:effectLst/>
               <a:latin typeface="Arial" panose="020B0604020202020204" pitchFamily="34" charset="0"/>
             </a:endParaRPr>
+          </a:p>
+        </p:txBody>
+      </p:sp>
+      <p:sp>
+        <p:nvSpPr>
+          <p:cNvPr id="6" name="Shape 339"/>
+          <p:cNvSpPr/>
+          <p:nvPr/>
+        </p:nvSpPr>
+        <p:spPr>
+          <a:xfrm>
+            <a:off x="724939" y="1924383"/>
+            <a:ext cx="7998646" cy="497841"/>
+          </a:xfrm>
+          <a:prstGeom prst="rect">
+            <a:avLst/>
+          </a:prstGeom>
+          <a:ln w="12700">
+            <a:miter lim="400000"/>
+          </a:ln>
+          <a:extLst>
+            <a:ext uri="{C572A759-6A51-4108-AA02-DFA0A04FC94B}">
+              <ma14:wrappingTextBoxFlag xmlns="" xmlns:ma14="http://schemas.microsoft.com/office/mac/drawingml/2011/main" val="1"/>
+            </a:ext>
+          </a:extLst>
+        </p:spPr>
+        <p:txBody>
+          <a:bodyPr lIns="45719" rIns="45719">
+            <a:normAutofit/>
+          </a:bodyPr>
+          <a:lstStyle/>
+          <a:p>
+            <a:pPr>
+              <a:lnSpc>
+                <a:spcPct val="90000"/>
+              </a:lnSpc>
+              <a:spcBef>
+                <a:spcPts val="1000"/>
+              </a:spcBef>
+              <a:defRPr sz="2800">
+                <a:solidFill>
+                  <a:srgbClr val="414042"/>
+                </a:solidFill>
+              </a:defRPr>
+            </a:pPr>
+            <a:r>
+              <a:rPr dirty="0"/>
+              <a:t>Improved by using </a:t>
+            </a:r>
+            <a:r>
+              <a:rPr b="1" dirty="0"/>
+              <a:t>λ</a:t>
+            </a:r>
+            <a:r>
+              <a:rPr dirty="0"/>
+              <a:t>, Stream and Optional</a:t>
+            </a:r>
           </a:p>
         </p:txBody>
       </p:sp>
@@ -20134,7 +21548,7 @@
 </p:sld>
 </file>
 
-<file path=ppt/slides/slide43.xml><?xml version="1.0" encoding="utf-8"?>
+<file path=ppt/slides/slide44.xml><?xml version="1.0" encoding="utf-8"?>
 <p:sld xmlns:a="http://schemas.openxmlformats.org/drawingml/2006/main" xmlns:r="http://schemas.openxmlformats.org/officeDocument/2006/relationships" xmlns:p="http://schemas.openxmlformats.org/presentationml/2006/main">
   <p:cSld>
     <p:spTree>
@@ -20195,7 +21609,7 @@
 </p:sld>
 </file>
 
-<file path=ppt/slides/slide44.xml><?xml version="1.0" encoding="utf-8"?>
+<file path=ppt/slides/slide45.xml><?xml version="1.0" encoding="utf-8"?>
 <p:sld xmlns:a="http://schemas.openxmlformats.org/drawingml/2006/main" xmlns:r="http://schemas.openxmlformats.org/officeDocument/2006/relationships" xmlns:p="http://schemas.openxmlformats.org/presentationml/2006/main">
   <p:cSld>
     <p:spTree>
@@ -20331,7 +21745,7 @@
 </p:sld>
 </file>
 
-<file path=ppt/slides/slide45.xml><?xml version="1.0" encoding="utf-8"?>
+<file path=ppt/slides/slide46.xml><?xml version="1.0" encoding="utf-8"?>
 <p:sld xmlns:a="http://schemas.openxmlformats.org/drawingml/2006/main" xmlns:r="http://schemas.openxmlformats.org/officeDocument/2006/relationships" xmlns:p="http://schemas.openxmlformats.org/presentationml/2006/main">
   <p:cSld>
     <p:spTree>
@@ -21369,15 +22783,11 @@
               <a:rPr lang="en-IE" sz="2400" dirty="0"/>
               <a:t>interface</a:t>
             </a:r>
-            <a:endParaRPr sz="2400" dirty="0"/>
-          </a:p>
-          <a:p>
-            <a:pPr marL="685800" lvl="1" indent="-228600">
-              <a:spcBef>
-                <a:spcPts val="500"/>
-              </a:spcBef>
-              <a:buFont typeface="Trebuchet MS"/>
-              <a:buChar char="⁻"/>
+          </a:p>
+          <a:p>
+            <a:pPr lvl="1">
+              <a:buFont typeface="Wingdings" panose="05000000000000000000" pitchFamily="2" charset="2"/>
+              <a:buChar char="§"/>
               <a:defRPr sz="2000">
                 <a:solidFill>
                   <a:srgbClr val="414042"/>
@@ -21414,15 +22824,11 @@
               <a:rPr lang="en-IE" sz="2400" dirty="0"/>
               <a:t> interface</a:t>
             </a:r>
-            <a:endParaRPr sz="2400" dirty="0"/>
-          </a:p>
-          <a:p>
-            <a:pPr marL="685800" lvl="1" indent="-228600">
-              <a:spcBef>
-                <a:spcPts val="500"/>
-              </a:spcBef>
-              <a:buFont typeface="Trebuchet MS"/>
-              <a:buChar char="⁻"/>
+          </a:p>
+          <a:p>
+            <a:pPr lvl="1">
+              <a:buFont typeface="Wingdings" panose="05000000000000000000" pitchFamily="2" charset="2"/>
+              <a:buChar char="§"/>
               <a:defRPr sz="2000">
                 <a:solidFill>
                   <a:srgbClr val="414042"/>
@@ -21434,17 +22840,19 @@
               </a:defRPr>
             </a:pPr>
             <a:r>
-              <a:rPr sz="2400" dirty="0"/>
-              <a:t>stream</a:t>
-            </a:r>
-          </a:p>
-          <a:p>
-            <a:pPr marL="685800" lvl="1" indent="-228600">
-              <a:spcBef>
-                <a:spcPts val="500"/>
-              </a:spcBef>
-              <a:buFont typeface="Trebuchet MS"/>
-              <a:buChar char="⁻"/>
+              <a:rPr lang="en-IE" sz="2400" dirty="0"/>
+              <a:t>s</a:t>
+            </a:r>
+            <a:r>
+              <a:rPr sz="2400" dirty="0" err="1"/>
+              <a:t>tream</a:t>
+            </a:r>
+            <a:endParaRPr lang="en-IE" sz="2400" dirty="0"/>
+          </a:p>
+          <a:p>
+            <a:pPr lvl="1">
+              <a:buFont typeface="Wingdings" panose="05000000000000000000" pitchFamily="2" charset="2"/>
+              <a:buChar char="§"/>
               <a:defRPr sz="2000">
                 <a:solidFill>
                   <a:srgbClr val="414042"/>

--- a/Java 8 & TDP.pptx
+++ b/Java 8 & TDP.pptx
@@ -5,7 +5,7 @@
     <p:sldMasterId id="2147483648" r:id="rId1"/>
   </p:sldMasterIdLst>
   <p:notesMasterIdLst>
-    <p:notesMasterId r:id="rId48"/>
+    <p:notesMasterId r:id="rId50"/>
   </p:notesMasterIdLst>
   <p:sldIdLst>
     <p:sldId id="256" r:id="rId2"/>
@@ -45,15 +45,17 @@
     <p:sldId id="297" r:id="rId36"/>
     <p:sldId id="301" r:id="rId37"/>
     <p:sldId id="311" r:id="rId38"/>
-    <p:sldId id="302" r:id="rId39"/>
-    <p:sldId id="303" r:id="rId40"/>
-    <p:sldId id="304" r:id="rId41"/>
-    <p:sldId id="305" r:id="rId42"/>
-    <p:sldId id="313" r:id="rId43"/>
-    <p:sldId id="306" r:id="rId44"/>
-    <p:sldId id="312" r:id="rId45"/>
-    <p:sldId id="307" r:id="rId46"/>
-    <p:sldId id="308" r:id="rId47"/>
+    <p:sldId id="315" r:id="rId39"/>
+    <p:sldId id="314" r:id="rId40"/>
+    <p:sldId id="302" r:id="rId41"/>
+    <p:sldId id="303" r:id="rId42"/>
+    <p:sldId id="304" r:id="rId43"/>
+    <p:sldId id="305" r:id="rId44"/>
+    <p:sldId id="313" r:id="rId45"/>
+    <p:sldId id="306" r:id="rId46"/>
+    <p:sldId id="312" r:id="rId47"/>
+    <p:sldId id="307" r:id="rId48"/>
+    <p:sldId id="308" r:id="rId49"/>
   </p:sldIdLst>
   <p:sldSz cx="12192000" cy="6858000"/>
   <p:notesSz cx="6858000" cy="9144000"/>
@@ -4348,7 +4350,7 @@
           </a:ln>
           <a:extLst>
             <a:ext uri="{C572A759-6A51-4108-AA02-DFA0A04FC94B}">
-              <ma14:wrappingTextBoxFlag xmlns="" xmlns:ma14="http://schemas.microsoft.com/office/mac/drawingml/2011/main" val="1"/>
+              <ma14:wrappingTextBoxFlag xmlns:ma14="http://schemas.microsoft.com/office/mac/drawingml/2011/main" xmlns="" val="1"/>
             </a:ext>
           </a:extLst>
         </p:spPr>
@@ -4387,7 +4389,7 @@
           </a:ln>
           <a:extLst>
             <a:ext uri="{C572A759-6A51-4108-AA02-DFA0A04FC94B}">
-              <ma14:wrappingTextBoxFlag xmlns="" xmlns:ma14="http://schemas.microsoft.com/office/mac/drawingml/2011/main" val="1"/>
+              <ma14:wrappingTextBoxFlag xmlns:ma14="http://schemas.microsoft.com/office/mac/drawingml/2011/main" xmlns="" val="1"/>
             </a:ext>
           </a:extLst>
         </p:spPr>
@@ -5362,7 +5364,7 @@
           </a:prstGeom>
           <a:extLst>
             <a:ext uri="{C572A759-6A51-4108-AA02-DFA0A04FC94B}">
-              <ma14:wrappingTextBoxFlag xmlns="" xmlns:ma14="http://schemas.microsoft.com/office/mac/drawingml/2011/main" val="1"/>
+              <ma14:wrappingTextBoxFlag xmlns:ma14="http://schemas.microsoft.com/office/mac/drawingml/2011/main" xmlns="" val="1"/>
             </a:ext>
           </a:extLst>
         </p:spPr>
@@ -5479,7 +5481,7 @@
           </a:ln>
           <a:extLst>
             <a:ext uri="{C572A759-6A51-4108-AA02-DFA0A04FC94B}">
-              <ma14:wrappingTextBoxFlag xmlns="" xmlns:ma14="http://schemas.microsoft.com/office/mac/drawingml/2011/main" val="1"/>
+              <ma14:wrappingTextBoxFlag xmlns:ma14="http://schemas.microsoft.com/office/mac/drawingml/2011/main" xmlns="" val="1"/>
             </a:ext>
           </a:extLst>
         </p:spPr>
@@ -5673,7 +5675,7 @@
           </a:ln>
           <a:extLst>
             <a:ext uri="{C572A759-6A51-4108-AA02-DFA0A04FC94B}">
-              <ma14:wrappingTextBoxFlag xmlns="" xmlns:ma14="http://schemas.microsoft.com/office/mac/drawingml/2011/main" val="1"/>
+              <ma14:wrappingTextBoxFlag xmlns:ma14="http://schemas.microsoft.com/office/mac/drawingml/2011/main" xmlns="" val="1"/>
             </a:ext>
           </a:extLst>
         </p:spPr>
@@ -5895,7 +5897,7 @@
           </a:ln>
           <a:extLst>
             <a:ext uri="{C572A759-6A51-4108-AA02-DFA0A04FC94B}">
-              <ma14:wrappingTextBoxFlag xmlns="" xmlns:ma14="http://schemas.microsoft.com/office/mac/drawingml/2011/main" val="1"/>
+              <ma14:wrappingTextBoxFlag xmlns:ma14="http://schemas.microsoft.com/office/mac/drawingml/2011/main" xmlns="" val="1"/>
             </a:ext>
           </a:extLst>
         </p:spPr>
@@ -5955,7 +5957,7 @@
           </a:ln>
           <a:extLst>
             <a:ext uri="{C572A759-6A51-4108-AA02-DFA0A04FC94B}">
-              <ma14:wrappingTextBoxFlag xmlns="" xmlns:ma14="http://schemas.microsoft.com/office/mac/drawingml/2011/main" val="1"/>
+              <ma14:wrappingTextBoxFlag xmlns:ma14="http://schemas.microsoft.com/office/mac/drawingml/2011/main" xmlns="" val="1"/>
             </a:ext>
           </a:extLst>
         </p:spPr>
@@ -6021,7 +6023,7 @@
           </a:ln>
           <a:extLst>
             <a:ext uri="{C572A759-6A51-4108-AA02-DFA0A04FC94B}">
-              <ma14:wrappingTextBoxFlag xmlns="" xmlns:ma14="http://schemas.microsoft.com/office/mac/drawingml/2011/main" val="1"/>
+              <ma14:wrappingTextBoxFlag xmlns:ma14="http://schemas.microsoft.com/office/mac/drawingml/2011/main" xmlns="" val="1"/>
             </a:ext>
           </a:extLst>
         </p:spPr>
@@ -6247,7 +6249,7 @@
           </a:prstGeom>
           <a:extLst>
             <a:ext uri="{C572A759-6A51-4108-AA02-DFA0A04FC94B}">
-              <ma14:wrappingTextBoxFlag xmlns="" xmlns:ma14="http://schemas.microsoft.com/office/mac/drawingml/2011/main" val="1"/>
+              <ma14:wrappingTextBoxFlag xmlns:ma14="http://schemas.microsoft.com/office/mac/drawingml/2011/main" xmlns="" val="1"/>
             </a:ext>
           </a:extLst>
         </p:spPr>
@@ -6411,7 +6413,7 @@
           </a:ln>
           <a:extLst>
             <a:ext uri="{C572A759-6A51-4108-AA02-DFA0A04FC94B}">
-              <ma14:wrappingTextBoxFlag xmlns="" xmlns:ma14="http://schemas.microsoft.com/office/mac/drawingml/2011/main" val="1"/>
+              <ma14:wrappingTextBoxFlag xmlns:ma14="http://schemas.microsoft.com/office/mac/drawingml/2011/main" xmlns="" val="1"/>
             </a:ext>
           </a:extLst>
         </p:spPr>
@@ -7031,7 +7033,7 @@
           </a:ln>
           <a:extLst>
             <a:ext uri="{C572A759-6A51-4108-AA02-DFA0A04FC94B}">
-              <ma14:wrappingTextBoxFlag xmlns="" xmlns:ma14="http://schemas.microsoft.com/office/mac/drawingml/2011/main" val="1"/>
+              <ma14:wrappingTextBoxFlag xmlns:ma14="http://schemas.microsoft.com/office/mac/drawingml/2011/main" xmlns="" val="1"/>
             </a:ext>
           </a:extLst>
         </p:spPr>
@@ -8109,7 +8111,7 @@
           </a:ln>
           <a:extLst>
             <a:ext uri="{C572A759-6A51-4108-AA02-DFA0A04FC94B}">
-              <ma14:wrappingTextBoxFlag xmlns="" xmlns:ma14="http://schemas.microsoft.com/office/mac/drawingml/2011/main" val="1"/>
+              <ma14:wrappingTextBoxFlag xmlns:ma14="http://schemas.microsoft.com/office/mac/drawingml/2011/main" xmlns="" val="1"/>
             </a:ext>
           </a:extLst>
         </p:spPr>
@@ -8298,7 +8300,7 @@
           </a:prstGeom>
           <a:extLst>
             <a:ext uri="{C572A759-6A51-4108-AA02-DFA0A04FC94B}">
-              <ma14:wrappingTextBoxFlag xmlns="" xmlns:ma14="http://schemas.microsoft.com/office/mac/drawingml/2011/main" val="1"/>
+              <ma14:wrappingTextBoxFlag xmlns:ma14="http://schemas.microsoft.com/office/mac/drawingml/2011/main" xmlns="" val="1"/>
             </a:ext>
           </a:extLst>
         </p:spPr>
@@ -8497,7 +8499,7 @@
           </a:ln>
           <a:extLst>
             <a:ext uri="{C572A759-6A51-4108-AA02-DFA0A04FC94B}">
-              <ma14:wrappingTextBoxFlag xmlns="" xmlns:ma14="http://schemas.microsoft.com/office/mac/drawingml/2011/main" val="1"/>
+              <ma14:wrappingTextBoxFlag xmlns:ma14="http://schemas.microsoft.com/office/mac/drawingml/2011/main" xmlns="" val="1"/>
             </a:ext>
           </a:extLst>
         </p:spPr>
@@ -8662,7 +8664,7 @@
           </a:prstGeom>
           <a:extLst>
             <a:ext uri="{C572A759-6A51-4108-AA02-DFA0A04FC94B}">
-              <ma14:wrappingTextBoxFlag xmlns="" xmlns:ma14="http://schemas.microsoft.com/office/mac/drawingml/2011/main" val="1"/>
+              <ma14:wrappingTextBoxFlag xmlns:ma14="http://schemas.microsoft.com/office/mac/drawingml/2011/main" xmlns="" val="1"/>
             </a:ext>
           </a:extLst>
         </p:spPr>
@@ -9117,7 +9119,7 @@
           </a:ln>
           <a:extLst>
             <a:ext uri="{C572A759-6A51-4108-AA02-DFA0A04FC94B}">
-              <ma14:wrappingTextBoxFlag xmlns="" xmlns:ma14="http://schemas.microsoft.com/office/mac/drawingml/2011/main" val="1"/>
+              <ma14:wrappingTextBoxFlag xmlns:ma14="http://schemas.microsoft.com/office/mac/drawingml/2011/main" xmlns="" val="1"/>
             </a:ext>
           </a:extLst>
         </p:spPr>
@@ -10671,7 +10673,7 @@
           </a:ln>
           <a:extLst>
             <a:ext uri="{C572A759-6A51-4108-AA02-DFA0A04FC94B}">
-              <ma14:wrappingTextBoxFlag xmlns="" xmlns:ma14="http://schemas.microsoft.com/office/mac/drawingml/2011/main" val="1"/>
+              <ma14:wrappingTextBoxFlag xmlns:ma14="http://schemas.microsoft.com/office/mac/drawingml/2011/main" xmlns="" val="1"/>
             </a:ext>
           </a:extLst>
         </p:spPr>
@@ -10921,7 +10923,7 @@
           </a:ln>
           <a:extLst>
             <a:ext uri="{C572A759-6A51-4108-AA02-DFA0A04FC94B}">
-              <ma14:wrappingTextBoxFlag xmlns="" xmlns:ma14="http://schemas.microsoft.com/office/mac/drawingml/2011/main" val="1"/>
+              <ma14:wrappingTextBoxFlag xmlns:ma14="http://schemas.microsoft.com/office/mac/drawingml/2011/main" xmlns="" val="1"/>
             </a:ext>
           </a:extLst>
         </p:spPr>
@@ -11649,7 +11651,7 @@
           </a:ln>
           <a:extLst>
             <a:ext uri="{C572A759-6A51-4108-AA02-DFA0A04FC94B}">
-              <ma14:wrappingTextBoxFlag xmlns="" xmlns:ma14="http://schemas.microsoft.com/office/mac/drawingml/2011/main" val="1"/>
+              <ma14:wrappingTextBoxFlag xmlns:ma14="http://schemas.microsoft.com/office/mac/drawingml/2011/main" xmlns="" val="1"/>
             </a:ext>
           </a:extLst>
         </p:spPr>
@@ -12000,7 +12002,7 @@
           </a:ln>
           <a:extLst>
             <a:ext uri="{C572A759-6A51-4108-AA02-DFA0A04FC94B}">
-              <ma14:wrappingTextBoxFlag xmlns="" xmlns:ma14="http://schemas.microsoft.com/office/mac/drawingml/2011/main" val="1"/>
+              <ma14:wrappingTextBoxFlag xmlns:ma14="http://schemas.microsoft.com/office/mac/drawingml/2011/main" xmlns="" val="1"/>
             </a:ext>
           </a:extLst>
         </p:spPr>
@@ -12236,7 +12238,7 @@
           </a:ln>
           <a:extLst>
             <a:ext uri="{C572A759-6A51-4108-AA02-DFA0A04FC94B}">
-              <ma14:wrappingTextBoxFlag xmlns="" xmlns:ma14="http://schemas.microsoft.com/office/mac/drawingml/2011/main" val="1"/>
+              <ma14:wrappingTextBoxFlag xmlns:ma14="http://schemas.microsoft.com/office/mac/drawingml/2011/main" xmlns="" val="1"/>
             </a:ext>
           </a:extLst>
         </p:spPr>
@@ -12753,7 +12755,7 @@
           </a:prstGeom>
           <a:extLst>
             <a:ext uri="{C572A759-6A51-4108-AA02-DFA0A04FC94B}">
-              <ma14:wrappingTextBoxFlag xmlns="" xmlns:ma14="http://schemas.microsoft.com/office/mac/drawingml/2011/main" val="1"/>
+              <ma14:wrappingTextBoxFlag xmlns:ma14="http://schemas.microsoft.com/office/mac/drawingml/2011/main" xmlns="" val="1"/>
             </a:ext>
           </a:extLst>
         </p:spPr>
@@ -13409,7 +13411,7 @@
           </a:ln>
           <a:extLst>
             <a:ext uri="{C572A759-6A51-4108-AA02-DFA0A04FC94B}">
-              <ma14:wrappingTextBoxFlag xmlns="" xmlns:ma14="http://schemas.microsoft.com/office/mac/drawingml/2011/main" val="1"/>
+              <ma14:wrappingTextBoxFlag xmlns:ma14="http://schemas.microsoft.com/office/mac/drawingml/2011/main" xmlns="" val="1"/>
             </a:ext>
           </a:extLst>
         </p:spPr>
@@ -13603,7 +13605,7 @@
           </a:ln>
           <a:extLst>
             <a:ext uri="{C572A759-6A51-4108-AA02-DFA0A04FC94B}">
-              <ma14:wrappingTextBoxFlag xmlns="" xmlns:ma14="http://schemas.microsoft.com/office/mac/drawingml/2011/main" val="1"/>
+              <ma14:wrappingTextBoxFlag xmlns:ma14="http://schemas.microsoft.com/office/mac/drawingml/2011/main" xmlns="" val="1"/>
             </a:ext>
           </a:extLst>
         </p:spPr>
@@ -14580,7 +14582,7 @@
           </a:ln>
           <a:extLst>
             <a:ext uri="{C572A759-6A51-4108-AA02-DFA0A04FC94B}">
-              <ma14:wrappingTextBoxFlag xmlns="" xmlns:ma14="http://schemas.microsoft.com/office/mac/drawingml/2011/main" val="1"/>
+              <ma14:wrappingTextBoxFlag xmlns:ma14="http://schemas.microsoft.com/office/mac/drawingml/2011/main" xmlns="" val="1"/>
             </a:ext>
           </a:extLst>
         </p:spPr>
@@ -15853,7 +15855,7 @@
           </a:ln>
           <a:extLst>
             <a:ext uri="{C572A759-6A51-4108-AA02-DFA0A04FC94B}">
-              <ma14:wrappingTextBoxFlag xmlns="" xmlns:ma14="http://schemas.microsoft.com/office/mac/drawingml/2011/main" val="1"/>
+              <ma14:wrappingTextBoxFlag xmlns:ma14="http://schemas.microsoft.com/office/mac/drawingml/2011/main" xmlns="" val="1"/>
             </a:ext>
           </a:extLst>
         </p:spPr>
@@ -16133,7 +16135,7 @@
           <a:p>
             <a:r>
               <a:rPr lang="en-IE" dirty="0"/>
-              <a:t>Three realistic scenarios</a:t>
+              <a:t>Four realistic scenarios</a:t>
             </a:r>
           </a:p>
           <a:p>
@@ -16195,7 +16197,806 @@
       </p:grpSpPr>
       <p:sp>
         <p:nvSpPr>
-          <p:cNvPr id="328" name="Shape 328"/>
+          <p:cNvPr id="5" name="Rectangle 2"/>
+          <p:cNvSpPr>
+            <a:spLocks noChangeArrowheads="1"/>
+          </p:cNvSpPr>
+          <p:nvPr/>
+        </p:nvSpPr>
+        <p:spPr bwMode="auto">
+          <a:xfrm>
+            <a:off x="882870" y="2196406"/>
+            <a:ext cx="9522372" cy="2769989"/>
+          </a:xfrm>
+          <a:prstGeom prst="rect">
+            <a:avLst/>
+          </a:prstGeom>
+          <a:solidFill>
+            <a:srgbClr val="FFFFFF"/>
+          </a:solidFill>
+          <a:ln>
+            <a:noFill/>
+          </a:ln>
+          <a:effectLst/>
+          <a:extLst>
+            <a:ext uri="{91240B29-F687-4F45-9708-019B960494DF}">
+              <a14:hiddenLine xmlns:a14="http://schemas.microsoft.com/office/drawing/2010/main" w="9525">
+                <a:solidFill>
+                  <a:schemeClr val="tx1"/>
+                </a:solidFill>
+                <a:miter lim="800000"/>
+                <a:headEnd/>
+                <a:tailEnd/>
+              </a14:hiddenLine>
+            </a:ext>
+            <a:ext uri="{AF507438-7753-43E0-B8FC-AC1667EBCBE1}">
+              <a14:hiddenEffects xmlns:a14="http://schemas.microsoft.com/office/drawing/2010/main">
+                <a:effectLst>
+                  <a:outerShdw dist="35921" dir="2700000" algn="ctr" rotWithShape="0">
+                    <a:schemeClr val="bg2"/>
+                  </a:outerShdw>
+                </a:effectLst>
+              </a14:hiddenEffects>
+            </a:ext>
+          </a:extLst>
+        </p:spPr>
+        <p:txBody>
+          <a:bodyPr vert="horz" wrap="square" lIns="91440" tIns="45720" rIns="91440" bIns="45720" numCol="1" anchor="ctr" anchorCtr="0" compatLnSpc="1">
+            <a:prstTxWarp prst="textNoShape">
+              <a:avLst/>
+            </a:prstTxWarp>
+            <a:spAutoFit/>
+          </a:bodyPr>
+          <a:lstStyle/>
+          <a:p>
+            <a:pPr marL="0" marR="0" lvl="0" indent="0" algn="l" defTabSz="914400" rtl="0" eaLnBrk="0" fontAlgn="base" latinLnBrk="0" hangingPunct="0">
+              <a:lnSpc>
+                <a:spcPct val="100000"/>
+              </a:lnSpc>
+              <a:spcBef>
+                <a:spcPct val="0"/>
+              </a:spcBef>
+              <a:spcAft>
+                <a:spcPct val="0"/>
+              </a:spcAft>
+              <a:buClrTx/>
+              <a:buSzTx/>
+              <a:buFontTx/>
+              <a:buNone/>
+              <a:tabLst/>
+            </a:pPr>
+            <a:r>
+              <a:rPr kumimoji="0" lang="en-US" altLang="en-US" sz="1300" b="0" i="0" u="none" strike="noStrike" cap="none" normalizeH="0" baseline="0" dirty="0" err="1">
+                <a:ln>
+                  <a:noFill/>
+                </a:ln>
+                <a:solidFill>
+                  <a:srgbClr val="000000"/>
+                </a:solidFill>
+                <a:effectLst/>
+                <a:latin typeface="Courier New" panose="02070309020205020404" pitchFamily="49" charset="0"/>
+                <a:cs typeface="Courier New" panose="02070309020205020404" pitchFamily="49" charset="0"/>
+              </a:rPr>
+              <a:t>profileInfos</a:t>
+            </a:r>
+            <a:r>
+              <a:rPr kumimoji="0" lang="en-US" altLang="en-US" sz="1300" b="0" i="0" u="none" strike="noStrike" cap="none" normalizeH="0" baseline="0" dirty="0">
+                <a:ln>
+                  <a:noFill/>
+                </a:ln>
+                <a:solidFill>
+                  <a:srgbClr val="000000"/>
+                </a:solidFill>
+                <a:effectLst/>
+                <a:latin typeface="Courier New" panose="02070309020205020404" pitchFamily="49" charset="0"/>
+                <a:cs typeface="Courier New" panose="02070309020205020404" pitchFamily="49" charset="0"/>
+              </a:rPr>
+              <a:t> = </a:t>
+            </a:r>
+            <a:r>
+              <a:rPr kumimoji="0" lang="en-US" altLang="en-US" sz="1300" b="0" i="0" u="none" strike="noStrike" cap="none" normalizeH="0" baseline="0" dirty="0" err="1">
+                <a:ln>
+                  <a:noFill/>
+                </a:ln>
+                <a:solidFill>
+                  <a:srgbClr val="000000"/>
+                </a:solidFill>
+                <a:effectLst/>
+                <a:latin typeface="Courier New" panose="02070309020205020404" pitchFamily="49" charset="0"/>
+                <a:cs typeface="Courier New" panose="02070309020205020404" pitchFamily="49" charset="0"/>
+              </a:rPr>
+              <a:t>OrderAssessUtils.</a:t>
+            </a:r>
+            <a:r>
+              <a:rPr kumimoji="0" lang="en-US" altLang="en-US" sz="1300" b="0" i="1" u="none" strike="noStrike" cap="none" normalizeH="0" baseline="0" dirty="0" err="1">
+                <a:ln>
+                  <a:noFill/>
+                </a:ln>
+                <a:solidFill>
+                  <a:srgbClr val="000000"/>
+                </a:solidFill>
+                <a:effectLst/>
+                <a:latin typeface="Courier New" panose="02070309020205020404" pitchFamily="49" charset="0"/>
+                <a:cs typeface="Courier New" panose="02070309020205020404" pitchFamily="49" charset="0"/>
+              </a:rPr>
+              <a:t>retrieveProfileInfo</a:t>
+            </a:r>
+            <a:r>
+              <a:rPr kumimoji="0" lang="en-US" altLang="en-US" sz="1300" b="0" i="0" u="none" strike="noStrike" cap="none" normalizeH="0" baseline="0" dirty="0">
+                <a:ln>
+                  <a:noFill/>
+                </a:ln>
+                <a:solidFill>
+                  <a:srgbClr val="000000"/>
+                </a:solidFill>
+                <a:effectLst/>
+                <a:latin typeface="Courier New" panose="02070309020205020404" pitchFamily="49" charset="0"/>
+                <a:cs typeface="Courier New" panose="02070309020205020404" pitchFamily="49" charset="0"/>
+              </a:rPr>
+              <a:t>(</a:t>
+            </a:r>
+            <a:br>
+              <a:rPr kumimoji="0" lang="en-US" altLang="en-US" sz="1300" b="0" i="0" u="none" strike="noStrike" cap="none" normalizeH="0" baseline="0" dirty="0">
+                <a:ln>
+                  <a:noFill/>
+                </a:ln>
+                <a:solidFill>
+                  <a:srgbClr val="000000"/>
+                </a:solidFill>
+                <a:effectLst/>
+                <a:latin typeface="Courier New" panose="02070309020205020404" pitchFamily="49" charset="0"/>
+                <a:cs typeface="Courier New" panose="02070309020205020404" pitchFamily="49" charset="0"/>
+              </a:rPr>
+            </a:br>
+            <a:r>
+              <a:rPr kumimoji="0" lang="en-US" altLang="en-US" sz="1300" b="0" i="0" u="none" strike="noStrike" cap="none" normalizeH="0" baseline="0" dirty="0">
+                <a:ln>
+                  <a:noFill/>
+                </a:ln>
+                <a:solidFill>
+                  <a:srgbClr val="000000"/>
+                </a:solidFill>
+                <a:effectLst/>
+                <a:latin typeface="Courier New" panose="02070309020205020404" pitchFamily="49" charset="0"/>
+                <a:cs typeface="Courier New" panose="02070309020205020404" pitchFamily="49" charset="0"/>
+              </a:rPr>
+              <a:t>        </a:t>
+            </a:r>
+            <a:r>
+              <a:rPr kumimoji="0" lang="en-US" altLang="en-US" sz="1300" b="1" i="0" u="none" strike="noStrike" cap="none" normalizeH="0" baseline="0" dirty="0">
+                <a:ln>
+                  <a:noFill/>
+                </a:ln>
+                <a:solidFill>
+                  <a:srgbClr val="000080"/>
+                </a:solidFill>
+                <a:effectLst/>
+                <a:latin typeface="Courier New" panose="02070309020205020404" pitchFamily="49" charset="0"/>
+                <a:cs typeface="Courier New" panose="02070309020205020404" pitchFamily="49" charset="0"/>
+              </a:rPr>
+              <a:t>new </a:t>
+            </a:r>
+            <a:r>
+              <a:rPr kumimoji="0" lang="en-US" altLang="en-US" sz="1300" b="0" i="0" u="none" strike="noStrike" cap="none" normalizeH="0" baseline="0" dirty="0" err="1">
+                <a:ln>
+                  <a:noFill/>
+                </a:ln>
+                <a:solidFill>
+                  <a:srgbClr val="000000"/>
+                </a:solidFill>
+                <a:effectLst/>
+                <a:latin typeface="Courier New" panose="02070309020205020404" pitchFamily="49" charset="0"/>
+                <a:cs typeface="Courier New" panose="02070309020205020404" pitchFamily="49" charset="0"/>
+              </a:rPr>
+              <a:t>ServiceCaller</a:t>
+            </a:r>
+            <a:r>
+              <a:rPr kumimoji="0" lang="en-US" altLang="en-US" sz="1300" b="0" i="0" u="none" strike="noStrike" cap="none" normalizeH="0" baseline="0" dirty="0">
+                <a:ln>
+                  <a:noFill/>
+                </a:ln>
+                <a:solidFill>
+                  <a:srgbClr val="000000"/>
+                </a:solidFill>
+                <a:effectLst/>
+                <a:latin typeface="Courier New" panose="02070309020205020404" pitchFamily="49" charset="0"/>
+                <a:cs typeface="Courier New" panose="02070309020205020404" pitchFamily="49" charset="0"/>
+              </a:rPr>
+              <a:t>() {</a:t>
+            </a:r>
+            <a:br>
+              <a:rPr kumimoji="0" lang="en-US" altLang="en-US" sz="1300" b="0" i="0" u="none" strike="noStrike" cap="none" normalizeH="0" baseline="0" dirty="0">
+                <a:ln>
+                  <a:noFill/>
+                </a:ln>
+                <a:solidFill>
+                  <a:srgbClr val="000000"/>
+                </a:solidFill>
+                <a:effectLst/>
+                <a:latin typeface="Courier New" panose="02070309020205020404" pitchFamily="49" charset="0"/>
+                <a:cs typeface="Courier New" panose="02070309020205020404" pitchFamily="49" charset="0"/>
+              </a:rPr>
+            </a:br>
+            <a:br>
+              <a:rPr kumimoji="0" lang="en-US" altLang="en-US" sz="1300" b="0" i="0" u="none" strike="noStrike" cap="none" normalizeH="0" baseline="0" dirty="0">
+                <a:ln>
+                  <a:noFill/>
+                </a:ln>
+                <a:solidFill>
+                  <a:srgbClr val="000000"/>
+                </a:solidFill>
+                <a:effectLst/>
+                <a:latin typeface="Courier New" panose="02070309020205020404" pitchFamily="49" charset="0"/>
+                <a:cs typeface="Courier New" panose="02070309020205020404" pitchFamily="49" charset="0"/>
+              </a:rPr>
+            </a:br>
+            <a:r>
+              <a:rPr kumimoji="0" lang="en-US" altLang="en-US" sz="1300" b="0" i="0" u="none" strike="noStrike" cap="none" normalizeH="0" baseline="0" dirty="0">
+                <a:ln>
+                  <a:noFill/>
+                </a:ln>
+                <a:solidFill>
+                  <a:srgbClr val="000000"/>
+                </a:solidFill>
+                <a:effectLst/>
+                <a:latin typeface="Courier New" panose="02070309020205020404" pitchFamily="49" charset="0"/>
+                <a:cs typeface="Courier New" panose="02070309020205020404" pitchFamily="49" charset="0"/>
+              </a:rPr>
+              <a:t>            </a:t>
+            </a:r>
+            <a:r>
+              <a:rPr kumimoji="0" lang="en-US" altLang="en-US" sz="1300" b="0" i="0" u="none" strike="noStrike" cap="none" normalizeH="0" baseline="0" dirty="0">
+                <a:ln>
+                  <a:noFill/>
+                </a:ln>
+                <a:solidFill>
+                  <a:srgbClr val="808000"/>
+                </a:solidFill>
+                <a:effectLst/>
+                <a:latin typeface="Courier New" panose="02070309020205020404" pitchFamily="49" charset="0"/>
+                <a:cs typeface="Courier New" panose="02070309020205020404" pitchFamily="49" charset="0"/>
+              </a:rPr>
+              <a:t>@Override</a:t>
+            </a:r>
+            <a:br>
+              <a:rPr kumimoji="0" lang="en-US" altLang="en-US" sz="1300" b="0" i="0" u="none" strike="noStrike" cap="none" normalizeH="0" baseline="0" dirty="0">
+                <a:ln>
+                  <a:noFill/>
+                </a:ln>
+                <a:solidFill>
+                  <a:srgbClr val="808000"/>
+                </a:solidFill>
+                <a:effectLst/>
+                <a:latin typeface="Courier New" panose="02070309020205020404" pitchFamily="49" charset="0"/>
+                <a:cs typeface="Courier New" panose="02070309020205020404" pitchFamily="49" charset="0"/>
+              </a:rPr>
+            </a:br>
+            <a:r>
+              <a:rPr kumimoji="0" lang="en-US" altLang="en-US" sz="1300" b="0" i="0" u="none" strike="noStrike" cap="none" normalizeH="0" baseline="0" dirty="0">
+                <a:ln>
+                  <a:noFill/>
+                </a:ln>
+                <a:solidFill>
+                  <a:srgbClr val="808000"/>
+                </a:solidFill>
+                <a:effectLst/>
+                <a:latin typeface="Courier New" panose="02070309020205020404" pitchFamily="49" charset="0"/>
+                <a:cs typeface="Courier New" panose="02070309020205020404" pitchFamily="49" charset="0"/>
+              </a:rPr>
+              <a:t>            </a:t>
+            </a:r>
+            <a:r>
+              <a:rPr kumimoji="0" lang="en-US" altLang="en-US" sz="1300" b="1" i="0" u="none" strike="noStrike" cap="none" normalizeH="0" baseline="0" dirty="0">
+                <a:ln>
+                  <a:noFill/>
+                </a:ln>
+                <a:solidFill>
+                  <a:srgbClr val="000080"/>
+                </a:solidFill>
+                <a:effectLst/>
+                <a:latin typeface="Courier New" panose="02070309020205020404" pitchFamily="49" charset="0"/>
+                <a:cs typeface="Courier New" panose="02070309020205020404" pitchFamily="49" charset="0"/>
+              </a:rPr>
+              <a:t>public </a:t>
+            </a:r>
+            <a:r>
+              <a:rPr kumimoji="0" lang="en-US" altLang="en-US" sz="1300" b="0" i="0" u="none" strike="noStrike" cap="none" normalizeH="0" baseline="0" dirty="0">
+                <a:ln>
+                  <a:noFill/>
+                </a:ln>
+                <a:solidFill>
+                  <a:srgbClr val="000000"/>
+                </a:solidFill>
+                <a:effectLst/>
+                <a:latin typeface="Courier New" panose="02070309020205020404" pitchFamily="49" charset="0"/>
+                <a:cs typeface="Courier New" panose="02070309020205020404" pitchFamily="49" charset="0"/>
+              </a:rPr>
+              <a:t>Object invoke(Object </a:t>
+            </a:r>
+            <a:r>
+              <a:rPr kumimoji="0" lang="en-US" altLang="en-US" sz="1300" b="0" i="0" u="none" strike="noStrike" cap="none" normalizeH="0" baseline="0" dirty="0" err="1">
+                <a:ln>
+                  <a:noFill/>
+                </a:ln>
+                <a:solidFill>
+                  <a:srgbClr val="000000"/>
+                </a:solidFill>
+                <a:effectLst/>
+                <a:latin typeface="Courier New" panose="02070309020205020404" pitchFamily="49" charset="0"/>
+                <a:cs typeface="Courier New" panose="02070309020205020404" pitchFamily="49" charset="0"/>
+              </a:rPr>
+              <a:t>rq</a:t>
+            </a:r>
+            <a:r>
+              <a:rPr kumimoji="0" lang="en-US" altLang="en-US" sz="1300" b="0" i="0" u="none" strike="noStrike" cap="none" normalizeH="0" baseline="0" dirty="0">
+                <a:ln>
+                  <a:noFill/>
+                </a:ln>
+                <a:solidFill>
+                  <a:srgbClr val="000000"/>
+                </a:solidFill>
+                <a:effectLst/>
+                <a:latin typeface="Courier New" panose="02070309020205020404" pitchFamily="49" charset="0"/>
+                <a:cs typeface="Courier New" panose="02070309020205020404" pitchFamily="49" charset="0"/>
+              </a:rPr>
+              <a:t>) {</a:t>
+            </a:r>
+            <a:br>
+              <a:rPr kumimoji="0" lang="en-US" altLang="en-US" sz="1300" b="0" i="0" u="none" strike="noStrike" cap="none" normalizeH="0" baseline="0" dirty="0">
+                <a:ln>
+                  <a:noFill/>
+                </a:ln>
+                <a:solidFill>
+                  <a:srgbClr val="000000"/>
+                </a:solidFill>
+                <a:effectLst/>
+                <a:latin typeface="Courier New" panose="02070309020205020404" pitchFamily="49" charset="0"/>
+                <a:cs typeface="Courier New" panose="02070309020205020404" pitchFamily="49" charset="0"/>
+              </a:rPr>
+            </a:br>
+            <a:r>
+              <a:rPr kumimoji="0" lang="en-US" altLang="en-US" sz="1300" b="0" i="0" u="none" strike="noStrike" cap="none" normalizeH="0" baseline="0" dirty="0">
+                <a:ln>
+                  <a:noFill/>
+                </a:ln>
+                <a:solidFill>
+                  <a:srgbClr val="000000"/>
+                </a:solidFill>
+                <a:effectLst/>
+                <a:latin typeface="Courier New" panose="02070309020205020404" pitchFamily="49" charset="0"/>
+                <a:cs typeface="Courier New" panose="02070309020205020404" pitchFamily="49" charset="0"/>
+              </a:rPr>
+              <a:t>                </a:t>
+            </a:r>
+            <a:r>
+              <a:rPr kumimoji="0" lang="en-US" altLang="en-US" sz="1300" b="1" i="0" u="none" strike="noStrike" cap="none" normalizeH="0" baseline="0" dirty="0">
+                <a:ln>
+                  <a:noFill/>
+                </a:ln>
+                <a:solidFill>
+                  <a:srgbClr val="000080"/>
+                </a:solidFill>
+                <a:effectLst/>
+                <a:latin typeface="Courier New" panose="02070309020205020404" pitchFamily="49" charset="0"/>
+                <a:cs typeface="Courier New" panose="02070309020205020404" pitchFamily="49" charset="0"/>
+              </a:rPr>
+              <a:t>return </a:t>
+            </a:r>
+            <a:r>
+              <a:rPr kumimoji="0" lang="en-US" altLang="en-US" sz="1300" b="0" i="0" u="none" strike="noStrike" cap="none" normalizeH="0" baseline="0" dirty="0" err="1">
+                <a:ln>
+                  <a:noFill/>
+                </a:ln>
+                <a:solidFill>
+                  <a:srgbClr val="000000"/>
+                </a:solidFill>
+                <a:effectLst/>
+                <a:latin typeface="Courier New" panose="02070309020205020404" pitchFamily="49" charset="0"/>
+                <a:cs typeface="Courier New" panose="02070309020205020404" pitchFamily="49" charset="0"/>
+              </a:rPr>
+              <a:t>callServant</a:t>
+            </a:r>
+            <a:r>
+              <a:rPr kumimoji="0" lang="en-US" altLang="en-US" sz="1300" b="0" i="0" u="none" strike="noStrike" cap="none" normalizeH="0" baseline="0" dirty="0">
+                <a:ln>
+                  <a:noFill/>
+                </a:ln>
+                <a:solidFill>
+                  <a:srgbClr val="000000"/>
+                </a:solidFill>
+                <a:effectLst/>
+                <a:latin typeface="Courier New" panose="02070309020205020404" pitchFamily="49" charset="0"/>
+                <a:cs typeface="Courier New" panose="02070309020205020404" pitchFamily="49" charset="0"/>
+              </a:rPr>
+              <a:t>(</a:t>
+            </a:r>
+            <a:r>
+              <a:rPr kumimoji="0" lang="en-US" altLang="en-US" sz="1300" b="1" i="1" u="none" strike="noStrike" cap="none" normalizeH="0" baseline="0" dirty="0">
+                <a:ln>
+                  <a:noFill/>
+                </a:ln>
+                <a:solidFill>
+                  <a:srgbClr val="660E7A"/>
+                </a:solidFill>
+                <a:effectLst/>
+                <a:latin typeface="Courier New" panose="02070309020205020404" pitchFamily="49" charset="0"/>
+                <a:cs typeface="Courier New" panose="02070309020205020404" pitchFamily="49" charset="0"/>
+              </a:rPr>
+              <a:t>PROFILERETRIEVEBEANNAME</a:t>
+            </a:r>
+            <a:r>
+              <a:rPr kumimoji="0" lang="en-US" altLang="en-US" sz="1300" b="0" i="0" u="none" strike="noStrike" cap="none" normalizeH="0" baseline="0" dirty="0">
+                <a:ln>
+                  <a:noFill/>
+                </a:ln>
+                <a:solidFill>
+                  <a:srgbClr val="000000"/>
+                </a:solidFill>
+                <a:effectLst/>
+                <a:latin typeface="Courier New" panose="02070309020205020404" pitchFamily="49" charset="0"/>
+                <a:cs typeface="Courier New" panose="02070309020205020404" pitchFamily="49" charset="0"/>
+              </a:rPr>
+              <a:t>, </a:t>
+            </a:r>
+            <a:r>
+              <a:rPr kumimoji="0" lang="en-US" altLang="en-US" sz="1300" b="0" i="0" u="none" strike="noStrike" cap="none" normalizeH="0" baseline="0" dirty="0" err="1">
+                <a:ln>
+                  <a:noFill/>
+                </a:ln>
+                <a:solidFill>
+                  <a:srgbClr val="000000"/>
+                </a:solidFill>
+                <a:effectLst/>
+                <a:latin typeface="Courier New" panose="02070309020205020404" pitchFamily="49" charset="0"/>
+                <a:cs typeface="Courier New" panose="02070309020205020404" pitchFamily="49" charset="0"/>
+              </a:rPr>
+              <a:t>rq</a:t>
+            </a:r>
+            <a:r>
+              <a:rPr kumimoji="0" lang="en-US" altLang="en-US" sz="1300" b="0" i="0" u="none" strike="noStrike" cap="none" normalizeH="0" baseline="0" dirty="0">
+                <a:ln>
+                  <a:noFill/>
+                </a:ln>
+                <a:solidFill>
+                  <a:srgbClr val="000000"/>
+                </a:solidFill>
+                <a:effectLst/>
+                <a:latin typeface="Courier New" panose="02070309020205020404" pitchFamily="49" charset="0"/>
+                <a:cs typeface="Courier New" panose="02070309020205020404" pitchFamily="49" charset="0"/>
+              </a:rPr>
+              <a:t>, </a:t>
+            </a:r>
+            <a:r>
+              <a:rPr kumimoji="0" lang="en-US" altLang="en-US" sz="1300" b="0" i="0" u="none" strike="noStrike" cap="none" normalizeH="0" baseline="0" dirty="0" err="1">
+                <a:ln>
+                  <a:noFill/>
+                </a:ln>
+                <a:solidFill>
+                  <a:srgbClr val="000000"/>
+                </a:solidFill>
+                <a:effectLst/>
+                <a:latin typeface="Courier New" panose="02070309020205020404" pitchFamily="49" charset="0"/>
+                <a:cs typeface="Courier New" panose="02070309020205020404" pitchFamily="49" charset="0"/>
+              </a:rPr>
+              <a:t>ProfileRetrieveSvRS.</a:t>
+            </a:r>
+            <a:r>
+              <a:rPr kumimoji="0" lang="en-US" altLang="en-US" sz="1300" b="1" i="0" u="none" strike="noStrike" cap="none" normalizeH="0" baseline="0" dirty="0" err="1">
+                <a:ln>
+                  <a:noFill/>
+                </a:ln>
+                <a:solidFill>
+                  <a:srgbClr val="000080"/>
+                </a:solidFill>
+                <a:effectLst/>
+                <a:latin typeface="Courier New" panose="02070309020205020404" pitchFamily="49" charset="0"/>
+                <a:cs typeface="Courier New" panose="02070309020205020404" pitchFamily="49" charset="0"/>
+              </a:rPr>
+              <a:t>class</a:t>
+            </a:r>
+            <a:r>
+              <a:rPr kumimoji="0" lang="en-US" altLang="en-US" sz="1300" b="0" i="0" u="none" strike="noStrike" cap="none" normalizeH="0" baseline="0" dirty="0">
+                <a:ln>
+                  <a:noFill/>
+                </a:ln>
+                <a:solidFill>
+                  <a:srgbClr val="000000"/>
+                </a:solidFill>
+                <a:effectLst/>
+                <a:latin typeface="Courier New" panose="02070309020205020404" pitchFamily="49" charset="0"/>
+                <a:cs typeface="Courier New" panose="02070309020205020404" pitchFamily="49" charset="0"/>
+              </a:rPr>
+              <a:t>);</a:t>
+            </a:r>
+            <a:br>
+              <a:rPr kumimoji="0" lang="en-US" altLang="en-US" sz="1300" b="0" i="0" u="none" strike="noStrike" cap="none" normalizeH="0" baseline="0" dirty="0">
+                <a:ln>
+                  <a:noFill/>
+                </a:ln>
+                <a:solidFill>
+                  <a:srgbClr val="000000"/>
+                </a:solidFill>
+                <a:effectLst/>
+                <a:latin typeface="Courier New" panose="02070309020205020404" pitchFamily="49" charset="0"/>
+                <a:cs typeface="Courier New" panose="02070309020205020404" pitchFamily="49" charset="0"/>
+              </a:rPr>
+            </a:br>
+            <a:r>
+              <a:rPr kumimoji="0" lang="en-US" altLang="en-US" sz="1300" b="0" i="0" u="none" strike="noStrike" cap="none" normalizeH="0" baseline="0" dirty="0">
+                <a:ln>
+                  <a:noFill/>
+                </a:ln>
+                <a:solidFill>
+                  <a:srgbClr val="000000"/>
+                </a:solidFill>
+                <a:effectLst/>
+                <a:latin typeface="Courier New" panose="02070309020205020404" pitchFamily="49" charset="0"/>
+                <a:cs typeface="Courier New" panose="02070309020205020404" pitchFamily="49" charset="0"/>
+              </a:rPr>
+              <a:t>            }</a:t>
+            </a:r>
+            <a:br>
+              <a:rPr kumimoji="0" lang="en-US" altLang="en-US" sz="1300" b="0" i="0" u="none" strike="noStrike" cap="none" normalizeH="0" baseline="0" dirty="0">
+                <a:ln>
+                  <a:noFill/>
+                </a:ln>
+                <a:solidFill>
+                  <a:srgbClr val="000000"/>
+                </a:solidFill>
+                <a:effectLst/>
+                <a:latin typeface="Courier New" panose="02070309020205020404" pitchFamily="49" charset="0"/>
+                <a:cs typeface="Courier New" panose="02070309020205020404" pitchFamily="49" charset="0"/>
+              </a:rPr>
+            </a:br>
+            <a:r>
+              <a:rPr kumimoji="0" lang="en-US" altLang="en-US" sz="1300" b="0" i="0" u="none" strike="noStrike" cap="none" normalizeH="0" baseline="0" dirty="0">
+                <a:ln>
+                  <a:noFill/>
+                </a:ln>
+                <a:solidFill>
+                  <a:srgbClr val="000000"/>
+                </a:solidFill>
+                <a:effectLst/>
+                <a:latin typeface="Courier New" panose="02070309020205020404" pitchFamily="49" charset="0"/>
+                <a:cs typeface="Courier New" panose="02070309020205020404" pitchFamily="49" charset="0"/>
+              </a:rPr>
+              <a:t>        },</a:t>
+            </a:r>
+            <a:br>
+              <a:rPr kumimoji="0" lang="en-US" altLang="en-US" sz="1300" b="0" i="0" u="none" strike="noStrike" cap="none" normalizeH="0" baseline="0" dirty="0">
+                <a:ln>
+                  <a:noFill/>
+                </a:ln>
+                <a:solidFill>
+                  <a:srgbClr val="000000"/>
+                </a:solidFill>
+                <a:effectLst/>
+                <a:latin typeface="Courier New" panose="02070309020205020404" pitchFamily="49" charset="0"/>
+                <a:cs typeface="Courier New" panose="02070309020205020404" pitchFamily="49" charset="0"/>
+              </a:rPr>
+            </a:br>
+            <a:r>
+              <a:rPr kumimoji="0" lang="en-US" altLang="en-US" sz="1300" b="0" i="0" u="none" strike="noStrike" cap="none" normalizeH="0" baseline="0" dirty="0">
+                <a:ln>
+                  <a:noFill/>
+                </a:ln>
+                <a:solidFill>
+                  <a:srgbClr val="000000"/>
+                </a:solidFill>
+                <a:effectLst/>
+                <a:latin typeface="Courier New" panose="02070309020205020404" pitchFamily="49" charset="0"/>
+                <a:cs typeface="Courier New" panose="02070309020205020404" pitchFamily="49" charset="0"/>
+              </a:rPr>
+              <a:t>        </a:t>
+            </a:r>
+            <a:r>
+              <a:rPr kumimoji="0" lang="en-US" altLang="en-US" sz="1300" b="0" i="0" u="none" strike="noStrike" cap="none" normalizeH="0" baseline="0" dirty="0" err="1">
+                <a:ln>
+                  <a:noFill/>
+                </a:ln>
+                <a:solidFill>
+                  <a:srgbClr val="000000"/>
+                </a:solidFill>
+                <a:effectLst/>
+                <a:latin typeface="Courier New" panose="02070309020205020404" pitchFamily="49" charset="0"/>
+                <a:cs typeface="Courier New" panose="02070309020205020404" pitchFamily="49" charset="0"/>
+              </a:rPr>
+              <a:t>sessionInfo</a:t>
+            </a:r>
+            <a:r>
+              <a:rPr kumimoji="0" lang="en-US" altLang="en-US" sz="1300" b="0" i="0" u="none" strike="noStrike" cap="none" normalizeH="0" baseline="0" dirty="0">
+                <a:ln>
+                  <a:noFill/>
+                </a:ln>
+                <a:solidFill>
+                  <a:srgbClr val="000000"/>
+                </a:solidFill>
+                <a:effectLst/>
+                <a:latin typeface="Courier New" panose="02070309020205020404" pitchFamily="49" charset="0"/>
+                <a:cs typeface="Courier New" panose="02070309020205020404" pitchFamily="49" charset="0"/>
+              </a:rPr>
+              <a:t>,</a:t>
+            </a:r>
+            <a:br>
+              <a:rPr kumimoji="0" lang="en-US" altLang="en-US" sz="1300" b="0" i="0" u="none" strike="noStrike" cap="none" normalizeH="0" baseline="0" dirty="0">
+                <a:ln>
+                  <a:noFill/>
+                </a:ln>
+                <a:solidFill>
+                  <a:srgbClr val="000000"/>
+                </a:solidFill>
+                <a:effectLst/>
+                <a:latin typeface="Courier New" panose="02070309020205020404" pitchFamily="49" charset="0"/>
+                <a:cs typeface="Courier New" panose="02070309020205020404" pitchFamily="49" charset="0"/>
+              </a:rPr>
+            </a:br>
+            <a:r>
+              <a:rPr kumimoji="0" lang="en-US" altLang="en-US" sz="1300" b="0" i="0" u="none" strike="noStrike" cap="none" normalizeH="0" baseline="0" dirty="0">
+                <a:ln>
+                  <a:noFill/>
+                </a:ln>
+                <a:solidFill>
+                  <a:srgbClr val="000000"/>
+                </a:solidFill>
+                <a:effectLst/>
+                <a:latin typeface="Courier New" panose="02070309020205020404" pitchFamily="49" charset="0"/>
+                <a:cs typeface="Courier New" panose="02070309020205020404" pitchFamily="49" charset="0"/>
+              </a:rPr>
+              <a:t>        </a:t>
+            </a:r>
+            <a:r>
+              <a:rPr kumimoji="0" lang="en-US" altLang="en-US" sz="1300" b="0" i="0" u="none" strike="noStrike" cap="none" normalizeH="0" baseline="0" dirty="0" err="1">
+                <a:ln>
+                  <a:noFill/>
+                </a:ln>
+                <a:solidFill>
+                  <a:srgbClr val="000000"/>
+                </a:solidFill>
+                <a:effectLst/>
+                <a:latin typeface="Courier New" panose="02070309020205020404" pitchFamily="49" charset="0"/>
+                <a:cs typeface="Courier New" panose="02070309020205020404" pitchFamily="49" charset="0"/>
+              </a:rPr>
+              <a:t>clientId</a:t>
+            </a:r>
+            <a:r>
+              <a:rPr kumimoji="0" lang="en-US" altLang="en-US" sz="1300" b="0" i="0" u="none" strike="noStrike" cap="none" normalizeH="0" baseline="0" dirty="0">
+                <a:ln>
+                  <a:noFill/>
+                </a:ln>
+                <a:solidFill>
+                  <a:srgbClr val="000000"/>
+                </a:solidFill>
+                <a:effectLst/>
+                <a:latin typeface="Courier New" panose="02070309020205020404" pitchFamily="49" charset="0"/>
+                <a:cs typeface="Courier New" panose="02070309020205020404" pitchFamily="49" charset="0"/>
+              </a:rPr>
+              <a:t>,</a:t>
+            </a:r>
+            <a:br>
+              <a:rPr kumimoji="0" lang="en-US" altLang="en-US" sz="1300" b="0" i="0" u="none" strike="noStrike" cap="none" normalizeH="0" baseline="0" dirty="0">
+                <a:ln>
+                  <a:noFill/>
+                </a:ln>
+                <a:solidFill>
+                  <a:srgbClr val="000000"/>
+                </a:solidFill>
+                <a:effectLst/>
+                <a:latin typeface="Courier New" panose="02070309020205020404" pitchFamily="49" charset="0"/>
+                <a:cs typeface="Courier New" panose="02070309020205020404" pitchFamily="49" charset="0"/>
+              </a:rPr>
+            </a:br>
+            <a:r>
+              <a:rPr kumimoji="0" lang="en-US" altLang="en-US" sz="1300" b="0" i="0" u="none" strike="noStrike" cap="none" normalizeH="0" baseline="0" dirty="0">
+                <a:ln>
+                  <a:noFill/>
+                </a:ln>
+                <a:solidFill>
+                  <a:srgbClr val="000000"/>
+                </a:solidFill>
+                <a:effectLst/>
+                <a:latin typeface="Courier New" panose="02070309020205020404" pitchFamily="49" charset="0"/>
+                <a:cs typeface="Courier New" panose="02070309020205020404" pitchFamily="49" charset="0"/>
+              </a:rPr>
+              <a:t>        M3_ContextCodes.</a:t>
+            </a:r>
+            <a:r>
+              <a:rPr kumimoji="0" lang="en-US" altLang="en-US" sz="1300" b="1" i="1" u="none" strike="noStrike" cap="none" normalizeH="0" baseline="0" dirty="0">
+                <a:ln>
+                  <a:noFill/>
+                </a:ln>
+                <a:solidFill>
+                  <a:srgbClr val="660E7A"/>
+                </a:solidFill>
+                <a:effectLst/>
+                <a:latin typeface="Courier New" panose="02070309020205020404" pitchFamily="49" charset="0"/>
+                <a:cs typeface="Courier New" panose="02070309020205020404" pitchFamily="49" charset="0"/>
+              </a:rPr>
+              <a:t>ORDER_ASSESS_ACTIONS_CONTEXT_CODE</a:t>
+            </a:r>
+            <a:r>
+              <a:rPr kumimoji="0" lang="en-US" altLang="en-US" sz="1300" b="0" i="0" u="none" strike="noStrike" cap="none" normalizeH="0" baseline="0" dirty="0">
+                <a:ln>
+                  <a:noFill/>
+                </a:ln>
+                <a:solidFill>
+                  <a:srgbClr val="000000"/>
+                </a:solidFill>
+                <a:effectLst/>
+                <a:latin typeface="Courier New" panose="02070309020205020404" pitchFamily="49" charset="0"/>
+                <a:cs typeface="Courier New" panose="02070309020205020404" pitchFamily="49" charset="0"/>
+              </a:rPr>
+              <a:t>,</a:t>
+            </a:r>
+            <a:br>
+              <a:rPr kumimoji="0" lang="en-US" altLang="en-US" sz="1300" b="0" i="0" u="none" strike="noStrike" cap="none" normalizeH="0" baseline="0" dirty="0">
+                <a:ln>
+                  <a:noFill/>
+                </a:ln>
+                <a:solidFill>
+                  <a:srgbClr val="000000"/>
+                </a:solidFill>
+                <a:effectLst/>
+                <a:latin typeface="Courier New" panose="02070309020205020404" pitchFamily="49" charset="0"/>
+                <a:cs typeface="Courier New" panose="02070309020205020404" pitchFamily="49" charset="0"/>
+              </a:rPr>
+            </a:br>
+            <a:r>
+              <a:rPr kumimoji="0" lang="en-US" altLang="en-US" sz="1300" b="0" i="0" u="none" strike="noStrike" cap="none" normalizeH="0" baseline="0" dirty="0">
+                <a:ln>
+                  <a:noFill/>
+                </a:ln>
+                <a:solidFill>
+                  <a:srgbClr val="000000"/>
+                </a:solidFill>
+                <a:effectLst/>
+                <a:latin typeface="Courier New" panose="02070309020205020404" pitchFamily="49" charset="0"/>
+                <a:cs typeface="Courier New" panose="02070309020205020404" pitchFamily="49" charset="0"/>
+              </a:rPr>
+              <a:t>        M3_MajorCodes.</a:t>
+            </a:r>
+            <a:r>
+              <a:rPr kumimoji="0" lang="en-US" altLang="en-US" sz="1300" b="1" i="1" u="none" strike="noStrike" cap="none" normalizeH="0" baseline="0" dirty="0">
+                <a:ln>
+                  <a:noFill/>
+                </a:ln>
+                <a:solidFill>
+                  <a:srgbClr val="660E7A"/>
+                </a:solidFill>
+                <a:effectLst/>
+                <a:latin typeface="Courier New" panose="02070309020205020404" pitchFamily="49" charset="0"/>
+                <a:cs typeface="Courier New" panose="02070309020205020404" pitchFamily="49" charset="0"/>
+              </a:rPr>
+              <a:t>ORDER_ASSESS_ACTIONS_MAJOR_CODE</a:t>
+            </a:r>
+            <a:br>
+              <a:rPr kumimoji="0" lang="en-US" altLang="en-US" sz="1300" b="1" i="1" u="none" strike="noStrike" cap="none" normalizeH="0" baseline="0" dirty="0">
+                <a:ln>
+                  <a:noFill/>
+                </a:ln>
+                <a:solidFill>
+                  <a:srgbClr val="660E7A"/>
+                </a:solidFill>
+                <a:effectLst/>
+                <a:latin typeface="Courier New" panose="02070309020205020404" pitchFamily="49" charset="0"/>
+                <a:cs typeface="Courier New" panose="02070309020205020404" pitchFamily="49" charset="0"/>
+              </a:rPr>
+            </a:br>
+            <a:endParaRPr kumimoji="0" lang="en-US" altLang="en-US" sz="1800" b="0" i="0" u="none" strike="noStrike" cap="none" normalizeH="0" baseline="0" dirty="0">
+              <a:ln>
+                <a:noFill/>
+              </a:ln>
+              <a:solidFill>
+                <a:schemeClr val="tx1"/>
+              </a:solidFill>
+              <a:effectLst/>
+              <a:latin typeface="Arial" panose="020B0604020202020204" pitchFamily="34" charset="0"/>
+            </a:endParaRPr>
+          </a:p>
+        </p:txBody>
+      </p:sp>
+      <p:sp>
+        <p:nvSpPr>
+          <p:cNvPr id="6" name="Shape 328"/>
           <p:cNvSpPr>
             <a:spLocks noGrp="1"/>
           </p:cNvSpPr>
@@ -16236,370 +17037,17 @@
           </a:p>
         </p:txBody>
       </p:sp>
-      <p:sp>
-        <p:nvSpPr>
-          <p:cNvPr id="329" name="Shape 329"/>
-          <p:cNvSpPr/>
-          <p:nvPr/>
-        </p:nvSpPr>
-        <p:spPr>
-          <a:xfrm>
-            <a:off x="724939" y="1994342"/>
-            <a:ext cx="10479642" cy="4091941"/>
-          </a:xfrm>
-          <a:prstGeom prst="rect">
-            <a:avLst/>
-          </a:prstGeom>
-          <a:solidFill>
-            <a:srgbClr val="FFFFFF"/>
-          </a:solidFill>
-          <a:ln w="12700">
-            <a:miter lim="400000"/>
-          </a:ln>
-          <a:extLst>
-            <a:ext uri="{C572A759-6A51-4108-AA02-DFA0A04FC94B}">
-              <ma14:wrappingTextBoxFlag xmlns="" xmlns:ma14="http://schemas.microsoft.com/office/mac/drawingml/2011/main" val="1"/>
-            </a:ext>
-          </a:extLst>
-        </p:spPr>
-        <p:txBody>
-          <a:bodyPr lIns="45719" rIns="45719" anchor="ctr">
-            <a:spAutoFit/>
-          </a:bodyPr>
-          <a:lstStyle/>
-          <a:p>
-            <a:pPr>
-              <a:defRPr sz="1300" i="1">
-                <a:solidFill>
-                  <a:srgbClr val="808080"/>
-                </a:solidFill>
-                <a:latin typeface="Courier New"/>
-                <a:ea typeface="Courier New"/>
-                <a:cs typeface="Courier New"/>
-                <a:sym typeface="Courier New"/>
-              </a:defRPr>
-            </a:pPr>
-            <a:br/>
-            <a:r>
-              <a:rPr b="1" i="0">
-                <a:solidFill>
-                  <a:srgbClr val="000080"/>
-                </a:solidFill>
-              </a:rPr>
-              <a:t>public static </a:t>
-            </a:r>
-            <a:r>
-              <a:rPr i="0">
-                <a:solidFill>
-                  <a:srgbClr val="000000"/>
-                </a:solidFill>
-              </a:rPr>
-              <a:t>ResComponent getPrimaryResComponent(ResComponentGroup resCompGroup, Reservation res)</a:t>
-            </a:r>
-            <a:br>
-              <a:rPr i="0">
-                <a:solidFill>
-                  <a:srgbClr val="000000"/>
-                </a:solidFill>
-              </a:rPr>
-            </a:br>
-            <a:r>
-              <a:rPr i="0">
-                <a:solidFill>
-                  <a:srgbClr val="000000"/>
-                </a:solidFill>
-              </a:rPr>
-              <a:t>{</a:t>
-            </a:r>
-            <a:br>
-              <a:rPr i="0">
-                <a:solidFill>
-                  <a:srgbClr val="000000"/>
-                </a:solidFill>
-              </a:rPr>
-            </a:br>
-            <a:r>
-              <a:rPr i="0">
-                <a:solidFill>
-                  <a:srgbClr val="000000"/>
-                </a:solidFill>
-              </a:rPr>
-              <a:t>   </a:t>
-            </a:r>
-            <a:r>
-              <a:rPr b="1" i="0">
-                <a:solidFill>
-                  <a:srgbClr val="000080"/>
-                </a:solidFill>
-              </a:rPr>
-              <a:t>if </a:t>
-            </a:r>
-            <a:r>
-              <a:rPr i="0">
-                <a:solidFill>
-                  <a:srgbClr val="000000"/>
-                </a:solidFill>
-              </a:rPr>
-              <a:t>(resCompGroup.getGroupMemberCount() &gt; </a:t>
-            </a:r>
-            <a:r>
-              <a:rPr i="0">
-                <a:solidFill>
-                  <a:srgbClr val="0000FF"/>
-                </a:solidFill>
-              </a:rPr>
-              <a:t>0</a:t>
-            </a:r>
-            <a:r>
-              <a:rPr i="0">
-                <a:solidFill>
-                  <a:srgbClr val="000000"/>
-                </a:solidFill>
-              </a:rPr>
-              <a:t>)</a:t>
-            </a:r>
-            <a:br>
-              <a:rPr i="0">
-                <a:solidFill>
-                  <a:srgbClr val="000000"/>
-                </a:solidFill>
-              </a:rPr>
-            </a:br>
-            <a:r>
-              <a:rPr i="0">
-                <a:solidFill>
-                  <a:srgbClr val="000000"/>
-                </a:solidFill>
-              </a:rPr>
-              <a:t>   {</a:t>
-            </a:r>
-            <a:br>
-              <a:rPr i="0">
-                <a:solidFill>
-                  <a:srgbClr val="000000"/>
-                </a:solidFill>
-              </a:rPr>
-            </a:br>
-            <a:r>
-              <a:rPr i="0">
-                <a:solidFill>
-                  <a:srgbClr val="000000"/>
-                </a:solidFill>
-              </a:rPr>
-              <a:t>      </a:t>
-            </a:r>
-            <a:r>
-              <a:rPr b="1" i="0">
-                <a:solidFill>
-                  <a:srgbClr val="000080"/>
-                </a:solidFill>
-              </a:rPr>
-              <a:t>for </a:t>
-            </a:r>
-            <a:r>
-              <a:rPr i="0">
-                <a:solidFill>
-                  <a:srgbClr val="000000"/>
-                </a:solidFill>
-              </a:rPr>
-              <a:t>(GroupMember groupMember : resCompGroup.getGroupMember())</a:t>
-            </a:r>
-            <a:br>
-              <a:rPr i="0">
-                <a:solidFill>
-                  <a:srgbClr val="000000"/>
-                </a:solidFill>
-              </a:rPr>
-            </a:br>
-            <a:r>
-              <a:rPr i="0">
-                <a:solidFill>
-                  <a:srgbClr val="000000"/>
-                </a:solidFill>
-              </a:rPr>
-              <a:t>      {</a:t>
-            </a:r>
-            <a:br>
-              <a:rPr i="0">
-                <a:solidFill>
-                  <a:srgbClr val="000000"/>
-                </a:solidFill>
-              </a:rPr>
-            </a:br>
-            <a:r>
-              <a:rPr i="0">
-                <a:solidFill>
-                  <a:srgbClr val="000000"/>
-                </a:solidFill>
-              </a:rPr>
-              <a:t>         </a:t>
-            </a:r>
-            <a:r>
-              <a:rPr b="1" i="0">
-                <a:solidFill>
-                  <a:srgbClr val="000080"/>
-                </a:solidFill>
-              </a:rPr>
-              <a:t>if </a:t>
-            </a:r>
-            <a:r>
-              <a:rPr i="0">
-                <a:solidFill>
-                  <a:srgbClr val="000000"/>
-                </a:solidFill>
-              </a:rPr>
-              <a:t>(groupMember.hasPrimaryComponent() &amp;&amp; groupMember.hasResComponentSequence())</a:t>
-            </a:r>
-            <a:br>
-              <a:rPr i="0">
-                <a:solidFill>
-                  <a:srgbClr val="000000"/>
-                </a:solidFill>
-              </a:rPr>
-            </a:br>
-            <a:r>
-              <a:rPr i="0">
-                <a:solidFill>
-                  <a:srgbClr val="000000"/>
-                </a:solidFill>
-              </a:rPr>
-              <a:t>         {</a:t>
-            </a:r>
-            <a:br>
-              <a:rPr i="0">
-                <a:solidFill>
-                  <a:srgbClr val="000000"/>
-                </a:solidFill>
-              </a:rPr>
-            </a:br>
-            <a:r>
-              <a:rPr i="0">
-                <a:solidFill>
-                  <a:srgbClr val="000000"/>
-                </a:solidFill>
-              </a:rPr>
-              <a:t>            ResComponent resComp = ResComponentUtil.</a:t>
-            </a:r>
-            <a:r>
-              <a:rPr>
-                <a:solidFill>
-                  <a:srgbClr val="000000"/>
-                </a:solidFill>
-              </a:rPr>
-              <a:t>getResComponent</a:t>
-            </a:r>
-            <a:r>
-              <a:rPr i="0">
-                <a:solidFill>
-                  <a:srgbClr val="000000"/>
-                </a:solidFill>
-              </a:rPr>
-              <a:t>(res, 	   </a:t>
-            </a:r>
-          </a:p>
-          <a:p>
-            <a:pPr>
-              <a:defRPr sz="1300">
-                <a:latin typeface="Courier New"/>
-                <a:ea typeface="Courier New"/>
-                <a:cs typeface="Courier New"/>
-                <a:sym typeface="Courier New"/>
-              </a:defRPr>
-            </a:pPr>
-            <a:r>
-              <a:t>                                                            groupMember.getResComponentSequence());</a:t>
-            </a:r>
-            <a:br/>
-            <a:r>
-              <a:t>            </a:t>
-            </a:r>
-            <a:r>
-              <a:rPr b="1">
-                <a:solidFill>
-                  <a:srgbClr val="000080"/>
-                </a:solidFill>
-              </a:rPr>
-              <a:t>if </a:t>
-            </a:r>
-            <a:r>
-              <a:t>(resComp != </a:t>
-            </a:r>
-            <a:r>
-              <a:rPr b="1">
-                <a:solidFill>
-                  <a:srgbClr val="000080"/>
-                </a:solidFill>
-              </a:rPr>
-              <a:t>null</a:t>
-            </a:r>
-            <a:r>
-              <a:t>)</a:t>
-            </a:r>
-            <a:br/>
-            <a:r>
-              <a:t>            {</a:t>
-            </a:r>
-            <a:br/>
-            <a:r>
-              <a:t>               </a:t>
-            </a:r>
-            <a:r>
-              <a:rPr b="1">
-                <a:solidFill>
-                  <a:srgbClr val="000080"/>
-                </a:solidFill>
-              </a:rPr>
-              <a:t>return </a:t>
-            </a:r>
-            <a:r>
-              <a:t>resComp;</a:t>
-            </a:r>
-            <a:br/>
-            <a:r>
-              <a:t>            }</a:t>
-            </a:r>
-            <a:br/>
-            <a:r>
-              <a:t>         }</a:t>
-            </a:r>
-            <a:br/>
-            <a:r>
-              <a:t>      }</a:t>
-            </a:r>
-            <a:br/>
-            <a:r>
-              <a:t>   }</a:t>
-            </a:r>
-            <a:br/>
-            <a:r>
-              <a:t>    </a:t>
-            </a:r>
-            <a:r>
-              <a:rPr b="1">
-                <a:solidFill>
-                  <a:srgbClr val="000080"/>
-                </a:solidFill>
-              </a:rPr>
-              <a:t>return null</a:t>
-            </a:r>
-            <a:r>
-              <a:t>;</a:t>
-            </a:r>
-            <a:br/>
-            <a:r>
-              <a:t>}</a:t>
-            </a:r>
-            <a:br/>
-            <a:endParaRPr/>
-          </a:p>
-        </p:txBody>
-      </p:sp>
     </p:spTree>
+    <p:extLst>
+      <p:ext uri="{BB962C8B-B14F-4D97-AF65-F5344CB8AC3E}">
+        <p14:creationId xmlns:p14="http://schemas.microsoft.com/office/powerpoint/2010/main" val="1177830086"/>
+      </p:ext>
+    </p:extLst>
   </p:cSld>
   <p:clrMapOvr>
     <a:masterClrMapping/>
   </p:clrMapOvr>
-  <p:transition spd="slow"/>
+  <p:transition spd="med"/>
 </p:sld>
 </file>
 
@@ -16622,56 +17070,16 @@
       </p:grpSpPr>
       <p:sp>
         <p:nvSpPr>
-          <p:cNvPr id="331" name="Shape 331"/>
+          <p:cNvPr id="4" name="Rectangle 1"/>
           <p:cNvSpPr>
-            <a:spLocks noGrp="1"/>
+            <a:spLocks noChangeArrowheads="1"/>
           </p:cNvSpPr>
-          <p:nvPr>
-            <p:ph type="body" sz="quarter" idx="1"/>
-          </p:nvPr>
-        </p:nvSpPr>
-        <p:spPr>
-          <a:xfrm>
-            <a:off x="724940" y="2130849"/>
-            <a:ext cx="7998646" cy="472528"/>
-          </a:xfrm>
-          <a:prstGeom prst="rect">
-            <a:avLst/>
-          </a:prstGeom>
-        </p:spPr>
-        <p:txBody>
-          <a:bodyPr/>
-          <a:lstStyle/>
-          <a:p>
-            <a:pPr defTabSz="850391">
-              <a:spcBef>
-                <a:spcPts val="900"/>
-              </a:spcBef>
-              <a:defRPr sz="2604"/>
-            </a:pPr>
-            <a:r>
-              <a:t>Improved by using </a:t>
-            </a:r>
-            <a:r>
-              <a:rPr b="1"/>
-              <a:t>λ</a:t>
-            </a:r>
-            <a:r>
-              <a:t>, Stream and Optional</a:t>
-            </a:r>
-          </a:p>
-        </p:txBody>
-      </p:sp>
-      <p:sp>
-        <p:nvSpPr>
-          <p:cNvPr id="332" name="Shape 332"/>
-          <p:cNvSpPr/>
           <p:nvPr/>
         </p:nvSpPr>
-        <p:spPr>
+        <p:spPr bwMode="auto">
           <a:xfrm>
-            <a:off x="724939" y="3018548"/>
-            <a:ext cx="10798141" cy="1920241"/>
+            <a:off x="987972" y="3036677"/>
+            <a:ext cx="9680028" cy="1815882"/>
           </a:xfrm>
           <a:prstGeom prst="rect">
             <a:avLst/>
@@ -16679,400 +17087,576 @@
           <a:solidFill>
             <a:srgbClr val="FFFFFF"/>
           </a:solidFill>
-          <a:ln w="12700">
-            <a:miter lim="400000"/>
+          <a:ln>
+            <a:noFill/>
           </a:ln>
+          <a:effectLst/>
           <a:extLst>
-            <a:ext uri="{C572A759-6A51-4108-AA02-DFA0A04FC94B}">
-              <ma14:wrappingTextBoxFlag xmlns="" xmlns:ma14="http://schemas.microsoft.com/office/mac/drawingml/2011/main" val="1"/>
+            <a:ext uri="{91240B29-F687-4F45-9708-019B960494DF}">
+              <a14:hiddenLine xmlns:a14="http://schemas.microsoft.com/office/drawing/2010/main" w="9525">
+                <a:solidFill>
+                  <a:schemeClr val="tx1"/>
+                </a:solidFill>
+                <a:miter lim="800000"/>
+                <a:headEnd/>
+                <a:tailEnd/>
+              </a14:hiddenLine>
+            </a:ext>
+            <a:ext uri="{AF507438-7753-43E0-B8FC-AC1667EBCBE1}">
+              <a14:hiddenEffects xmlns:a14="http://schemas.microsoft.com/office/drawing/2010/main">
+                <a:effectLst>
+                  <a:outerShdw dist="35921" dir="2700000" algn="ctr" rotWithShape="0">
+                    <a:schemeClr val="bg2"/>
+                  </a:outerShdw>
+                </a:effectLst>
+              </a14:hiddenEffects>
             </a:ext>
           </a:extLst>
         </p:spPr>
         <p:txBody>
-          <a:bodyPr lIns="45719" rIns="45719" anchor="ctr">
+          <a:bodyPr vert="horz" wrap="square" lIns="91440" tIns="45720" rIns="91440" bIns="45720" numCol="1" anchor="ctr" anchorCtr="0" compatLnSpc="1">
+            <a:prstTxWarp prst="textNoShape">
+              <a:avLst/>
+            </a:prstTxWarp>
             <a:spAutoFit/>
           </a:bodyPr>
           <a:lstStyle/>
           <a:p>
-            <a:pPr>
-              <a:defRPr sz="1400" b="1">
+            <a:pPr marL="0" marR="0" lvl="0" indent="0" algn="l" defTabSz="914400" rtl="0" eaLnBrk="0" fontAlgn="base" latinLnBrk="0" hangingPunct="0">
+              <a:lnSpc>
+                <a:spcPct val="100000"/>
+              </a:lnSpc>
+              <a:spcBef>
+                <a:spcPct val="0"/>
+              </a:spcBef>
+              <a:spcAft>
+                <a:spcPct val="0"/>
+              </a:spcAft>
+              <a:buClrTx/>
+              <a:buSzTx/>
+              <a:buFontTx/>
+              <a:buNone/>
+              <a:tabLst/>
+            </a:pPr>
+            <a:r>
+              <a:rPr kumimoji="0" lang="en-US" altLang="en-US" sz="1400" b="0" i="0" u="none" strike="noStrike" cap="none" normalizeH="0" baseline="0" dirty="0" err="1">
+                <a:ln>
+                  <a:noFill/>
+                </a:ln>
+                <a:solidFill>
+                  <a:srgbClr val="000000"/>
+                </a:solidFill>
+                <a:effectLst/>
+                <a:latin typeface="Courier New" panose="02070309020205020404" pitchFamily="49" charset="0"/>
+                <a:cs typeface="Courier New" panose="02070309020205020404" pitchFamily="49" charset="0"/>
+              </a:rPr>
+              <a:t>profileInfos</a:t>
+            </a:r>
+            <a:r>
+              <a:rPr kumimoji="0" lang="en-US" altLang="en-US" sz="1400" b="0" i="0" u="none" strike="noStrike" cap="none" normalizeH="0" baseline="0" dirty="0">
+                <a:ln>
+                  <a:noFill/>
+                </a:ln>
+                <a:solidFill>
+                  <a:srgbClr val="000000"/>
+                </a:solidFill>
+                <a:effectLst/>
+                <a:latin typeface="Courier New" panose="02070309020205020404" pitchFamily="49" charset="0"/>
+                <a:cs typeface="Courier New" panose="02070309020205020404" pitchFamily="49" charset="0"/>
+              </a:rPr>
+              <a:t> = </a:t>
+            </a:r>
+            <a:r>
+              <a:rPr kumimoji="0" lang="en-US" altLang="en-US" sz="1400" b="0" i="0" u="none" strike="noStrike" cap="none" normalizeH="0" baseline="0" dirty="0" err="1">
+                <a:ln>
+                  <a:noFill/>
+                </a:ln>
+                <a:solidFill>
+                  <a:srgbClr val="000000"/>
+                </a:solidFill>
+                <a:effectLst/>
+                <a:latin typeface="Courier New" panose="02070309020205020404" pitchFamily="49" charset="0"/>
+                <a:cs typeface="Courier New" panose="02070309020205020404" pitchFamily="49" charset="0"/>
+              </a:rPr>
+              <a:t>OrderAssessUtils.</a:t>
+            </a:r>
+            <a:r>
+              <a:rPr kumimoji="0" lang="en-US" altLang="en-US" sz="1400" b="0" i="1" u="none" strike="noStrike" cap="none" normalizeH="0" baseline="0" dirty="0" err="1">
+                <a:ln>
+                  <a:noFill/>
+                </a:ln>
+                <a:solidFill>
+                  <a:srgbClr val="000000"/>
+                </a:solidFill>
+                <a:effectLst/>
+                <a:latin typeface="Courier New" panose="02070309020205020404" pitchFamily="49" charset="0"/>
+                <a:cs typeface="Courier New" panose="02070309020205020404" pitchFamily="49" charset="0"/>
+              </a:rPr>
+              <a:t>retrieveProfileInfo</a:t>
+            </a:r>
+            <a:r>
+              <a:rPr kumimoji="0" lang="en-US" altLang="en-US" sz="1400" b="0" i="0" u="none" strike="noStrike" cap="none" normalizeH="0" baseline="0" dirty="0">
+                <a:ln>
+                  <a:noFill/>
+                </a:ln>
+                <a:solidFill>
+                  <a:srgbClr val="000000"/>
+                </a:solidFill>
+                <a:effectLst/>
+                <a:latin typeface="Courier New" panose="02070309020205020404" pitchFamily="49" charset="0"/>
+                <a:cs typeface="Courier New" panose="02070309020205020404" pitchFamily="49" charset="0"/>
+              </a:rPr>
+              <a:t>(</a:t>
+            </a:r>
+            <a:br>
+              <a:rPr kumimoji="0" lang="en-US" altLang="en-US" sz="1400" b="0" i="0" u="none" strike="noStrike" cap="none" normalizeH="0" baseline="0" dirty="0">
+                <a:ln>
+                  <a:noFill/>
+                </a:ln>
+                <a:solidFill>
+                  <a:srgbClr val="000000"/>
+                </a:solidFill>
+                <a:effectLst/>
+                <a:latin typeface="Courier New" panose="02070309020205020404" pitchFamily="49" charset="0"/>
+                <a:cs typeface="Courier New" panose="02070309020205020404" pitchFamily="49" charset="0"/>
+              </a:rPr>
+            </a:br>
+            <a:r>
+              <a:rPr kumimoji="0" lang="en-US" altLang="en-US" sz="1400" b="0" i="0" u="none" strike="noStrike" cap="none" normalizeH="0" baseline="0" dirty="0">
+                <a:ln>
+                  <a:noFill/>
+                </a:ln>
+                <a:solidFill>
+                  <a:srgbClr val="000000"/>
+                </a:solidFill>
+                <a:effectLst/>
+                <a:latin typeface="Courier New" panose="02070309020205020404" pitchFamily="49" charset="0"/>
+                <a:cs typeface="Courier New" panose="02070309020205020404" pitchFamily="49" charset="0"/>
+              </a:rPr>
+              <a:t>        </a:t>
+            </a:r>
+            <a:r>
+              <a:rPr kumimoji="0" lang="en-US" altLang="en-US" sz="1400" b="0" i="0" u="none" strike="noStrike" cap="none" normalizeH="0" baseline="0" dirty="0" err="1">
+                <a:ln>
+                  <a:noFill/>
+                </a:ln>
+                <a:solidFill>
+                  <a:srgbClr val="000000"/>
+                </a:solidFill>
+                <a:effectLst/>
+                <a:latin typeface="Courier New" panose="02070309020205020404" pitchFamily="49" charset="0"/>
+                <a:cs typeface="Courier New" panose="02070309020205020404" pitchFamily="49" charset="0"/>
+              </a:rPr>
+              <a:t>rq</a:t>
+            </a:r>
+            <a:r>
+              <a:rPr kumimoji="0" lang="en-US" altLang="en-US" sz="1400" b="0" i="0" u="none" strike="noStrike" cap="none" normalizeH="0" baseline="0" dirty="0">
+                <a:ln>
+                  <a:noFill/>
+                </a:ln>
+                <a:solidFill>
+                  <a:srgbClr val="000000"/>
+                </a:solidFill>
+                <a:effectLst/>
+                <a:latin typeface="Courier New" panose="02070309020205020404" pitchFamily="49" charset="0"/>
+                <a:cs typeface="Courier New" panose="02070309020205020404" pitchFamily="49" charset="0"/>
+              </a:rPr>
+              <a:t> -&gt; </a:t>
+            </a:r>
+            <a:r>
+              <a:rPr kumimoji="0" lang="en-US" altLang="en-US" sz="1400" b="0" i="0" u="none" strike="noStrike" cap="none" normalizeH="0" baseline="0" dirty="0" err="1">
+                <a:ln>
+                  <a:noFill/>
+                </a:ln>
+                <a:solidFill>
+                  <a:srgbClr val="000000"/>
+                </a:solidFill>
+                <a:effectLst/>
+                <a:latin typeface="Courier New" panose="02070309020205020404" pitchFamily="49" charset="0"/>
+                <a:cs typeface="Courier New" panose="02070309020205020404" pitchFamily="49" charset="0"/>
+              </a:rPr>
+              <a:t>callServant</a:t>
+            </a:r>
+            <a:r>
+              <a:rPr kumimoji="0" lang="en-US" altLang="en-US" sz="1400" b="0" i="0" u="none" strike="noStrike" cap="none" normalizeH="0" baseline="0" dirty="0">
+                <a:ln>
+                  <a:noFill/>
+                </a:ln>
+                <a:solidFill>
+                  <a:srgbClr val="000000"/>
+                </a:solidFill>
+                <a:effectLst/>
+                <a:latin typeface="Courier New" panose="02070309020205020404" pitchFamily="49" charset="0"/>
+                <a:cs typeface="Courier New" panose="02070309020205020404" pitchFamily="49" charset="0"/>
+              </a:rPr>
+              <a:t>(</a:t>
+            </a:r>
+            <a:r>
+              <a:rPr kumimoji="0" lang="en-US" altLang="en-US" sz="1400" b="1" i="1" u="none" strike="noStrike" cap="none" normalizeH="0" baseline="0" dirty="0">
+                <a:ln>
+                  <a:noFill/>
+                </a:ln>
+                <a:solidFill>
+                  <a:srgbClr val="660E7A"/>
+                </a:solidFill>
+                <a:effectLst/>
+                <a:latin typeface="Courier New" panose="02070309020205020404" pitchFamily="49" charset="0"/>
+                <a:cs typeface="Courier New" panose="02070309020205020404" pitchFamily="49" charset="0"/>
+              </a:rPr>
+              <a:t>PROFILERETRIEVEBEANNAME</a:t>
+            </a:r>
+            <a:r>
+              <a:rPr kumimoji="0" lang="en-US" altLang="en-US" sz="1400" b="0" i="0" u="none" strike="noStrike" cap="none" normalizeH="0" baseline="0" dirty="0">
+                <a:ln>
+                  <a:noFill/>
+                </a:ln>
+                <a:solidFill>
+                  <a:srgbClr val="000000"/>
+                </a:solidFill>
+                <a:effectLst/>
+                <a:latin typeface="Courier New" panose="02070309020205020404" pitchFamily="49" charset="0"/>
+                <a:cs typeface="Courier New" panose="02070309020205020404" pitchFamily="49" charset="0"/>
+              </a:rPr>
+              <a:t>, </a:t>
+            </a:r>
+            <a:r>
+              <a:rPr kumimoji="0" lang="en-US" altLang="en-US" sz="1400" b="0" i="0" u="none" strike="noStrike" cap="none" normalizeH="0" baseline="0" dirty="0" err="1">
+                <a:ln>
+                  <a:noFill/>
+                </a:ln>
+                <a:solidFill>
+                  <a:srgbClr val="000000"/>
+                </a:solidFill>
+                <a:effectLst/>
+                <a:latin typeface="Courier New" panose="02070309020205020404" pitchFamily="49" charset="0"/>
+                <a:cs typeface="Courier New" panose="02070309020205020404" pitchFamily="49" charset="0"/>
+              </a:rPr>
+              <a:t>rq</a:t>
+            </a:r>
+            <a:r>
+              <a:rPr kumimoji="0" lang="en-US" altLang="en-US" sz="1400" b="0" i="0" u="none" strike="noStrike" cap="none" normalizeH="0" baseline="0" dirty="0">
+                <a:ln>
+                  <a:noFill/>
+                </a:ln>
+                <a:solidFill>
+                  <a:srgbClr val="000000"/>
+                </a:solidFill>
+                <a:effectLst/>
+                <a:latin typeface="Courier New" panose="02070309020205020404" pitchFamily="49" charset="0"/>
+                <a:cs typeface="Courier New" panose="02070309020205020404" pitchFamily="49" charset="0"/>
+              </a:rPr>
+              <a:t>, </a:t>
+            </a:r>
+            <a:r>
+              <a:rPr kumimoji="0" lang="en-US" altLang="en-US" sz="1400" b="0" i="0" u="none" strike="noStrike" cap="none" normalizeH="0" baseline="0" dirty="0" err="1">
+                <a:ln>
+                  <a:noFill/>
+                </a:ln>
+                <a:solidFill>
+                  <a:srgbClr val="000000"/>
+                </a:solidFill>
+                <a:effectLst/>
+                <a:latin typeface="Courier New" panose="02070309020205020404" pitchFamily="49" charset="0"/>
+                <a:cs typeface="Courier New" panose="02070309020205020404" pitchFamily="49" charset="0"/>
+              </a:rPr>
+              <a:t>ProfileRetrieveSvRS.</a:t>
+            </a:r>
+            <a:r>
+              <a:rPr kumimoji="0" lang="en-US" altLang="en-US" sz="1400" b="1" i="0" u="none" strike="noStrike" cap="none" normalizeH="0" baseline="0" dirty="0" err="1">
+                <a:ln>
+                  <a:noFill/>
+                </a:ln>
                 <a:solidFill>
                   <a:srgbClr val="000080"/>
                 </a:solidFill>
-                <a:latin typeface="Courier New"/>
-                <a:ea typeface="Courier New"/>
-                <a:cs typeface="Courier New"/>
-                <a:sym typeface="Courier New"/>
-              </a:defRPr>
-            </a:pPr>
-            <a:r>
-              <a:rPr dirty="0"/>
-              <a:t>public static </a:t>
-            </a:r>
-            <a:r>
-              <a:rPr b="0" dirty="0" err="1">
-                <a:solidFill>
-                  <a:srgbClr val="000000"/>
-                </a:solidFill>
-              </a:rPr>
-              <a:t>ResComponent</a:t>
-            </a:r>
-            <a:r>
-              <a:rPr b="0" dirty="0">
-                <a:solidFill>
-                  <a:srgbClr val="000000"/>
-                </a:solidFill>
-              </a:rPr>
-              <a:t> </a:t>
-            </a:r>
-            <a:r>
-              <a:rPr b="0" dirty="0" err="1">
-                <a:solidFill>
-                  <a:srgbClr val="000000"/>
-                </a:solidFill>
-              </a:rPr>
-              <a:t>getPrimaryResComponent</a:t>
-            </a:r>
-            <a:r>
-              <a:rPr b="0" dirty="0">
-                <a:solidFill>
-                  <a:srgbClr val="000000"/>
-                </a:solidFill>
-              </a:rPr>
-              <a:t>(</a:t>
-            </a:r>
-            <a:r>
-              <a:rPr b="0" dirty="0" err="1">
-                <a:solidFill>
-                  <a:srgbClr val="000000"/>
-                </a:solidFill>
-              </a:rPr>
-              <a:t>ResComponentGroup</a:t>
-            </a:r>
-            <a:r>
-              <a:rPr b="0" dirty="0">
-                <a:solidFill>
-                  <a:srgbClr val="000000"/>
-                </a:solidFill>
-              </a:rPr>
-              <a:t> </a:t>
-            </a:r>
-            <a:r>
-              <a:rPr b="0" dirty="0" err="1">
-                <a:solidFill>
-                  <a:srgbClr val="000000"/>
-                </a:solidFill>
-              </a:rPr>
-              <a:t>resCompGroup</a:t>
-            </a:r>
-            <a:r>
-              <a:rPr b="0" dirty="0">
-                <a:solidFill>
-                  <a:srgbClr val="000000"/>
-                </a:solidFill>
-              </a:rPr>
-              <a:t>, Reservation res)</a:t>
+                <a:effectLst/>
+                <a:latin typeface="Courier New" panose="02070309020205020404" pitchFamily="49" charset="0"/>
+                <a:cs typeface="Courier New" panose="02070309020205020404" pitchFamily="49" charset="0"/>
+              </a:rPr>
+              <a:t>class</a:t>
+            </a:r>
+            <a:r>
+              <a:rPr kumimoji="0" lang="en-US" altLang="en-US" sz="1400" b="0" i="0" u="none" strike="noStrike" cap="none" normalizeH="0" baseline="0" dirty="0">
+                <a:ln>
+                  <a:noFill/>
+                </a:ln>
+                <a:solidFill>
+                  <a:srgbClr val="000000"/>
+                </a:solidFill>
+                <a:effectLst/>
+                <a:latin typeface="Courier New" panose="02070309020205020404" pitchFamily="49" charset="0"/>
+                <a:cs typeface="Courier New" panose="02070309020205020404" pitchFamily="49" charset="0"/>
+              </a:rPr>
+              <a:t>),</a:t>
             </a:r>
             <a:br>
-              <a:rPr b="0" dirty="0">
-                <a:solidFill>
-                  <a:srgbClr val="000000"/>
-                </a:solidFill>
+              <a:rPr kumimoji="0" lang="en-US" altLang="en-US" sz="1400" b="0" i="0" u="none" strike="noStrike" cap="none" normalizeH="0" baseline="0" dirty="0">
+                <a:ln>
+                  <a:noFill/>
+                </a:ln>
+                <a:solidFill>
+                  <a:srgbClr val="000000"/>
+                </a:solidFill>
+                <a:effectLst/>
+                <a:latin typeface="Courier New" panose="02070309020205020404" pitchFamily="49" charset="0"/>
+                <a:cs typeface="Courier New" panose="02070309020205020404" pitchFamily="49" charset="0"/>
               </a:rPr>
             </a:br>
             <a:r>
-              <a:rPr b="0" dirty="0">
-                <a:solidFill>
-                  <a:srgbClr val="000000"/>
-                </a:solidFill>
-              </a:rPr>
-              <a:t>{</a:t>
+              <a:rPr kumimoji="0" lang="en-US" altLang="en-US" sz="1400" b="0" i="0" u="none" strike="noStrike" cap="none" normalizeH="0" baseline="0" dirty="0">
+                <a:ln>
+                  <a:noFill/>
+                </a:ln>
+                <a:solidFill>
+                  <a:srgbClr val="000000"/>
+                </a:solidFill>
+                <a:effectLst/>
+                <a:latin typeface="Courier New" panose="02070309020205020404" pitchFamily="49" charset="0"/>
+                <a:cs typeface="Courier New" panose="02070309020205020404" pitchFamily="49" charset="0"/>
+              </a:rPr>
+              <a:t>        </a:t>
+            </a:r>
+            <a:r>
+              <a:rPr kumimoji="0" lang="en-US" altLang="en-US" sz="1400" b="0" i="0" u="none" strike="noStrike" cap="none" normalizeH="0" baseline="0" dirty="0" err="1">
+                <a:ln>
+                  <a:noFill/>
+                </a:ln>
+                <a:solidFill>
+                  <a:srgbClr val="000000"/>
+                </a:solidFill>
+                <a:effectLst/>
+                <a:latin typeface="Courier New" panose="02070309020205020404" pitchFamily="49" charset="0"/>
+                <a:cs typeface="Courier New" panose="02070309020205020404" pitchFamily="49" charset="0"/>
+              </a:rPr>
+              <a:t>sessionInfo</a:t>
+            </a:r>
+            <a:r>
+              <a:rPr kumimoji="0" lang="en-US" altLang="en-US" sz="1400" b="0" i="0" u="none" strike="noStrike" cap="none" normalizeH="0" baseline="0" dirty="0">
+                <a:ln>
+                  <a:noFill/>
+                </a:ln>
+                <a:solidFill>
+                  <a:srgbClr val="000000"/>
+                </a:solidFill>
+                <a:effectLst/>
+                <a:latin typeface="Courier New" panose="02070309020205020404" pitchFamily="49" charset="0"/>
+                <a:cs typeface="Courier New" panose="02070309020205020404" pitchFamily="49" charset="0"/>
+              </a:rPr>
+              <a:t>,</a:t>
             </a:r>
             <a:br>
-              <a:rPr b="0" dirty="0">
-                <a:solidFill>
-                  <a:srgbClr val="000000"/>
-                </a:solidFill>
+              <a:rPr kumimoji="0" lang="en-US" altLang="en-US" sz="1400" b="0" i="0" u="none" strike="noStrike" cap="none" normalizeH="0" baseline="0" dirty="0">
+                <a:ln>
+                  <a:noFill/>
+                </a:ln>
+                <a:solidFill>
+                  <a:srgbClr val="000000"/>
+                </a:solidFill>
+                <a:effectLst/>
+                <a:latin typeface="Courier New" panose="02070309020205020404" pitchFamily="49" charset="0"/>
+                <a:cs typeface="Courier New" panose="02070309020205020404" pitchFamily="49" charset="0"/>
               </a:rPr>
             </a:br>
             <a:r>
-              <a:rPr b="0" dirty="0">
-                <a:solidFill>
-                  <a:srgbClr val="000000"/>
-                </a:solidFill>
-              </a:rPr>
-              <a:t>    </a:t>
-            </a:r>
-            <a:r>
-              <a:rPr dirty="0"/>
-              <a:t>return </a:t>
-            </a:r>
-            <a:r>
-              <a:rPr b="0" dirty="0" err="1">
-                <a:solidFill>
-                  <a:srgbClr val="000000"/>
-                </a:solidFill>
-              </a:rPr>
-              <a:t>Arrays.</a:t>
-            </a:r>
-            <a:r>
-              <a:rPr b="0" i="1" dirty="0" err="1">
-                <a:solidFill>
-                  <a:srgbClr val="000000"/>
-                </a:solidFill>
-              </a:rPr>
-              <a:t>stream</a:t>
-            </a:r>
-            <a:r>
-              <a:rPr b="0" dirty="0">
-                <a:solidFill>
-                  <a:srgbClr val="000000"/>
-                </a:solidFill>
-              </a:rPr>
-              <a:t>(</a:t>
-            </a:r>
-            <a:r>
-              <a:rPr b="0" dirty="0" err="1">
-                <a:solidFill>
-                  <a:srgbClr val="000000"/>
-                </a:solidFill>
-              </a:rPr>
-              <a:t>resCompGroup.getGroupMember</a:t>
-            </a:r>
-            <a:r>
-              <a:rPr b="0" dirty="0">
-                <a:solidFill>
-                  <a:srgbClr val="000000"/>
-                </a:solidFill>
-              </a:rPr>
-              <a:t>())</a:t>
+              <a:rPr kumimoji="0" lang="en-US" altLang="en-US" sz="1400" b="0" i="0" u="none" strike="noStrike" cap="none" normalizeH="0" baseline="0" dirty="0">
+                <a:ln>
+                  <a:noFill/>
+                </a:ln>
+                <a:solidFill>
+                  <a:srgbClr val="000000"/>
+                </a:solidFill>
+                <a:effectLst/>
+                <a:latin typeface="Courier New" panose="02070309020205020404" pitchFamily="49" charset="0"/>
+                <a:cs typeface="Courier New" panose="02070309020205020404" pitchFamily="49" charset="0"/>
+              </a:rPr>
+              <a:t>        </a:t>
+            </a:r>
+            <a:r>
+              <a:rPr kumimoji="0" lang="en-US" altLang="en-US" sz="1400" b="0" i="0" u="none" strike="noStrike" cap="none" normalizeH="0" baseline="0" dirty="0" err="1">
+                <a:ln>
+                  <a:noFill/>
+                </a:ln>
+                <a:solidFill>
+                  <a:srgbClr val="000000"/>
+                </a:solidFill>
+                <a:effectLst/>
+                <a:latin typeface="Courier New" panose="02070309020205020404" pitchFamily="49" charset="0"/>
+                <a:cs typeface="Courier New" panose="02070309020205020404" pitchFamily="49" charset="0"/>
+              </a:rPr>
+              <a:t>clientId</a:t>
+            </a:r>
+            <a:r>
+              <a:rPr kumimoji="0" lang="en-US" altLang="en-US" sz="1400" b="0" i="0" u="none" strike="noStrike" cap="none" normalizeH="0" baseline="0" dirty="0">
+                <a:ln>
+                  <a:noFill/>
+                </a:ln>
+                <a:solidFill>
+                  <a:srgbClr val="000000"/>
+                </a:solidFill>
+                <a:effectLst/>
+                <a:latin typeface="Courier New" panose="02070309020205020404" pitchFamily="49" charset="0"/>
+                <a:cs typeface="Courier New" panose="02070309020205020404" pitchFamily="49" charset="0"/>
+              </a:rPr>
+              <a:t>,</a:t>
             </a:r>
             <a:br>
-              <a:rPr b="0" dirty="0">
-                <a:solidFill>
-                  <a:srgbClr val="000000"/>
-                </a:solidFill>
+              <a:rPr kumimoji="0" lang="en-US" altLang="en-US" sz="1400" b="0" i="0" u="none" strike="noStrike" cap="none" normalizeH="0" baseline="0" dirty="0">
+                <a:ln>
+                  <a:noFill/>
+                </a:ln>
+                <a:solidFill>
+                  <a:srgbClr val="000000"/>
+                </a:solidFill>
+                <a:effectLst/>
+                <a:latin typeface="Courier New" panose="02070309020205020404" pitchFamily="49" charset="0"/>
+                <a:cs typeface="Courier New" panose="02070309020205020404" pitchFamily="49" charset="0"/>
               </a:rPr>
             </a:br>
             <a:r>
-              <a:rPr b="0" dirty="0">
-                <a:solidFill>
-                  <a:srgbClr val="000000"/>
-                </a:solidFill>
-              </a:rPr>
-              <a:t>            .filter(gm -&gt;  </a:t>
-            </a:r>
-            <a:r>
-              <a:rPr b="0" dirty="0" err="1">
-                <a:solidFill>
-                  <a:srgbClr val="000000"/>
-                </a:solidFill>
-              </a:rPr>
-              <a:t>gm.hasPrimaryComponent</a:t>
-            </a:r>
-            <a:r>
-              <a:rPr b="0" dirty="0">
-                <a:solidFill>
-                  <a:srgbClr val="000000"/>
-                </a:solidFill>
-              </a:rPr>
-              <a:t>() &amp;&amp; </a:t>
-            </a:r>
-            <a:r>
-              <a:rPr b="0" dirty="0" err="1">
-                <a:solidFill>
-                  <a:srgbClr val="000000"/>
-                </a:solidFill>
-              </a:rPr>
-              <a:t>gm.hasResComponentSequence</a:t>
-            </a:r>
-            <a:r>
-              <a:rPr b="0" dirty="0">
-                <a:solidFill>
-                  <a:srgbClr val="000000"/>
-                </a:solidFill>
-              </a:rPr>
-              <a:t>())</a:t>
+              <a:rPr kumimoji="0" lang="en-US" altLang="en-US" sz="1400" b="0" i="0" u="none" strike="noStrike" cap="none" normalizeH="0" baseline="0" dirty="0">
+                <a:ln>
+                  <a:noFill/>
+                </a:ln>
+                <a:solidFill>
+                  <a:srgbClr val="000000"/>
+                </a:solidFill>
+                <a:effectLst/>
+                <a:latin typeface="Courier New" panose="02070309020205020404" pitchFamily="49" charset="0"/>
+                <a:cs typeface="Courier New" panose="02070309020205020404" pitchFamily="49" charset="0"/>
+              </a:rPr>
+              <a:t>        M3_ContextCodes.</a:t>
+            </a:r>
+            <a:r>
+              <a:rPr kumimoji="0" lang="en-US" altLang="en-US" sz="1400" b="1" i="1" u="none" strike="noStrike" cap="none" normalizeH="0" baseline="0" dirty="0">
+                <a:ln>
+                  <a:noFill/>
+                </a:ln>
+                <a:solidFill>
+                  <a:srgbClr val="660E7A"/>
+                </a:solidFill>
+                <a:effectLst/>
+                <a:latin typeface="Courier New" panose="02070309020205020404" pitchFamily="49" charset="0"/>
+                <a:cs typeface="Courier New" panose="02070309020205020404" pitchFamily="49" charset="0"/>
+              </a:rPr>
+              <a:t>ORDER_ASSESS_ACTIONS_CONTEXT_CODE</a:t>
+            </a:r>
+            <a:r>
+              <a:rPr kumimoji="0" lang="en-US" altLang="en-US" sz="1400" b="0" i="0" u="none" strike="noStrike" cap="none" normalizeH="0" baseline="0" dirty="0">
+                <a:ln>
+                  <a:noFill/>
+                </a:ln>
+                <a:solidFill>
+                  <a:srgbClr val="000000"/>
+                </a:solidFill>
+                <a:effectLst/>
+                <a:latin typeface="Courier New" panose="02070309020205020404" pitchFamily="49" charset="0"/>
+                <a:cs typeface="Courier New" panose="02070309020205020404" pitchFamily="49" charset="0"/>
+              </a:rPr>
+              <a:t>,</a:t>
             </a:r>
             <a:br>
-              <a:rPr b="0" dirty="0">
-                <a:solidFill>
-                  <a:srgbClr val="000000"/>
-                </a:solidFill>
+              <a:rPr kumimoji="0" lang="en-US" altLang="en-US" sz="1400" b="0" i="0" u="none" strike="noStrike" cap="none" normalizeH="0" baseline="0" dirty="0">
+                <a:ln>
+                  <a:noFill/>
+                </a:ln>
+                <a:solidFill>
+                  <a:srgbClr val="000000"/>
+                </a:solidFill>
+                <a:effectLst/>
+                <a:latin typeface="Courier New" panose="02070309020205020404" pitchFamily="49" charset="0"/>
+                <a:cs typeface="Courier New" panose="02070309020205020404" pitchFamily="49" charset="0"/>
               </a:rPr>
             </a:br>
             <a:r>
-              <a:rPr b="0" dirty="0">
-                <a:solidFill>
-                  <a:srgbClr val="000000"/>
-                </a:solidFill>
-              </a:rPr>
-              <a:t>            .map(gm -&gt; </a:t>
-            </a:r>
-            <a:r>
-              <a:rPr b="0" dirty="0" err="1">
-                <a:solidFill>
-                  <a:srgbClr val="000000"/>
-                </a:solidFill>
-              </a:rPr>
-              <a:t>ResComponentUtil.</a:t>
-            </a:r>
-            <a:r>
-              <a:rPr b="0" i="1" dirty="0" err="1">
-                <a:solidFill>
-                  <a:srgbClr val="000000"/>
-                </a:solidFill>
-              </a:rPr>
-              <a:t>getResComponent</a:t>
-            </a:r>
-            <a:r>
-              <a:rPr b="0" dirty="0">
-                <a:solidFill>
-                  <a:srgbClr val="000000"/>
-                </a:solidFill>
-              </a:rPr>
-              <a:t>(</a:t>
-            </a:r>
-            <a:r>
-              <a:rPr b="0" dirty="0">
+              <a:rPr kumimoji="0" lang="en-US" altLang="en-US" sz="1400" b="0" i="0" u="none" strike="noStrike" cap="none" normalizeH="0" baseline="0" dirty="0">
+                <a:ln>
+                  <a:noFill/>
+                </a:ln>
+                <a:solidFill>
+                  <a:srgbClr val="000000"/>
+                </a:solidFill>
+                <a:effectLst/>
+                <a:latin typeface="Courier New" panose="02070309020205020404" pitchFamily="49" charset="0"/>
+                <a:cs typeface="Courier New" panose="02070309020205020404" pitchFamily="49" charset="0"/>
+              </a:rPr>
+              <a:t>        M3_MajorCodes.</a:t>
+            </a:r>
+            <a:r>
+              <a:rPr kumimoji="0" lang="en-US" altLang="en-US" sz="1400" b="1" i="1" u="none" strike="noStrike" cap="none" normalizeH="0" baseline="0" dirty="0">
+                <a:ln>
+                  <a:noFill/>
+                </a:ln>
                 <a:solidFill>
                   <a:srgbClr val="660E7A"/>
                 </a:solidFill>
-              </a:rPr>
-              <a:t>res</a:t>
-            </a:r>
-            <a:r>
-              <a:rPr b="0" dirty="0">
-                <a:solidFill>
-                  <a:srgbClr val="000000"/>
-                </a:solidFill>
-              </a:rPr>
-              <a:t>, </a:t>
-            </a:r>
-            <a:r>
-              <a:rPr b="0" dirty="0" err="1">
-                <a:solidFill>
-                  <a:srgbClr val="000000"/>
-                </a:solidFill>
-              </a:rPr>
-              <a:t>gm.getResComponentSequence</a:t>
-            </a:r>
-            <a:r>
-              <a:rPr b="0" dirty="0">
-                <a:solidFill>
-                  <a:srgbClr val="000000"/>
-                </a:solidFill>
-              </a:rPr>
-              <a:t>()))</a:t>
+                <a:effectLst/>
+                <a:latin typeface="Courier New" panose="02070309020205020404" pitchFamily="49" charset="0"/>
+                <a:cs typeface="Courier New" panose="02070309020205020404" pitchFamily="49" charset="0"/>
+              </a:rPr>
+              <a:t>ORDER_ASSESS_ACTIONS_MAJOR_CODE</a:t>
             </a:r>
             <a:br>
-              <a:rPr b="0" dirty="0">
-                <a:solidFill>
-                  <a:srgbClr val="000000"/>
-                </a:solidFill>
+              <a:rPr kumimoji="0" lang="en-US" altLang="en-US" sz="1400" b="1" i="1" u="none" strike="noStrike" cap="none" normalizeH="0" baseline="0" dirty="0">
+                <a:ln>
+                  <a:noFill/>
+                </a:ln>
+                <a:solidFill>
+                  <a:srgbClr val="660E7A"/>
+                </a:solidFill>
+                <a:effectLst/>
+                <a:latin typeface="Courier New" panose="02070309020205020404" pitchFamily="49" charset="0"/>
+                <a:cs typeface="Courier New" panose="02070309020205020404" pitchFamily="49" charset="0"/>
               </a:rPr>
             </a:br>
             <a:r>
-              <a:rPr b="0" dirty="0">
-                <a:solidFill>
-                  <a:srgbClr val="000000"/>
-                </a:solidFill>
-              </a:rPr>
-              <a:t>            .</a:t>
-            </a:r>
-            <a:r>
-              <a:rPr b="0" dirty="0" err="1">
-                <a:solidFill>
-                  <a:srgbClr val="000000"/>
-                </a:solidFill>
-              </a:rPr>
-              <a:t>findFirst</a:t>
-            </a:r>
-            <a:r>
-              <a:rPr b="0" dirty="0">
-                <a:solidFill>
-                  <a:srgbClr val="000000"/>
-                </a:solidFill>
-              </a:rPr>
-              <a:t>()</a:t>
+              <a:rPr kumimoji="0" lang="en-US" altLang="en-US" sz="1400" b="0" i="0" u="none" strike="noStrike" cap="none" normalizeH="0" baseline="0" dirty="0">
+                <a:ln>
+                  <a:noFill/>
+                </a:ln>
+                <a:solidFill>
+                  <a:srgbClr val="000000"/>
+                </a:solidFill>
+                <a:effectLst/>
+                <a:latin typeface="Courier New" panose="02070309020205020404" pitchFamily="49" charset="0"/>
+                <a:cs typeface="Courier New" panose="02070309020205020404" pitchFamily="49" charset="0"/>
+              </a:rPr>
+              <a:t>);</a:t>
             </a:r>
             <a:br>
-              <a:rPr b="0" dirty="0">
-                <a:solidFill>
-                  <a:srgbClr val="000000"/>
-                </a:solidFill>
+              <a:rPr kumimoji="0" lang="en-US" altLang="en-US" sz="1400" b="0" i="0" u="none" strike="noStrike" cap="none" normalizeH="0" baseline="0" dirty="0">
+                <a:ln>
+                  <a:noFill/>
+                </a:ln>
+                <a:solidFill>
+                  <a:srgbClr val="000000"/>
+                </a:solidFill>
+                <a:effectLst/>
+                <a:latin typeface="Courier New" panose="02070309020205020404" pitchFamily="49" charset="0"/>
+                <a:cs typeface="Courier New" panose="02070309020205020404" pitchFamily="49" charset="0"/>
               </a:rPr>
             </a:br>
-            <a:r>
-              <a:rPr b="0" dirty="0">
-                <a:solidFill>
-                  <a:srgbClr val="000000"/>
-                </a:solidFill>
-              </a:rPr>
-              <a:t>            .</a:t>
-            </a:r>
-            <a:r>
-              <a:rPr b="0" dirty="0" err="1">
-                <a:solidFill>
-                  <a:srgbClr val="000000"/>
-                </a:solidFill>
-              </a:rPr>
-              <a:t>orElse</a:t>
-            </a:r>
-            <a:r>
-              <a:rPr b="0" dirty="0">
-                <a:solidFill>
-                  <a:srgbClr val="000000"/>
-                </a:solidFill>
-              </a:rPr>
-              <a:t>(</a:t>
-            </a:r>
-            <a:r>
-              <a:rPr dirty="0"/>
-              <a:t>null</a:t>
-            </a:r>
-            <a:r>
-              <a:rPr b="0" dirty="0">
-                <a:solidFill>
-                  <a:srgbClr val="000000"/>
-                </a:solidFill>
-              </a:rPr>
-              <a:t>);</a:t>
-            </a:r>
-            <a:br>
-              <a:rPr b="0" dirty="0">
-                <a:solidFill>
-                  <a:srgbClr val="000000"/>
-                </a:solidFill>
-              </a:rPr>
-            </a:br>
-            <a:br>
-              <a:rPr b="0" dirty="0">
-                <a:solidFill>
-                  <a:srgbClr val="000000"/>
-                </a:solidFill>
-              </a:rPr>
-            </a:br>
-            <a:r>
-              <a:rPr b="0" dirty="0">
-                <a:solidFill>
-                  <a:srgbClr val="000000"/>
-                </a:solidFill>
-              </a:rPr>
-              <a:t>}</a:t>
-            </a:r>
+            <a:endParaRPr kumimoji="0" lang="en-US" altLang="en-US" sz="1400" b="0" i="0" u="none" strike="noStrike" cap="none" normalizeH="0" baseline="0" dirty="0">
+              <a:ln>
+                <a:noFill/>
+              </a:ln>
+              <a:solidFill>
+                <a:schemeClr val="tx1"/>
+              </a:solidFill>
+              <a:effectLst/>
+              <a:latin typeface="Arial" panose="020B0604020202020204" pitchFamily="34" charset="0"/>
+            </a:endParaRPr>
           </a:p>
         </p:txBody>
       </p:sp>
       <p:sp>
         <p:nvSpPr>
-          <p:cNvPr id="333" name="Shape 333"/>
+          <p:cNvPr id="5" name="Shape 333"/>
           <p:cNvSpPr/>
           <p:nvPr/>
         </p:nvSpPr>
         <p:spPr>
           <a:xfrm>
-            <a:off x="724940" y="1044571"/>
+            <a:off x="882595" y="928957"/>
             <a:ext cx="7998646" cy="688341"/>
           </a:xfrm>
           <a:prstGeom prst="rect">
@@ -17083,7 +17667,7 @@
           </a:ln>
           <a:extLst>
             <a:ext uri="{C572A759-6A51-4108-AA02-DFA0A04FC94B}">
-              <ma14:wrappingTextBoxFlag xmlns="" xmlns:ma14="http://schemas.microsoft.com/office/mac/drawingml/2011/main" val="1"/>
+              <ma14:wrappingTextBoxFlag xmlns:ma14="http://schemas.microsoft.com/office/mac/drawingml/2011/main" xmlns="" val="1"/>
             </a:ext>
           </a:extLst>
         </p:spPr>
@@ -17114,12 +17698,58 @@
           </a:p>
         </p:txBody>
       </p:sp>
+      <p:sp>
+        <p:nvSpPr>
+          <p:cNvPr id="6" name="Shape 331"/>
+          <p:cNvSpPr>
+            <a:spLocks noGrp="1"/>
+          </p:cNvSpPr>
+          <p:nvPr>
+            <p:ph type="body" sz="quarter" idx="1"/>
+          </p:nvPr>
+        </p:nvSpPr>
+        <p:spPr>
+          <a:xfrm>
+            <a:off x="987972" y="2109828"/>
+            <a:ext cx="7998646" cy="472528"/>
+          </a:xfrm>
+          <a:prstGeom prst="rect">
+            <a:avLst/>
+          </a:prstGeom>
+        </p:spPr>
+        <p:txBody>
+          <a:bodyPr/>
+          <a:lstStyle/>
+          <a:p>
+            <a:pPr defTabSz="850391">
+              <a:spcBef>
+                <a:spcPts val="900"/>
+              </a:spcBef>
+              <a:defRPr sz="2604"/>
+            </a:pPr>
+            <a:r>
+              <a:rPr dirty="0"/>
+              <a:t>Improved by using </a:t>
+            </a:r>
+            <a:r>
+              <a:rPr b="1" dirty="0"/>
+              <a:t>λ</a:t>
+            </a:r>
+            <a:endParaRPr dirty="0"/>
+          </a:p>
+        </p:txBody>
+      </p:sp>
     </p:spTree>
+    <p:extLst>
+      <p:ext uri="{BB962C8B-B14F-4D97-AF65-F5344CB8AC3E}">
+        <p14:creationId xmlns:p14="http://schemas.microsoft.com/office/powerpoint/2010/main" val="1685288289"/>
+      </p:ext>
+    </p:extLst>
   </p:cSld>
   <p:clrMapOvr>
     <a:masterClrMapping/>
   </p:clrMapOvr>
-  <p:transition spd="slow"/>
+  <p:transition spd="med"/>
 </p:sld>
 </file>
 
@@ -17204,7 +17834,7 @@
           </a:ln>
           <a:extLst>
             <a:ext uri="{C572A759-6A51-4108-AA02-DFA0A04FC94B}">
-              <ma14:wrappingTextBoxFlag xmlns="" xmlns:ma14="http://schemas.microsoft.com/office/mac/drawingml/2011/main" val="1"/>
+              <ma14:wrappingTextBoxFlag xmlns:ma14="http://schemas.microsoft.com/office/mac/drawingml/2011/main" xmlns="" val="1"/>
             </a:ext>
           </a:extLst>
         </p:spPr>
@@ -17311,7 +17941,7 @@
           </a:ln>
           <a:extLst>
             <a:ext uri="{C572A759-6A51-4108-AA02-DFA0A04FC94B}">
-              <ma14:wrappingTextBoxFlag xmlns="" xmlns:ma14="http://schemas.microsoft.com/office/mac/drawingml/2011/main" val="1"/>
+              <ma14:wrappingTextBoxFlag xmlns:ma14="http://schemas.microsoft.com/office/mac/drawingml/2011/main" xmlns="" val="1"/>
             </a:ext>
           </a:extLst>
         </p:spPr>
@@ -17439,7 +18069,7 @@
           </a:ln>
           <a:extLst>
             <a:ext uri="{C572A759-6A51-4108-AA02-DFA0A04FC94B}">
-              <ma14:wrappingTextBoxFlag xmlns="" xmlns:ma14="http://schemas.microsoft.com/office/mac/drawingml/2011/main" val="1"/>
+              <ma14:wrappingTextBoxFlag xmlns:ma14="http://schemas.microsoft.com/office/mac/drawingml/2011/main" xmlns="" val="1"/>
             </a:ext>
           </a:extLst>
         </p:spPr>
@@ -17697,6 +18327,960 @@
       </p:grpSpPr>
       <p:sp>
         <p:nvSpPr>
+          <p:cNvPr id="328" name="Shape 328"/>
+          <p:cNvSpPr>
+            <a:spLocks noGrp="1"/>
+          </p:cNvSpPr>
+          <p:nvPr>
+            <p:ph type="body" sz="quarter" idx="1"/>
+          </p:nvPr>
+        </p:nvSpPr>
+        <p:spPr>
+          <a:xfrm>
+            <a:off x="724939" y="925348"/>
+            <a:ext cx="7998646" cy="472529"/>
+          </a:xfrm>
+          <a:prstGeom prst="rect">
+            <a:avLst/>
+          </a:prstGeom>
+        </p:spPr>
+        <p:txBody>
+          <a:bodyPr>
+            <a:noAutofit/>
+          </a:bodyPr>
+          <a:lstStyle>
+            <a:lvl1pPr defTabSz="594359">
+              <a:spcBef>
+                <a:spcPts val="600"/>
+              </a:spcBef>
+              <a:defRPr sz="2600"/>
+            </a:lvl1pPr>
+          </a:lstStyle>
+          <a:p>
+            <a:r>
+              <a:rPr lang="en-IE" sz="4000" dirty="0"/>
+              <a:t>Scenario</a:t>
+            </a:r>
+            <a:r>
+              <a:rPr sz="4000" dirty="0"/>
+              <a:t> </a:t>
+            </a:r>
+            <a:r>
+              <a:rPr lang="en-IE" sz="4000" dirty="0"/>
+              <a:t>2</a:t>
+            </a:r>
+            <a:endParaRPr sz="4000" dirty="0"/>
+          </a:p>
+        </p:txBody>
+      </p:sp>
+      <p:sp>
+        <p:nvSpPr>
+          <p:cNvPr id="329" name="Shape 329"/>
+          <p:cNvSpPr/>
+          <p:nvPr/>
+        </p:nvSpPr>
+        <p:spPr>
+          <a:xfrm>
+            <a:off x="724939" y="1994342"/>
+            <a:ext cx="10479642" cy="4091941"/>
+          </a:xfrm>
+          <a:prstGeom prst="rect">
+            <a:avLst/>
+          </a:prstGeom>
+          <a:solidFill>
+            <a:srgbClr val="FFFFFF"/>
+          </a:solidFill>
+          <a:ln w="12700">
+            <a:miter lim="400000"/>
+          </a:ln>
+          <a:extLst>
+            <a:ext uri="{C572A759-6A51-4108-AA02-DFA0A04FC94B}">
+              <ma14:wrappingTextBoxFlag xmlns:ma14="http://schemas.microsoft.com/office/mac/drawingml/2011/main" xmlns="" val="1"/>
+            </a:ext>
+          </a:extLst>
+        </p:spPr>
+        <p:txBody>
+          <a:bodyPr lIns="45719" rIns="45719" anchor="ctr">
+            <a:spAutoFit/>
+          </a:bodyPr>
+          <a:lstStyle/>
+          <a:p>
+            <a:pPr>
+              <a:defRPr sz="1300" i="1">
+                <a:solidFill>
+                  <a:srgbClr val="808080"/>
+                </a:solidFill>
+                <a:latin typeface="Courier New"/>
+                <a:ea typeface="Courier New"/>
+                <a:cs typeface="Courier New"/>
+                <a:sym typeface="Courier New"/>
+              </a:defRPr>
+            </a:pPr>
+            <a:br/>
+            <a:r>
+              <a:rPr b="1" i="0">
+                <a:solidFill>
+                  <a:srgbClr val="000080"/>
+                </a:solidFill>
+              </a:rPr>
+              <a:t>public static </a:t>
+            </a:r>
+            <a:r>
+              <a:rPr i="0">
+                <a:solidFill>
+                  <a:srgbClr val="000000"/>
+                </a:solidFill>
+              </a:rPr>
+              <a:t>ResComponent getPrimaryResComponent(ResComponentGroup resCompGroup, Reservation res)</a:t>
+            </a:r>
+            <a:br>
+              <a:rPr i="0">
+                <a:solidFill>
+                  <a:srgbClr val="000000"/>
+                </a:solidFill>
+              </a:rPr>
+            </a:br>
+            <a:r>
+              <a:rPr i="0">
+                <a:solidFill>
+                  <a:srgbClr val="000000"/>
+                </a:solidFill>
+              </a:rPr>
+              <a:t>{</a:t>
+            </a:r>
+            <a:br>
+              <a:rPr i="0">
+                <a:solidFill>
+                  <a:srgbClr val="000000"/>
+                </a:solidFill>
+              </a:rPr>
+            </a:br>
+            <a:r>
+              <a:rPr i="0">
+                <a:solidFill>
+                  <a:srgbClr val="000000"/>
+                </a:solidFill>
+              </a:rPr>
+              <a:t>   </a:t>
+            </a:r>
+            <a:r>
+              <a:rPr b="1" i="0">
+                <a:solidFill>
+                  <a:srgbClr val="000080"/>
+                </a:solidFill>
+              </a:rPr>
+              <a:t>if </a:t>
+            </a:r>
+            <a:r>
+              <a:rPr i="0">
+                <a:solidFill>
+                  <a:srgbClr val="000000"/>
+                </a:solidFill>
+              </a:rPr>
+              <a:t>(resCompGroup.getGroupMemberCount() &gt; </a:t>
+            </a:r>
+            <a:r>
+              <a:rPr i="0">
+                <a:solidFill>
+                  <a:srgbClr val="0000FF"/>
+                </a:solidFill>
+              </a:rPr>
+              <a:t>0</a:t>
+            </a:r>
+            <a:r>
+              <a:rPr i="0">
+                <a:solidFill>
+                  <a:srgbClr val="000000"/>
+                </a:solidFill>
+              </a:rPr>
+              <a:t>)</a:t>
+            </a:r>
+            <a:br>
+              <a:rPr i="0">
+                <a:solidFill>
+                  <a:srgbClr val="000000"/>
+                </a:solidFill>
+              </a:rPr>
+            </a:br>
+            <a:r>
+              <a:rPr i="0">
+                <a:solidFill>
+                  <a:srgbClr val="000000"/>
+                </a:solidFill>
+              </a:rPr>
+              <a:t>   {</a:t>
+            </a:r>
+            <a:br>
+              <a:rPr i="0">
+                <a:solidFill>
+                  <a:srgbClr val="000000"/>
+                </a:solidFill>
+              </a:rPr>
+            </a:br>
+            <a:r>
+              <a:rPr i="0">
+                <a:solidFill>
+                  <a:srgbClr val="000000"/>
+                </a:solidFill>
+              </a:rPr>
+              <a:t>      </a:t>
+            </a:r>
+            <a:r>
+              <a:rPr b="1" i="0">
+                <a:solidFill>
+                  <a:srgbClr val="000080"/>
+                </a:solidFill>
+              </a:rPr>
+              <a:t>for </a:t>
+            </a:r>
+            <a:r>
+              <a:rPr i="0">
+                <a:solidFill>
+                  <a:srgbClr val="000000"/>
+                </a:solidFill>
+              </a:rPr>
+              <a:t>(GroupMember groupMember : resCompGroup.getGroupMember())</a:t>
+            </a:r>
+            <a:br>
+              <a:rPr i="0">
+                <a:solidFill>
+                  <a:srgbClr val="000000"/>
+                </a:solidFill>
+              </a:rPr>
+            </a:br>
+            <a:r>
+              <a:rPr i="0">
+                <a:solidFill>
+                  <a:srgbClr val="000000"/>
+                </a:solidFill>
+              </a:rPr>
+              <a:t>      {</a:t>
+            </a:r>
+            <a:br>
+              <a:rPr i="0">
+                <a:solidFill>
+                  <a:srgbClr val="000000"/>
+                </a:solidFill>
+              </a:rPr>
+            </a:br>
+            <a:r>
+              <a:rPr i="0">
+                <a:solidFill>
+                  <a:srgbClr val="000000"/>
+                </a:solidFill>
+              </a:rPr>
+              <a:t>         </a:t>
+            </a:r>
+            <a:r>
+              <a:rPr b="1" i="0">
+                <a:solidFill>
+                  <a:srgbClr val="000080"/>
+                </a:solidFill>
+              </a:rPr>
+              <a:t>if </a:t>
+            </a:r>
+            <a:r>
+              <a:rPr i="0">
+                <a:solidFill>
+                  <a:srgbClr val="000000"/>
+                </a:solidFill>
+              </a:rPr>
+              <a:t>(groupMember.hasPrimaryComponent() &amp;&amp; groupMember.hasResComponentSequence())</a:t>
+            </a:r>
+            <a:br>
+              <a:rPr i="0">
+                <a:solidFill>
+                  <a:srgbClr val="000000"/>
+                </a:solidFill>
+              </a:rPr>
+            </a:br>
+            <a:r>
+              <a:rPr i="0">
+                <a:solidFill>
+                  <a:srgbClr val="000000"/>
+                </a:solidFill>
+              </a:rPr>
+              <a:t>         {</a:t>
+            </a:r>
+            <a:br>
+              <a:rPr i="0">
+                <a:solidFill>
+                  <a:srgbClr val="000000"/>
+                </a:solidFill>
+              </a:rPr>
+            </a:br>
+            <a:r>
+              <a:rPr i="0">
+                <a:solidFill>
+                  <a:srgbClr val="000000"/>
+                </a:solidFill>
+              </a:rPr>
+              <a:t>            ResComponent resComp = ResComponentUtil.</a:t>
+            </a:r>
+            <a:r>
+              <a:rPr>
+                <a:solidFill>
+                  <a:srgbClr val="000000"/>
+                </a:solidFill>
+              </a:rPr>
+              <a:t>getResComponent</a:t>
+            </a:r>
+            <a:r>
+              <a:rPr i="0">
+                <a:solidFill>
+                  <a:srgbClr val="000000"/>
+                </a:solidFill>
+              </a:rPr>
+              <a:t>(res, 	   </a:t>
+            </a:r>
+          </a:p>
+          <a:p>
+            <a:pPr>
+              <a:defRPr sz="1300">
+                <a:latin typeface="Courier New"/>
+                <a:ea typeface="Courier New"/>
+                <a:cs typeface="Courier New"/>
+                <a:sym typeface="Courier New"/>
+              </a:defRPr>
+            </a:pPr>
+            <a:r>
+              <a:t>                                                            groupMember.getResComponentSequence());</a:t>
+            </a:r>
+            <a:br/>
+            <a:r>
+              <a:t>            </a:t>
+            </a:r>
+            <a:r>
+              <a:rPr b="1">
+                <a:solidFill>
+                  <a:srgbClr val="000080"/>
+                </a:solidFill>
+              </a:rPr>
+              <a:t>if </a:t>
+            </a:r>
+            <a:r>
+              <a:t>(resComp != </a:t>
+            </a:r>
+            <a:r>
+              <a:rPr b="1">
+                <a:solidFill>
+                  <a:srgbClr val="000080"/>
+                </a:solidFill>
+              </a:rPr>
+              <a:t>null</a:t>
+            </a:r>
+            <a:r>
+              <a:t>)</a:t>
+            </a:r>
+            <a:br/>
+            <a:r>
+              <a:t>            {</a:t>
+            </a:r>
+            <a:br/>
+            <a:r>
+              <a:t>               </a:t>
+            </a:r>
+            <a:r>
+              <a:rPr b="1">
+                <a:solidFill>
+                  <a:srgbClr val="000080"/>
+                </a:solidFill>
+              </a:rPr>
+              <a:t>return </a:t>
+            </a:r>
+            <a:r>
+              <a:t>resComp;</a:t>
+            </a:r>
+            <a:br/>
+            <a:r>
+              <a:t>            }</a:t>
+            </a:r>
+            <a:br/>
+            <a:r>
+              <a:t>         }</a:t>
+            </a:r>
+            <a:br/>
+            <a:r>
+              <a:t>      }</a:t>
+            </a:r>
+            <a:br/>
+            <a:r>
+              <a:t>   }</a:t>
+            </a:r>
+            <a:br/>
+            <a:r>
+              <a:t>    </a:t>
+            </a:r>
+            <a:r>
+              <a:rPr b="1">
+                <a:solidFill>
+                  <a:srgbClr val="000080"/>
+                </a:solidFill>
+              </a:rPr>
+              <a:t>return null</a:t>
+            </a:r>
+            <a:r>
+              <a:t>;</a:t>
+            </a:r>
+            <a:br/>
+            <a:r>
+              <a:t>}</a:t>
+            </a:r>
+            <a:br/>
+            <a:endParaRPr/>
+          </a:p>
+        </p:txBody>
+      </p:sp>
+    </p:spTree>
+  </p:cSld>
+  <p:clrMapOvr>
+    <a:masterClrMapping/>
+  </p:clrMapOvr>
+  <p:transition spd="slow"/>
+</p:sld>
+</file>
+
+<file path=ppt/slides/slide41.xml><?xml version="1.0" encoding="utf-8"?>
+<p:sld xmlns:a="http://schemas.openxmlformats.org/drawingml/2006/main" xmlns:r="http://schemas.openxmlformats.org/officeDocument/2006/relationships" xmlns:p="http://schemas.openxmlformats.org/presentationml/2006/main">
+  <p:cSld>
+    <p:spTree>
+      <p:nvGrpSpPr>
+        <p:cNvPr id="1" name=""/>
+        <p:cNvGrpSpPr/>
+        <p:nvPr/>
+      </p:nvGrpSpPr>
+      <p:grpSpPr>
+        <a:xfrm>
+          <a:off x="0" y="0"/>
+          <a:ext cx="0" cy="0"/>
+          <a:chOff x="0" y="0"/>
+          <a:chExt cx="0" cy="0"/>
+        </a:xfrm>
+      </p:grpSpPr>
+      <p:sp>
+        <p:nvSpPr>
+          <p:cNvPr id="331" name="Shape 331"/>
+          <p:cNvSpPr>
+            <a:spLocks noGrp="1"/>
+          </p:cNvSpPr>
+          <p:nvPr>
+            <p:ph type="body" sz="quarter" idx="1"/>
+          </p:nvPr>
+        </p:nvSpPr>
+        <p:spPr>
+          <a:xfrm>
+            <a:off x="724940" y="2130849"/>
+            <a:ext cx="7998646" cy="472528"/>
+          </a:xfrm>
+          <a:prstGeom prst="rect">
+            <a:avLst/>
+          </a:prstGeom>
+        </p:spPr>
+        <p:txBody>
+          <a:bodyPr/>
+          <a:lstStyle/>
+          <a:p>
+            <a:pPr defTabSz="850391">
+              <a:spcBef>
+                <a:spcPts val="900"/>
+              </a:spcBef>
+              <a:defRPr sz="2604"/>
+            </a:pPr>
+            <a:r>
+              <a:rPr dirty="0"/>
+              <a:t>Improved by using </a:t>
+            </a:r>
+            <a:r>
+              <a:rPr b="1" dirty="0"/>
+              <a:t>λ</a:t>
+            </a:r>
+            <a:r>
+              <a:rPr dirty="0"/>
+              <a:t>, Stream and Optional</a:t>
+            </a:r>
+          </a:p>
+        </p:txBody>
+      </p:sp>
+      <p:sp>
+        <p:nvSpPr>
+          <p:cNvPr id="332" name="Shape 332"/>
+          <p:cNvSpPr/>
+          <p:nvPr/>
+        </p:nvSpPr>
+        <p:spPr>
+          <a:xfrm>
+            <a:off x="724939" y="3018548"/>
+            <a:ext cx="10798141" cy="1920241"/>
+          </a:xfrm>
+          <a:prstGeom prst="rect">
+            <a:avLst/>
+          </a:prstGeom>
+          <a:solidFill>
+            <a:srgbClr val="FFFFFF"/>
+          </a:solidFill>
+          <a:ln w="12700">
+            <a:miter lim="400000"/>
+          </a:ln>
+          <a:extLst>
+            <a:ext uri="{C572A759-6A51-4108-AA02-DFA0A04FC94B}">
+              <ma14:wrappingTextBoxFlag xmlns:ma14="http://schemas.microsoft.com/office/mac/drawingml/2011/main" xmlns="" val="1"/>
+            </a:ext>
+          </a:extLst>
+        </p:spPr>
+        <p:txBody>
+          <a:bodyPr lIns="45719" rIns="45719" anchor="ctr">
+            <a:spAutoFit/>
+          </a:bodyPr>
+          <a:lstStyle/>
+          <a:p>
+            <a:pPr>
+              <a:defRPr sz="1400" b="1">
+                <a:solidFill>
+                  <a:srgbClr val="000080"/>
+                </a:solidFill>
+                <a:latin typeface="Courier New"/>
+                <a:ea typeface="Courier New"/>
+                <a:cs typeface="Courier New"/>
+                <a:sym typeface="Courier New"/>
+              </a:defRPr>
+            </a:pPr>
+            <a:r>
+              <a:rPr dirty="0"/>
+              <a:t>public static </a:t>
+            </a:r>
+            <a:r>
+              <a:rPr b="0" dirty="0" err="1">
+                <a:solidFill>
+                  <a:srgbClr val="000000"/>
+                </a:solidFill>
+              </a:rPr>
+              <a:t>ResComponent</a:t>
+            </a:r>
+            <a:r>
+              <a:rPr b="0" dirty="0">
+                <a:solidFill>
+                  <a:srgbClr val="000000"/>
+                </a:solidFill>
+              </a:rPr>
+              <a:t> </a:t>
+            </a:r>
+            <a:r>
+              <a:rPr b="0" dirty="0" err="1">
+                <a:solidFill>
+                  <a:srgbClr val="000000"/>
+                </a:solidFill>
+              </a:rPr>
+              <a:t>getPrimaryResComponent</a:t>
+            </a:r>
+            <a:r>
+              <a:rPr b="0" dirty="0">
+                <a:solidFill>
+                  <a:srgbClr val="000000"/>
+                </a:solidFill>
+              </a:rPr>
+              <a:t>(</a:t>
+            </a:r>
+            <a:r>
+              <a:rPr b="0" dirty="0" err="1">
+                <a:solidFill>
+                  <a:srgbClr val="000000"/>
+                </a:solidFill>
+              </a:rPr>
+              <a:t>ResComponentGroup</a:t>
+            </a:r>
+            <a:r>
+              <a:rPr b="0" dirty="0">
+                <a:solidFill>
+                  <a:srgbClr val="000000"/>
+                </a:solidFill>
+              </a:rPr>
+              <a:t> </a:t>
+            </a:r>
+            <a:r>
+              <a:rPr b="0" dirty="0" err="1">
+                <a:solidFill>
+                  <a:srgbClr val="000000"/>
+                </a:solidFill>
+              </a:rPr>
+              <a:t>resCompGroup</a:t>
+            </a:r>
+            <a:r>
+              <a:rPr b="0" dirty="0">
+                <a:solidFill>
+                  <a:srgbClr val="000000"/>
+                </a:solidFill>
+              </a:rPr>
+              <a:t>, Reservation res)</a:t>
+            </a:r>
+            <a:br>
+              <a:rPr b="0" dirty="0">
+                <a:solidFill>
+                  <a:srgbClr val="000000"/>
+                </a:solidFill>
+              </a:rPr>
+            </a:br>
+            <a:r>
+              <a:rPr b="0" dirty="0">
+                <a:solidFill>
+                  <a:srgbClr val="000000"/>
+                </a:solidFill>
+              </a:rPr>
+              <a:t>{</a:t>
+            </a:r>
+            <a:br>
+              <a:rPr b="0" dirty="0">
+                <a:solidFill>
+                  <a:srgbClr val="000000"/>
+                </a:solidFill>
+              </a:rPr>
+            </a:br>
+            <a:r>
+              <a:rPr b="0" dirty="0">
+                <a:solidFill>
+                  <a:srgbClr val="000000"/>
+                </a:solidFill>
+              </a:rPr>
+              <a:t>    </a:t>
+            </a:r>
+            <a:r>
+              <a:rPr dirty="0"/>
+              <a:t>return </a:t>
+            </a:r>
+            <a:r>
+              <a:rPr b="0" dirty="0" err="1">
+                <a:solidFill>
+                  <a:srgbClr val="000000"/>
+                </a:solidFill>
+              </a:rPr>
+              <a:t>Arrays.</a:t>
+            </a:r>
+            <a:r>
+              <a:rPr b="0" i="1" dirty="0" err="1">
+                <a:solidFill>
+                  <a:srgbClr val="000000"/>
+                </a:solidFill>
+              </a:rPr>
+              <a:t>stream</a:t>
+            </a:r>
+            <a:r>
+              <a:rPr b="0" dirty="0">
+                <a:solidFill>
+                  <a:srgbClr val="000000"/>
+                </a:solidFill>
+              </a:rPr>
+              <a:t>(</a:t>
+            </a:r>
+            <a:r>
+              <a:rPr b="0" dirty="0" err="1">
+                <a:solidFill>
+                  <a:srgbClr val="000000"/>
+                </a:solidFill>
+              </a:rPr>
+              <a:t>resCompGroup.getGroupMember</a:t>
+            </a:r>
+            <a:r>
+              <a:rPr b="0" dirty="0">
+                <a:solidFill>
+                  <a:srgbClr val="000000"/>
+                </a:solidFill>
+              </a:rPr>
+              <a:t>())</a:t>
+            </a:r>
+            <a:br>
+              <a:rPr b="0" dirty="0">
+                <a:solidFill>
+                  <a:srgbClr val="000000"/>
+                </a:solidFill>
+              </a:rPr>
+            </a:br>
+            <a:r>
+              <a:rPr b="0" dirty="0">
+                <a:solidFill>
+                  <a:srgbClr val="000000"/>
+                </a:solidFill>
+              </a:rPr>
+              <a:t>            .filter(gm -&gt;  </a:t>
+            </a:r>
+            <a:r>
+              <a:rPr b="0" dirty="0" err="1">
+                <a:solidFill>
+                  <a:srgbClr val="000000"/>
+                </a:solidFill>
+              </a:rPr>
+              <a:t>gm.hasPrimaryComponent</a:t>
+            </a:r>
+            <a:r>
+              <a:rPr b="0" dirty="0">
+                <a:solidFill>
+                  <a:srgbClr val="000000"/>
+                </a:solidFill>
+              </a:rPr>
+              <a:t>() &amp;&amp; </a:t>
+            </a:r>
+            <a:r>
+              <a:rPr b="0" dirty="0" err="1">
+                <a:solidFill>
+                  <a:srgbClr val="000000"/>
+                </a:solidFill>
+              </a:rPr>
+              <a:t>gm.hasResComponentSequence</a:t>
+            </a:r>
+            <a:r>
+              <a:rPr b="0" dirty="0">
+                <a:solidFill>
+                  <a:srgbClr val="000000"/>
+                </a:solidFill>
+              </a:rPr>
+              <a:t>())</a:t>
+            </a:r>
+            <a:br>
+              <a:rPr b="0" dirty="0">
+                <a:solidFill>
+                  <a:srgbClr val="000000"/>
+                </a:solidFill>
+              </a:rPr>
+            </a:br>
+            <a:r>
+              <a:rPr b="0" dirty="0">
+                <a:solidFill>
+                  <a:srgbClr val="000000"/>
+                </a:solidFill>
+              </a:rPr>
+              <a:t>            .map(gm -&gt; </a:t>
+            </a:r>
+            <a:r>
+              <a:rPr b="0" dirty="0" err="1">
+                <a:solidFill>
+                  <a:srgbClr val="000000"/>
+                </a:solidFill>
+              </a:rPr>
+              <a:t>ResComponentUtil.</a:t>
+            </a:r>
+            <a:r>
+              <a:rPr b="0" i="1" dirty="0" err="1">
+                <a:solidFill>
+                  <a:srgbClr val="000000"/>
+                </a:solidFill>
+              </a:rPr>
+              <a:t>getResComponent</a:t>
+            </a:r>
+            <a:r>
+              <a:rPr b="0" dirty="0">
+                <a:solidFill>
+                  <a:srgbClr val="000000"/>
+                </a:solidFill>
+              </a:rPr>
+              <a:t>(</a:t>
+            </a:r>
+            <a:r>
+              <a:rPr b="0" dirty="0">
+                <a:solidFill>
+                  <a:srgbClr val="660E7A"/>
+                </a:solidFill>
+              </a:rPr>
+              <a:t>res</a:t>
+            </a:r>
+            <a:r>
+              <a:rPr b="0" dirty="0">
+                <a:solidFill>
+                  <a:srgbClr val="000000"/>
+                </a:solidFill>
+              </a:rPr>
+              <a:t>, </a:t>
+            </a:r>
+            <a:r>
+              <a:rPr b="0" dirty="0" err="1">
+                <a:solidFill>
+                  <a:srgbClr val="000000"/>
+                </a:solidFill>
+              </a:rPr>
+              <a:t>gm.getResComponentSequence</a:t>
+            </a:r>
+            <a:r>
+              <a:rPr b="0" dirty="0">
+                <a:solidFill>
+                  <a:srgbClr val="000000"/>
+                </a:solidFill>
+              </a:rPr>
+              <a:t>()))</a:t>
+            </a:r>
+            <a:br>
+              <a:rPr b="0" dirty="0">
+                <a:solidFill>
+                  <a:srgbClr val="000000"/>
+                </a:solidFill>
+              </a:rPr>
+            </a:br>
+            <a:r>
+              <a:rPr b="0" dirty="0">
+                <a:solidFill>
+                  <a:srgbClr val="000000"/>
+                </a:solidFill>
+              </a:rPr>
+              <a:t>            .</a:t>
+            </a:r>
+            <a:r>
+              <a:rPr b="0" dirty="0" err="1">
+                <a:solidFill>
+                  <a:srgbClr val="000000"/>
+                </a:solidFill>
+              </a:rPr>
+              <a:t>findFirst</a:t>
+            </a:r>
+            <a:r>
+              <a:rPr b="0" dirty="0">
+                <a:solidFill>
+                  <a:srgbClr val="000000"/>
+                </a:solidFill>
+              </a:rPr>
+              <a:t>()</a:t>
+            </a:r>
+            <a:br>
+              <a:rPr b="0" dirty="0">
+                <a:solidFill>
+                  <a:srgbClr val="000000"/>
+                </a:solidFill>
+              </a:rPr>
+            </a:br>
+            <a:r>
+              <a:rPr b="0" dirty="0">
+                <a:solidFill>
+                  <a:srgbClr val="000000"/>
+                </a:solidFill>
+              </a:rPr>
+              <a:t>            .</a:t>
+            </a:r>
+            <a:r>
+              <a:rPr b="0" dirty="0" err="1">
+                <a:solidFill>
+                  <a:srgbClr val="000000"/>
+                </a:solidFill>
+              </a:rPr>
+              <a:t>orElse</a:t>
+            </a:r>
+            <a:r>
+              <a:rPr b="0" dirty="0">
+                <a:solidFill>
+                  <a:srgbClr val="000000"/>
+                </a:solidFill>
+              </a:rPr>
+              <a:t>(</a:t>
+            </a:r>
+            <a:r>
+              <a:rPr dirty="0"/>
+              <a:t>null</a:t>
+            </a:r>
+            <a:r>
+              <a:rPr b="0" dirty="0">
+                <a:solidFill>
+                  <a:srgbClr val="000000"/>
+                </a:solidFill>
+              </a:rPr>
+              <a:t>);</a:t>
+            </a:r>
+            <a:br>
+              <a:rPr b="0" dirty="0">
+                <a:solidFill>
+                  <a:srgbClr val="000000"/>
+                </a:solidFill>
+              </a:rPr>
+            </a:br>
+            <a:br>
+              <a:rPr b="0" dirty="0">
+                <a:solidFill>
+                  <a:srgbClr val="000000"/>
+                </a:solidFill>
+              </a:rPr>
+            </a:br>
+            <a:r>
+              <a:rPr b="0" dirty="0">
+                <a:solidFill>
+                  <a:srgbClr val="000000"/>
+                </a:solidFill>
+              </a:rPr>
+              <a:t>}</a:t>
+            </a:r>
+          </a:p>
+        </p:txBody>
+      </p:sp>
+      <p:sp>
+        <p:nvSpPr>
+          <p:cNvPr id="333" name="Shape 333"/>
+          <p:cNvSpPr/>
+          <p:nvPr/>
+        </p:nvSpPr>
+        <p:spPr>
+          <a:xfrm>
+            <a:off x="724940" y="1044571"/>
+            <a:ext cx="7998646" cy="688341"/>
+          </a:xfrm>
+          <a:prstGeom prst="rect">
+            <a:avLst/>
+          </a:prstGeom>
+          <a:ln w="12700">
+            <a:miter lim="400000"/>
+          </a:ln>
+          <a:extLst>
+            <a:ext uri="{C572A759-6A51-4108-AA02-DFA0A04FC94B}">
+              <ma14:wrappingTextBoxFlag xmlns:ma14="http://schemas.microsoft.com/office/mac/drawingml/2011/main" xmlns="" val="1"/>
+            </a:ext>
+          </a:extLst>
+        </p:spPr>
+        <p:txBody>
+          <a:bodyPr lIns="45719" rIns="45719">
+            <a:normAutofit/>
+          </a:bodyPr>
+          <a:lstStyle>
+            <a:lvl1pPr>
+              <a:lnSpc>
+                <a:spcPct val="90000"/>
+              </a:lnSpc>
+              <a:spcBef>
+                <a:spcPts val="1000"/>
+              </a:spcBef>
+              <a:defRPr sz="4000">
+                <a:solidFill>
+                  <a:srgbClr val="414042"/>
+                </a:solidFill>
+              </a:defRPr>
+            </a:lvl1pPr>
+          </a:lstStyle>
+          <a:p>
+            <a:r>
+              <a:rPr lang="en-IE" dirty="0"/>
+              <a:t>Scenario 2 Adoption</a:t>
+            </a:r>
+          </a:p>
+        </p:txBody>
+      </p:sp>
+    </p:spTree>
+  </p:cSld>
+  <p:clrMapOvr>
+    <a:masterClrMapping/>
+  </p:clrMapOvr>
+  <p:transition spd="slow"/>
+</p:sld>
+</file>
+
+<file path=ppt/slides/slide42.xml><?xml version="1.0" encoding="utf-8"?>
+<p:sld xmlns:a="http://schemas.openxmlformats.org/drawingml/2006/main" xmlns:r="http://schemas.openxmlformats.org/officeDocument/2006/relationships" xmlns:p="http://schemas.openxmlformats.org/presentationml/2006/main">
+  <p:cSld>
+    <p:spTree>
+      <p:nvGrpSpPr>
+        <p:cNvPr id="1" name=""/>
+        <p:cNvGrpSpPr/>
+        <p:nvPr/>
+      </p:nvGrpSpPr>
+      <p:grpSpPr>
+        <a:xfrm>
+          <a:off x="0" y="0"/>
+          <a:ext cx="0" cy="0"/>
+          <a:chOff x="0" y="0"/>
+          <a:chExt cx="0" cy="0"/>
+        </a:xfrm>
+      </p:grpSpPr>
+      <p:sp>
+        <p:nvSpPr>
           <p:cNvPr id="335" name="Shape 335"/>
           <p:cNvSpPr>
             <a:spLocks noGrp="1"/>
@@ -17733,8 +19317,13 @@
             </a:r>
             <a:r>
               <a:rPr sz="4000" dirty="0"/>
-              <a:t> 2</a:t>
-            </a:r>
+              <a:t> </a:t>
+            </a:r>
+            <a:r>
+              <a:rPr lang="en-IE" sz="4000" dirty="0"/>
+              <a:t>3</a:t>
+            </a:r>
+            <a:endParaRPr sz="4000" dirty="0"/>
           </a:p>
         </p:txBody>
       </p:sp>
@@ -17760,7 +19349,7 @@
           </a:ln>
           <a:extLst>
             <a:ext uri="{C572A759-6A51-4108-AA02-DFA0A04FC94B}">
-              <ma14:wrappingTextBoxFlag xmlns="" xmlns:ma14="http://schemas.microsoft.com/office/mac/drawingml/2011/main" val="1"/>
+              <ma14:wrappingTextBoxFlag xmlns:ma14="http://schemas.microsoft.com/office/mac/drawingml/2011/main" xmlns="" val="1"/>
             </a:ext>
           </a:extLst>
         </p:spPr>
@@ -18138,7 +19727,7 @@
 </p:sld>
 </file>
 
-<file path=ppt/slides/slide41.xml><?xml version="1.0" encoding="utf-8"?>
+<file path=ppt/slides/slide43.xml><?xml version="1.0" encoding="utf-8"?>
 <p:sld xmlns:a="http://schemas.openxmlformats.org/drawingml/2006/main" xmlns:r="http://schemas.openxmlformats.org/officeDocument/2006/relationships" xmlns:p="http://schemas.openxmlformats.org/presentationml/2006/main">
   <p:cSld>
     <p:spTree>
@@ -18193,7 +19782,15 @@
             </a:r>
             <a:r>
               <a:rPr sz="4000" dirty="0"/>
-              <a:t> 2 </a:t>
+              <a:t> </a:t>
+            </a:r>
+            <a:r>
+              <a:rPr lang="en-IE" sz="4000" dirty="0"/>
+              <a:t>3</a:t>
+            </a:r>
+            <a:r>
+              <a:rPr sz="4000" dirty="0"/>
+              <a:t> </a:t>
             </a:r>
             <a:r>
               <a:rPr lang="en-IE" sz="4000" dirty="0"/>
@@ -18222,7 +19819,7 @@
           </a:ln>
           <a:extLst>
             <a:ext uri="{C572A759-6A51-4108-AA02-DFA0A04FC94B}">
-              <ma14:wrappingTextBoxFlag xmlns="" xmlns:ma14="http://schemas.microsoft.com/office/mac/drawingml/2011/main" val="1"/>
+              <ma14:wrappingTextBoxFlag xmlns:ma14="http://schemas.microsoft.com/office/mac/drawingml/2011/main" xmlns="" val="1"/>
             </a:ext>
           </a:extLst>
         </p:spPr>
@@ -19193,7 +20790,7 @@
 </p:sld>
 </file>
 
-<file path=ppt/slides/slide42.xml><?xml version="1.0" encoding="utf-8"?>
+<file path=ppt/slides/slide44.xml><?xml version="1.0" encoding="utf-8"?>
 <p:sld xmlns:a="http://schemas.openxmlformats.org/drawingml/2006/main" xmlns:r="http://schemas.openxmlformats.org/officeDocument/2006/relationships" xmlns:p="http://schemas.openxmlformats.org/presentationml/2006/main">
   <p:cSld>
     <p:spTree>
@@ -19229,9 +20826,8 @@
           <a:p>
             <a:r>
               <a:rPr lang="en-IE" dirty="0"/>
-              <a:t>Scenario 3</a:t>
-            </a:r>
-            <a:endParaRPr lang="en-IE" dirty="0"/>
+              <a:t>Scenario 4</a:t>
+            </a:r>
           </a:p>
         </p:txBody>
       </p:sp>
@@ -19258,7 +20854,7 @@
           </a:ln>
           <a:extLst>
             <a:ext uri="{C572A759-6A51-4108-AA02-DFA0A04FC94B}">
-              <ma14:wrappingTextBoxFlag xmlns="" xmlns:ma14="http://schemas.microsoft.com/office/mac/drawingml/2011/main" val="1"/>
+              <ma14:wrappingTextBoxFlag xmlns:ma14="http://schemas.microsoft.com/office/mac/drawingml/2011/main" xmlns="" val="1"/>
             </a:ext>
           </a:extLst>
         </p:spPr>
@@ -20381,7 +21977,7 @@
 </p:sld>
 </file>
 
-<file path=ppt/slides/slide43.xml><?xml version="1.0" encoding="utf-8"?>
+<file path=ppt/slides/slide45.xml><?xml version="1.0" encoding="utf-8"?>
 <p:sld xmlns:a="http://schemas.openxmlformats.org/drawingml/2006/main" xmlns:r="http://schemas.openxmlformats.org/officeDocument/2006/relationships" xmlns:p="http://schemas.openxmlformats.org/presentationml/2006/main">
   <p:cSld>
     <p:spTree>
@@ -20436,15 +22032,11 @@
             </a:r>
             <a:r>
               <a:rPr sz="4000" dirty="0"/>
-              <a:t> 3</a:t>
+              <a:t> </a:t>
             </a:r>
             <a:r>
               <a:rPr lang="en-IE" sz="4000" dirty="0"/>
-              <a:t> </a:t>
-            </a:r>
-            <a:r>
-              <a:rPr lang="en-IE" sz="4000" dirty="0"/>
-              <a:t>Adoption</a:t>
+              <a:t>4 Adoption</a:t>
             </a:r>
             <a:endParaRPr sz="4000" dirty="0"/>
           </a:p>
@@ -21501,7 +23093,7 @@
           </a:ln>
           <a:extLst>
             <a:ext uri="{C572A759-6A51-4108-AA02-DFA0A04FC94B}">
-              <ma14:wrappingTextBoxFlag xmlns="" xmlns:ma14="http://schemas.microsoft.com/office/mac/drawingml/2011/main" val="1"/>
+              <ma14:wrappingTextBoxFlag xmlns:ma14="http://schemas.microsoft.com/office/mac/drawingml/2011/main" xmlns="" val="1"/>
             </a:ext>
           </a:extLst>
         </p:spPr>
@@ -21548,7 +23140,7 @@
 </p:sld>
 </file>
 
-<file path=ppt/slides/slide44.xml><?xml version="1.0" encoding="utf-8"?>
+<file path=ppt/slides/slide46.xml><?xml version="1.0" encoding="utf-8"?>
 <p:sld xmlns:a="http://schemas.openxmlformats.org/drawingml/2006/main" xmlns:r="http://schemas.openxmlformats.org/officeDocument/2006/relationships" xmlns:p="http://schemas.openxmlformats.org/presentationml/2006/main">
   <p:cSld>
     <p:spTree>
@@ -21609,7 +23201,7 @@
 </p:sld>
 </file>
 
-<file path=ppt/slides/slide45.xml><?xml version="1.0" encoding="utf-8"?>
+<file path=ppt/slides/slide47.xml><?xml version="1.0" encoding="utf-8"?>
 <p:sld xmlns:a="http://schemas.openxmlformats.org/drawingml/2006/main" xmlns:r="http://schemas.openxmlformats.org/officeDocument/2006/relationships" xmlns:p="http://schemas.openxmlformats.org/presentationml/2006/main">
   <p:cSld>
     <p:spTree>
@@ -21645,7 +23237,7 @@
           </a:ln>
           <a:extLst>
             <a:ext uri="{C572A759-6A51-4108-AA02-DFA0A04FC94B}">
-              <ma14:wrappingTextBoxFlag xmlns="" xmlns:ma14="http://schemas.microsoft.com/office/mac/drawingml/2011/main" val="1"/>
+              <ma14:wrappingTextBoxFlag xmlns:ma14="http://schemas.microsoft.com/office/mac/drawingml/2011/main" xmlns="" val="1"/>
             </a:ext>
           </a:extLst>
         </p:spPr>
@@ -21745,7 +23337,7 @@
 </p:sld>
 </file>
 
-<file path=ppt/slides/slide46.xml><?xml version="1.0" encoding="utf-8"?>
+<file path=ppt/slides/slide48.xml><?xml version="1.0" encoding="utf-8"?>
 <p:sld xmlns:a="http://schemas.openxmlformats.org/drawingml/2006/main" xmlns:r="http://schemas.openxmlformats.org/officeDocument/2006/relationships" xmlns:p="http://schemas.openxmlformats.org/presentationml/2006/main">
   <p:cSld>
     <p:spTree>
@@ -21881,7 +23473,7 @@
           </a:ln>
           <a:extLst>
             <a:ext uri="{C572A759-6A51-4108-AA02-DFA0A04FC94B}">
-              <ma14:wrappingTextBoxFlag xmlns="" xmlns:ma14="http://schemas.microsoft.com/office/mac/drawingml/2011/main" val="1"/>
+              <ma14:wrappingTextBoxFlag xmlns:ma14="http://schemas.microsoft.com/office/mac/drawingml/2011/main" xmlns="" val="1"/>
             </a:ext>
           </a:extLst>
         </p:spPr>
@@ -22047,7 +23639,7 @@
           </a:ln>
           <a:extLst>
             <a:ext uri="{C572A759-6A51-4108-AA02-DFA0A04FC94B}">
-              <ma14:wrappingTextBoxFlag xmlns="" xmlns:ma14="http://schemas.microsoft.com/office/mac/drawingml/2011/main" val="1"/>
+              <ma14:wrappingTextBoxFlag xmlns:ma14="http://schemas.microsoft.com/office/mac/drawingml/2011/main" xmlns="" val="1"/>
             </a:ext>
           </a:extLst>
         </p:spPr>
@@ -22373,7 +23965,7 @@
           </a:prstGeom>
           <a:extLst>
             <a:ext uri="{C572A759-6A51-4108-AA02-DFA0A04FC94B}">
-              <ma14:wrappingTextBoxFlag xmlns="" xmlns:ma14="http://schemas.microsoft.com/office/mac/drawingml/2011/main" val="1"/>
+              <ma14:wrappingTextBoxFlag xmlns:ma14="http://schemas.microsoft.com/office/mac/drawingml/2011/main" xmlns="" val="1"/>
             </a:ext>
           </a:extLst>
         </p:spPr>
@@ -22543,7 +24135,7 @@
           </a:prstGeom>
           <a:extLst>
             <a:ext uri="{C572A759-6A51-4108-AA02-DFA0A04FC94B}">
-              <ma14:wrappingTextBoxFlag xmlns="" xmlns:ma14="http://schemas.microsoft.com/office/mac/drawingml/2011/main" val="1"/>
+              <ma14:wrappingTextBoxFlag xmlns:ma14="http://schemas.microsoft.com/office/mac/drawingml/2011/main" xmlns="" val="1"/>
             </a:ext>
           </a:extLst>
         </p:spPr>
@@ -22694,7 +24286,7 @@
           </a:prstGeom>
           <a:extLst>
             <a:ext uri="{C572A759-6A51-4108-AA02-DFA0A04FC94B}">
-              <ma14:wrappingTextBoxFlag xmlns="" xmlns:ma14="http://schemas.microsoft.com/office/mac/drawingml/2011/main" val="1"/>
+              <ma14:wrappingTextBoxFlag xmlns:ma14="http://schemas.microsoft.com/office/mac/drawingml/2011/main" xmlns="" val="1"/>
             </a:ext>
           </a:extLst>
         </p:spPr>
@@ -22955,7 +24547,7 @@
           </a:ln>
           <a:extLst>
             <a:ext uri="{C572A759-6A51-4108-AA02-DFA0A04FC94B}">
-              <ma14:wrappingTextBoxFlag xmlns="" xmlns:ma14="http://schemas.microsoft.com/office/mac/drawingml/2011/main" val="1"/>
+              <ma14:wrappingTextBoxFlag xmlns:ma14="http://schemas.microsoft.com/office/mac/drawingml/2011/main" xmlns="" val="1"/>
             </a:ext>
           </a:extLst>
         </p:spPr>
